--- a/computational_reproducibility/lecture/2018_ComputationalReproducibility_Bruhwiler_USPAS.pptx
+++ b/computational_reproducibility/lecture/2018_ComputationalReproducibility_Bruhwiler_USPAS.pptx
@@ -5,19 +5,18 @@
     <p:sldMasterId id="2147483696" r:id="rId1"/>
   </p:sldMasterIdLst>
   <p:notesMasterIdLst>
-    <p:notesMasterId r:id="rId12"/>
+    <p:notesMasterId r:id="rId11"/>
   </p:notesMasterIdLst>
   <p:sldIdLst>
     <p:sldId id="297" r:id="rId2"/>
     <p:sldId id="393" r:id="rId3"/>
-    <p:sldId id="401" r:id="rId4"/>
-    <p:sldId id="394" r:id="rId5"/>
-    <p:sldId id="395" r:id="rId6"/>
-    <p:sldId id="396" r:id="rId7"/>
-    <p:sldId id="397" r:id="rId8"/>
-    <p:sldId id="398" r:id="rId9"/>
-    <p:sldId id="399" r:id="rId10"/>
-    <p:sldId id="400" r:id="rId11"/>
+    <p:sldId id="402" r:id="rId4"/>
+    <p:sldId id="401" r:id="rId5"/>
+    <p:sldId id="394" r:id="rId6"/>
+    <p:sldId id="395" r:id="rId7"/>
+    <p:sldId id="396" r:id="rId8"/>
+    <p:sldId id="397" r:id="rId9"/>
+    <p:sldId id="400" r:id="rId10"/>
   </p:sldIdLst>
   <p:sldSz cx="9144000" cy="6858000" type="screen4x3"/>
   <p:notesSz cx="6858000" cy="9144000"/>
@@ -580,90 +579,6 @@
 </p:notes>
 </file>
 
-<file path=ppt/notesSlides/notesSlide10.xml><?xml version="1.0" encoding="utf-8"?>
-<p:notes xmlns:a="http://schemas.openxmlformats.org/drawingml/2006/main" xmlns:r="http://schemas.openxmlformats.org/officeDocument/2006/relationships" xmlns:p="http://schemas.openxmlformats.org/presentationml/2006/main">
-  <p:cSld>
-    <p:spTree>
-      <p:nvGrpSpPr>
-        <p:cNvPr id="1" name=""/>
-        <p:cNvGrpSpPr/>
-        <p:nvPr/>
-      </p:nvGrpSpPr>
-      <p:grpSpPr>
-        <a:xfrm>
-          <a:off x="0" y="0"/>
-          <a:ext cx="0" cy="0"/>
-          <a:chOff x="0" y="0"/>
-          <a:chExt cx="0" cy="0"/>
-        </a:xfrm>
-      </p:grpSpPr>
-      <p:sp>
-        <p:nvSpPr>
-          <p:cNvPr id="2" name="Slide Image Placeholder 1"/>
-          <p:cNvSpPr>
-            <a:spLocks noGrp="1" noRot="1" noChangeAspect="1"/>
-          </p:cNvSpPr>
-          <p:nvPr>
-            <p:ph type="sldImg"/>
-          </p:nvPr>
-        </p:nvSpPr>
-        <p:spPr/>
-      </p:sp>
-      <p:sp>
-        <p:nvSpPr>
-          <p:cNvPr id="3" name="Notes Placeholder 2"/>
-          <p:cNvSpPr>
-            <a:spLocks noGrp="1"/>
-          </p:cNvSpPr>
-          <p:nvPr>
-            <p:ph type="body" idx="1"/>
-          </p:nvPr>
-        </p:nvSpPr>
-        <p:spPr/>
-        <p:txBody>
-          <a:bodyPr/>
-          <a:lstStyle/>
-          <a:p>
-            <a:endParaRPr lang="en-US"/>
-          </a:p>
-        </p:txBody>
-      </p:sp>
-      <p:sp>
-        <p:nvSpPr>
-          <p:cNvPr id="4" name="Slide Number Placeholder 3"/>
-          <p:cNvSpPr>
-            <a:spLocks noGrp="1"/>
-          </p:cNvSpPr>
-          <p:nvPr>
-            <p:ph type="sldNum" sz="quarter" idx="10"/>
-          </p:nvPr>
-        </p:nvSpPr>
-        <p:spPr/>
-        <p:txBody>
-          <a:bodyPr/>
-          <a:lstStyle/>
-          <a:p>
-            <a:fld id="{4E0E9D85-81CD-44C8-8F15-3AA06C34AF8C}" type="slidenum">
-              <a:rPr lang="en-US" smtClean="0"/>
-              <a:t>10</a:t>
-            </a:fld>
-            <a:endParaRPr lang="en-US"/>
-          </a:p>
-        </p:txBody>
-      </p:sp>
-    </p:spTree>
-    <p:extLst>
-      <p:ext uri="{BB962C8B-B14F-4D97-AF65-F5344CB8AC3E}">
-        <p14:creationId xmlns:p14="http://schemas.microsoft.com/office/powerpoint/2010/main" val="2789813802"/>
-      </p:ext>
-    </p:extLst>
-  </p:cSld>
-  <p:clrMapOvr>
-    <a:masterClrMapping/>
-  </p:clrMapOvr>
-</p:notes>
-</file>
-
 <file path=ppt/notesSlides/notesSlide2.xml><?xml version="1.0" encoding="utf-8"?>
 <p:notes xmlns:a="http://schemas.openxmlformats.org/drawingml/2006/main" xmlns:r="http://schemas.openxmlformats.org/officeDocument/2006/relationships" xmlns:p="http://schemas.openxmlformats.org/presentationml/2006/main">
   <p:cSld>
@@ -822,7 +737,7 @@
     </p:spTree>
     <p:extLst>
       <p:ext uri="{BB962C8B-B14F-4D97-AF65-F5344CB8AC3E}">
-        <p14:creationId xmlns:p14="http://schemas.microsoft.com/office/powerpoint/2010/main" val="3002940322"/>
+        <p14:creationId xmlns:p14="http://schemas.microsoft.com/office/powerpoint/2010/main" val="3070082035"/>
       </p:ext>
     </p:extLst>
   </p:cSld>
@@ -906,7 +821,7 @@
     </p:spTree>
     <p:extLst>
       <p:ext uri="{BB962C8B-B14F-4D97-AF65-F5344CB8AC3E}">
-        <p14:creationId xmlns:p14="http://schemas.microsoft.com/office/powerpoint/2010/main" val="384814357"/>
+        <p14:creationId xmlns:p14="http://schemas.microsoft.com/office/powerpoint/2010/main" val="3002940322"/>
       </p:ext>
     </p:extLst>
   </p:cSld>
@@ -990,7 +905,7 @@
     </p:spTree>
     <p:extLst>
       <p:ext uri="{BB962C8B-B14F-4D97-AF65-F5344CB8AC3E}">
-        <p14:creationId xmlns:p14="http://schemas.microsoft.com/office/powerpoint/2010/main" val="2620879761"/>
+        <p14:creationId xmlns:p14="http://schemas.microsoft.com/office/powerpoint/2010/main" val="384814357"/>
       </p:ext>
     </p:extLst>
   </p:cSld>
@@ -1074,7 +989,7 @@
     </p:spTree>
     <p:extLst>
       <p:ext uri="{BB962C8B-B14F-4D97-AF65-F5344CB8AC3E}">
-        <p14:creationId xmlns:p14="http://schemas.microsoft.com/office/powerpoint/2010/main" val="2480711367"/>
+        <p14:creationId xmlns:p14="http://schemas.microsoft.com/office/powerpoint/2010/main" val="2620879761"/>
       </p:ext>
     </p:extLst>
   </p:cSld>
@@ -1158,7 +1073,7 @@
     </p:spTree>
     <p:extLst>
       <p:ext uri="{BB962C8B-B14F-4D97-AF65-F5344CB8AC3E}">
-        <p14:creationId xmlns:p14="http://schemas.microsoft.com/office/powerpoint/2010/main" val="720764118"/>
+        <p14:creationId xmlns:p14="http://schemas.microsoft.com/office/powerpoint/2010/main" val="2480711367"/>
       </p:ext>
     </p:extLst>
   </p:cSld>
@@ -1242,7 +1157,7 @@
     </p:spTree>
     <p:extLst>
       <p:ext uri="{BB962C8B-B14F-4D97-AF65-F5344CB8AC3E}">
-        <p14:creationId xmlns:p14="http://schemas.microsoft.com/office/powerpoint/2010/main" val="1513446406"/>
+        <p14:creationId xmlns:p14="http://schemas.microsoft.com/office/powerpoint/2010/main" val="720764118"/>
       </p:ext>
     </p:extLst>
   </p:cSld>
@@ -1326,7 +1241,7 @@
     </p:spTree>
     <p:extLst>
       <p:ext uri="{BB962C8B-B14F-4D97-AF65-F5344CB8AC3E}">
-        <p14:creationId xmlns:p14="http://schemas.microsoft.com/office/powerpoint/2010/main" val="422110913"/>
+        <p14:creationId xmlns:p14="http://schemas.microsoft.com/office/powerpoint/2010/main" val="2789813802"/>
       </p:ext>
     </p:extLst>
   </p:cSld>
@@ -2840,8 +2755,8 @@
         </p:nvSpPr>
         <p:spPr>
           <a:xfrm>
-            <a:off x="9860" y="61544"/>
-            <a:ext cx="9141864" cy="1204769"/>
+            <a:off x="0" y="134430"/>
+            <a:ext cx="9135531" cy="592114"/>
           </a:xfrm>
         </p:spPr>
         <p:txBody>
@@ -2856,19 +2771,39 @@
               </a:spcBef>
             </a:pPr>
             <a:r>
-              <a:rPr lang="en-US" sz="3200" i="1" smtClean="0">
-                <a:solidFill>
-                  <a:srgbClr val="005CA5"/>
-                </a:solidFill>
-                <a:latin typeface="Century Gothic" panose="020B0502020202020204" pitchFamily="34" charset="0"/>
-              </a:rPr>
-              <a:t>Computational Reproducibility</a:t>
-            </a:r>
-            <a:endParaRPr lang="en-US" sz="3200" i="1" dirty="0">
+              <a:rPr lang="en-US" sz="2800" i="1" smtClean="0">
+                <a:latin typeface="Times New Roman" panose="02020603050405020304" pitchFamily="18" charset="0"/>
+                <a:cs typeface="Times New Roman" panose="02020603050405020304" pitchFamily="18" charset="0"/>
+              </a:rPr>
+              <a:t>USPAS – Simulation </a:t>
+            </a:r>
+            <a:r>
+              <a:rPr lang="en-US" sz="2800" i="1">
+                <a:latin typeface="Times New Roman" panose="02020603050405020304" pitchFamily="18" charset="0"/>
+                <a:cs typeface="Times New Roman" panose="02020603050405020304" pitchFamily="18" charset="0"/>
+              </a:rPr>
+              <a:t>of Beam and </a:t>
+            </a:r>
+            <a:r>
+              <a:rPr lang="en-US" sz="2800" i="1">
+                <a:latin typeface="Times New Roman" panose="02020603050405020304" pitchFamily="18" charset="0"/>
+                <a:cs typeface="Times New Roman" panose="02020603050405020304" pitchFamily="18" charset="0"/>
+              </a:rPr>
+              <a:t>Plasma </a:t>
+            </a:r>
+            <a:r>
+              <a:rPr lang="en-US" sz="2800" i="1" smtClean="0">
+                <a:latin typeface="Times New Roman" panose="02020603050405020304" pitchFamily="18" charset="0"/>
+                <a:cs typeface="Times New Roman" panose="02020603050405020304" pitchFamily="18" charset="0"/>
+              </a:rPr>
+              <a:t>Systems</a:t>
+            </a:r>
+            <a:endParaRPr lang="en-US" sz="2800" dirty="0">
               <a:solidFill>
-                <a:srgbClr val="005CA5"/>
+                <a:srgbClr val="0070C0"/>
               </a:solidFill>
-              <a:latin typeface="Century Gothic" panose="020B0502020202020204" pitchFamily="34" charset="0"/>
+              <a:latin typeface="Times New Roman" panose="02020603050405020304" pitchFamily="18" charset="0"/>
+              <a:cs typeface="Times New Roman" panose="02020603050405020304" pitchFamily="18" charset="0"/>
             </a:endParaRPr>
           </a:p>
         </p:txBody>
@@ -2883,8 +2818,8 @@
         </p:nvSpPr>
         <p:spPr>
           <a:xfrm>
-            <a:off x="1090246" y="4224011"/>
-            <a:ext cx="6981092" cy="992680"/>
+            <a:off x="342670" y="3419064"/>
+            <a:ext cx="8542914" cy="1715133"/>
           </a:xfrm>
           <a:prstGeom prst="rect">
             <a:avLst/>
@@ -3022,41 +2957,166 @@
           <a:p>
             <a:pPr defTabSz="914400"/>
             <a:r>
-              <a:rPr lang="en-US" sz="2200" b="1" dirty="0">
-                <a:solidFill>
-                  <a:srgbClr val="B9D532"/>
-                </a:solidFill>
-                <a:latin typeface="Century Gothic" panose="020B0502020202020204" pitchFamily="34" charset="0"/>
-                <a:cs typeface="Times New Roman" pitchFamily="18" charset="0"/>
-              </a:rPr>
-              <a:t>presented at the HSC Section Meeting, CERN</a:t>
-            </a:r>
-          </a:p>
-          <a:p>
-            <a:pPr defTabSz="914400"/>
-            <a:r>
-              <a:rPr lang="en-US" sz="2000" dirty="0">
+              <a:rPr lang="en-US" sz="2400" smtClean="0">
                 <a:solidFill>
                   <a:schemeClr val="tx1"/>
                 </a:solidFill>
-                <a:latin typeface="Century Gothic" panose="020B0502020202020204" pitchFamily="34" charset="0"/>
-                <a:cs typeface="Times New Roman" pitchFamily="18" charset="0"/>
-              </a:rPr>
-              <a:t>(Hadron Synchrotron Collective effects)</a:t>
-            </a:r>
-          </a:p>
-          <a:p>
-            <a:pPr defTabSz="914400"/>
-            <a:r>
-              <a:rPr lang="en-US" sz="2000" dirty="0">
-                <a:solidFill>
-                  <a:srgbClr val="003399"/>
-                </a:solidFill>
-                <a:latin typeface="Century Gothic" panose="020B0502020202020204" pitchFamily="34" charset="0"/>
-                <a:cs typeface="Times New Roman" pitchFamily="18" charset="0"/>
-              </a:rPr>
-              <a:t>24 April 2017  –  Geneva</a:t>
-            </a:r>
+                <a:latin typeface="Times New Roman" panose="02020603050405020304" pitchFamily="18" charset="0"/>
+                <a:cs typeface="Times New Roman" panose="02020603050405020304" pitchFamily="18" charset="0"/>
+              </a:rPr>
+              <a:t>U.S. Particle Accelerator School  </a:t>
+            </a:r>
+            <a:r>
+              <a:rPr lang="en-US" sz="2000" smtClean="0">
+                <a:solidFill>
+                  <a:schemeClr val="tx1"/>
+                </a:solidFill>
+                <a:latin typeface="Times New Roman" panose="02020603050405020304" pitchFamily="18" charset="0"/>
+                <a:cs typeface="Times New Roman" panose="02020603050405020304" pitchFamily="18" charset="0"/>
+              </a:rPr>
+              <a:t>sponsored by </a:t>
+            </a:r>
+            <a:r>
+              <a:rPr lang="en-US" sz="2000" b="1" smtClean="0">
+                <a:solidFill>
+                  <a:srgbClr val="00B050"/>
+                </a:solidFill>
+                <a:latin typeface="Times New Roman" panose="02020603050405020304" pitchFamily="18" charset="0"/>
+                <a:cs typeface="Times New Roman" panose="02020603050405020304" pitchFamily="18" charset="0"/>
+              </a:rPr>
+              <a:t>Old Dominion University</a:t>
+            </a:r>
+          </a:p>
+          <a:p>
+            <a:pPr defTabSz="914400">
+              <a:spcBef>
+                <a:spcPts val="600"/>
+              </a:spcBef>
+            </a:pPr>
+            <a:r>
+              <a:rPr lang="en-US" sz="2000" smtClean="0">
+                <a:solidFill>
+                  <a:schemeClr val="tx1"/>
+                </a:solidFill>
+                <a:latin typeface="Times New Roman" panose="02020603050405020304" pitchFamily="18" charset="0"/>
+                <a:cs typeface="Times New Roman" panose="02020603050405020304" pitchFamily="18" charset="0"/>
+                <a:hlinkClick r:id="rId3"/>
+              </a:rPr>
+              <a:t>http</a:t>
+            </a:r>
+            <a:r>
+              <a:rPr lang="en-US" sz="2000">
+                <a:solidFill>
+                  <a:schemeClr val="tx1"/>
+                </a:solidFill>
+                <a:latin typeface="Times New Roman" panose="02020603050405020304" pitchFamily="18" charset="0"/>
+                <a:cs typeface="Times New Roman" panose="02020603050405020304" pitchFamily="18" charset="0"/>
+                <a:hlinkClick r:id="rId3"/>
+              </a:rPr>
+              <a:t>://</a:t>
+            </a:r>
+            <a:r>
+              <a:rPr lang="en-US" sz="2000" smtClean="0">
+                <a:solidFill>
+                  <a:schemeClr val="tx1"/>
+                </a:solidFill>
+                <a:latin typeface="Times New Roman" panose="02020603050405020304" pitchFamily="18" charset="0"/>
+                <a:cs typeface="Times New Roman" panose="02020603050405020304" pitchFamily="18" charset="0"/>
+                <a:hlinkClick r:id="rId3"/>
+              </a:rPr>
+              <a:t>uspas.fnal.gov/programs/2018/odu/courses/beam-plasma-systems.shtml</a:t>
+            </a:r>
+            <a:r>
+              <a:rPr lang="en-US" sz="2000" smtClean="0">
+                <a:solidFill>
+                  <a:schemeClr val="tx1"/>
+                </a:solidFill>
+                <a:latin typeface="Times New Roman" panose="02020603050405020304" pitchFamily="18" charset="0"/>
+                <a:cs typeface="Times New Roman" panose="02020603050405020304" pitchFamily="18" charset="0"/>
+              </a:rPr>
+              <a:t> </a:t>
+            </a:r>
+            <a:endParaRPr lang="en-US" sz="1800">
+              <a:solidFill>
+                <a:schemeClr val="tx1"/>
+              </a:solidFill>
+              <a:latin typeface="Times New Roman" panose="02020603050405020304" pitchFamily="18" charset="0"/>
+              <a:cs typeface="Times New Roman" panose="02020603050405020304" pitchFamily="18" charset="0"/>
+            </a:endParaRPr>
+          </a:p>
+          <a:p>
+            <a:pPr defTabSz="914400">
+              <a:spcBef>
+                <a:spcPts val="2400"/>
+              </a:spcBef>
+            </a:pPr>
+            <a:r>
+              <a:rPr lang="en-US" sz="2400" smtClean="0">
+                <a:solidFill>
+                  <a:srgbClr val="0070C0"/>
+                </a:solidFill>
+                <a:latin typeface="Times New Roman" panose="02020603050405020304" pitchFamily="18" charset="0"/>
+                <a:cs typeface="Times New Roman" panose="02020603050405020304" pitchFamily="18" charset="0"/>
+              </a:rPr>
+              <a:t>January </a:t>
+            </a:r>
+            <a:r>
+              <a:rPr lang="en-US" sz="2400">
+                <a:solidFill>
+                  <a:srgbClr val="0070C0"/>
+                </a:solidFill>
+                <a:latin typeface="Times New Roman" panose="02020603050405020304" pitchFamily="18" charset="0"/>
+                <a:cs typeface="Times New Roman" panose="02020603050405020304" pitchFamily="18" charset="0"/>
+              </a:rPr>
+              <a:t>15-26</a:t>
+            </a:r>
+            <a:r>
+              <a:rPr lang="en-US" sz="2400">
+                <a:solidFill>
+                  <a:srgbClr val="0070C0"/>
+                </a:solidFill>
+                <a:latin typeface="Times New Roman" panose="02020603050405020304" pitchFamily="18" charset="0"/>
+                <a:cs typeface="Times New Roman" panose="02020603050405020304" pitchFamily="18" charset="0"/>
+              </a:rPr>
+              <a:t>, </a:t>
+            </a:r>
+            <a:r>
+              <a:rPr lang="en-US" sz="2400" smtClean="0">
+                <a:solidFill>
+                  <a:srgbClr val="0070C0"/>
+                </a:solidFill>
+                <a:latin typeface="Times New Roman" panose="02020603050405020304" pitchFamily="18" charset="0"/>
+                <a:cs typeface="Times New Roman" panose="02020603050405020304" pitchFamily="18" charset="0"/>
+              </a:rPr>
+              <a:t>2018    –    Hampton</a:t>
+            </a:r>
+            <a:r>
+              <a:rPr lang="en-US" sz="2400">
+                <a:solidFill>
+                  <a:srgbClr val="0070C0"/>
+                </a:solidFill>
+                <a:latin typeface="Times New Roman" panose="02020603050405020304" pitchFamily="18" charset="0"/>
+                <a:cs typeface="Times New Roman" panose="02020603050405020304" pitchFamily="18" charset="0"/>
+              </a:rPr>
+              <a:t>, </a:t>
+            </a:r>
+            <a:r>
+              <a:rPr lang="en-US" sz="2400" smtClean="0">
+                <a:solidFill>
+                  <a:srgbClr val="0070C0"/>
+                </a:solidFill>
+                <a:latin typeface="Times New Roman" panose="02020603050405020304" pitchFamily="18" charset="0"/>
+                <a:cs typeface="Times New Roman" panose="02020603050405020304" pitchFamily="18" charset="0"/>
+              </a:rPr>
+              <a:t>Virginia</a:t>
+            </a:r>
+            <a:endParaRPr lang="en-US" sz="2400">
+              <a:solidFill>
+                <a:srgbClr val="0070C0"/>
+              </a:solidFill>
+              <a:latin typeface="Times New Roman" panose="02020603050405020304" pitchFamily="18" charset="0"/>
+              <a:cs typeface="Times New Roman" panose="02020603050405020304" pitchFamily="18" charset="0"/>
+            </a:endParaRPr>
           </a:p>
         </p:txBody>
       </p:sp>
@@ -3070,8 +3130,8 @@
         </p:nvSpPr>
         <p:spPr bwMode="auto">
           <a:xfrm>
-            <a:off x="46435" y="1631235"/>
-            <a:ext cx="9124940" cy="459074"/>
+            <a:off x="342670" y="1843267"/>
+            <a:ext cx="8809053" cy="982294"/>
           </a:xfrm>
           <a:prstGeom prst="rect">
             <a:avLst/>
@@ -3090,31 +3150,31 @@
           </a:bodyPr>
           <a:lstStyle/>
           <a:p>
-            <a:pPr algn="ctr" defTabSz="914400" eaLnBrk="0" hangingPunct="0">
+            <a:pPr defTabSz="914400" eaLnBrk="0" hangingPunct="0">
               <a:spcBef>
                 <a:spcPts val="1200"/>
               </a:spcBef>
               <a:defRPr/>
             </a:pPr>
             <a:r>
-              <a:rPr lang="en-US" sz="2400" dirty="0">
+              <a:rPr lang="en-US" sz="2400" smtClean="0">
                 <a:solidFill>
                   <a:prstClr val="black"/>
                 </a:solidFill>
-                <a:latin typeface="Arial" charset="0"/>
+                <a:latin typeface="Times New Roman" panose="02020603050405020304" pitchFamily="18" charset="0"/>
                 <a:ea typeface="ＭＳ Ｐゴシック"/>
-                <a:cs typeface="ＭＳ Ｐゴシック"/>
-              </a:rPr>
-              <a:t>D.L</a:t>
+                <a:cs typeface="Times New Roman" panose="02020603050405020304" pitchFamily="18" charset="0"/>
+              </a:rPr>
+              <a:t>Instructor:   David L</a:t>
             </a:r>
             <a:r>
               <a:rPr lang="en-US" sz="2400">
                 <a:solidFill>
                   <a:prstClr val="black"/>
                 </a:solidFill>
-                <a:latin typeface="Arial" charset="0"/>
+                <a:latin typeface="Times New Roman" panose="02020603050405020304" pitchFamily="18" charset="0"/>
                 <a:ea typeface="ＭＳ Ｐゴシック"/>
-                <a:cs typeface="ＭＳ Ｐゴシック"/>
+                <a:cs typeface="Times New Roman" panose="02020603050405020304" pitchFamily="18" charset="0"/>
               </a:rPr>
               <a:t>. </a:t>
             </a:r>
@@ -3123,20 +3183,39 @@
                 <a:solidFill>
                   <a:prstClr val="black"/>
                 </a:solidFill>
-                <a:latin typeface="Arial" charset="0"/>
+                <a:latin typeface="Times New Roman" panose="02020603050405020304" pitchFamily="18" charset="0"/>
                 <a:ea typeface="ＭＳ Ｐゴシック"/>
-                <a:cs typeface="ＭＳ Ｐゴシック"/>
-              </a:rPr>
-              <a:t>Bruhwiler, </a:t>
-            </a:r>
-            <a:r>
-              <a:rPr lang="en-US" sz="2400" dirty="0">
+                <a:cs typeface="Times New Roman" panose="02020603050405020304" pitchFamily="18" charset="0"/>
+              </a:rPr>
+              <a:t>Bruhwiler</a:t>
+            </a:r>
+          </a:p>
+          <a:p>
+            <a:pPr defTabSz="914400" eaLnBrk="0" hangingPunct="0">
+              <a:spcBef>
+                <a:spcPts val="1200"/>
+              </a:spcBef>
+              <a:defRPr/>
+            </a:pPr>
+            <a:r>
+              <a:rPr lang="en-US" sz="2400" smtClean="0">
                 <a:solidFill>
                   <a:prstClr val="black"/>
                 </a:solidFill>
-                <a:latin typeface="Arial" charset="0"/>
+                <a:latin typeface="Times New Roman" panose="02020603050405020304" pitchFamily="18" charset="0"/>
                 <a:ea typeface="ＭＳ Ｐゴシック"/>
-                <a:cs typeface="ＭＳ Ｐゴシック"/>
+                <a:cs typeface="Times New Roman" panose="02020603050405020304" pitchFamily="18" charset="0"/>
+              </a:rPr>
+              <a:t>Contributors:  </a:t>
+            </a:r>
+            <a:r>
+              <a:rPr lang="en-US" sz="2400" smtClean="0">
+                <a:solidFill>
+                  <a:prstClr val="black"/>
+                </a:solidFill>
+                <a:latin typeface="Times New Roman" panose="02020603050405020304" pitchFamily="18" charset="0"/>
+                <a:ea typeface="ＭＳ Ｐゴシック"/>
+                <a:cs typeface="Times New Roman" panose="02020603050405020304" pitchFamily="18" charset="0"/>
               </a:rPr>
               <a:t>R</a:t>
             </a:r>
@@ -3145,9 +3224,9 @@
                 <a:solidFill>
                   <a:prstClr val="black"/>
                 </a:solidFill>
-                <a:latin typeface="Arial" charset="0"/>
+                <a:latin typeface="Times New Roman" panose="02020603050405020304" pitchFamily="18" charset="0"/>
                 <a:ea typeface="ＭＳ Ｐゴシック"/>
-                <a:cs typeface="ＭＳ Ｐゴシック"/>
+                <a:cs typeface="Times New Roman" panose="02020603050405020304" pitchFamily="18" charset="0"/>
               </a:rPr>
               <a:t>. Nagler </a:t>
             </a:r>
@@ -3156,9 +3235,9 @@
                 <a:solidFill>
                   <a:prstClr val="black"/>
                 </a:solidFill>
-                <a:latin typeface="Arial" charset="0"/>
+                <a:latin typeface="Times New Roman" panose="02020603050405020304" pitchFamily="18" charset="0"/>
                 <a:ea typeface="ＭＳ Ｐゴシック"/>
-                <a:cs typeface="ＭＳ Ｐゴシック"/>
+                <a:cs typeface="Times New Roman" panose="02020603050405020304" pitchFamily="18" charset="0"/>
               </a:rPr>
               <a:t>and P</a:t>
             </a:r>
@@ -3167,9 +3246,9 @@
                 <a:solidFill>
                   <a:prstClr val="black"/>
                 </a:solidFill>
-                <a:latin typeface="Arial" charset="0"/>
+                <a:latin typeface="Times New Roman" panose="02020603050405020304" pitchFamily="18" charset="0"/>
                 <a:ea typeface="ＭＳ Ｐゴシック"/>
-                <a:cs typeface="ＭＳ Ｐゴシック"/>
+                <a:cs typeface="Times New Roman" panose="02020603050405020304" pitchFamily="18" charset="0"/>
               </a:rPr>
               <a:t>. Moeller</a:t>
             </a:r>
@@ -3177,9 +3256,9 @@
               <a:solidFill>
                 <a:prstClr val="black"/>
               </a:solidFill>
-              <a:latin typeface="Arial" charset="0"/>
+              <a:latin typeface="Times New Roman" panose="02020603050405020304" pitchFamily="18" charset="0"/>
               <a:ea typeface="ＭＳ Ｐゴシック"/>
-              <a:cs typeface="Arial" charset="0"/>
+              <a:cs typeface="Times New Roman" panose="02020603050405020304" pitchFamily="18" charset="0"/>
             </a:endParaRPr>
           </a:p>
         </p:txBody>
@@ -3194,7 +3273,7 @@
         </p:nvSpPr>
         <p:spPr bwMode="auto">
           <a:xfrm>
-            <a:off x="223401" y="5767115"/>
+            <a:off x="342669" y="5767115"/>
             <a:ext cx="5967998" cy="738664"/>
           </a:xfrm>
           <a:prstGeom prst="rect">
@@ -3273,7 +3352,7 @@
               <a:t> </a:t>
             </a:r>
             <a:r>
-              <a:rPr lang="en-US" sz="1400" dirty="0">
+              <a:rPr lang="en-US" sz="1400">
                 <a:solidFill>
                   <a:prstClr val="black"/>
                 </a:solidFill>
@@ -3281,8 +3360,38 @@
                 <a:ea typeface="DejaVu Sans"/>
                 <a:cs typeface="Times New Roman" panose="02020603050405020304" pitchFamily="18" charset="0"/>
               </a:rPr>
-              <a:t>DE-SC0006284 and DE-SC0017161.</a:t>
-            </a:r>
+              <a:t>DE-SC0011237 </a:t>
+            </a:r>
+            <a:r>
+              <a:rPr lang="en-US" sz="1400">
+                <a:solidFill>
+                  <a:prstClr val="black"/>
+                </a:solidFill>
+                <a:latin typeface="Times New Roman" panose="02020603050405020304" pitchFamily="18" charset="0"/>
+                <a:ea typeface="DejaVu Sans"/>
+                <a:cs typeface="Times New Roman" panose="02020603050405020304" pitchFamily="18" charset="0"/>
+              </a:rPr>
+              <a:t>and </a:t>
+            </a:r>
+            <a:r>
+              <a:rPr lang="en-US" sz="1400">
+                <a:solidFill>
+                  <a:prstClr val="black"/>
+                </a:solidFill>
+                <a:latin typeface="Times New Roman" panose="02020603050405020304" pitchFamily="18" charset="0"/>
+                <a:ea typeface="DejaVu Sans"/>
+                <a:cs typeface="Times New Roman" panose="02020603050405020304" pitchFamily="18" charset="0"/>
+              </a:rPr>
+              <a:t>DE-SC0011340.</a:t>
+            </a:r>
+            <a:endParaRPr lang="en-US" sz="1400" dirty="0">
+              <a:solidFill>
+                <a:prstClr val="black"/>
+              </a:solidFill>
+              <a:latin typeface="Times New Roman" panose="02020603050405020304" pitchFamily="18" charset="0"/>
+              <a:ea typeface="DejaVu Sans"/>
+              <a:cs typeface="Times New Roman" panose="02020603050405020304" pitchFamily="18" charset="0"/>
+            </a:endParaRPr>
           </a:p>
         </p:txBody>
       </p:sp>
@@ -3295,7 +3404,7 @@
           <p:nvPr/>
         </p:nvPicPr>
         <p:blipFill>
-          <a:blip r:embed="rId3" cstate="print">
+          <a:blip r:embed="rId4" cstate="print">
             <a:extLst>
               <a:ext uri="{28A0092B-C50C-407E-A947-70E740481C1C}">
                 <a14:useLocalDpi xmlns:a14="http://schemas.microsoft.com/office/drawing/2010/main" val="0"/>
@@ -3325,7 +3434,7 @@
           <p:nvPr/>
         </p:nvPicPr>
         <p:blipFill>
-          <a:blip r:embed="rId4">
+          <a:blip r:embed="rId5">
             <a:extLst>
               <a:ext uri="{28A0092B-C50C-407E-A947-70E740481C1C}">
                 <a14:useLocalDpi xmlns:a14="http://schemas.microsoft.com/office/drawing/2010/main" val="0"/>
@@ -3338,7 +3447,7 @@
         </p:blipFill>
         <p:spPr>
           <a:xfrm>
-            <a:off x="6064462" y="2187235"/>
+            <a:off x="6018080" y="1796498"/>
             <a:ext cx="2754553" cy="535992"/>
           </a:xfrm>
           <a:prstGeom prst="rect">
@@ -3346,174 +3455,204 @@
           </a:prstGeom>
         </p:spPr>
       </p:pic>
+      <p:sp>
+        <p:nvSpPr>
+          <p:cNvPr id="8" name="Title 1"/>
+          <p:cNvSpPr txBox="1">
+            <a:spLocks/>
+          </p:cNvSpPr>
+          <p:nvPr/>
+        </p:nvSpPr>
+        <p:spPr bwMode="auto">
+          <a:xfrm>
+            <a:off x="342669" y="775503"/>
+            <a:ext cx="8542915" cy="527924"/>
+          </a:xfrm>
+          <a:prstGeom prst="rect">
+            <a:avLst/>
+          </a:prstGeom>
+          <a:noFill/>
+          <a:ln w="9525">
+            <a:noFill/>
+            <a:miter lim="800000"/>
+            <a:headEnd/>
+            <a:tailEnd/>
+          </a:ln>
+        </p:spPr>
+        <p:txBody>
+          <a:bodyPr vert="horz" wrap="square" lIns="91440" tIns="45720" rIns="91440" bIns="45720" numCol="1" anchor="ctr" anchorCtr="0" compatLnSpc="1">
+            <a:prstTxWarp prst="textNoShape">
+              <a:avLst/>
+            </a:prstTxWarp>
+            <a:noAutofit/>
+          </a:bodyPr>
+          <a:lstStyle>
+            <a:lvl1pPr algn="ctr" rtl="0" eaLnBrk="0" fontAlgn="base" hangingPunct="0">
+              <a:spcBef>
+                <a:spcPct val="0"/>
+              </a:spcBef>
+              <a:spcAft>
+                <a:spcPct val="0"/>
+              </a:spcAft>
+              <a:defRPr sz="4400" kern="1200">
+                <a:solidFill>
+                  <a:schemeClr val="tx1"/>
+                </a:solidFill>
+                <a:latin typeface="+mj-lt"/>
+                <a:ea typeface="+mj-ea"/>
+                <a:cs typeface="+mj-cs"/>
+              </a:defRPr>
+            </a:lvl1pPr>
+            <a:lvl2pPr algn="ctr" rtl="0" eaLnBrk="0" fontAlgn="base" hangingPunct="0">
+              <a:spcBef>
+                <a:spcPct val="0"/>
+              </a:spcBef>
+              <a:spcAft>
+                <a:spcPct val="0"/>
+              </a:spcAft>
+              <a:defRPr sz="4400">
+                <a:solidFill>
+                  <a:schemeClr val="tx1"/>
+                </a:solidFill>
+                <a:latin typeface="Calibri" pitchFamily="34" charset="0"/>
+              </a:defRPr>
+            </a:lvl2pPr>
+            <a:lvl3pPr algn="ctr" rtl="0" eaLnBrk="0" fontAlgn="base" hangingPunct="0">
+              <a:spcBef>
+                <a:spcPct val="0"/>
+              </a:spcBef>
+              <a:spcAft>
+                <a:spcPct val="0"/>
+              </a:spcAft>
+              <a:defRPr sz="4400">
+                <a:solidFill>
+                  <a:schemeClr val="tx1"/>
+                </a:solidFill>
+                <a:latin typeface="Calibri" pitchFamily="34" charset="0"/>
+              </a:defRPr>
+            </a:lvl3pPr>
+            <a:lvl4pPr algn="ctr" rtl="0" eaLnBrk="0" fontAlgn="base" hangingPunct="0">
+              <a:spcBef>
+                <a:spcPct val="0"/>
+              </a:spcBef>
+              <a:spcAft>
+                <a:spcPct val="0"/>
+              </a:spcAft>
+              <a:defRPr sz="4400">
+                <a:solidFill>
+                  <a:schemeClr val="tx1"/>
+                </a:solidFill>
+                <a:latin typeface="Calibri" pitchFamily="34" charset="0"/>
+              </a:defRPr>
+            </a:lvl4pPr>
+            <a:lvl5pPr algn="ctr" rtl="0" eaLnBrk="0" fontAlgn="base" hangingPunct="0">
+              <a:spcBef>
+                <a:spcPct val="0"/>
+              </a:spcBef>
+              <a:spcAft>
+                <a:spcPct val="0"/>
+              </a:spcAft>
+              <a:defRPr sz="4400">
+                <a:solidFill>
+                  <a:schemeClr val="tx1"/>
+                </a:solidFill>
+                <a:latin typeface="Calibri" pitchFamily="34" charset="0"/>
+              </a:defRPr>
+            </a:lvl5pPr>
+            <a:lvl6pPr marL="457200" algn="ctr" rtl="0" fontAlgn="base">
+              <a:spcBef>
+                <a:spcPct val="0"/>
+              </a:spcBef>
+              <a:spcAft>
+                <a:spcPct val="0"/>
+              </a:spcAft>
+              <a:defRPr sz="4400">
+                <a:solidFill>
+                  <a:schemeClr val="tx1"/>
+                </a:solidFill>
+                <a:latin typeface="Calibri" pitchFamily="34" charset="0"/>
+              </a:defRPr>
+            </a:lvl6pPr>
+            <a:lvl7pPr marL="914400" algn="ctr" rtl="0" fontAlgn="base">
+              <a:spcBef>
+                <a:spcPct val="0"/>
+              </a:spcBef>
+              <a:spcAft>
+                <a:spcPct val="0"/>
+              </a:spcAft>
+              <a:defRPr sz="4400">
+                <a:solidFill>
+                  <a:schemeClr val="tx1"/>
+                </a:solidFill>
+                <a:latin typeface="Calibri" pitchFamily="34" charset="0"/>
+              </a:defRPr>
+            </a:lvl7pPr>
+            <a:lvl8pPr marL="1371600" algn="ctr" rtl="0" fontAlgn="base">
+              <a:spcBef>
+                <a:spcPct val="0"/>
+              </a:spcBef>
+              <a:spcAft>
+                <a:spcPct val="0"/>
+              </a:spcAft>
+              <a:defRPr sz="4400">
+                <a:solidFill>
+                  <a:schemeClr val="tx1"/>
+                </a:solidFill>
+                <a:latin typeface="Calibri" pitchFamily="34" charset="0"/>
+              </a:defRPr>
+            </a:lvl8pPr>
+            <a:lvl9pPr marL="1828800" algn="ctr" rtl="0" fontAlgn="base">
+              <a:spcBef>
+                <a:spcPct val="0"/>
+              </a:spcBef>
+              <a:spcAft>
+                <a:spcPct val="0"/>
+              </a:spcAft>
+              <a:defRPr sz="4400">
+                <a:solidFill>
+                  <a:schemeClr val="tx1"/>
+                </a:solidFill>
+                <a:latin typeface="Calibri" pitchFamily="34" charset="0"/>
+              </a:defRPr>
+            </a:lvl9pPr>
+          </a:lstStyle>
+          <a:p>
+            <a:pPr algn="l" defTabSz="914400">
+              <a:spcBef>
+                <a:spcPts val="0"/>
+              </a:spcBef>
+            </a:pPr>
+            <a:r>
+              <a:rPr lang="en-US" sz="2800" smtClean="0">
+                <a:latin typeface="Times New Roman" panose="02020603050405020304" pitchFamily="18" charset="0"/>
+                <a:cs typeface="Times New Roman" panose="02020603050405020304" pitchFamily="18" charset="0"/>
+              </a:rPr>
+              <a:t>Lecture:	</a:t>
+            </a:r>
+            <a:r>
+              <a:rPr lang="en-US" sz="2800" smtClean="0">
+                <a:solidFill>
+                  <a:srgbClr val="0070C0"/>
+                </a:solidFill>
+                <a:latin typeface="Times New Roman" panose="02020603050405020304" pitchFamily="18" charset="0"/>
+                <a:cs typeface="Times New Roman" panose="02020603050405020304" pitchFamily="18" charset="0"/>
+              </a:rPr>
+              <a:t>Computational Reproducibility</a:t>
+            </a:r>
+            <a:endParaRPr lang="en-US" sz="2800" dirty="0">
+              <a:solidFill>
+                <a:srgbClr val="0070C0"/>
+              </a:solidFill>
+              <a:latin typeface="Times New Roman" panose="02020603050405020304" pitchFamily="18" charset="0"/>
+              <a:cs typeface="Times New Roman" panose="02020603050405020304" pitchFamily="18" charset="0"/>
+            </a:endParaRPr>
+          </a:p>
+        </p:txBody>
+      </p:sp>
     </p:spTree>
     <p:extLst>
       <p:ext uri="{BB962C8B-B14F-4D97-AF65-F5344CB8AC3E}">
         <p14:creationId xmlns:p14="http://schemas.microsoft.com/office/powerpoint/2010/main" val="3481370642"/>
-      </p:ext>
-    </p:extLst>
-  </p:cSld>
-  <p:clrMapOvr>
-    <a:masterClrMapping/>
-  </p:clrMapOvr>
-</p:sld>
-</file>
-
-<file path=ppt/slides/slide10.xml><?xml version="1.0" encoding="utf-8"?>
-<p:sld xmlns:a="http://schemas.openxmlformats.org/drawingml/2006/main" xmlns:r="http://schemas.openxmlformats.org/officeDocument/2006/relationships" xmlns:p="http://schemas.openxmlformats.org/presentationml/2006/main">
-  <p:cSld>
-    <p:spTree>
-      <p:nvGrpSpPr>
-        <p:cNvPr id="1" name=""/>
-        <p:cNvGrpSpPr/>
-        <p:nvPr/>
-      </p:nvGrpSpPr>
-      <p:grpSpPr>
-        <a:xfrm>
-          <a:off x="0" y="0"/>
-          <a:ext cx="0" cy="0"/>
-          <a:chOff x="0" y="0"/>
-          <a:chExt cx="0" cy="0"/>
-        </a:xfrm>
-      </p:grpSpPr>
-      <p:sp>
-        <p:nvSpPr>
-          <p:cNvPr id="2" name="Title 1"/>
-          <p:cNvSpPr>
-            <a:spLocks noGrp="1"/>
-          </p:cNvSpPr>
-          <p:nvPr>
-            <p:ph type="title"/>
-          </p:nvPr>
-        </p:nvSpPr>
-        <p:spPr>
-          <a:xfrm>
-            <a:off x="975945" y="430821"/>
-            <a:ext cx="8015654" cy="589085"/>
-          </a:xfrm>
-        </p:spPr>
-        <p:txBody>
-          <a:bodyPr>
-            <a:normAutofit/>
-          </a:bodyPr>
-          <a:lstStyle/>
-          <a:p>
-            <a:r>
-              <a:rPr lang="en-US" dirty="0"/>
-              <a:t>Conclusion:  many ways to share</a:t>
-            </a:r>
-          </a:p>
-        </p:txBody>
-      </p:sp>
-      <p:sp>
-        <p:nvSpPr>
-          <p:cNvPr id="3" name="Content Placeholder 2"/>
-          <p:cNvSpPr>
-            <a:spLocks noGrp="1"/>
-          </p:cNvSpPr>
-          <p:nvPr>
-            <p:ph idx="1"/>
-          </p:nvPr>
-        </p:nvSpPr>
-        <p:spPr>
-          <a:xfrm>
-            <a:off x="773722" y="1213337"/>
-            <a:ext cx="8217877" cy="4950071"/>
-          </a:xfrm>
-        </p:spPr>
-        <p:txBody>
-          <a:bodyPr>
-            <a:normAutofit/>
-          </a:bodyPr>
-          <a:lstStyle/>
-          <a:p>
-            <a:r>
-              <a:rPr lang="en-US" i="0" dirty="0"/>
-              <a:t>Simple web link to run on the same server</a:t>
-            </a:r>
-          </a:p>
-          <a:p>
-            <a:pPr lvl="1"/>
-            <a:r>
-              <a:rPr lang="en-US" i="0" dirty="0"/>
-              <a:t>email or IM a URL to your colleague</a:t>
-            </a:r>
-          </a:p>
-          <a:p>
-            <a:r>
-              <a:rPr lang="en-US" i="0" dirty="0"/>
-              <a:t>Self-extracting simulations</a:t>
-            </a:r>
-          </a:p>
-          <a:p>
-            <a:pPr lvl="1"/>
-            <a:r>
-              <a:rPr lang="en-US" i="0" dirty="0"/>
-              <a:t>alternative to URL when colleague uses different server</a:t>
-            </a:r>
-          </a:p>
-          <a:p>
-            <a:pPr lvl="1"/>
-            <a:r>
-              <a:rPr lang="en-US" i="0" dirty="0"/>
-              <a:t>put (potentially large) HTML file on Dropbox (for example)</a:t>
-            </a:r>
-          </a:p>
-          <a:p>
-            <a:pPr lvl="1"/>
-            <a:r>
-              <a:rPr lang="en-US" i="0" dirty="0"/>
-              <a:t>colleague double-clicks and specifies Sirepo server to use</a:t>
-            </a:r>
-          </a:p>
-          <a:p>
-            <a:r>
-              <a:rPr lang="en-US" i="0" dirty="0"/>
-              <a:t>Zipped archive (used for self-extracting feature)</a:t>
-            </a:r>
-          </a:p>
-          <a:p>
-            <a:r>
-              <a:rPr lang="en-US" i="0" dirty="0"/>
-              <a:t>Python source for CLI</a:t>
-            </a:r>
-          </a:p>
-          <a:p>
-            <a:pPr lvl="1"/>
-            <a:r>
-              <a:rPr lang="en-US" i="0" dirty="0"/>
-              <a:t>the Sirepo GUI never constrains power users</a:t>
-            </a:r>
-          </a:p>
-          <a:p>
-            <a:pPr lvl="1"/>
-            <a:r>
-              <a:rPr lang="en-US" i="0" dirty="0"/>
-              <a:t>easy interaction between new users and expert</a:t>
-            </a:r>
-          </a:p>
-          <a:p>
-            <a:r>
-              <a:rPr lang="en-US" i="0" dirty="0"/>
-              <a:t>IPython/Jupyter compatible</a:t>
-            </a:r>
-          </a:p>
-          <a:p>
-            <a:pPr lvl="1"/>
-            <a:r>
-              <a:rPr lang="en-US" i="0" dirty="0"/>
-              <a:t>manual now, but will be automated in the future</a:t>
-            </a:r>
-          </a:p>
-          <a:p>
-            <a:endParaRPr lang="en-US" i="0" dirty="0"/>
-          </a:p>
-        </p:txBody>
-      </p:sp>
-    </p:spTree>
-    <p:extLst>
-      <p:ext uri="{BB962C8B-B14F-4D97-AF65-F5344CB8AC3E}">
-        <p14:creationId xmlns:p14="http://schemas.microsoft.com/office/powerpoint/2010/main" val="1656982388"/>
       </p:ext>
     </p:extLst>
   </p:cSld>
@@ -3594,11 +3733,7 @@
           <a:p>
             <a:r>
               <a:rPr lang="en-US" sz="2000" i="0"/>
-              <a:t>Scientific </a:t>
-            </a:r>
-            <a:r>
-              <a:rPr lang="en-US" sz="2000" i="0"/>
-              <a:t>research </a:t>
+              <a:t>Scientific research </a:t>
             </a:r>
             <a:r>
               <a:rPr lang="en-US" sz="2000" i="0" smtClean="0"/>
@@ -3612,11 +3747,7 @@
           <a:p>
             <a:r>
               <a:rPr lang="en-US" sz="2000" i="0"/>
-              <a:t>Peer review </a:t>
-            </a:r>
-            <a:r>
-              <a:rPr lang="en-US" sz="2000" i="0"/>
-              <a:t>partially </a:t>
+              <a:t>Peer review partially </a:t>
             </a:r>
             <a:r>
               <a:rPr lang="en-US" sz="2000" i="0" smtClean="0"/>
@@ -3636,11 +3767,7 @@
             </a:r>
             <a:r>
               <a:rPr lang="en-US" sz="1600" i="0"/>
-              <a:t>mathematics are clear </a:t>
-            </a:r>
-            <a:r>
-              <a:rPr lang="en-US" sz="1600" i="0"/>
-              <a:t>and </a:t>
+              <a:t>mathematics are clear and </a:t>
             </a:r>
             <a:r>
               <a:rPr lang="en-US" sz="1600" i="0" smtClean="0"/>
@@ -3713,6 +3840,764 @@
 </file>
 
 <file path=ppt/slides/slide3.xml><?xml version="1.0" encoding="utf-8"?>
+<p:sld xmlns:a="http://schemas.openxmlformats.org/drawingml/2006/main" xmlns:r="http://schemas.openxmlformats.org/officeDocument/2006/relationships" xmlns:p="http://schemas.openxmlformats.org/presentationml/2006/main">
+  <p:cSld>
+    <p:spTree>
+      <p:nvGrpSpPr>
+        <p:cNvPr id="1" name=""/>
+        <p:cNvGrpSpPr/>
+        <p:nvPr/>
+      </p:nvGrpSpPr>
+      <p:grpSpPr>
+        <a:xfrm>
+          <a:off x="0" y="0"/>
+          <a:ext cx="0" cy="0"/>
+          <a:chOff x="0" y="0"/>
+          <a:chExt cx="0" cy="0"/>
+        </a:xfrm>
+      </p:grpSpPr>
+      <p:sp>
+        <p:nvSpPr>
+          <p:cNvPr id="2" name="Title 1"/>
+          <p:cNvSpPr>
+            <a:spLocks noGrp="1"/>
+          </p:cNvSpPr>
+          <p:nvPr>
+            <p:ph type="title"/>
+          </p:nvPr>
+        </p:nvSpPr>
+        <p:spPr>
+          <a:xfrm>
+            <a:off x="800100" y="140672"/>
+            <a:ext cx="8191500" cy="589085"/>
+          </a:xfrm>
+        </p:spPr>
+        <p:txBody>
+          <a:bodyPr>
+            <a:normAutofit/>
+          </a:bodyPr>
+          <a:lstStyle/>
+          <a:p>
+            <a:r>
+              <a:rPr lang="en-US" smtClean="0"/>
+              <a:t>Literature</a:t>
+            </a:r>
+            <a:endParaRPr lang="en-US" dirty="0"/>
+          </a:p>
+        </p:txBody>
+      </p:sp>
+      <p:sp>
+        <p:nvSpPr>
+          <p:cNvPr id="3" name="Content Placeholder 2"/>
+          <p:cNvSpPr>
+            <a:spLocks noGrp="1"/>
+          </p:cNvSpPr>
+          <p:nvPr>
+            <p:ph idx="1"/>
+          </p:nvPr>
+        </p:nvSpPr>
+        <p:spPr>
+          <a:xfrm>
+            <a:off x="276639" y="791301"/>
+            <a:ext cx="8608944" cy="520664"/>
+          </a:xfrm>
+        </p:spPr>
+        <p:txBody>
+          <a:bodyPr>
+            <a:normAutofit/>
+          </a:bodyPr>
+          <a:lstStyle/>
+          <a:p>
+            <a:r>
+              <a:rPr lang="en-US" sz="2000" i="0" smtClean="0"/>
+              <a:t>TBD…</a:t>
+            </a:r>
+            <a:endParaRPr lang="en-US" sz="2000" i="0"/>
+          </a:p>
+        </p:txBody>
+      </p:sp>
+      <p:sp>
+        <p:nvSpPr>
+          <p:cNvPr id="4" name="TextBox 3"/>
+          <p:cNvSpPr txBox="1"/>
+          <p:nvPr/>
+        </p:nvSpPr>
+        <p:spPr>
+          <a:xfrm>
+            <a:off x="230256" y="1391029"/>
+            <a:ext cx="8542683" cy="5016758"/>
+          </a:xfrm>
+          <a:prstGeom prst="rect">
+            <a:avLst/>
+          </a:prstGeom>
+          <a:noFill/>
+        </p:spPr>
+        <p:txBody>
+          <a:bodyPr wrap="square" rtlCol="0">
+            <a:spAutoFit/>
+          </a:bodyPr>
+          <a:lstStyle/>
+          <a:p>
+            <a:r>
+              <a:rPr lang="en-US" sz="1600">
+                <a:latin typeface="Times New Roman" panose="02020603050405020304" pitchFamily="18" charset="0"/>
+                <a:cs typeface="Times New Roman" panose="02020603050405020304" pitchFamily="18" charset="0"/>
+              </a:rPr>
+              <a:t>Stodden &amp; Miguez, </a:t>
+            </a:r>
+            <a:r>
+              <a:rPr lang="en-US" sz="1600">
+                <a:latin typeface="Times New Roman" panose="02020603050405020304" pitchFamily="18" charset="0"/>
+                <a:cs typeface="Times New Roman" panose="02020603050405020304" pitchFamily="18" charset="0"/>
+                <a:hlinkClick r:id="rId3"/>
+              </a:rPr>
+              <a:t>https://</a:t>
+            </a:r>
+            <a:r>
+              <a:rPr lang="en-US" sz="1600">
+                <a:latin typeface="Times New Roman" panose="02020603050405020304" pitchFamily="18" charset="0"/>
+                <a:cs typeface="Times New Roman" panose="02020603050405020304" pitchFamily="18" charset="0"/>
+                <a:hlinkClick r:id="rId3"/>
+              </a:rPr>
+              <a:t>openresearchsoftware.metajnl.com/articles/10.5334/jors.ay</a:t>
+            </a:r>
+            <a:r>
+              <a:rPr lang="en-US" sz="1600" smtClean="0">
+                <a:latin typeface="Times New Roman" panose="02020603050405020304" pitchFamily="18" charset="0"/>
+                <a:cs typeface="Times New Roman" panose="02020603050405020304" pitchFamily="18" charset="0"/>
+                <a:hlinkClick r:id="rId3"/>
+              </a:rPr>
+              <a:t>/</a:t>
+            </a:r>
+            <a:endParaRPr lang="en-US" sz="1600" smtClean="0">
+              <a:latin typeface="Times New Roman" panose="02020603050405020304" pitchFamily="18" charset="0"/>
+              <a:cs typeface="Times New Roman" panose="02020603050405020304" pitchFamily="18" charset="0"/>
+            </a:endParaRPr>
+          </a:p>
+          <a:p>
+            <a:r>
+              <a:rPr lang="en-US" sz="1600">
+                <a:latin typeface="Times New Roman" panose="02020603050405020304" pitchFamily="18" charset="0"/>
+                <a:cs typeface="Times New Roman" panose="02020603050405020304" pitchFamily="18" charset="0"/>
+              </a:rPr>
+              <a:t>Guest &amp; Rougier, </a:t>
+            </a:r>
+            <a:r>
+              <a:rPr lang="en-US" sz="1600">
+                <a:latin typeface="Times New Roman" panose="02020603050405020304" pitchFamily="18" charset="0"/>
+                <a:cs typeface="Times New Roman" panose="02020603050405020304" pitchFamily="18" charset="0"/>
+                <a:hlinkClick r:id="rId4"/>
+              </a:rPr>
+              <a:t>https</a:t>
+            </a:r>
+            <a:r>
+              <a:rPr lang="en-US" sz="1600">
+                <a:latin typeface="Times New Roman" panose="02020603050405020304" pitchFamily="18" charset="0"/>
+                <a:cs typeface="Times New Roman" panose="02020603050405020304" pitchFamily="18" charset="0"/>
+                <a:hlinkClick r:id="rId4"/>
+              </a:rPr>
+              <a:t>://</a:t>
+            </a:r>
+            <a:r>
+              <a:rPr lang="en-US" sz="1600" smtClean="0">
+                <a:latin typeface="Times New Roman" panose="02020603050405020304" pitchFamily="18" charset="0"/>
+                <a:cs typeface="Times New Roman" panose="02020603050405020304" pitchFamily="18" charset="0"/>
+                <a:hlinkClick r:id="rId4"/>
+              </a:rPr>
+              <a:t>hal.inria.fr/hal-01358082/file/guest_rougier_2016.pdf</a:t>
+            </a:r>
+            <a:r>
+              <a:rPr lang="en-US" sz="1600" smtClean="0">
+                <a:latin typeface="Times New Roman" panose="02020603050405020304" pitchFamily="18" charset="0"/>
+                <a:cs typeface="Times New Roman" panose="02020603050405020304" pitchFamily="18" charset="0"/>
+              </a:rPr>
+              <a:t> </a:t>
+            </a:r>
+          </a:p>
+          <a:p>
+            <a:r>
+              <a:rPr lang="en-US" sz="1600" smtClean="0">
+                <a:latin typeface="Times New Roman" panose="02020603050405020304" pitchFamily="18" charset="0"/>
+                <a:cs typeface="Times New Roman" panose="02020603050405020304" pitchFamily="18" charset="0"/>
+              </a:rPr>
+              <a:t>Grüning </a:t>
+            </a:r>
+            <a:r>
+              <a:rPr lang="en-US" sz="1600" i="1" smtClean="0">
+                <a:latin typeface="Times New Roman" panose="02020603050405020304" pitchFamily="18" charset="0"/>
+                <a:cs typeface="Times New Roman" panose="02020603050405020304" pitchFamily="18" charset="0"/>
+              </a:rPr>
+              <a:t>et al</a:t>
+            </a:r>
+            <a:r>
+              <a:rPr lang="en-US" sz="1600">
+                <a:latin typeface="Times New Roman" panose="02020603050405020304" pitchFamily="18" charset="0"/>
+                <a:cs typeface="Times New Roman" panose="02020603050405020304" pitchFamily="18" charset="0"/>
+              </a:rPr>
+              <a:t>., </a:t>
+            </a:r>
+            <a:r>
+              <a:rPr lang="en-US" sz="1600">
+                <a:latin typeface="Times New Roman" panose="02020603050405020304" pitchFamily="18" charset="0"/>
+                <a:cs typeface="Times New Roman" panose="02020603050405020304" pitchFamily="18" charset="0"/>
+                <a:hlinkClick r:id="rId5"/>
+              </a:rPr>
+              <a:t>https</a:t>
+            </a:r>
+            <a:r>
+              <a:rPr lang="en-US" sz="1600">
+                <a:latin typeface="Times New Roman" panose="02020603050405020304" pitchFamily="18" charset="0"/>
+                <a:cs typeface="Times New Roman" panose="02020603050405020304" pitchFamily="18" charset="0"/>
+                <a:hlinkClick r:id="rId5"/>
+              </a:rPr>
+              <a:t>://</a:t>
+            </a:r>
+            <a:r>
+              <a:rPr lang="en-US" sz="1600" smtClean="0">
+                <a:latin typeface="Times New Roman" panose="02020603050405020304" pitchFamily="18" charset="0"/>
+                <a:cs typeface="Times New Roman" panose="02020603050405020304" pitchFamily="18" charset="0"/>
+                <a:hlinkClick r:id="rId5"/>
+              </a:rPr>
+              <a:t>www.biorxiv.org/content/early/2017/10/10/200683</a:t>
+            </a:r>
+            <a:r>
+              <a:rPr lang="en-US" sz="1600" smtClean="0">
+                <a:latin typeface="Times New Roman" panose="02020603050405020304" pitchFamily="18" charset="0"/>
+                <a:cs typeface="Times New Roman" panose="02020603050405020304" pitchFamily="18" charset="0"/>
+              </a:rPr>
+              <a:t> </a:t>
+            </a:r>
+          </a:p>
+          <a:p>
+            <a:r>
+              <a:rPr lang="en-US" sz="1600">
+                <a:latin typeface="Times New Roman" panose="02020603050405020304" pitchFamily="18" charset="0"/>
+                <a:cs typeface="Times New Roman" panose="02020603050405020304" pitchFamily="18" charset="0"/>
+              </a:rPr>
+              <a:t>Piccolo &amp; Frampton, </a:t>
+            </a:r>
+            <a:r>
+              <a:rPr lang="en-US" sz="1600">
+                <a:latin typeface="Times New Roman" panose="02020603050405020304" pitchFamily="18" charset="0"/>
+                <a:cs typeface="Times New Roman" panose="02020603050405020304" pitchFamily="18" charset="0"/>
+                <a:hlinkClick r:id="rId6"/>
+              </a:rPr>
+              <a:t>https</a:t>
+            </a:r>
+            <a:r>
+              <a:rPr lang="en-US" sz="1600">
+                <a:latin typeface="Times New Roman" panose="02020603050405020304" pitchFamily="18" charset="0"/>
+                <a:cs typeface="Times New Roman" panose="02020603050405020304" pitchFamily="18" charset="0"/>
+                <a:hlinkClick r:id="rId6"/>
+              </a:rPr>
+              <a:t>://</a:t>
+            </a:r>
+            <a:r>
+              <a:rPr lang="en-US" sz="1600" smtClean="0">
+                <a:latin typeface="Times New Roman" panose="02020603050405020304" pitchFamily="18" charset="0"/>
+                <a:cs typeface="Times New Roman" panose="02020603050405020304" pitchFamily="18" charset="0"/>
+                <a:hlinkClick r:id="rId6"/>
+              </a:rPr>
+              <a:t>gigascience.biomedcentral.com/articles/10.1186/s13742-016-0135-4</a:t>
+            </a:r>
+            <a:r>
+              <a:rPr lang="en-US" sz="1600" smtClean="0">
+                <a:latin typeface="Times New Roman" panose="02020603050405020304" pitchFamily="18" charset="0"/>
+                <a:cs typeface="Times New Roman" panose="02020603050405020304" pitchFamily="18" charset="0"/>
+              </a:rPr>
+              <a:t> </a:t>
+            </a:r>
+          </a:p>
+          <a:p>
+            <a:r>
+              <a:rPr lang="en-US" sz="1600" smtClean="0">
+                <a:latin typeface="Times New Roman" panose="02020603050405020304" pitchFamily="18" charset="0"/>
+                <a:cs typeface="Times New Roman" panose="02020603050405020304" pitchFamily="18" charset="0"/>
+              </a:rPr>
+              <a:t>Cohen-Boulakia </a:t>
+            </a:r>
+            <a:r>
+              <a:rPr lang="en-US" sz="1600" i="1" smtClean="0">
+                <a:latin typeface="Times New Roman" panose="02020603050405020304" pitchFamily="18" charset="0"/>
+                <a:cs typeface="Times New Roman" panose="02020603050405020304" pitchFamily="18" charset="0"/>
+              </a:rPr>
+              <a:t>et al</a:t>
+            </a:r>
+            <a:r>
+              <a:rPr lang="en-US" sz="1600">
+                <a:latin typeface="Times New Roman" panose="02020603050405020304" pitchFamily="18" charset="0"/>
+                <a:cs typeface="Times New Roman" panose="02020603050405020304" pitchFamily="18" charset="0"/>
+              </a:rPr>
+              <a:t>., </a:t>
+            </a:r>
+            <a:r>
+              <a:rPr lang="en-US" sz="1600">
+                <a:latin typeface="Times New Roman" panose="02020603050405020304" pitchFamily="18" charset="0"/>
+                <a:cs typeface="Times New Roman" panose="02020603050405020304" pitchFamily="18" charset="0"/>
+                <a:hlinkClick r:id="rId7"/>
+              </a:rPr>
+              <a:t>https</a:t>
+            </a:r>
+            <a:r>
+              <a:rPr lang="en-US" sz="1600">
+                <a:latin typeface="Times New Roman" panose="02020603050405020304" pitchFamily="18" charset="0"/>
+                <a:cs typeface="Times New Roman" panose="02020603050405020304" pitchFamily="18" charset="0"/>
+                <a:hlinkClick r:id="rId7"/>
+              </a:rPr>
+              <a:t>://</a:t>
+            </a:r>
+            <a:r>
+              <a:rPr lang="en-US" sz="1600" smtClean="0">
+                <a:latin typeface="Times New Roman" panose="02020603050405020304" pitchFamily="18" charset="0"/>
+                <a:cs typeface="Times New Roman" panose="02020603050405020304" pitchFamily="18" charset="0"/>
+                <a:hlinkClick r:id="rId7"/>
+              </a:rPr>
+              <a:t>www.sciencedirect.com/science/article/pii/S0167739X17300316</a:t>
+            </a:r>
+            <a:r>
+              <a:rPr lang="en-US" sz="1600" smtClean="0">
+                <a:latin typeface="Times New Roman" panose="02020603050405020304" pitchFamily="18" charset="0"/>
+                <a:cs typeface="Times New Roman" panose="02020603050405020304" pitchFamily="18" charset="0"/>
+              </a:rPr>
+              <a:t> </a:t>
+            </a:r>
+          </a:p>
+          <a:p>
+            <a:r>
+              <a:rPr lang="en-US" sz="1600">
+                <a:latin typeface="Times New Roman" panose="02020603050405020304" pitchFamily="18" charset="0"/>
+                <a:cs typeface="Times New Roman" panose="02020603050405020304" pitchFamily="18" charset="0"/>
+              </a:rPr>
+              <a:t>Beaulieu-Jones &amp; Greene, </a:t>
+            </a:r>
+            <a:r>
+              <a:rPr lang="en-US" sz="1600">
+                <a:latin typeface="Times New Roman" panose="02020603050405020304" pitchFamily="18" charset="0"/>
+                <a:cs typeface="Times New Roman" panose="02020603050405020304" pitchFamily="18" charset="0"/>
+                <a:hlinkClick r:id="rId8"/>
+              </a:rPr>
+              <a:t>https</a:t>
+            </a:r>
+            <a:r>
+              <a:rPr lang="en-US" sz="1600">
+                <a:latin typeface="Times New Roman" panose="02020603050405020304" pitchFamily="18" charset="0"/>
+                <a:cs typeface="Times New Roman" panose="02020603050405020304" pitchFamily="18" charset="0"/>
+                <a:hlinkClick r:id="rId8"/>
+              </a:rPr>
+              <a:t>://</a:t>
+            </a:r>
+            <a:r>
+              <a:rPr lang="en-US" sz="1600" smtClean="0">
+                <a:latin typeface="Times New Roman" panose="02020603050405020304" pitchFamily="18" charset="0"/>
+                <a:cs typeface="Times New Roman" panose="02020603050405020304" pitchFamily="18" charset="0"/>
+                <a:hlinkClick r:id="rId8"/>
+              </a:rPr>
+              <a:t>www.nature.com/articles/nbt.3780</a:t>
+            </a:r>
+            <a:r>
+              <a:rPr lang="en-US" sz="1600" smtClean="0">
+                <a:latin typeface="Times New Roman" panose="02020603050405020304" pitchFamily="18" charset="0"/>
+                <a:cs typeface="Times New Roman" panose="02020603050405020304" pitchFamily="18" charset="0"/>
+              </a:rPr>
+              <a:t> </a:t>
+            </a:r>
+          </a:p>
+          <a:p>
+            <a:r>
+              <a:rPr lang="en-US" sz="1600">
+                <a:latin typeface="Times New Roman" panose="02020603050405020304" pitchFamily="18" charset="0"/>
+                <a:cs typeface="Times New Roman" panose="02020603050405020304" pitchFamily="18" charset="0"/>
+              </a:rPr>
+              <a:t>Hatton &amp; Warr, </a:t>
+            </a:r>
+            <a:r>
+              <a:rPr lang="en-US" sz="1600">
+                <a:latin typeface="Times New Roman" panose="02020603050405020304" pitchFamily="18" charset="0"/>
+                <a:cs typeface="Times New Roman" panose="02020603050405020304" pitchFamily="18" charset="0"/>
+                <a:hlinkClick r:id="rId9"/>
+              </a:rPr>
+              <a:t>https</a:t>
+            </a:r>
+            <a:r>
+              <a:rPr lang="en-US" sz="1600">
+                <a:latin typeface="Times New Roman" panose="02020603050405020304" pitchFamily="18" charset="0"/>
+                <a:cs typeface="Times New Roman" panose="02020603050405020304" pitchFamily="18" charset="0"/>
+                <a:hlinkClick r:id="rId9"/>
+              </a:rPr>
+              <a:t>://</a:t>
+            </a:r>
+            <a:r>
+              <a:rPr lang="en-US" sz="1600" smtClean="0">
+                <a:latin typeface="Times New Roman" panose="02020603050405020304" pitchFamily="18" charset="0"/>
+                <a:cs typeface="Times New Roman" panose="02020603050405020304" pitchFamily="18" charset="0"/>
+                <a:hlinkClick r:id="rId9"/>
+              </a:rPr>
+              <a:t>arxiv.org/abs/1608.06897</a:t>
+            </a:r>
+            <a:r>
+              <a:rPr lang="en-US" sz="1600" smtClean="0">
+                <a:latin typeface="Times New Roman" panose="02020603050405020304" pitchFamily="18" charset="0"/>
+                <a:cs typeface="Times New Roman" panose="02020603050405020304" pitchFamily="18" charset="0"/>
+              </a:rPr>
+              <a:t> </a:t>
+            </a:r>
+          </a:p>
+          <a:p>
+            <a:r>
+              <a:rPr lang="en-US" sz="1600">
+                <a:latin typeface="Times New Roman" panose="02020603050405020304" pitchFamily="18" charset="0"/>
+                <a:cs typeface="Times New Roman" panose="02020603050405020304" pitchFamily="18" charset="0"/>
+              </a:rPr>
+              <a:t>rOpenSci Project, </a:t>
+            </a:r>
+            <a:r>
+              <a:rPr lang="en-US" sz="1600">
+                <a:latin typeface="Times New Roman" panose="02020603050405020304" pitchFamily="18" charset="0"/>
+                <a:cs typeface="Times New Roman" panose="02020603050405020304" pitchFamily="18" charset="0"/>
+                <a:hlinkClick r:id="rId10"/>
+              </a:rPr>
+              <a:t>http://</a:t>
+            </a:r>
+            <a:r>
+              <a:rPr lang="en-US" sz="1600">
+                <a:latin typeface="Times New Roman" panose="02020603050405020304" pitchFamily="18" charset="0"/>
+                <a:cs typeface="Times New Roman" panose="02020603050405020304" pitchFamily="18" charset="0"/>
+                <a:hlinkClick r:id="rId10"/>
+              </a:rPr>
+              <a:t>ropensci.github.io/reproducibility-guide/sections/introduction</a:t>
+            </a:r>
+            <a:r>
+              <a:rPr lang="en-US" sz="1600" smtClean="0">
+                <a:latin typeface="Times New Roman" panose="02020603050405020304" pitchFamily="18" charset="0"/>
+                <a:cs typeface="Times New Roman" panose="02020603050405020304" pitchFamily="18" charset="0"/>
+                <a:hlinkClick r:id="rId10"/>
+              </a:rPr>
+              <a:t>/</a:t>
+            </a:r>
+            <a:r>
+              <a:rPr lang="en-US" sz="1600" smtClean="0">
+                <a:latin typeface="Times New Roman" panose="02020603050405020304" pitchFamily="18" charset="0"/>
+                <a:cs typeface="Times New Roman" panose="02020603050405020304" pitchFamily="18" charset="0"/>
+              </a:rPr>
+              <a:t> </a:t>
+            </a:r>
+          </a:p>
+          <a:p>
+            <a:r>
+              <a:rPr lang="en-US" sz="1600">
+                <a:latin typeface="Times New Roman" panose="02020603050405020304" pitchFamily="18" charset="0"/>
+                <a:cs typeface="Times New Roman" panose="02020603050405020304" pitchFamily="18" charset="0"/>
+              </a:rPr>
+              <a:t>R.D. Peng, </a:t>
+            </a:r>
+            <a:r>
+              <a:rPr lang="en-US" sz="1600">
+                <a:latin typeface="Times New Roman" panose="02020603050405020304" pitchFamily="18" charset="0"/>
+                <a:cs typeface="Times New Roman" panose="02020603050405020304" pitchFamily="18" charset="0"/>
+                <a:hlinkClick r:id="rId11"/>
+              </a:rPr>
+              <a:t>http</a:t>
+            </a:r>
+            <a:r>
+              <a:rPr lang="en-US" sz="1600">
+                <a:latin typeface="Times New Roman" panose="02020603050405020304" pitchFamily="18" charset="0"/>
+                <a:cs typeface="Times New Roman" panose="02020603050405020304" pitchFamily="18" charset="0"/>
+                <a:hlinkClick r:id="rId11"/>
+              </a:rPr>
+              <a:t>://</a:t>
+            </a:r>
+            <a:r>
+              <a:rPr lang="en-US" sz="1600" smtClean="0">
+                <a:latin typeface="Times New Roman" panose="02020603050405020304" pitchFamily="18" charset="0"/>
+                <a:cs typeface="Times New Roman" panose="02020603050405020304" pitchFamily="18" charset="0"/>
+                <a:hlinkClick r:id="rId11"/>
+              </a:rPr>
+              <a:t>science.sciencemag.org/content/334/6060/1226</a:t>
+            </a:r>
+            <a:r>
+              <a:rPr lang="en-US" sz="1600" smtClean="0">
+                <a:latin typeface="Times New Roman" panose="02020603050405020304" pitchFamily="18" charset="0"/>
+                <a:cs typeface="Times New Roman" panose="02020603050405020304" pitchFamily="18" charset="0"/>
+              </a:rPr>
+              <a:t> </a:t>
+            </a:r>
+          </a:p>
+          <a:p>
+            <a:r>
+              <a:rPr lang="en-US" sz="1600">
+                <a:latin typeface="Times New Roman" panose="02020603050405020304" pitchFamily="18" charset="0"/>
+                <a:cs typeface="Times New Roman" panose="02020603050405020304" pitchFamily="18" charset="0"/>
+              </a:rPr>
+              <a:t>Varoquaux, </a:t>
+            </a:r>
+            <a:r>
+              <a:rPr lang="en-US" sz="1600">
+                <a:latin typeface="Times New Roman" panose="02020603050405020304" pitchFamily="18" charset="0"/>
+                <a:cs typeface="Times New Roman" panose="02020603050405020304" pitchFamily="18" charset="0"/>
+                <a:hlinkClick r:id="rId12"/>
+              </a:rPr>
+              <a:t>http</a:t>
+            </a:r>
+            <a:r>
+              <a:rPr lang="en-US" sz="1600">
+                <a:latin typeface="Times New Roman" panose="02020603050405020304" pitchFamily="18" charset="0"/>
+                <a:cs typeface="Times New Roman" panose="02020603050405020304" pitchFamily="18" charset="0"/>
+                <a:hlinkClick r:id="rId12"/>
+              </a:rPr>
+              <a:t>://</a:t>
+            </a:r>
+            <a:r>
+              <a:rPr lang="en-US" sz="1600" smtClean="0">
+                <a:latin typeface="Times New Roman" panose="02020603050405020304" pitchFamily="18" charset="0"/>
+                <a:cs typeface="Times New Roman" panose="02020603050405020304" pitchFamily="18" charset="0"/>
+                <a:hlinkClick r:id="rId12"/>
+              </a:rPr>
+              <a:t>gael-varoquaux.info/programming/beyond-computational-reproducibility-let-us-aim-for-reusability.html</a:t>
+            </a:r>
+            <a:r>
+              <a:rPr lang="en-US" sz="1600" smtClean="0">
+                <a:latin typeface="Times New Roman" panose="02020603050405020304" pitchFamily="18" charset="0"/>
+                <a:cs typeface="Times New Roman" panose="02020603050405020304" pitchFamily="18" charset="0"/>
+              </a:rPr>
+              <a:t> </a:t>
+            </a:r>
+          </a:p>
+          <a:p>
+            <a:r>
+              <a:rPr lang="en-US" sz="1600">
+                <a:latin typeface="Times New Roman" panose="02020603050405020304" pitchFamily="18" charset="0"/>
+                <a:cs typeface="Times New Roman" panose="02020603050405020304" pitchFamily="18" charset="0"/>
+              </a:rPr>
+              <a:t>Freire, Bonnet &amp; Shasha, </a:t>
+            </a:r>
+            <a:r>
+              <a:rPr lang="en-US" sz="1600">
+                <a:latin typeface="Times New Roman" panose="02020603050405020304" pitchFamily="18" charset="0"/>
+                <a:cs typeface="Times New Roman" panose="02020603050405020304" pitchFamily="18" charset="0"/>
+                <a:hlinkClick r:id="rId13"/>
+              </a:rPr>
+              <a:t>https</a:t>
+            </a:r>
+            <a:r>
+              <a:rPr lang="en-US" sz="1600">
+                <a:latin typeface="Times New Roman" panose="02020603050405020304" pitchFamily="18" charset="0"/>
+                <a:cs typeface="Times New Roman" panose="02020603050405020304" pitchFamily="18" charset="0"/>
+                <a:hlinkClick r:id="rId13"/>
+              </a:rPr>
+              <a:t>://</a:t>
+            </a:r>
+            <a:r>
+              <a:rPr lang="en-US" sz="1600" smtClean="0">
+                <a:latin typeface="Times New Roman" panose="02020603050405020304" pitchFamily="18" charset="0"/>
+                <a:cs typeface="Times New Roman" panose="02020603050405020304" pitchFamily="18" charset="0"/>
+                <a:hlinkClick r:id="rId13"/>
+              </a:rPr>
+              <a:t>pdfs.semanticscholar.org/57ee/c0917fc84716e5748c2e94139ab156db3ada.pdf</a:t>
+            </a:r>
+            <a:r>
+              <a:rPr lang="en-US" sz="1600" smtClean="0">
+                <a:latin typeface="Times New Roman" panose="02020603050405020304" pitchFamily="18" charset="0"/>
+                <a:cs typeface="Times New Roman" panose="02020603050405020304" pitchFamily="18" charset="0"/>
+              </a:rPr>
+              <a:t> </a:t>
+            </a:r>
+          </a:p>
+          <a:p>
+            <a:r>
+              <a:rPr lang="en-US" sz="1600">
+                <a:latin typeface="Times New Roman" panose="02020603050405020304" pitchFamily="18" charset="0"/>
+                <a:cs typeface="Times New Roman" panose="02020603050405020304" pitchFamily="18" charset="0"/>
+              </a:rPr>
+              <a:t>Barba, </a:t>
+            </a:r>
+            <a:r>
+              <a:rPr lang="en-US" sz="1600">
+                <a:latin typeface="Times New Roman" panose="02020603050405020304" pitchFamily="18" charset="0"/>
+                <a:cs typeface="Times New Roman" panose="02020603050405020304" pitchFamily="18" charset="0"/>
+                <a:hlinkClick r:id="rId14"/>
+              </a:rPr>
+              <a:t>https</a:t>
+            </a:r>
+            <a:r>
+              <a:rPr lang="en-US" sz="1600">
+                <a:latin typeface="Times New Roman" panose="02020603050405020304" pitchFamily="18" charset="0"/>
+                <a:cs typeface="Times New Roman" panose="02020603050405020304" pitchFamily="18" charset="0"/>
+                <a:hlinkClick r:id="rId14"/>
+              </a:rPr>
+              <a:t>://</a:t>
+            </a:r>
+            <a:r>
+              <a:rPr lang="en-US" sz="1600" smtClean="0">
+                <a:latin typeface="Times New Roman" panose="02020603050405020304" pitchFamily="18" charset="0"/>
+                <a:cs typeface="Times New Roman" panose="02020603050405020304" pitchFamily="18" charset="0"/>
+                <a:hlinkClick r:id="rId14"/>
+              </a:rPr>
+              <a:t>speakerdeck.com/labarba/introduction-to-computational-reproducibility-and-why-we-care</a:t>
+            </a:r>
+            <a:r>
+              <a:rPr lang="en-US" sz="1600" smtClean="0">
+                <a:latin typeface="Times New Roman" panose="02020603050405020304" pitchFamily="18" charset="0"/>
+                <a:cs typeface="Times New Roman" panose="02020603050405020304" pitchFamily="18" charset="0"/>
+              </a:rPr>
+              <a:t> </a:t>
+            </a:r>
+          </a:p>
+          <a:p>
+            <a:r>
+              <a:rPr lang="en-US" sz="1600" smtClean="0">
+                <a:latin typeface="Times New Roman" panose="02020603050405020304" pitchFamily="18" charset="0"/>
+                <a:cs typeface="Times New Roman" panose="02020603050405020304" pitchFamily="18" charset="0"/>
+              </a:rPr>
+              <a:t>Sandve </a:t>
+            </a:r>
+            <a:r>
+              <a:rPr lang="en-US" sz="1600" i="1" smtClean="0">
+                <a:latin typeface="Times New Roman" panose="02020603050405020304" pitchFamily="18" charset="0"/>
+                <a:cs typeface="Times New Roman" panose="02020603050405020304" pitchFamily="18" charset="0"/>
+              </a:rPr>
+              <a:t>et al</a:t>
+            </a:r>
+            <a:r>
+              <a:rPr lang="en-US" sz="1600">
+                <a:latin typeface="Times New Roman" panose="02020603050405020304" pitchFamily="18" charset="0"/>
+                <a:cs typeface="Times New Roman" panose="02020603050405020304" pitchFamily="18" charset="0"/>
+              </a:rPr>
+              <a:t>., </a:t>
+            </a:r>
+            <a:r>
+              <a:rPr lang="en-US" sz="1600">
+                <a:latin typeface="Times New Roman" panose="02020603050405020304" pitchFamily="18" charset="0"/>
+                <a:cs typeface="Times New Roman" panose="02020603050405020304" pitchFamily="18" charset="0"/>
+                <a:hlinkClick r:id="rId15"/>
+              </a:rPr>
+              <a:t>http</a:t>
+            </a:r>
+            <a:r>
+              <a:rPr lang="en-US" sz="1600">
+                <a:latin typeface="Times New Roman" panose="02020603050405020304" pitchFamily="18" charset="0"/>
+                <a:cs typeface="Times New Roman" panose="02020603050405020304" pitchFamily="18" charset="0"/>
+                <a:hlinkClick r:id="rId15"/>
+              </a:rPr>
+              <a:t>://</a:t>
+            </a:r>
+            <a:r>
+              <a:rPr lang="en-US" sz="1600" smtClean="0">
+                <a:latin typeface="Times New Roman" panose="02020603050405020304" pitchFamily="18" charset="0"/>
+                <a:cs typeface="Times New Roman" panose="02020603050405020304" pitchFamily="18" charset="0"/>
+                <a:hlinkClick r:id="rId15"/>
+              </a:rPr>
+              <a:t>journals.plos.org/ploscompbiol/article?id=10.1371/journal.pcbi.1003285</a:t>
+            </a:r>
+            <a:r>
+              <a:rPr lang="en-US" sz="1600" smtClean="0">
+                <a:latin typeface="Times New Roman" panose="02020603050405020304" pitchFamily="18" charset="0"/>
+                <a:cs typeface="Times New Roman" panose="02020603050405020304" pitchFamily="18" charset="0"/>
+              </a:rPr>
+              <a:t> </a:t>
+            </a:r>
+          </a:p>
+          <a:p>
+            <a:r>
+              <a:rPr lang="en-US" sz="1600">
+                <a:latin typeface="Times New Roman" panose="02020603050405020304" pitchFamily="18" charset="0"/>
+                <a:cs typeface="Times New Roman" panose="02020603050405020304" pitchFamily="18" charset="0"/>
+              </a:rPr>
+              <a:t>Computational Reproducibility Workshop, </a:t>
+            </a:r>
+            <a:r>
+              <a:rPr lang="en-US" sz="1600">
+                <a:latin typeface="Times New Roman" panose="02020603050405020304" pitchFamily="18" charset="0"/>
+                <a:cs typeface="Times New Roman" panose="02020603050405020304" pitchFamily="18" charset="0"/>
+                <a:hlinkClick r:id="rId16"/>
+              </a:rPr>
+              <a:t>https</a:t>
+            </a:r>
+            <a:r>
+              <a:rPr lang="en-US" sz="1600">
+                <a:latin typeface="Times New Roman" panose="02020603050405020304" pitchFamily="18" charset="0"/>
+                <a:cs typeface="Times New Roman" panose="02020603050405020304" pitchFamily="18" charset="0"/>
+                <a:hlinkClick r:id="rId16"/>
+              </a:rPr>
+              <a:t>://</a:t>
+            </a:r>
+            <a:r>
+              <a:rPr lang="en-US" sz="1600" smtClean="0">
+                <a:latin typeface="Times New Roman" panose="02020603050405020304" pitchFamily="18" charset="0"/>
+                <a:cs typeface="Times New Roman" panose="02020603050405020304" pitchFamily="18" charset="0"/>
+                <a:hlinkClick r:id="rId16"/>
+              </a:rPr>
+              <a:t>codeocean.com/workshops/computational-reproducibility</a:t>
+            </a:r>
+            <a:r>
+              <a:rPr lang="en-US" sz="1600" smtClean="0">
+                <a:latin typeface="Times New Roman" panose="02020603050405020304" pitchFamily="18" charset="0"/>
+                <a:cs typeface="Times New Roman" panose="02020603050405020304" pitchFamily="18" charset="0"/>
+              </a:rPr>
+              <a:t> </a:t>
+            </a:r>
+          </a:p>
+          <a:p>
+            <a:r>
+              <a:rPr lang="en-US" sz="1600">
+                <a:latin typeface="Times New Roman" panose="02020603050405020304" pitchFamily="18" charset="0"/>
+                <a:cs typeface="Times New Roman" panose="02020603050405020304" pitchFamily="18" charset="0"/>
+              </a:rPr>
+              <a:t>Montagano &amp; Green, </a:t>
+            </a:r>
+            <a:r>
+              <a:rPr lang="en-US" sz="1600">
+                <a:latin typeface="Times New Roman" panose="02020603050405020304" pitchFamily="18" charset="0"/>
+                <a:cs typeface="Times New Roman" panose="02020603050405020304" pitchFamily="18" charset="0"/>
+                <a:hlinkClick r:id="rId17"/>
+              </a:rPr>
+              <a:t>https</a:t>
+            </a:r>
+            <a:r>
+              <a:rPr lang="en-US" sz="1600">
+                <a:latin typeface="Times New Roman" panose="02020603050405020304" pitchFamily="18" charset="0"/>
+                <a:cs typeface="Times New Roman" panose="02020603050405020304" pitchFamily="18" charset="0"/>
+                <a:hlinkClick r:id="rId17"/>
+              </a:rPr>
+              <a:t>://</a:t>
+            </a:r>
+            <a:r>
+              <a:rPr lang="en-US" sz="1600" smtClean="0">
+                <a:latin typeface="Times New Roman" panose="02020603050405020304" pitchFamily="18" charset="0"/>
+                <a:cs typeface="Times New Roman" panose="02020603050405020304" pitchFamily="18" charset="0"/>
+                <a:hlinkClick r:id="rId17"/>
+              </a:rPr>
+              <a:t>codeocean.com/webinar/editor</a:t>
+            </a:r>
+            <a:r>
+              <a:rPr lang="en-US" sz="1600" smtClean="0">
+                <a:latin typeface="Times New Roman" panose="02020603050405020304" pitchFamily="18" charset="0"/>
+                <a:cs typeface="Times New Roman" panose="02020603050405020304" pitchFamily="18" charset="0"/>
+              </a:rPr>
+              <a:t> </a:t>
+            </a:r>
+          </a:p>
+          <a:p>
+            <a:endParaRPr lang="en-US" sz="1600">
+              <a:latin typeface="Times New Roman" panose="02020603050405020304" pitchFamily="18" charset="0"/>
+              <a:cs typeface="Times New Roman" panose="02020603050405020304" pitchFamily="18" charset="0"/>
+            </a:endParaRPr>
+          </a:p>
+        </p:txBody>
+      </p:sp>
+    </p:spTree>
+    <p:extLst>
+      <p:ext uri="{BB962C8B-B14F-4D97-AF65-F5344CB8AC3E}">
+        <p14:creationId xmlns:p14="http://schemas.microsoft.com/office/powerpoint/2010/main" val="1930757785"/>
+      </p:ext>
+    </p:extLst>
+  </p:cSld>
+  <p:clrMapOvr>
+    <a:masterClrMapping/>
+  </p:clrMapOvr>
+</p:sld>
+</file>
+
+<file path=ppt/slides/slide4.xml><?xml version="1.0" encoding="utf-8"?>
 <p:sld xmlns:a="http://schemas.openxmlformats.org/drawingml/2006/main" xmlns:r="http://schemas.openxmlformats.org/officeDocument/2006/relationships" xmlns:p="http://schemas.openxmlformats.org/presentationml/2006/main">
   <p:cSld>
     <p:spTree>
@@ -4227,7 +5112,7 @@
 </p:sld>
 </file>
 
-<file path=ppt/slides/slide4.xml><?xml version="1.0" encoding="utf-8"?>
+<file path=ppt/slides/slide5.xml><?xml version="1.0" encoding="utf-8"?>
 <p:sld xmlns:a="http://schemas.openxmlformats.org/drawingml/2006/main" xmlns:r="http://schemas.openxmlformats.org/officeDocument/2006/relationships" xmlns:p="http://schemas.openxmlformats.org/presentationml/2006/main">
   <p:cSld>
     <p:spTree>
@@ -4406,341 +5291,6 @@
 </p:sld>
 </file>
 
-<file path=ppt/slides/slide5.xml><?xml version="1.0" encoding="utf-8"?>
-<p:sld xmlns:a="http://schemas.openxmlformats.org/drawingml/2006/main" xmlns:r="http://schemas.openxmlformats.org/officeDocument/2006/relationships" xmlns:p="http://schemas.openxmlformats.org/presentationml/2006/main">
-  <p:cSld>
-    <p:spTree>
-      <p:nvGrpSpPr>
-        <p:cNvPr id="1" name=""/>
-        <p:cNvGrpSpPr/>
-        <p:nvPr/>
-      </p:nvGrpSpPr>
-      <p:grpSpPr>
-        <a:xfrm>
-          <a:off x="0" y="0"/>
-          <a:ext cx="0" cy="0"/>
-          <a:chOff x="0" y="0"/>
-          <a:chExt cx="0" cy="0"/>
-        </a:xfrm>
-      </p:grpSpPr>
-      <p:sp>
-        <p:nvSpPr>
-          <p:cNvPr id="2" name="Title 1"/>
-          <p:cNvSpPr>
-            <a:spLocks noGrp="1"/>
-          </p:cNvSpPr>
-          <p:nvPr>
-            <p:ph type="title"/>
-          </p:nvPr>
-        </p:nvSpPr>
-        <p:spPr>
-          <a:xfrm>
-            <a:off x="1230922" y="290136"/>
-            <a:ext cx="7760677" cy="589085"/>
-          </a:xfrm>
-        </p:spPr>
-        <p:txBody>
-          <a:bodyPr>
-            <a:normAutofit/>
-          </a:bodyPr>
-          <a:lstStyle/>
-          <a:p>
-            <a:r>
-              <a:rPr lang="en-US" dirty="0"/>
-              <a:t>Delivering Codes via Docker Images</a:t>
-            </a:r>
-          </a:p>
-        </p:txBody>
-      </p:sp>
-      <p:sp>
-        <p:nvSpPr>
-          <p:cNvPr id="3" name="Content Placeholder 2"/>
-          <p:cNvSpPr>
-            <a:spLocks noGrp="1"/>
-          </p:cNvSpPr>
-          <p:nvPr>
-            <p:ph idx="1"/>
-          </p:nvPr>
-        </p:nvSpPr>
-        <p:spPr>
-          <a:xfrm>
-            <a:off x="152400" y="1292464"/>
-            <a:ext cx="8839200" cy="5011617"/>
-          </a:xfrm>
-        </p:spPr>
-        <p:txBody>
-          <a:bodyPr>
-            <a:normAutofit lnSpcReduction="10000"/>
-          </a:bodyPr>
-          <a:lstStyle/>
-          <a:p>
-            <a:r>
-              <a:rPr lang="en-US" sz="2000" i="0" dirty="0"/>
-              <a:t>Seven particle accelerator codes are available </a:t>
-            </a:r>
-            <a:r>
-              <a:rPr lang="en-US" sz="2000" i="0" dirty="0">
-                <a:solidFill>
-                  <a:srgbClr val="FF0000"/>
-                </a:solidFill>
-              </a:rPr>
-              <a:t>(more on the way)</a:t>
-            </a:r>
-          </a:p>
-          <a:p>
-            <a:pPr lvl="1"/>
-            <a:r>
-              <a:rPr lang="en-US" sz="1800" i="0" dirty="0"/>
-              <a:t>X-ray:      SRW, Shadow3</a:t>
-            </a:r>
-          </a:p>
-          <a:p>
-            <a:pPr lvl="1"/>
-            <a:r>
-              <a:rPr lang="en-US" sz="1800" i="0" dirty="0"/>
-              <a:t>Beams:   Synergia, Warp, Elegant/SDDS, Hellweg</a:t>
-            </a:r>
-          </a:p>
-          <a:p>
-            <a:pPr lvl="2"/>
-            <a:r>
-              <a:rPr lang="en-US" sz="1600" b="1" i="0" dirty="0"/>
-              <a:t>coming soon:  MAD-X, PTC</a:t>
-            </a:r>
-          </a:p>
-          <a:p>
-            <a:pPr lvl="1"/>
-            <a:r>
-              <a:rPr lang="en-US" sz="1800" i="0" dirty="0"/>
-              <a:t>FELs:        Genesis v.2</a:t>
-            </a:r>
-          </a:p>
-          <a:p>
-            <a:r>
-              <a:rPr lang="en-US" sz="2000" i="0" dirty="0"/>
-              <a:t>Three user interface (UI) modes are supported: </a:t>
-            </a:r>
-          </a:p>
-          <a:p>
-            <a:pPr lvl="1"/>
-            <a:r>
-              <a:rPr lang="en-US" sz="1800" i="0" dirty="0"/>
-              <a:t>Sirepo (GUI);  Jupyter (IPython notebooks);  command-line (CLI)</a:t>
-            </a:r>
-          </a:p>
-          <a:p>
-            <a:r>
-              <a:rPr lang="en-US" sz="2000" i="0" dirty="0"/>
-              <a:t>Automated build/test/release to Docker Hub and to PyPI</a:t>
-            </a:r>
-          </a:p>
-          <a:p>
-            <a:r>
-              <a:rPr lang="en-US" sz="2000" i="0" dirty="0"/>
-              <a:t>One command to download/install/run:</a:t>
-            </a:r>
-            <a:endParaRPr lang="en-US" i="0" dirty="0"/>
-          </a:p>
-          <a:p>
-            <a:pPr marL="0" indent="0">
-              <a:spcBef>
-                <a:spcPts val="600"/>
-              </a:spcBef>
-              <a:buNone/>
-            </a:pPr>
-            <a:r>
-              <a:rPr lang="en-US" sz="2000" i="0" dirty="0">
-                <a:latin typeface="Courier New" panose="02070309020205020404" pitchFamily="49" charset="0"/>
-                <a:cs typeface="Courier New" panose="02070309020205020404" pitchFamily="49" charset="0"/>
-              </a:rPr>
-              <a:t>         &gt;  docker run –p 8000:8000 radiasoft/sirepo</a:t>
-            </a:r>
-            <a:endParaRPr lang="en-US" i="0" dirty="0">
-              <a:latin typeface="Courier New" panose="02070309020205020404" pitchFamily="49" charset="0"/>
-              <a:cs typeface="Courier New" panose="02070309020205020404" pitchFamily="49" charset="0"/>
-            </a:endParaRPr>
-          </a:p>
-          <a:p>
-            <a:pPr lvl="2"/>
-            <a:endParaRPr lang="en-US" sz="1400" i="0" dirty="0"/>
-          </a:p>
-          <a:p>
-            <a:r>
-              <a:rPr lang="en-US" sz="2000" i="0" dirty="0"/>
-              <a:t>RadiaSoft code on GitHub:    </a:t>
-            </a:r>
-            <a:r>
-              <a:rPr lang="en-US" sz="1600" i="0" u="sng" dirty="0">
-                <a:solidFill>
-                  <a:srgbClr val="000000"/>
-                </a:solidFill>
-                <a:latin typeface="Courier New" panose="02070309020205020404" pitchFamily="49" charset="0"/>
-                <a:hlinkClick r:id="rId3"/>
-              </a:rPr>
-              <a:t>http://sirepo.com</a:t>
-            </a:r>
-            <a:r>
-              <a:rPr lang="en-US" sz="1600" i="0" dirty="0">
-                <a:solidFill>
-                  <a:srgbClr val="000000"/>
-                </a:solidFill>
-              </a:rPr>
-              <a:t>          </a:t>
-            </a:r>
-            <a:r>
-              <a:rPr lang="en-US" sz="1600" i="0" dirty="0">
-                <a:solidFill>
-                  <a:srgbClr val="0070C0"/>
-                </a:solidFill>
-              </a:rPr>
-              <a:t>(primary repo)</a:t>
-            </a:r>
-            <a:endParaRPr lang="en-US" sz="2000" i="0" dirty="0">
-              <a:solidFill>
-                <a:srgbClr val="0070C0"/>
-              </a:solidFill>
-            </a:endParaRPr>
-          </a:p>
-          <a:p>
-            <a:pPr marL="457200" lvl="1" indent="0">
-              <a:buNone/>
-            </a:pPr>
-            <a:r>
-              <a:rPr lang="en-US" sz="1600" i="0" dirty="0">
-                <a:cs typeface="Courier New" panose="02070309020205020404" pitchFamily="49" charset="0"/>
-              </a:rPr>
-              <a:t>                                                               </a:t>
-            </a:r>
-            <a:r>
-              <a:rPr lang="en-US" sz="1600" i="0" dirty="0">
-                <a:latin typeface="Courier New" panose="02070309020205020404" pitchFamily="49" charset="0"/>
-                <a:cs typeface="Courier New" panose="02070309020205020404" pitchFamily="49" charset="0"/>
-                <a:hlinkClick r:id="rId4"/>
-              </a:rPr>
-              <a:t>https://github.com/radiasoft</a:t>
-            </a:r>
-            <a:r>
-              <a:rPr lang="en-US" sz="1600" i="0" dirty="0">
-                <a:latin typeface="Courier New" panose="02070309020205020404" pitchFamily="49" charset="0"/>
-                <a:cs typeface="Courier New" panose="02070309020205020404" pitchFamily="49" charset="0"/>
-              </a:rPr>
-              <a:t>  </a:t>
-            </a:r>
-            <a:r>
-              <a:rPr lang="en-US" sz="1600" i="0" dirty="0">
-                <a:cs typeface="Courier New" panose="02070309020205020404" pitchFamily="49" charset="0"/>
-              </a:rPr>
-              <a:t>(all)</a:t>
-            </a:r>
-          </a:p>
-          <a:p>
-            <a:pPr lvl="3"/>
-            <a:endParaRPr lang="en-US" sz="1400" i="0" dirty="0">
-              <a:cs typeface="Courier New" panose="02070309020205020404" pitchFamily="49" charset="0"/>
-            </a:endParaRPr>
-          </a:p>
-          <a:p>
-            <a:r>
-              <a:rPr lang="en-US" sz="2000" i="0" dirty="0"/>
-              <a:t>Try it yourself on RadiaSoft servers:  </a:t>
-            </a:r>
-            <a:r>
-              <a:rPr lang="en-US" sz="1600" i="0" dirty="0">
-                <a:latin typeface="Courier New" panose="02070309020205020404" pitchFamily="49" charset="0"/>
-                <a:cs typeface="Courier New" panose="02070309020205020404" pitchFamily="49" charset="0"/>
-                <a:hlinkClick r:id="rId5"/>
-              </a:rPr>
-              <a:t>https://beta.sirepo.com</a:t>
-            </a:r>
-            <a:r>
-              <a:rPr lang="en-US" sz="1800" i="0" dirty="0">
-                <a:latin typeface="Courier New" panose="02070309020205020404" pitchFamily="49" charset="0"/>
-                <a:cs typeface="Courier New" panose="02070309020205020404" pitchFamily="49" charset="0"/>
-              </a:rPr>
-              <a:t> </a:t>
-            </a:r>
-            <a:endParaRPr lang="en-US" sz="2000" i="0" dirty="0"/>
-          </a:p>
-          <a:p>
-            <a:pPr marL="457200" lvl="1" indent="0">
-              <a:buNone/>
-            </a:pPr>
-            <a:r>
-              <a:rPr lang="en-US" sz="1600" i="0" dirty="0"/>
-              <a:t>                                                                           </a:t>
-            </a:r>
-            <a:r>
-              <a:rPr lang="en-US" sz="1600" i="0" dirty="0">
-                <a:latin typeface="Courier New" panose="02070309020205020404" pitchFamily="49" charset="0"/>
-                <a:cs typeface="Courier New" panose="02070309020205020404" pitchFamily="49" charset="0"/>
-                <a:hlinkClick r:id="rId6"/>
-              </a:rPr>
-              <a:t>https://jupyter.radiasoft.org</a:t>
-            </a:r>
-            <a:r>
-              <a:rPr lang="en-US" sz="1600" i="0" dirty="0"/>
-              <a:t> </a:t>
-            </a:r>
-            <a:endParaRPr lang="en-US" sz="1400" i="0" dirty="0">
-              <a:latin typeface="Courier New" panose="02070309020205020404" pitchFamily="49" charset="0"/>
-              <a:cs typeface="Courier New" panose="02070309020205020404" pitchFamily="49" charset="0"/>
-            </a:endParaRPr>
-          </a:p>
-        </p:txBody>
-      </p:sp>
-      <p:sp>
-        <p:nvSpPr>
-          <p:cNvPr id="4" name="TextBox 3"/>
-          <p:cNvSpPr txBox="1"/>
-          <p:nvPr/>
-        </p:nvSpPr>
-        <p:spPr>
-          <a:xfrm>
-            <a:off x="2822331" y="791301"/>
-            <a:ext cx="5284177" cy="369332"/>
-          </a:xfrm>
-          <a:prstGeom prst="rect">
-            <a:avLst/>
-          </a:prstGeom>
-          <a:noFill/>
-        </p:spPr>
-        <p:txBody>
-          <a:bodyPr wrap="square" rtlCol="0">
-            <a:spAutoFit/>
-          </a:bodyPr>
-          <a:lstStyle/>
-          <a:p>
-            <a:r>
-              <a:rPr lang="en-US" dirty="0">
-                <a:latin typeface="Courier New" panose="02070309020205020404" pitchFamily="49" charset="0"/>
-                <a:cs typeface="Courier New" panose="02070309020205020404" pitchFamily="49" charset="0"/>
-                <a:hlinkClick r:id="rId7"/>
-              </a:rPr>
-              <a:t>https://hub.docker.com/r/radiasoft/</a:t>
-            </a:r>
-            <a:r>
-              <a:rPr lang="en-US" dirty="0">
-                <a:latin typeface="Courier New" panose="02070309020205020404" pitchFamily="49" charset="0"/>
-                <a:cs typeface="Courier New" panose="02070309020205020404" pitchFamily="49" charset="0"/>
-              </a:rPr>
-              <a:t> </a:t>
-            </a:r>
-          </a:p>
-        </p:txBody>
-      </p:sp>
-    </p:spTree>
-    <p:extLst>
-      <p:ext uri="{BB962C8B-B14F-4D97-AF65-F5344CB8AC3E}">
-        <p14:creationId xmlns:p14="http://schemas.microsoft.com/office/powerpoint/2010/main" val="1528542507"/>
-      </p:ext>
-    </p:extLst>
-  </p:cSld>
-  <p:clrMapOvr>
-    <a:masterClrMapping/>
-  </p:clrMapOvr>
-</p:sld>
-</file>
-
 <file path=ppt/slides/slide6.xml><?xml version="1.0" encoding="utf-8"?>
 <p:sld xmlns:a="http://schemas.openxmlformats.org/drawingml/2006/main" xmlns:r="http://schemas.openxmlformats.org/officeDocument/2006/relationships" xmlns:p="http://schemas.openxmlformats.org/presentationml/2006/main">
   <p:cSld>
@@ -4770,6 +5320,341 @@
         </p:nvSpPr>
         <p:spPr>
           <a:xfrm>
+            <a:off x="1230922" y="290136"/>
+            <a:ext cx="7760677" cy="589085"/>
+          </a:xfrm>
+        </p:spPr>
+        <p:txBody>
+          <a:bodyPr>
+            <a:normAutofit/>
+          </a:bodyPr>
+          <a:lstStyle/>
+          <a:p>
+            <a:r>
+              <a:rPr lang="en-US" dirty="0"/>
+              <a:t>Delivering Codes via Docker Images</a:t>
+            </a:r>
+          </a:p>
+        </p:txBody>
+      </p:sp>
+      <p:sp>
+        <p:nvSpPr>
+          <p:cNvPr id="3" name="Content Placeholder 2"/>
+          <p:cNvSpPr>
+            <a:spLocks noGrp="1"/>
+          </p:cNvSpPr>
+          <p:nvPr>
+            <p:ph idx="1"/>
+          </p:nvPr>
+        </p:nvSpPr>
+        <p:spPr>
+          <a:xfrm>
+            <a:off x="152400" y="1292464"/>
+            <a:ext cx="8839200" cy="5011617"/>
+          </a:xfrm>
+        </p:spPr>
+        <p:txBody>
+          <a:bodyPr>
+            <a:normAutofit lnSpcReduction="10000"/>
+          </a:bodyPr>
+          <a:lstStyle/>
+          <a:p>
+            <a:r>
+              <a:rPr lang="en-US" sz="2000" i="0" dirty="0"/>
+              <a:t>Seven particle accelerator codes are available </a:t>
+            </a:r>
+            <a:r>
+              <a:rPr lang="en-US" sz="2000" i="0" dirty="0">
+                <a:solidFill>
+                  <a:srgbClr val="FF0000"/>
+                </a:solidFill>
+              </a:rPr>
+              <a:t>(more on the way)</a:t>
+            </a:r>
+          </a:p>
+          <a:p>
+            <a:pPr lvl="1"/>
+            <a:r>
+              <a:rPr lang="en-US" sz="1800" i="0" dirty="0"/>
+              <a:t>X-ray:      SRW, Shadow3</a:t>
+            </a:r>
+          </a:p>
+          <a:p>
+            <a:pPr lvl="1"/>
+            <a:r>
+              <a:rPr lang="en-US" sz="1800" i="0" dirty="0"/>
+              <a:t>Beams:   Synergia, Warp, Elegant/SDDS, Hellweg</a:t>
+            </a:r>
+          </a:p>
+          <a:p>
+            <a:pPr lvl="2"/>
+            <a:r>
+              <a:rPr lang="en-US" sz="1600" b="1" i="0" dirty="0"/>
+              <a:t>coming soon:  MAD-X, PTC</a:t>
+            </a:r>
+          </a:p>
+          <a:p>
+            <a:pPr lvl="1"/>
+            <a:r>
+              <a:rPr lang="en-US" sz="1800" i="0" dirty="0"/>
+              <a:t>FELs:        Genesis v.2</a:t>
+            </a:r>
+          </a:p>
+          <a:p>
+            <a:r>
+              <a:rPr lang="en-US" sz="2000" i="0" dirty="0"/>
+              <a:t>Three user interface (UI) modes are supported: </a:t>
+            </a:r>
+          </a:p>
+          <a:p>
+            <a:pPr lvl="1"/>
+            <a:r>
+              <a:rPr lang="en-US" sz="1800" i="0" dirty="0"/>
+              <a:t>Sirepo (GUI);  Jupyter (IPython notebooks);  command-line (CLI)</a:t>
+            </a:r>
+          </a:p>
+          <a:p>
+            <a:r>
+              <a:rPr lang="en-US" sz="2000" i="0" dirty="0"/>
+              <a:t>Automated build/test/release to Docker Hub and to PyPI</a:t>
+            </a:r>
+          </a:p>
+          <a:p>
+            <a:r>
+              <a:rPr lang="en-US" sz="2000" i="0" dirty="0"/>
+              <a:t>One command to download/install/run:</a:t>
+            </a:r>
+            <a:endParaRPr lang="en-US" i="0" dirty="0"/>
+          </a:p>
+          <a:p>
+            <a:pPr marL="0" indent="0">
+              <a:spcBef>
+                <a:spcPts val="600"/>
+              </a:spcBef>
+              <a:buNone/>
+            </a:pPr>
+            <a:r>
+              <a:rPr lang="en-US" sz="2000" i="0" dirty="0">
+                <a:latin typeface="Courier New" panose="02070309020205020404" pitchFamily="49" charset="0"/>
+                <a:cs typeface="Courier New" panose="02070309020205020404" pitchFamily="49" charset="0"/>
+              </a:rPr>
+              <a:t>         &gt;  docker run –p 8000:8000 radiasoft/sirepo</a:t>
+            </a:r>
+            <a:endParaRPr lang="en-US" i="0" dirty="0">
+              <a:latin typeface="Courier New" panose="02070309020205020404" pitchFamily="49" charset="0"/>
+              <a:cs typeface="Courier New" panose="02070309020205020404" pitchFamily="49" charset="0"/>
+            </a:endParaRPr>
+          </a:p>
+          <a:p>
+            <a:pPr lvl="2"/>
+            <a:endParaRPr lang="en-US" sz="1400" i="0" dirty="0"/>
+          </a:p>
+          <a:p>
+            <a:r>
+              <a:rPr lang="en-US" sz="2000" i="0" dirty="0"/>
+              <a:t>RadiaSoft code on GitHub:    </a:t>
+            </a:r>
+            <a:r>
+              <a:rPr lang="en-US" sz="1600" i="0" u="sng" dirty="0">
+                <a:solidFill>
+                  <a:srgbClr val="000000"/>
+                </a:solidFill>
+                <a:latin typeface="Courier New" panose="02070309020205020404" pitchFamily="49" charset="0"/>
+                <a:hlinkClick r:id="rId3"/>
+              </a:rPr>
+              <a:t>http://sirepo.com</a:t>
+            </a:r>
+            <a:r>
+              <a:rPr lang="en-US" sz="1600" i="0" dirty="0">
+                <a:solidFill>
+                  <a:srgbClr val="000000"/>
+                </a:solidFill>
+              </a:rPr>
+              <a:t>          </a:t>
+            </a:r>
+            <a:r>
+              <a:rPr lang="en-US" sz="1600" i="0" dirty="0">
+                <a:solidFill>
+                  <a:srgbClr val="0070C0"/>
+                </a:solidFill>
+              </a:rPr>
+              <a:t>(primary repo)</a:t>
+            </a:r>
+            <a:endParaRPr lang="en-US" sz="2000" i="0" dirty="0">
+              <a:solidFill>
+                <a:srgbClr val="0070C0"/>
+              </a:solidFill>
+            </a:endParaRPr>
+          </a:p>
+          <a:p>
+            <a:pPr marL="457200" lvl="1" indent="0">
+              <a:buNone/>
+            </a:pPr>
+            <a:r>
+              <a:rPr lang="en-US" sz="1600" i="0" dirty="0">
+                <a:cs typeface="Courier New" panose="02070309020205020404" pitchFamily="49" charset="0"/>
+              </a:rPr>
+              <a:t>                                                               </a:t>
+            </a:r>
+            <a:r>
+              <a:rPr lang="en-US" sz="1600" i="0" dirty="0">
+                <a:latin typeface="Courier New" panose="02070309020205020404" pitchFamily="49" charset="0"/>
+                <a:cs typeface="Courier New" panose="02070309020205020404" pitchFamily="49" charset="0"/>
+                <a:hlinkClick r:id="rId4"/>
+              </a:rPr>
+              <a:t>https://github.com/radiasoft</a:t>
+            </a:r>
+            <a:r>
+              <a:rPr lang="en-US" sz="1600" i="0" dirty="0">
+                <a:latin typeface="Courier New" panose="02070309020205020404" pitchFamily="49" charset="0"/>
+                <a:cs typeface="Courier New" panose="02070309020205020404" pitchFamily="49" charset="0"/>
+              </a:rPr>
+              <a:t>  </a:t>
+            </a:r>
+            <a:r>
+              <a:rPr lang="en-US" sz="1600" i="0" dirty="0">
+                <a:cs typeface="Courier New" panose="02070309020205020404" pitchFamily="49" charset="0"/>
+              </a:rPr>
+              <a:t>(all)</a:t>
+            </a:r>
+          </a:p>
+          <a:p>
+            <a:pPr lvl="3"/>
+            <a:endParaRPr lang="en-US" sz="1400" i="0" dirty="0">
+              <a:cs typeface="Courier New" panose="02070309020205020404" pitchFamily="49" charset="0"/>
+            </a:endParaRPr>
+          </a:p>
+          <a:p>
+            <a:r>
+              <a:rPr lang="en-US" sz="2000" i="0" dirty="0"/>
+              <a:t>Try it yourself on RadiaSoft servers:  </a:t>
+            </a:r>
+            <a:r>
+              <a:rPr lang="en-US" sz="1600" i="0" dirty="0">
+                <a:latin typeface="Courier New" panose="02070309020205020404" pitchFamily="49" charset="0"/>
+                <a:cs typeface="Courier New" panose="02070309020205020404" pitchFamily="49" charset="0"/>
+                <a:hlinkClick r:id="rId5"/>
+              </a:rPr>
+              <a:t>https://beta.sirepo.com</a:t>
+            </a:r>
+            <a:r>
+              <a:rPr lang="en-US" sz="1800" i="0" dirty="0">
+                <a:latin typeface="Courier New" panose="02070309020205020404" pitchFamily="49" charset="0"/>
+                <a:cs typeface="Courier New" panose="02070309020205020404" pitchFamily="49" charset="0"/>
+              </a:rPr>
+              <a:t> </a:t>
+            </a:r>
+            <a:endParaRPr lang="en-US" sz="2000" i="0" dirty="0"/>
+          </a:p>
+          <a:p>
+            <a:pPr marL="457200" lvl="1" indent="0">
+              <a:buNone/>
+            </a:pPr>
+            <a:r>
+              <a:rPr lang="en-US" sz="1600" i="0" dirty="0"/>
+              <a:t>                                                                           </a:t>
+            </a:r>
+            <a:r>
+              <a:rPr lang="en-US" sz="1600" i="0" dirty="0">
+                <a:latin typeface="Courier New" panose="02070309020205020404" pitchFamily="49" charset="0"/>
+                <a:cs typeface="Courier New" panose="02070309020205020404" pitchFamily="49" charset="0"/>
+                <a:hlinkClick r:id="rId6"/>
+              </a:rPr>
+              <a:t>https://jupyter.radiasoft.org</a:t>
+            </a:r>
+            <a:r>
+              <a:rPr lang="en-US" sz="1600" i="0" dirty="0"/>
+              <a:t> </a:t>
+            </a:r>
+            <a:endParaRPr lang="en-US" sz="1400" i="0" dirty="0">
+              <a:latin typeface="Courier New" panose="02070309020205020404" pitchFamily="49" charset="0"/>
+              <a:cs typeface="Courier New" panose="02070309020205020404" pitchFamily="49" charset="0"/>
+            </a:endParaRPr>
+          </a:p>
+        </p:txBody>
+      </p:sp>
+      <p:sp>
+        <p:nvSpPr>
+          <p:cNvPr id="4" name="TextBox 3"/>
+          <p:cNvSpPr txBox="1"/>
+          <p:nvPr/>
+        </p:nvSpPr>
+        <p:spPr>
+          <a:xfrm>
+            <a:off x="2822331" y="791301"/>
+            <a:ext cx="5284177" cy="369332"/>
+          </a:xfrm>
+          <a:prstGeom prst="rect">
+            <a:avLst/>
+          </a:prstGeom>
+          <a:noFill/>
+        </p:spPr>
+        <p:txBody>
+          <a:bodyPr wrap="square" rtlCol="0">
+            <a:spAutoFit/>
+          </a:bodyPr>
+          <a:lstStyle/>
+          <a:p>
+            <a:r>
+              <a:rPr lang="en-US" dirty="0">
+                <a:latin typeface="Courier New" panose="02070309020205020404" pitchFamily="49" charset="0"/>
+                <a:cs typeface="Courier New" panose="02070309020205020404" pitchFamily="49" charset="0"/>
+                <a:hlinkClick r:id="rId7"/>
+              </a:rPr>
+              <a:t>https://hub.docker.com/r/radiasoft/</a:t>
+            </a:r>
+            <a:r>
+              <a:rPr lang="en-US" dirty="0">
+                <a:latin typeface="Courier New" panose="02070309020205020404" pitchFamily="49" charset="0"/>
+                <a:cs typeface="Courier New" panose="02070309020205020404" pitchFamily="49" charset="0"/>
+              </a:rPr>
+              <a:t> </a:t>
+            </a:r>
+          </a:p>
+        </p:txBody>
+      </p:sp>
+    </p:spTree>
+    <p:extLst>
+      <p:ext uri="{BB962C8B-B14F-4D97-AF65-F5344CB8AC3E}">
+        <p14:creationId xmlns:p14="http://schemas.microsoft.com/office/powerpoint/2010/main" val="1528542507"/>
+      </p:ext>
+    </p:extLst>
+  </p:cSld>
+  <p:clrMapOvr>
+    <a:masterClrMapping/>
+  </p:clrMapOvr>
+</p:sld>
+</file>
+
+<file path=ppt/slides/slide7.xml><?xml version="1.0" encoding="utf-8"?>
+<p:sld xmlns:a="http://schemas.openxmlformats.org/drawingml/2006/main" xmlns:r="http://schemas.openxmlformats.org/officeDocument/2006/relationships" xmlns:p="http://schemas.openxmlformats.org/presentationml/2006/main">
+  <p:cSld>
+    <p:spTree>
+      <p:nvGrpSpPr>
+        <p:cNvPr id="1" name=""/>
+        <p:cNvGrpSpPr/>
+        <p:nvPr/>
+      </p:nvGrpSpPr>
+      <p:grpSpPr>
+        <a:xfrm>
+          <a:off x="0" y="0"/>
+          <a:ext cx="0" cy="0"/>
+          <a:chOff x="0" y="0"/>
+          <a:chExt cx="0" cy="0"/>
+        </a:xfrm>
+      </p:grpSpPr>
+      <p:sp>
+        <p:nvSpPr>
+          <p:cNvPr id="2" name="Title 1"/>
+          <p:cNvSpPr>
+            <a:spLocks noGrp="1"/>
+          </p:cNvSpPr>
+          <p:nvPr>
+            <p:ph type="title"/>
+          </p:nvPr>
+        </p:nvSpPr>
+        <p:spPr>
+          <a:xfrm>
             <a:off x="975946" y="298936"/>
             <a:ext cx="8015654" cy="589085"/>
           </a:xfrm>
@@ -4902,7 +5787,7 @@
 </p:sld>
 </file>
 
-<file path=ppt/slides/slide7.xml><?xml version="1.0" encoding="utf-8"?>
+<file path=ppt/slides/slide8.xml><?xml version="1.0" encoding="utf-8"?>
 <p:sld xmlns:a="http://schemas.openxmlformats.org/drawingml/2006/main" xmlns:r="http://schemas.openxmlformats.org/officeDocument/2006/relationships" xmlns:p="http://schemas.openxmlformats.org/presentationml/2006/main">
   <p:cSld>
     <p:spTree>
@@ -5131,159 +6016,6 @@
 </p:sld>
 </file>
 
-<file path=ppt/slides/slide8.xml><?xml version="1.0" encoding="utf-8"?>
-<p:sld xmlns:a="http://schemas.openxmlformats.org/drawingml/2006/main" xmlns:r="http://schemas.openxmlformats.org/officeDocument/2006/relationships" xmlns:p="http://schemas.openxmlformats.org/presentationml/2006/main">
-  <p:cSld>
-    <p:spTree>
-      <p:nvGrpSpPr>
-        <p:cNvPr id="1" name=""/>
-        <p:cNvGrpSpPr/>
-        <p:nvPr/>
-      </p:nvGrpSpPr>
-      <p:grpSpPr>
-        <a:xfrm>
-          <a:off x="0" y="0"/>
-          <a:ext cx="0" cy="0"/>
-          <a:chOff x="0" y="0"/>
-          <a:chExt cx="0" cy="0"/>
-        </a:xfrm>
-      </p:grpSpPr>
-      <p:pic>
-        <p:nvPicPr>
-          <p:cNvPr id="13" name="Picture 12"/>
-          <p:cNvPicPr>
-            <a:picLocks noChangeAspect="1"/>
-          </p:cNvPicPr>
-          <p:nvPr/>
-        </p:nvPicPr>
-        <p:blipFill>
-          <a:blip r:embed="rId3"/>
-          <a:stretch>
-            <a:fillRect/>
-          </a:stretch>
-        </p:blipFill>
-        <p:spPr>
-          <a:xfrm>
-            <a:off x="5135488" y="2135488"/>
-            <a:ext cx="3741813" cy="3636964"/>
-          </a:xfrm>
-          <a:prstGeom prst="rect">
-            <a:avLst/>
-          </a:prstGeom>
-        </p:spPr>
-      </p:pic>
-      <p:sp>
-        <p:nvSpPr>
-          <p:cNvPr id="2" name="Title 1"/>
-          <p:cNvSpPr>
-            <a:spLocks noGrp="1"/>
-          </p:cNvSpPr>
-          <p:nvPr>
-            <p:ph type="title"/>
-          </p:nvPr>
-        </p:nvSpPr>
-        <p:spPr>
-          <a:xfrm>
-            <a:off x="4229100" y="219808"/>
-            <a:ext cx="4648201" cy="1767254"/>
-          </a:xfrm>
-          <a:effectLst>
-            <a:outerShdw blurRad="50800" dist="38100" dir="2700000" algn="tl" rotWithShape="0">
-              <a:prstClr val="black">
-                <a:alpha val="40000"/>
-              </a:prstClr>
-            </a:outerShdw>
-          </a:effectLst>
-        </p:spPr>
-        <p:txBody>
-          <a:bodyPr>
-            <a:normAutofit/>
-          </a:bodyPr>
-          <a:lstStyle/>
-          <a:p>
-            <a:pPr>
-              <a:lnSpc>
-                <a:spcPts val="3800"/>
-              </a:lnSpc>
-              <a:spcBef>
-                <a:spcPts val="0"/>
-              </a:spcBef>
-            </a:pPr>
-            <a:r>
-              <a:rPr lang="en-US" sz="3200" b="0" dirty="0"/>
-              <a:t>Begin demo:</a:t>
-            </a:r>
-            <a:br>
-              <a:rPr lang="en-US" sz="3200" b="0" dirty="0"/>
-            </a:br>
-            <a:r>
-              <a:rPr lang="en-US" sz="3200" b="0" dirty="0"/>
-              <a:t>Elegant in the cloud</a:t>
-            </a:r>
-          </a:p>
-        </p:txBody>
-      </p:sp>
-      <p:pic>
-        <p:nvPicPr>
-          <p:cNvPr id="8" name="Picture 7"/>
-          <p:cNvPicPr>
-            <a:picLocks noChangeAspect="1"/>
-          </p:cNvPicPr>
-          <p:nvPr/>
-        </p:nvPicPr>
-        <p:blipFill>
-          <a:blip r:embed="rId4"/>
-          <a:stretch>
-            <a:fillRect/>
-          </a:stretch>
-        </p:blipFill>
-        <p:spPr>
-          <a:xfrm>
-            <a:off x="418026" y="769876"/>
-            <a:ext cx="3733800" cy="2800350"/>
-          </a:xfrm>
-          <a:prstGeom prst="rect">
-            <a:avLst/>
-          </a:prstGeom>
-        </p:spPr>
-      </p:pic>
-      <p:pic>
-        <p:nvPicPr>
-          <p:cNvPr id="10" name="Picture 9"/>
-          <p:cNvPicPr>
-            <a:picLocks noChangeAspect="1"/>
-          </p:cNvPicPr>
-          <p:nvPr/>
-        </p:nvPicPr>
-        <p:blipFill>
-          <a:blip r:embed="rId5"/>
-          <a:stretch>
-            <a:fillRect/>
-          </a:stretch>
-        </p:blipFill>
-        <p:spPr>
-          <a:xfrm>
-            <a:off x="418026" y="3953970"/>
-            <a:ext cx="4440119" cy="2047208"/>
-          </a:xfrm>
-          <a:prstGeom prst="rect">
-            <a:avLst/>
-          </a:prstGeom>
-        </p:spPr>
-      </p:pic>
-    </p:spTree>
-    <p:extLst>
-      <p:ext uri="{BB962C8B-B14F-4D97-AF65-F5344CB8AC3E}">
-        <p14:creationId xmlns:p14="http://schemas.microsoft.com/office/powerpoint/2010/main" val="29687483"/>
-      </p:ext>
-    </p:extLst>
-  </p:cSld>
-  <p:clrMapOvr>
-    <a:masterClrMapping/>
-  </p:clrMapOvr>
-</p:sld>
-</file>
-
 <file path=ppt/slides/slide9.xml><?xml version="1.0" encoding="utf-8"?>
 <p:sld xmlns:a="http://schemas.openxmlformats.org/drawingml/2006/main" xmlns:r="http://schemas.openxmlformats.org/officeDocument/2006/relationships" xmlns:p="http://schemas.openxmlformats.org/presentationml/2006/main">
   <p:cSld>
@@ -5313,7 +6045,7 @@
         </p:nvSpPr>
         <p:spPr>
           <a:xfrm>
-            <a:off x="975946" y="219808"/>
+            <a:off x="975945" y="430821"/>
             <a:ext cx="8015654" cy="589085"/>
           </a:xfrm>
         </p:spPr>
@@ -5325,327 +6057,120 @@
           <a:p>
             <a:r>
               <a:rPr lang="en-US" dirty="0"/>
-              <a:t>Number of users is growing</a:t>
+              <a:t>Conclusion:  many ways to share</a:t>
             </a:r>
           </a:p>
         </p:txBody>
       </p:sp>
       <p:sp>
         <p:nvSpPr>
-          <p:cNvPr id="4" name="Content Placeholder 2"/>
-          <p:cNvSpPr txBox="1">
-            <a:spLocks/>
-          </p:cNvSpPr>
-          <p:nvPr/>
-        </p:nvSpPr>
-        <p:spPr bwMode="auto">
+          <p:cNvPr id="3" name="Content Placeholder 2"/>
+          <p:cNvSpPr>
+            <a:spLocks noGrp="1"/>
+          </p:cNvSpPr>
+          <p:nvPr>
+            <p:ph idx="1"/>
+          </p:nvPr>
+        </p:nvSpPr>
+        <p:spPr>
           <a:xfrm>
-            <a:off x="720968" y="967156"/>
-            <a:ext cx="8270631" cy="5284177"/>
+            <a:off x="773722" y="1213337"/>
+            <a:ext cx="8217877" cy="4950071"/>
           </a:xfrm>
-          <a:prstGeom prst="rect">
-            <a:avLst/>
-          </a:prstGeom>
-          <a:noFill/>
-          <a:ln w="9525">
-            <a:noFill/>
-            <a:miter lim="800000"/>
-            <a:headEnd/>
-            <a:tailEnd/>
-          </a:ln>
         </p:spPr>
         <p:txBody>
-          <a:bodyPr vert="horz" wrap="square" lIns="91440" tIns="45720" rIns="91440" bIns="45720" numCol="1" anchor="t" anchorCtr="0" compatLnSpc="1">
-            <a:prstTxWarp prst="textNoShape">
-              <a:avLst/>
-            </a:prstTxWarp>
+          <a:bodyPr>
             <a:normAutofit/>
           </a:bodyPr>
-          <a:lstStyle>
-            <a:lvl1pPr marL="342900" indent="-342900" algn="l" rtl="0" eaLnBrk="0" fontAlgn="base" hangingPunct="0">
-              <a:spcBef>
-                <a:spcPct val="20000"/>
-              </a:spcBef>
-              <a:spcAft>
-                <a:spcPct val="0"/>
-              </a:spcAft>
-              <a:buFont typeface="Arial" pitchFamily="34" charset="0"/>
-              <a:buChar char="•"/>
-              <a:defRPr sz="2400" b="0" i="1" kern="1200">
-                <a:solidFill>
-                  <a:schemeClr val="tx1"/>
-                </a:solidFill>
-                <a:latin typeface="Century Gothic" panose="020B0502020202020204" pitchFamily="34" charset="0"/>
-                <a:ea typeface="+mn-ea"/>
-                <a:cs typeface="Times New Roman" pitchFamily="18" charset="0"/>
-              </a:defRPr>
-            </a:lvl1pPr>
-            <a:lvl2pPr marL="742950" indent="-285750" algn="l" rtl="0" eaLnBrk="0" fontAlgn="base" hangingPunct="0">
-              <a:spcBef>
-                <a:spcPct val="20000"/>
-              </a:spcBef>
-              <a:spcAft>
-                <a:spcPct val="0"/>
-              </a:spcAft>
-              <a:buFont typeface="Arial" pitchFamily="34" charset="0"/>
-              <a:buChar char="–"/>
-              <a:defRPr sz="2000" i="1" kern="1200">
-                <a:solidFill>
-                  <a:srgbClr val="005CA5"/>
-                </a:solidFill>
-                <a:latin typeface="Century Gothic" panose="020B0502020202020204" pitchFamily="34" charset="0"/>
-                <a:ea typeface="+mn-ea"/>
-                <a:cs typeface="Times New Roman" pitchFamily="18" charset="0"/>
-              </a:defRPr>
-            </a:lvl2pPr>
-            <a:lvl3pPr marL="1143000" indent="-228600" algn="l" rtl="0" eaLnBrk="0" fontAlgn="base" hangingPunct="0">
-              <a:spcBef>
-                <a:spcPct val="20000"/>
-              </a:spcBef>
-              <a:spcAft>
-                <a:spcPct val="0"/>
-              </a:spcAft>
-              <a:buFont typeface="Arial" pitchFamily="34" charset="0"/>
-              <a:buChar char="•"/>
-              <a:defRPr sz="1800" i="1" kern="1200">
-                <a:solidFill>
-                  <a:srgbClr val="5FBB46"/>
-                </a:solidFill>
-                <a:latin typeface="Century Gothic" panose="020B0502020202020204" pitchFamily="34" charset="0"/>
-                <a:ea typeface="+mn-ea"/>
-                <a:cs typeface="Times New Roman" pitchFamily="18" charset="0"/>
-              </a:defRPr>
-            </a:lvl3pPr>
-            <a:lvl4pPr marL="1600200" indent="-228600" algn="l" rtl="0" eaLnBrk="0" fontAlgn="base" hangingPunct="0">
-              <a:spcBef>
-                <a:spcPct val="20000"/>
-              </a:spcBef>
-              <a:spcAft>
-                <a:spcPct val="0"/>
-              </a:spcAft>
-              <a:buFont typeface="Arial" pitchFamily="34" charset="0"/>
-              <a:buChar char="–"/>
-              <a:defRPr sz="1600" i="1" kern="1200">
-                <a:solidFill>
-                  <a:schemeClr val="tx1"/>
-                </a:solidFill>
-                <a:latin typeface="Century Gothic" panose="020B0502020202020204" pitchFamily="34" charset="0"/>
-                <a:ea typeface="+mn-ea"/>
-                <a:cs typeface="Times New Roman" pitchFamily="18" charset="0"/>
-              </a:defRPr>
-            </a:lvl4pPr>
-            <a:lvl5pPr marL="2057400" indent="-228600" algn="l" rtl="0" eaLnBrk="0" fontAlgn="base" hangingPunct="0">
-              <a:spcBef>
-                <a:spcPct val="20000"/>
-              </a:spcBef>
-              <a:spcAft>
-                <a:spcPct val="0"/>
-              </a:spcAft>
-              <a:buFont typeface="Arial" pitchFamily="34" charset="0"/>
-              <a:buChar char="»"/>
-              <a:defRPr sz="1400" b="1" i="1" kern="1200">
-                <a:solidFill>
-                  <a:srgbClr val="B9D532"/>
-                </a:solidFill>
-                <a:latin typeface="Century Gothic" panose="020B0502020202020204" pitchFamily="34" charset="0"/>
-                <a:ea typeface="+mn-ea"/>
-                <a:cs typeface="Times New Roman" pitchFamily="18" charset="0"/>
-              </a:defRPr>
-            </a:lvl5pPr>
-            <a:lvl6pPr marL="2514600" indent="-228600" algn="l" defTabSz="914400" rtl="0" eaLnBrk="1" latinLnBrk="0" hangingPunct="1">
-              <a:spcBef>
-                <a:spcPct val="20000"/>
-              </a:spcBef>
-              <a:buFont typeface="Arial" pitchFamily="34" charset="0"/>
-              <a:buChar char="•"/>
-              <a:defRPr sz="2000" kern="1200">
-                <a:solidFill>
-                  <a:schemeClr val="tx1"/>
-                </a:solidFill>
-                <a:latin typeface="+mn-lt"/>
-                <a:ea typeface="+mn-ea"/>
-                <a:cs typeface="+mn-cs"/>
-              </a:defRPr>
-            </a:lvl6pPr>
-            <a:lvl7pPr marL="2971800" indent="-228600" algn="l" defTabSz="914400" rtl="0" eaLnBrk="1" latinLnBrk="0" hangingPunct="1">
-              <a:spcBef>
-                <a:spcPct val="20000"/>
-              </a:spcBef>
-              <a:buFont typeface="Arial" pitchFamily="34" charset="0"/>
-              <a:buChar char="•"/>
-              <a:defRPr sz="2000" kern="1200">
-                <a:solidFill>
-                  <a:schemeClr val="tx1"/>
-                </a:solidFill>
-                <a:latin typeface="+mn-lt"/>
-                <a:ea typeface="+mn-ea"/>
-                <a:cs typeface="+mn-cs"/>
-              </a:defRPr>
-            </a:lvl7pPr>
-            <a:lvl8pPr marL="3429000" indent="-228600" algn="l" defTabSz="914400" rtl="0" eaLnBrk="1" latinLnBrk="0" hangingPunct="1">
-              <a:spcBef>
-                <a:spcPct val="20000"/>
-              </a:spcBef>
-              <a:buFont typeface="Arial" pitchFamily="34" charset="0"/>
-              <a:buChar char="•"/>
-              <a:defRPr sz="2000" kern="1200">
-                <a:solidFill>
-                  <a:schemeClr val="tx1"/>
-                </a:solidFill>
-                <a:latin typeface="+mn-lt"/>
-                <a:ea typeface="+mn-ea"/>
-                <a:cs typeface="+mn-cs"/>
-              </a:defRPr>
-            </a:lvl8pPr>
-            <a:lvl9pPr marL="3886200" indent="-228600" algn="l" defTabSz="914400" rtl="0" eaLnBrk="1" latinLnBrk="0" hangingPunct="1">
-              <a:spcBef>
-                <a:spcPct val="20000"/>
-              </a:spcBef>
-              <a:buFont typeface="Arial" pitchFamily="34" charset="0"/>
-              <a:buChar char="•"/>
-              <a:defRPr sz="2000" kern="1200">
-                <a:solidFill>
-                  <a:schemeClr val="tx1"/>
-                </a:solidFill>
-                <a:latin typeface="+mn-lt"/>
-                <a:ea typeface="+mn-ea"/>
-                <a:cs typeface="+mn-cs"/>
-              </a:defRPr>
-            </a:lvl9pPr>
-          </a:lstStyle>
-          <a:p>
-            <a:pPr defTabSz="914400"/>
+          <a:lstStyle/>
+          <a:p>
             <a:r>
               <a:rPr lang="en-US" i="0" dirty="0"/>
-              <a:t>Brookhaven National Lab (BNL)</a:t>
-            </a:r>
-            <a:r>
-              <a:rPr lang="en-US" sz="2000" dirty="0"/>
-              <a:t> – mostly SRW</a:t>
-            </a:r>
-            <a:endParaRPr lang="en-US" sz="2800" dirty="0"/>
-          </a:p>
-          <a:p>
-            <a:pPr lvl="1" defTabSz="914400"/>
+              <a:t>Simple web link to run on the same server</a:t>
+            </a:r>
+          </a:p>
+          <a:p>
+            <a:pPr lvl="1"/>
             <a:r>
               <a:rPr lang="en-US" i="0" dirty="0"/>
-              <a:t>multiple independent Sirepo servers at NSLS-II</a:t>
-            </a:r>
-          </a:p>
-          <a:p>
-            <a:pPr lvl="2" defTabSz="914400"/>
-            <a:r>
-              <a:rPr lang="en-US" b="1" i="0" dirty="0"/>
-              <a:t>RadiaSoft will assist users in standing up independent servers</a:t>
-            </a:r>
-          </a:p>
-          <a:p>
-            <a:pPr lvl="1" defTabSz="914400"/>
+              <a:t>email or IM a URL to your colleague</a:t>
+            </a:r>
+          </a:p>
+          <a:p>
             <a:r>
               <a:rPr lang="en-US" i="0" dirty="0"/>
-              <a:t>M. Rakitin is an active Sirepo developer</a:t>
-            </a:r>
-          </a:p>
-          <a:p>
-            <a:pPr lvl="2" defTabSz="914400"/>
-            <a:r>
-              <a:rPr lang="en-US" b="1" i="0" dirty="0"/>
-              <a:t>we welcome new contributors to this open source project</a:t>
-            </a:r>
-          </a:p>
-          <a:p>
-            <a:pPr defTabSz="914400"/>
+              <a:t>Self-extracting simulations</a:t>
+            </a:r>
+          </a:p>
+          <a:p>
+            <a:pPr lvl="1"/>
             <a:r>
               <a:rPr lang="en-US" i="0" dirty="0"/>
-              <a:t>SLAC, European XFEL, ESRF, Elletra</a:t>
-            </a:r>
-            <a:r>
-              <a:rPr lang="en-US" sz="2000" dirty="0"/>
-              <a:t> – using SRW</a:t>
-            </a:r>
-          </a:p>
-          <a:p>
-            <a:pPr defTabSz="914400"/>
+              <a:t>alternative to URL when colleague uses different server</a:t>
+            </a:r>
+          </a:p>
+          <a:p>
+            <a:pPr lvl="1"/>
             <a:r>
               <a:rPr lang="en-US" i="0" dirty="0"/>
-              <a:t>ANL/APS &amp; LBL/ALS</a:t>
-            </a:r>
-            <a:r>
-              <a:rPr lang="en-US" sz="2000" dirty="0"/>
-              <a:t> – testing Shadow3 and SRW</a:t>
-            </a:r>
-            <a:endParaRPr lang="en-US" dirty="0"/>
-          </a:p>
-          <a:p>
-            <a:pPr defTabSz="914400"/>
+              <a:t>put (potentially large) HTML file on Dropbox (for example)</a:t>
+            </a:r>
+          </a:p>
+          <a:p>
+            <a:pPr lvl="1"/>
             <a:r>
               <a:rPr lang="en-US" i="0" dirty="0"/>
-              <a:t>Fermilab</a:t>
-            </a:r>
-            <a:r>
-              <a:rPr lang="en-US" sz="2000" dirty="0"/>
-              <a:t> – using Jupyter/IPython for IOTA simulations</a:t>
-            </a:r>
-            <a:endParaRPr lang="en-US" dirty="0"/>
-          </a:p>
-          <a:p>
-            <a:pPr defTabSz="914400"/>
+              <a:t>colleague double-clicks and specifies Sirepo server to use</a:t>
+            </a:r>
+          </a:p>
+          <a:p>
             <a:r>
               <a:rPr lang="en-US" i="0" dirty="0"/>
-              <a:t>UCLA &amp; LBL/ATAP</a:t>
-            </a:r>
-            <a:r>
-              <a:rPr lang="en-US" sz="2000" dirty="0"/>
-              <a:t> – using Elegant</a:t>
-            </a:r>
+              <a:t>Zipped archive (used for self-extracting feature)</a:t>
+            </a:r>
+          </a:p>
+          <a:p>
             <a:r>
               <a:rPr lang="en-US" i="0" dirty="0"/>
-              <a:t> </a:t>
-            </a:r>
-          </a:p>
-          <a:p>
-            <a:pPr defTabSz="914400"/>
+              <a:t>Python source for CLI</a:t>
+            </a:r>
+          </a:p>
+          <a:p>
+            <a:pPr lvl="1"/>
             <a:r>
               <a:rPr lang="en-US" i="0" dirty="0"/>
-              <a:t>commercial client</a:t>
-            </a:r>
-            <a:r>
-              <a:rPr lang="en-US" sz="2000" dirty="0"/>
-              <a:t> – using Jupyter/IPython for Warp</a:t>
-            </a:r>
-            <a:endParaRPr lang="en-US" dirty="0"/>
-          </a:p>
-          <a:p>
-            <a:pPr defTabSz="914400"/>
+              <a:t>the Sirepo GUI never constrains power users</a:t>
+            </a:r>
+          </a:p>
+          <a:p>
+            <a:pPr lvl="1"/>
             <a:r>
               <a:rPr lang="en-US" i="0" dirty="0"/>
-              <a:t>We have 50+ active users</a:t>
-            </a:r>
-          </a:p>
-          <a:p>
-            <a:pPr lvl="1" defTabSz="914400"/>
+              <a:t>easy interaction between new users and expert</a:t>
+            </a:r>
+          </a:p>
+          <a:p>
             <a:r>
               <a:rPr lang="en-US" i="0" dirty="0"/>
-              <a:t>Sirepo: 25+     Jupyter: 30+</a:t>
-            </a:r>
-          </a:p>
-          <a:p>
-            <a:pPr lvl="1" defTabSz="914400"/>
-            <a:r>
-              <a:rPr lang="en-US" i="0" dirty="0">
-                <a:solidFill>
-                  <a:srgbClr val="FF0000"/>
-                </a:solidFill>
-              </a:rPr>
-              <a:t>We are looking for more!</a:t>
-            </a:r>
+              <a:t>IPython/Jupyter compatible</a:t>
+            </a:r>
+          </a:p>
+          <a:p>
+            <a:pPr lvl="1"/>
+            <a:r>
+              <a:rPr lang="en-US" i="0" dirty="0"/>
+              <a:t>manual now, but will be automated in the future</a:t>
+            </a:r>
+          </a:p>
+          <a:p>
+            <a:endParaRPr lang="en-US" i="0" dirty="0"/>
           </a:p>
         </p:txBody>
       </p:sp>
     </p:spTree>
     <p:extLst>
       <p:ext uri="{BB962C8B-B14F-4D97-AF65-F5344CB8AC3E}">
-        <p14:creationId xmlns:p14="http://schemas.microsoft.com/office/powerpoint/2010/main" val="1503375717"/>
+        <p14:creationId xmlns:p14="http://schemas.microsoft.com/office/powerpoint/2010/main" val="1656982388"/>
       </p:ext>
     </p:extLst>
   </p:cSld>

--- a/computational_reproducibility/lecture/2018_ComputationalReproducibility_Bruhwiler_USPAS.pptx
+++ b/computational_reproducibility/lecture/2018_ComputationalReproducibility_Bruhwiler_USPAS.pptx
@@ -5,18 +5,20 @@
     <p:sldMasterId id="2147483696" r:id="rId1"/>
   </p:sldMasterIdLst>
   <p:notesMasterIdLst>
-    <p:notesMasterId r:id="rId11"/>
+    <p:notesMasterId r:id="rId13"/>
   </p:notesMasterIdLst>
   <p:sldIdLst>
     <p:sldId id="297" r:id="rId2"/>
     <p:sldId id="393" r:id="rId3"/>
-    <p:sldId id="402" r:id="rId4"/>
-    <p:sldId id="401" r:id="rId5"/>
-    <p:sldId id="394" r:id="rId6"/>
-    <p:sldId id="395" r:id="rId7"/>
-    <p:sldId id="396" r:id="rId8"/>
-    <p:sldId id="397" r:id="rId9"/>
-    <p:sldId id="400" r:id="rId10"/>
+    <p:sldId id="403" r:id="rId4"/>
+    <p:sldId id="404" r:id="rId5"/>
+    <p:sldId id="402" r:id="rId6"/>
+    <p:sldId id="401" r:id="rId7"/>
+    <p:sldId id="394" r:id="rId8"/>
+    <p:sldId id="395" r:id="rId9"/>
+    <p:sldId id="396" r:id="rId10"/>
+    <p:sldId id="397" r:id="rId11"/>
+    <p:sldId id="400" r:id="rId12"/>
   </p:sldIdLst>
   <p:sldSz cx="9144000" cy="6858000" type="screen4x3"/>
   <p:notesSz cx="6858000" cy="9144000"/>
@@ -137,6 +139,10 @@
 </p:presentation>
 </file>
 
+<file path=ppt/revisionInfo.xml><?xml version="1.0" encoding="utf-8"?>
+<p1510:revInfo xmlns:a="http://schemas.openxmlformats.org/drawingml/2006/main" xmlns:r="http://schemas.openxmlformats.org/officeDocument/2006/relationships" xmlns:p1510="http://schemas.microsoft.com/office/powerpoint/2015/10/main"/>
+</file>
+
 <file path=ppt/notesMasters/notesMaster1.xml><?xml version="1.0" encoding="utf-8"?>
 <p:notesMaster xmlns:a="http://schemas.openxmlformats.org/drawingml/2006/main" xmlns:r="http://schemas.openxmlformats.org/officeDocument/2006/relationships" xmlns:p="http://schemas.openxmlformats.org/presentationml/2006/main">
   <p:cSld>
@@ -219,7 +225,7 @@
           <a:p>
             <a:fld id="{C5D37280-896D-453C-A8B2-790CBDCE44E5}" type="datetimeFigureOut">
               <a:rPr lang="en-US" smtClean="0"/>
-              <a:t>1/6/2018</a:t>
+              <a:t>1/7/2018</a:t>
             </a:fld>
             <a:endParaRPr lang="en-US"/>
           </a:p>
@@ -579,6 +585,174 @@
 </p:notes>
 </file>
 
+<file path=ppt/notesSlides/notesSlide10.xml><?xml version="1.0" encoding="utf-8"?>
+<p:notes xmlns:a="http://schemas.openxmlformats.org/drawingml/2006/main" xmlns:r="http://schemas.openxmlformats.org/officeDocument/2006/relationships" xmlns:p="http://schemas.openxmlformats.org/presentationml/2006/main">
+  <p:cSld>
+    <p:spTree>
+      <p:nvGrpSpPr>
+        <p:cNvPr id="1" name=""/>
+        <p:cNvGrpSpPr/>
+        <p:nvPr/>
+      </p:nvGrpSpPr>
+      <p:grpSpPr>
+        <a:xfrm>
+          <a:off x="0" y="0"/>
+          <a:ext cx="0" cy="0"/>
+          <a:chOff x="0" y="0"/>
+          <a:chExt cx="0" cy="0"/>
+        </a:xfrm>
+      </p:grpSpPr>
+      <p:sp>
+        <p:nvSpPr>
+          <p:cNvPr id="2" name="Slide Image Placeholder 1"/>
+          <p:cNvSpPr>
+            <a:spLocks noGrp="1" noRot="1" noChangeAspect="1"/>
+          </p:cNvSpPr>
+          <p:nvPr>
+            <p:ph type="sldImg"/>
+          </p:nvPr>
+        </p:nvSpPr>
+        <p:spPr/>
+      </p:sp>
+      <p:sp>
+        <p:nvSpPr>
+          <p:cNvPr id="3" name="Notes Placeholder 2"/>
+          <p:cNvSpPr>
+            <a:spLocks noGrp="1"/>
+          </p:cNvSpPr>
+          <p:nvPr>
+            <p:ph type="body" idx="1"/>
+          </p:nvPr>
+        </p:nvSpPr>
+        <p:spPr/>
+        <p:txBody>
+          <a:bodyPr/>
+          <a:lstStyle/>
+          <a:p>
+            <a:endParaRPr lang="en-US"/>
+          </a:p>
+        </p:txBody>
+      </p:sp>
+      <p:sp>
+        <p:nvSpPr>
+          <p:cNvPr id="4" name="Slide Number Placeholder 3"/>
+          <p:cNvSpPr>
+            <a:spLocks noGrp="1"/>
+          </p:cNvSpPr>
+          <p:nvPr>
+            <p:ph type="sldNum" sz="quarter" idx="10"/>
+          </p:nvPr>
+        </p:nvSpPr>
+        <p:spPr/>
+        <p:txBody>
+          <a:bodyPr/>
+          <a:lstStyle/>
+          <a:p>
+            <a:fld id="{4E0E9D85-81CD-44C8-8F15-3AA06C34AF8C}" type="slidenum">
+              <a:rPr lang="en-US" smtClean="0"/>
+              <a:t>10</a:t>
+            </a:fld>
+            <a:endParaRPr lang="en-US"/>
+          </a:p>
+        </p:txBody>
+      </p:sp>
+    </p:spTree>
+    <p:extLst>
+      <p:ext uri="{BB962C8B-B14F-4D97-AF65-F5344CB8AC3E}">
+        <p14:creationId xmlns:p14="http://schemas.microsoft.com/office/powerpoint/2010/main" val="720764118"/>
+      </p:ext>
+    </p:extLst>
+  </p:cSld>
+  <p:clrMapOvr>
+    <a:masterClrMapping/>
+  </p:clrMapOvr>
+</p:notes>
+</file>
+
+<file path=ppt/notesSlides/notesSlide11.xml><?xml version="1.0" encoding="utf-8"?>
+<p:notes xmlns:a="http://schemas.openxmlformats.org/drawingml/2006/main" xmlns:r="http://schemas.openxmlformats.org/officeDocument/2006/relationships" xmlns:p="http://schemas.openxmlformats.org/presentationml/2006/main">
+  <p:cSld>
+    <p:spTree>
+      <p:nvGrpSpPr>
+        <p:cNvPr id="1" name=""/>
+        <p:cNvGrpSpPr/>
+        <p:nvPr/>
+      </p:nvGrpSpPr>
+      <p:grpSpPr>
+        <a:xfrm>
+          <a:off x="0" y="0"/>
+          <a:ext cx="0" cy="0"/>
+          <a:chOff x="0" y="0"/>
+          <a:chExt cx="0" cy="0"/>
+        </a:xfrm>
+      </p:grpSpPr>
+      <p:sp>
+        <p:nvSpPr>
+          <p:cNvPr id="2" name="Slide Image Placeholder 1"/>
+          <p:cNvSpPr>
+            <a:spLocks noGrp="1" noRot="1" noChangeAspect="1"/>
+          </p:cNvSpPr>
+          <p:nvPr>
+            <p:ph type="sldImg"/>
+          </p:nvPr>
+        </p:nvSpPr>
+        <p:spPr/>
+      </p:sp>
+      <p:sp>
+        <p:nvSpPr>
+          <p:cNvPr id="3" name="Notes Placeholder 2"/>
+          <p:cNvSpPr>
+            <a:spLocks noGrp="1"/>
+          </p:cNvSpPr>
+          <p:nvPr>
+            <p:ph type="body" idx="1"/>
+          </p:nvPr>
+        </p:nvSpPr>
+        <p:spPr/>
+        <p:txBody>
+          <a:bodyPr/>
+          <a:lstStyle/>
+          <a:p>
+            <a:endParaRPr lang="en-US"/>
+          </a:p>
+        </p:txBody>
+      </p:sp>
+      <p:sp>
+        <p:nvSpPr>
+          <p:cNvPr id="4" name="Slide Number Placeholder 3"/>
+          <p:cNvSpPr>
+            <a:spLocks noGrp="1"/>
+          </p:cNvSpPr>
+          <p:nvPr>
+            <p:ph type="sldNum" sz="quarter" idx="10"/>
+          </p:nvPr>
+        </p:nvSpPr>
+        <p:spPr/>
+        <p:txBody>
+          <a:bodyPr/>
+          <a:lstStyle/>
+          <a:p>
+            <a:fld id="{4E0E9D85-81CD-44C8-8F15-3AA06C34AF8C}" type="slidenum">
+              <a:rPr lang="en-US" smtClean="0"/>
+              <a:t>11</a:t>
+            </a:fld>
+            <a:endParaRPr lang="en-US"/>
+          </a:p>
+        </p:txBody>
+      </p:sp>
+    </p:spTree>
+    <p:extLst>
+      <p:ext uri="{BB962C8B-B14F-4D97-AF65-F5344CB8AC3E}">
+        <p14:creationId xmlns:p14="http://schemas.microsoft.com/office/powerpoint/2010/main" val="2789813802"/>
+      </p:ext>
+    </p:extLst>
+  </p:cSld>
+  <p:clrMapOvr>
+    <a:masterClrMapping/>
+  </p:clrMapOvr>
+</p:notes>
+</file>
+
 <file path=ppt/notesSlides/notesSlide2.xml><?xml version="1.0" encoding="utf-8"?>
 <p:notes xmlns:a="http://schemas.openxmlformats.org/drawingml/2006/main" xmlns:r="http://schemas.openxmlformats.org/officeDocument/2006/relationships" xmlns:p="http://schemas.openxmlformats.org/presentationml/2006/main">
   <p:cSld>
@@ -737,7 +911,7 @@
     </p:spTree>
     <p:extLst>
       <p:ext uri="{BB962C8B-B14F-4D97-AF65-F5344CB8AC3E}">
-        <p14:creationId xmlns:p14="http://schemas.microsoft.com/office/powerpoint/2010/main" val="3070082035"/>
+        <p14:creationId xmlns:p14="http://schemas.microsoft.com/office/powerpoint/2010/main" val="2490443091"/>
       </p:ext>
     </p:extLst>
   </p:cSld>
@@ -821,7 +995,7 @@
     </p:spTree>
     <p:extLst>
       <p:ext uri="{BB962C8B-B14F-4D97-AF65-F5344CB8AC3E}">
-        <p14:creationId xmlns:p14="http://schemas.microsoft.com/office/powerpoint/2010/main" val="3002940322"/>
+        <p14:creationId xmlns:p14="http://schemas.microsoft.com/office/powerpoint/2010/main" val="4081033014"/>
       </p:ext>
     </p:extLst>
   </p:cSld>
@@ -905,7 +1079,7 @@
     </p:spTree>
     <p:extLst>
       <p:ext uri="{BB962C8B-B14F-4D97-AF65-F5344CB8AC3E}">
-        <p14:creationId xmlns:p14="http://schemas.microsoft.com/office/powerpoint/2010/main" val="384814357"/>
+        <p14:creationId xmlns:p14="http://schemas.microsoft.com/office/powerpoint/2010/main" val="3070082035"/>
       </p:ext>
     </p:extLst>
   </p:cSld>
@@ -989,7 +1163,7 @@
     </p:spTree>
     <p:extLst>
       <p:ext uri="{BB962C8B-B14F-4D97-AF65-F5344CB8AC3E}">
-        <p14:creationId xmlns:p14="http://schemas.microsoft.com/office/powerpoint/2010/main" val="2620879761"/>
+        <p14:creationId xmlns:p14="http://schemas.microsoft.com/office/powerpoint/2010/main" val="3002940322"/>
       </p:ext>
     </p:extLst>
   </p:cSld>
@@ -1073,7 +1247,7 @@
     </p:spTree>
     <p:extLst>
       <p:ext uri="{BB962C8B-B14F-4D97-AF65-F5344CB8AC3E}">
-        <p14:creationId xmlns:p14="http://schemas.microsoft.com/office/powerpoint/2010/main" val="2480711367"/>
+        <p14:creationId xmlns:p14="http://schemas.microsoft.com/office/powerpoint/2010/main" val="384814357"/>
       </p:ext>
     </p:extLst>
   </p:cSld>
@@ -1157,7 +1331,7 @@
     </p:spTree>
     <p:extLst>
       <p:ext uri="{BB962C8B-B14F-4D97-AF65-F5344CB8AC3E}">
-        <p14:creationId xmlns:p14="http://schemas.microsoft.com/office/powerpoint/2010/main" val="720764118"/>
+        <p14:creationId xmlns:p14="http://schemas.microsoft.com/office/powerpoint/2010/main" val="2620879761"/>
       </p:ext>
     </p:extLst>
   </p:cSld>
@@ -1241,7 +1415,7 @@
     </p:spTree>
     <p:extLst>
       <p:ext uri="{BB962C8B-B14F-4D97-AF65-F5344CB8AC3E}">
-        <p14:creationId xmlns:p14="http://schemas.microsoft.com/office/powerpoint/2010/main" val="2789813802"/>
+        <p14:creationId xmlns:p14="http://schemas.microsoft.com/office/powerpoint/2010/main" val="2480711367"/>
       </p:ext>
     </p:extLst>
   </p:cSld>
@@ -1310,8 +1484,8 @@
         </p:nvSpPr>
         <p:spPr>
           <a:xfrm>
-            <a:off x="152400" y="0"/>
-            <a:ext cx="8839200" cy="685800"/>
+            <a:off x="0" y="0"/>
+            <a:ext cx="9144000" cy="685800"/>
           </a:xfrm>
         </p:spPr>
         <p:txBody>
@@ -1320,7 +1494,7 @@
           </a:bodyPr>
           <a:lstStyle>
             <a:lvl1pPr>
-              <a:defRPr sz="2800" b="1" i="1">
+              <a:defRPr sz="2400" b="1" i="1">
                 <a:latin typeface="Century Gothic" panose="020B0502020202020204" pitchFamily="34" charset="0"/>
                 <a:cs typeface="Times New Roman" pitchFamily="18" charset="0"/>
               </a:defRPr>
@@ -1354,13 +1528,13 @@
           <a:bodyPr/>
           <a:lstStyle>
             <a:lvl1pPr>
-              <a:defRPr sz="2400" b="0" i="1">
+              <a:defRPr sz="1800" b="0" i="0">
                 <a:latin typeface="Century Gothic" panose="020B0502020202020204" pitchFamily="34" charset="0"/>
                 <a:cs typeface="Times New Roman" pitchFamily="18" charset="0"/>
               </a:defRPr>
             </a:lvl1pPr>
             <a:lvl2pPr>
-              <a:defRPr sz="2000" i="1">
+              <a:defRPr sz="1600" i="0">
                 <a:solidFill>
                   <a:srgbClr val="005CA5"/>
                 </a:solidFill>
@@ -1369,7 +1543,7 @@
               </a:defRPr>
             </a:lvl2pPr>
             <a:lvl3pPr>
-              <a:defRPr sz="1800" i="1">
+              <a:defRPr sz="1400" b="1" i="0">
                 <a:solidFill>
                   <a:srgbClr val="5FBB46"/>
                 </a:solidFill>
@@ -1378,7 +1552,7 @@
               </a:defRPr>
             </a:lvl3pPr>
             <a:lvl4pPr>
-              <a:defRPr sz="1600" i="1">
+              <a:defRPr sz="1200" i="0">
                 <a:solidFill>
                   <a:schemeClr val="tx1"/>
                 </a:solidFill>
@@ -1387,9 +1561,9 @@
               </a:defRPr>
             </a:lvl4pPr>
             <a:lvl5pPr>
-              <a:defRPr sz="1400" b="1" i="1">
+              <a:defRPr sz="1200" b="0" i="1">
                 <a:solidFill>
-                  <a:srgbClr val="B9D532"/>
+                  <a:srgbClr val="003399"/>
                 </a:solidFill>
                 <a:latin typeface="Century Gothic" panose="020B0502020202020204" pitchFamily="34" charset="0"/>
                 <a:cs typeface="Times New Roman" pitchFamily="18" charset="0"/>
@@ -1399,35 +1573,35 @@
           <a:p>
             <a:pPr lvl="0"/>
             <a:r>
-              <a:rPr lang="en-US"/>
+              <a:rPr lang="en-US" dirty="0"/>
               <a:t>Click to edit Master text styles</a:t>
             </a:r>
           </a:p>
           <a:p>
             <a:pPr lvl="1"/>
             <a:r>
-              <a:rPr lang="en-US"/>
+              <a:rPr lang="en-US" dirty="0"/>
               <a:t>Second level</a:t>
             </a:r>
           </a:p>
           <a:p>
             <a:pPr lvl="2"/>
             <a:r>
-              <a:rPr lang="en-US"/>
+              <a:rPr lang="en-US" dirty="0"/>
               <a:t>Third level</a:t>
             </a:r>
           </a:p>
           <a:p>
             <a:pPr lvl="3"/>
             <a:r>
-              <a:rPr lang="en-US"/>
+              <a:rPr lang="en-US" dirty="0"/>
               <a:t>Fourth level</a:t>
             </a:r>
           </a:p>
           <a:p>
             <a:pPr lvl="4"/>
             <a:r>
-              <a:rPr lang="en-US"/>
+              <a:rPr lang="en-US" dirty="0"/>
               <a:t>Fifth level</a:t>
             </a:r>
           </a:p>
@@ -1684,7 +1858,7 @@
           <a:p>
             <a:pPr algn="l"/>
             <a:r>
-              <a:rPr lang="en-US" sz="1400" b="0" i="0" baseline="0" smtClean="0">
+              <a:rPr lang="en-US" sz="1400" b="0" i="0" baseline="0">
                 <a:solidFill>
                   <a:schemeClr val="tx1"/>
                 </a:solidFill>
@@ -1790,7 +1964,7 @@
               <a:pPr>
                 <a:defRPr/>
               </a:pPr>
-              <a:t>1/6/2018</a:t>
+              <a:t>1/7/2018</a:t>
             </a:fld>
             <a:endParaRPr lang="en-US"/>
           </a:p>
@@ -1975,7 +2149,7 @@
           <a:p>
             <a:fld id="{DFF43710-F8AB-6840-B03A-23D4C2B2884A}" type="datetimeFigureOut">
               <a:rPr lang="en-US" smtClean="0"/>
-              <a:t>1/6/2018</a:t>
+              <a:t>1/7/2018</a:t>
             </a:fld>
             <a:endParaRPr lang="en-US"/>
           </a:p>
@@ -2220,7 +2394,7 @@
               <a:pPr defTabSz="914400">
                 <a:defRPr/>
               </a:pPr>
-              <a:t>1/6/2018</a:t>
+              <a:t>1/7/2018</a:t>
             </a:fld>
             <a:endParaRPr lang="en-US"/>
           </a:p>
@@ -2771,32 +2945,11 @@
               </a:spcBef>
             </a:pPr>
             <a:r>
-              <a:rPr lang="en-US" sz="2800" i="1" smtClean="0">
-                <a:latin typeface="Times New Roman" panose="02020603050405020304" pitchFamily="18" charset="0"/>
-                <a:cs typeface="Times New Roman" panose="02020603050405020304" pitchFamily="18" charset="0"/>
-              </a:rPr>
-              <a:t>USPAS – Simulation </a:t>
-            </a:r>
-            <a:r>
-              <a:rPr lang="en-US" sz="2800" i="1">
-                <a:latin typeface="Times New Roman" panose="02020603050405020304" pitchFamily="18" charset="0"/>
-                <a:cs typeface="Times New Roman" panose="02020603050405020304" pitchFamily="18" charset="0"/>
-              </a:rPr>
-              <a:t>of Beam and </a:t>
-            </a:r>
-            <a:r>
-              <a:rPr lang="en-US" sz="2800" i="1">
-                <a:latin typeface="Times New Roman" panose="02020603050405020304" pitchFamily="18" charset="0"/>
-                <a:cs typeface="Times New Roman" panose="02020603050405020304" pitchFamily="18" charset="0"/>
-              </a:rPr>
-              <a:t>Plasma </a:t>
-            </a:r>
-            <a:r>
-              <a:rPr lang="en-US" sz="2800" i="1" smtClean="0">
-                <a:latin typeface="Times New Roman" panose="02020603050405020304" pitchFamily="18" charset="0"/>
-                <a:cs typeface="Times New Roman" panose="02020603050405020304" pitchFamily="18" charset="0"/>
-              </a:rPr>
-              <a:t>Systems</a:t>
+              <a:rPr lang="en-US" sz="2800" i="1" dirty="0">
+                <a:latin typeface="Times New Roman" panose="02020603050405020304" pitchFamily="18" charset="0"/>
+                <a:cs typeface="Times New Roman" panose="02020603050405020304" pitchFamily="18" charset="0"/>
+              </a:rPr>
+              <a:t>USPAS – Simulation of Beam and Plasma Systems</a:t>
             </a:r>
             <a:endParaRPr lang="en-US" sz="2800" dirty="0">
               <a:solidFill>
@@ -2957,7 +3110,7 @@
           <a:p>
             <a:pPr defTabSz="914400"/>
             <a:r>
-              <a:rPr lang="en-US" sz="2400" smtClean="0">
+              <a:rPr lang="en-US" sz="2400">
                 <a:solidFill>
                   <a:schemeClr val="tx1"/>
                 </a:solidFill>
@@ -2967,7 +3120,7 @@
               <a:t>U.S. Particle Accelerator School  </a:t>
             </a:r>
             <a:r>
-              <a:rPr lang="en-US" sz="2000" smtClean="0">
+              <a:rPr lang="en-US" sz="2000">
                 <a:solidFill>
                   <a:schemeClr val="tx1"/>
                 </a:solidFill>
@@ -2977,7 +3130,7 @@
               <a:t>sponsored by </a:t>
             </a:r>
             <a:r>
-              <a:rPr lang="en-US" sz="2000" b="1" smtClean="0">
+              <a:rPr lang="en-US" sz="2000" b="1">
                 <a:solidFill>
                   <a:srgbClr val="00B050"/>
                 </a:solidFill>
@@ -2994,17 +3147,6 @@
               </a:spcBef>
             </a:pPr>
             <a:r>
-              <a:rPr lang="en-US" sz="2000" smtClean="0">
-                <a:solidFill>
-                  <a:schemeClr val="tx1"/>
-                </a:solidFill>
-                <a:latin typeface="Times New Roman" panose="02020603050405020304" pitchFamily="18" charset="0"/>
-                <a:cs typeface="Times New Roman" panose="02020603050405020304" pitchFamily="18" charset="0"/>
-                <a:hlinkClick r:id="rId3"/>
-              </a:rPr>
-              <a:t>http</a:t>
-            </a:r>
-            <a:r>
               <a:rPr lang="en-US" sz="2000">
                 <a:solidFill>
                   <a:schemeClr val="tx1"/>
@@ -3013,21 +3155,10 @@
                 <a:cs typeface="Times New Roman" panose="02020603050405020304" pitchFamily="18" charset="0"/>
                 <a:hlinkClick r:id="rId3"/>
               </a:rPr>
-              <a:t>://</a:t>
-            </a:r>
-            <a:r>
-              <a:rPr lang="en-US" sz="2000" smtClean="0">
-                <a:solidFill>
-                  <a:schemeClr val="tx1"/>
-                </a:solidFill>
-                <a:latin typeface="Times New Roman" panose="02020603050405020304" pitchFamily="18" charset="0"/>
-                <a:cs typeface="Times New Roman" panose="02020603050405020304" pitchFamily="18" charset="0"/>
-                <a:hlinkClick r:id="rId3"/>
-              </a:rPr>
-              <a:t>uspas.fnal.gov/programs/2018/odu/courses/beam-plasma-systems.shtml</a:t>
-            </a:r>
-            <a:r>
-              <a:rPr lang="en-US" sz="2000" smtClean="0">
+              <a:t>http://uspas.fnal.gov/programs/2018/odu/courses/beam-plasma-systems.shtml</a:t>
+            </a:r>
+            <a:r>
+              <a:rPr lang="en-US" sz="2000">
                 <a:solidFill>
                   <a:schemeClr val="tx1"/>
                 </a:solidFill>
@@ -3051,16 +3182,6 @@
               </a:spcBef>
             </a:pPr>
             <a:r>
-              <a:rPr lang="en-US" sz="2400" smtClean="0">
-                <a:solidFill>
-                  <a:srgbClr val="0070C0"/>
-                </a:solidFill>
-                <a:latin typeface="Times New Roman" panose="02020603050405020304" pitchFamily="18" charset="0"/>
-                <a:cs typeface="Times New Roman" panose="02020603050405020304" pitchFamily="18" charset="0"/>
-              </a:rPr>
-              <a:t>January </a:t>
-            </a:r>
-            <a:r>
               <a:rPr lang="en-US" sz="2400">
                 <a:solidFill>
                   <a:srgbClr val="0070C0"/>
@@ -3068,55 +3189,8 @@
                 <a:latin typeface="Times New Roman" panose="02020603050405020304" pitchFamily="18" charset="0"/>
                 <a:cs typeface="Times New Roman" panose="02020603050405020304" pitchFamily="18" charset="0"/>
               </a:rPr>
-              <a:t>15-26</a:t>
-            </a:r>
-            <a:r>
-              <a:rPr lang="en-US" sz="2400">
-                <a:solidFill>
-                  <a:srgbClr val="0070C0"/>
-                </a:solidFill>
-                <a:latin typeface="Times New Roman" panose="02020603050405020304" pitchFamily="18" charset="0"/>
-                <a:cs typeface="Times New Roman" panose="02020603050405020304" pitchFamily="18" charset="0"/>
-              </a:rPr>
-              <a:t>, </a:t>
-            </a:r>
-            <a:r>
-              <a:rPr lang="en-US" sz="2400" smtClean="0">
-                <a:solidFill>
-                  <a:srgbClr val="0070C0"/>
-                </a:solidFill>
-                <a:latin typeface="Times New Roman" panose="02020603050405020304" pitchFamily="18" charset="0"/>
-                <a:cs typeface="Times New Roman" panose="02020603050405020304" pitchFamily="18" charset="0"/>
-              </a:rPr>
-              <a:t>2018    –    Hampton</a:t>
-            </a:r>
-            <a:r>
-              <a:rPr lang="en-US" sz="2400">
-                <a:solidFill>
-                  <a:srgbClr val="0070C0"/>
-                </a:solidFill>
-                <a:latin typeface="Times New Roman" panose="02020603050405020304" pitchFamily="18" charset="0"/>
-                <a:cs typeface="Times New Roman" panose="02020603050405020304" pitchFamily="18" charset="0"/>
-              </a:rPr>
-              <a:t>, </a:t>
-            </a:r>
-            <a:r>
-              <a:rPr lang="en-US" sz="2400" smtClean="0">
-                <a:solidFill>
-                  <a:srgbClr val="0070C0"/>
-                </a:solidFill>
-                <a:latin typeface="Times New Roman" panose="02020603050405020304" pitchFamily="18" charset="0"/>
-                <a:cs typeface="Times New Roman" panose="02020603050405020304" pitchFamily="18" charset="0"/>
-              </a:rPr>
-              <a:t>Virginia</a:t>
-            </a:r>
-            <a:endParaRPr lang="en-US" sz="2400">
-              <a:solidFill>
-                <a:srgbClr val="0070C0"/>
-              </a:solidFill>
-              <a:latin typeface="Times New Roman" panose="02020603050405020304" pitchFamily="18" charset="0"/>
-              <a:cs typeface="Times New Roman" panose="02020603050405020304" pitchFamily="18" charset="0"/>
-            </a:endParaRPr>
+              <a:t>January 15-26, 2018    –    Hampton, Virginia</a:t>
+            </a:r>
           </a:p>
         </p:txBody>
       </p:sp>
@@ -3131,7 +3205,7 @@
         <p:spPr bwMode="auto">
           <a:xfrm>
             <a:off x="342670" y="1843267"/>
-            <a:ext cx="8809053" cy="982294"/>
+            <a:ext cx="8809053" cy="859183"/>
           </a:xfrm>
           <a:prstGeom prst="rect">
             <a:avLst/>
@@ -3157,7 +3231,7 @@
               <a:defRPr/>
             </a:pPr>
             <a:r>
-              <a:rPr lang="en-US" sz="2400" smtClean="0">
+              <a:rPr lang="en-US" sz="2000" dirty="0">
                 <a:solidFill>
                   <a:prstClr val="black"/>
                 </a:solidFill>
@@ -3165,29 +3239,7 @@
                 <a:ea typeface="ＭＳ Ｐゴシック"/>
                 <a:cs typeface="Times New Roman" panose="02020603050405020304" pitchFamily="18" charset="0"/>
               </a:rPr>
-              <a:t>Instructor:   David L</a:t>
-            </a:r>
-            <a:r>
-              <a:rPr lang="en-US" sz="2400">
-                <a:solidFill>
-                  <a:prstClr val="black"/>
-                </a:solidFill>
-                <a:latin typeface="Times New Roman" panose="02020603050405020304" pitchFamily="18" charset="0"/>
-                <a:ea typeface="ＭＳ Ｐゴシック"/>
-                <a:cs typeface="Times New Roman" panose="02020603050405020304" pitchFamily="18" charset="0"/>
-              </a:rPr>
-              <a:t>. </a:t>
-            </a:r>
-            <a:r>
-              <a:rPr lang="en-US" sz="2400" smtClean="0">
-                <a:solidFill>
-                  <a:prstClr val="black"/>
-                </a:solidFill>
-                <a:latin typeface="Times New Roman" panose="02020603050405020304" pitchFamily="18" charset="0"/>
-                <a:ea typeface="ＭＳ Ｐゴシック"/>
-                <a:cs typeface="Times New Roman" panose="02020603050405020304" pitchFamily="18" charset="0"/>
-              </a:rPr>
-              <a:t>Bruhwiler</a:t>
+              <a:t>Instructor:   David L. Bruhwiler</a:t>
             </a:r>
           </a:p>
           <a:p>
@@ -3198,7 +3250,7 @@
               <a:defRPr/>
             </a:pPr>
             <a:r>
-              <a:rPr lang="en-US" sz="2400" smtClean="0">
+              <a:rPr lang="en-US" sz="2000" dirty="0">
                 <a:solidFill>
                   <a:prstClr val="black"/>
                 </a:solidFill>
@@ -3206,60 +3258,8 @@
                 <a:ea typeface="ＭＳ Ｐゴシック"/>
                 <a:cs typeface="Times New Roman" panose="02020603050405020304" pitchFamily="18" charset="0"/>
               </a:rPr>
-              <a:t>Contributors:  </a:t>
-            </a:r>
-            <a:r>
-              <a:rPr lang="en-US" sz="2400" smtClean="0">
-                <a:solidFill>
-                  <a:prstClr val="black"/>
-                </a:solidFill>
-                <a:latin typeface="Times New Roman" panose="02020603050405020304" pitchFamily="18" charset="0"/>
-                <a:ea typeface="ＭＳ Ｐゴシック"/>
-                <a:cs typeface="Times New Roman" panose="02020603050405020304" pitchFamily="18" charset="0"/>
-              </a:rPr>
-              <a:t>R</a:t>
-            </a:r>
-            <a:r>
-              <a:rPr lang="en-US" sz="2400">
-                <a:solidFill>
-                  <a:prstClr val="black"/>
-                </a:solidFill>
-                <a:latin typeface="Times New Roman" panose="02020603050405020304" pitchFamily="18" charset="0"/>
-                <a:ea typeface="ＭＳ Ｐゴシック"/>
-                <a:cs typeface="Times New Roman" panose="02020603050405020304" pitchFamily="18" charset="0"/>
-              </a:rPr>
-              <a:t>. Nagler </a:t>
-            </a:r>
-            <a:r>
-              <a:rPr lang="en-US" sz="2400" smtClean="0">
-                <a:solidFill>
-                  <a:prstClr val="black"/>
-                </a:solidFill>
-                <a:latin typeface="Times New Roman" panose="02020603050405020304" pitchFamily="18" charset="0"/>
-                <a:ea typeface="ＭＳ Ｐゴシック"/>
-                <a:cs typeface="Times New Roman" panose="02020603050405020304" pitchFamily="18" charset="0"/>
-              </a:rPr>
-              <a:t>and P</a:t>
-            </a:r>
-            <a:r>
-              <a:rPr lang="en-US" sz="2400">
-                <a:solidFill>
-                  <a:prstClr val="black"/>
-                </a:solidFill>
-                <a:latin typeface="Times New Roman" panose="02020603050405020304" pitchFamily="18" charset="0"/>
-                <a:ea typeface="ＭＳ Ｐゴシック"/>
-                <a:cs typeface="Times New Roman" panose="02020603050405020304" pitchFamily="18" charset="0"/>
-              </a:rPr>
-              <a:t>. Moeller</a:t>
-            </a:r>
-            <a:endParaRPr lang="en-US" sz="2400" dirty="0">
-              <a:solidFill>
-                <a:prstClr val="black"/>
-              </a:solidFill>
-              <a:latin typeface="Times New Roman" panose="02020603050405020304" pitchFamily="18" charset="0"/>
-              <a:ea typeface="ＭＳ Ｐゴシック"/>
-              <a:cs typeface="Times New Roman" panose="02020603050405020304" pitchFamily="18" charset="0"/>
-            </a:endParaRPr>
+              <a:t>Contributors:  R. Nagler and P. Moeller</a:t>
+            </a:r>
           </a:p>
         </p:txBody>
       </p:sp>
@@ -3303,53 +3303,7 @@
                 <a:latin typeface="Times New Roman" panose="02020603050405020304" pitchFamily="18" charset="0"/>
                 <a:cs typeface="Times New Roman" panose="02020603050405020304" pitchFamily="18" charset="0"/>
               </a:rPr>
-              <a:t>This material is based upon work supported by the U.S. Department of Energy, Office of Science, </a:t>
-            </a:r>
-            <a:r>
-              <a:rPr lang="en-US" sz="1400" smtClean="0">
-                <a:latin typeface="Times New Roman" pitchFamily="18" charset="0"/>
-                <a:cs typeface="Times New Roman" panose="02020603050405020304" pitchFamily="18" charset="0"/>
-              </a:rPr>
-              <a:t>Offices of High Energy Physics and Basic </a:t>
-            </a:r>
-            <a:r>
-              <a:rPr lang="en-US" sz="1400">
-                <a:latin typeface="Times New Roman" pitchFamily="18" charset="0"/>
-                <a:cs typeface="Times New Roman" panose="02020603050405020304" pitchFamily="18" charset="0"/>
-              </a:rPr>
-              <a:t>Energy </a:t>
-            </a:r>
-            <a:r>
-              <a:rPr lang="en-US" sz="1400" smtClean="0">
-                <a:latin typeface="Times New Roman" pitchFamily="18" charset="0"/>
-                <a:cs typeface="Times New Roman" panose="02020603050405020304" pitchFamily="18" charset="0"/>
-              </a:rPr>
-              <a:t>Sciences, under </a:t>
-            </a:r>
-            <a:r>
-              <a:rPr lang="en-US" sz="1400">
-                <a:latin typeface="Times New Roman" pitchFamily="18" charset="0"/>
-                <a:cs typeface="Times New Roman" panose="02020603050405020304" pitchFamily="18" charset="0"/>
-              </a:rPr>
-              <a:t>Award Number(s</a:t>
-            </a:r>
-            <a:r>
-              <a:rPr lang="en-US" sz="1400" smtClean="0">
-                <a:latin typeface="Times New Roman" pitchFamily="18" charset="0"/>
-                <a:cs typeface="Times New Roman" panose="02020603050405020304" pitchFamily="18" charset="0"/>
-              </a:rPr>
-              <a:t>)</a:t>
-            </a:r>
-            <a:r>
-              <a:rPr lang="en-US" sz="1400" smtClean="0">
-                <a:solidFill>
-                  <a:prstClr val="black"/>
-                </a:solidFill>
-                <a:latin typeface="Times New Roman" panose="02020603050405020304" pitchFamily="18" charset="0"/>
-                <a:ea typeface="DejaVu Sans"/>
-                <a:cs typeface="Times New Roman" panose="02020603050405020304" pitchFamily="18" charset="0"/>
-              </a:rPr>
-              <a:t> </a:t>
+              <a:t>This material is based upon work supported by the U.S. Department of Energy, Office of Science, Offices of High Energy Physics and Basic Energy Sciences, under Award Number(s)</a:t>
             </a:r>
             <a:r>
               <a:rPr lang="en-US" sz="1400">
@@ -3360,29 +3314,7 @@
                 <a:ea typeface="DejaVu Sans"/>
                 <a:cs typeface="Times New Roman" panose="02020603050405020304" pitchFamily="18" charset="0"/>
               </a:rPr>
-              <a:t>DE-SC0011237 </a:t>
-            </a:r>
-            <a:r>
-              <a:rPr lang="en-US" sz="1400">
-                <a:solidFill>
-                  <a:prstClr val="black"/>
-                </a:solidFill>
-                <a:latin typeface="Times New Roman" panose="02020603050405020304" pitchFamily="18" charset="0"/>
-                <a:ea typeface="DejaVu Sans"/>
-                <a:cs typeface="Times New Roman" panose="02020603050405020304" pitchFamily="18" charset="0"/>
-              </a:rPr>
-              <a:t>and </a:t>
-            </a:r>
-            <a:r>
-              <a:rPr lang="en-US" sz="1400">
-                <a:solidFill>
-                  <a:prstClr val="black"/>
-                </a:solidFill>
-                <a:latin typeface="Times New Roman" panose="02020603050405020304" pitchFamily="18" charset="0"/>
-                <a:ea typeface="DejaVu Sans"/>
-                <a:cs typeface="Times New Roman" panose="02020603050405020304" pitchFamily="18" charset="0"/>
-              </a:rPr>
-              <a:t>DE-SC0011340.</a:t>
+              <a:t> DE-SC0011237 and DE-SC0011340.</a:t>
             </a:r>
             <a:endParaRPr lang="en-US" sz="1400" dirty="0">
               <a:solidFill>
@@ -3623,14 +3555,14 @@
               </a:spcBef>
             </a:pPr>
             <a:r>
-              <a:rPr lang="en-US" sz="2800" smtClean="0">
+              <a:rPr lang="en-US" sz="2800" dirty="0">
                 <a:latin typeface="Times New Roman" panose="02020603050405020304" pitchFamily="18" charset="0"/>
                 <a:cs typeface="Times New Roman" panose="02020603050405020304" pitchFamily="18" charset="0"/>
               </a:rPr>
               <a:t>Lecture:	</a:t>
             </a:r>
             <a:r>
-              <a:rPr lang="en-US" sz="2800" smtClean="0">
+              <a:rPr lang="en-US" sz="2800" dirty="0">
                 <a:solidFill>
                   <a:srgbClr val="0070C0"/>
                 </a:solidFill>
@@ -3639,13 +3571,6 @@
               </a:rPr>
               <a:t>Computational Reproducibility</a:t>
             </a:r>
-            <a:endParaRPr lang="en-US" sz="2800" dirty="0">
-              <a:solidFill>
-                <a:srgbClr val="0070C0"/>
-              </a:solidFill>
-              <a:latin typeface="Times New Roman" panose="02020603050405020304" pitchFamily="18" charset="0"/>
-              <a:cs typeface="Times New Roman" panose="02020603050405020304" pitchFamily="18" charset="0"/>
-            </a:endParaRPr>
           </a:p>
         </p:txBody>
       </p:sp>
@@ -3653,6 +3578,399 @@
     <p:extLst>
       <p:ext uri="{BB962C8B-B14F-4D97-AF65-F5344CB8AC3E}">
         <p14:creationId xmlns:p14="http://schemas.microsoft.com/office/powerpoint/2010/main" val="3481370642"/>
+      </p:ext>
+    </p:extLst>
+  </p:cSld>
+  <p:clrMapOvr>
+    <a:masterClrMapping/>
+  </p:clrMapOvr>
+</p:sld>
+</file>
+
+<file path=ppt/slides/slide10.xml><?xml version="1.0" encoding="utf-8"?>
+<p:sld xmlns:a="http://schemas.openxmlformats.org/drawingml/2006/main" xmlns:r="http://schemas.openxmlformats.org/officeDocument/2006/relationships" xmlns:p="http://schemas.openxmlformats.org/presentationml/2006/main">
+  <p:cSld>
+    <p:spTree>
+      <p:nvGrpSpPr>
+        <p:cNvPr id="1" name=""/>
+        <p:cNvGrpSpPr/>
+        <p:nvPr/>
+      </p:nvGrpSpPr>
+      <p:grpSpPr>
+        <a:xfrm>
+          <a:off x="0" y="0"/>
+          <a:ext cx="0" cy="0"/>
+          <a:chOff x="0" y="0"/>
+          <a:chExt cx="0" cy="0"/>
+        </a:xfrm>
+      </p:grpSpPr>
+      <p:sp>
+        <p:nvSpPr>
+          <p:cNvPr id="2" name="Title 1"/>
+          <p:cNvSpPr>
+            <a:spLocks noGrp="1"/>
+          </p:cNvSpPr>
+          <p:nvPr>
+            <p:ph type="title"/>
+          </p:nvPr>
+        </p:nvSpPr>
+        <p:spPr>
+          <a:xfrm>
+            <a:off x="975946" y="172117"/>
+            <a:ext cx="8015654" cy="589085"/>
+          </a:xfrm>
+        </p:spPr>
+        <p:txBody>
+          <a:bodyPr>
+            <a:normAutofit/>
+          </a:bodyPr>
+          <a:lstStyle/>
+          <a:p>
+            <a:r>
+              <a:rPr lang="en-US" dirty="0"/>
+              <a:t>The Browser is the Scientific UI</a:t>
+            </a:r>
+          </a:p>
+        </p:txBody>
+      </p:sp>
+      <p:sp>
+        <p:nvSpPr>
+          <p:cNvPr id="3" name="Content Placeholder 2"/>
+          <p:cNvSpPr>
+            <a:spLocks noGrp="1"/>
+          </p:cNvSpPr>
+          <p:nvPr>
+            <p:ph idx="1"/>
+          </p:nvPr>
+        </p:nvSpPr>
+        <p:spPr>
+          <a:xfrm>
+            <a:off x="698242" y="2857500"/>
+            <a:ext cx="8120444" cy="3209184"/>
+          </a:xfrm>
+        </p:spPr>
+        <p:txBody>
+          <a:bodyPr>
+            <a:normAutofit/>
+          </a:bodyPr>
+          <a:lstStyle/>
+          <a:p>
+            <a:r>
+              <a:rPr lang="en-US" sz="2800" i="0" dirty="0"/>
+              <a:t>Easy sharing via links  (&amp; many other ways)</a:t>
+            </a:r>
+          </a:p>
+          <a:p>
+            <a:r>
+              <a:rPr lang="en-US" sz="2800" i="0" dirty="0"/>
+              <a:t>Nothing to </a:t>
+            </a:r>
+            <a:r>
+              <a:rPr lang="en-US" sz="2800" dirty="0"/>
+              <a:t>compile</a:t>
+            </a:r>
+            <a:r>
+              <a:rPr lang="en-US" sz="2800" i="0" dirty="0"/>
+              <a:t> or </a:t>
+            </a:r>
+            <a:r>
+              <a:rPr lang="en-US" sz="2800" dirty="0"/>
+              <a:t>build</a:t>
+            </a:r>
+            <a:r>
+              <a:rPr lang="en-US" sz="2800" i="0" dirty="0"/>
+              <a:t> or </a:t>
+            </a:r>
+            <a:r>
+              <a:rPr lang="en-US" sz="2800" dirty="0"/>
+              <a:t>install</a:t>
+            </a:r>
+          </a:p>
+          <a:p>
+            <a:r>
+              <a:rPr lang="en-US" sz="2800" i="0" dirty="0"/>
+              <a:t>Work from either your tablet &amp; desktop</a:t>
+            </a:r>
+          </a:p>
+          <a:p>
+            <a:r>
+              <a:rPr lang="en-US" sz="2800" i="0" dirty="0"/>
+              <a:t>Fast, interactive scientific plotting</a:t>
+            </a:r>
+          </a:p>
+          <a:p>
+            <a:r>
+              <a:rPr lang="en-US" sz="2800" i="0" dirty="0"/>
+              <a:t>Modern JavaScript:</a:t>
+            </a:r>
+          </a:p>
+          <a:p>
+            <a:pPr lvl="1"/>
+            <a:r>
+              <a:rPr lang="en-US" sz="2400" i="0" dirty="0"/>
+              <a:t>Angular, Bootstrap, D3.js</a:t>
+            </a:r>
+          </a:p>
+        </p:txBody>
+      </p:sp>
+      <p:pic>
+        <p:nvPicPr>
+          <p:cNvPr id="4" name="Picture 3" descr="bootstrap.png"/>
+          <p:cNvPicPr>
+            <a:picLocks noChangeAspect="1"/>
+          </p:cNvPicPr>
+          <p:nvPr/>
+        </p:nvPicPr>
+        <p:blipFill>
+          <a:blip r:embed="rId3" cstate="print">
+            <a:extLst>
+              <a:ext uri="{28A0092B-C50C-407E-A947-70E740481C1C}">
+                <a14:useLocalDpi xmlns:a14="http://schemas.microsoft.com/office/drawing/2010/main" val="0"/>
+              </a:ext>
+            </a:extLst>
+          </a:blip>
+          <a:stretch>
+            <a:fillRect/>
+          </a:stretch>
+        </p:blipFill>
+        <p:spPr>
+          <a:xfrm>
+            <a:off x="3692771" y="1028417"/>
+            <a:ext cx="1426862" cy="1426862"/>
+          </a:xfrm>
+          <a:prstGeom prst="rect">
+            <a:avLst/>
+          </a:prstGeom>
+        </p:spPr>
+      </p:pic>
+      <p:pic>
+        <p:nvPicPr>
+          <p:cNvPr id="5" name="Picture 4" descr="angular.png"/>
+          <p:cNvPicPr>
+            <a:picLocks noChangeAspect="1"/>
+          </p:cNvPicPr>
+          <p:nvPr/>
+        </p:nvPicPr>
+        <p:blipFill>
+          <a:blip r:embed="rId4">
+            <a:extLst>
+              <a:ext uri="{28A0092B-C50C-407E-A947-70E740481C1C}">
+                <a14:useLocalDpi xmlns:a14="http://schemas.microsoft.com/office/drawing/2010/main" val="0"/>
+              </a:ext>
+            </a:extLst>
+          </a:blip>
+          <a:stretch>
+            <a:fillRect/>
+          </a:stretch>
+        </p:blipFill>
+        <p:spPr>
+          <a:xfrm>
+            <a:off x="698241" y="805700"/>
+            <a:ext cx="1860321" cy="1860321"/>
+          </a:xfrm>
+          <a:prstGeom prst="rect">
+            <a:avLst/>
+          </a:prstGeom>
+        </p:spPr>
+      </p:pic>
+      <p:pic>
+        <p:nvPicPr>
+          <p:cNvPr id="6" name="Picture 5" descr="d3.png"/>
+          <p:cNvPicPr>
+            <a:picLocks noChangeAspect="1"/>
+          </p:cNvPicPr>
+          <p:nvPr/>
+        </p:nvPicPr>
+        <p:blipFill>
+          <a:blip r:embed="rId5" cstate="print">
+            <a:extLst>
+              <a:ext uri="{28A0092B-C50C-407E-A947-70E740481C1C}">
+                <a14:useLocalDpi xmlns:a14="http://schemas.microsoft.com/office/drawing/2010/main" val="0"/>
+              </a:ext>
+            </a:extLst>
+          </a:blip>
+          <a:stretch>
+            <a:fillRect/>
+          </a:stretch>
+        </p:blipFill>
+        <p:spPr>
+          <a:xfrm>
+            <a:off x="6418386" y="1028417"/>
+            <a:ext cx="1489358" cy="1414889"/>
+          </a:xfrm>
+          <a:prstGeom prst="rect">
+            <a:avLst/>
+          </a:prstGeom>
+        </p:spPr>
+      </p:pic>
+    </p:spTree>
+    <p:extLst>
+      <p:ext uri="{BB962C8B-B14F-4D97-AF65-F5344CB8AC3E}">
+        <p14:creationId xmlns:p14="http://schemas.microsoft.com/office/powerpoint/2010/main" val="205565935"/>
+      </p:ext>
+    </p:extLst>
+  </p:cSld>
+  <p:clrMapOvr>
+    <a:masterClrMapping/>
+  </p:clrMapOvr>
+</p:sld>
+</file>
+
+<file path=ppt/slides/slide11.xml><?xml version="1.0" encoding="utf-8"?>
+<p:sld xmlns:a="http://schemas.openxmlformats.org/drawingml/2006/main" xmlns:r="http://schemas.openxmlformats.org/officeDocument/2006/relationships" xmlns:p="http://schemas.openxmlformats.org/presentationml/2006/main">
+  <p:cSld>
+    <p:spTree>
+      <p:nvGrpSpPr>
+        <p:cNvPr id="1" name=""/>
+        <p:cNvGrpSpPr/>
+        <p:nvPr/>
+      </p:nvGrpSpPr>
+      <p:grpSpPr>
+        <a:xfrm>
+          <a:off x="0" y="0"/>
+          <a:ext cx="0" cy="0"/>
+          <a:chOff x="0" y="0"/>
+          <a:chExt cx="0" cy="0"/>
+        </a:xfrm>
+      </p:grpSpPr>
+      <p:sp>
+        <p:nvSpPr>
+          <p:cNvPr id="2" name="Title 1"/>
+          <p:cNvSpPr>
+            <a:spLocks noGrp="1"/>
+          </p:cNvSpPr>
+          <p:nvPr>
+            <p:ph type="title"/>
+          </p:nvPr>
+        </p:nvSpPr>
+        <p:spPr>
+          <a:xfrm>
+            <a:off x="975945" y="430821"/>
+            <a:ext cx="8015654" cy="589085"/>
+          </a:xfrm>
+        </p:spPr>
+        <p:txBody>
+          <a:bodyPr>
+            <a:normAutofit/>
+          </a:bodyPr>
+          <a:lstStyle/>
+          <a:p>
+            <a:r>
+              <a:rPr lang="en-US" dirty="0"/>
+              <a:t>Conclusion:  many ways to share</a:t>
+            </a:r>
+          </a:p>
+        </p:txBody>
+      </p:sp>
+      <p:sp>
+        <p:nvSpPr>
+          <p:cNvPr id="3" name="Content Placeholder 2"/>
+          <p:cNvSpPr>
+            <a:spLocks noGrp="1"/>
+          </p:cNvSpPr>
+          <p:nvPr>
+            <p:ph idx="1"/>
+          </p:nvPr>
+        </p:nvSpPr>
+        <p:spPr>
+          <a:xfrm>
+            <a:off x="773722" y="1213337"/>
+            <a:ext cx="8217877" cy="4950071"/>
+          </a:xfrm>
+        </p:spPr>
+        <p:txBody>
+          <a:bodyPr>
+            <a:normAutofit/>
+          </a:bodyPr>
+          <a:lstStyle/>
+          <a:p>
+            <a:r>
+              <a:rPr lang="en-US" i="0" dirty="0"/>
+              <a:t>Simple web link to run on the same server</a:t>
+            </a:r>
+          </a:p>
+          <a:p>
+            <a:pPr lvl="1"/>
+            <a:r>
+              <a:rPr lang="en-US" i="0" dirty="0"/>
+              <a:t>email or IM a URL to your colleague</a:t>
+            </a:r>
+          </a:p>
+          <a:p>
+            <a:r>
+              <a:rPr lang="en-US" i="0" dirty="0"/>
+              <a:t>Self-extracting simulations</a:t>
+            </a:r>
+          </a:p>
+          <a:p>
+            <a:pPr lvl="1"/>
+            <a:r>
+              <a:rPr lang="en-US" i="0" dirty="0"/>
+              <a:t>alternative to URL when colleague uses different server</a:t>
+            </a:r>
+          </a:p>
+          <a:p>
+            <a:pPr lvl="1"/>
+            <a:r>
+              <a:rPr lang="en-US" i="0" dirty="0"/>
+              <a:t>put (potentially large) HTML file on Dropbox (for example)</a:t>
+            </a:r>
+          </a:p>
+          <a:p>
+            <a:pPr lvl="1"/>
+            <a:r>
+              <a:rPr lang="en-US" i="0" dirty="0"/>
+              <a:t>colleague double-clicks and specifies Sirepo server to use</a:t>
+            </a:r>
+          </a:p>
+          <a:p>
+            <a:r>
+              <a:rPr lang="en-US" i="0" dirty="0"/>
+              <a:t>Zipped archive (used for self-extracting feature)</a:t>
+            </a:r>
+          </a:p>
+          <a:p>
+            <a:r>
+              <a:rPr lang="en-US" i="0" dirty="0"/>
+              <a:t>Python source for CLI</a:t>
+            </a:r>
+          </a:p>
+          <a:p>
+            <a:pPr lvl="1"/>
+            <a:r>
+              <a:rPr lang="en-US" i="0" dirty="0"/>
+              <a:t>the Sirepo GUI never constrains power users</a:t>
+            </a:r>
+          </a:p>
+          <a:p>
+            <a:pPr lvl="1"/>
+            <a:r>
+              <a:rPr lang="en-US" i="0" dirty="0"/>
+              <a:t>easy interaction between new users and expert</a:t>
+            </a:r>
+          </a:p>
+          <a:p>
+            <a:r>
+              <a:rPr lang="en-US" i="0" dirty="0"/>
+              <a:t>IPython/Jupyter compatible</a:t>
+            </a:r>
+          </a:p>
+          <a:p>
+            <a:pPr lvl="1"/>
+            <a:r>
+              <a:rPr lang="en-US" i="0" dirty="0"/>
+              <a:t>manual now, but will be automated in the future</a:t>
+            </a:r>
+          </a:p>
+          <a:p>
+            <a:endParaRPr lang="en-US" i="0" dirty="0"/>
+          </a:p>
+        </p:txBody>
+      </p:sp>
+    </p:spTree>
+    <p:extLst>
+      <p:ext uri="{BB962C8B-B14F-4D97-AF65-F5344CB8AC3E}">
+        <p14:creationId xmlns:p14="http://schemas.microsoft.com/office/powerpoint/2010/main" val="1656982388"/>
       </p:ext>
     </p:extLst>
   </p:cSld>
@@ -3691,8 +4009,8 @@
         </p:nvSpPr>
         <p:spPr>
           <a:xfrm>
-            <a:off x="800100" y="140672"/>
-            <a:ext cx="8191500" cy="589085"/>
+            <a:off x="0" y="140672"/>
+            <a:ext cx="9144000" cy="589085"/>
           </a:xfrm>
         </p:spPr>
         <p:txBody>
@@ -3702,10 +4020,9 @@
           <a:lstStyle/>
           <a:p>
             <a:r>
-              <a:rPr lang="en-US" smtClean="0"/>
+              <a:rPr lang="en-US" dirty="0"/>
               <a:t>Motivation</a:t>
             </a:r>
-            <a:endParaRPr lang="en-US" dirty="0"/>
           </a:p>
         </p:txBody>
       </p:sp>
@@ -3722,7 +4039,7 @@
         <p:spPr>
           <a:xfrm>
             <a:off x="276639" y="791301"/>
-            <a:ext cx="8608944" cy="5225186"/>
+            <a:ext cx="8608944" cy="4259670"/>
           </a:xfrm>
         </p:spPr>
         <p:txBody>
@@ -3732,97 +4049,143 @@
           <a:lstStyle/>
           <a:p>
             <a:r>
-              <a:rPr lang="en-US" sz="2000" i="0"/>
-              <a:t>Scientific research </a:t>
-            </a:r>
-            <a:r>
-              <a:rPr lang="en-US" sz="2000" i="0" smtClean="0"/>
-              <a:t>should </a:t>
-            </a:r>
-            <a:r>
-              <a:rPr lang="en-US" sz="2000" i="0"/>
-              <a:t>be reproducible</a:t>
-            </a:r>
-          </a:p>
-          <a:p>
-            <a:r>
-              <a:rPr lang="en-US" sz="2000" i="0"/>
-              <a:t>Peer review partially </a:t>
-            </a:r>
-            <a:r>
-              <a:rPr lang="en-US" sz="2000" i="0" smtClean="0"/>
-              <a:t>addresses the issue by requiring – </a:t>
-            </a:r>
-            <a:endParaRPr lang="en-US" sz="2000" i="0"/>
+              <a:rPr lang="en-US" sz="1800" i="0" dirty="0"/>
+              <a:t>Scientific research should be reproducible</a:t>
+            </a:r>
           </a:p>
           <a:p>
             <a:pPr lvl="1"/>
             <a:r>
-              <a:rPr lang="en-US" sz="1600" i="0"/>
-              <a:t>theory</a:t>
-            </a:r>
-            <a:r>
-              <a:rPr lang="en-US" sz="1600" i="0" smtClean="0"/>
-              <a:t>:  logic, physics &amp; </a:t>
-            </a:r>
-            <a:r>
-              <a:rPr lang="en-US" sz="1600" i="0"/>
-              <a:t>mathematics are clear and </a:t>
-            </a:r>
-            <a:r>
-              <a:rPr lang="en-US" sz="1600" i="0" smtClean="0"/>
-              <a:t>correct</a:t>
+              <a:rPr lang="en-US" sz="1600" i="0" dirty="0"/>
+              <a:t>every scientist agrees in principle</a:t>
+            </a:r>
+          </a:p>
+          <a:p>
+            <a:r>
+              <a:rPr lang="en-US" sz="1800" i="0" dirty="0"/>
+              <a:t>There are three primary branches of scientific inquiry </a:t>
+            </a:r>
+          </a:p>
+          <a:p>
+            <a:pPr lvl="1"/>
+            <a:r>
+              <a:rPr lang="en-US" sz="1600" i="0" dirty="0"/>
+              <a:t>theory:  logic, physics &amp; mathematics must be clear and correct</a:t>
             </a:r>
           </a:p>
           <a:p>
             <a:pPr lvl="2"/>
             <a:r>
-              <a:rPr lang="en-US" sz="1400" b="1" i="0" smtClean="0"/>
+              <a:rPr lang="en-US" sz="1400" b="1" i="0" dirty="0"/>
               <a:t>essentially no problem, assuming rigorous peer review</a:t>
             </a:r>
-            <a:endParaRPr lang="en-US" sz="1400" b="1" i="0"/>
           </a:p>
           <a:p>
             <a:pPr lvl="1"/>
             <a:r>
-              <a:rPr lang="en-US" sz="1600" i="0"/>
-              <a:t>experiment</a:t>
-            </a:r>
-            <a:r>
-              <a:rPr lang="en-US" sz="1600" i="0" smtClean="0"/>
-              <a:t>:  descriptions of apparatus, methods, data collection &amp; analysis</a:t>
+              <a:rPr lang="en-US" sz="1600" i="0" dirty="0"/>
+              <a:t>experiment:  descriptions of apparatus, methods, data collection &amp; analysis</a:t>
             </a:r>
           </a:p>
           <a:p>
             <a:pPr lvl="2"/>
             <a:r>
-              <a:rPr lang="en-US" sz="1400" b="1" i="0" smtClean="0"/>
+              <a:rPr lang="en-US" sz="1400" b="1" i="0" dirty="0"/>
               <a:t>producing and/or collecting data is beyond the scope considered here</a:t>
             </a:r>
           </a:p>
           <a:p>
             <a:pPr lvl="2"/>
             <a:r>
-              <a:rPr lang="en-US" sz="1400" b="1" i="0" smtClean="0"/>
+              <a:rPr lang="en-US" sz="1400" b="1" i="0" dirty="0"/>
               <a:t>data archival, post-processing, analysis and viz should all be reproducible</a:t>
             </a:r>
-            <a:endParaRPr lang="en-US" sz="1400" b="1" i="0"/>
           </a:p>
           <a:p>
             <a:pPr lvl="1"/>
             <a:r>
-              <a:rPr lang="en-US" sz="1600" i="0"/>
-              <a:t>computation</a:t>
-            </a:r>
-            <a:r>
-              <a:rPr lang="en-US" sz="1600" i="0" smtClean="0"/>
-              <a:t>:  similar </a:t>
-            </a:r>
-            <a:r>
-              <a:rPr lang="en-US" sz="1600" i="0"/>
-              <a:t>to experiments, but it’s possible to do much better</a:t>
-            </a:r>
-            <a:endParaRPr lang="en-US" i="0"/>
+              <a:rPr lang="en-US" sz="1600" i="0" dirty="0"/>
+              <a:t>computation:  similar to experiments, but it’s possible to do much better</a:t>
+            </a:r>
+          </a:p>
+          <a:p>
+            <a:pPr lvl="2"/>
+            <a:r>
+              <a:rPr lang="en-US" sz="1400" b="1" i="0" dirty="0"/>
+              <a:t>this is the focus of today’s lecture</a:t>
+            </a:r>
+          </a:p>
+          <a:p>
+            <a:pPr lvl="2"/>
+            <a:r>
+              <a:rPr lang="en-US" sz="1400" b="1" i="0" dirty="0"/>
+              <a:t>software is inherently replicable</a:t>
+            </a:r>
+          </a:p>
+          <a:p>
+            <a:r>
+              <a:rPr lang="en-US" sz="1800" i="0" dirty="0"/>
+              <a:t>Funding agencies (i.e. the community) is asking for reproducibility</a:t>
+            </a:r>
+          </a:p>
+          <a:p>
+            <a:pPr lvl="1"/>
+            <a:r>
+              <a:rPr lang="en-US" sz="1600" i="0" dirty="0"/>
+              <a:t>US Department of Energy requires a Digital Management Plan</a:t>
+            </a:r>
+          </a:p>
+          <a:p>
+            <a:pPr lvl="2"/>
+            <a:r>
+              <a:rPr lang="en-US" sz="1400" b="1" i="0" dirty="0"/>
+              <a:t>https://science.energy.gov/funding-opportunities/digital-data-management</a:t>
+            </a:r>
+          </a:p>
+          <a:p>
+            <a:endParaRPr lang="en-US" sz="2000" i="0" dirty="0"/>
+          </a:p>
+        </p:txBody>
+      </p:sp>
+      <p:sp>
+        <p:nvSpPr>
+          <p:cNvPr id="4" name="TextBox 3">
+            <a:extLst>
+              <a:ext uri="{FF2B5EF4-FFF2-40B4-BE49-F238E27FC236}">
+                <a16:creationId xmlns:a16="http://schemas.microsoft.com/office/drawing/2014/main" id="{7513C421-393B-4FF0-932C-5CBCC33C43BF}"/>
+              </a:ext>
+            </a:extLst>
+          </p:cNvPr>
+          <p:cNvSpPr txBox="1"/>
+          <p:nvPr/>
+        </p:nvSpPr>
+        <p:spPr>
+          <a:xfrm>
+            <a:off x="1184365" y="4915149"/>
+            <a:ext cx="7733211" cy="1169551"/>
+          </a:xfrm>
+          <a:prstGeom prst="rect">
+            <a:avLst/>
+          </a:prstGeom>
+          <a:noFill/>
+        </p:spPr>
+        <p:txBody>
+          <a:bodyPr wrap="square" rtlCol="0">
+            <a:spAutoFit/>
+          </a:bodyPr>
+          <a:lstStyle/>
+          <a:p>
+            <a:r>
+              <a:rPr lang="en-US" sz="1400" dirty="0">
+                <a:latin typeface="Times New Roman" panose="02020603050405020304" pitchFamily="18" charset="0"/>
+                <a:cs typeface="Times New Roman" panose="02020603050405020304" pitchFamily="18" charset="0"/>
+              </a:rPr>
+              <a:t>Sharing and preserving data are central to protecting the integrity of science by facilitating validation of results and to advancing science by broadening the value of research data to disciplines other than the originating one and to society at large. To the greatest extent and with the fewest constraints possible, and consistent with the requirements and other principles of this Statement, data sharing should make digital research data available to and useful for the scientific community, industry, and the public. </a:t>
+            </a:r>
+            <a:endParaRPr lang="en-US" sz="1600" dirty="0">
+              <a:latin typeface="Times New Roman" panose="02020603050405020304" pitchFamily="18" charset="0"/>
+              <a:cs typeface="Times New Roman" panose="02020603050405020304" pitchFamily="18" charset="0"/>
+            </a:endParaRPr>
           </a:p>
         </p:txBody>
       </p:sp>
@@ -3868,6 +4231,564 @@
         </p:nvSpPr>
         <p:spPr>
           <a:xfrm>
+            <a:off x="0" y="140672"/>
+            <a:ext cx="9144000" cy="589085"/>
+          </a:xfrm>
+        </p:spPr>
+        <p:txBody>
+          <a:bodyPr>
+            <a:normAutofit/>
+          </a:bodyPr>
+          <a:lstStyle/>
+          <a:p>
+            <a:r>
+              <a:rPr lang="en-US" dirty="0"/>
+              <a:t>What is meant by Reproducibility?</a:t>
+            </a:r>
+          </a:p>
+        </p:txBody>
+      </p:sp>
+      <p:sp>
+        <p:nvSpPr>
+          <p:cNvPr id="6" name="Content Placeholder 2">
+            <a:extLst>
+              <a:ext uri="{FF2B5EF4-FFF2-40B4-BE49-F238E27FC236}">
+                <a16:creationId xmlns:a16="http://schemas.microsoft.com/office/drawing/2014/main" id="{9081FF26-7AD5-4767-AF65-A27F1769E1FC}"/>
+              </a:ext>
+            </a:extLst>
+          </p:cNvPr>
+          <p:cNvSpPr>
+            <a:spLocks noGrp="1"/>
+          </p:cNvSpPr>
+          <p:nvPr>
+            <p:ph idx="1"/>
+          </p:nvPr>
+        </p:nvSpPr>
+        <p:spPr>
+          <a:xfrm>
+            <a:off x="152400" y="827314"/>
+            <a:ext cx="8839200" cy="3500846"/>
+          </a:xfrm>
+        </p:spPr>
+        <p:txBody>
+          <a:bodyPr>
+            <a:normAutofit/>
+          </a:bodyPr>
+          <a:lstStyle/>
+          <a:p>
+            <a:r>
+              <a:rPr lang="en-US" sz="1800" i="0" dirty="0"/>
+              <a:t>Our intuition comes from the long history of experimental science</a:t>
+            </a:r>
+          </a:p>
+          <a:p>
+            <a:pPr lvl="1"/>
+            <a:r>
+              <a:rPr lang="en-US" sz="1600" i="0" dirty="0"/>
+              <a:t>other scientists try to reproduce an experimental result with their own equipment</a:t>
+            </a:r>
+          </a:p>
+          <a:p>
+            <a:pPr lvl="1"/>
+            <a:r>
+              <a:rPr lang="en-US" dirty="0"/>
+              <a:t>this attitude has carried over to computational science</a:t>
+            </a:r>
+            <a:endParaRPr lang="en-US" sz="1600" i="0" dirty="0"/>
+          </a:p>
+          <a:p>
+            <a:r>
+              <a:rPr lang="en-US" sz="1800" i="0" dirty="0"/>
+              <a:t>However, software and computation are inherently replicable</a:t>
+            </a:r>
+          </a:p>
+          <a:p>
+            <a:pPr lvl="1"/>
+            <a:r>
+              <a:rPr lang="en-US" sz="1600" i="0" dirty="0"/>
+              <a:t>two scientists should be able to get identical results from </a:t>
+            </a:r>
+            <a:r>
+              <a:rPr lang="en-US" sz="1600" b="1" i="1" dirty="0"/>
+              <a:t>the sam</a:t>
+            </a:r>
+            <a:r>
+              <a:rPr lang="en-US" b="1" i="1" dirty="0"/>
+              <a:t>e </a:t>
+            </a:r>
+            <a:r>
+              <a:rPr lang="en-US" dirty="0"/>
+              <a:t>code</a:t>
+            </a:r>
+            <a:endParaRPr lang="en-US" sz="1400" b="1" i="0" dirty="0"/>
+          </a:p>
+          <a:p>
+            <a:r>
+              <a:rPr lang="en-US" sz="1800" i="0" dirty="0"/>
+              <a:t>Reproducibility implies something more:</a:t>
+            </a:r>
+          </a:p>
+          <a:p>
+            <a:pPr lvl="1"/>
+            <a:r>
+              <a:rPr lang="en-US" dirty="0"/>
+              <a:t>two scientists should be able to get identical results from </a:t>
+            </a:r>
+            <a:r>
+              <a:rPr lang="en-US" b="1" i="1" dirty="0"/>
+              <a:t>different </a:t>
+            </a:r>
+            <a:r>
+              <a:rPr lang="en-US" dirty="0"/>
+              <a:t>codes</a:t>
+            </a:r>
+            <a:endParaRPr lang="en-US" sz="1400" b="1" dirty="0"/>
+          </a:p>
+          <a:p>
+            <a:pPr lvl="1"/>
+            <a:r>
+              <a:rPr lang="en-US" sz="1600" i="0" dirty="0"/>
+              <a:t>this implies the two codes have been successfully benchmarked</a:t>
+            </a:r>
+          </a:p>
+          <a:p>
+            <a:r>
+              <a:rPr lang="en-US" sz="1800" i="0" dirty="0"/>
+              <a:t>For this lecture, “computational reproducibility” means “replicability”</a:t>
+            </a:r>
+          </a:p>
+          <a:p>
+            <a:pPr lvl="1"/>
+            <a:r>
+              <a:rPr lang="en-US" dirty="0"/>
+              <a:t>replicability is the essential first step (but more difficult to say…)</a:t>
+            </a:r>
+            <a:endParaRPr lang="en-US" sz="1600" i="0" dirty="0"/>
+          </a:p>
+          <a:p>
+            <a:r>
+              <a:rPr lang="en-US" i="0" dirty="0"/>
+              <a:t>Some links to discussion of the differences in meaning:</a:t>
+            </a:r>
+          </a:p>
+        </p:txBody>
+      </p:sp>
+      <p:sp>
+        <p:nvSpPr>
+          <p:cNvPr id="7" name="TextBox 6">
+            <a:extLst>
+              <a:ext uri="{FF2B5EF4-FFF2-40B4-BE49-F238E27FC236}">
+                <a16:creationId xmlns:a16="http://schemas.microsoft.com/office/drawing/2014/main" id="{FD17F330-126A-4302-ABDD-998D38C067B6}"/>
+              </a:ext>
+            </a:extLst>
+          </p:cNvPr>
+          <p:cNvSpPr txBox="1"/>
+          <p:nvPr/>
+        </p:nvSpPr>
+        <p:spPr>
+          <a:xfrm>
+            <a:off x="374894" y="4347881"/>
+            <a:ext cx="8542683" cy="1354217"/>
+          </a:xfrm>
+          <a:prstGeom prst="rect">
+            <a:avLst/>
+          </a:prstGeom>
+          <a:noFill/>
+        </p:spPr>
+        <p:txBody>
+          <a:bodyPr wrap="square" rtlCol="0">
+            <a:spAutoFit/>
+          </a:bodyPr>
+          <a:lstStyle/>
+          <a:p>
+            <a:pPr marL="227013" indent="-227013">
+              <a:spcBef>
+                <a:spcPts val="300"/>
+              </a:spcBef>
+            </a:pPr>
+            <a:r>
+              <a:rPr lang="en-US" sz="1200" dirty="0">
+                <a:latin typeface="Times New Roman" panose="02020603050405020304" pitchFamily="18" charset="0"/>
+                <a:cs typeface="Times New Roman" panose="02020603050405020304" pitchFamily="18" charset="0"/>
+              </a:rPr>
+              <a:t>M. Liberman (2015), </a:t>
+            </a:r>
+            <a:r>
+              <a:rPr lang="en-US" sz="1200" dirty="0">
+                <a:latin typeface="Times New Roman" panose="02020603050405020304" pitchFamily="18" charset="0"/>
+                <a:cs typeface="Times New Roman" panose="02020603050405020304" pitchFamily="18" charset="0"/>
+                <a:hlinkClick r:id="rId3"/>
+              </a:rPr>
+              <a:t>http://languagelog.ldc.upenn.edu/nll/?p=21956</a:t>
+            </a:r>
+            <a:r>
+              <a:rPr lang="en-US" sz="1200" dirty="0">
+                <a:latin typeface="Times New Roman" panose="02020603050405020304" pitchFamily="18" charset="0"/>
+                <a:cs typeface="Times New Roman" panose="02020603050405020304" pitchFamily="18" charset="0"/>
+              </a:rPr>
+              <a:t> </a:t>
+            </a:r>
+          </a:p>
+          <a:p>
+            <a:pPr marL="227013" indent="-227013">
+              <a:spcBef>
+                <a:spcPts val="300"/>
+              </a:spcBef>
+            </a:pPr>
+            <a:r>
+              <a:rPr lang="en-US" sz="1200" dirty="0">
+                <a:latin typeface="Times New Roman" panose="02020603050405020304" pitchFamily="18" charset="0"/>
+                <a:cs typeface="Times New Roman" panose="02020603050405020304" pitchFamily="18" charset="0"/>
+              </a:rPr>
+              <a:t>Replicability Research Group, </a:t>
+            </a:r>
+            <a:r>
+              <a:rPr lang="en-US" sz="1200" dirty="0">
+                <a:latin typeface="Times New Roman" panose="02020603050405020304" pitchFamily="18" charset="0"/>
+                <a:cs typeface="Times New Roman" panose="02020603050405020304" pitchFamily="18" charset="0"/>
+                <a:hlinkClick r:id="rId4"/>
+              </a:rPr>
+              <a:t>http://www.replicability.tau.ac.il/index.php/replicability-in-science/replicability-vs-reproducibility.html</a:t>
+            </a:r>
+            <a:r>
+              <a:rPr lang="en-US" sz="1200" dirty="0">
+                <a:latin typeface="Times New Roman" panose="02020603050405020304" pitchFamily="18" charset="0"/>
+                <a:cs typeface="Times New Roman" panose="02020603050405020304" pitchFamily="18" charset="0"/>
+              </a:rPr>
+              <a:t> </a:t>
+            </a:r>
+          </a:p>
+          <a:p>
+            <a:pPr marL="227013" indent="-227013">
+              <a:spcBef>
+                <a:spcPts val="300"/>
+              </a:spcBef>
+            </a:pPr>
+            <a:r>
+              <a:rPr lang="en-US" sz="1200" dirty="0">
+                <a:latin typeface="Times New Roman" panose="02020603050405020304" pitchFamily="18" charset="0"/>
+                <a:cs typeface="Times New Roman" panose="02020603050405020304" pitchFamily="18" charset="0"/>
+              </a:rPr>
+              <a:t>Wikipedia, </a:t>
+            </a:r>
+            <a:r>
+              <a:rPr lang="en-US" sz="1200" dirty="0">
+                <a:latin typeface="Times New Roman" panose="02020603050405020304" pitchFamily="18" charset="0"/>
+                <a:cs typeface="Times New Roman" panose="02020603050405020304" pitchFamily="18" charset="0"/>
+                <a:hlinkClick r:id="rId5"/>
+              </a:rPr>
+              <a:t>https://en.wikipedia.org/wiki/Reproducibility</a:t>
+            </a:r>
+            <a:r>
+              <a:rPr lang="en-US" sz="1200" dirty="0">
+                <a:latin typeface="Times New Roman" panose="02020603050405020304" pitchFamily="18" charset="0"/>
+                <a:cs typeface="Times New Roman" panose="02020603050405020304" pitchFamily="18" charset="0"/>
+              </a:rPr>
+              <a:t> </a:t>
+            </a:r>
+          </a:p>
+          <a:p>
+            <a:pPr marL="227013" indent="-227013">
+              <a:spcBef>
+                <a:spcPts val="300"/>
+              </a:spcBef>
+            </a:pPr>
+            <a:r>
+              <a:rPr lang="en-US" sz="1200" dirty="0">
+                <a:latin typeface="Times New Roman" panose="02020603050405020304" pitchFamily="18" charset="0"/>
+                <a:cs typeface="Times New Roman" panose="02020603050405020304" pitchFamily="18" charset="0"/>
+              </a:rPr>
+              <a:t>The Replication Network, </a:t>
+            </a:r>
+            <a:r>
+              <a:rPr lang="en-US" sz="1200" dirty="0">
+                <a:latin typeface="Times New Roman" panose="02020603050405020304" pitchFamily="18" charset="0"/>
+                <a:cs typeface="Times New Roman" panose="02020603050405020304" pitchFamily="18" charset="0"/>
+                <a:hlinkClick r:id="rId6"/>
+              </a:rPr>
+              <a:t>https://replicationnetwork.com/2016/04/03/the-national-academy-of-sciences-weighs-in-on-reproducibility</a:t>
+            </a:r>
+            <a:r>
+              <a:rPr lang="en-US" sz="1200" dirty="0">
+                <a:latin typeface="Times New Roman" panose="02020603050405020304" pitchFamily="18" charset="0"/>
+                <a:cs typeface="Times New Roman" panose="02020603050405020304" pitchFamily="18" charset="0"/>
+              </a:rPr>
+              <a:t>  </a:t>
+            </a:r>
+          </a:p>
+          <a:p>
+            <a:pPr marL="227013" indent="-227013">
+              <a:spcBef>
+                <a:spcPts val="300"/>
+              </a:spcBef>
+            </a:pPr>
+            <a:r>
+              <a:rPr lang="en-US" sz="1200" dirty="0">
+                <a:latin typeface="Times New Roman" panose="02020603050405020304" pitchFamily="18" charset="0"/>
+                <a:cs typeface="Times New Roman" panose="02020603050405020304" pitchFamily="18" charset="0"/>
+              </a:rPr>
+              <a:t>Workshop: “Statistical Challenges in Assessing and Fostering the Reproducibility of Scientific Results” (2016), </a:t>
+            </a:r>
+            <a:r>
+              <a:rPr lang="en-US" sz="1200" dirty="0">
+                <a:latin typeface="Times New Roman" panose="02020603050405020304" pitchFamily="18" charset="0"/>
+                <a:cs typeface="Times New Roman" panose="02020603050405020304" pitchFamily="18" charset="0"/>
+                <a:hlinkClick r:id="rId7"/>
+              </a:rPr>
+              <a:t>https://www.nap.edu/catalog/21915/statistical-challenges-in-assessing-and-fostering-the-reproducibility-of-scientific-results</a:t>
+            </a:r>
+            <a:r>
+              <a:rPr lang="en-US" sz="1200" dirty="0">
+                <a:latin typeface="Times New Roman" panose="02020603050405020304" pitchFamily="18" charset="0"/>
+                <a:cs typeface="Times New Roman" panose="02020603050405020304" pitchFamily="18" charset="0"/>
+              </a:rPr>
+              <a:t> </a:t>
+            </a:r>
+          </a:p>
+        </p:txBody>
+      </p:sp>
+    </p:spTree>
+    <p:extLst>
+      <p:ext uri="{BB962C8B-B14F-4D97-AF65-F5344CB8AC3E}">
+        <p14:creationId xmlns:p14="http://schemas.microsoft.com/office/powerpoint/2010/main" val="3960936634"/>
+      </p:ext>
+    </p:extLst>
+  </p:cSld>
+  <p:clrMapOvr>
+    <a:masterClrMapping/>
+  </p:clrMapOvr>
+</p:sld>
+</file>
+
+<file path=ppt/slides/slide4.xml><?xml version="1.0" encoding="utf-8"?>
+<p:sld xmlns:a="http://schemas.openxmlformats.org/drawingml/2006/main" xmlns:r="http://schemas.openxmlformats.org/officeDocument/2006/relationships" xmlns:p="http://schemas.openxmlformats.org/presentationml/2006/main">
+  <p:cSld>
+    <p:spTree>
+      <p:nvGrpSpPr>
+        <p:cNvPr id="1" name=""/>
+        <p:cNvGrpSpPr/>
+        <p:nvPr/>
+      </p:nvGrpSpPr>
+      <p:grpSpPr>
+        <a:xfrm>
+          <a:off x="0" y="0"/>
+          <a:ext cx="0" cy="0"/>
+          <a:chOff x="0" y="0"/>
+          <a:chExt cx="0" cy="0"/>
+        </a:xfrm>
+      </p:grpSpPr>
+      <p:sp>
+        <p:nvSpPr>
+          <p:cNvPr id="2" name="Title 1"/>
+          <p:cNvSpPr>
+            <a:spLocks noGrp="1"/>
+          </p:cNvSpPr>
+          <p:nvPr>
+            <p:ph type="title"/>
+          </p:nvPr>
+        </p:nvSpPr>
+        <p:spPr>
+          <a:xfrm>
+            <a:off x="0" y="140672"/>
+            <a:ext cx="9144000" cy="589085"/>
+          </a:xfrm>
+        </p:spPr>
+        <p:txBody>
+          <a:bodyPr>
+            <a:normAutofit/>
+          </a:bodyPr>
+          <a:lstStyle/>
+          <a:p>
+            <a:r>
+              <a:rPr lang="en-US" dirty="0"/>
+              <a:t>Barriers to Reproducibility</a:t>
+            </a:r>
+          </a:p>
+        </p:txBody>
+      </p:sp>
+      <p:sp>
+        <p:nvSpPr>
+          <p:cNvPr id="6" name="Content Placeholder 2">
+            <a:extLst>
+              <a:ext uri="{FF2B5EF4-FFF2-40B4-BE49-F238E27FC236}">
+                <a16:creationId xmlns:a16="http://schemas.microsoft.com/office/drawing/2014/main" id="{9081FF26-7AD5-4767-AF65-A27F1769E1FC}"/>
+              </a:ext>
+            </a:extLst>
+          </p:cNvPr>
+          <p:cNvSpPr>
+            <a:spLocks noGrp="1"/>
+          </p:cNvSpPr>
+          <p:nvPr>
+            <p:ph idx="1"/>
+          </p:nvPr>
+        </p:nvSpPr>
+        <p:spPr>
+          <a:xfrm>
+            <a:off x="152400" y="827314"/>
+            <a:ext cx="8839200" cy="5421086"/>
+          </a:xfrm>
+        </p:spPr>
+        <p:txBody>
+          <a:bodyPr>
+            <a:normAutofit/>
+          </a:bodyPr>
+          <a:lstStyle/>
+          <a:p>
+            <a:r>
+              <a:rPr lang="en-US" sz="1800" i="0" dirty="0"/>
+              <a:t>The first step would be to share simulations with a single code</a:t>
+            </a:r>
+          </a:p>
+          <a:p>
+            <a:pPr lvl="1"/>
+            <a:r>
+              <a:rPr lang="en-US" sz="1600" i="0" dirty="0"/>
+              <a:t>Not just the plots:  the full simulation, generating identical results</a:t>
+            </a:r>
+          </a:p>
+          <a:p>
+            <a:r>
+              <a:rPr lang="en-US" sz="1800" i="0" dirty="0"/>
+              <a:t>Why don’t we share our simulations directly?</a:t>
+            </a:r>
+          </a:p>
+          <a:p>
+            <a:pPr lvl="1"/>
+            <a:r>
+              <a:rPr lang="en-US" sz="1600" i="0" dirty="0"/>
+              <a:t>It can be very difficult to reproduce computational  results</a:t>
+            </a:r>
+          </a:p>
+          <a:p>
+            <a:pPr lvl="1"/>
+            <a:r>
+              <a:rPr lang="en-US" sz="1600" i="0" dirty="0"/>
+              <a:t>Close collaborators do, of course, but even this can be difficult and error prone</a:t>
+            </a:r>
+          </a:p>
+          <a:p>
+            <a:pPr lvl="2"/>
+            <a:r>
+              <a:rPr lang="en-US" sz="1400" b="1" i="0" dirty="0"/>
+              <a:t>different hardware, different versions of the source code, many input files, etc.</a:t>
+            </a:r>
+          </a:p>
+          <a:p>
+            <a:r>
+              <a:rPr lang="en-US" sz="1800" i="0" dirty="0"/>
+              <a:t>Political and social reasons</a:t>
+            </a:r>
+          </a:p>
+          <a:p>
+            <a:pPr lvl="1"/>
+            <a:r>
+              <a:rPr lang="en-US" sz="1600" i="0" dirty="0"/>
+              <a:t>don’t want to share years of effort with others, who would directly benefit</a:t>
+            </a:r>
+          </a:p>
+          <a:p>
+            <a:pPr lvl="1"/>
+            <a:r>
+              <a:rPr lang="en-US" sz="1600" i="0" dirty="0"/>
+              <a:t>software can be used incorrectly</a:t>
+            </a:r>
+          </a:p>
+          <a:p>
+            <a:pPr lvl="2"/>
+            <a:r>
+              <a:rPr lang="en-US" dirty="0"/>
+              <a:t>this might g</a:t>
+            </a:r>
+            <a:r>
+              <a:rPr lang="en-US" sz="1400" b="1" i="0" dirty="0"/>
+              <a:t>enerate confusing results that are incorrectly published</a:t>
+            </a:r>
+          </a:p>
+          <a:p>
+            <a:pPr lvl="2"/>
+            <a:r>
+              <a:rPr lang="en-US" sz="1400" b="1" i="0" dirty="0"/>
+              <a:t>this could hurt the reputation of the original developers</a:t>
+            </a:r>
+          </a:p>
+          <a:p>
+            <a:r>
+              <a:rPr lang="en-US" sz="1800" i="0" dirty="0"/>
+              <a:t>Technical reasons</a:t>
+            </a:r>
+          </a:p>
+          <a:p>
+            <a:pPr lvl="1"/>
+            <a:r>
+              <a:rPr lang="en-US" sz="1600" i="0" dirty="0"/>
+              <a:t>it can be very difficult to build/install the software</a:t>
+            </a:r>
+          </a:p>
+          <a:p>
+            <a:pPr lvl="1"/>
+            <a:r>
+              <a:rPr lang="en-US" sz="1600" i="0" dirty="0"/>
+              <a:t>the software may be very difficult to use</a:t>
+            </a:r>
+          </a:p>
+          <a:p>
+            <a:pPr lvl="1"/>
+            <a:r>
+              <a:rPr lang="en-US" sz="1600" i="0" dirty="0"/>
+              <a:t>the simulations may require many processors</a:t>
+            </a:r>
+          </a:p>
+          <a:p>
+            <a:pPr lvl="1"/>
+            <a:r>
+              <a:rPr lang="en-US" sz="1600" i="0" dirty="0"/>
+              <a:t>the post-processing tools may be sophisticated</a:t>
+            </a:r>
+          </a:p>
+        </p:txBody>
+      </p:sp>
+    </p:spTree>
+    <p:extLst>
+      <p:ext uri="{BB962C8B-B14F-4D97-AF65-F5344CB8AC3E}">
+        <p14:creationId xmlns:p14="http://schemas.microsoft.com/office/powerpoint/2010/main" val="3936527183"/>
+      </p:ext>
+    </p:extLst>
+  </p:cSld>
+  <p:clrMapOvr>
+    <a:masterClrMapping/>
+  </p:clrMapOvr>
+</p:sld>
+</file>
+
+<file path=ppt/slides/slide5.xml><?xml version="1.0" encoding="utf-8"?>
+<p:sld xmlns:a="http://schemas.openxmlformats.org/drawingml/2006/main" xmlns:r="http://schemas.openxmlformats.org/officeDocument/2006/relationships" xmlns:p="http://schemas.openxmlformats.org/presentationml/2006/main">
+  <p:cSld>
+    <p:spTree>
+      <p:nvGrpSpPr>
+        <p:cNvPr id="1" name=""/>
+        <p:cNvGrpSpPr/>
+        <p:nvPr/>
+      </p:nvGrpSpPr>
+      <p:grpSpPr>
+        <a:xfrm>
+          <a:off x="0" y="0"/>
+          <a:ext cx="0" cy="0"/>
+          <a:chOff x="0" y="0"/>
+          <a:chExt cx="0" cy="0"/>
+        </a:xfrm>
+      </p:grpSpPr>
+      <p:sp>
+        <p:nvSpPr>
+          <p:cNvPr id="2" name="Title 1"/>
+          <p:cNvSpPr>
+            <a:spLocks noGrp="1"/>
+          </p:cNvSpPr>
+          <p:nvPr>
+            <p:ph type="title"/>
+          </p:nvPr>
+        </p:nvSpPr>
+        <p:spPr>
+          <a:xfrm>
             <a:off x="800100" y="140672"/>
             <a:ext cx="8191500" cy="589085"/>
           </a:xfrm>
@@ -3879,7 +4800,7 @@
           <a:lstStyle/>
           <a:p>
             <a:r>
-              <a:rPr lang="en-US" smtClean="0"/>
+              <a:rPr lang="en-US"/>
               <a:t>Literature</a:t>
             </a:r>
             <a:endParaRPr lang="en-US" dirty="0"/>
@@ -3909,10 +4830,9 @@
           <a:lstStyle/>
           <a:p>
             <a:r>
-              <a:rPr lang="en-US" sz="2000" i="0" smtClean="0"/>
+              <a:rPr lang="en-US" sz="2000" i="0"/>
               <a:t>TBD…</a:t>
             </a:r>
-            <a:endParaRPr lang="en-US" sz="2000" i="0"/>
           </a:p>
         </p:txBody>
       </p:sp>
@@ -3939,75 +4859,64 @@
           <a:lstStyle/>
           <a:p>
             <a:r>
-              <a:rPr lang="en-US" sz="1600">
-                <a:latin typeface="Times New Roman" panose="02020603050405020304" pitchFamily="18" charset="0"/>
-                <a:cs typeface="Times New Roman" panose="02020603050405020304" pitchFamily="18" charset="0"/>
-              </a:rPr>
-              <a:t>Stodden &amp; Miguez, </a:t>
-            </a:r>
-            <a:r>
-              <a:rPr lang="en-US" sz="1600">
+              <a:rPr lang="en-US" sz="1600" dirty="0" err="1">
+                <a:latin typeface="Times New Roman" panose="02020603050405020304" pitchFamily="18" charset="0"/>
+                <a:cs typeface="Times New Roman" panose="02020603050405020304" pitchFamily="18" charset="0"/>
+              </a:rPr>
+              <a:t>Stodden</a:t>
+            </a:r>
+            <a:r>
+              <a:rPr lang="en-US" sz="1600" dirty="0">
+                <a:latin typeface="Times New Roman" panose="02020603050405020304" pitchFamily="18" charset="0"/>
+                <a:cs typeface="Times New Roman" panose="02020603050405020304" pitchFamily="18" charset="0"/>
+              </a:rPr>
+              <a:t> &amp; </a:t>
+            </a:r>
+            <a:r>
+              <a:rPr lang="en-US" sz="1600" dirty="0" err="1">
+                <a:latin typeface="Times New Roman" panose="02020603050405020304" pitchFamily="18" charset="0"/>
+                <a:cs typeface="Times New Roman" panose="02020603050405020304" pitchFamily="18" charset="0"/>
+              </a:rPr>
+              <a:t>Miguez</a:t>
+            </a:r>
+            <a:r>
+              <a:rPr lang="en-US" sz="1600" dirty="0">
+                <a:latin typeface="Times New Roman" panose="02020603050405020304" pitchFamily="18" charset="0"/>
+                <a:cs typeface="Times New Roman" panose="02020603050405020304" pitchFamily="18" charset="0"/>
+              </a:rPr>
+              <a:t>, </a:t>
+            </a:r>
+            <a:r>
+              <a:rPr lang="en-US" sz="1600" dirty="0">
                 <a:latin typeface="Times New Roman" panose="02020603050405020304" pitchFamily="18" charset="0"/>
                 <a:cs typeface="Times New Roman" panose="02020603050405020304" pitchFamily="18" charset="0"/>
                 <a:hlinkClick r:id="rId3"/>
               </a:rPr>
-              <a:t>https://</a:t>
-            </a:r>
-            <a:r>
-              <a:rPr lang="en-US" sz="1600">
-                <a:latin typeface="Times New Roman" panose="02020603050405020304" pitchFamily="18" charset="0"/>
-                <a:cs typeface="Times New Roman" panose="02020603050405020304" pitchFamily="18" charset="0"/>
-                <a:hlinkClick r:id="rId3"/>
-              </a:rPr>
-              <a:t>openresearchsoftware.metajnl.com/articles/10.5334/jors.ay</a:t>
-            </a:r>
-            <a:r>
-              <a:rPr lang="en-US" sz="1600" smtClean="0">
-                <a:latin typeface="Times New Roman" panose="02020603050405020304" pitchFamily="18" charset="0"/>
-                <a:cs typeface="Times New Roman" panose="02020603050405020304" pitchFamily="18" charset="0"/>
-                <a:hlinkClick r:id="rId3"/>
-              </a:rPr>
-              <a:t>/</a:t>
-            </a:r>
-            <a:endParaRPr lang="en-US" sz="1600" smtClean="0">
+              <a:t>https://openresearchsoftware.metajnl.com/articles/10.5334/jors.ay/</a:t>
+            </a:r>
+            <a:endParaRPr lang="en-US" sz="1600" dirty="0">
               <a:latin typeface="Times New Roman" panose="02020603050405020304" pitchFamily="18" charset="0"/>
               <a:cs typeface="Times New Roman" panose="02020603050405020304" pitchFamily="18" charset="0"/>
             </a:endParaRPr>
           </a:p>
           <a:p>
             <a:r>
-              <a:rPr lang="en-US" sz="1600">
+              <a:rPr lang="en-US" sz="1600" dirty="0">
                 <a:latin typeface="Times New Roman" panose="02020603050405020304" pitchFamily="18" charset="0"/>
                 <a:cs typeface="Times New Roman" panose="02020603050405020304" pitchFamily="18" charset="0"/>
               </a:rPr>
               <a:t>Guest &amp; Rougier, </a:t>
             </a:r>
             <a:r>
-              <a:rPr lang="en-US" sz="1600">
+              <a:rPr lang="en-US" sz="1600" dirty="0">
                 <a:latin typeface="Times New Roman" panose="02020603050405020304" pitchFamily="18" charset="0"/>
                 <a:cs typeface="Times New Roman" panose="02020603050405020304" pitchFamily="18" charset="0"/>
                 <a:hlinkClick r:id="rId4"/>
               </a:rPr>
-              <a:t>https</a:t>
-            </a:r>
-            <a:r>
-              <a:rPr lang="en-US" sz="1600">
-                <a:latin typeface="Times New Roman" panose="02020603050405020304" pitchFamily="18" charset="0"/>
-                <a:cs typeface="Times New Roman" panose="02020603050405020304" pitchFamily="18" charset="0"/>
-                <a:hlinkClick r:id="rId4"/>
-              </a:rPr>
-              <a:t>://</a:t>
-            </a:r>
-            <a:r>
-              <a:rPr lang="en-US" sz="1600" smtClean="0">
-                <a:latin typeface="Times New Roman" panose="02020603050405020304" pitchFamily="18" charset="0"/>
-                <a:cs typeface="Times New Roman" panose="02020603050405020304" pitchFamily="18" charset="0"/>
-                <a:hlinkClick r:id="rId4"/>
-              </a:rPr>
-              <a:t>hal.inria.fr/hal-01358082/file/guest_rougier_2016.pdf</a:t>
-            </a:r>
-            <a:r>
-              <a:rPr lang="en-US" sz="1600" smtClean="0">
+              <a:t>https://hal.inria.fr/hal-01358082/file/guest_rougier_2016.pdf</a:t>
+            </a:r>
+            <a:r>
+              <a:rPr lang="en-US" sz="1600" dirty="0">
                 <a:latin typeface="Times New Roman" panose="02020603050405020304" pitchFamily="18" charset="0"/>
                 <a:cs typeface="Times New Roman" panose="02020603050405020304" pitchFamily="18" charset="0"/>
               </a:rPr>
@@ -4016,52 +4925,43 @@
           </a:p>
           <a:p>
             <a:r>
-              <a:rPr lang="en-US" sz="1600" smtClean="0">
-                <a:latin typeface="Times New Roman" panose="02020603050405020304" pitchFamily="18" charset="0"/>
-                <a:cs typeface="Times New Roman" panose="02020603050405020304" pitchFamily="18" charset="0"/>
-              </a:rPr>
-              <a:t>Grüning </a:t>
-            </a:r>
-            <a:r>
-              <a:rPr lang="en-US" sz="1600" i="1" smtClean="0">
+              <a:rPr lang="en-US" sz="1600" dirty="0" err="1">
+                <a:latin typeface="Times New Roman" panose="02020603050405020304" pitchFamily="18" charset="0"/>
+                <a:cs typeface="Times New Roman" panose="02020603050405020304" pitchFamily="18" charset="0"/>
+              </a:rPr>
+              <a:t>Grüning</a:t>
+            </a:r>
+            <a:r>
+              <a:rPr lang="en-US" sz="1600" dirty="0">
+                <a:latin typeface="Times New Roman" panose="02020603050405020304" pitchFamily="18" charset="0"/>
+                <a:cs typeface="Times New Roman" panose="02020603050405020304" pitchFamily="18" charset="0"/>
+              </a:rPr>
+              <a:t> </a:t>
+            </a:r>
+            <a:r>
+              <a:rPr lang="en-US" sz="1600" i="1" dirty="0">
                 <a:latin typeface="Times New Roman" panose="02020603050405020304" pitchFamily="18" charset="0"/>
                 <a:cs typeface="Times New Roman" panose="02020603050405020304" pitchFamily="18" charset="0"/>
               </a:rPr>
               <a:t>et al</a:t>
             </a:r>
             <a:r>
-              <a:rPr lang="en-US" sz="1600">
+              <a:rPr lang="en-US" sz="1600" dirty="0">
                 <a:latin typeface="Times New Roman" panose="02020603050405020304" pitchFamily="18" charset="0"/>
                 <a:cs typeface="Times New Roman" panose="02020603050405020304" pitchFamily="18" charset="0"/>
               </a:rPr>
               <a:t>., </a:t>
             </a:r>
             <a:r>
-              <a:rPr lang="en-US" sz="1600">
+              <a:rPr lang="en-US" sz="1600" dirty="0">
                 <a:latin typeface="Times New Roman" panose="02020603050405020304" pitchFamily="18" charset="0"/>
                 <a:cs typeface="Times New Roman" panose="02020603050405020304" pitchFamily="18" charset="0"/>
                 <a:hlinkClick r:id="rId5"/>
               </a:rPr>
-              <a:t>https</a:t>
-            </a:r>
-            <a:r>
-              <a:rPr lang="en-US" sz="1600">
-                <a:latin typeface="Times New Roman" panose="02020603050405020304" pitchFamily="18" charset="0"/>
-                <a:cs typeface="Times New Roman" panose="02020603050405020304" pitchFamily="18" charset="0"/>
-                <a:hlinkClick r:id="rId5"/>
-              </a:rPr>
-              <a:t>://</a:t>
-            </a:r>
-            <a:r>
-              <a:rPr lang="en-US" sz="1600" smtClean="0">
-                <a:latin typeface="Times New Roman" panose="02020603050405020304" pitchFamily="18" charset="0"/>
-                <a:cs typeface="Times New Roman" panose="02020603050405020304" pitchFamily="18" charset="0"/>
-                <a:hlinkClick r:id="rId5"/>
-              </a:rPr>
-              <a:t>www.biorxiv.org/content/early/2017/10/10/200683</a:t>
-            </a:r>
-            <a:r>
-              <a:rPr lang="en-US" sz="1600" smtClean="0">
+              <a:t>https://www.biorxiv.org/content/early/2017/10/10/200683</a:t>
+            </a:r>
+            <a:r>
+              <a:rPr lang="en-US" sz="1600" dirty="0">
                 <a:latin typeface="Times New Roman" panose="02020603050405020304" pitchFamily="18" charset="0"/>
                 <a:cs typeface="Times New Roman" panose="02020603050405020304" pitchFamily="18" charset="0"/>
               </a:rPr>
@@ -4070,38 +4970,22 @@
           </a:p>
           <a:p>
             <a:r>
-              <a:rPr lang="en-US" sz="1600">
+              <a:rPr lang="en-US" sz="1600" dirty="0">
                 <a:latin typeface="Times New Roman" panose="02020603050405020304" pitchFamily="18" charset="0"/>
                 <a:cs typeface="Times New Roman" panose="02020603050405020304" pitchFamily="18" charset="0"/>
               </a:rPr>
               <a:t>Piccolo &amp; Frampton, </a:t>
             </a:r>
             <a:r>
-              <a:rPr lang="en-US" sz="1600">
+              <a:rPr lang="en-US" sz="1600" dirty="0">
                 <a:latin typeface="Times New Roman" panose="02020603050405020304" pitchFamily="18" charset="0"/>
                 <a:cs typeface="Times New Roman" panose="02020603050405020304" pitchFamily="18" charset="0"/>
                 <a:hlinkClick r:id="rId6"/>
               </a:rPr>
-              <a:t>https</a:t>
-            </a:r>
-            <a:r>
-              <a:rPr lang="en-US" sz="1600">
-                <a:latin typeface="Times New Roman" panose="02020603050405020304" pitchFamily="18" charset="0"/>
-                <a:cs typeface="Times New Roman" panose="02020603050405020304" pitchFamily="18" charset="0"/>
-                <a:hlinkClick r:id="rId6"/>
-              </a:rPr>
-              <a:t>://</a:t>
-            </a:r>
-            <a:r>
-              <a:rPr lang="en-US" sz="1600" smtClean="0">
-                <a:latin typeface="Times New Roman" panose="02020603050405020304" pitchFamily="18" charset="0"/>
-                <a:cs typeface="Times New Roman" panose="02020603050405020304" pitchFamily="18" charset="0"/>
-                <a:hlinkClick r:id="rId6"/>
-              </a:rPr>
-              <a:t>gigascience.biomedcentral.com/articles/10.1186/s13742-016-0135-4</a:t>
-            </a:r>
-            <a:r>
-              <a:rPr lang="en-US" sz="1600" smtClean="0">
+              <a:t>https://gigascience.biomedcentral.com/articles/10.1186/s13742-016-0135-4</a:t>
+            </a:r>
+            <a:r>
+              <a:rPr lang="en-US" sz="1600" dirty="0">
                 <a:latin typeface="Times New Roman" panose="02020603050405020304" pitchFamily="18" charset="0"/>
                 <a:cs typeface="Times New Roman" panose="02020603050405020304" pitchFamily="18" charset="0"/>
               </a:rPr>
@@ -4110,52 +4994,50 @@
           </a:p>
           <a:p>
             <a:r>
-              <a:rPr lang="en-US" sz="1600" smtClean="0">
-                <a:latin typeface="Times New Roman" panose="02020603050405020304" pitchFamily="18" charset="0"/>
-                <a:cs typeface="Times New Roman" panose="02020603050405020304" pitchFamily="18" charset="0"/>
-              </a:rPr>
-              <a:t>Cohen-Boulakia </a:t>
-            </a:r>
-            <a:r>
-              <a:rPr lang="en-US" sz="1600" i="1" smtClean="0">
+              <a:rPr lang="en-US" sz="1600" dirty="0">
+                <a:latin typeface="Times New Roman" panose="02020603050405020304" pitchFamily="18" charset="0"/>
+                <a:cs typeface="Times New Roman" panose="02020603050405020304" pitchFamily="18" charset="0"/>
+              </a:rPr>
+              <a:t>Cohen-</a:t>
+            </a:r>
+            <a:r>
+              <a:rPr lang="en-US" sz="1600" dirty="0" err="1">
+                <a:latin typeface="Times New Roman" panose="02020603050405020304" pitchFamily="18" charset="0"/>
+                <a:cs typeface="Times New Roman" panose="02020603050405020304" pitchFamily="18" charset="0"/>
+              </a:rPr>
+              <a:t>Boulakia</a:t>
+            </a:r>
+            <a:r>
+              <a:rPr lang="en-US" sz="1600" dirty="0">
+                <a:latin typeface="Times New Roman" panose="02020603050405020304" pitchFamily="18" charset="0"/>
+                <a:cs typeface="Times New Roman" panose="02020603050405020304" pitchFamily="18" charset="0"/>
+              </a:rPr>
+              <a:t> </a:t>
+            </a:r>
+            <a:r>
+              <a:rPr lang="en-US" sz="1600" i="1" dirty="0">
                 <a:latin typeface="Times New Roman" panose="02020603050405020304" pitchFamily="18" charset="0"/>
                 <a:cs typeface="Times New Roman" panose="02020603050405020304" pitchFamily="18" charset="0"/>
               </a:rPr>
               <a:t>et al</a:t>
             </a:r>
             <a:r>
-              <a:rPr lang="en-US" sz="1600">
+              <a:rPr lang="en-US" sz="1600" dirty="0">
                 <a:latin typeface="Times New Roman" panose="02020603050405020304" pitchFamily="18" charset="0"/>
                 <a:cs typeface="Times New Roman" panose="02020603050405020304" pitchFamily="18" charset="0"/>
               </a:rPr>
               <a:t>., </a:t>
             </a:r>
             <a:r>
-              <a:rPr lang="en-US" sz="1600">
+              <a:rPr lang="en-US" sz="1600" dirty="0">
                 <a:latin typeface="Times New Roman" panose="02020603050405020304" pitchFamily="18" charset="0"/>
                 <a:cs typeface="Times New Roman" panose="02020603050405020304" pitchFamily="18" charset="0"/>
                 <a:hlinkClick r:id="rId7"/>
               </a:rPr>
-              <a:t>https</a:t>
-            </a:r>
-            <a:r>
-              <a:rPr lang="en-US" sz="1600">
-                <a:latin typeface="Times New Roman" panose="02020603050405020304" pitchFamily="18" charset="0"/>
-                <a:cs typeface="Times New Roman" panose="02020603050405020304" pitchFamily="18" charset="0"/>
-                <a:hlinkClick r:id="rId7"/>
-              </a:rPr>
-              <a:t>://</a:t>
-            </a:r>
-            <a:r>
-              <a:rPr lang="en-US" sz="1600" smtClean="0">
-                <a:latin typeface="Times New Roman" panose="02020603050405020304" pitchFamily="18" charset="0"/>
-                <a:cs typeface="Times New Roman" panose="02020603050405020304" pitchFamily="18" charset="0"/>
-                <a:hlinkClick r:id="rId7"/>
-              </a:rPr>
-              <a:t>www.sciencedirect.com/science/article/pii/S0167739X17300316</a:t>
-            </a:r>
-            <a:r>
-              <a:rPr lang="en-US" sz="1600" smtClean="0">
+              <a:t>https://www.sciencedirect.com/science/article/pii/S0167739X17300316</a:t>
+            </a:r>
+            <a:r>
+              <a:rPr lang="en-US" sz="1600" dirty="0">
                 <a:latin typeface="Times New Roman" panose="02020603050405020304" pitchFamily="18" charset="0"/>
                 <a:cs typeface="Times New Roman" panose="02020603050405020304" pitchFamily="18" charset="0"/>
               </a:rPr>
@@ -4164,38 +5046,22 @@
           </a:p>
           <a:p>
             <a:r>
-              <a:rPr lang="en-US" sz="1600">
+              <a:rPr lang="en-US" sz="1600" dirty="0">
                 <a:latin typeface="Times New Roman" panose="02020603050405020304" pitchFamily="18" charset="0"/>
                 <a:cs typeface="Times New Roman" panose="02020603050405020304" pitchFamily="18" charset="0"/>
               </a:rPr>
               <a:t>Beaulieu-Jones &amp; Greene, </a:t>
             </a:r>
             <a:r>
-              <a:rPr lang="en-US" sz="1600">
+              <a:rPr lang="en-US" sz="1600" dirty="0">
                 <a:latin typeface="Times New Roman" panose="02020603050405020304" pitchFamily="18" charset="0"/>
                 <a:cs typeface="Times New Roman" panose="02020603050405020304" pitchFamily="18" charset="0"/>
                 <a:hlinkClick r:id="rId8"/>
               </a:rPr>
-              <a:t>https</a:t>
-            </a:r>
-            <a:r>
-              <a:rPr lang="en-US" sz="1600">
-                <a:latin typeface="Times New Roman" panose="02020603050405020304" pitchFamily="18" charset="0"/>
-                <a:cs typeface="Times New Roman" panose="02020603050405020304" pitchFamily="18" charset="0"/>
-                <a:hlinkClick r:id="rId8"/>
-              </a:rPr>
-              <a:t>://</a:t>
-            </a:r>
-            <a:r>
-              <a:rPr lang="en-US" sz="1600" smtClean="0">
-                <a:latin typeface="Times New Roman" panose="02020603050405020304" pitchFamily="18" charset="0"/>
-                <a:cs typeface="Times New Roman" panose="02020603050405020304" pitchFamily="18" charset="0"/>
-                <a:hlinkClick r:id="rId8"/>
-              </a:rPr>
-              <a:t>www.nature.com/articles/nbt.3780</a:t>
-            </a:r>
-            <a:r>
-              <a:rPr lang="en-US" sz="1600" smtClean="0">
+              <a:t>https://www.nature.com/articles/nbt.3780</a:t>
+            </a:r>
+            <a:r>
+              <a:rPr lang="en-US" sz="1600" dirty="0">
                 <a:latin typeface="Times New Roman" panose="02020603050405020304" pitchFamily="18" charset="0"/>
                 <a:cs typeface="Times New Roman" panose="02020603050405020304" pitchFamily="18" charset="0"/>
               </a:rPr>
@@ -4204,38 +5070,36 @@
           </a:p>
           <a:p>
             <a:r>
-              <a:rPr lang="en-US" sz="1600">
-                <a:latin typeface="Times New Roman" panose="02020603050405020304" pitchFamily="18" charset="0"/>
-                <a:cs typeface="Times New Roman" panose="02020603050405020304" pitchFamily="18" charset="0"/>
-              </a:rPr>
-              <a:t>Hatton &amp; Warr, </a:t>
-            </a:r>
-            <a:r>
-              <a:rPr lang="en-US" sz="1600">
+              <a:rPr lang="en-US" sz="1600" dirty="0">
+                <a:latin typeface="Times New Roman" panose="02020603050405020304" pitchFamily="18" charset="0"/>
+                <a:cs typeface="Times New Roman" panose="02020603050405020304" pitchFamily="18" charset="0"/>
+              </a:rPr>
+              <a:t>Hatton &amp; </a:t>
+            </a:r>
+            <a:r>
+              <a:rPr lang="en-US" sz="1600" dirty="0" err="1">
+                <a:latin typeface="Times New Roman" panose="02020603050405020304" pitchFamily="18" charset="0"/>
+                <a:cs typeface="Times New Roman" panose="02020603050405020304" pitchFamily="18" charset="0"/>
+              </a:rPr>
+              <a:t>Warr</a:t>
+            </a:r>
+            <a:r>
+              <a:rPr lang="en-US" sz="1600" dirty="0">
+                <a:latin typeface="Times New Roman" panose="02020603050405020304" pitchFamily="18" charset="0"/>
+                <a:cs typeface="Times New Roman" panose="02020603050405020304" pitchFamily="18" charset="0"/>
+              </a:rPr>
+              <a:t>, </a:t>
+            </a:r>
+            <a:r>
+              <a:rPr lang="en-US" sz="1600" dirty="0">
                 <a:latin typeface="Times New Roman" panose="02020603050405020304" pitchFamily="18" charset="0"/>
                 <a:cs typeface="Times New Roman" panose="02020603050405020304" pitchFamily="18" charset="0"/>
                 <a:hlinkClick r:id="rId9"/>
               </a:rPr>
-              <a:t>https</a:t>
-            </a:r>
-            <a:r>
-              <a:rPr lang="en-US" sz="1600">
-                <a:latin typeface="Times New Roman" panose="02020603050405020304" pitchFamily="18" charset="0"/>
-                <a:cs typeface="Times New Roman" panose="02020603050405020304" pitchFamily="18" charset="0"/>
-                <a:hlinkClick r:id="rId9"/>
-              </a:rPr>
-              <a:t>://</a:t>
-            </a:r>
-            <a:r>
-              <a:rPr lang="en-US" sz="1600" smtClean="0">
-                <a:latin typeface="Times New Roman" panose="02020603050405020304" pitchFamily="18" charset="0"/>
-                <a:cs typeface="Times New Roman" panose="02020603050405020304" pitchFamily="18" charset="0"/>
-                <a:hlinkClick r:id="rId9"/>
-              </a:rPr>
-              <a:t>arxiv.org/abs/1608.06897</a:t>
-            </a:r>
-            <a:r>
-              <a:rPr lang="en-US" sz="1600" smtClean="0">
+              <a:t>https://arxiv.org/abs/1608.06897</a:t>
+            </a:r>
+            <a:r>
+              <a:rPr lang="en-US" sz="1600" dirty="0">
                 <a:latin typeface="Times New Roman" panose="02020603050405020304" pitchFamily="18" charset="0"/>
                 <a:cs typeface="Times New Roman" panose="02020603050405020304" pitchFamily="18" charset="0"/>
               </a:rPr>
@@ -4244,38 +5108,29 @@
           </a:p>
           <a:p>
             <a:r>
-              <a:rPr lang="en-US" sz="1600">
-                <a:latin typeface="Times New Roman" panose="02020603050405020304" pitchFamily="18" charset="0"/>
-                <a:cs typeface="Times New Roman" panose="02020603050405020304" pitchFamily="18" charset="0"/>
-              </a:rPr>
-              <a:t>rOpenSci Project, </a:t>
-            </a:r>
-            <a:r>
-              <a:rPr lang="en-US" sz="1600">
+              <a:rPr lang="en-US" sz="1600" dirty="0" err="1">
+                <a:latin typeface="Times New Roman" panose="02020603050405020304" pitchFamily="18" charset="0"/>
+                <a:cs typeface="Times New Roman" panose="02020603050405020304" pitchFamily="18" charset="0"/>
+              </a:rPr>
+              <a:t>rOpenSci</a:t>
+            </a:r>
+            <a:r>
+              <a:rPr lang="en-US" sz="1600" dirty="0">
+                <a:latin typeface="Times New Roman" panose="02020603050405020304" pitchFamily="18" charset="0"/>
+                <a:cs typeface="Times New Roman" panose="02020603050405020304" pitchFamily="18" charset="0"/>
+              </a:rPr>
+              <a:t> Project, </a:t>
+            </a:r>
+            <a:r>
+              <a:rPr lang="en-US" sz="1600" dirty="0">
                 <a:latin typeface="Times New Roman" panose="02020603050405020304" pitchFamily="18" charset="0"/>
                 <a:cs typeface="Times New Roman" panose="02020603050405020304" pitchFamily="18" charset="0"/>
                 <a:hlinkClick r:id="rId10"/>
               </a:rPr>
-              <a:t>http://</a:t>
-            </a:r>
-            <a:r>
-              <a:rPr lang="en-US" sz="1600">
-                <a:latin typeface="Times New Roman" panose="02020603050405020304" pitchFamily="18" charset="0"/>
-                <a:cs typeface="Times New Roman" panose="02020603050405020304" pitchFamily="18" charset="0"/>
-                <a:hlinkClick r:id="rId10"/>
-              </a:rPr>
-              <a:t>ropensci.github.io/reproducibility-guide/sections/introduction</a:t>
-            </a:r>
-            <a:r>
-              <a:rPr lang="en-US" sz="1600" smtClean="0">
-                <a:latin typeface="Times New Roman" panose="02020603050405020304" pitchFamily="18" charset="0"/>
-                <a:cs typeface="Times New Roman" panose="02020603050405020304" pitchFamily="18" charset="0"/>
-                <a:hlinkClick r:id="rId10"/>
-              </a:rPr>
-              <a:t>/</a:t>
-            </a:r>
-            <a:r>
-              <a:rPr lang="en-US" sz="1600" smtClean="0">
+              <a:t>http://ropensci.github.io/reproducibility-guide/sections/introduction/</a:t>
+            </a:r>
+            <a:r>
+              <a:rPr lang="en-US" sz="1600" dirty="0">
                 <a:latin typeface="Times New Roman" panose="02020603050405020304" pitchFamily="18" charset="0"/>
                 <a:cs typeface="Times New Roman" panose="02020603050405020304" pitchFamily="18" charset="0"/>
               </a:rPr>
@@ -4284,38 +5139,22 @@
           </a:p>
           <a:p>
             <a:r>
-              <a:rPr lang="en-US" sz="1600">
+              <a:rPr lang="en-US" sz="1600" dirty="0">
                 <a:latin typeface="Times New Roman" panose="02020603050405020304" pitchFamily="18" charset="0"/>
                 <a:cs typeface="Times New Roman" panose="02020603050405020304" pitchFamily="18" charset="0"/>
               </a:rPr>
               <a:t>R.D. Peng, </a:t>
             </a:r>
             <a:r>
-              <a:rPr lang="en-US" sz="1600">
+              <a:rPr lang="en-US" sz="1600" dirty="0">
                 <a:latin typeface="Times New Roman" panose="02020603050405020304" pitchFamily="18" charset="0"/>
                 <a:cs typeface="Times New Roman" panose="02020603050405020304" pitchFamily="18" charset="0"/>
                 <a:hlinkClick r:id="rId11"/>
               </a:rPr>
-              <a:t>http</a:t>
-            </a:r>
-            <a:r>
-              <a:rPr lang="en-US" sz="1600">
-                <a:latin typeface="Times New Roman" panose="02020603050405020304" pitchFamily="18" charset="0"/>
-                <a:cs typeface="Times New Roman" panose="02020603050405020304" pitchFamily="18" charset="0"/>
-                <a:hlinkClick r:id="rId11"/>
-              </a:rPr>
-              <a:t>://</a:t>
-            </a:r>
-            <a:r>
-              <a:rPr lang="en-US" sz="1600" smtClean="0">
-                <a:latin typeface="Times New Roman" panose="02020603050405020304" pitchFamily="18" charset="0"/>
-                <a:cs typeface="Times New Roman" panose="02020603050405020304" pitchFamily="18" charset="0"/>
-                <a:hlinkClick r:id="rId11"/>
-              </a:rPr>
-              <a:t>science.sciencemag.org/content/334/6060/1226</a:t>
-            </a:r>
-            <a:r>
-              <a:rPr lang="en-US" sz="1600" smtClean="0">
+              <a:t>http://science.sciencemag.org/content/334/6060/1226</a:t>
+            </a:r>
+            <a:r>
+              <a:rPr lang="en-US" sz="1600" dirty="0">
                 <a:latin typeface="Times New Roman" panose="02020603050405020304" pitchFamily="18" charset="0"/>
                 <a:cs typeface="Times New Roman" panose="02020603050405020304" pitchFamily="18" charset="0"/>
               </a:rPr>
@@ -4324,38 +5163,29 @@
           </a:p>
           <a:p>
             <a:r>
-              <a:rPr lang="en-US" sz="1600">
-                <a:latin typeface="Times New Roman" panose="02020603050405020304" pitchFamily="18" charset="0"/>
-                <a:cs typeface="Times New Roman" panose="02020603050405020304" pitchFamily="18" charset="0"/>
-              </a:rPr>
-              <a:t>Varoquaux, </a:t>
-            </a:r>
-            <a:r>
-              <a:rPr lang="en-US" sz="1600">
+              <a:rPr lang="en-US" sz="1600" dirty="0" err="1">
+                <a:latin typeface="Times New Roman" panose="02020603050405020304" pitchFamily="18" charset="0"/>
+                <a:cs typeface="Times New Roman" panose="02020603050405020304" pitchFamily="18" charset="0"/>
+              </a:rPr>
+              <a:t>Varoquaux</a:t>
+            </a:r>
+            <a:r>
+              <a:rPr lang="en-US" sz="1600" dirty="0">
+                <a:latin typeface="Times New Roman" panose="02020603050405020304" pitchFamily="18" charset="0"/>
+                <a:cs typeface="Times New Roman" panose="02020603050405020304" pitchFamily="18" charset="0"/>
+              </a:rPr>
+              <a:t>, </a:t>
+            </a:r>
+            <a:r>
+              <a:rPr lang="en-US" sz="1600" dirty="0">
                 <a:latin typeface="Times New Roman" panose="02020603050405020304" pitchFamily="18" charset="0"/>
                 <a:cs typeface="Times New Roman" panose="02020603050405020304" pitchFamily="18" charset="0"/>
                 <a:hlinkClick r:id="rId12"/>
               </a:rPr>
-              <a:t>http</a:t>
-            </a:r>
-            <a:r>
-              <a:rPr lang="en-US" sz="1600">
-                <a:latin typeface="Times New Roman" panose="02020603050405020304" pitchFamily="18" charset="0"/>
-                <a:cs typeface="Times New Roman" panose="02020603050405020304" pitchFamily="18" charset="0"/>
-                <a:hlinkClick r:id="rId12"/>
-              </a:rPr>
-              <a:t>://</a:t>
-            </a:r>
-            <a:r>
-              <a:rPr lang="en-US" sz="1600" smtClean="0">
-                <a:latin typeface="Times New Roman" panose="02020603050405020304" pitchFamily="18" charset="0"/>
-                <a:cs typeface="Times New Roman" panose="02020603050405020304" pitchFamily="18" charset="0"/>
-                <a:hlinkClick r:id="rId12"/>
-              </a:rPr>
-              <a:t>gael-varoquaux.info/programming/beyond-computational-reproducibility-let-us-aim-for-reusability.html</a:t>
-            </a:r>
-            <a:r>
-              <a:rPr lang="en-US" sz="1600" smtClean="0">
+              <a:t>http://gael-varoquaux.info/programming/beyond-computational-reproducibility-let-us-aim-for-reusability.html</a:t>
+            </a:r>
+            <a:r>
+              <a:rPr lang="en-US" sz="1600" dirty="0">
                 <a:latin typeface="Times New Roman" panose="02020603050405020304" pitchFamily="18" charset="0"/>
                 <a:cs typeface="Times New Roman" panose="02020603050405020304" pitchFamily="18" charset="0"/>
               </a:rPr>
@@ -4364,38 +5194,36 @@
           </a:p>
           <a:p>
             <a:r>
-              <a:rPr lang="en-US" sz="1600">
-                <a:latin typeface="Times New Roman" panose="02020603050405020304" pitchFamily="18" charset="0"/>
-                <a:cs typeface="Times New Roman" panose="02020603050405020304" pitchFamily="18" charset="0"/>
-              </a:rPr>
-              <a:t>Freire, Bonnet &amp; Shasha, </a:t>
-            </a:r>
-            <a:r>
-              <a:rPr lang="en-US" sz="1600">
+              <a:rPr lang="en-US" sz="1600" dirty="0">
+                <a:latin typeface="Times New Roman" panose="02020603050405020304" pitchFamily="18" charset="0"/>
+                <a:cs typeface="Times New Roman" panose="02020603050405020304" pitchFamily="18" charset="0"/>
+              </a:rPr>
+              <a:t>Freire, Bonnet &amp; </a:t>
+            </a:r>
+            <a:r>
+              <a:rPr lang="en-US" sz="1600" dirty="0" err="1">
+                <a:latin typeface="Times New Roman" panose="02020603050405020304" pitchFamily="18" charset="0"/>
+                <a:cs typeface="Times New Roman" panose="02020603050405020304" pitchFamily="18" charset="0"/>
+              </a:rPr>
+              <a:t>Shasha</a:t>
+            </a:r>
+            <a:r>
+              <a:rPr lang="en-US" sz="1600" dirty="0">
+                <a:latin typeface="Times New Roman" panose="02020603050405020304" pitchFamily="18" charset="0"/>
+                <a:cs typeface="Times New Roman" panose="02020603050405020304" pitchFamily="18" charset="0"/>
+              </a:rPr>
+              <a:t>, </a:t>
+            </a:r>
+            <a:r>
+              <a:rPr lang="en-US" sz="1600" dirty="0">
                 <a:latin typeface="Times New Roman" panose="02020603050405020304" pitchFamily="18" charset="0"/>
                 <a:cs typeface="Times New Roman" panose="02020603050405020304" pitchFamily="18" charset="0"/>
                 <a:hlinkClick r:id="rId13"/>
               </a:rPr>
-              <a:t>https</a:t>
-            </a:r>
-            <a:r>
-              <a:rPr lang="en-US" sz="1600">
-                <a:latin typeface="Times New Roman" panose="02020603050405020304" pitchFamily="18" charset="0"/>
-                <a:cs typeface="Times New Roman" panose="02020603050405020304" pitchFamily="18" charset="0"/>
-                <a:hlinkClick r:id="rId13"/>
-              </a:rPr>
-              <a:t>://</a:t>
-            </a:r>
-            <a:r>
-              <a:rPr lang="en-US" sz="1600" smtClean="0">
-                <a:latin typeface="Times New Roman" panose="02020603050405020304" pitchFamily="18" charset="0"/>
-                <a:cs typeface="Times New Roman" panose="02020603050405020304" pitchFamily="18" charset="0"/>
-                <a:hlinkClick r:id="rId13"/>
-              </a:rPr>
-              <a:t>pdfs.semanticscholar.org/57ee/c0917fc84716e5748c2e94139ab156db3ada.pdf</a:t>
-            </a:r>
-            <a:r>
-              <a:rPr lang="en-US" sz="1600" smtClean="0">
+              <a:t>https://pdfs.semanticscholar.org/57ee/c0917fc84716e5748c2e94139ab156db3ada.pdf</a:t>
+            </a:r>
+            <a:r>
+              <a:rPr lang="en-US" sz="1600" dirty="0">
                 <a:latin typeface="Times New Roman" panose="02020603050405020304" pitchFamily="18" charset="0"/>
                 <a:cs typeface="Times New Roman" panose="02020603050405020304" pitchFamily="18" charset="0"/>
               </a:rPr>
@@ -4404,38 +5232,22 @@
           </a:p>
           <a:p>
             <a:r>
-              <a:rPr lang="en-US" sz="1600">
+              <a:rPr lang="en-US" sz="1600" dirty="0">
                 <a:latin typeface="Times New Roman" panose="02020603050405020304" pitchFamily="18" charset="0"/>
                 <a:cs typeface="Times New Roman" panose="02020603050405020304" pitchFamily="18" charset="0"/>
               </a:rPr>
               <a:t>Barba, </a:t>
             </a:r>
             <a:r>
-              <a:rPr lang="en-US" sz="1600">
+              <a:rPr lang="en-US" sz="1600" dirty="0">
                 <a:latin typeface="Times New Roman" panose="02020603050405020304" pitchFamily="18" charset="0"/>
                 <a:cs typeface="Times New Roman" panose="02020603050405020304" pitchFamily="18" charset="0"/>
                 <a:hlinkClick r:id="rId14"/>
               </a:rPr>
-              <a:t>https</a:t>
-            </a:r>
-            <a:r>
-              <a:rPr lang="en-US" sz="1600">
-                <a:latin typeface="Times New Roman" panose="02020603050405020304" pitchFamily="18" charset="0"/>
-                <a:cs typeface="Times New Roman" panose="02020603050405020304" pitchFamily="18" charset="0"/>
-                <a:hlinkClick r:id="rId14"/>
-              </a:rPr>
-              <a:t>://</a:t>
-            </a:r>
-            <a:r>
-              <a:rPr lang="en-US" sz="1600" smtClean="0">
-                <a:latin typeface="Times New Roman" panose="02020603050405020304" pitchFamily="18" charset="0"/>
-                <a:cs typeface="Times New Roman" panose="02020603050405020304" pitchFamily="18" charset="0"/>
-                <a:hlinkClick r:id="rId14"/>
-              </a:rPr>
-              <a:t>speakerdeck.com/labarba/introduction-to-computational-reproducibility-and-why-we-care</a:t>
-            </a:r>
-            <a:r>
-              <a:rPr lang="en-US" sz="1600" smtClean="0">
+              <a:t>https://speakerdeck.com/labarba/introduction-to-computational-reproducibility-and-why-we-care</a:t>
+            </a:r>
+            <a:r>
+              <a:rPr lang="en-US" sz="1600" dirty="0">
                 <a:latin typeface="Times New Roman" panose="02020603050405020304" pitchFamily="18" charset="0"/>
                 <a:cs typeface="Times New Roman" panose="02020603050405020304" pitchFamily="18" charset="0"/>
               </a:rPr>
@@ -4444,52 +5256,43 @@
           </a:p>
           <a:p>
             <a:r>
-              <a:rPr lang="en-US" sz="1600" smtClean="0">
-                <a:latin typeface="Times New Roman" panose="02020603050405020304" pitchFamily="18" charset="0"/>
-                <a:cs typeface="Times New Roman" panose="02020603050405020304" pitchFamily="18" charset="0"/>
-              </a:rPr>
-              <a:t>Sandve </a:t>
-            </a:r>
-            <a:r>
-              <a:rPr lang="en-US" sz="1600" i="1" smtClean="0">
+              <a:rPr lang="en-US" sz="1600" dirty="0" err="1">
+                <a:latin typeface="Times New Roman" panose="02020603050405020304" pitchFamily="18" charset="0"/>
+                <a:cs typeface="Times New Roman" panose="02020603050405020304" pitchFamily="18" charset="0"/>
+              </a:rPr>
+              <a:t>Sandve</a:t>
+            </a:r>
+            <a:r>
+              <a:rPr lang="en-US" sz="1600" dirty="0">
+                <a:latin typeface="Times New Roman" panose="02020603050405020304" pitchFamily="18" charset="0"/>
+                <a:cs typeface="Times New Roman" panose="02020603050405020304" pitchFamily="18" charset="0"/>
+              </a:rPr>
+              <a:t> </a:t>
+            </a:r>
+            <a:r>
+              <a:rPr lang="en-US" sz="1600" i="1" dirty="0">
                 <a:latin typeface="Times New Roman" panose="02020603050405020304" pitchFamily="18" charset="0"/>
                 <a:cs typeface="Times New Roman" panose="02020603050405020304" pitchFamily="18" charset="0"/>
               </a:rPr>
               <a:t>et al</a:t>
             </a:r>
             <a:r>
-              <a:rPr lang="en-US" sz="1600">
+              <a:rPr lang="en-US" sz="1600" dirty="0">
                 <a:latin typeface="Times New Roman" panose="02020603050405020304" pitchFamily="18" charset="0"/>
                 <a:cs typeface="Times New Roman" panose="02020603050405020304" pitchFamily="18" charset="0"/>
               </a:rPr>
               <a:t>., </a:t>
             </a:r>
             <a:r>
-              <a:rPr lang="en-US" sz="1600">
+              <a:rPr lang="en-US" sz="1600" dirty="0">
                 <a:latin typeface="Times New Roman" panose="02020603050405020304" pitchFamily="18" charset="0"/>
                 <a:cs typeface="Times New Roman" panose="02020603050405020304" pitchFamily="18" charset="0"/>
                 <a:hlinkClick r:id="rId15"/>
               </a:rPr>
-              <a:t>http</a:t>
-            </a:r>
-            <a:r>
-              <a:rPr lang="en-US" sz="1600">
-                <a:latin typeface="Times New Roman" panose="02020603050405020304" pitchFamily="18" charset="0"/>
-                <a:cs typeface="Times New Roman" panose="02020603050405020304" pitchFamily="18" charset="0"/>
-                <a:hlinkClick r:id="rId15"/>
-              </a:rPr>
-              <a:t>://</a:t>
-            </a:r>
-            <a:r>
-              <a:rPr lang="en-US" sz="1600" smtClean="0">
-                <a:latin typeface="Times New Roman" panose="02020603050405020304" pitchFamily="18" charset="0"/>
-                <a:cs typeface="Times New Roman" panose="02020603050405020304" pitchFamily="18" charset="0"/>
-                <a:hlinkClick r:id="rId15"/>
-              </a:rPr>
-              <a:t>journals.plos.org/ploscompbiol/article?id=10.1371/journal.pcbi.1003285</a:t>
-            </a:r>
-            <a:r>
-              <a:rPr lang="en-US" sz="1600" smtClean="0">
+              <a:t>http://journals.plos.org/ploscompbiol/article?id=10.1371/journal.pcbi.1003285</a:t>
+            </a:r>
+            <a:r>
+              <a:rPr lang="en-US" sz="1600" dirty="0">
                 <a:latin typeface="Times New Roman" panose="02020603050405020304" pitchFamily="18" charset="0"/>
                 <a:cs typeface="Times New Roman" panose="02020603050405020304" pitchFamily="18" charset="0"/>
               </a:rPr>
@@ -4498,38 +5301,22 @@
           </a:p>
           <a:p>
             <a:r>
-              <a:rPr lang="en-US" sz="1600">
+              <a:rPr lang="en-US" sz="1600" dirty="0">
                 <a:latin typeface="Times New Roman" panose="02020603050405020304" pitchFamily="18" charset="0"/>
                 <a:cs typeface="Times New Roman" panose="02020603050405020304" pitchFamily="18" charset="0"/>
               </a:rPr>
               <a:t>Computational Reproducibility Workshop, </a:t>
             </a:r>
             <a:r>
-              <a:rPr lang="en-US" sz="1600">
+              <a:rPr lang="en-US" sz="1600" dirty="0">
                 <a:latin typeface="Times New Roman" panose="02020603050405020304" pitchFamily="18" charset="0"/>
                 <a:cs typeface="Times New Roman" panose="02020603050405020304" pitchFamily="18" charset="0"/>
                 <a:hlinkClick r:id="rId16"/>
               </a:rPr>
-              <a:t>https</a:t>
-            </a:r>
-            <a:r>
-              <a:rPr lang="en-US" sz="1600">
-                <a:latin typeface="Times New Roman" panose="02020603050405020304" pitchFamily="18" charset="0"/>
-                <a:cs typeface="Times New Roman" panose="02020603050405020304" pitchFamily="18" charset="0"/>
-                <a:hlinkClick r:id="rId16"/>
-              </a:rPr>
-              <a:t>://</a:t>
-            </a:r>
-            <a:r>
-              <a:rPr lang="en-US" sz="1600" smtClean="0">
-                <a:latin typeface="Times New Roman" panose="02020603050405020304" pitchFamily="18" charset="0"/>
-                <a:cs typeface="Times New Roman" panose="02020603050405020304" pitchFamily="18" charset="0"/>
-                <a:hlinkClick r:id="rId16"/>
-              </a:rPr>
-              <a:t>codeocean.com/workshops/computational-reproducibility</a:t>
-            </a:r>
-            <a:r>
-              <a:rPr lang="en-US" sz="1600" smtClean="0">
+              <a:t>https://codeocean.com/workshops/computational-reproducibility</a:t>
+            </a:r>
+            <a:r>
+              <a:rPr lang="en-US" sz="1600" dirty="0">
                 <a:latin typeface="Times New Roman" panose="02020603050405020304" pitchFamily="18" charset="0"/>
                 <a:cs typeface="Times New Roman" panose="02020603050405020304" pitchFamily="18" charset="0"/>
               </a:rPr>
@@ -4538,38 +5325,29 @@
           </a:p>
           <a:p>
             <a:r>
-              <a:rPr lang="en-US" sz="1600">
-                <a:latin typeface="Times New Roman" panose="02020603050405020304" pitchFamily="18" charset="0"/>
-                <a:cs typeface="Times New Roman" panose="02020603050405020304" pitchFamily="18" charset="0"/>
-              </a:rPr>
-              <a:t>Montagano &amp; Green, </a:t>
-            </a:r>
-            <a:r>
-              <a:rPr lang="en-US" sz="1600">
+              <a:rPr lang="en-US" sz="1600" dirty="0" err="1">
+                <a:latin typeface="Times New Roman" panose="02020603050405020304" pitchFamily="18" charset="0"/>
+                <a:cs typeface="Times New Roman" panose="02020603050405020304" pitchFamily="18" charset="0"/>
+              </a:rPr>
+              <a:t>Montagano</a:t>
+            </a:r>
+            <a:r>
+              <a:rPr lang="en-US" sz="1600" dirty="0">
+                <a:latin typeface="Times New Roman" panose="02020603050405020304" pitchFamily="18" charset="0"/>
+                <a:cs typeface="Times New Roman" panose="02020603050405020304" pitchFamily="18" charset="0"/>
+              </a:rPr>
+              <a:t> &amp; Green, </a:t>
+            </a:r>
+            <a:r>
+              <a:rPr lang="en-US" sz="1600" dirty="0">
                 <a:latin typeface="Times New Roman" panose="02020603050405020304" pitchFamily="18" charset="0"/>
                 <a:cs typeface="Times New Roman" panose="02020603050405020304" pitchFamily="18" charset="0"/>
                 <a:hlinkClick r:id="rId17"/>
               </a:rPr>
-              <a:t>https</a:t>
-            </a:r>
-            <a:r>
-              <a:rPr lang="en-US" sz="1600">
-                <a:latin typeface="Times New Roman" panose="02020603050405020304" pitchFamily="18" charset="0"/>
-                <a:cs typeface="Times New Roman" panose="02020603050405020304" pitchFamily="18" charset="0"/>
-                <a:hlinkClick r:id="rId17"/>
-              </a:rPr>
-              <a:t>://</a:t>
-            </a:r>
-            <a:r>
-              <a:rPr lang="en-US" sz="1600" smtClean="0">
-                <a:latin typeface="Times New Roman" panose="02020603050405020304" pitchFamily="18" charset="0"/>
-                <a:cs typeface="Times New Roman" panose="02020603050405020304" pitchFamily="18" charset="0"/>
-                <a:hlinkClick r:id="rId17"/>
-              </a:rPr>
-              <a:t>codeocean.com/webinar/editor</a:t>
-            </a:r>
-            <a:r>
-              <a:rPr lang="en-US" sz="1600" smtClean="0">
+              <a:t>https://codeocean.com/webinar/editor</a:t>
+            </a:r>
+            <a:r>
+              <a:rPr lang="en-US" sz="1600" dirty="0">
                 <a:latin typeface="Times New Roman" panose="02020603050405020304" pitchFamily="18" charset="0"/>
                 <a:cs typeface="Times New Roman" panose="02020603050405020304" pitchFamily="18" charset="0"/>
               </a:rPr>
@@ -4577,7 +5355,7 @@
             </a:r>
           </a:p>
           <a:p>
-            <a:endParaRPr lang="en-US" sz="1600">
+            <a:endParaRPr lang="en-US" sz="1600" dirty="0">
               <a:latin typeface="Times New Roman" panose="02020603050405020304" pitchFamily="18" charset="0"/>
               <a:cs typeface="Times New Roman" panose="02020603050405020304" pitchFamily="18" charset="0"/>
             </a:endParaRPr>
@@ -4597,7 +5375,7 @@
 </p:sld>
 </file>
 
-<file path=ppt/slides/slide4.xml><?xml version="1.0" encoding="utf-8"?>
+<file path=ppt/slides/slide6.xml><?xml version="1.0" encoding="utf-8"?>
 <p:sld xmlns:a="http://schemas.openxmlformats.org/drawingml/2006/main" xmlns:r="http://schemas.openxmlformats.org/officeDocument/2006/relationships" xmlns:p="http://schemas.openxmlformats.org/presentationml/2006/main">
   <p:cSld>
     <p:spTree>
@@ -5112,7 +5890,7 @@
 </p:sld>
 </file>
 
-<file path=ppt/slides/slide5.xml><?xml version="1.0" encoding="utf-8"?>
+<file path=ppt/slides/slide7.xml><?xml version="1.0" encoding="utf-8"?>
 <p:sld xmlns:a="http://schemas.openxmlformats.org/drawingml/2006/main" xmlns:r="http://schemas.openxmlformats.org/officeDocument/2006/relationships" xmlns:p="http://schemas.openxmlformats.org/presentationml/2006/main">
   <p:cSld>
     <p:spTree>
@@ -5291,502 +6069,6 @@
 </p:sld>
 </file>
 
-<file path=ppt/slides/slide6.xml><?xml version="1.0" encoding="utf-8"?>
-<p:sld xmlns:a="http://schemas.openxmlformats.org/drawingml/2006/main" xmlns:r="http://schemas.openxmlformats.org/officeDocument/2006/relationships" xmlns:p="http://schemas.openxmlformats.org/presentationml/2006/main">
-  <p:cSld>
-    <p:spTree>
-      <p:nvGrpSpPr>
-        <p:cNvPr id="1" name=""/>
-        <p:cNvGrpSpPr/>
-        <p:nvPr/>
-      </p:nvGrpSpPr>
-      <p:grpSpPr>
-        <a:xfrm>
-          <a:off x="0" y="0"/>
-          <a:ext cx="0" cy="0"/>
-          <a:chOff x="0" y="0"/>
-          <a:chExt cx="0" cy="0"/>
-        </a:xfrm>
-      </p:grpSpPr>
-      <p:sp>
-        <p:nvSpPr>
-          <p:cNvPr id="2" name="Title 1"/>
-          <p:cNvSpPr>
-            <a:spLocks noGrp="1"/>
-          </p:cNvSpPr>
-          <p:nvPr>
-            <p:ph type="title"/>
-          </p:nvPr>
-        </p:nvSpPr>
-        <p:spPr>
-          <a:xfrm>
-            <a:off x="1230922" y="290136"/>
-            <a:ext cx="7760677" cy="589085"/>
-          </a:xfrm>
-        </p:spPr>
-        <p:txBody>
-          <a:bodyPr>
-            <a:normAutofit/>
-          </a:bodyPr>
-          <a:lstStyle/>
-          <a:p>
-            <a:r>
-              <a:rPr lang="en-US" dirty="0"/>
-              <a:t>Delivering Codes via Docker Images</a:t>
-            </a:r>
-          </a:p>
-        </p:txBody>
-      </p:sp>
-      <p:sp>
-        <p:nvSpPr>
-          <p:cNvPr id="3" name="Content Placeholder 2"/>
-          <p:cNvSpPr>
-            <a:spLocks noGrp="1"/>
-          </p:cNvSpPr>
-          <p:nvPr>
-            <p:ph idx="1"/>
-          </p:nvPr>
-        </p:nvSpPr>
-        <p:spPr>
-          <a:xfrm>
-            <a:off x="152400" y="1292464"/>
-            <a:ext cx="8839200" cy="5011617"/>
-          </a:xfrm>
-        </p:spPr>
-        <p:txBody>
-          <a:bodyPr>
-            <a:normAutofit lnSpcReduction="10000"/>
-          </a:bodyPr>
-          <a:lstStyle/>
-          <a:p>
-            <a:r>
-              <a:rPr lang="en-US" sz="2000" i="0" dirty="0"/>
-              <a:t>Seven particle accelerator codes are available </a:t>
-            </a:r>
-            <a:r>
-              <a:rPr lang="en-US" sz="2000" i="0" dirty="0">
-                <a:solidFill>
-                  <a:srgbClr val="FF0000"/>
-                </a:solidFill>
-              </a:rPr>
-              <a:t>(more on the way)</a:t>
-            </a:r>
-          </a:p>
-          <a:p>
-            <a:pPr lvl="1"/>
-            <a:r>
-              <a:rPr lang="en-US" sz="1800" i="0" dirty="0"/>
-              <a:t>X-ray:      SRW, Shadow3</a:t>
-            </a:r>
-          </a:p>
-          <a:p>
-            <a:pPr lvl="1"/>
-            <a:r>
-              <a:rPr lang="en-US" sz="1800" i="0" dirty="0"/>
-              <a:t>Beams:   Synergia, Warp, Elegant/SDDS, Hellweg</a:t>
-            </a:r>
-          </a:p>
-          <a:p>
-            <a:pPr lvl="2"/>
-            <a:r>
-              <a:rPr lang="en-US" sz="1600" b="1" i="0" dirty="0"/>
-              <a:t>coming soon:  MAD-X, PTC</a:t>
-            </a:r>
-          </a:p>
-          <a:p>
-            <a:pPr lvl="1"/>
-            <a:r>
-              <a:rPr lang="en-US" sz="1800" i="0" dirty="0"/>
-              <a:t>FELs:        Genesis v.2</a:t>
-            </a:r>
-          </a:p>
-          <a:p>
-            <a:r>
-              <a:rPr lang="en-US" sz="2000" i="0" dirty="0"/>
-              <a:t>Three user interface (UI) modes are supported: </a:t>
-            </a:r>
-          </a:p>
-          <a:p>
-            <a:pPr lvl="1"/>
-            <a:r>
-              <a:rPr lang="en-US" sz="1800" i="0" dirty="0"/>
-              <a:t>Sirepo (GUI);  Jupyter (IPython notebooks);  command-line (CLI)</a:t>
-            </a:r>
-          </a:p>
-          <a:p>
-            <a:r>
-              <a:rPr lang="en-US" sz="2000" i="0" dirty="0"/>
-              <a:t>Automated build/test/release to Docker Hub and to PyPI</a:t>
-            </a:r>
-          </a:p>
-          <a:p>
-            <a:r>
-              <a:rPr lang="en-US" sz="2000" i="0" dirty="0"/>
-              <a:t>One command to download/install/run:</a:t>
-            </a:r>
-            <a:endParaRPr lang="en-US" i="0" dirty="0"/>
-          </a:p>
-          <a:p>
-            <a:pPr marL="0" indent="0">
-              <a:spcBef>
-                <a:spcPts val="600"/>
-              </a:spcBef>
-              <a:buNone/>
-            </a:pPr>
-            <a:r>
-              <a:rPr lang="en-US" sz="2000" i="0" dirty="0">
-                <a:latin typeface="Courier New" panose="02070309020205020404" pitchFamily="49" charset="0"/>
-                <a:cs typeface="Courier New" panose="02070309020205020404" pitchFamily="49" charset="0"/>
-              </a:rPr>
-              <a:t>         &gt;  docker run –p 8000:8000 radiasoft/sirepo</a:t>
-            </a:r>
-            <a:endParaRPr lang="en-US" i="0" dirty="0">
-              <a:latin typeface="Courier New" panose="02070309020205020404" pitchFamily="49" charset="0"/>
-              <a:cs typeface="Courier New" panose="02070309020205020404" pitchFamily="49" charset="0"/>
-            </a:endParaRPr>
-          </a:p>
-          <a:p>
-            <a:pPr lvl="2"/>
-            <a:endParaRPr lang="en-US" sz="1400" i="0" dirty="0"/>
-          </a:p>
-          <a:p>
-            <a:r>
-              <a:rPr lang="en-US" sz="2000" i="0" dirty="0"/>
-              <a:t>RadiaSoft code on GitHub:    </a:t>
-            </a:r>
-            <a:r>
-              <a:rPr lang="en-US" sz="1600" i="0" u="sng" dirty="0">
-                <a:solidFill>
-                  <a:srgbClr val="000000"/>
-                </a:solidFill>
-                <a:latin typeface="Courier New" panose="02070309020205020404" pitchFamily="49" charset="0"/>
-                <a:hlinkClick r:id="rId3"/>
-              </a:rPr>
-              <a:t>http://sirepo.com</a:t>
-            </a:r>
-            <a:r>
-              <a:rPr lang="en-US" sz="1600" i="0" dirty="0">
-                <a:solidFill>
-                  <a:srgbClr val="000000"/>
-                </a:solidFill>
-              </a:rPr>
-              <a:t>          </a:t>
-            </a:r>
-            <a:r>
-              <a:rPr lang="en-US" sz="1600" i="0" dirty="0">
-                <a:solidFill>
-                  <a:srgbClr val="0070C0"/>
-                </a:solidFill>
-              </a:rPr>
-              <a:t>(primary repo)</a:t>
-            </a:r>
-            <a:endParaRPr lang="en-US" sz="2000" i="0" dirty="0">
-              <a:solidFill>
-                <a:srgbClr val="0070C0"/>
-              </a:solidFill>
-            </a:endParaRPr>
-          </a:p>
-          <a:p>
-            <a:pPr marL="457200" lvl="1" indent="0">
-              <a:buNone/>
-            </a:pPr>
-            <a:r>
-              <a:rPr lang="en-US" sz="1600" i="0" dirty="0">
-                <a:cs typeface="Courier New" panose="02070309020205020404" pitchFamily="49" charset="0"/>
-              </a:rPr>
-              <a:t>                                                               </a:t>
-            </a:r>
-            <a:r>
-              <a:rPr lang="en-US" sz="1600" i="0" dirty="0">
-                <a:latin typeface="Courier New" panose="02070309020205020404" pitchFamily="49" charset="0"/>
-                <a:cs typeface="Courier New" panose="02070309020205020404" pitchFamily="49" charset="0"/>
-                <a:hlinkClick r:id="rId4"/>
-              </a:rPr>
-              <a:t>https://github.com/radiasoft</a:t>
-            </a:r>
-            <a:r>
-              <a:rPr lang="en-US" sz="1600" i="0" dirty="0">
-                <a:latin typeface="Courier New" panose="02070309020205020404" pitchFamily="49" charset="0"/>
-                <a:cs typeface="Courier New" panose="02070309020205020404" pitchFamily="49" charset="0"/>
-              </a:rPr>
-              <a:t>  </a:t>
-            </a:r>
-            <a:r>
-              <a:rPr lang="en-US" sz="1600" i="0" dirty="0">
-                <a:cs typeface="Courier New" panose="02070309020205020404" pitchFamily="49" charset="0"/>
-              </a:rPr>
-              <a:t>(all)</a:t>
-            </a:r>
-          </a:p>
-          <a:p>
-            <a:pPr lvl="3"/>
-            <a:endParaRPr lang="en-US" sz="1400" i="0" dirty="0">
-              <a:cs typeface="Courier New" panose="02070309020205020404" pitchFamily="49" charset="0"/>
-            </a:endParaRPr>
-          </a:p>
-          <a:p>
-            <a:r>
-              <a:rPr lang="en-US" sz="2000" i="0" dirty="0"/>
-              <a:t>Try it yourself on RadiaSoft servers:  </a:t>
-            </a:r>
-            <a:r>
-              <a:rPr lang="en-US" sz="1600" i="0" dirty="0">
-                <a:latin typeface="Courier New" panose="02070309020205020404" pitchFamily="49" charset="0"/>
-                <a:cs typeface="Courier New" panose="02070309020205020404" pitchFamily="49" charset="0"/>
-                <a:hlinkClick r:id="rId5"/>
-              </a:rPr>
-              <a:t>https://beta.sirepo.com</a:t>
-            </a:r>
-            <a:r>
-              <a:rPr lang="en-US" sz="1800" i="0" dirty="0">
-                <a:latin typeface="Courier New" panose="02070309020205020404" pitchFamily="49" charset="0"/>
-                <a:cs typeface="Courier New" panose="02070309020205020404" pitchFamily="49" charset="0"/>
-              </a:rPr>
-              <a:t> </a:t>
-            </a:r>
-            <a:endParaRPr lang="en-US" sz="2000" i="0" dirty="0"/>
-          </a:p>
-          <a:p>
-            <a:pPr marL="457200" lvl="1" indent="0">
-              <a:buNone/>
-            </a:pPr>
-            <a:r>
-              <a:rPr lang="en-US" sz="1600" i="0" dirty="0"/>
-              <a:t>                                                                           </a:t>
-            </a:r>
-            <a:r>
-              <a:rPr lang="en-US" sz="1600" i="0" dirty="0">
-                <a:latin typeface="Courier New" panose="02070309020205020404" pitchFamily="49" charset="0"/>
-                <a:cs typeface="Courier New" panose="02070309020205020404" pitchFamily="49" charset="0"/>
-                <a:hlinkClick r:id="rId6"/>
-              </a:rPr>
-              <a:t>https://jupyter.radiasoft.org</a:t>
-            </a:r>
-            <a:r>
-              <a:rPr lang="en-US" sz="1600" i="0" dirty="0"/>
-              <a:t> </a:t>
-            </a:r>
-            <a:endParaRPr lang="en-US" sz="1400" i="0" dirty="0">
-              <a:latin typeface="Courier New" panose="02070309020205020404" pitchFamily="49" charset="0"/>
-              <a:cs typeface="Courier New" panose="02070309020205020404" pitchFamily="49" charset="0"/>
-            </a:endParaRPr>
-          </a:p>
-        </p:txBody>
-      </p:sp>
-      <p:sp>
-        <p:nvSpPr>
-          <p:cNvPr id="4" name="TextBox 3"/>
-          <p:cNvSpPr txBox="1"/>
-          <p:nvPr/>
-        </p:nvSpPr>
-        <p:spPr>
-          <a:xfrm>
-            <a:off x="2822331" y="791301"/>
-            <a:ext cx="5284177" cy="369332"/>
-          </a:xfrm>
-          <a:prstGeom prst="rect">
-            <a:avLst/>
-          </a:prstGeom>
-          <a:noFill/>
-        </p:spPr>
-        <p:txBody>
-          <a:bodyPr wrap="square" rtlCol="0">
-            <a:spAutoFit/>
-          </a:bodyPr>
-          <a:lstStyle/>
-          <a:p>
-            <a:r>
-              <a:rPr lang="en-US" dirty="0">
-                <a:latin typeface="Courier New" panose="02070309020205020404" pitchFamily="49" charset="0"/>
-                <a:cs typeface="Courier New" panose="02070309020205020404" pitchFamily="49" charset="0"/>
-                <a:hlinkClick r:id="rId7"/>
-              </a:rPr>
-              <a:t>https://hub.docker.com/r/radiasoft/</a:t>
-            </a:r>
-            <a:r>
-              <a:rPr lang="en-US" dirty="0">
-                <a:latin typeface="Courier New" panose="02070309020205020404" pitchFamily="49" charset="0"/>
-                <a:cs typeface="Courier New" panose="02070309020205020404" pitchFamily="49" charset="0"/>
-              </a:rPr>
-              <a:t> </a:t>
-            </a:r>
-          </a:p>
-        </p:txBody>
-      </p:sp>
-    </p:spTree>
-    <p:extLst>
-      <p:ext uri="{BB962C8B-B14F-4D97-AF65-F5344CB8AC3E}">
-        <p14:creationId xmlns:p14="http://schemas.microsoft.com/office/powerpoint/2010/main" val="1528542507"/>
-      </p:ext>
-    </p:extLst>
-  </p:cSld>
-  <p:clrMapOvr>
-    <a:masterClrMapping/>
-  </p:clrMapOvr>
-</p:sld>
-</file>
-
-<file path=ppt/slides/slide7.xml><?xml version="1.0" encoding="utf-8"?>
-<p:sld xmlns:a="http://schemas.openxmlformats.org/drawingml/2006/main" xmlns:r="http://schemas.openxmlformats.org/officeDocument/2006/relationships" xmlns:p="http://schemas.openxmlformats.org/presentationml/2006/main">
-  <p:cSld>
-    <p:spTree>
-      <p:nvGrpSpPr>
-        <p:cNvPr id="1" name=""/>
-        <p:cNvGrpSpPr/>
-        <p:nvPr/>
-      </p:nvGrpSpPr>
-      <p:grpSpPr>
-        <a:xfrm>
-          <a:off x="0" y="0"/>
-          <a:ext cx="0" cy="0"/>
-          <a:chOff x="0" y="0"/>
-          <a:chExt cx="0" cy="0"/>
-        </a:xfrm>
-      </p:grpSpPr>
-      <p:sp>
-        <p:nvSpPr>
-          <p:cNvPr id="2" name="Title 1"/>
-          <p:cNvSpPr>
-            <a:spLocks noGrp="1"/>
-          </p:cNvSpPr>
-          <p:nvPr>
-            <p:ph type="title"/>
-          </p:nvPr>
-        </p:nvSpPr>
-        <p:spPr>
-          <a:xfrm>
-            <a:off x="975946" y="298936"/>
-            <a:ext cx="8015654" cy="589085"/>
-          </a:xfrm>
-        </p:spPr>
-        <p:txBody>
-          <a:bodyPr>
-            <a:normAutofit/>
-          </a:bodyPr>
-          <a:lstStyle/>
-          <a:p>
-            <a:r>
-              <a:rPr lang="en-US" dirty="0"/>
-              <a:t>Version Management</a:t>
-            </a:r>
-          </a:p>
-        </p:txBody>
-      </p:sp>
-      <p:sp>
-        <p:nvSpPr>
-          <p:cNvPr id="3" name="Content Placeholder 2"/>
-          <p:cNvSpPr>
-            <a:spLocks noGrp="1"/>
-          </p:cNvSpPr>
-          <p:nvPr>
-            <p:ph idx="1"/>
-          </p:nvPr>
-        </p:nvSpPr>
-        <p:spPr>
-          <a:xfrm>
-            <a:off x="152400" y="1002323"/>
-            <a:ext cx="8839200" cy="5161086"/>
-          </a:xfrm>
-        </p:spPr>
-        <p:txBody>
-          <a:bodyPr>
-            <a:normAutofit/>
-          </a:bodyPr>
-          <a:lstStyle/>
-          <a:p>
-            <a:r>
-              <a:rPr lang="en-US" i="0" dirty="0"/>
-              <a:t>Images are identified by chronological version</a:t>
-            </a:r>
-          </a:p>
-          <a:p>
-            <a:pPr lvl="1"/>
-            <a:r>
-              <a:rPr lang="en-US" i="0" dirty="0"/>
-              <a:t>does not interfere with systems used by the code developers</a:t>
-            </a:r>
-          </a:p>
-          <a:p>
-            <a:pPr lvl="1"/>
-            <a:r>
-              <a:rPr lang="en-US" i="0" dirty="0"/>
-              <a:t>provides meaningful versioning, as necessary for reproducibility</a:t>
-            </a:r>
-          </a:p>
-          <a:p>
-            <a:r>
-              <a:rPr lang="en-US" i="0" dirty="0"/>
-              <a:t>Channels are declared for the main git branch:</a:t>
-            </a:r>
-          </a:p>
-          <a:p>
-            <a:pPr lvl="1"/>
-            <a:r>
-              <a:rPr lang="en-US" i="0" dirty="0"/>
-              <a:t>dev    (latest, specified by default)</a:t>
-            </a:r>
-          </a:p>
-          <a:p>
-            <a:pPr lvl="1"/>
-            <a:r>
-              <a:rPr lang="en-US" i="0" dirty="0"/>
-              <a:t>alpha (internal testing)</a:t>
-            </a:r>
-          </a:p>
-          <a:p>
-            <a:pPr lvl="1"/>
-            <a:r>
-              <a:rPr lang="en-US" i="0" dirty="0"/>
-              <a:t>beta   (external testing)</a:t>
-            </a:r>
-          </a:p>
-          <a:p>
-            <a:pPr lvl="1"/>
-            <a:r>
-              <a:rPr lang="en-US" i="0" dirty="0"/>
-              <a:t>prod   (ready for production release)</a:t>
-            </a:r>
-          </a:p>
-          <a:p>
-            <a:r>
-              <a:rPr lang="en-US" i="0" dirty="0"/>
-              <a:t>Each container image includes a ‘manifest’</a:t>
-            </a:r>
-          </a:p>
-          <a:p>
-            <a:pPr lvl="1"/>
-            <a:r>
-              <a:rPr lang="en-US" i="0" dirty="0"/>
-              <a:t>describes the image &amp; codes,   rsmanifest.json</a:t>
-            </a:r>
-          </a:p>
-          <a:p>
-            <a:r>
-              <a:rPr lang="en-US" i="0" dirty="0"/>
-              <a:t>Source code for each application is stored in the image</a:t>
-            </a:r>
-          </a:p>
-          <a:p>
-            <a:r>
-              <a:rPr lang="en-US" i="0" dirty="0"/>
-              <a:t>Code versions/commits can be queried by simulations</a:t>
-            </a:r>
-          </a:p>
-        </p:txBody>
-      </p:sp>
-    </p:spTree>
-    <p:extLst>
-      <p:ext uri="{BB962C8B-B14F-4D97-AF65-F5344CB8AC3E}">
-        <p14:creationId xmlns:p14="http://schemas.microsoft.com/office/powerpoint/2010/main" val="2525692851"/>
-      </p:ext>
-    </p:extLst>
-  </p:cSld>
-  <p:clrMapOvr>
-    <a:masterClrMapping/>
-  </p:clrMapOvr>
-</p:sld>
-</file>
-
 <file path=ppt/slides/slide8.xml><?xml version="1.0" encoding="utf-8"?>
 <p:sld xmlns:a="http://schemas.openxmlformats.org/drawingml/2006/main" xmlns:r="http://schemas.openxmlformats.org/officeDocument/2006/relationships" xmlns:p="http://schemas.openxmlformats.org/presentationml/2006/main">
   <p:cSld>
@@ -5816,8 +6098,8 @@
         </p:nvSpPr>
         <p:spPr>
           <a:xfrm>
-            <a:off x="975946" y="172117"/>
-            <a:ext cx="8015654" cy="589085"/>
+            <a:off x="1230922" y="290136"/>
+            <a:ext cx="7760677" cy="589085"/>
           </a:xfrm>
         </p:spPr>
         <p:txBody>
@@ -5828,7 +6110,7 @@
           <a:p>
             <a:r>
               <a:rPr lang="en-US" dirty="0"/>
-              <a:t>The Browser is the Scientific UI</a:t>
+              <a:t>Delivering Codes via Docker Images</a:t>
             </a:r>
           </a:p>
         </p:txBody>
@@ -5845,168 +6127,274 @@
         </p:nvSpPr>
         <p:spPr>
           <a:xfrm>
-            <a:off x="698242" y="2857500"/>
-            <a:ext cx="8120444" cy="3209184"/>
+            <a:off x="152400" y="1292464"/>
+            <a:ext cx="8839200" cy="5011617"/>
           </a:xfrm>
         </p:spPr>
         <p:txBody>
           <a:bodyPr>
-            <a:normAutofit/>
+            <a:normAutofit lnSpcReduction="10000"/>
           </a:bodyPr>
           <a:lstStyle/>
           <a:p>
             <a:r>
-              <a:rPr lang="en-US" sz="2800" i="0" dirty="0"/>
-              <a:t>Easy sharing via links  (&amp; many other ways)</a:t>
-            </a:r>
-          </a:p>
-          <a:p>
-            <a:r>
-              <a:rPr lang="en-US" sz="2800" i="0" dirty="0"/>
-              <a:t>Nothing to </a:t>
-            </a:r>
-            <a:r>
-              <a:rPr lang="en-US" sz="2800" dirty="0"/>
-              <a:t>compile</a:t>
-            </a:r>
-            <a:r>
-              <a:rPr lang="en-US" sz="2800" i="0" dirty="0"/>
-              <a:t> or </a:t>
-            </a:r>
-            <a:r>
-              <a:rPr lang="en-US" sz="2800" dirty="0"/>
-              <a:t>build</a:t>
-            </a:r>
-            <a:r>
-              <a:rPr lang="en-US" sz="2800" i="0" dirty="0"/>
-              <a:t> or </a:t>
-            </a:r>
-            <a:r>
-              <a:rPr lang="en-US" sz="2800" dirty="0"/>
-              <a:t>install</a:t>
-            </a:r>
-          </a:p>
-          <a:p>
-            <a:r>
-              <a:rPr lang="en-US" sz="2800" i="0" dirty="0"/>
-              <a:t>Work from either your tablet &amp; desktop</a:t>
-            </a:r>
-          </a:p>
-          <a:p>
-            <a:r>
-              <a:rPr lang="en-US" sz="2800" i="0" dirty="0"/>
-              <a:t>Fast, interactive scientific plotting</a:t>
-            </a:r>
-          </a:p>
-          <a:p>
-            <a:r>
-              <a:rPr lang="en-US" sz="2800" i="0" dirty="0"/>
-              <a:t>Modern JavaScript:</a:t>
+              <a:rPr lang="en-US" sz="2000" i="0" dirty="0"/>
+              <a:t>Seven particle accelerator codes are available </a:t>
+            </a:r>
+            <a:r>
+              <a:rPr lang="en-US" sz="2000" i="0" dirty="0">
+                <a:solidFill>
+                  <a:srgbClr val="FF0000"/>
+                </a:solidFill>
+              </a:rPr>
+              <a:t>(more on the way)</a:t>
             </a:r>
           </a:p>
           <a:p>
             <a:pPr lvl="1"/>
             <a:r>
-              <a:rPr lang="en-US" sz="2400" i="0" dirty="0"/>
-              <a:t>Angular, Bootstrap, D3.js</a:t>
-            </a:r>
-          </a:p>
-        </p:txBody>
-      </p:sp>
-      <p:pic>
-        <p:nvPicPr>
-          <p:cNvPr id="4" name="Picture 3" descr="bootstrap.png"/>
-          <p:cNvPicPr>
-            <a:picLocks noChangeAspect="1"/>
-          </p:cNvPicPr>
+              <a:rPr lang="en-US" sz="1800" i="0" dirty="0"/>
+              <a:t>X-ray:      SRW, Shadow3</a:t>
+            </a:r>
+          </a:p>
+          <a:p>
+            <a:pPr lvl="1"/>
+            <a:r>
+              <a:rPr lang="en-US" sz="1800" i="0" dirty="0"/>
+              <a:t>Beams:   Synergia, Warp, Elegant/SDDS, Hellweg</a:t>
+            </a:r>
+          </a:p>
+          <a:p>
+            <a:pPr lvl="2"/>
+            <a:r>
+              <a:rPr lang="en-US" sz="1600" b="1" i="0" dirty="0"/>
+              <a:t>coming soon:  MAD-X, PTC</a:t>
+            </a:r>
+          </a:p>
+          <a:p>
+            <a:pPr lvl="1"/>
+            <a:r>
+              <a:rPr lang="en-US" sz="1800" i="0" dirty="0"/>
+              <a:t>FELs:        Genesis v.2</a:t>
+            </a:r>
+          </a:p>
+          <a:p>
+            <a:r>
+              <a:rPr lang="en-US" sz="2000" i="0" dirty="0"/>
+              <a:t>Three user interface (UI) modes are supported: </a:t>
+            </a:r>
+          </a:p>
+          <a:p>
+            <a:pPr lvl="1"/>
+            <a:r>
+              <a:rPr lang="en-US" sz="1800" i="0" dirty="0"/>
+              <a:t>Sirepo (GUI);  Jupyter (IPython notebooks);  command-line (CLI)</a:t>
+            </a:r>
+          </a:p>
+          <a:p>
+            <a:r>
+              <a:rPr lang="en-US" sz="2000" i="0" dirty="0"/>
+              <a:t>Automated build/test/release to Docker Hub and to PyPI</a:t>
+            </a:r>
+          </a:p>
+          <a:p>
+            <a:r>
+              <a:rPr lang="en-US" sz="2000" i="0" dirty="0"/>
+              <a:t>One command to download/install/run:</a:t>
+            </a:r>
+            <a:endParaRPr lang="en-US" i="0" dirty="0"/>
+          </a:p>
+          <a:p>
+            <a:pPr marL="0" indent="0">
+              <a:spcBef>
+                <a:spcPts val="600"/>
+              </a:spcBef>
+              <a:buNone/>
+            </a:pPr>
+            <a:r>
+              <a:rPr lang="en-US" sz="2000" i="0" dirty="0">
+                <a:latin typeface="Courier New" panose="02070309020205020404" pitchFamily="49" charset="0"/>
+                <a:cs typeface="Courier New" panose="02070309020205020404" pitchFamily="49" charset="0"/>
+              </a:rPr>
+              <a:t>         &gt;  docker run –p 8000:8000 radiasoft/sirepo</a:t>
+            </a:r>
+            <a:endParaRPr lang="en-US" i="0" dirty="0">
+              <a:latin typeface="Courier New" panose="02070309020205020404" pitchFamily="49" charset="0"/>
+              <a:cs typeface="Courier New" panose="02070309020205020404" pitchFamily="49" charset="0"/>
+            </a:endParaRPr>
+          </a:p>
+          <a:p>
+            <a:pPr lvl="2"/>
+            <a:endParaRPr lang="en-US" sz="1400" i="0" dirty="0"/>
+          </a:p>
+          <a:p>
+            <a:r>
+              <a:rPr lang="en-US" sz="2000" i="0" dirty="0"/>
+              <a:t>RadiaSoft code on GitHub:    </a:t>
+            </a:r>
+            <a:r>
+              <a:rPr lang="en-US" sz="1600" i="0" u="sng" dirty="0">
+                <a:solidFill>
+                  <a:srgbClr val="000000"/>
+                </a:solidFill>
+                <a:latin typeface="Courier New" panose="02070309020205020404" pitchFamily="49" charset="0"/>
+                <a:hlinkClick r:id="rId3"/>
+              </a:rPr>
+              <a:t>http://sirepo.com</a:t>
+            </a:r>
+            <a:r>
+              <a:rPr lang="en-US" sz="1600" i="0" dirty="0">
+                <a:solidFill>
+                  <a:srgbClr val="000000"/>
+                </a:solidFill>
+              </a:rPr>
+              <a:t>          </a:t>
+            </a:r>
+            <a:r>
+              <a:rPr lang="en-US" sz="1600" i="0" dirty="0">
+                <a:solidFill>
+                  <a:srgbClr val="0070C0"/>
+                </a:solidFill>
+              </a:rPr>
+              <a:t>(primary repo)</a:t>
+            </a:r>
+            <a:endParaRPr lang="en-US" sz="2000" i="0" dirty="0">
+              <a:solidFill>
+                <a:srgbClr val="0070C0"/>
+              </a:solidFill>
+            </a:endParaRPr>
+          </a:p>
+          <a:p>
+            <a:pPr marL="457200" lvl="1" indent="0">
+              <a:buNone/>
+            </a:pPr>
+            <a:r>
+              <a:rPr lang="en-US" sz="1600" i="0" dirty="0">
+                <a:cs typeface="Courier New" panose="02070309020205020404" pitchFamily="49" charset="0"/>
+              </a:rPr>
+              <a:t>                                                               </a:t>
+            </a:r>
+            <a:r>
+              <a:rPr lang="en-US" sz="1600" i="0" dirty="0">
+                <a:latin typeface="Courier New" panose="02070309020205020404" pitchFamily="49" charset="0"/>
+                <a:cs typeface="Courier New" panose="02070309020205020404" pitchFamily="49" charset="0"/>
+                <a:hlinkClick r:id="rId4"/>
+              </a:rPr>
+              <a:t>https://github.com/radiasoft</a:t>
+            </a:r>
+            <a:r>
+              <a:rPr lang="en-US" sz="1600" i="0" dirty="0">
+                <a:latin typeface="Courier New" panose="02070309020205020404" pitchFamily="49" charset="0"/>
+                <a:cs typeface="Courier New" panose="02070309020205020404" pitchFamily="49" charset="0"/>
+              </a:rPr>
+              <a:t>  </a:t>
+            </a:r>
+            <a:r>
+              <a:rPr lang="en-US" sz="1600" i="0" dirty="0">
+                <a:cs typeface="Courier New" panose="02070309020205020404" pitchFamily="49" charset="0"/>
+              </a:rPr>
+              <a:t>(all)</a:t>
+            </a:r>
+          </a:p>
+          <a:p>
+            <a:pPr lvl="3"/>
+            <a:endParaRPr lang="en-US" sz="1400" i="0" dirty="0">
+              <a:cs typeface="Courier New" panose="02070309020205020404" pitchFamily="49" charset="0"/>
+            </a:endParaRPr>
+          </a:p>
+          <a:p>
+            <a:r>
+              <a:rPr lang="en-US" sz="2000" i="0" dirty="0"/>
+              <a:t>Try it yourself on RadiaSoft servers:  </a:t>
+            </a:r>
+            <a:r>
+              <a:rPr lang="en-US" sz="1600" i="0" dirty="0">
+                <a:latin typeface="Courier New" panose="02070309020205020404" pitchFamily="49" charset="0"/>
+                <a:cs typeface="Courier New" panose="02070309020205020404" pitchFamily="49" charset="0"/>
+                <a:hlinkClick r:id="rId5"/>
+              </a:rPr>
+              <a:t>https://beta.sirepo.com</a:t>
+            </a:r>
+            <a:r>
+              <a:rPr lang="en-US" sz="1800" i="0" dirty="0">
+                <a:latin typeface="Courier New" panose="02070309020205020404" pitchFamily="49" charset="0"/>
+                <a:cs typeface="Courier New" panose="02070309020205020404" pitchFamily="49" charset="0"/>
+              </a:rPr>
+              <a:t> </a:t>
+            </a:r>
+            <a:endParaRPr lang="en-US" sz="2000" i="0" dirty="0"/>
+          </a:p>
+          <a:p>
+            <a:pPr marL="457200" lvl="1" indent="0">
+              <a:buNone/>
+            </a:pPr>
+            <a:r>
+              <a:rPr lang="en-US" sz="1600" i="0" dirty="0"/>
+              <a:t>                                                                           </a:t>
+            </a:r>
+            <a:r>
+              <a:rPr lang="en-US" sz="1600" i="0" dirty="0">
+                <a:latin typeface="Courier New" panose="02070309020205020404" pitchFamily="49" charset="0"/>
+                <a:cs typeface="Courier New" panose="02070309020205020404" pitchFamily="49" charset="0"/>
+                <a:hlinkClick r:id="rId6"/>
+              </a:rPr>
+              <a:t>https://jupyter.radiasoft.org</a:t>
+            </a:r>
+            <a:r>
+              <a:rPr lang="en-US" sz="1600" i="0" dirty="0"/>
+              <a:t> </a:t>
+            </a:r>
+            <a:endParaRPr lang="en-US" sz="1400" i="0" dirty="0">
+              <a:latin typeface="Courier New" panose="02070309020205020404" pitchFamily="49" charset="0"/>
+              <a:cs typeface="Courier New" panose="02070309020205020404" pitchFamily="49" charset="0"/>
+            </a:endParaRPr>
+          </a:p>
+        </p:txBody>
+      </p:sp>
+      <p:sp>
+        <p:nvSpPr>
+          <p:cNvPr id="4" name="TextBox 3"/>
+          <p:cNvSpPr txBox="1"/>
           <p:nvPr/>
-        </p:nvPicPr>
-        <p:blipFill>
-          <a:blip r:embed="rId3" cstate="print">
-            <a:extLst>
-              <a:ext uri="{28A0092B-C50C-407E-A947-70E740481C1C}">
-                <a14:useLocalDpi xmlns:a14="http://schemas.microsoft.com/office/drawing/2010/main" val="0"/>
-              </a:ext>
-            </a:extLst>
-          </a:blip>
-          <a:stretch>
-            <a:fillRect/>
-          </a:stretch>
-        </p:blipFill>
+        </p:nvSpPr>
         <p:spPr>
           <a:xfrm>
-            <a:off x="3692771" y="1028417"/>
-            <a:ext cx="1426862" cy="1426862"/>
+            <a:off x="2822331" y="791301"/>
+            <a:ext cx="5284177" cy="369332"/>
           </a:xfrm>
           <a:prstGeom prst="rect">
             <a:avLst/>
           </a:prstGeom>
+          <a:noFill/>
         </p:spPr>
-      </p:pic>
-      <p:pic>
-        <p:nvPicPr>
-          <p:cNvPr id="5" name="Picture 4" descr="angular.png"/>
-          <p:cNvPicPr>
-            <a:picLocks noChangeAspect="1"/>
-          </p:cNvPicPr>
-          <p:nvPr/>
-        </p:nvPicPr>
-        <p:blipFill>
-          <a:blip r:embed="rId4">
-            <a:extLst>
-              <a:ext uri="{28A0092B-C50C-407E-A947-70E740481C1C}">
-                <a14:useLocalDpi xmlns:a14="http://schemas.microsoft.com/office/drawing/2010/main" val="0"/>
-              </a:ext>
-            </a:extLst>
-          </a:blip>
-          <a:stretch>
-            <a:fillRect/>
-          </a:stretch>
-        </p:blipFill>
-        <p:spPr>
-          <a:xfrm>
-            <a:off x="698241" y="805700"/>
-            <a:ext cx="1860321" cy="1860321"/>
-          </a:xfrm>
-          <a:prstGeom prst="rect">
-            <a:avLst/>
-          </a:prstGeom>
-        </p:spPr>
-      </p:pic>
-      <p:pic>
-        <p:nvPicPr>
-          <p:cNvPr id="6" name="Picture 5" descr="d3.png"/>
-          <p:cNvPicPr>
-            <a:picLocks noChangeAspect="1"/>
-          </p:cNvPicPr>
-          <p:nvPr/>
-        </p:nvPicPr>
-        <p:blipFill>
-          <a:blip r:embed="rId5" cstate="print">
-            <a:extLst>
-              <a:ext uri="{28A0092B-C50C-407E-A947-70E740481C1C}">
-                <a14:useLocalDpi xmlns:a14="http://schemas.microsoft.com/office/drawing/2010/main" val="0"/>
-              </a:ext>
-            </a:extLst>
-          </a:blip>
-          <a:stretch>
-            <a:fillRect/>
-          </a:stretch>
-        </p:blipFill>
-        <p:spPr>
-          <a:xfrm>
-            <a:off x="6418386" y="1028417"/>
-            <a:ext cx="1489358" cy="1414889"/>
-          </a:xfrm>
-          <a:prstGeom prst="rect">
-            <a:avLst/>
-          </a:prstGeom>
-        </p:spPr>
-      </p:pic>
+        <p:txBody>
+          <a:bodyPr wrap="square" rtlCol="0">
+            <a:spAutoFit/>
+          </a:bodyPr>
+          <a:lstStyle/>
+          <a:p>
+            <a:r>
+              <a:rPr lang="en-US" dirty="0">
+                <a:latin typeface="Courier New" panose="02070309020205020404" pitchFamily="49" charset="0"/>
+                <a:cs typeface="Courier New" panose="02070309020205020404" pitchFamily="49" charset="0"/>
+                <a:hlinkClick r:id="rId7"/>
+              </a:rPr>
+              <a:t>https://hub.docker.com/r/radiasoft/</a:t>
+            </a:r>
+            <a:r>
+              <a:rPr lang="en-US" dirty="0">
+                <a:latin typeface="Courier New" panose="02070309020205020404" pitchFamily="49" charset="0"/>
+                <a:cs typeface="Courier New" panose="02070309020205020404" pitchFamily="49" charset="0"/>
+              </a:rPr>
+              <a:t> </a:t>
+            </a:r>
+          </a:p>
+        </p:txBody>
+      </p:sp>
     </p:spTree>
     <p:extLst>
       <p:ext uri="{BB962C8B-B14F-4D97-AF65-F5344CB8AC3E}">
-        <p14:creationId xmlns:p14="http://schemas.microsoft.com/office/powerpoint/2010/main" val="205565935"/>
+        <p14:creationId xmlns:p14="http://schemas.microsoft.com/office/powerpoint/2010/main" val="1528542507"/>
       </p:ext>
     </p:extLst>
   </p:cSld>
@@ -6045,7 +6433,7 @@
         </p:nvSpPr>
         <p:spPr>
           <a:xfrm>
-            <a:off x="975945" y="430821"/>
+            <a:off x="975946" y="298936"/>
             <a:ext cx="8015654" cy="589085"/>
           </a:xfrm>
         </p:spPr>
@@ -6057,7 +6445,7 @@
           <a:p>
             <a:r>
               <a:rPr lang="en-US" dirty="0"/>
-              <a:t>Conclusion:  many ways to share</a:t>
+              <a:t>Version Management</a:t>
             </a:r>
           </a:p>
         </p:txBody>
@@ -6074,8 +6462,8 @@
         </p:nvSpPr>
         <p:spPr>
           <a:xfrm>
-            <a:off x="773722" y="1213337"/>
-            <a:ext cx="8217877" cy="4950071"/>
+            <a:off x="152400" y="1002323"/>
+            <a:ext cx="8839200" cy="5161086"/>
           </a:xfrm>
         </p:spPr>
         <p:txBody>
@@ -6086,91 +6474,88 @@
           <a:p>
             <a:r>
               <a:rPr lang="en-US" i="0" dirty="0"/>
-              <a:t>Simple web link to run on the same server</a:t>
+              <a:t>Images are identified by chronological version</a:t>
             </a:r>
           </a:p>
           <a:p>
             <a:pPr lvl="1"/>
             <a:r>
               <a:rPr lang="en-US" i="0" dirty="0"/>
-              <a:t>email or IM a URL to your colleague</a:t>
-            </a:r>
-          </a:p>
-          <a:p>
+              <a:t>does not interfere with systems used by the code developers</a:t>
+            </a:r>
+          </a:p>
+          <a:p>
+            <a:pPr lvl="1"/>
             <a:r>
               <a:rPr lang="en-US" i="0" dirty="0"/>
-              <a:t>Self-extracting simulations</a:t>
+              <a:t>provides meaningful versioning, as necessary for reproducibility</a:t>
+            </a:r>
+          </a:p>
+          <a:p>
+            <a:r>
+              <a:rPr lang="en-US" i="0" dirty="0"/>
+              <a:t>Channels are declared for the main git branch:</a:t>
             </a:r>
           </a:p>
           <a:p>
             <a:pPr lvl="1"/>
             <a:r>
               <a:rPr lang="en-US" i="0" dirty="0"/>
-              <a:t>alternative to URL when colleague uses different server</a:t>
+              <a:t>dev    (latest, specified by default)</a:t>
             </a:r>
           </a:p>
           <a:p>
             <a:pPr lvl="1"/>
             <a:r>
               <a:rPr lang="en-US" i="0" dirty="0"/>
-              <a:t>put (potentially large) HTML file on Dropbox (for example)</a:t>
+              <a:t>alpha (internal testing)</a:t>
             </a:r>
           </a:p>
           <a:p>
             <a:pPr lvl="1"/>
             <a:r>
               <a:rPr lang="en-US" i="0" dirty="0"/>
-              <a:t>colleague double-clicks and specifies Sirepo server to use</a:t>
-            </a:r>
-          </a:p>
-          <a:p>
+              <a:t>beta   (external testing)</a:t>
+            </a:r>
+          </a:p>
+          <a:p>
+            <a:pPr lvl="1"/>
             <a:r>
               <a:rPr lang="en-US" i="0" dirty="0"/>
-              <a:t>Zipped archive (used for self-extracting feature)</a:t>
+              <a:t>prod   (ready for production release)</a:t>
             </a:r>
           </a:p>
           <a:p>
             <a:r>
               <a:rPr lang="en-US" i="0" dirty="0"/>
-              <a:t>Python source for CLI</a:t>
+              <a:t>Each container image includes a ‘manifest’</a:t>
             </a:r>
           </a:p>
           <a:p>
             <a:pPr lvl="1"/>
             <a:r>
               <a:rPr lang="en-US" i="0" dirty="0"/>
-              <a:t>the Sirepo GUI never constrains power users</a:t>
-            </a:r>
-          </a:p>
-          <a:p>
-            <a:pPr lvl="1"/>
+              <a:t>describes the image &amp; codes,   rsmanifest.json</a:t>
+            </a:r>
+          </a:p>
+          <a:p>
             <a:r>
               <a:rPr lang="en-US" i="0" dirty="0"/>
-              <a:t>easy interaction between new users and expert</a:t>
+              <a:t>Source code for each application is stored in the image</a:t>
             </a:r>
           </a:p>
           <a:p>
             <a:r>
               <a:rPr lang="en-US" i="0" dirty="0"/>
-              <a:t>IPython/Jupyter compatible</a:t>
-            </a:r>
-          </a:p>
-          <a:p>
-            <a:pPr lvl="1"/>
-            <a:r>
-              <a:rPr lang="en-US" i="0" dirty="0"/>
-              <a:t>manual now, but will be automated in the future</a:t>
-            </a:r>
-          </a:p>
-          <a:p>
-            <a:endParaRPr lang="en-US" i="0" dirty="0"/>
+              <a:t>Code versions/commits can be queried by simulations</a:t>
+            </a:r>
           </a:p>
         </p:txBody>
       </p:sp>
     </p:spTree>
     <p:extLst>
       <p:ext uri="{BB962C8B-B14F-4D97-AF65-F5344CB8AC3E}">
-        <p14:creationId xmlns:p14="http://schemas.microsoft.com/office/powerpoint/2010/main" val="1656982388"/>
+        <p14:creationId xmlns:p14="http://schemas.microsoft.com/office/powerpoint/2010/main" val="2525692851"/>
       </p:ext>
     </p:extLst>
   </p:cSld>

--- a/computational_reproducibility/lecture/2018_ComputationalReproducibility_Bruhwiler_USPAS.pptx
+++ b/computational_reproducibility/lecture/2018_ComputationalReproducibility_Bruhwiler_USPAS.pptx
@@ -5,20 +5,25 @@
     <p:sldMasterId id="2147483696" r:id="rId1"/>
   </p:sldMasterIdLst>
   <p:notesMasterIdLst>
-    <p:notesMasterId r:id="rId13"/>
+    <p:notesMasterId r:id="rId18"/>
   </p:notesMasterIdLst>
   <p:sldIdLst>
     <p:sldId id="297" r:id="rId2"/>
     <p:sldId id="393" r:id="rId3"/>
     <p:sldId id="403" r:id="rId4"/>
     <p:sldId id="404" r:id="rId5"/>
-    <p:sldId id="402" r:id="rId6"/>
-    <p:sldId id="401" r:id="rId7"/>
-    <p:sldId id="394" r:id="rId8"/>
-    <p:sldId id="395" r:id="rId9"/>
-    <p:sldId id="396" r:id="rId10"/>
-    <p:sldId id="397" r:id="rId11"/>
-    <p:sldId id="400" r:id="rId12"/>
+    <p:sldId id="408" r:id="rId6"/>
+    <p:sldId id="405" r:id="rId7"/>
+    <p:sldId id="406" r:id="rId8"/>
+    <p:sldId id="407" r:id="rId9"/>
+    <p:sldId id="409" r:id="rId10"/>
+    <p:sldId id="402" r:id="rId11"/>
+    <p:sldId id="401" r:id="rId12"/>
+    <p:sldId id="394" r:id="rId13"/>
+    <p:sldId id="395" r:id="rId14"/>
+    <p:sldId id="396" r:id="rId15"/>
+    <p:sldId id="397" r:id="rId16"/>
+    <p:sldId id="400" r:id="rId17"/>
   </p:sldIdLst>
   <p:sldSz cx="9144000" cy="6858000" type="screen4x3"/>
   <p:notesSz cx="6858000" cy="9144000"/>
@@ -659,7 +664,7 @@
     </p:spTree>
     <p:extLst>
       <p:ext uri="{BB962C8B-B14F-4D97-AF65-F5344CB8AC3E}">
-        <p14:creationId xmlns:p14="http://schemas.microsoft.com/office/powerpoint/2010/main" val="720764118"/>
+        <p14:creationId xmlns:p14="http://schemas.microsoft.com/office/powerpoint/2010/main" val="3070082035"/>
       </p:ext>
     </p:extLst>
   </p:cSld>
@@ -735,6 +740,426 @@
             <a:fld id="{4E0E9D85-81CD-44C8-8F15-3AA06C34AF8C}" type="slidenum">
               <a:rPr lang="en-US" smtClean="0"/>
               <a:t>11</a:t>
+            </a:fld>
+            <a:endParaRPr lang="en-US"/>
+          </a:p>
+        </p:txBody>
+      </p:sp>
+    </p:spTree>
+    <p:extLst>
+      <p:ext uri="{BB962C8B-B14F-4D97-AF65-F5344CB8AC3E}">
+        <p14:creationId xmlns:p14="http://schemas.microsoft.com/office/powerpoint/2010/main" val="3002940322"/>
+      </p:ext>
+    </p:extLst>
+  </p:cSld>
+  <p:clrMapOvr>
+    <a:masterClrMapping/>
+  </p:clrMapOvr>
+</p:notes>
+</file>
+
+<file path=ppt/notesSlides/notesSlide12.xml><?xml version="1.0" encoding="utf-8"?>
+<p:notes xmlns:a="http://schemas.openxmlformats.org/drawingml/2006/main" xmlns:r="http://schemas.openxmlformats.org/officeDocument/2006/relationships" xmlns:p="http://schemas.openxmlformats.org/presentationml/2006/main">
+  <p:cSld>
+    <p:spTree>
+      <p:nvGrpSpPr>
+        <p:cNvPr id="1" name=""/>
+        <p:cNvGrpSpPr/>
+        <p:nvPr/>
+      </p:nvGrpSpPr>
+      <p:grpSpPr>
+        <a:xfrm>
+          <a:off x="0" y="0"/>
+          <a:ext cx="0" cy="0"/>
+          <a:chOff x="0" y="0"/>
+          <a:chExt cx="0" cy="0"/>
+        </a:xfrm>
+      </p:grpSpPr>
+      <p:sp>
+        <p:nvSpPr>
+          <p:cNvPr id="2" name="Slide Image Placeholder 1"/>
+          <p:cNvSpPr>
+            <a:spLocks noGrp="1" noRot="1" noChangeAspect="1"/>
+          </p:cNvSpPr>
+          <p:nvPr>
+            <p:ph type="sldImg"/>
+          </p:nvPr>
+        </p:nvSpPr>
+        <p:spPr/>
+      </p:sp>
+      <p:sp>
+        <p:nvSpPr>
+          <p:cNvPr id="3" name="Notes Placeholder 2"/>
+          <p:cNvSpPr>
+            <a:spLocks noGrp="1"/>
+          </p:cNvSpPr>
+          <p:nvPr>
+            <p:ph type="body" idx="1"/>
+          </p:nvPr>
+        </p:nvSpPr>
+        <p:spPr/>
+        <p:txBody>
+          <a:bodyPr/>
+          <a:lstStyle/>
+          <a:p>
+            <a:endParaRPr lang="en-US"/>
+          </a:p>
+        </p:txBody>
+      </p:sp>
+      <p:sp>
+        <p:nvSpPr>
+          <p:cNvPr id="4" name="Slide Number Placeholder 3"/>
+          <p:cNvSpPr>
+            <a:spLocks noGrp="1"/>
+          </p:cNvSpPr>
+          <p:nvPr>
+            <p:ph type="sldNum" sz="quarter" idx="10"/>
+          </p:nvPr>
+        </p:nvSpPr>
+        <p:spPr/>
+        <p:txBody>
+          <a:bodyPr/>
+          <a:lstStyle/>
+          <a:p>
+            <a:fld id="{4E0E9D85-81CD-44C8-8F15-3AA06C34AF8C}" type="slidenum">
+              <a:rPr lang="en-US" smtClean="0"/>
+              <a:t>12</a:t>
+            </a:fld>
+            <a:endParaRPr lang="en-US"/>
+          </a:p>
+        </p:txBody>
+      </p:sp>
+    </p:spTree>
+    <p:extLst>
+      <p:ext uri="{BB962C8B-B14F-4D97-AF65-F5344CB8AC3E}">
+        <p14:creationId xmlns:p14="http://schemas.microsoft.com/office/powerpoint/2010/main" val="384814357"/>
+      </p:ext>
+    </p:extLst>
+  </p:cSld>
+  <p:clrMapOvr>
+    <a:masterClrMapping/>
+  </p:clrMapOvr>
+</p:notes>
+</file>
+
+<file path=ppt/notesSlides/notesSlide13.xml><?xml version="1.0" encoding="utf-8"?>
+<p:notes xmlns:a="http://schemas.openxmlformats.org/drawingml/2006/main" xmlns:r="http://schemas.openxmlformats.org/officeDocument/2006/relationships" xmlns:p="http://schemas.openxmlformats.org/presentationml/2006/main">
+  <p:cSld>
+    <p:spTree>
+      <p:nvGrpSpPr>
+        <p:cNvPr id="1" name=""/>
+        <p:cNvGrpSpPr/>
+        <p:nvPr/>
+      </p:nvGrpSpPr>
+      <p:grpSpPr>
+        <a:xfrm>
+          <a:off x="0" y="0"/>
+          <a:ext cx="0" cy="0"/>
+          <a:chOff x="0" y="0"/>
+          <a:chExt cx="0" cy="0"/>
+        </a:xfrm>
+      </p:grpSpPr>
+      <p:sp>
+        <p:nvSpPr>
+          <p:cNvPr id="2" name="Slide Image Placeholder 1"/>
+          <p:cNvSpPr>
+            <a:spLocks noGrp="1" noRot="1" noChangeAspect="1"/>
+          </p:cNvSpPr>
+          <p:nvPr>
+            <p:ph type="sldImg"/>
+          </p:nvPr>
+        </p:nvSpPr>
+        <p:spPr/>
+      </p:sp>
+      <p:sp>
+        <p:nvSpPr>
+          <p:cNvPr id="3" name="Notes Placeholder 2"/>
+          <p:cNvSpPr>
+            <a:spLocks noGrp="1"/>
+          </p:cNvSpPr>
+          <p:nvPr>
+            <p:ph type="body" idx="1"/>
+          </p:nvPr>
+        </p:nvSpPr>
+        <p:spPr/>
+        <p:txBody>
+          <a:bodyPr/>
+          <a:lstStyle/>
+          <a:p>
+            <a:endParaRPr lang="en-US"/>
+          </a:p>
+        </p:txBody>
+      </p:sp>
+      <p:sp>
+        <p:nvSpPr>
+          <p:cNvPr id="4" name="Slide Number Placeholder 3"/>
+          <p:cNvSpPr>
+            <a:spLocks noGrp="1"/>
+          </p:cNvSpPr>
+          <p:nvPr>
+            <p:ph type="sldNum" sz="quarter" idx="10"/>
+          </p:nvPr>
+        </p:nvSpPr>
+        <p:spPr/>
+        <p:txBody>
+          <a:bodyPr/>
+          <a:lstStyle/>
+          <a:p>
+            <a:fld id="{4E0E9D85-81CD-44C8-8F15-3AA06C34AF8C}" type="slidenum">
+              <a:rPr lang="en-US" smtClean="0"/>
+              <a:t>13</a:t>
+            </a:fld>
+            <a:endParaRPr lang="en-US"/>
+          </a:p>
+        </p:txBody>
+      </p:sp>
+    </p:spTree>
+    <p:extLst>
+      <p:ext uri="{BB962C8B-B14F-4D97-AF65-F5344CB8AC3E}">
+        <p14:creationId xmlns:p14="http://schemas.microsoft.com/office/powerpoint/2010/main" val="2620879761"/>
+      </p:ext>
+    </p:extLst>
+  </p:cSld>
+  <p:clrMapOvr>
+    <a:masterClrMapping/>
+  </p:clrMapOvr>
+</p:notes>
+</file>
+
+<file path=ppt/notesSlides/notesSlide14.xml><?xml version="1.0" encoding="utf-8"?>
+<p:notes xmlns:a="http://schemas.openxmlformats.org/drawingml/2006/main" xmlns:r="http://schemas.openxmlformats.org/officeDocument/2006/relationships" xmlns:p="http://schemas.openxmlformats.org/presentationml/2006/main">
+  <p:cSld>
+    <p:spTree>
+      <p:nvGrpSpPr>
+        <p:cNvPr id="1" name=""/>
+        <p:cNvGrpSpPr/>
+        <p:nvPr/>
+      </p:nvGrpSpPr>
+      <p:grpSpPr>
+        <a:xfrm>
+          <a:off x="0" y="0"/>
+          <a:ext cx="0" cy="0"/>
+          <a:chOff x="0" y="0"/>
+          <a:chExt cx="0" cy="0"/>
+        </a:xfrm>
+      </p:grpSpPr>
+      <p:sp>
+        <p:nvSpPr>
+          <p:cNvPr id="2" name="Slide Image Placeholder 1"/>
+          <p:cNvSpPr>
+            <a:spLocks noGrp="1" noRot="1" noChangeAspect="1"/>
+          </p:cNvSpPr>
+          <p:nvPr>
+            <p:ph type="sldImg"/>
+          </p:nvPr>
+        </p:nvSpPr>
+        <p:spPr/>
+      </p:sp>
+      <p:sp>
+        <p:nvSpPr>
+          <p:cNvPr id="3" name="Notes Placeholder 2"/>
+          <p:cNvSpPr>
+            <a:spLocks noGrp="1"/>
+          </p:cNvSpPr>
+          <p:nvPr>
+            <p:ph type="body" idx="1"/>
+          </p:nvPr>
+        </p:nvSpPr>
+        <p:spPr/>
+        <p:txBody>
+          <a:bodyPr/>
+          <a:lstStyle/>
+          <a:p>
+            <a:endParaRPr lang="en-US"/>
+          </a:p>
+        </p:txBody>
+      </p:sp>
+      <p:sp>
+        <p:nvSpPr>
+          <p:cNvPr id="4" name="Slide Number Placeholder 3"/>
+          <p:cNvSpPr>
+            <a:spLocks noGrp="1"/>
+          </p:cNvSpPr>
+          <p:nvPr>
+            <p:ph type="sldNum" sz="quarter" idx="10"/>
+          </p:nvPr>
+        </p:nvSpPr>
+        <p:spPr/>
+        <p:txBody>
+          <a:bodyPr/>
+          <a:lstStyle/>
+          <a:p>
+            <a:fld id="{4E0E9D85-81CD-44C8-8F15-3AA06C34AF8C}" type="slidenum">
+              <a:rPr lang="en-US" smtClean="0"/>
+              <a:t>14</a:t>
+            </a:fld>
+            <a:endParaRPr lang="en-US"/>
+          </a:p>
+        </p:txBody>
+      </p:sp>
+    </p:spTree>
+    <p:extLst>
+      <p:ext uri="{BB962C8B-B14F-4D97-AF65-F5344CB8AC3E}">
+        <p14:creationId xmlns:p14="http://schemas.microsoft.com/office/powerpoint/2010/main" val="2480711367"/>
+      </p:ext>
+    </p:extLst>
+  </p:cSld>
+  <p:clrMapOvr>
+    <a:masterClrMapping/>
+  </p:clrMapOvr>
+</p:notes>
+</file>
+
+<file path=ppt/notesSlides/notesSlide15.xml><?xml version="1.0" encoding="utf-8"?>
+<p:notes xmlns:a="http://schemas.openxmlformats.org/drawingml/2006/main" xmlns:r="http://schemas.openxmlformats.org/officeDocument/2006/relationships" xmlns:p="http://schemas.openxmlformats.org/presentationml/2006/main">
+  <p:cSld>
+    <p:spTree>
+      <p:nvGrpSpPr>
+        <p:cNvPr id="1" name=""/>
+        <p:cNvGrpSpPr/>
+        <p:nvPr/>
+      </p:nvGrpSpPr>
+      <p:grpSpPr>
+        <a:xfrm>
+          <a:off x="0" y="0"/>
+          <a:ext cx="0" cy="0"/>
+          <a:chOff x="0" y="0"/>
+          <a:chExt cx="0" cy="0"/>
+        </a:xfrm>
+      </p:grpSpPr>
+      <p:sp>
+        <p:nvSpPr>
+          <p:cNvPr id="2" name="Slide Image Placeholder 1"/>
+          <p:cNvSpPr>
+            <a:spLocks noGrp="1" noRot="1" noChangeAspect="1"/>
+          </p:cNvSpPr>
+          <p:nvPr>
+            <p:ph type="sldImg"/>
+          </p:nvPr>
+        </p:nvSpPr>
+        <p:spPr/>
+      </p:sp>
+      <p:sp>
+        <p:nvSpPr>
+          <p:cNvPr id="3" name="Notes Placeholder 2"/>
+          <p:cNvSpPr>
+            <a:spLocks noGrp="1"/>
+          </p:cNvSpPr>
+          <p:nvPr>
+            <p:ph type="body" idx="1"/>
+          </p:nvPr>
+        </p:nvSpPr>
+        <p:spPr/>
+        <p:txBody>
+          <a:bodyPr/>
+          <a:lstStyle/>
+          <a:p>
+            <a:endParaRPr lang="en-US"/>
+          </a:p>
+        </p:txBody>
+      </p:sp>
+      <p:sp>
+        <p:nvSpPr>
+          <p:cNvPr id="4" name="Slide Number Placeholder 3"/>
+          <p:cNvSpPr>
+            <a:spLocks noGrp="1"/>
+          </p:cNvSpPr>
+          <p:nvPr>
+            <p:ph type="sldNum" sz="quarter" idx="10"/>
+          </p:nvPr>
+        </p:nvSpPr>
+        <p:spPr/>
+        <p:txBody>
+          <a:bodyPr/>
+          <a:lstStyle/>
+          <a:p>
+            <a:fld id="{4E0E9D85-81CD-44C8-8F15-3AA06C34AF8C}" type="slidenum">
+              <a:rPr lang="en-US" smtClean="0"/>
+              <a:t>15</a:t>
+            </a:fld>
+            <a:endParaRPr lang="en-US"/>
+          </a:p>
+        </p:txBody>
+      </p:sp>
+    </p:spTree>
+    <p:extLst>
+      <p:ext uri="{BB962C8B-B14F-4D97-AF65-F5344CB8AC3E}">
+        <p14:creationId xmlns:p14="http://schemas.microsoft.com/office/powerpoint/2010/main" val="720764118"/>
+      </p:ext>
+    </p:extLst>
+  </p:cSld>
+  <p:clrMapOvr>
+    <a:masterClrMapping/>
+  </p:clrMapOvr>
+</p:notes>
+</file>
+
+<file path=ppt/notesSlides/notesSlide16.xml><?xml version="1.0" encoding="utf-8"?>
+<p:notes xmlns:a="http://schemas.openxmlformats.org/drawingml/2006/main" xmlns:r="http://schemas.openxmlformats.org/officeDocument/2006/relationships" xmlns:p="http://schemas.openxmlformats.org/presentationml/2006/main">
+  <p:cSld>
+    <p:spTree>
+      <p:nvGrpSpPr>
+        <p:cNvPr id="1" name=""/>
+        <p:cNvGrpSpPr/>
+        <p:nvPr/>
+      </p:nvGrpSpPr>
+      <p:grpSpPr>
+        <a:xfrm>
+          <a:off x="0" y="0"/>
+          <a:ext cx="0" cy="0"/>
+          <a:chOff x="0" y="0"/>
+          <a:chExt cx="0" cy="0"/>
+        </a:xfrm>
+      </p:grpSpPr>
+      <p:sp>
+        <p:nvSpPr>
+          <p:cNvPr id="2" name="Slide Image Placeholder 1"/>
+          <p:cNvSpPr>
+            <a:spLocks noGrp="1" noRot="1" noChangeAspect="1"/>
+          </p:cNvSpPr>
+          <p:nvPr>
+            <p:ph type="sldImg"/>
+          </p:nvPr>
+        </p:nvSpPr>
+        <p:spPr/>
+      </p:sp>
+      <p:sp>
+        <p:nvSpPr>
+          <p:cNvPr id="3" name="Notes Placeholder 2"/>
+          <p:cNvSpPr>
+            <a:spLocks noGrp="1"/>
+          </p:cNvSpPr>
+          <p:nvPr>
+            <p:ph type="body" idx="1"/>
+          </p:nvPr>
+        </p:nvSpPr>
+        <p:spPr/>
+        <p:txBody>
+          <a:bodyPr/>
+          <a:lstStyle/>
+          <a:p>
+            <a:endParaRPr lang="en-US"/>
+          </a:p>
+        </p:txBody>
+      </p:sp>
+      <p:sp>
+        <p:nvSpPr>
+          <p:cNvPr id="4" name="Slide Number Placeholder 3"/>
+          <p:cNvSpPr>
+            <a:spLocks noGrp="1"/>
+          </p:cNvSpPr>
+          <p:nvPr>
+            <p:ph type="sldNum" sz="quarter" idx="10"/>
+          </p:nvPr>
+        </p:nvSpPr>
+        <p:spPr/>
+        <p:txBody>
+          <a:bodyPr/>
+          <a:lstStyle/>
+          <a:p>
+            <a:fld id="{4E0E9D85-81CD-44C8-8F15-3AA06C34AF8C}" type="slidenum">
+              <a:rPr lang="en-US" smtClean="0"/>
+              <a:t>16</a:t>
             </a:fld>
             <a:endParaRPr lang="en-US"/>
           </a:p>
@@ -1079,7 +1504,7 @@
     </p:spTree>
     <p:extLst>
       <p:ext uri="{BB962C8B-B14F-4D97-AF65-F5344CB8AC3E}">
-        <p14:creationId xmlns:p14="http://schemas.microsoft.com/office/powerpoint/2010/main" val="3070082035"/>
+        <p14:creationId xmlns:p14="http://schemas.microsoft.com/office/powerpoint/2010/main" val="1937678073"/>
       </p:ext>
     </p:extLst>
   </p:cSld>
@@ -1163,7 +1588,7 @@
     </p:spTree>
     <p:extLst>
       <p:ext uri="{BB962C8B-B14F-4D97-AF65-F5344CB8AC3E}">
-        <p14:creationId xmlns:p14="http://schemas.microsoft.com/office/powerpoint/2010/main" val="3002940322"/>
+        <p14:creationId xmlns:p14="http://schemas.microsoft.com/office/powerpoint/2010/main" val="2705051361"/>
       </p:ext>
     </p:extLst>
   </p:cSld>
@@ -1247,7 +1672,7 @@
     </p:spTree>
     <p:extLst>
       <p:ext uri="{BB962C8B-B14F-4D97-AF65-F5344CB8AC3E}">
-        <p14:creationId xmlns:p14="http://schemas.microsoft.com/office/powerpoint/2010/main" val="384814357"/>
+        <p14:creationId xmlns:p14="http://schemas.microsoft.com/office/powerpoint/2010/main" val="1436572903"/>
       </p:ext>
     </p:extLst>
   </p:cSld>
@@ -1331,7 +1756,7 @@
     </p:spTree>
     <p:extLst>
       <p:ext uri="{BB962C8B-B14F-4D97-AF65-F5344CB8AC3E}">
-        <p14:creationId xmlns:p14="http://schemas.microsoft.com/office/powerpoint/2010/main" val="2620879761"/>
+        <p14:creationId xmlns:p14="http://schemas.microsoft.com/office/powerpoint/2010/main" val="2084350308"/>
       </p:ext>
     </p:extLst>
   </p:cSld>
@@ -1415,7 +1840,7 @@
     </p:spTree>
     <p:extLst>
       <p:ext uri="{BB962C8B-B14F-4D97-AF65-F5344CB8AC3E}">
-        <p14:creationId xmlns:p14="http://schemas.microsoft.com/office/powerpoint/2010/main" val="2480711367"/>
+        <p14:creationId xmlns:p14="http://schemas.microsoft.com/office/powerpoint/2010/main" val="4069510992"/>
       </p:ext>
     </p:extLst>
   </p:cSld>
@@ -3616,1179 +4041,6 @@
         </p:nvSpPr>
         <p:spPr>
           <a:xfrm>
-            <a:off x="975946" y="172117"/>
-            <a:ext cx="8015654" cy="589085"/>
-          </a:xfrm>
-        </p:spPr>
-        <p:txBody>
-          <a:bodyPr>
-            <a:normAutofit/>
-          </a:bodyPr>
-          <a:lstStyle/>
-          <a:p>
-            <a:r>
-              <a:rPr lang="en-US" dirty="0"/>
-              <a:t>The Browser is the Scientific UI</a:t>
-            </a:r>
-          </a:p>
-        </p:txBody>
-      </p:sp>
-      <p:sp>
-        <p:nvSpPr>
-          <p:cNvPr id="3" name="Content Placeholder 2"/>
-          <p:cNvSpPr>
-            <a:spLocks noGrp="1"/>
-          </p:cNvSpPr>
-          <p:nvPr>
-            <p:ph idx="1"/>
-          </p:nvPr>
-        </p:nvSpPr>
-        <p:spPr>
-          <a:xfrm>
-            <a:off x="698242" y="2857500"/>
-            <a:ext cx="8120444" cy="3209184"/>
-          </a:xfrm>
-        </p:spPr>
-        <p:txBody>
-          <a:bodyPr>
-            <a:normAutofit/>
-          </a:bodyPr>
-          <a:lstStyle/>
-          <a:p>
-            <a:r>
-              <a:rPr lang="en-US" sz="2800" i="0" dirty="0"/>
-              <a:t>Easy sharing via links  (&amp; many other ways)</a:t>
-            </a:r>
-          </a:p>
-          <a:p>
-            <a:r>
-              <a:rPr lang="en-US" sz="2800" i="0" dirty="0"/>
-              <a:t>Nothing to </a:t>
-            </a:r>
-            <a:r>
-              <a:rPr lang="en-US" sz="2800" dirty="0"/>
-              <a:t>compile</a:t>
-            </a:r>
-            <a:r>
-              <a:rPr lang="en-US" sz="2800" i="0" dirty="0"/>
-              <a:t> or </a:t>
-            </a:r>
-            <a:r>
-              <a:rPr lang="en-US" sz="2800" dirty="0"/>
-              <a:t>build</a:t>
-            </a:r>
-            <a:r>
-              <a:rPr lang="en-US" sz="2800" i="0" dirty="0"/>
-              <a:t> or </a:t>
-            </a:r>
-            <a:r>
-              <a:rPr lang="en-US" sz="2800" dirty="0"/>
-              <a:t>install</a:t>
-            </a:r>
-          </a:p>
-          <a:p>
-            <a:r>
-              <a:rPr lang="en-US" sz="2800" i="0" dirty="0"/>
-              <a:t>Work from either your tablet &amp; desktop</a:t>
-            </a:r>
-          </a:p>
-          <a:p>
-            <a:r>
-              <a:rPr lang="en-US" sz="2800" i="0" dirty="0"/>
-              <a:t>Fast, interactive scientific plotting</a:t>
-            </a:r>
-          </a:p>
-          <a:p>
-            <a:r>
-              <a:rPr lang="en-US" sz="2800" i="0" dirty="0"/>
-              <a:t>Modern JavaScript:</a:t>
-            </a:r>
-          </a:p>
-          <a:p>
-            <a:pPr lvl="1"/>
-            <a:r>
-              <a:rPr lang="en-US" sz="2400" i="0" dirty="0"/>
-              <a:t>Angular, Bootstrap, D3.js</a:t>
-            </a:r>
-          </a:p>
-        </p:txBody>
-      </p:sp>
-      <p:pic>
-        <p:nvPicPr>
-          <p:cNvPr id="4" name="Picture 3" descr="bootstrap.png"/>
-          <p:cNvPicPr>
-            <a:picLocks noChangeAspect="1"/>
-          </p:cNvPicPr>
-          <p:nvPr/>
-        </p:nvPicPr>
-        <p:blipFill>
-          <a:blip r:embed="rId3" cstate="print">
-            <a:extLst>
-              <a:ext uri="{28A0092B-C50C-407E-A947-70E740481C1C}">
-                <a14:useLocalDpi xmlns:a14="http://schemas.microsoft.com/office/drawing/2010/main" val="0"/>
-              </a:ext>
-            </a:extLst>
-          </a:blip>
-          <a:stretch>
-            <a:fillRect/>
-          </a:stretch>
-        </p:blipFill>
-        <p:spPr>
-          <a:xfrm>
-            <a:off x="3692771" y="1028417"/>
-            <a:ext cx="1426862" cy="1426862"/>
-          </a:xfrm>
-          <a:prstGeom prst="rect">
-            <a:avLst/>
-          </a:prstGeom>
-        </p:spPr>
-      </p:pic>
-      <p:pic>
-        <p:nvPicPr>
-          <p:cNvPr id="5" name="Picture 4" descr="angular.png"/>
-          <p:cNvPicPr>
-            <a:picLocks noChangeAspect="1"/>
-          </p:cNvPicPr>
-          <p:nvPr/>
-        </p:nvPicPr>
-        <p:blipFill>
-          <a:blip r:embed="rId4">
-            <a:extLst>
-              <a:ext uri="{28A0092B-C50C-407E-A947-70E740481C1C}">
-                <a14:useLocalDpi xmlns:a14="http://schemas.microsoft.com/office/drawing/2010/main" val="0"/>
-              </a:ext>
-            </a:extLst>
-          </a:blip>
-          <a:stretch>
-            <a:fillRect/>
-          </a:stretch>
-        </p:blipFill>
-        <p:spPr>
-          <a:xfrm>
-            <a:off x="698241" y="805700"/>
-            <a:ext cx="1860321" cy="1860321"/>
-          </a:xfrm>
-          <a:prstGeom prst="rect">
-            <a:avLst/>
-          </a:prstGeom>
-        </p:spPr>
-      </p:pic>
-      <p:pic>
-        <p:nvPicPr>
-          <p:cNvPr id="6" name="Picture 5" descr="d3.png"/>
-          <p:cNvPicPr>
-            <a:picLocks noChangeAspect="1"/>
-          </p:cNvPicPr>
-          <p:nvPr/>
-        </p:nvPicPr>
-        <p:blipFill>
-          <a:blip r:embed="rId5" cstate="print">
-            <a:extLst>
-              <a:ext uri="{28A0092B-C50C-407E-A947-70E740481C1C}">
-                <a14:useLocalDpi xmlns:a14="http://schemas.microsoft.com/office/drawing/2010/main" val="0"/>
-              </a:ext>
-            </a:extLst>
-          </a:blip>
-          <a:stretch>
-            <a:fillRect/>
-          </a:stretch>
-        </p:blipFill>
-        <p:spPr>
-          <a:xfrm>
-            <a:off x="6418386" y="1028417"/>
-            <a:ext cx="1489358" cy="1414889"/>
-          </a:xfrm>
-          <a:prstGeom prst="rect">
-            <a:avLst/>
-          </a:prstGeom>
-        </p:spPr>
-      </p:pic>
-    </p:spTree>
-    <p:extLst>
-      <p:ext uri="{BB962C8B-B14F-4D97-AF65-F5344CB8AC3E}">
-        <p14:creationId xmlns:p14="http://schemas.microsoft.com/office/powerpoint/2010/main" val="205565935"/>
-      </p:ext>
-    </p:extLst>
-  </p:cSld>
-  <p:clrMapOvr>
-    <a:masterClrMapping/>
-  </p:clrMapOvr>
-</p:sld>
-</file>
-
-<file path=ppt/slides/slide11.xml><?xml version="1.0" encoding="utf-8"?>
-<p:sld xmlns:a="http://schemas.openxmlformats.org/drawingml/2006/main" xmlns:r="http://schemas.openxmlformats.org/officeDocument/2006/relationships" xmlns:p="http://schemas.openxmlformats.org/presentationml/2006/main">
-  <p:cSld>
-    <p:spTree>
-      <p:nvGrpSpPr>
-        <p:cNvPr id="1" name=""/>
-        <p:cNvGrpSpPr/>
-        <p:nvPr/>
-      </p:nvGrpSpPr>
-      <p:grpSpPr>
-        <a:xfrm>
-          <a:off x="0" y="0"/>
-          <a:ext cx="0" cy="0"/>
-          <a:chOff x="0" y="0"/>
-          <a:chExt cx="0" cy="0"/>
-        </a:xfrm>
-      </p:grpSpPr>
-      <p:sp>
-        <p:nvSpPr>
-          <p:cNvPr id="2" name="Title 1"/>
-          <p:cNvSpPr>
-            <a:spLocks noGrp="1"/>
-          </p:cNvSpPr>
-          <p:nvPr>
-            <p:ph type="title"/>
-          </p:nvPr>
-        </p:nvSpPr>
-        <p:spPr>
-          <a:xfrm>
-            <a:off x="975945" y="430821"/>
-            <a:ext cx="8015654" cy="589085"/>
-          </a:xfrm>
-        </p:spPr>
-        <p:txBody>
-          <a:bodyPr>
-            <a:normAutofit/>
-          </a:bodyPr>
-          <a:lstStyle/>
-          <a:p>
-            <a:r>
-              <a:rPr lang="en-US" dirty="0"/>
-              <a:t>Conclusion:  many ways to share</a:t>
-            </a:r>
-          </a:p>
-        </p:txBody>
-      </p:sp>
-      <p:sp>
-        <p:nvSpPr>
-          <p:cNvPr id="3" name="Content Placeholder 2"/>
-          <p:cNvSpPr>
-            <a:spLocks noGrp="1"/>
-          </p:cNvSpPr>
-          <p:nvPr>
-            <p:ph idx="1"/>
-          </p:nvPr>
-        </p:nvSpPr>
-        <p:spPr>
-          <a:xfrm>
-            <a:off x="773722" y="1213337"/>
-            <a:ext cx="8217877" cy="4950071"/>
-          </a:xfrm>
-        </p:spPr>
-        <p:txBody>
-          <a:bodyPr>
-            <a:normAutofit/>
-          </a:bodyPr>
-          <a:lstStyle/>
-          <a:p>
-            <a:r>
-              <a:rPr lang="en-US" i="0" dirty="0"/>
-              <a:t>Simple web link to run on the same server</a:t>
-            </a:r>
-          </a:p>
-          <a:p>
-            <a:pPr lvl="1"/>
-            <a:r>
-              <a:rPr lang="en-US" i="0" dirty="0"/>
-              <a:t>email or IM a URL to your colleague</a:t>
-            </a:r>
-          </a:p>
-          <a:p>
-            <a:r>
-              <a:rPr lang="en-US" i="0" dirty="0"/>
-              <a:t>Self-extracting simulations</a:t>
-            </a:r>
-          </a:p>
-          <a:p>
-            <a:pPr lvl="1"/>
-            <a:r>
-              <a:rPr lang="en-US" i="0" dirty="0"/>
-              <a:t>alternative to URL when colleague uses different server</a:t>
-            </a:r>
-          </a:p>
-          <a:p>
-            <a:pPr lvl="1"/>
-            <a:r>
-              <a:rPr lang="en-US" i="0" dirty="0"/>
-              <a:t>put (potentially large) HTML file on Dropbox (for example)</a:t>
-            </a:r>
-          </a:p>
-          <a:p>
-            <a:pPr lvl="1"/>
-            <a:r>
-              <a:rPr lang="en-US" i="0" dirty="0"/>
-              <a:t>colleague double-clicks and specifies Sirepo server to use</a:t>
-            </a:r>
-          </a:p>
-          <a:p>
-            <a:r>
-              <a:rPr lang="en-US" i="0" dirty="0"/>
-              <a:t>Zipped archive (used for self-extracting feature)</a:t>
-            </a:r>
-          </a:p>
-          <a:p>
-            <a:r>
-              <a:rPr lang="en-US" i="0" dirty="0"/>
-              <a:t>Python source for CLI</a:t>
-            </a:r>
-          </a:p>
-          <a:p>
-            <a:pPr lvl="1"/>
-            <a:r>
-              <a:rPr lang="en-US" i="0" dirty="0"/>
-              <a:t>the Sirepo GUI never constrains power users</a:t>
-            </a:r>
-          </a:p>
-          <a:p>
-            <a:pPr lvl="1"/>
-            <a:r>
-              <a:rPr lang="en-US" i="0" dirty="0"/>
-              <a:t>easy interaction between new users and expert</a:t>
-            </a:r>
-          </a:p>
-          <a:p>
-            <a:r>
-              <a:rPr lang="en-US" i="0" dirty="0"/>
-              <a:t>IPython/Jupyter compatible</a:t>
-            </a:r>
-          </a:p>
-          <a:p>
-            <a:pPr lvl="1"/>
-            <a:r>
-              <a:rPr lang="en-US" i="0" dirty="0"/>
-              <a:t>manual now, but will be automated in the future</a:t>
-            </a:r>
-          </a:p>
-          <a:p>
-            <a:endParaRPr lang="en-US" i="0" dirty="0"/>
-          </a:p>
-        </p:txBody>
-      </p:sp>
-    </p:spTree>
-    <p:extLst>
-      <p:ext uri="{BB962C8B-B14F-4D97-AF65-F5344CB8AC3E}">
-        <p14:creationId xmlns:p14="http://schemas.microsoft.com/office/powerpoint/2010/main" val="1656982388"/>
-      </p:ext>
-    </p:extLst>
-  </p:cSld>
-  <p:clrMapOvr>
-    <a:masterClrMapping/>
-  </p:clrMapOvr>
-</p:sld>
-</file>
-
-<file path=ppt/slides/slide2.xml><?xml version="1.0" encoding="utf-8"?>
-<p:sld xmlns:a="http://schemas.openxmlformats.org/drawingml/2006/main" xmlns:r="http://schemas.openxmlformats.org/officeDocument/2006/relationships" xmlns:p="http://schemas.openxmlformats.org/presentationml/2006/main">
-  <p:cSld>
-    <p:spTree>
-      <p:nvGrpSpPr>
-        <p:cNvPr id="1" name=""/>
-        <p:cNvGrpSpPr/>
-        <p:nvPr/>
-      </p:nvGrpSpPr>
-      <p:grpSpPr>
-        <a:xfrm>
-          <a:off x="0" y="0"/>
-          <a:ext cx="0" cy="0"/>
-          <a:chOff x="0" y="0"/>
-          <a:chExt cx="0" cy="0"/>
-        </a:xfrm>
-      </p:grpSpPr>
-      <p:sp>
-        <p:nvSpPr>
-          <p:cNvPr id="2" name="Title 1"/>
-          <p:cNvSpPr>
-            <a:spLocks noGrp="1"/>
-          </p:cNvSpPr>
-          <p:nvPr>
-            <p:ph type="title"/>
-          </p:nvPr>
-        </p:nvSpPr>
-        <p:spPr>
-          <a:xfrm>
-            <a:off x="0" y="140672"/>
-            <a:ext cx="9144000" cy="589085"/>
-          </a:xfrm>
-        </p:spPr>
-        <p:txBody>
-          <a:bodyPr>
-            <a:normAutofit/>
-          </a:bodyPr>
-          <a:lstStyle/>
-          <a:p>
-            <a:r>
-              <a:rPr lang="en-US" dirty="0"/>
-              <a:t>Motivation</a:t>
-            </a:r>
-          </a:p>
-        </p:txBody>
-      </p:sp>
-      <p:sp>
-        <p:nvSpPr>
-          <p:cNvPr id="3" name="Content Placeholder 2"/>
-          <p:cNvSpPr>
-            <a:spLocks noGrp="1"/>
-          </p:cNvSpPr>
-          <p:nvPr>
-            <p:ph idx="1"/>
-          </p:nvPr>
-        </p:nvSpPr>
-        <p:spPr>
-          <a:xfrm>
-            <a:off x="276639" y="791301"/>
-            <a:ext cx="8608944" cy="4259670"/>
-          </a:xfrm>
-        </p:spPr>
-        <p:txBody>
-          <a:bodyPr>
-            <a:normAutofit/>
-          </a:bodyPr>
-          <a:lstStyle/>
-          <a:p>
-            <a:r>
-              <a:rPr lang="en-US" sz="1800" i="0" dirty="0"/>
-              <a:t>Scientific research should be reproducible</a:t>
-            </a:r>
-          </a:p>
-          <a:p>
-            <a:pPr lvl="1"/>
-            <a:r>
-              <a:rPr lang="en-US" sz="1600" i="0" dirty="0"/>
-              <a:t>every scientist agrees in principle</a:t>
-            </a:r>
-          </a:p>
-          <a:p>
-            <a:r>
-              <a:rPr lang="en-US" sz="1800" i="0" dirty="0"/>
-              <a:t>There are three primary branches of scientific inquiry </a:t>
-            </a:r>
-          </a:p>
-          <a:p>
-            <a:pPr lvl="1"/>
-            <a:r>
-              <a:rPr lang="en-US" sz="1600" i="0" dirty="0"/>
-              <a:t>theory:  logic, physics &amp; mathematics must be clear and correct</a:t>
-            </a:r>
-          </a:p>
-          <a:p>
-            <a:pPr lvl="2"/>
-            <a:r>
-              <a:rPr lang="en-US" sz="1400" b="1" i="0" dirty="0"/>
-              <a:t>essentially no problem, assuming rigorous peer review</a:t>
-            </a:r>
-          </a:p>
-          <a:p>
-            <a:pPr lvl="1"/>
-            <a:r>
-              <a:rPr lang="en-US" sz="1600" i="0" dirty="0"/>
-              <a:t>experiment:  descriptions of apparatus, methods, data collection &amp; analysis</a:t>
-            </a:r>
-          </a:p>
-          <a:p>
-            <a:pPr lvl="2"/>
-            <a:r>
-              <a:rPr lang="en-US" sz="1400" b="1" i="0" dirty="0"/>
-              <a:t>producing and/or collecting data is beyond the scope considered here</a:t>
-            </a:r>
-          </a:p>
-          <a:p>
-            <a:pPr lvl="2"/>
-            <a:r>
-              <a:rPr lang="en-US" sz="1400" b="1" i="0" dirty="0"/>
-              <a:t>data archival, post-processing, analysis and viz should all be reproducible</a:t>
-            </a:r>
-          </a:p>
-          <a:p>
-            <a:pPr lvl="1"/>
-            <a:r>
-              <a:rPr lang="en-US" sz="1600" i="0" dirty="0"/>
-              <a:t>computation:  similar to experiments, but it’s possible to do much better</a:t>
-            </a:r>
-          </a:p>
-          <a:p>
-            <a:pPr lvl="2"/>
-            <a:r>
-              <a:rPr lang="en-US" sz="1400" b="1" i="0" dirty="0"/>
-              <a:t>this is the focus of today’s lecture</a:t>
-            </a:r>
-          </a:p>
-          <a:p>
-            <a:pPr lvl="2"/>
-            <a:r>
-              <a:rPr lang="en-US" sz="1400" b="1" i="0" dirty="0"/>
-              <a:t>software is inherently replicable</a:t>
-            </a:r>
-          </a:p>
-          <a:p>
-            <a:r>
-              <a:rPr lang="en-US" sz="1800" i="0" dirty="0"/>
-              <a:t>Funding agencies (i.e. the community) is asking for reproducibility</a:t>
-            </a:r>
-          </a:p>
-          <a:p>
-            <a:pPr lvl="1"/>
-            <a:r>
-              <a:rPr lang="en-US" sz="1600" i="0" dirty="0"/>
-              <a:t>US Department of Energy requires a Digital Management Plan</a:t>
-            </a:r>
-          </a:p>
-          <a:p>
-            <a:pPr lvl="2"/>
-            <a:r>
-              <a:rPr lang="en-US" sz="1400" b="1" i="0" dirty="0"/>
-              <a:t>https://science.energy.gov/funding-opportunities/digital-data-management</a:t>
-            </a:r>
-          </a:p>
-          <a:p>
-            <a:endParaRPr lang="en-US" sz="2000" i="0" dirty="0"/>
-          </a:p>
-        </p:txBody>
-      </p:sp>
-      <p:sp>
-        <p:nvSpPr>
-          <p:cNvPr id="4" name="TextBox 3">
-            <a:extLst>
-              <a:ext uri="{FF2B5EF4-FFF2-40B4-BE49-F238E27FC236}">
-                <a16:creationId xmlns:a16="http://schemas.microsoft.com/office/drawing/2014/main" id="{7513C421-393B-4FF0-932C-5CBCC33C43BF}"/>
-              </a:ext>
-            </a:extLst>
-          </p:cNvPr>
-          <p:cNvSpPr txBox="1"/>
-          <p:nvPr/>
-        </p:nvSpPr>
-        <p:spPr>
-          <a:xfrm>
-            <a:off x="1184365" y="4915149"/>
-            <a:ext cx="7733211" cy="1169551"/>
-          </a:xfrm>
-          <a:prstGeom prst="rect">
-            <a:avLst/>
-          </a:prstGeom>
-          <a:noFill/>
-        </p:spPr>
-        <p:txBody>
-          <a:bodyPr wrap="square" rtlCol="0">
-            <a:spAutoFit/>
-          </a:bodyPr>
-          <a:lstStyle/>
-          <a:p>
-            <a:r>
-              <a:rPr lang="en-US" sz="1400" dirty="0">
-                <a:latin typeface="Times New Roman" panose="02020603050405020304" pitchFamily="18" charset="0"/>
-                <a:cs typeface="Times New Roman" panose="02020603050405020304" pitchFamily="18" charset="0"/>
-              </a:rPr>
-              <a:t>Sharing and preserving data are central to protecting the integrity of science by facilitating validation of results and to advancing science by broadening the value of research data to disciplines other than the originating one and to society at large. To the greatest extent and with the fewest constraints possible, and consistent with the requirements and other principles of this Statement, data sharing should make digital research data available to and useful for the scientific community, industry, and the public. </a:t>
-            </a:r>
-            <a:endParaRPr lang="en-US" sz="1600" dirty="0">
-              <a:latin typeface="Times New Roman" panose="02020603050405020304" pitchFamily="18" charset="0"/>
-              <a:cs typeface="Times New Roman" panose="02020603050405020304" pitchFamily="18" charset="0"/>
-            </a:endParaRPr>
-          </a:p>
-        </p:txBody>
-      </p:sp>
-    </p:spTree>
-    <p:extLst>
-      <p:ext uri="{BB962C8B-B14F-4D97-AF65-F5344CB8AC3E}">
-        <p14:creationId xmlns:p14="http://schemas.microsoft.com/office/powerpoint/2010/main" val="1148129030"/>
-      </p:ext>
-    </p:extLst>
-  </p:cSld>
-  <p:clrMapOvr>
-    <a:masterClrMapping/>
-  </p:clrMapOvr>
-</p:sld>
-</file>
-
-<file path=ppt/slides/slide3.xml><?xml version="1.0" encoding="utf-8"?>
-<p:sld xmlns:a="http://schemas.openxmlformats.org/drawingml/2006/main" xmlns:r="http://schemas.openxmlformats.org/officeDocument/2006/relationships" xmlns:p="http://schemas.openxmlformats.org/presentationml/2006/main">
-  <p:cSld>
-    <p:spTree>
-      <p:nvGrpSpPr>
-        <p:cNvPr id="1" name=""/>
-        <p:cNvGrpSpPr/>
-        <p:nvPr/>
-      </p:nvGrpSpPr>
-      <p:grpSpPr>
-        <a:xfrm>
-          <a:off x="0" y="0"/>
-          <a:ext cx="0" cy="0"/>
-          <a:chOff x="0" y="0"/>
-          <a:chExt cx="0" cy="0"/>
-        </a:xfrm>
-      </p:grpSpPr>
-      <p:sp>
-        <p:nvSpPr>
-          <p:cNvPr id="2" name="Title 1"/>
-          <p:cNvSpPr>
-            <a:spLocks noGrp="1"/>
-          </p:cNvSpPr>
-          <p:nvPr>
-            <p:ph type="title"/>
-          </p:nvPr>
-        </p:nvSpPr>
-        <p:spPr>
-          <a:xfrm>
-            <a:off x="0" y="140672"/>
-            <a:ext cx="9144000" cy="589085"/>
-          </a:xfrm>
-        </p:spPr>
-        <p:txBody>
-          <a:bodyPr>
-            <a:normAutofit/>
-          </a:bodyPr>
-          <a:lstStyle/>
-          <a:p>
-            <a:r>
-              <a:rPr lang="en-US" dirty="0"/>
-              <a:t>What is meant by Reproducibility?</a:t>
-            </a:r>
-          </a:p>
-        </p:txBody>
-      </p:sp>
-      <p:sp>
-        <p:nvSpPr>
-          <p:cNvPr id="6" name="Content Placeholder 2">
-            <a:extLst>
-              <a:ext uri="{FF2B5EF4-FFF2-40B4-BE49-F238E27FC236}">
-                <a16:creationId xmlns:a16="http://schemas.microsoft.com/office/drawing/2014/main" id="{9081FF26-7AD5-4767-AF65-A27F1769E1FC}"/>
-              </a:ext>
-            </a:extLst>
-          </p:cNvPr>
-          <p:cNvSpPr>
-            <a:spLocks noGrp="1"/>
-          </p:cNvSpPr>
-          <p:nvPr>
-            <p:ph idx="1"/>
-          </p:nvPr>
-        </p:nvSpPr>
-        <p:spPr>
-          <a:xfrm>
-            <a:off x="152400" y="827314"/>
-            <a:ext cx="8839200" cy="3500846"/>
-          </a:xfrm>
-        </p:spPr>
-        <p:txBody>
-          <a:bodyPr>
-            <a:normAutofit/>
-          </a:bodyPr>
-          <a:lstStyle/>
-          <a:p>
-            <a:r>
-              <a:rPr lang="en-US" sz="1800" i="0" dirty="0"/>
-              <a:t>Our intuition comes from the long history of experimental science</a:t>
-            </a:r>
-          </a:p>
-          <a:p>
-            <a:pPr lvl="1"/>
-            <a:r>
-              <a:rPr lang="en-US" sz="1600" i="0" dirty="0"/>
-              <a:t>other scientists try to reproduce an experimental result with their own equipment</a:t>
-            </a:r>
-          </a:p>
-          <a:p>
-            <a:pPr lvl="1"/>
-            <a:r>
-              <a:rPr lang="en-US" dirty="0"/>
-              <a:t>this attitude has carried over to computational science</a:t>
-            </a:r>
-            <a:endParaRPr lang="en-US" sz="1600" i="0" dirty="0"/>
-          </a:p>
-          <a:p>
-            <a:r>
-              <a:rPr lang="en-US" sz="1800" i="0" dirty="0"/>
-              <a:t>However, software and computation are inherently replicable</a:t>
-            </a:r>
-          </a:p>
-          <a:p>
-            <a:pPr lvl="1"/>
-            <a:r>
-              <a:rPr lang="en-US" sz="1600" i="0" dirty="0"/>
-              <a:t>two scientists should be able to get identical results from </a:t>
-            </a:r>
-            <a:r>
-              <a:rPr lang="en-US" sz="1600" b="1" i="1" dirty="0"/>
-              <a:t>the sam</a:t>
-            </a:r>
-            <a:r>
-              <a:rPr lang="en-US" b="1" i="1" dirty="0"/>
-              <a:t>e </a:t>
-            </a:r>
-            <a:r>
-              <a:rPr lang="en-US" dirty="0"/>
-              <a:t>code</a:t>
-            </a:r>
-            <a:endParaRPr lang="en-US" sz="1400" b="1" i="0" dirty="0"/>
-          </a:p>
-          <a:p>
-            <a:r>
-              <a:rPr lang="en-US" sz="1800" i="0" dirty="0"/>
-              <a:t>Reproducibility implies something more:</a:t>
-            </a:r>
-          </a:p>
-          <a:p>
-            <a:pPr lvl="1"/>
-            <a:r>
-              <a:rPr lang="en-US" dirty="0"/>
-              <a:t>two scientists should be able to get identical results from </a:t>
-            </a:r>
-            <a:r>
-              <a:rPr lang="en-US" b="1" i="1" dirty="0"/>
-              <a:t>different </a:t>
-            </a:r>
-            <a:r>
-              <a:rPr lang="en-US" dirty="0"/>
-              <a:t>codes</a:t>
-            </a:r>
-            <a:endParaRPr lang="en-US" sz="1400" b="1" dirty="0"/>
-          </a:p>
-          <a:p>
-            <a:pPr lvl="1"/>
-            <a:r>
-              <a:rPr lang="en-US" sz="1600" i="0" dirty="0"/>
-              <a:t>this implies the two codes have been successfully benchmarked</a:t>
-            </a:r>
-          </a:p>
-          <a:p>
-            <a:r>
-              <a:rPr lang="en-US" sz="1800" i="0" dirty="0"/>
-              <a:t>For this lecture, “computational reproducibility” means “replicability”</a:t>
-            </a:r>
-          </a:p>
-          <a:p>
-            <a:pPr lvl="1"/>
-            <a:r>
-              <a:rPr lang="en-US" dirty="0"/>
-              <a:t>replicability is the essential first step (but more difficult to say…)</a:t>
-            </a:r>
-            <a:endParaRPr lang="en-US" sz="1600" i="0" dirty="0"/>
-          </a:p>
-          <a:p>
-            <a:r>
-              <a:rPr lang="en-US" i="0" dirty="0"/>
-              <a:t>Some links to discussion of the differences in meaning:</a:t>
-            </a:r>
-          </a:p>
-        </p:txBody>
-      </p:sp>
-      <p:sp>
-        <p:nvSpPr>
-          <p:cNvPr id="7" name="TextBox 6">
-            <a:extLst>
-              <a:ext uri="{FF2B5EF4-FFF2-40B4-BE49-F238E27FC236}">
-                <a16:creationId xmlns:a16="http://schemas.microsoft.com/office/drawing/2014/main" id="{FD17F330-126A-4302-ABDD-998D38C067B6}"/>
-              </a:ext>
-            </a:extLst>
-          </p:cNvPr>
-          <p:cNvSpPr txBox="1"/>
-          <p:nvPr/>
-        </p:nvSpPr>
-        <p:spPr>
-          <a:xfrm>
-            <a:off x="374894" y="4347881"/>
-            <a:ext cx="8542683" cy="1354217"/>
-          </a:xfrm>
-          <a:prstGeom prst="rect">
-            <a:avLst/>
-          </a:prstGeom>
-          <a:noFill/>
-        </p:spPr>
-        <p:txBody>
-          <a:bodyPr wrap="square" rtlCol="0">
-            <a:spAutoFit/>
-          </a:bodyPr>
-          <a:lstStyle/>
-          <a:p>
-            <a:pPr marL="227013" indent="-227013">
-              <a:spcBef>
-                <a:spcPts val="300"/>
-              </a:spcBef>
-            </a:pPr>
-            <a:r>
-              <a:rPr lang="en-US" sz="1200" dirty="0">
-                <a:latin typeface="Times New Roman" panose="02020603050405020304" pitchFamily="18" charset="0"/>
-                <a:cs typeface="Times New Roman" panose="02020603050405020304" pitchFamily="18" charset="0"/>
-              </a:rPr>
-              <a:t>M. Liberman (2015), </a:t>
-            </a:r>
-            <a:r>
-              <a:rPr lang="en-US" sz="1200" dirty="0">
-                <a:latin typeface="Times New Roman" panose="02020603050405020304" pitchFamily="18" charset="0"/>
-                <a:cs typeface="Times New Roman" panose="02020603050405020304" pitchFamily="18" charset="0"/>
-                <a:hlinkClick r:id="rId3"/>
-              </a:rPr>
-              <a:t>http://languagelog.ldc.upenn.edu/nll/?p=21956</a:t>
-            </a:r>
-            <a:r>
-              <a:rPr lang="en-US" sz="1200" dirty="0">
-                <a:latin typeface="Times New Roman" panose="02020603050405020304" pitchFamily="18" charset="0"/>
-                <a:cs typeface="Times New Roman" panose="02020603050405020304" pitchFamily="18" charset="0"/>
-              </a:rPr>
-              <a:t> </a:t>
-            </a:r>
-          </a:p>
-          <a:p>
-            <a:pPr marL="227013" indent="-227013">
-              <a:spcBef>
-                <a:spcPts val="300"/>
-              </a:spcBef>
-            </a:pPr>
-            <a:r>
-              <a:rPr lang="en-US" sz="1200" dirty="0">
-                <a:latin typeface="Times New Roman" panose="02020603050405020304" pitchFamily="18" charset="0"/>
-                <a:cs typeface="Times New Roman" panose="02020603050405020304" pitchFamily="18" charset="0"/>
-              </a:rPr>
-              <a:t>Replicability Research Group, </a:t>
-            </a:r>
-            <a:r>
-              <a:rPr lang="en-US" sz="1200" dirty="0">
-                <a:latin typeface="Times New Roman" panose="02020603050405020304" pitchFamily="18" charset="0"/>
-                <a:cs typeface="Times New Roman" panose="02020603050405020304" pitchFamily="18" charset="0"/>
-                <a:hlinkClick r:id="rId4"/>
-              </a:rPr>
-              <a:t>http://www.replicability.tau.ac.il/index.php/replicability-in-science/replicability-vs-reproducibility.html</a:t>
-            </a:r>
-            <a:r>
-              <a:rPr lang="en-US" sz="1200" dirty="0">
-                <a:latin typeface="Times New Roman" panose="02020603050405020304" pitchFamily="18" charset="0"/>
-                <a:cs typeface="Times New Roman" panose="02020603050405020304" pitchFamily="18" charset="0"/>
-              </a:rPr>
-              <a:t> </a:t>
-            </a:r>
-          </a:p>
-          <a:p>
-            <a:pPr marL="227013" indent="-227013">
-              <a:spcBef>
-                <a:spcPts val="300"/>
-              </a:spcBef>
-            </a:pPr>
-            <a:r>
-              <a:rPr lang="en-US" sz="1200" dirty="0">
-                <a:latin typeface="Times New Roman" panose="02020603050405020304" pitchFamily="18" charset="0"/>
-                <a:cs typeface="Times New Roman" panose="02020603050405020304" pitchFamily="18" charset="0"/>
-              </a:rPr>
-              <a:t>Wikipedia, </a:t>
-            </a:r>
-            <a:r>
-              <a:rPr lang="en-US" sz="1200" dirty="0">
-                <a:latin typeface="Times New Roman" panose="02020603050405020304" pitchFamily="18" charset="0"/>
-                <a:cs typeface="Times New Roman" panose="02020603050405020304" pitchFamily="18" charset="0"/>
-                <a:hlinkClick r:id="rId5"/>
-              </a:rPr>
-              <a:t>https://en.wikipedia.org/wiki/Reproducibility</a:t>
-            </a:r>
-            <a:r>
-              <a:rPr lang="en-US" sz="1200" dirty="0">
-                <a:latin typeface="Times New Roman" panose="02020603050405020304" pitchFamily="18" charset="0"/>
-                <a:cs typeface="Times New Roman" panose="02020603050405020304" pitchFamily="18" charset="0"/>
-              </a:rPr>
-              <a:t> </a:t>
-            </a:r>
-          </a:p>
-          <a:p>
-            <a:pPr marL="227013" indent="-227013">
-              <a:spcBef>
-                <a:spcPts val="300"/>
-              </a:spcBef>
-            </a:pPr>
-            <a:r>
-              <a:rPr lang="en-US" sz="1200" dirty="0">
-                <a:latin typeface="Times New Roman" panose="02020603050405020304" pitchFamily="18" charset="0"/>
-                <a:cs typeface="Times New Roman" panose="02020603050405020304" pitchFamily="18" charset="0"/>
-              </a:rPr>
-              <a:t>The Replication Network, </a:t>
-            </a:r>
-            <a:r>
-              <a:rPr lang="en-US" sz="1200" dirty="0">
-                <a:latin typeface="Times New Roman" panose="02020603050405020304" pitchFamily="18" charset="0"/>
-                <a:cs typeface="Times New Roman" panose="02020603050405020304" pitchFamily="18" charset="0"/>
-                <a:hlinkClick r:id="rId6"/>
-              </a:rPr>
-              <a:t>https://replicationnetwork.com/2016/04/03/the-national-academy-of-sciences-weighs-in-on-reproducibility</a:t>
-            </a:r>
-            <a:r>
-              <a:rPr lang="en-US" sz="1200" dirty="0">
-                <a:latin typeface="Times New Roman" panose="02020603050405020304" pitchFamily="18" charset="0"/>
-                <a:cs typeface="Times New Roman" panose="02020603050405020304" pitchFamily="18" charset="0"/>
-              </a:rPr>
-              <a:t>  </a:t>
-            </a:r>
-          </a:p>
-          <a:p>
-            <a:pPr marL="227013" indent="-227013">
-              <a:spcBef>
-                <a:spcPts val="300"/>
-              </a:spcBef>
-            </a:pPr>
-            <a:r>
-              <a:rPr lang="en-US" sz="1200" dirty="0">
-                <a:latin typeface="Times New Roman" panose="02020603050405020304" pitchFamily="18" charset="0"/>
-                <a:cs typeface="Times New Roman" panose="02020603050405020304" pitchFamily="18" charset="0"/>
-              </a:rPr>
-              <a:t>Workshop: “Statistical Challenges in Assessing and Fostering the Reproducibility of Scientific Results” (2016), </a:t>
-            </a:r>
-            <a:r>
-              <a:rPr lang="en-US" sz="1200" dirty="0">
-                <a:latin typeface="Times New Roman" panose="02020603050405020304" pitchFamily="18" charset="0"/>
-                <a:cs typeface="Times New Roman" panose="02020603050405020304" pitchFamily="18" charset="0"/>
-                <a:hlinkClick r:id="rId7"/>
-              </a:rPr>
-              <a:t>https://www.nap.edu/catalog/21915/statistical-challenges-in-assessing-and-fostering-the-reproducibility-of-scientific-results</a:t>
-            </a:r>
-            <a:r>
-              <a:rPr lang="en-US" sz="1200" dirty="0">
-                <a:latin typeface="Times New Roman" panose="02020603050405020304" pitchFamily="18" charset="0"/>
-                <a:cs typeface="Times New Roman" panose="02020603050405020304" pitchFamily="18" charset="0"/>
-              </a:rPr>
-              <a:t> </a:t>
-            </a:r>
-          </a:p>
-        </p:txBody>
-      </p:sp>
-    </p:spTree>
-    <p:extLst>
-      <p:ext uri="{BB962C8B-B14F-4D97-AF65-F5344CB8AC3E}">
-        <p14:creationId xmlns:p14="http://schemas.microsoft.com/office/powerpoint/2010/main" val="3960936634"/>
-      </p:ext>
-    </p:extLst>
-  </p:cSld>
-  <p:clrMapOvr>
-    <a:masterClrMapping/>
-  </p:clrMapOvr>
-</p:sld>
-</file>
-
-<file path=ppt/slides/slide4.xml><?xml version="1.0" encoding="utf-8"?>
-<p:sld xmlns:a="http://schemas.openxmlformats.org/drawingml/2006/main" xmlns:r="http://schemas.openxmlformats.org/officeDocument/2006/relationships" xmlns:p="http://schemas.openxmlformats.org/presentationml/2006/main">
-  <p:cSld>
-    <p:spTree>
-      <p:nvGrpSpPr>
-        <p:cNvPr id="1" name=""/>
-        <p:cNvGrpSpPr/>
-        <p:nvPr/>
-      </p:nvGrpSpPr>
-      <p:grpSpPr>
-        <a:xfrm>
-          <a:off x="0" y="0"/>
-          <a:ext cx="0" cy="0"/>
-          <a:chOff x="0" y="0"/>
-          <a:chExt cx="0" cy="0"/>
-        </a:xfrm>
-      </p:grpSpPr>
-      <p:sp>
-        <p:nvSpPr>
-          <p:cNvPr id="2" name="Title 1"/>
-          <p:cNvSpPr>
-            <a:spLocks noGrp="1"/>
-          </p:cNvSpPr>
-          <p:nvPr>
-            <p:ph type="title"/>
-          </p:nvPr>
-        </p:nvSpPr>
-        <p:spPr>
-          <a:xfrm>
-            <a:off x="0" y="140672"/>
-            <a:ext cx="9144000" cy="589085"/>
-          </a:xfrm>
-        </p:spPr>
-        <p:txBody>
-          <a:bodyPr>
-            <a:normAutofit/>
-          </a:bodyPr>
-          <a:lstStyle/>
-          <a:p>
-            <a:r>
-              <a:rPr lang="en-US" dirty="0"/>
-              <a:t>Barriers to Reproducibility</a:t>
-            </a:r>
-          </a:p>
-        </p:txBody>
-      </p:sp>
-      <p:sp>
-        <p:nvSpPr>
-          <p:cNvPr id="6" name="Content Placeholder 2">
-            <a:extLst>
-              <a:ext uri="{FF2B5EF4-FFF2-40B4-BE49-F238E27FC236}">
-                <a16:creationId xmlns:a16="http://schemas.microsoft.com/office/drawing/2014/main" id="{9081FF26-7AD5-4767-AF65-A27F1769E1FC}"/>
-              </a:ext>
-            </a:extLst>
-          </p:cNvPr>
-          <p:cNvSpPr>
-            <a:spLocks noGrp="1"/>
-          </p:cNvSpPr>
-          <p:nvPr>
-            <p:ph idx="1"/>
-          </p:nvPr>
-        </p:nvSpPr>
-        <p:spPr>
-          <a:xfrm>
-            <a:off x="152400" y="827314"/>
-            <a:ext cx="8839200" cy="5421086"/>
-          </a:xfrm>
-        </p:spPr>
-        <p:txBody>
-          <a:bodyPr>
-            <a:normAutofit/>
-          </a:bodyPr>
-          <a:lstStyle/>
-          <a:p>
-            <a:r>
-              <a:rPr lang="en-US" sz="1800" i="0" dirty="0"/>
-              <a:t>The first step would be to share simulations with a single code</a:t>
-            </a:r>
-          </a:p>
-          <a:p>
-            <a:pPr lvl="1"/>
-            <a:r>
-              <a:rPr lang="en-US" sz="1600" i="0" dirty="0"/>
-              <a:t>Not just the plots:  the full simulation, generating identical results</a:t>
-            </a:r>
-          </a:p>
-          <a:p>
-            <a:r>
-              <a:rPr lang="en-US" sz="1800" i="0" dirty="0"/>
-              <a:t>Why don’t we share our simulations directly?</a:t>
-            </a:r>
-          </a:p>
-          <a:p>
-            <a:pPr lvl="1"/>
-            <a:r>
-              <a:rPr lang="en-US" sz="1600" i="0" dirty="0"/>
-              <a:t>It can be very difficult to reproduce computational  results</a:t>
-            </a:r>
-          </a:p>
-          <a:p>
-            <a:pPr lvl="1"/>
-            <a:r>
-              <a:rPr lang="en-US" sz="1600" i="0" dirty="0"/>
-              <a:t>Close collaborators do, of course, but even this can be difficult and error prone</a:t>
-            </a:r>
-          </a:p>
-          <a:p>
-            <a:pPr lvl="2"/>
-            <a:r>
-              <a:rPr lang="en-US" sz="1400" b="1" i="0" dirty="0"/>
-              <a:t>different hardware, different versions of the source code, many input files, etc.</a:t>
-            </a:r>
-          </a:p>
-          <a:p>
-            <a:r>
-              <a:rPr lang="en-US" sz="1800" i="0" dirty="0"/>
-              <a:t>Political and social reasons</a:t>
-            </a:r>
-          </a:p>
-          <a:p>
-            <a:pPr lvl="1"/>
-            <a:r>
-              <a:rPr lang="en-US" sz="1600" i="0" dirty="0"/>
-              <a:t>don’t want to share years of effort with others, who would directly benefit</a:t>
-            </a:r>
-          </a:p>
-          <a:p>
-            <a:pPr lvl="1"/>
-            <a:r>
-              <a:rPr lang="en-US" sz="1600" i="0" dirty="0"/>
-              <a:t>software can be used incorrectly</a:t>
-            </a:r>
-          </a:p>
-          <a:p>
-            <a:pPr lvl="2"/>
-            <a:r>
-              <a:rPr lang="en-US" dirty="0"/>
-              <a:t>this might g</a:t>
-            </a:r>
-            <a:r>
-              <a:rPr lang="en-US" sz="1400" b="1" i="0" dirty="0"/>
-              <a:t>enerate confusing results that are incorrectly published</a:t>
-            </a:r>
-          </a:p>
-          <a:p>
-            <a:pPr lvl="2"/>
-            <a:r>
-              <a:rPr lang="en-US" sz="1400" b="1" i="0" dirty="0"/>
-              <a:t>this could hurt the reputation of the original developers</a:t>
-            </a:r>
-          </a:p>
-          <a:p>
-            <a:r>
-              <a:rPr lang="en-US" sz="1800" i="0" dirty="0"/>
-              <a:t>Technical reasons</a:t>
-            </a:r>
-          </a:p>
-          <a:p>
-            <a:pPr lvl="1"/>
-            <a:r>
-              <a:rPr lang="en-US" sz="1600" i="0" dirty="0"/>
-              <a:t>it can be very difficult to build/install the software</a:t>
-            </a:r>
-          </a:p>
-          <a:p>
-            <a:pPr lvl="1"/>
-            <a:r>
-              <a:rPr lang="en-US" sz="1600" i="0" dirty="0"/>
-              <a:t>the software may be very difficult to use</a:t>
-            </a:r>
-          </a:p>
-          <a:p>
-            <a:pPr lvl="1"/>
-            <a:r>
-              <a:rPr lang="en-US" sz="1600" i="0" dirty="0"/>
-              <a:t>the simulations may require many processors</a:t>
-            </a:r>
-          </a:p>
-          <a:p>
-            <a:pPr lvl="1"/>
-            <a:r>
-              <a:rPr lang="en-US" sz="1600" i="0" dirty="0"/>
-              <a:t>the post-processing tools may be sophisticated</a:t>
-            </a:r>
-          </a:p>
-        </p:txBody>
-      </p:sp>
-    </p:spTree>
-    <p:extLst>
-      <p:ext uri="{BB962C8B-B14F-4D97-AF65-F5344CB8AC3E}">
-        <p14:creationId xmlns:p14="http://schemas.microsoft.com/office/powerpoint/2010/main" val="3936527183"/>
-      </p:ext>
-    </p:extLst>
-  </p:cSld>
-  <p:clrMapOvr>
-    <a:masterClrMapping/>
-  </p:clrMapOvr>
-</p:sld>
-</file>
-
-<file path=ppt/slides/slide5.xml><?xml version="1.0" encoding="utf-8"?>
-<p:sld xmlns:a="http://schemas.openxmlformats.org/drawingml/2006/main" xmlns:r="http://schemas.openxmlformats.org/officeDocument/2006/relationships" xmlns:p="http://schemas.openxmlformats.org/presentationml/2006/main">
-  <p:cSld>
-    <p:spTree>
-      <p:nvGrpSpPr>
-        <p:cNvPr id="1" name=""/>
-        <p:cNvGrpSpPr/>
-        <p:nvPr/>
-      </p:nvGrpSpPr>
-      <p:grpSpPr>
-        <a:xfrm>
-          <a:off x="0" y="0"/>
-          <a:ext cx="0" cy="0"/>
-          <a:chOff x="0" y="0"/>
-          <a:chExt cx="0" cy="0"/>
-        </a:xfrm>
-      </p:grpSpPr>
-      <p:sp>
-        <p:nvSpPr>
-          <p:cNvPr id="2" name="Title 1"/>
-          <p:cNvSpPr>
-            <a:spLocks noGrp="1"/>
-          </p:cNvSpPr>
-          <p:nvPr>
-            <p:ph type="title"/>
-          </p:nvPr>
-        </p:nvSpPr>
-        <p:spPr>
-          <a:xfrm>
             <a:off x="800100" y="140672"/>
             <a:ext cx="8191500" cy="589085"/>
           </a:xfrm>
@@ -5375,7 +4627,7 @@
 </p:sld>
 </file>
 
-<file path=ppt/slides/slide6.xml><?xml version="1.0" encoding="utf-8"?>
+<file path=ppt/slides/slide11.xml><?xml version="1.0" encoding="utf-8"?>
 <p:sld xmlns:a="http://schemas.openxmlformats.org/drawingml/2006/main" xmlns:r="http://schemas.openxmlformats.org/officeDocument/2006/relationships" xmlns:p="http://schemas.openxmlformats.org/presentationml/2006/main">
   <p:cSld>
     <p:spTree>
@@ -5890,7 +5142,7 @@
 </p:sld>
 </file>
 
-<file path=ppt/slides/slide7.xml><?xml version="1.0" encoding="utf-8"?>
+<file path=ppt/slides/slide12.xml><?xml version="1.0" encoding="utf-8"?>
 <p:sld xmlns:a="http://schemas.openxmlformats.org/drawingml/2006/main" xmlns:r="http://schemas.openxmlformats.org/officeDocument/2006/relationships" xmlns:p="http://schemas.openxmlformats.org/presentationml/2006/main">
   <p:cSld>
     <p:spTree>
@@ -6069,6 +5321,2281 @@
 </p:sld>
 </file>
 
+<file path=ppt/slides/slide13.xml><?xml version="1.0" encoding="utf-8"?>
+<p:sld xmlns:a="http://schemas.openxmlformats.org/drawingml/2006/main" xmlns:r="http://schemas.openxmlformats.org/officeDocument/2006/relationships" xmlns:p="http://schemas.openxmlformats.org/presentationml/2006/main">
+  <p:cSld>
+    <p:spTree>
+      <p:nvGrpSpPr>
+        <p:cNvPr id="1" name=""/>
+        <p:cNvGrpSpPr/>
+        <p:nvPr/>
+      </p:nvGrpSpPr>
+      <p:grpSpPr>
+        <a:xfrm>
+          <a:off x="0" y="0"/>
+          <a:ext cx="0" cy="0"/>
+          <a:chOff x="0" y="0"/>
+          <a:chExt cx="0" cy="0"/>
+        </a:xfrm>
+      </p:grpSpPr>
+      <p:sp>
+        <p:nvSpPr>
+          <p:cNvPr id="2" name="Title 1"/>
+          <p:cNvSpPr>
+            <a:spLocks noGrp="1"/>
+          </p:cNvSpPr>
+          <p:nvPr>
+            <p:ph type="title"/>
+          </p:nvPr>
+        </p:nvSpPr>
+        <p:spPr>
+          <a:xfrm>
+            <a:off x="1230922" y="290136"/>
+            <a:ext cx="7760677" cy="589085"/>
+          </a:xfrm>
+        </p:spPr>
+        <p:txBody>
+          <a:bodyPr>
+            <a:normAutofit/>
+          </a:bodyPr>
+          <a:lstStyle/>
+          <a:p>
+            <a:r>
+              <a:rPr lang="en-US" dirty="0"/>
+              <a:t>Delivering Codes via Docker Images</a:t>
+            </a:r>
+          </a:p>
+        </p:txBody>
+      </p:sp>
+      <p:sp>
+        <p:nvSpPr>
+          <p:cNvPr id="3" name="Content Placeholder 2"/>
+          <p:cNvSpPr>
+            <a:spLocks noGrp="1"/>
+          </p:cNvSpPr>
+          <p:nvPr>
+            <p:ph idx="1"/>
+          </p:nvPr>
+        </p:nvSpPr>
+        <p:spPr>
+          <a:xfrm>
+            <a:off x="152400" y="1292464"/>
+            <a:ext cx="8839200" cy="5011617"/>
+          </a:xfrm>
+        </p:spPr>
+        <p:txBody>
+          <a:bodyPr>
+            <a:normAutofit lnSpcReduction="10000"/>
+          </a:bodyPr>
+          <a:lstStyle/>
+          <a:p>
+            <a:r>
+              <a:rPr lang="en-US" sz="2000" i="0" dirty="0"/>
+              <a:t>Seven particle accelerator codes are available </a:t>
+            </a:r>
+            <a:r>
+              <a:rPr lang="en-US" sz="2000" i="0" dirty="0">
+                <a:solidFill>
+                  <a:srgbClr val="FF0000"/>
+                </a:solidFill>
+              </a:rPr>
+              <a:t>(more on the way)</a:t>
+            </a:r>
+          </a:p>
+          <a:p>
+            <a:pPr lvl="1"/>
+            <a:r>
+              <a:rPr lang="en-US" sz="1800" i="0" dirty="0"/>
+              <a:t>X-ray:      SRW, Shadow3</a:t>
+            </a:r>
+          </a:p>
+          <a:p>
+            <a:pPr lvl="1"/>
+            <a:r>
+              <a:rPr lang="en-US" sz="1800" i="0" dirty="0"/>
+              <a:t>Beams:   Synergia, Warp, Elegant/SDDS, Hellweg</a:t>
+            </a:r>
+          </a:p>
+          <a:p>
+            <a:pPr lvl="2"/>
+            <a:r>
+              <a:rPr lang="en-US" sz="1600" b="1" i="0" dirty="0"/>
+              <a:t>coming soon:  MAD-X, PTC</a:t>
+            </a:r>
+          </a:p>
+          <a:p>
+            <a:pPr lvl="1"/>
+            <a:r>
+              <a:rPr lang="en-US" sz="1800" i="0" dirty="0"/>
+              <a:t>FELs:        Genesis v.2</a:t>
+            </a:r>
+          </a:p>
+          <a:p>
+            <a:r>
+              <a:rPr lang="en-US" sz="2000" i="0" dirty="0"/>
+              <a:t>Three user interface (UI) modes are supported: </a:t>
+            </a:r>
+          </a:p>
+          <a:p>
+            <a:pPr lvl="1"/>
+            <a:r>
+              <a:rPr lang="en-US" sz="1800" i="0" dirty="0"/>
+              <a:t>Sirepo (GUI);  Jupyter (IPython notebooks);  command-line (CLI)</a:t>
+            </a:r>
+          </a:p>
+          <a:p>
+            <a:r>
+              <a:rPr lang="en-US" sz="2000" i="0" dirty="0"/>
+              <a:t>Automated build/test/release to Docker Hub and to PyPI</a:t>
+            </a:r>
+          </a:p>
+          <a:p>
+            <a:r>
+              <a:rPr lang="en-US" sz="2000" i="0" dirty="0"/>
+              <a:t>One command to download/install/run:</a:t>
+            </a:r>
+            <a:endParaRPr lang="en-US" i="0" dirty="0"/>
+          </a:p>
+          <a:p>
+            <a:pPr marL="0" indent="0">
+              <a:spcBef>
+                <a:spcPts val="600"/>
+              </a:spcBef>
+              <a:buNone/>
+            </a:pPr>
+            <a:r>
+              <a:rPr lang="en-US" sz="2000" i="0" dirty="0">
+                <a:latin typeface="Courier New" panose="02070309020205020404" pitchFamily="49" charset="0"/>
+                <a:cs typeface="Courier New" panose="02070309020205020404" pitchFamily="49" charset="0"/>
+              </a:rPr>
+              <a:t>         &gt;  docker run –p 8000:8000 radiasoft/sirepo</a:t>
+            </a:r>
+            <a:endParaRPr lang="en-US" i="0" dirty="0">
+              <a:latin typeface="Courier New" panose="02070309020205020404" pitchFamily="49" charset="0"/>
+              <a:cs typeface="Courier New" panose="02070309020205020404" pitchFamily="49" charset="0"/>
+            </a:endParaRPr>
+          </a:p>
+          <a:p>
+            <a:pPr lvl="2"/>
+            <a:endParaRPr lang="en-US" sz="1400" i="0" dirty="0"/>
+          </a:p>
+          <a:p>
+            <a:r>
+              <a:rPr lang="en-US" sz="2000" i="0" dirty="0"/>
+              <a:t>RadiaSoft code on GitHub:    </a:t>
+            </a:r>
+            <a:r>
+              <a:rPr lang="en-US" sz="1600" i="0" u="sng" dirty="0">
+                <a:solidFill>
+                  <a:srgbClr val="000000"/>
+                </a:solidFill>
+                <a:latin typeface="Courier New" panose="02070309020205020404" pitchFamily="49" charset="0"/>
+                <a:hlinkClick r:id="rId3"/>
+              </a:rPr>
+              <a:t>http://sirepo.com</a:t>
+            </a:r>
+            <a:r>
+              <a:rPr lang="en-US" sz="1600" i="0" dirty="0">
+                <a:solidFill>
+                  <a:srgbClr val="000000"/>
+                </a:solidFill>
+              </a:rPr>
+              <a:t>          </a:t>
+            </a:r>
+            <a:r>
+              <a:rPr lang="en-US" sz="1600" i="0" dirty="0">
+                <a:solidFill>
+                  <a:srgbClr val="0070C0"/>
+                </a:solidFill>
+              </a:rPr>
+              <a:t>(primary repo)</a:t>
+            </a:r>
+            <a:endParaRPr lang="en-US" sz="2000" i="0" dirty="0">
+              <a:solidFill>
+                <a:srgbClr val="0070C0"/>
+              </a:solidFill>
+            </a:endParaRPr>
+          </a:p>
+          <a:p>
+            <a:pPr marL="457200" lvl="1" indent="0">
+              <a:buNone/>
+            </a:pPr>
+            <a:r>
+              <a:rPr lang="en-US" sz="1600" i="0" dirty="0">
+                <a:cs typeface="Courier New" panose="02070309020205020404" pitchFamily="49" charset="0"/>
+              </a:rPr>
+              <a:t>                                                               </a:t>
+            </a:r>
+            <a:r>
+              <a:rPr lang="en-US" sz="1600" i="0" dirty="0">
+                <a:latin typeface="Courier New" panose="02070309020205020404" pitchFamily="49" charset="0"/>
+                <a:cs typeface="Courier New" panose="02070309020205020404" pitchFamily="49" charset="0"/>
+                <a:hlinkClick r:id="rId4"/>
+              </a:rPr>
+              <a:t>https://github.com/radiasoft</a:t>
+            </a:r>
+            <a:r>
+              <a:rPr lang="en-US" sz="1600" i="0" dirty="0">
+                <a:latin typeface="Courier New" panose="02070309020205020404" pitchFamily="49" charset="0"/>
+                <a:cs typeface="Courier New" panose="02070309020205020404" pitchFamily="49" charset="0"/>
+              </a:rPr>
+              <a:t>  </a:t>
+            </a:r>
+            <a:r>
+              <a:rPr lang="en-US" sz="1600" i="0" dirty="0">
+                <a:cs typeface="Courier New" panose="02070309020205020404" pitchFamily="49" charset="0"/>
+              </a:rPr>
+              <a:t>(all)</a:t>
+            </a:r>
+          </a:p>
+          <a:p>
+            <a:pPr lvl="3"/>
+            <a:endParaRPr lang="en-US" sz="1400" i="0" dirty="0">
+              <a:cs typeface="Courier New" panose="02070309020205020404" pitchFamily="49" charset="0"/>
+            </a:endParaRPr>
+          </a:p>
+          <a:p>
+            <a:r>
+              <a:rPr lang="en-US" sz="2000" i="0" dirty="0"/>
+              <a:t>Try it yourself on RadiaSoft servers:  </a:t>
+            </a:r>
+            <a:r>
+              <a:rPr lang="en-US" sz="1600" i="0" dirty="0">
+                <a:latin typeface="Courier New" panose="02070309020205020404" pitchFamily="49" charset="0"/>
+                <a:cs typeface="Courier New" panose="02070309020205020404" pitchFamily="49" charset="0"/>
+                <a:hlinkClick r:id="rId5"/>
+              </a:rPr>
+              <a:t>https://beta.sirepo.com</a:t>
+            </a:r>
+            <a:r>
+              <a:rPr lang="en-US" sz="1800" i="0" dirty="0">
+                <a:latin typeface="Courier New" panose="02070309020205020404" pitchFamily="49" charset="0"/>
+                <a:cs typeface="Courier New" panose="02070309020205020404" pitchFamily="49" charset="0"/>
+              </a:rPr>
+              <a:t> </a:t>
+            </a:r>
+            <a:endParaRPr lang="en-US" sz="2000" i="0" dirty="0"/>
+          </a:p>
+          <a:p>
+            <a:pPr marL="457200" lvl="1" indent="0">
+              <a:buNone/>
+            </a:pPr>
+            <a:r>
+              <a:rPr lang="en-US" sz="1600" i="0" dirty="0"/>
+              <a:t>                                                                           </a:t>
+            </a:r>
+            <a:r>
+              <a:rPr lang="en-US" sz="1600" i="0" dirty="0">
+                <a:latin typeface="Courier New" panose="02070309020205020404" pitchFamily="49" charset="0"/>
+                <a:cs typeface="Courier New" panose="02070309020205020404" pitchFamily="49" charset="0"/>
+                <a:hlinkClick r:id="rId6"/>
+              </a:rPr>
+              <a:t>https://jupyter.radiasoft.org</a:t>
+            </a:r>
+            <a:r>
+              <a:rPr lang="en-US" sz="1600" i="0" dirty="0"/>
+              <a:t> </a:t>
+            </a:r>
+            <a:endParaRPr lang="en-US" sz="1400" i="0" dirty="0">
+              <a:latin typeface="Courier New" panose="02070309020205020404" pitchFamily="49" charset="0"/>
+              <a:cs typeface="Courier New" panose="02070309020205020404" pitchFamily="49" charset="0"/>
+            </a:endParaRPr>
+          </a:p>
+        </p:txBody>
+      </p:sp>
+      <p:sp>
+        <p:nvSpPr>
+          <p:cNvPr id="4" name="TextBox 3"/>
+          <p:cNvSpPr txBox="1"/>
+          <p:nvPr/>
+        </p:nvSpPr>
+        <p:spPr>
+          <a:xfrm>
+            <a:off x="2822331" y="791301"/>
+            <a:ext cx="5284177" cy="369332"/>
+          </a:xfrm>
+          <a:prstGeom prst="rect">
+            <a:avLst/>
+          </a:prstGeom>
+          <a:noFill/>
+        </p:spPr>
+        <p:txBody>
+          <a:bodyPr wrap="square" rtlCol="0">
+            <a:spAutoFit/>
+          </a:bodyPr>
+          <a:lstStyle/>
+          <a:p>
+            <a:r>
+              <a:rPr lang="en-US" dirty="0">
+                <a:latin typeface="Courier New" panose="02070309020205020404" pitchFamily="49" charset="0"/>
+                <a:cs typeface="Courier New" panose="02070309020205020404" pitchFamily="49" charset="0"/>
+                <a:hlinkClick r:id="rId7"/>
+              </a:rPr>
+              <a:t>https://hub.docker.com/r/radiasoft/</a:t>
+            </a:r>
+            <a:r>
+              <a:rPr lang="en-US" dirty="0">
+                <a:latin typeface="Courier New" panose="02070309020205020404" pitchFamily="49" charset="0"/>
+                <a:cs typeface="Courier New" panose="02070309020205020404" pitchFamily="49" charset="0"/>
+              </a:rPr>
+              <a:t> </a:t>
+            </a:r>
+          </a:p>
+        </p:txBody>
+      </p:sp>
+    </p:spTree>
+    <p:extLst>
+      <p:ext uri="{BB962C8B-B14F-4D97-AF65-F5344CB8AC3E}">
+        <p14:creationId xmlns:p14="http://schemas.microsoft.com/office/powerpoint/2010/main" val="1528542507"/>
+      </p:ext>
+    </p:extLst>
+  </p:cSld>
+  <p:clrMapOvr>
+    <a:masterClrMapping/>
+  </p:clrMapOvr>
+</p:sld>
+</file>
+
+<file path=ppt/slides/slide14.xml><?xml version="1.0" encoding="utf-8"?>
+<p:sld xmlns:a="http://schemas.openxmlformats.org/drawingml/2006/main" xmlns:r="http://schemas.openxmlformats.org/officeDocument/2006/relationships" xmlns:p="http://schemas.openxmlformats.org/presentationml/2006/main">
+  <p:cSld>
+    <p:spTree>
+      <p:nvGrpSpPr>
+        <p:cNvPr id="1" name=""/>
+        <p:cNvGrpSpPr/>
+        <p:nvPr/>
+      </p:nvGrpSpPr>
+      <p:grpSpPr>
+        <a:xfrm>
+          <a:off x="0" y="0"/>
+          <a:ext cx="0" cy="0"/>
+          <a:chOff x="0" y="0"/>
+          <a:chExt cx="0" cy="0"/>
+        </a:xfrm>
+      </p:grpSpPr>
+      <p:sp>
+        <p:nvSpPr>
+          <p:cNvPr id="2" name="Title 1"/>
+          <p:cNvSpPr>
+            <a:spLocks noGrp="1"/>
+          </p:cNvSpPr>
+          <p:nvPr>
+            <p:ph type="title"/>
+          </p:nvPr>
+        </p:nvSpPr>
+        <p:spPr>
+          <a:xfrm>
+            <a:off x="975946" y="298936"/>
+            <a:ext cx="8015654" cy="589085"/>
+          </a:xfrm>
+        </p:spPr>
+        <p:txBody>
+          <a:bodyPr>
+            <a:normAutofit/>
+          </a:bodyPr>
+          <a:lstStyle/>
+          <a:p>
+            <a:r>
+              <a:rPr lang="en-US" dirty="0"/>
+              <a:t>Version Management</a:t>
+            </a:r>
+          </a:p>
+        </p:txBody>
+      </p:sp>
+      <p:sp>
+        <p:nvSpPr>
+          <p:cNvPr id="3" name="Content Placeholder 2"/>
+          <p:cNvSpPr>
+            <a:spLocks noGrp="1"/>
+          </p:cNvSpPr>
+          <p:nvPr>
+            <p:ph idx="1"/>
+          </p:nvPr>
+        </p:nvSpPr>
+        <p:spPr>
+          <a:xfrm>
+            <a:off x="152400" y="1002323"/>
+            <a:ext cx="8839200" cy="5161086"/>
+          </a:xfrm>
+        </p:spPr>
+        <p:txBody>
+          <a:bodyPr>
+            <a:normAutofit/>
+          </a:bodyPr>
+          <a:lstStyle/>
+          <a:p>
+            <a:r>
+              <a:rPr lang="en-US" i="0" dirty="0"/>
+              <a:t>Images are identified by chronological version</a:t>
+            </a:r>
+          </a:p>
+          <a:p>
+            <a:pPr lvl="1"/>
+            <a:r>
+              <a:rPr lang="en-US" i="0" dirty="0"/>
+              <a:t>does not interfere with systems used by the code developers</a:t>
+            </a:r>
+          </a:p>
+          <a:p>
+            <a:pPr lvl="1"/>
+            <a:r>
+              <a:rPr lang="en-US" i="0" dirty="0"/>
+              <a:t>provides meaningful versioning, as necessary for reproducibility</a:t>
+            </a:r>
+          </a:p>
+          <a:p>
+            <a:r>
+              <a:rPr lang="en-US" i="0" dirty="0"/>
+              <a:t>Channels are declared for the main git branch:</a:t>
+            </a:r>
+          </a:p>
+          <a:p>
+            <a:pPr lvl="1"/>
+            <a:r>
+              <a:rPr lang="en-US" i="0" dirty="0"/>
+              <a:t>dev    (latest, specified by default)</a:t>
+            </a:r>
+          </a:p>
+          <a:p>
+            <a:pPr lvl="1"/>
+            <a:r>
+              <a:rPr lang="en-US" i="0" dirty="0"/>
+              <a:t>alpha (internal testing)</a:t>
+            </a:r>
+          </a:p>
+          <a:p>
+            <a:pPr lvl="1"/>
+            <a:r>
+              <a:rPr lang="en-US" i="0" dirty="0"/>
+              <a:t>beta   (external testing)</a:t>
+            </a:r>
+          </a:p>
+          <a:p>
+            <a:pPr lvl="1"/>
+            <a:r>
+              <a:rPr lang="en-US" i="0" dirty="0"/>
+              <a:t>prod   (ready for production release)</a:t>
+            </a:r>
+          </a:p>
+          <a:p>
+            <a:r>
+              <a:rPr lang="en-US" i="0" dirty="0"/>
+              <a:t>Each container image includes a ‘manifest’</a:t>
+            </a:r>
+          </a:p>
+          <a:p>
+            <a:pPr lvl="1"/>
+            <a:r>
+              <a:rPr lang="en-US" i="0" dirty="0"/>
+              <a:t>describes the image &amp; codes,   rsmanifest.json</a:t>
+            </a:r>
+          </a:p>
+          <a:p>
+            <a:r>
+              <a:rPr lang="en-US" i="0" dirty="0"/>
+              <a:t>Source code for each application is stored in the image</a:t>
+            </a:r>
+          </a:p>
+          <a:p>
+            <a:r>
+              <a:rPr lang="en-US" i="0" dirty="0"/>
+              <a:t>Code versions/commits can be queried by simulations</a:t>
+            </a:r>
+          </a:p>
+        </p:txBody>
+      </p:sp>
+    </p:spTree>
+    <p:extLst>
+      <p:ext uri="{BB962C8B-B14F-4D97-AF65-F5344CB8AC3E}">
+        <p14:creationId xmlns:p14="http://schemas.microsoft.com/office/powerpoint/2010/main" val="2525692851"/>
+      </p:ext>
+    </p:extLst>
+  </p:cSld>
+  <p:clrMapOvr>
+    <a:masterClrMapping/>
+  </p:clrMapOvr>
+</p:sld>
+</file>
+
+<file path=ppt/slides/slide15.xml><?xml version="1.0" encoding="utf-8"?>
+<p:sld xmlns:a="http://schemas.openxmlformats.org/drawingml/2006/main" xmlns:r="http://schemas.openxmlformats.org/officeDocument/2006/relationships" xmlns:p="http://schemas.openxmlformats.org/presentationml/2006/main">
+  <p:cSld>
+    <p:spTree>
+      <p:nvGrpSpPr>
+        <p:cNvPr id="1" name=""/>
+        <p:cNvGrpSpPr/>
+        <p:nvPr/>
+      </p:nvGrpSpPr>
+      <p:grpSpPr>
+        <a:xfrm>
+          <a:off x="0" y="0"/>
+          <a:ext cx="0" cy="0"/>
+          <a:chOff x="0" y="0"/>
+          <a:chExt cx="0" cy="0"/>
+        </a:xfrm>
+      </p:grpSpPr>
+      <p:sp>
+        <p:nvSpPr>
+          <p:cNvPr id="2" name="Title 1"/>
+          <p:cNvSpPr>
+            <a:spLocks noGrp="1"/>
+          </p:cNvSpPr>
+          <p:nvPr>
+            <p:ph type="title"/>
+          </p:nvPr>
+        </p:nvSpPr>
+        <p:spPr>
+          <a:xfrm>
+            <a:off x="975946" y="172117"/>
+            <a:ext cx="8015654" cy="589085"/>
+          </a:xfrm>
+        </p:spPr>
+        <p:txBody>
+          <a:bodyPr>
+            <a:normAutofit/>
+          </a:bodyPr>
+          <a:lstStyle/>
+          <a:p>
+            <a:r>
+              <a:rPr lang="en-US" dirty="0"/>
+              <a:t>The Browser is the Scientific UI</a:t>
+            </a:r>
+          </a:p>
+        </p:txBody>
+      </p:sp>
+      <p:sp>
+        <p:nvSpPr>
+          <p:cNvPr id="3" name="Content Placeholder 2"/>
+          <p:cNvSpPr>
+            <a:spLocks noGrp="1"/>
+          </p:cNvSpPr>
+          <p:nvPr>
+            <p:ph idx="1"/>
+          </p:nvPr>
+        </p:nvSpPr>
+        <p:spPr>
+          <a:xfrm>
+            <a:off x="698242" y="2857500"/>
+            <a:ext cx="8120444" cy="3209184"/>
+          </a:xfrm>
+        </p:spPr>
+        <p:txBody>
+          <a:bodyPr>
+            <a:normAutofit/>
+          </a:bodyPr>
+          <a:lstStyle/>
+          <a:p>
+            <a:r>
+              <a:rPr lang="en-US" sz="2800" i="0" dirty="0"/>
+              <a:t>Easy sharing via links  (&amp; many other ways)</a:t>
+            </a:r>
+          </a:p>
+          <a:p>
+            <a:r>
+              <a:rPr lang="en-US" sz="2800" i="0" dirty="0"/>
+              <a:t>Nothing to </a:t>
+            </a:r>
+            <a:r>
+              <a:rPr lang="en-US" sz="2800" dirty="0"/>
+              <a:t>compile</a:t>
+            </a:r>
+            <a:r>
+              <a:rPr lang="en-US" sz="2800" i="0" dirty="0"/>
+              <a:t> or </a:t>
+            </a:r>
+            <a:r>
+              <a:rPr lang="en-US" sz="2800" dirty="0"/>
+              <a:t>build</a:t>
+            </a:r>
+            <a:r>
+              <a:rPr lang="en-US" sz="2800" i="0" dirty="0"/>
+              <a:t> or </a:t>
+            </a:r>
+            <a:r>
+              <a:rPr lang="en-US" sz="2800" dirty="0"/>
+              <a:t>install</a:t>
+            </a:r>
+          </a:p>
+          <a:p>
+            <a:r>
+              <a:rPr lang="en-US" sz="2800" i="0" dirty="0"/>
+              <a:t>Work from either your tablet &amp; desktop</a:t>
+            </a:r>
+          </a:p>
+          <a:p>
+            <a:r>
+              <a:rPr lang="en-US" sz="2800" i="0" dirty="0"/>
+              <a:t>Fast, interactive scientific plotting</a:t>
+            </a:r>
+          </a:p>
+          <a:p>
+            <a:r>
+              <a:rPr lang="en-US" sz="2800" i="0" dirty="0"/>
+              <a:t>Modern JavaScript:</a:t>
+            </a:r>
+          </a:p>
+          <a:p>
+            <a:pPr lvl="1"/>
+            <a:r>
+              <a:rPr lang="en-US" sz="2400" i="0" dirty="0"/>
+              <a:t>Angular, Bootstrap, D3.js</a:t>
+            </a:r>
+          </a:p>
+        </p:txBody>
+      </p:sp>
+      <p:pic>
+        <p:nvPicPr>
+          <p:cNvPr id="4" name="Picture 3" descr="bootstrap.png"/>
+          <p:cNvPicPr>
+            <a:picLocks noChangeAspect="1"/>
+          </p:cNvPicPr>
+          <p:nvPr/>
+        </p:nvPicPr>
+        <p:blipFill>
+          <a:blip r:embed="rId3" cstate="print">
+            <a:extLst>
+              <a:ext uri="{28A0092B-C50C-407E-A947-70E740481C1C}">
+                <a14:useLocalDpi xmlns:a14="http://schemas.microsoft.com/office/drawing/2010/main" val="0"/>
+              </a:ext>
+            </a:extLst>
+          </a:blip>
+          <a:stretch>
+            <a:fillRect/>
+          </a:stretch>
+        </p:blipFill>
+        <p:spPr>
+          <a:xfrm>
+            <a:off x="3692771" y="1028417"/>
+            <a:ext cx="1426862" cy="1426862"/>
+          </a:xfrm>
+          <a:prstGeom prst="rect">
+            <a:avLst/>
+          </a:prstGeom>
+        </p:spPr>
+      </p:pic>
+      <p:pic>
+        <p:nvPicPr>
+          <p:cNvPr id="5" name="Picture 4" descr="angular.png"/>
+          <p:cNvPicPr>
+            <a:picLocks noChangeAspect="1"/>
+          </p:cNvPicPr>
+          <p:nvPr/>
+        </p:nvPicPr>
+        <p:blipFill>
+          <a:blip r:embed="rId4">
+            <a:extLst>
+              <a:ext uri="{28A0092B-C50C-407E-A947-70E740481C1C}">
+                <a14:useLocalDpi xmlns:a14="http://schemas.microsoft.com/office/drawing/2010/main" val="0"/>
+              </a:ext>
+            </a:extLst>
+          </a:blip>
+          <a:stretch>
+            <a:fillRect/>
+          </a:stretch>
+        </p:blipFill>
+        <p:spPr>
+          <a:xfrm>
+            <a:off x="698241" y="805700"/>
+            <a:ext cx="1860321" cy="1860321"/>
+          </a:xfrm>
+          <a:prstGeom prst="rect">
+            <a:avLst/>
+          </a:prstGeom>
+        </p:spPr>
+      </p:pic>
+      <p:pic>
+        <p:nvPicPr>
+          <p:cNvPr id="6" name="Picture 5" descr="d3.png"/>
+          <p:cNvPicPr>
+            <a:picLocks noChangeAspect="1"/>
+          </p:cNvPicPr>
+          <p:nvPr/>
+        </p:nvPicPr>
+        <p:blipFill>
+          <a:blip r:embed="rId5" cstate="print">
+            <a:extLst>
+              <a:ext uri="{28A0092B-C50C-407E-A947-70E740481C1C}">
+                <a14:useLocalDpi xmlns:a14="http://schemas.microsoft.com/office/drawing/2010/main" val="0"/>
+              </a:ext>
+            </a:extLst>
+          </a:blip>
+          <a:stretch>
+            <a:fillRect/>
+          </a:stretch>
+        </p:blipFill>
+        <p:spPr>
+          <a:xfrm>
+            <a:off x="6418386" y="1028417"/>
+            <a:ext cx="1489358" cy="1414889"/>
+          </a:xfrm>
+          <a:prstGeom prst="rect">
+            <a:avLst/>
+          </a:prstGeom>
+        </p:spPr>
+      </p:pic>
+    </p:spTree>
+    <p:extLst>
+      <p:ext uri="{BB962C8B-B14F-4D97-AF65-F5344CB8AC3E}">
+        <p14:creationId xmlns:p14="http://schemas.microsoft.com/office/powerpoint/2010/main" val="205565935"/>
+      </p:ext>
+    </p:extLst>
+  </p:cSld>
+  <p:clrMapOvr>
+    <a:masterClrMapping/>
+  </p:clrMapOvr>
+</p:sld>
+</file>
+
+<file path=ppt/slides/slide16.xml><?xml version="1.0" encoding="utf-8"?>
+<p:sld xmlns:a="http://schemas.openxmlformats.org/drawingml/2006/main" xmlns:r="http://schemas.openxmlformats.org/officeDocument/2006/relationships" xmlns:p="http://schemas.openxmlformats.org/presentationml/2006/main">
+  <p:cSld>
+    <p:spTree>
+      <p:nvGrpSpPr>
+        <p:cNvPr id="1" name=""/>
+        <p:cNvGrpSpPr/>
+        <p:nvPr/>
+      </p:nvGrpSpPr>
+      <p:grpSpPr>
+        <a:xfrm>
+          <a:off x="0" y="0"/>
+          <a:ext cx="0" cy="0"/>
+          <a:chOff x="0" y="0"/>
+          <a:chExt cx="0" cy="0"/>
+        </a:xfrm>
+      </p:grpSpPr>
+      <p:sp>
+        <p:nvSpPr>
+          <p:cNvPr id="2" name="Title 1"/>
+          <p:cNvSpPr>
+            <a:spLocks noGrp="1"/>
+          </p:cNvSpPr>
+          <p:nvPr>
+            <p:ph type="title"/>
+          </p:nvPr>
+        </p:nvSpPr>
+        <p:spPr>
+          <a:xfrm>
+            <a:off x="975945" y="430821"/>
+            <a:ext cx="8015654" cy="589085"/>
+          </a:xfrm>
+        </p:spPr>
+        <p:txBody>
+          <a:bodyPr>
+            <a:normAutofit/>
+          </a:bodyPr>
+          <a:lstStyle/>
+          <a:p>
+            <a:r>
+              <a:rPr lang="en-US" dirty="0"/>
+              <a:t>Conclusion:  many ways to share</a:t>
+            </a:r>
+          </a:p>
+        </p:txBody>
+      </p:sp>
+      <p:sp>
+        <p:nvSpPr>
+          <p:cNvPr id="3" name="Content Placeholder 2"/>
+          <p:cNvSpPr>
+            <a:spLocks noGrp="1"/>
+          </p:cNvSpPr>
+          <p:nvPr>
+            <p:ph idx="1"/>
+          </p:nvPr>
+        </p:nvSpPr>
+        <p:spPr>
+          <a:xfrm>
+            <a:off x="773722" y="1213337"/>
+            <a:ext cx="8217877" cy="4950071"/>
+          </a:xfrm>
+        </p:spPr>
+        <p:txBody>
+          <a:bodyPr>
+            <a:normAutofit/>
+          </a:bodyPr>
+          <a:lstStyle/>
+          <a:p>
+            <a:r>
+              <a:rPr lang="en-US" i="0" dirty="0"/>
+              <a:t>Simple web link to run on the same server</a:t>
+            </a:r>
+          </a:p>
+          <a:p>
+            <a:pPr lvl="1"/>
+            <a:r>
+              <a:rPr lang="en-US" i="0" dirty="0"/>
+              <a:t>email or IM a URL to your colleague</a:t>
+            </a:r>
+          </a:p>
+          <a:p>
+            <a:r>
+              <a:rPr lang="en-US" i="0" dirty="0"/>
+              <a:t>Self-extracting simulations</a:t>
+            </a:r>
+          </a:p>
+          <a:p>
+            <a:pPr lvl="1"/>
+            <a:r>
+              <a:rPr lang="en-US" i="0" dirty="0"/>
+              <a:t>alternative to URL when colleague uses different server</a:t>
+            </a:r>
+          </a:p>
+          <a:p>
+            <a:pPr lvl="1"/>
+            <a:r>
+              <a:rPr lang="en-US" i="0" dirty="0"/>
+              <a:t>put (potentially large) HTML file on Dropbox (for example)</a:t>
+            </a:r>
+          </a:p>
+          <a:p>
+            <a:pPr lvl="1"/>
+            <a:r>
+              <a:rPr lang="en-US" i="0" dirty="0"/>
+              <a:t>colleague double-clicks and specifies Sirepo server to use</a:t>
+            </a:r>
+          </a:p>
+          <a:p>
+            <a:r>
+              <a:rPr lang="en-US" i="0" dirty="0"/>
+              <a:t>Zipped archive (used for self-extracting feature)</a:t>
+            </a:r>
+          </a:p>
+          <a:p>
+            <a:r>
+              <a:rPr lang="en-US" i="0" dirty="0"/>
+              <a:t>Python source for CLI</a:t>
+            </a:r>
+          </a:p>
+          <a:p>
+            <a:pPr lvl="1"/>
+            <a:r>
+              <a:rPr lang="en-US" i="0" dirty="0"/>
+              <a:t>the Sirepo GUI never constrains power users</a:t>
+            </a:r>
+          </a:p>
+          <a:p>
+            <a:pPr lvl="1"/>
+            <a:r>
+              <a:rPr lang="en-US" i="0" dirty="0"/>
+              <a:t>easy interaction between new users and expert</a:t>
+            </a:r>
+          </a:p>
+          <a:p>
+            <a:r>
+              <a:rPr lang="en-US" i="0" dirty="0"/>
+              <a:t>IPython/Jupyter compatible</a:t>
+            </a:r>
+          </a:p>
+          <a:p>
+            <a:pPr lvl="1"/>
+            <a:r>
+              <a:rPr lang="en-US" i="0" dirty="0"/>
+              <a:t>manual now, but will be automated in the future</a:t>
+            </a:r>
+          </a:p>
+          <a:p>
+            <a:endParaRPr lang="en-US" i="0" dirty="0"/>
+          </a:p>
+        </p:txBody>
+      </p:sp>
+    </p:spTree>
+    <p:extLst>
+      <p:ext uri="{BB962C8B-B14F-4D97-AF65-F5344CB8AC3E}">
+        <p14:creationId xmlns:p14="http://schemas.microsoft.com/office/powerpoint/2010/main" val="1656982388"/>
+      </p:ext>
+    </p:extLst>
+  </p:cSld>
+  <p:clrMapOvr>
+    <a:masterClrMapping/>
+  </p:clrMapOvr>
+</p:sld>
+</file>
+
+<file path=ppt/slides/slide2.xml><?xml version="1.0" encoding="utf-8"?>
+<p:sld xmlns:a="http://schemas.openxmlformats.org/drawingml/2006/main" xmlns:r="http://schemas.openxmlformats.org/officeDocument/2006/relationships" xmlns:p="http://schemas.openxmlformats.org/presentationml/2006/main">
+  <p:cSld>
+    <p:spTree>
+      <p:nvGrpSpPr>
+        <p:cNvPr id="1" name=""/>
+        <p:cNvGrpSpPr/>
+        <p:nvPr/>
+      </p:nvGrpSpPr>
+      <p:grpSpPr>
+        <a:xfrm>
+          <a:off x="0" y="0"/>
+          <a:ext cx="0" cy="0"/>
+          <a:chOff x="0" y="0"/>
+          <a:chExt cx="0" cy="0"/>
+        </a:xfrm>
+      </p:grpSpPr>
+      <p:sp>
+        <p:nvSpPr>
+          <p:cNvPr id="2" name="Title 1"/>
+          <p:cNvSpPr>
+            <a:spLocks noGrp="1"/>
+          </p:cNvSpPr>
+          <p:nvPr>
+            <p:ph type="title"/>
+          </p:nvPr>
+        </p:nvSpPr>
+        <p:spPr>
+          <a:xfrm>
+            <a:off x="0" y="140672"/>
+            <a:ext cx="9144000" cy="589085"/>
+          </a:xfrm>
+        </p:spPr>
+        <p:txBody>
+          <a:bodyPr>
+            <a:normAutofit/>
+          </a:bodyPr>
+          <a:lstStyle/>
+          <a:p>
+            <a:r>
+              <a:rPr lang="en-US" dirty="0"/>
+              <a:t>Motivation</a:t>
+            </a:r>
+          </a:p>
+        </p:txBody>
+      </p:sp>
+      <p:sp>
+        <p:nvSpPr>
+          <p:cNvPr id="3" name="Content Placeholder 2"/>
+          <p:cNvSpPr>
+            <a:spLocks noGrp="1"/>
+          </p:cNvSpPr>
+          <p:nvPr>
+            <p:ph idx="1"/>
+          </p:nvPr>
+        </p:nvSpPr>
+        <p:spPr>
+          <a:xfrm>
+            <a:off x="276639" y="791301"/>
+            <a:ext cx="8608944" cy="4259670"/>
+          </a:xfrm>
+        </p:spPr>
+        <p:txBody>
+          <a:bodyPr>
+            <a:normAutofit/>
+          </a:bodyPr>
+          <a:lstStyle/>
+          <a:p>
+            <a:r>
+              <a:rPr lang="en-US" sz="1800" i="0" dirty="0"/>
+              <a:t>Scientific research should be reproducible</a:t>
+            </a:r>
+          </a:p>
+          <a:p>
+            <a:pPr lvl="1"/>
+            <a:r>
+              <a:rPr lang="en-US" sz="1600" i="0" dirty="0"/>
+              <a:t>every scientist agrees in principle</a:t>
+            </a:r>
+          </a:p>
+          <a:p>
+            <a:r>
+              <a:rPr lang="en-US" sz="1800" i="0" dirty="0"/>
+              <a:t>There are three primary branches of scientific inquiry </a:t>
+            </a:r>
+          </a:p>
+          <a:p>
+            <a:pPr lvl="1"/>
+            <a:r>
+              <a:rPr lang="en-US" sz="1600" i="0" dirty="0"/>
+              <a:t>theory:  logic, physics &amp; mathematics must be clear and correct</a:t>
+            </a:r>
+          </a:p>
+          <a:p>
+            <a:pPr lvl="2"/>
+            <a:r>
+              <a:rPr lang="en-US" sz="1400" b="1" i="0" dirty="0"/>
+              <a:t>essentially no problem, assuming rigorous peer review</a:t>
+            </a:r>
+          </a:p>
+          <a:p>
+            <a:pPr lvl="1"/>
+            <a:r>
+              <a:rPr lang="en-US" sz="1600" i="0" dirty="0"/>
+              <a:t>experiment:  descriptions of apparatus, methods, data collection &amp; analysis</a:t>
+            </a:r>
+          </a:p>
+          <a:p>
+            <a:pPr lvl="2"/>
+            <a:r>
+              <a:rPr lang="en-US" sz="1400" b="1" i="0" dirty="0"/>
+              <a:t>producing and/or collecting data is beyond the scope considered here</a:t>
+            </a:r>
+          </a:p>
+          <a:p>
+            <a:pPr lvl="2"/>
+            <a:r>
+              <a:rPr lang="en-US" sz="1400" b="1" i="0" dirty="0"/>
+              <a:t>data archival, post-processing, analysis and viz should all be reproducible</a:t>
+            </a:r>
+          </a:p>
+          <a:p>
+            <a:pPr lvl="1"/>
+            <a:r>
+              <a:rPr lang="en-US" sz="1600" i="0" dirty="0"/>
+              <a:t>computation:  similar to experiments, but it’s possible to do much better</a:t>
+            </a:r>
+          </a:p>
+          <a:p>
+            <a:pPr lvl="2"/>
+            <a:r>
+              <a:rPr lang="en-US" sz="1400" b="1" i="0" dirty="0"/>
+              <a:t>this is the focus of today’s lecture</a:t>
+            </a:r>
+          </a:p>
+          <a:p>
+            <a:pPr lvl="2"/>
+            <a:r>
+              <a:rPr lang="en-US" sz="1400" b="1" i="0" dirty="0"/>
+              <a:t>software is inherently replicable</a:t>
+            </a:r>
+          </a:p>
+          <a:p>
+            <a:r>
+              <a:rPr lang="en-US" sz="1800" i="0" dirty="0"/>
+              <a:t>Funding agencies (i.e. the community) is asking for reproducibility</a:t>
+            </a:r>
+          </a:p>
+          <a:p>
+            <a:pPr lvl="1"/>
+            <a:r>
+              <a:rPr lang="en-US" sz="1600" i="0" dirty="0"/>
+              <a:t>US Department of Energy requires a Digital Management Plan</a:t>
+            </a:r>
+          </a:p>
+          <a:p>
+            <a:pPr lvl="2"/>
+            <a:r>
+              <a:rPr lang="en-US" sz="1400" b="1" i="0" dirty="0"/>
+              <a:t>https://science.energy.gov/funding-opportunities/digital-data-management</a:t>
+            </a:r>
+          </a:p>
+          <a:p>
+            <a:endParaRPr lang="en-US" sz="2000" i="0" dirty="0"/>
+          </a:p>
+        </p:txBody>
+      </p:sp>
+      <p:sp>
+        <p:nvSpPr>
+          <p:cNvPr id="4" name="TextBox 3">
+            <a:extLst>
+              <a:ext uri="{FF2B5EF4-FFF2-40B4-BE49-F238E27FC236}">
+                <a16:creationId xmlns:a16="http://schemas.microsoft.com/office/drawing/2014/main" id="{7513C421-393B-4FF0-932C-5CBCC33C43BF}"/>
+              </a:ext>
+            </a:extLst>
+          </p:cNvPr>
+          <p:cNvSpPr txBox="1"/>
+          <p:nvPr/>
+        </p:nvSpPr>
+        <p:spPr>
+          <a:xfrm>
+            <a:off x="1184365" y="4915149"/>
+            <a:ext cx="7733211" cy="1169551"/>
+          </a:xfrm>
+          <a:prstGeom prst="rect">
+            <a:avLst/>
+          </a:prstGeom>
+          <a:noFill/>
+        </p:spPr>
+        <p:txBody>
+          <a:bodyPr wrap="square" rtlCol="0">
+            <a:spAutoFit/>
+          </a:bodyPr>
+          <a:lstStyle/>
+          <a:p>
+            <a:r>
+              <a:rPr lang="en-US" sz="1400" dirty="0">
+                <a:latin typeface="Times New Roman" panose="02020603050405020304" pitchFamily="18" charset="0"/>
+                <a:cs typeface="Times New Roman" panose="02020603050405020304" pitchFamily="18" charset="0"/>
+              </a:rPr>
+              <a:t>Sharing and preserving data are central to protecting the integrity of science by facilitating validation of results and to advancing science by broadening the value of research data to disciplines other than the originating one and to society at large. To the greatest extent and with the fewest constraints possible, and consistent with the requirements and other principles of this Statement, data sharing should make digital research data available to and useful for the scientific community, industry, and the public. </a:t>
+            </a:r>
+            <a:endParaRPr lang="en-US" sz="1600" dirty="0">
+              <a:latin typeface="Times New Roman" panose="02020603050405020304" pitchFamily="18" charset="0"/>
+              <a:cs typeface="Times New Roman" panose="02020603050405020304" pitchFamily="18" charset="0"/>
+            </a:endParaRPr>
+          </a:p>
+        </p:txBody>
+      </p:sp>
+    </p:spTree>
+    <p:extLst>
+      <p:ext uri="{BB962C8B-B14F-4D97-AF65-F5344CB8AC3E}">
+        <p14:creationId xmlns:p14="http://schemas.microsoft.com/office/powerpoint/2010/main" val="1148129030"/>
+      </p:ext>
+    </p:extLst>
+  </p:cSld>
+  <p:clrMapOvr>
+    <a:masterClrMapping/>
+  </p:clrMapOvr>
+</p:sld>
+</file>
+
+<file path=ppt/slides/slide3.xml><?xml version="1.0" encoding="utf-8"?>
+<p:sld xmlns:a="http://schemas.openxmlformats.org/drawingml/2006/main" xmlns:r="http://schemas.openxmlformats.org/officeDocument/2006/relationships" xmlns:p="http://schemas.openxmlformats.org/presentationml/2006/main">
+  <p:cSld>
+    <p:spTree>
+      <p:nvGrpSpPr>
+        <p:cNvPr id="1" name=""/>
+        <p:cNvGrpSpPr/>
+        <p:nvPr/>
+      </p:nvGrpSpPr>
+      <p:grpSpPr>
+        <a:xfrm>
+          <a:off x="0" y="0"/>
+          <a:ext cx="0" cy="0"/>
+          <a:chOff x="0" y="0"/>
+          <a:chExt cx="0" cy="0"/>
+        </a:xfrm>
+      </p:grpSpPr>
+      <p:sp>
+        <p:nvSpPr>
+          <p:cNvPr id="2" name="Title 1"/>
+          <p:cNvSpPr>
+            <a:spLocks noGrp="1"/>
+          </p:cNvSpPr>
+          <p:nvPr>
+            <p:ph type="title"/>
+          </p:nvPr>
+        </p:nvSpPr>
+        <p:spPr>
+          <a:xfrm>
+            <a:off x="0" y="140672"/>
+            <a:ext cx="9144000" cy="589085"/>
+          </a:xfrm>
+        </p:spPr>
+        <p:txBody>
+          <a:bodyPr>
+            <a:normAutofit/>
+          </a:bodyPr>
+          <a:lstStyle/>
+          <a:p>
+            <a:r>
+              <a:rPr lang="en-US" dirty="0"/>
+              <a:t>What is meant by Reproducibility?</a:t>
+            </a:r>
+          </a:p>
+        </p:txBody>
+      </p:sp>
+      <p:sp>
+        <p:nvSpPr>
+          <p:cNvPr id="6" name="Content Placeholder 2">
+            <a:extLst>
+              <a:ext uri="{FF2B5EF4-FFF2-40B4-BE49-F238E27FC236}">
+                <a16:creationId xmlns:a16="http://schemas.microsoft.com/office/drawing/2014/main" id="{9081FF26-7AD5-4767-AF65-A27F1769E1FC}"/>
+              </a:ext>
+            </a:extLst>
+          </p:cNvPr>
+          <p:cNvSpPr>
+            <a:spLocks noGrp="1"/>
+          </p:cNvSpPr>
+          <p:nvPr>
+            <p:ph idx="1"/>
+          </p:nvPr>
+        </p:nvSpPr>
+        <p:spPr>
+          <a:xfrm>
+            <a:off x="152400" y="827314"/>
+            <a:ext cx="8839200" cy="3500846"/>
+          </a:xfrm>
+        </p:spPr>
+        <p:txBody>
+          <a:bodyPr>
+            <a:normAutofit/>
+          </a:bodyPr>
+          <a:lstStyle/>
+          <a:p>
+            <a:r>
+              <a:rPr lang="en-US" sz="1800" i="0" dirty="0"/>
+              <a:t>Our intuition comes from the long history of experimental science</a:t>
+            </a:r>
+          </a:p>
+          <a:p>
+            <a:pPr lvl="1"/>
+            <a:r>
+              <a:rPr lang="en-US" sz="1600" i="0" dirty="0"/>
+              <a:t>other scientists try to reproduce an experimental result with their own equipment</a:t>
+            </a:r>
+          </a:p>
+          <a:p>
+            <a:pPr lvl="1"/>
+            <a:r>
+              <a:rPr lang="en-US" dirty="0"/>
+              <a:t>this attitude has carried over to computational science</a:t>
+            </a:r>
+            <a:endParaRPr lang="en-US" sz="1600" i="0" dirty="0"/>
+          </a:p>
+          <a:p>
+            <a:r>
+              <a:rPr lang="en-US" sz="1800" i="0" dirty="0"/>
+              <a:t>However, software and computation are inherently replicable</a:t>
+            </a:r>
+          </a:p>
+          <a:p>
+            <a:pPr lvl="1"/>
+            <a:r>
+              <a:rPr lang="en-US" sz="1600" i="0" dirty="0"/>
+              <a:t>two scientists should be able to get identical results from </a:t>
+            </a:r>
+            <a:r>
+              <a:rPr lang="en-US" sz="1600" b="1" i="1" dirty="0"/>
+              <a:t>the sam</a:t>
+            </a:r>
+            <a:r>
+              <a:rPr lang="en-US" b="1" i="1" dirty="0"/>
+              <a:t>e </a:t>
+            </a:r>
+            <a:r>
+              <a:rPr lang="en-US" dirty="0"/>
+              <a:t>code</a:t>
+            </a:r>
+            <a:endParaRPr lang="en-US" sz="1400" b="1" i="0" dirty="0"/>
+          </a:p>
+          <a:p>
+            <a:r>
+              <a:rPr lang="en-US" sz="1800" i="0" dirty="0"/>
+              <a:t>Reproducibility implies something more:</a:t>
+            </a:r>
+          </a:p>
+          <a:p>
+            <a:pPr lvl="1"/>
+            <a:r>
+              <a:rPr lang="en-US" dirty="0"/>
+              <a:t>two scientists should be able to get identical results from </a:t>
+            </a:r>
+            <a:r>
+              <a:rPr lang="en-US" b="1" i="1" dirty="0"/>
+              <a:t>different </a:t>
+            </a:r>
+            <a:r>
+              <a:rPr lang="en-US" dirty="0"/>
+              <a:t>codes</a:t>
+            </a:r>
+            <a:endParaRPr lang="en-US" sz="1400" b="1" dirty="0"/>
+          </a:p>
+          <a:p>
+            <a:pPr lvl="1"/>
+            <a:r>
+              <a:rPr lang="en-US" sz="1600" i="0" dirty="0"/>
+              <a:t>this implies the two codes have been successfully benchmarked</a:t>
+            </a:r>
+          </a:p>
+          <a:p>
+            <a:r>
+              <a:rPr lang="en-US" sz="1800" i="0" dirty="0"/>
+              <a:t>For this lecture, “computational reproducibility” means “replicability”</a:t>
+            </a:r>
+          </a:p>
+          <a:p>
+            <a:pPr lvl="1"/>
+            <a:r>
+              <a:rPr lang="en-US" dirty="0"/>
+              <a:t>replicability is the essential first step (but more difficult to say…)</a:t>
+            </a:r>
+            <a:endParaRPr lang="en-US" sz="1600" i="0" dirty="0"/>
+          </a:p>
+          <a:p>
+            <a:r>
+              <a:rPr lang="en-US" i="0" dirty="0"/>
+              <a:t>Some links to discussion of the differences in meaning:</a:t>
+            </a:r>
+          </a:p>
+        </p:txBody>
+      </p:sp>
+      <p:sp>
+        <p:nvSpPr>
+          <p:cNvPr id="7" name="TextBox 6">
+            <a:extLst>
+              <a:ext uri="{FF2B5EF4-FFF2-40B4-BE49-F238E27FC236}">
+                <a16:creationId xmlns:a16="http://schemas.microsoft.com/office/drawing/2014/main" id="{FD17F330-126A-4302-ABDD-998D38C067B6}"/>
+              </a:ext>
+            </a:extLst>
+          </p:cNvPr>
+          <p:cNvSpPr txBox="1"/>
+          <p:nvPr/>
+        </p:nvSpPr>
+        <p:spPr>
+          <a:xfrm>
+            <a:off x="374894" y="4347881"/>
+            <a:ext cx="8542683" cy="1354217"/>
+          </a:xfrm>
+          <a:prstGeom prst="rect">
+            <a:avLst/>
+          </a:prstGeom>
+          <a:noFill/>
+        </p:spPr>
+        <p:txBody>
+          <a:bodyPr wrap="square" rtlCol="0">
+            <a:spAutoFit/>
+          </a:bodyPr>
+          <a:lstStyle/>
+          <a:p>
+            <a:pPr marL="227013" indent="-227013">
+              <a:spcBef>
+                <a:spcPts val="300"/>
+              </a:spcBef>
+            </a:pPr>
+            <a:r>
+              <a:rPr lang="en-US" sz="1200" dirty="0">
+                <a:latin typeface="Times New Roman" panose="02020603050405020304" pitchFamily="18" charset="0"/>
+                <a:cs typeface="Times New Roman" panose="02020603050405020304" pitchFamily="18" charset="0"/>
+              </a:rPr>
+              <a:t>M. Liberman (2015), </a:t>
+            </a:r>
+            <a:r>
+              <a:rPr lang="en-US" sz="1200" dirty="0">
+                <a:latin typeface="Times New Roman" panose="02020603050405020304" pitchFamily="18" charset="0"/>
+                <a:cs typeface="Times New Roman" panose="02020603050405020304" pitchFamily="18" charset="0"/>
+                <a:hlinkClick r:id="rId3"/>
+              </a:rPr>
+              <a:t>http://languagelog.ldc.upenn.edu/nll/?p=21956</a:t>
+            </a:r>
+            <a:r>
+              <a:rPr lang="en-US" sz="1200" dirty="0">
+                <a:latin typeface="Times New Roman" panose="02020603050405020304" pitchFamily="18" charset="0"/>
+                <a:cs typeface="Times New Roman" panose="02020603050405020304" pitchFamily="18" charset="0"/>
+              </a:rPr>
+              <a:t> </a:t>
+            </a:r>
+          </a:p>
+          <a:p>
+            <a:pPr marL="227013" indent="-227013">
+              <a:spcBef>
+                <a:spcPts val="300"/>
+              </a:spcBef>
+            </a:pPr>
+            <a:r>
+              <a:rPr lang="en-US" sz="1200" dirty="0">
+                <a:latin typeface="Times New Roman" panose="02020603050405020304" pitchFamily="18" charset="0"/>
+                <a:cs typeface="Times New Roman" panose="02020603050405020304" pitchFamily="18" charset="0"/>
+              </a:rPr>
+              <a:t>Replicability Research Group, </a:t>
+            </a:r>
+            <a:r>
+              <a:rPr lang="en-US" sz="1200" dirty="0">
+                <a:latin typeface="Times New Roman" panose="02020603050405020304" pitchFamily="18" charset="0"/>
+                <a:cs typeface="Times New Roman" panose="02020603050405020304" pitchFamily="18" charset="0"/>
+                <a:hlinkClick r:id="rId4"/>
+              </a:rPr>
+              <a:t>http://www.replicability.tau.ac.il/index.php/replicability-in-science/replicability-vs-reproducibility.html</a:t>
+            </a:r>
+            <a:r>
+              <a:rPr lang="en-US" sz="1200" dirty="0">
+                <a:latin typeface="Times New Roman" panose="02020603050405020304" pitchFamily="18" charset="0"/>
+                <a:cs typeface="Times New Roman" panose="02020603050405020304" pitchFamily="18" charset="0"/>
+              </a:rPr>
+              <a:t> </a:t>
+            </a:r>
+          </a:p>
+          <a:p>
+            <a:pPr marL="227013" indent="-227013">
+              <a:spcBef>
+                <a:spcPts val="300"/>
+              </a:spcBef>
+            </a:pPr>
+            <a:r>
+              <a:rPr lang="en-US" sz="1200" dirty="0">
+                <a:latin typeface="Times New Roman" panose="02020603050405020304" pitchFamily="18" charset="0"/>
+                <a:cs typeface="Times New Roman" panose="02020603050405020304" pitchFamily="18" charset="0"/>
+              </a:rPr>
+              <a:t>Wikipedia, </a:t>
+            </a:r>
+            <a:r>
+              <a:rPr lang="en-US" sz="1200" dirty="0">
+                <a:latin typeface="Times New Roman" panose="02020603050405020304" pitchFamily="18" charset="0"/>
+                <a:cs typeface="Times New Roman" panose="02020603050405020304" pitchFamily="18" charset="0"/>
+                <a:hlinkClick r:id="rId5"/>
+              </a:rPr>
+              <a:t>https://en.wikipedia.org/wiki/Reproducibility</a:t>
+            </a:r>
+            <a:r>
+              <a:rPr lang="en-US" sz="1200" dirty="0">
+                <a:latin typeface="Times New Roman" panose="02020603050405020304" pitchFamily="18" charset="0"/>
+                <a:cs typeface="Times New Roman" panose="02020603050405020304" pitchFamily="18" charset="0"/>
+              </a:rPr>
+              <a:t> </a:t>
+            </a:r>
+          </a:p>
+          <a:p>
+            <a:pPr marL="227013" indent="-227013">
+              <a:spcBef>
+                <a:spcPts val="300"/>
+              </a:spcBef>
+            </a:pPr>
+            <a:r>
+              <a:rPr lang="en-US" sz="1200" dirty="0">
+                <a:latin typeface="Times New Roman" panose="02020603050405020304" pitchFamily="18" charset="0"/>
+                <a:cs typeface="Times New Roman" panose="02020603050405020304" pitchFamily="18" charset="0"/>
+              </a:rPr>
+              <a:t>The Replication Network, </a:t>
+            </a:r>
+            <a:r>
+              <a:rPr lang="en-US" sz="1200" dirty="0">
+                <a:latin typeface="Times New Roman" panose="02020603050405020304" pitchFamily="18" charset="0"/>
+                <a:cs typeface="Times New Roman" panose="02020603050405020304" pitchFamily="18" charset="0"/>
+                <a:hlinkClick r:id="rId6"/>
+              </a:rPr>
+              <a:t>https://replicationnetwork.com/2016/04/03/the-national-academy-of-sciences-weighs-in-on-reproducibility</a:t>
+            </a:r>
+            <a:r>
+              <a:rPr lang="en-US" sz="1200" dirty="0">
+                <a:latin typeface="Times New Roman" panose="02020603050405020304" pitchFamily="18" charset="0"/>
+                <a:cs typeface="Times New Roman" panose="02020603050405020304" pitchFamily="18" charset="0"/>
+              </a:rPr>
+              <a:t>  </a:t>
+            </a:r>
+          </a:p>
+          <a:p>
+            <a:pPr marL="227013" indent="-227013">
+              <a:spcBef>
+                <a:spcPts val="300"/>
+              </a:spcBef>
+            </a:pPr>
+            <a:r>
+              <a:rPr lang="en-US" sz="1200" dirty="0">
+                <a:latin typeface="Times New Roman" panose="02020603050405020304" pitchFamily="18" charset="0"/>
+                <a:cs typeface="Times New Roman" panose="02020603050405020304" pitchFamily="18" charset="0"/>
+              </a:rPr>
+              <a:t>Workshop: “Statistical Challenges in Assessing and Fostering the Reproducibility of Scientific Results” (2016), </a:t>
+            </a:r>
+            <a:r>
+              <a:rPr lang="en-US" sz="1200" dirty="0">
+                <a:latin typeface="Times New Roman" panose="02020603050405020304" pitchFamily="18" charset="0"/>
+                <a:cs typeface="Times New Roman" panose="02020603050405020304" pitchFamily="18" charset="0"/>
+                <a:hlinkClick r:id="rId7"/>
+              </a:rPr>
+              <a:t>https://www.nap.edu/catalog/21915/statistical-challenges-in-assessing-and-fostering-the-reproducibility-of-scientific-results</a:t>
+            </a:r>
+            <a:r>
+              <a:rPr lang="en-US" sz="1200" dirty="0">
+                <a:latin typeface="Times New Roman" panose="02020603050405020304" pitchFamily="18" charset="0"/>
+                <a:cs typeface="Times New Roman" panose="02020603050405020304" pitchFamily="18" charset="0"/>
+              </a:rPr>
+              <a:t> </a:t>
+            </a:r>
+          </a:p>
+        </p:txBody>
+      </p:sp>
+    </p:spTree>
+    <p:extLst>
+      <p:ext uri="{BB962C8B-B14F-4D97-AF65-F5344CB8AC3E}">
+        <p14:creationId xmlns:p14="http://schemas.microsoft.com/office/powerpoint/2010/main" val="3960936634"/>
+      </p:ext>
+    </p:extLst>
+  </p:cSld>
+  <p:clrMapOvr>
+    <a:masterClrMapping/>
+  </p:clrMapOvr>
+</p:sld>
+</file>
+
+<file path=ppt/slides/slide4.xml><?xml version="1.0" encoding="utf-8"?>
+<p:sld xmlns:a="http://schemas.openxmlformats.org/drawingml/2006/main" xmlns:r="http://schemas.openxmlformats.org/officeDocument/2006/relationships" xmlns:p="http://schemas.openxmlformats.org/presentationml/2006/main">
+  <p:cSld>
+    <p:spTree>
+      <p:nvGrpSpPr>
+        <p:cNvPr id="1" name=""/>
+        <p:cNvGrpSpPr/>
+        <p:nvPr/>
+      </p:nvGrpSpPr>
+      <p:grpSpPr>
+        <a:xfrm>
+          <a:off x="0" y="0"/>
+          <a:ext cx="0" cy="0"/>
+          <a:chOff x="0" y="0"/>
+          <a:chExt cx="0" cy="0"/>
+        </a:xfrm>
+      </p:grpSpPr>
+      <p:sp>
+        <p:nvSpPr>
+          <p:cNvPr id="2" name="Title 1"/>
+          <p:cNvSpPr>
+            <a:spLocks noGrp="1"/>
+          </p:cNvSpPr>
+          <p:nvPr>
+            <p:ph type="title"/>
+          </p:nvPr>
+        </p:nvSpPr>
+        <p:spPr>
+          <a:xfrm>
+            <a:off x="0" y="140672"/>
+            <a:ext cx="9144000" cy="589085"/>
+          </a:xfrm>
+        </p:spPr>
+        <p:txBody>
+          <a:bodyPr>
+            <a:normAutofit/>
+          </a:bodyPr>
+          <a:lstStyle/>
+          <a:p>
+            <a:r>
+              <a:rPr lang="en-US" dirty="0"/>
+              <a:t>Barriers to Reproducibility</a:t>
+            </a:r>
+          </a:p>
+        </p:txBody>
+      </p:sp>
+      <p:sp>
+        <p:nvSpPr>
+          <p:cNvPr id="6" name="Content Placeholder 2">
+            <a:extLst>
+              <a:ext uri="{FF2B5EF4-FFF2-40B4-BE49-F238E27FC236}">
+                <a16:creationId xmlns:a16="http://schemas.microsoft.com/office/drawing/2014/main" id="{9081FF26-7AD5-4767-AF65-A27F1769E1FC}"/>
+              </a:ext>
+            </a:extLst>
+          </p:cNvPr>
+          <p:cNvSpPr>
+            <a:spLocks noGrp="1"/>
+          </p:cNvSpPr>
+          <p:nvPr>
+            <p:ph idx="1"/>
+          </p:nvPr>
+        </p:nvSpPr>
+        <p:spPr>
+          <a:xfrm>
+            <a:off x="152400" y="827314"/>
+            <a:ext cx="8839200" cy="5421086"/>
+          </a:xfrm>
+        </p:spPr>
+        <p:txBody>
+          <a:bodyPr>
+            <a:normAutofit/>
+          </a:bodyPr>
+          <a:lstStyle/>
+          <a:p>
+            <a:r>
+              <a:rPr lang="en-US" sz="1800" i="0" dirty="0"/>
+              <a:t>The first step would be to share simulations with a single code</a:t>
+            </a:r>
+          </a:p>
+          <a:p>
+            <a:pPr lvl="1"/>
+            <a:r>
+              <a:rPr lang="en-US" sz="1600" i="0" dirty="0"/>
+              <a:t>Not just the plots:  the full simulation, generating identical results</a:t>
+            </a:r>
+          </a:p>
+          <a:p>
+            <a:r>
+              <a:rPr lang="en-US" sz="1800" i="0" dirty="0"/>
+              <a:t>Why don’t we share our simulations directly?</a:t>
+            </a:r>
+          </a:p>
+          <a:p>
+            <a:pPr lvl="1"/>
+            <a:r>
+              <a:rPr lang="en-US" sz="1600" i="0" dirty="0"/>
+              <a:t>It can be very difficult to reproduce computational  results</a:t>
+            </a:r>
+          </a:p>
+          <a:p>
+            <a:pPr lvl="1"/>
+            <a:r>
+              <a:rPr lang="en-US" sz="1600" i="0" dirty="0"/>
+              <a:t>Close collaborators do, of course, but even this can be difficult and error prone</a:t>
+            </a:r>
+          </a:p>
+          <a:p>
+            <a:pPr lvl="2"/>
+            <a:r>
+              <a:rPr lang="en-US" sz="1400" b="1" i="0" dirty="0"/>
+              <a:t>different hardware, different versions of the source code, many input files, etc.</a:t>
+            </a:r>
+          </a:p>
+          <a:p>
+            <a:r>
+              <a:rPr lang="en-US" sz="1800" i="0" dirty="0"/>
+              <a:t>Political and social reasons</a:t>
+            </a:r>
+          </a:p>
+          <a:p>
+            <a:pPr lvl="1"/>
+            <a:r>
+              <a:rPr lang="en-US" sz="1600" i="0" dirty="0"/>
+              <a:t>don’t want to share years of effort with others, who would directly benefit</a:t>
+            </a:r>
+          </a:p>
+          <a:p>
+            <a:pPr lvl="1"/>
+            <a:r>
+              <a:rPr lang="en-US" sz="1600" i="0" dirty="0"/>
+              <a:t>software can be used incorrectly</a:t>
+            </a:r>
+          </a:p>
+          <a:p>
+            <a:pPr lvl="2"/>
+            <a:r>
+              <a:rPr lang="en-US" dirty="0"/>
+              <a:t>this might g</a:t>
+            </a:r>
+            <a:r>
+              <a:rPr lang="en-US" sz="1400" b="1" i="0" dirty="0"/>
+              <a:t>enerate confusing results that are incorrectly published</a:t>
+            </a:r>
+          </a:p>
+          <a:p>
+            <a:pPr lvl="2"/>
+            <a:r>
+              <a:rPr lang="en-US" sz="1400" b="1" i="0" dirty="0"/>
+              <a:t>this could hurt the reputation of the original developers</a:t>
+            </a:r>
+          </a:p>
+          <a:p>
+            <a:r>
+              <a:rPr lang="en-US" sz="1800" i="0" dirty="0"/>
+              <a:t>Technical reasons</a:t>
+            </a:r>
+          </a:p>
+          <a:p>
+            <a:pPr lvl="1"/>
+            <a:r>
+              <a:rPr lang="en-US" sz="1600" i="0" dirty="0"/>
+              <a:t>it can be very difficult to build/install the software</a:t>
+            </a:r>
+          </a:p>
+          <a:p>
+            <a:pPr lvl="1"/>
+            <a:r>
+              <a:rPr lang="en-US" sz="1600" i="0" dirty="0"/>
+              <a:t>the software may be very difficult to use</a:t>
+            </a:r>
+          </a:p>
+          <a:p>
+            <a:pPr lvl="1"/>
+            <a:r>
+              <a:rPr lang="en-US" sz="1600" i="0" dirty="0"/>
+              <a:t>the simulations may require many processors</a:t>
+            </a:r>
+          </a:p>
+          <a:p>
+            <a:pPr lvl="1"/>
+            <a:r>
+              <a:rPr lang="en-US" sz="1600" i="0" dirty="0"/>
+              <a:t>the post-processing tools may be sophisticated</a:t>
+            </a:r>
+          </a:p>
+        </p:txBody>
+      </p:sp>
+    </p:spTree>
+    <p:extLst>
+      <p:ext uri="{BB962C8B-B14F-4D97-AF65-F5344CB8AC3E}">
+        <p14:creationId xmlns:p14="http://schemas.microsoft.com/office/powerpoint/2010/main" val="3936527183"/>
+      </p:ext>
+    </p:extLst>
+  </p:cSld>
+  <p:clrMapOvr>
+    <a:masterClrMapping/>
+  </p:clrMapOvr>
+</p:sld>
+</file>
+
+<file path=ppt/slides/slide5.xml><?xml version="1.0" encoding="utf-8"?>
+<p:sld xmlns:a="http://schemas.openxmlformats.org/drawingml/2006/main" xmlns:r="http://schemas.openxmlformats.org/officeDocument/2006/relationships" xmlns:p="http://schemas.openxmlformats.org/presentationml/2006/main">
+  <p:cSld>
+    <p:spTree>
+      <p:nvGrpSpPr>
+        <p:cNvPr id="1" name=""/>
+        <p:cNvGrpSpPr/>
+        <p:nvPr/>
+      </p:nvGrpSpPr>
+      <p:grpSpPr>
+        <a:xfrm>
+          <a:off x="0" y="0"/>
+          <a:ext cx="0" cy="0"/>
+          <a:chOff x="0" y="0"/>
+          <a:chExt cx="0" cy="0"/>
+        </a:xfrm>
+      </p:grpSpPr>
+      <p:sp>
+        <p:nvSpPr>
+          <p:cNvPr id="2" name="Title 1"/>
+          <p:cNvSpPr>
+            <a:spLocks noGrp="1"/>
+          </p:cNvSpPr>
+          <p:nvPr>
+            <p:ph type="title"/>
+          </p:nvPr>
+        </p:nvSpPr>
+        <p:spPr>
+          <a:xfrm>
+            <a:off x="0" y="140672"/>
+            <a:ext cx="9144000" cy="589085"/>
+          </a:xfrm>
+        </p:spPr>
+        <p:txBody>
+          <a:bodyPr>
+            <a:normAutofit/>
+          </a:bodyPr>
+          <a:lstStyle/>
+          <a:p>
+            <a:r>
+              <a:rPr lang="en-US" dirty="0"/>
+              <a:t>Class discussion:</a:t>
+            </a:r>
+          </a:p>
+        </p:txBody>
+      </p:sp>
+      <p:sp>
+        <p:nvSpPr>
+          <p:cNvPr id="6" name="Content Placeholder 2">
+            <a:extLst>
+              <a:ext uri="{FF2B5EF4-FFF2-40B4-BE49-F238E27FC236}">
+                <a16:creationId xmlns:a16="http://schemas.microsoft.com/office/drawing/2014/main" id="{9081FF26-7AD5-4767-AF65-A27F1769E1FC}"/>
+              </a:ext>
+            </a:extLst>
+          </p:cNvPr>
+          <p:cNvSpPr>
+            <a:spLocks noGrp="1"/>
+          </p:cNvSpPr>
+          <p:nvPr>
+            <p:ph idx="1"/>
+          </p:nvPr>
+        </p:nvSpPr>
+        <p:spPr>
+          <a:xfrm>
+            <a:off x="152400" y="827314"/>
+            <a:ext cx="8839200" cy="5146766"/>
+          </a:xfrm>
+        </p:spPr>
+        <p:txBody>
+          <a:bodyPr>
+            <a:normAutofit/>
+          </a:bodyPr>
+          <a:lstStyle/>
+          <a:p>
+            <a:r>
+              <a:rPr lang="en-US" sz="1800" i="0" dirty="0"/>
+              <a:t>Have you successfully shared a simulation with a colleague?</a:t>
+            </a:r>
+          </a:p>
+          <a:p>
+            <a:pPr lvl="1"/>
+            <a:r>
+              <a:rPr lang="en-US" sz="1600" i="0" dirty="0"/>
+              <a:t>How positive was the experience?</a:t>
+            </a:r>
+          </a:p>
+          <a:p>
+            <a:pPr lvl="1"/>
+            <a:r>
+              <a:rPr lang="en-US" dirty="0"/>
+              <a:t>Did you every try and fail?</a:t>
+            </a:r>
+          </a:p>
+          <a:p>
+            <a:pPr lvl="1"/>
+            <a:endParaRPr lang="en-US" sz="1600" i="0" dirty="0"/>
+          </a:p>
+          <a:p>
+            <a:r>
+              <a:rPr lang="en-US" sz="1800" i="0" dirty="0"/>
+              <a:t>Briefly describe a code benchmarking exercise.</a:t>
+            </a:r>
+          </a:p>
+          <a:p>
+            <a:pPr lvl="1"/>
+            <a:r>
+              <a:rPr lang="en-US" sz="1600" i="0" dirty="0"/>
+              <a:t>Which codes?  Were others involved?  </a:t>
+            </a:r>
+            <a:r>
+              <a:rPr lang="en-US" dirty="0"/>
+              <a:t>Did you have access to all codes?</a:t>
+            </a:r>
+          </a:p>
+          <a:p>
+            <a:pPr lvl="1"/>
+            <a:r>
+              <a:rPr lang="en-US" i="0" dirty="0"/>
+              <a:t>How positive was the experience?</a:t>
+            </a:r>
+          </a:p>
+          <a:p>
+            <a:pPr lvl="1"/>
+            <a:endParaRPr lang="en-US" i="0" dirty="0"/>
+          </a:p>
+          <a:p>
+            <a:r>
+              <a:rPr lang="en-US" sz="1800" i="0" dirty="0"/>
+              <a:t>Under what circumstances should a code (or simulation) be made public</a:t>
+            </a:r>
+          </a:p>
+          <a:p>
+            <a:pPr lvl="1"/>
+            <a:r>
+              <a:rPr lang="en-US" dirty="0"/>
+              <a:t>Do scientists have a right to protect their computational tools from competitors?</a:t>
+            </a:r>
+            <a:endParaRPr lang="en-US" sz="1400" b="1" dirty="0"/>
+          </a:p>
+          <a:p>
+            <a:pPr lvl="1"/>
+            <a:r>
+              <a:rPr lang="en-US" sz="1600" i="0" dirty="0"/>
+              <a:t>Does scientific ethics require sharing?  If so, then how much?</a:t>
+            </a:r>
+          </a:p>
+          <a:p>
+            <a:pPr lvl="1"/>
+            <a:r>
+              <a:rPr lang="en-US" sz="1600" i="0" dirty="0"/>
+              <a:t>Is it appropriate for funding agencies to require reproducibility?</a:t>
+            </a:r>
+          </a:p>
+        </p:txBody>
+      </p:sp>
+    </p:spTree>
+    <p:extLst>
+      <p:ext uri="{BB962C8B-B14F-4D97-AF65-F5344CB8AC3E}">
+        <p14:creationId xmlns:p14="http://schemas.microsoft.com/office/powerpoint/2010/main" val="2717897895"/>
+      </p:ext>
+    </p:extLst>
+  </p:cSld>
+  <p:clrMapOvr>
+    <a:masterClrMapping/>
+  </p:clrMapOvr>
+</p:sld>
+</file>
+
+<file path=ppt/slides/slide6.xml><?xml version="1.0" encoding="utf-8"?>
+<p:sld xmlns:a="http://schemas.openxmlformats.org/drawingml/2006/main" xmlns:r="http://schemas.openxmlformats.org/officeDocument/2006/relationships" xmlns:p="http://schemas.openxmlformats.org/presentationml/2006/main">
+  <p:cSld>
+    <p:spTree>
+      <p:nvGrpSpPr>
+        <p:cNvPr id="1" name=""/>
+        <p:cNvGrpSpPr/>
+        <p:nvPr/>
+      </p:nvGrpSpPr>
+      <p:grpSpPr>
+        <a:xfrm>
+          <a:off x="0" y="0"/>
+          <a:ext cx="0" cy="0"/>
+          <a:chOff x="0" y="0"/>
+          <a:chExt cx="0" cy="0"/>
+        </a:xfrm>
+      </p:grpSpPr>
+      <p:sp>
+        <p:nvSpPr>
+          <p:cNvPr id="2" name="Title 1"/>
+          <p:cNvSpPr>
+            <a:spLocks noGrp="1"/>
+          </p:cNvSpPr>
+          <p:nvPr>
+            <p:ph type="title"/>
+          </p:nvPr>
+        </p:nvSpPr>
+        <p:spPr>
+          <a:xfrm>
+            <a:off x="0" y="39267"/>
+            <a:ext cx="9144000" cy="589085"/>
+          </a:xfrm>
+        </p:spPr>
+        <p:txBody>
+          <a:bodyPr>
+            <a:normAutofit/>
+          </a:bodyPr>
+          <a:lstStyle/>
+          <a:p>
+            <a:r>
+              <a:rPr lang="en-US" dirty="0"/>
+              <a:t>Validity – </a:t>
+            </a:r>
+            <a:r>
+              <a:rPr lang="en-US" sz="2000" b="0" dirty="0"/>
+              <a:t>this is essential to the issue of reproducibility</a:t>
+            </a:r>
+            <a:endParaRPr lang="en-US" b="0" dirty="0"/>
+          </a:p>
+        </p:txBody>
+      </p:sp>
+      <p:sp>
+        <p:nvSpPr>
+          <p:cNvPr id="7" name="Content Placeholder 2">
+            <a:extLst>
+              <a:ext uri="{FF2B5EF4-FFF2-40B4-BE49-F238E27FC236}">
+                <a16:creationId xmlns:a16="http://schemas.microsoft.com/office/drawing/2014/main" id="{496BB089-B99F-4F8D-ABB1-4F20546276A3}"/>
+              </a:ext>
+            </a:extLst>
+          </p:cNvPr>
+          <p:cNvSpPr>
+            <a:spLocks noGrp="1"/>
+          </p:cNvSpPr>
+          <p:nvPr>
+            <p:ph idx="1"/>
+          </p:nvPr>
+        </p:nvSpPr>
+        <p:spPr>
+          <a:xfrm>
+            <a:off x="152400" y="685800"/>
+            <a:ext cx="8839200" cy="5562600"/>
+          </a:xfrm>
+        </p:spPr>
+        <p:txBody>
+          <a:bodyPr>
+            <a:noAutofit/>
+          </a:bodyPr>
+          <a:lstStyle/>
+          <a:p>
+            <a:r>
+              <a:rPr lang="en-US" i="0" dirty="0"/>
+              <a:t>Computational science requires validated software</a:t>
+            </a:r>
+          </a:p>
+          <a:p>
+            <a:pPr lvl="1"/>
+            <a:r>
+              <a:rPr lang="en-US" dirty="0"/>
+              <a:t>we want our results to be correct</a:t>
+            </a:r>
+          </a:p>
+          <a:p>
+            <a:pPr lvl="1"/>
+            <a:r>
+              <a:rPr lang="en-US" i="0" dirty="0"/>
+              <a:t>we want confidence that published/presented results are correct</a:t>
+            </a:r>
+          </a:p>
+          <a:p>
+            <a:r>
+              <a:rPr lang="en-US" i="0" dirty="0"/>
+              <a:t>Build environment and computing platform:</a:t>
+            </a:r>
+          </a:p>
+          <a:p>
+            <a:pPr lvl="1"/>
+            <a:r>
+              <a:rPr lang="en-US" i="0" dirty="0"/>
+              <a:t>software is validated on a particular platform, compiler, etc.</a:t>
+            </a:r>
+          </a:p>
+          <a:p>
+            <a:pPr lvl="2"/>
+            <a:r>
+              <a:rPr lang="en-US" b="1" i="0" dirty="0"/>
+              <a:t>supporting multiple platforms is possible, but expensive</a:t>
+            </a:r>
+          </a:p>
+          <a:p>
+            <a:pPr lvl="1"/>
+            <a:r>
+              <a:rPr lang="en-US" i="0" dirty="0"/>
+              <a:t>what if the software is built, installed, executed on another platform?</a:t>
+            </a:r>
+          </a:p>
+          <a:p>
+            <a:pPr lvl="2"/>
+            <a:r>
+              <a:rPr lang="en-US" b="1" i="0" dirty="0"/>
+              <a:t>can one be sure that it is still valid?</a:t>
+            </a:r>
+          </a:p>
+          <a:p>
+            <a:r>
+              <a:rPr lang="en-US" i="0" dirty="0"/>
+              <a:t>Versioning:</a:t>
+            </a:r>
+          </a:p>
+          <a:p>
+            <a:pPr lvl="1"/>
+            <a:r>
+              <a:rPr lang="en-US" i="0" dirty="0"/>
+              <a:t>a particular version of software is validated</a:t>
+            </a:r>
+          </a:p>
+          <a:p>
+            <a:pPr lvl="2"/>
+            <a:r>
+              <a:rPr lang="en-US" b="1" i="0" dirty="0"/>
+              <a:t>regular use of regression tests can help maintain validity across versions</a:t>
+            </a:r>
+          </a:p>
+          <a:p>
+            <a:pPr lvl="2"/>
+            <a:r>
+              <a:rPr lang="en-US" b="1" i="0" dirty="0"/>
+              <a:t>however: tests are never complete, features are added/removed, etc.</a:t>
+            </a:r>
+          </a:p>
+          <a:p>
+            <a:pPr lvl="1"/>
+            <a:r>
+              <a:rPr lang="en-US" i="0" dirty="0"/>
+              <a:t>for multiple dependencies, versioning becomes an N</a:t>
+            </a:r>
+            <a:r>
+              <a:rPr lang="en-US" i="0" baseline="30000" dirty="0"/>
+              <a:t>2</a:t>
+            </a:r>
+            <a:r>
+              <a:rPr lang="en-US" i="0" dirty="0"/>
+              <a:t> problem</a:t>
+            </a:r>
+          </a:p>
+          <a:p>
+            <a:pPr lvl="1"/>
+            <a:r>
+              <a:rPr lang="en-US" i="0" dirty="0"/>
+              <a:t>how can one be sure of the validity of a particular software version?</a:t>
+            </a:r>
+          </a:p>
+          <a:p>
+            <a:pPr lvl="2"/>
+            <a:r>
+              <a:rPr lang="en-US" b="1" i="0" dirty="0"/>
+              <a:t>how can one communicate full versioning information to others?</a:t>
+            </a:r>
+          </a:p>
+          <a:p>
+            <a:r>
+              <a:rPr lang="en-US" i="0" dirty="0"/>
+              <a:t>Sharing:</a:t>
+            </a:r>
+          </a:p>
+          <a:p>
+            <a:pPr lvl="1"/>
+            <a:r>
+              <a:rPr lang="en-US" i="0" dirty="0"/>
+              <a:t>difficult to share identical build &amp; version(s), including dependencies</a:t>
+            </a:r>
+          </a:p>
+        </p:txBody>
+      </p:sp>
+    </p:spTree>
+    <p:extLst>
+      <p:ext uri="{BB962C8B-B14F-4D97-AF65-F5344CB8AC3E}">
+        <p14:creationId xmlns:p14="http://schemas.microsoft.com/office/powerpoint/2010/main" val="4190809696"/>
+      </p:ext>
+    </p:extLst>
+  </p:cSld>
+  <p:clrMapOvr>
+    <a:masterClrMapping/>
+  </p:clrMapOvr>
+</p:sld>
+</file>
+
+<file path=ppt/slides/slide7.xml><?xml version="1.0" encoding="utf-8"?>
+<p:sld xmlns:a="http://schemas.openxmlformats.org/drawingml/2006/main" xmlns:r="http://schemas.openxmlformats.org/officeDocument/2006/relationships" xmlns:p="http://schemas.openxmlformats.org/presentationml/2006/main">
+  <p:cSld>
+    <p:spTree>
+      <p:nvGrpSpPr>
+        <p:cNvPr id="1" name=""/>
+        <p:cNvGrpSpPr/>
+        <p:nvPr/>
+      </p:nvGrpSpPr>
+      <p:grpSpPr>
+        <a:xfrm>
+          <a:off x="0" y="0"/>
+          <a:ext cx="0" cy="0"/>
+          <a:chOff x="0" y="0"/>
+          <a:chExt cx="0" cy="0"/>
+        </a:xfrm>
+      </p:grpSpPr>
+      <p:sp>
+        <p:nvSpPr>
+          <p:cNvPr id="2" name="Title 1"/>
+          <p:cNvSpPr>
+            <a:spLocks noGrp="1"/>
+          </p:cNvSpPr>
+          <p:nvPr>
+            <p:ph type="title"/>
+          </p:nvPr>
+        </p:nvSpPr>
+        <p:spPr>
+          <a:xfrm>
+            <a:off x="0" y="39267"/>
+            <a:ext cx="9144000" cy="589085"/>
+          </a:xfrm>
+        </p:spPr>
+        <p:txBody>
+          <a:bodyPr>
+            <a:normAutofit/>
+          </a:bodyPr>
+          <a:lstStyle/>
+          <a:p>
+            <a:r>
+              <a:rPr lang="en-US" dirty="0"/>
+              <a:t>Usability – </a:t>
+            </a:r>
+            <a:r>
+              <a:rPr lang="en-US" sz="2000" b="0" dirty="0"/>
+              <a:t>without it, reproducibility loses a lot of its value</a:t>
+            </a:r>
+            <a:endParaRPr lang="en-US" b="0" dirty="0"/>
+          </a:p>
+        </p:txBody>
+      </p:sp>
+      <p:sp>
+        <p:nvSpPr>
+          <p:cNvPr id="7" name="Content Placeholder 2">
+            <a:extLst>
+              <a:ext uri="{FF2B5EF4-FFF2-40B4-BE49-F238E27FC236}">
+                <a16:creationId xmlns:a16="http://schemas.microsoft.com/office/drawing/2014/main" id="{496BB089-B99F-4F8D-ABB1-4F20546276A3}"/>
+              </a:ext>
+            </a:extLst>
+          </p:cNvPr>
+          <p:cNvSpPr>
+            <a:spLocks noGrp="1"/>
+          </p:cNvSpPr>
+          <p:nvPr>
+            <p:ph idx="1"/>
+          </p:nvPr>
+        </p:nvSpPr>
+        <p:spPr>
+          <a:xfrm>
+            <a:off x="152400" y="685800"/>
+            <a:ext cx="8839200" cy="5562600"/>
+          </a:xfrm>
+        </p:spPr>
+        <p:txBody>
+          <a:bodyPr>
+            <a:noAutofit/>
+          </a:bodyPr>
+          <a:lstStyle/>
+          <a:p>
+            <a:r>
+              <a:rPr lang="en-US" i="0" dirty="0"/>
+              <a:t>Many physics codes are difficult to use</a:t>
+            </a:r>
+          </a:p>
+          <a:p>
+            <a:r>
+              <a:rPr lang="en-US" dirty="0"/>
+              <a:t>Particle accelerator codes are a case in point</a:t>
+            </a:r>
+          </a:p>
+          <a:p>
+            <a:pPr lvl="1"/>
+            <a:r>
+              <a:rPr lang="en-US" dirty="0"/>
+              <a:t>they focus on specific design aspects (not fully general)</a:t>
+            </a:r>
+          </a:p>
+          <a:p>
+            <a:pPr lvl="1"/>
+            <a:r>
+              <a:rPr lang="en-US" dirty="0"/>
+              <a:t>most rely on complicated command-line interfaces (CLI)</a:t>
+            </a:r>
+          </a:p>
+          <a:p>
+            <a:pPr lvl="2"/>
+            <a:r>
+              <a:rPr lang="en-US" dirty="0"/>
+              <a:t>multiple input and configuration files</a:t>
+            </a:r>
+          </a:p>
+          <a:p>
+            <a:pPr lvl="2"/>
+            <a:r>
+              <a:rPr lang="en-US" dirty="0"/>
+              <a:t>multiple output files (text, data, images) in different formats</a:t>
+            </a:r>
+          </a:p>
+          <a:p>
+            <a:pPr lvl="1"/>
+            <a:r>
+              <a:rPr lang="en-US" dirty="0"/>
+              <a:t>they typically require computational experts to use correctly</a:t>
+            </a:r>
+          </a:p>
+          <a:p>
+            <a:pPr lvl="2"/>
+            <a:r>
+              <a:rPr lang="en-US" dirty="0"/>
+              <a:t>even so, the assistance of an expert and/or much experience is often required</a:t>
+            </a:r>
+          </a:p>
+          <a:p>
+            <a:pPr lvl="1"/>
+            <a:r>
+              <a:rPr lang="en-US" dirty="0"/>
+              <a:t>collaboration is difficult and error prone</a:t>
+            </a:r>
+          </a:p>
+          <a:p>
+            <a:pPr lvl="2"/>
+            <a:r>
+              <a:rPr lang="en-US" dirty="0"/>
+              <a:t>required exchange of input and output files</a:t>
+            </a:r>
+          </a:p>
+          <a:p>
+            <a:pPr lvl="2"/>
+            <a:r>
+              <a:rPr lang="en-US" dirty="0"/>
+              <a:t>independent installation of codes (different versions on different hardware)</a:t>
+            </a:r>
+          </a:p>
+          <a:p>
+            <a:pPr lvl="2"/>
+            <a:r>
+              <a:rPr lang="en-US" dirty="0"/>
+              <a:t>use of different post-processing and visualization tools</a:t>
+            </a:r>
+          </a:p>
+          <a:p>
+            <a:r>
+              <a:rPr lang="en-US" i="0" dirty="0"/>
+              <a:t>If a code is very difficult to use, what does reproducibility really mean?</a:t>
+            </a:r>
+          </a:p>
+          <a:p>
+            <a:pPr lvl="1"/>
+            <a:r>
+              <a:rPr lang="en-US" dirty="0"/>
+              <a:t>if you are given a replicated environment to work in, what do you do next?</a:t>
+            </a:r>
+          </a:p>
+          <a:p>
+            <a:pPr lvl="1"/>
+            <a:r>
+              <a:rPr lang="en-US" dirty="0"/>
+              <a:t>suppose a single script is provided to execute all other scripts and render plots</a:t>
+            </a:r>
+          </a:p>
+          <a:p>
+            <a:pPr lvl="2"/>
+            <a:r>
+              <a:rPr lang="en-US" i="0" dirty="0"/>
+              <a:t>does this black box experience enable understanding of what is being replicated?</a:t>
+            </a:r>
+          </a:p>
+          <a:p>
+            <a:r>
+              <a:rPr lang="en-US" dirty="0"/>
+              <a:t>Reproducibility should enable understanding, comparison &amp; further work</a:t>
+            </a:r>
+          </a:p>
+          <a:p>
+            <a:pPr lvl="1"/>
+            <a:r>
+              <a:rPr lang="en-US" i="0" dirty="0"/>
+              <a:t>the various steps required should each be clear and replicable</a:t>
+            </a:r>
+          </a:p>
+          <a:p>
+            <a:pPr lvl="1"/>
+            <a:r>
+              <a:rPr lang="en-US" i="0" dirty="0"/>
+              <a:t>it should be possible to modify each step and see the results</a:t>
+            </a:r>
+          </a:p>
+        </p:txBody>
+      </p:sp>
+    </p:spTree>
+    <p:extLst>
+      <p:ext uri="{BB962C8B-B14F-4D97-AF65-F5344CB8AC3E}">
+        <p14:creationId xmlns:p14="http://schemas.microsoft.com/office/powerpoint/2010/main" val="1097328141"/>
+      </p:ext>
+    </p:extLst>
+  </p:cSld>
+  <p:clrMapOvr>
+    <a:masterClrMapping/>
+  </p:clrMapOvr>
+</p:sld>
+</file>
+
 <file path=ppt/slides/slide8.xml><?xml version="1.0" encoding="utf-8"?>
 <p:sld xmlns:a="http://schemas.openxmlformats.org/drawingml/2006/main" xmlns:r="http://schemas.openxmlformats.org/officeDocument/2006/relationships" xmlns:p="http://schemas.openxmlformats.org/presentationml/2006/main">
   <p:cSld>
@@ -6098,8 +7625,8 @@
         </p:nvSpPr>
         <p:spPr>
           <a:xfrm>
-            <a:off x="1230922" y="290136"/>
-            <a:ext cx="7760677" cy="589085"/>
+            <a:off x="0" y="39267"/>
+            <a:ext cx="9144000" cy="589085"/>
           </a:xfrm>
         </p:spPr>
         <p:txBody>
@@ -6110,14 +7637,25 @@
           <a:p>
             <a:r>
               <a:rPr lang="en-US" dirty="0"/>
-              <a:t>Delivering Codes via Docker Images</a:t>
-            </a:r>
-          </a:p>
-        </p:txBody>
-      </p:sp>
-      <p:sp>
-        <p:nvSpPr>
-          <p:cNvPr id="3" name="Content Placeholder 2"/>
+              <a:t>Usability via Python – </a:t>
+            </a:r>
+            <a:r>
+              <a:rPr lang="en-US" sz="2000" b="0" dirty="0"/>
+              <a:t>an example of problems encountered</a:t>
+            </a:r>
+            <a:endParaRPr lang="en-US" b="0" dirty="0"/>
+          </a:p>
+        </p:txBody>
+      </p:sp>
+      <p:sp>
+        <p:nvSpPr>
+          <p:cNvPr id="8" name="Content Placeholder 2">
+            <a:extLst>
+              <a:ext uri="{FF2B5EF4-FFF2-40B4-BE49-F238E27FC236}">
+                <a16:creationId xmlns:a16="http://schemas.microsoft.com/office/drawing/2014/main" id="{B23837A6-5E62-48BD-8241-836D8AC802E1}"/>
+              </a:ext>
+            </a:extLst>
+          </p:cNvPr>
           <p:cNvSpPr>
             <a:spLocks noGrp="1"/>
           </p:cNvSpPr>
@@ -6127,265 +7665,118 @@
         </p:nvSpPr>
         <p:spPr>
           <a:xfrm>
-            <a:off x="152400" y="1292464"/>
-            <a:ext cx="8839200" cy="5011617"/>
+            <a:off x="152400" y="914400"/>
+            <a:ext cx="8839200" cy="5334000"/>
           </a:xfrm>
         </p:spPr>
         <p:txBody>
           <a:bodyPr>
-            <a:normAutofit lnSpcReduction="10000"/>
+            <a:noAutofit/>
           </a:bodyPr>
           <a:lstStyle/>
           <a:p>
             <a:r>
-              <a:rPr lang="en-US" sz="2000" i="0" dirty="0"/>
-              <a:t>Seven particle accelerator codes are available </a:t>
-            </a:r>
-            <a:r>
-              <a:rPr lang="en-US" sz="2000" i="0" dirty="0">
-                <a:solidFill>
-                  <a:srgbClr val="FF0000"/>
-                </a:solidFill>
-              </a:rPr>
-              <a:t>(more on the way)</a:t>
-            </a:r>
-          </a:p>
-          <a:p>
-            <a:pPr lvl="1"/>
-            <a:r>
-              <a:rPr lang="en-US" sz="1800" i="0" dirty="0"/>
-              <a:t>X-ray:      SRW, Shadow3</a:t>
-            </a:r>
-          </a:p>
-          <a:p>
-            <a:pPr lvl="1"/>
-            <a:r>
-              <a:rPr lang="en-US" sz="1800" i="0" dirty="0"/>
-              <a:t>Beams:   Synergia, Warp, Elegant/SDDS, Hellweg</a:t>
+              <a:rPr lang="en-US" i="0" dirty="0"/>
+              <a:t>Python wrapping of scientific applications is popular</a:t>
+            </a:r>
+          </a:p>
+          <a:p>
+            <a:r>
+              <a:rPr lang="en-US" i="0" dirty="0"/>
+              <a:t>This approach can be very powerful:</a:t>
+            </a:r>
+          </a:p>
+          <a:p>
+            <a:pPr lvl="1"/>
+            <a:r>
+              <a:rPr lang="en-US" i="0" dirty="0"/>
+              <a:t>extend capabilities with a powerful, expressive language</a:t>
+            </a:r>
+          </a:p>
+          <a:p>
+            <a:pPr lvl="1"/>
+            <a:r>
+              <a:rPr lang="en-US" i="0" dirty="0"/>
+              <a:t>develop convenient GUIs and CLIs</a:t>
+            </a:r>
+          </a:p>
+          <a:p>
+            <a:pPr lvl="1"/>
+            <a:r>
+              <a:rPr lang="en-US" i="0" dirty="0"/>
+              <a:t>develop a common interface to multiple codes</a:t>
+            </a:r>
+          </a:p>
+          <a:p>
+            <a:r>
+              <a:rPr lang="en-US" i="0" dirty="0"/>
+              <a:t>It also creates serious challenges:</a:t>
+            </a:r>
+          </a:p>
+          <a:p>
+            <a:pPr lvl="1"/>
+            <a:r>
+              <a:rPr lang="en-US" i="0" dirty="0"/>
+              <a:t>Python 2.7.x is not compatible with Python 3.x</a:t>
+            </a:r>
+          </a:p>
+          <a:p>
+            <a:pPr lvl="1"/>
+            <a:r>
+              <a:rPr lang="en-US" i="0" dirty="0"/>
+              <a:t>32 bit and 64 bit versions of Python are incompatible</a:t>
             </a:r>
           </a:p>
           <a:p>
             <a:pPr lvl="2"/>
             <a:r>
-              <a:rPr lang="en-US" sz="1600" b="1" i="0" dirty="0"/>
-              <a:t>coming soon:  MAD-X, PTC</a:t>
-            </a:r>
-          </a:p>
-          <a:p>
-            <a:pPr lvl="1"/>
-            <a:r>
-              <a:rPr lang="en-US" sz="1800" i="0" dirty="0"/>
-              <a:t>FELs:        Genesis v.2</a:t>
-            </a:r>
-          </a:p>
-          <a:p>
-            <a:r>
-              <a:rPr lang="en-US" sz="2000" i="0" dirty="0"/>
-              <a:t>Three user interface (UI) modes are supported: </a:t>
-            </a:r>
-          </a:p>
-          <a:p>
-            <a:pPr lvl="1"/>
-            <a:r>
-              <a:rPr lang="en-US" sz="1800" i="0" dirty="0"/>
-              <a:t>Sirepo (GUI);  Jupyter (IPython notebooks);  command-line (CLI)</a:t>
-            </a:r>
-          </a:p>
-          <a:p>
-            <a:r>
-              <a:rPr lang="en-US" sz="2000" i="0" dirty="0"/>
-              <a:t>Automated build/test/release to Docker Hub and to PyPI</a:t>
-            </a:r>
-          </a:p>
-          <a:p>
-            <a:r>
-              <a:rPr lang="en-US" sz="2000" i="0" dirty="0"/>
-              <a:t>One command to download/install/run:</a:t>
-            </a:r>
-            <a:endParaRPr lang="en-US" i="0" dirty="0"/>
-          </a:p>
-          <a:p>
-            <a:pPr marL="0" indent="0">
-              <a:spcBef>
-                <a:spcPts val="600"/>
-              </a:spcBef>
-              <a:buNone/>
-            </a:pPr>
-            <a:r>
-              <a:rPr lang="en-US" sz="2000" i="0" dirty="0">
-                <a:latin typeface="Courier New" panose="02070309020205020404" pitchFamily="49" charset="0"/>
-                <a:cs typeface="Courier New" panose="02070309020205020404" pitchFamily="49" charset="0"/>
-              </a:rPr>
-              <a:t>         &gt;  docker run –p 8000:8000 radiasoft/sirepo</a:t>
-            </a:r>
-            <a:endParaRPr lang="en-US" i="0" dirty="0">
-              <a:latin typeface="Courier New" panose="02070309020205020404" pitchFamily="49" charset="0"/>
-              <a:cs typeface="Courier New" panose="02070309020205020404" pitchFamily="49" charset="0"/>
-            </a:endParaRPr>
+              <a:rPr lang="en-US" b="1" i="0" dirty="0"/>
+              <a:t> also true of many other software libraries</a:t>
+            </a:r>
+          </a:p>
+          <a:p>
+            <a:pPr lvl="1"/>
+            <a:r>
+              <a:rPr lang="en-US" i="0" dirty="0"/>
+              <a:t>open source library projects issue frequent releases </a:t>
+            </a:r>
           </a:p>
           <a:p>
             <a:pPr lvl="2"/>
-            <a:endParaRPr lang="en-US" sz="1400" i="0" dirty="0"/>
-          </a:p>
-          <a:p>
-            <a:r>
-              <a:rPr lang="en-US" sz="2000" i="0" dirty="0"/>
-              <a:t>RadiaSoft code on GitHub:    </a:t>
-            </a:r>
-            <a:r>
-              <a:rPr lang="en-US" sz="1600" i="0" u="sng" dirty="0">
-                <a:solidFill>
-                  <a:srgbClr val="000000"/>
-                </a:solidFill>
-                <a:latin typeface="Courier New" panose="02070309020205020404" pitchFamily="49" charset="0"/>
-                <a:hlinkClick r:id="rId3"/>
-              </a:rPr>
-              <a:t>http://sirepo.com</a:t>
-            </a:r>
-            <a:r>
-              <a:rPr lang="en-US" sz="1600" i="0" dirty="0">
-                <a:solidFill>
-                  <a:srgbClr val="000000"/>
-                </a:solidFill>
-              </a:rPr>
-              <a:t>          </a:t>
-            </a:r>
-            <a:r>
-              <a:rPr lang="en-US" sz="1600" i="0" dirty="0">
-                <a:solidFill>
-                  <a:srgbClr val="0070C0"/>
-                </a:solidFill>
-              </a:rPr>
-              <a:t>(primary repo)</a:t>
-            </a:r>
-            <a:endParaRPr lang="en-US" sz="2000" i="0" dirty="0">
-              <a:solidFill>
-                <a:srgbClr val="0070C0"/>
-              </a:solidFill>
-            </a:endParaRPr>
-          </a:p>
-          <a:p>
-            <a:pPr marL="457200" lvl="1" indent="0">
-              <a:buNone/>
-            </a:pPr>
-            <a:r>
-              <a:rPr lang="en-US" sz="1600" i="0" dirty="0">
-                <a:cs typeface="Courier New" panose="02070309020205020404" pitchFamily="49" charset="0"/>
-              </a:rPr>
-              <a:t>                                                               </a:t>
-            </a:r>
-            <a:r>
-              <a:rPr lang="en-US" sz="1600" i="0" dirty="0">
-                <a:latin typeface="Courier New" panose="02070309020205020404" pitchFamily="49" charset="0"/>
-                <a:cs typeface="Courier New" panose="02070309020205020404" pitchFamily="49" charset="0"/>
-                <a:hlinkClick r:id="rId4"/>
-              </a:rPr>
-              <a:t>https://github.com/radiasoft</a:t>
-            </a:r>
-            <a:r>
-              <a:rPr lang="en-US" sz="1600" i="0" dirty="0">
-                <a:latin typeface="Courier New" panose="02070309020205020404" pitchFamily="49" charset="0"/>
-                <a:cs typeface="Courier New" panose="02070309020205020404" pitchFamily="49" charset="0"/>
-              </a:rPr>
-              <a:t>  </a:t>
-            </a:r>
-            <a:r>
-              <a:rPr lang="en-US" sz="1600" i="0" dirty="0">
-                <a:cs typeface="Courier New" panose="02070309020205020404" pitchFamily="49" charset="0"/>
-              </a:rPr>
-              <a:t>(all)</a:t>
-            </a:r>
-          </a:p>
-          <a:p>
-            <a:pPr lvl="3"/>
-            <a:endParaRPr lang="en-US" sz="1400" i="0" dirty="0">
-              <a:cs typeface="Courier New" panose="02070309020205020404" pitchFamily="49" charset="0"/>
-            </a:endParaRPr>
-          </a:p>
-          <a:p>
-            <a:r>
-              <a:rPr lang="en-US" sz="2000" i="0" dirty="0"/>
-              <a:t>Try it yourself on RadiaSoft servers:  </a:t>
-            </a:r>
-            <a:r>
-              <a:rPr lang="en-US" sz="1600" i="0" dirty="0">
-                <a:latin typeface="Courier New" panose="02070309020205020404" pitchFamily="49" charset="0"/>
-                <a:cs typeface="Courier New" panose="02070309020205020404" pitchFamily="49" charset="0"/>
-                <a:hlinkClick r:id="rId5"/>
-              </a:rPr>
-              <a:t>https://beta.sirepo.com</a:t>
-            </a:r>
-            <a:r>
-              <a:rPr lang="en-US" sz="1800" i="0" dirty="0">
-                <a:latin typeface="Courier New" panose="02070309020205020404" pitchFamily="49" charset="0"/>
-                <a:cs typeface="Courier New" panose="02070309020205020404" pitchFamily="49" charset="0"/>
-              </a:rPr>
-              <a:t> </a:t>
-            </a:r>
-            <a:endParaRPr lang="en-US" sz="2000" i="0" dirty="0"/>
-          </a:p>
-          <a:p>
-            <a:pPr marL="457200" lvl="1" indent="0">
-              <a:buNone/>
-            </a:pPr>
-            <a:r>
-              <a:rPr lang="en-US" sz="1600" i="0" dirty="0"/>
-              <a:t>                                                                           </a:t>
-            </a:r>
-            <a:r>
-              <a:rPr lang="en-US" sz="1600" i="0" dirty="0">
-                <a:latin typeface="Courier New" panose="02070309020205020404" pitchFamily="49" charset="0"/>
-                <a:cs typeface="Courier New" panose="02070309020205020404" pitchFamily="49" charset="0"/>
-                <a:hlinkClick r:id="rId6"/>
-              </a:rPr>
-              <a:t>https://jupyter.radiasoft.org</a:t>
-            </a:r>
-            <a:r>
-              <a:rPr lang="en-US" sz="1600" i="0" dirty="0"/>
-              <a:t> </a:t>
-            </a:r>
-            <a:endParaRPr lang="en-US" sz="1400" i="0" dirty="0">
-              <a:latin typeface="Courier New" panose="02070309020205020404" pitchFamily="49" charset="0"/>
-              <a:cs typeface="Courier New" panose="02070309020205020404" pitchFamily="49" charset="0"/>
-            </a:endParaRPr>
-          </a:p>
-        </p:txBody>
-      </p:sp>
-      <p:sp>
-        <p:nvSpPr>
-          <p:cNvPr id="4" name="TextBox 3"/>
-          <p:cNvSpPr txBox="1"/>
-          <p:nvPr/>
-        </p:nvSpPr>
-        <p:spPr>
-          <a:xfrm>
-            <a:off x="2822331" y="791301"/>
-            <a:ext cx="5284177" cy="369332"/>
-          </a:xfrm>
-          <a:prstGeom prst="rect">
-            <a:avLst/>
-          </a:prstGeom>
-          <a:noFill/>
-        </p:spPr>
-        <p:txBody>
-          <a:bodyPr wrap="square" rtlCol="0">
-            <a:spAutoFit/>
-          </a:bodyPr>
-          <a:lstStyle/>
-          <a:p>
-            <a:r>
-              <a:rPr lang="en-US" dirty="0">
-                <a:latin typeface="Courier New" panose="02070309020205020404" pitchFamily="49" charset="0"/>
-                <a:cs typeface="Courier New" panose="02070309020205020404" pitchFamily="49" charset="0"/>
-                <a:hlinkClick r:id="rId7"/>
-              </a:rPr>
-              <a:t>https://hub.docker.com/r/radiasoft/</a:t>
-            </a:r>
-            <a:r>
-              <a:rPr lang="en-US" dirty="0">
-                <a:latin typeface="Courier New" panose="02070309020205020404" pitchFamily="49" charset="0"/>
-                <a:cs typeface="Courier New" panose="02070309020205020404" pitchFamily="49" charset="0"/>
-              </a:rPr>
+            <a:r>
+              <a:rPr lang="en-US" b="1" i="0" dirty="0"/>
+              <a:t> breaks compatibility with previous versions of other libraries</a:t>
+            </a:r>
+          </a:p>
+          <a:p>
+            <a:pPr lvl="1"/>
+            <a:r>
+              <a:rPr lang="en-US" i="0" dirty="0"/>
+              <a:t>Python is amazingly cross-platform; however… </a:t>
+            </a:r>
+          </a:p>
+          <a:p>
+            <a:pPr lvl="2"/>
+            <a:r>
+              <a:rPr lang="en-US" b="1" i="0" dirty="0"/>
+              <a:t> C/C++ and Fortran libraries and compilers are not</a:t>
+            </a:r>
+          </a:p>
+          <a:p>
+            <a:pPr lvl="1"/>
+            <a:r>
+              <a:rPr lang="en-US" i="0" dirty="0"/>
+              <a:t>one frequently has multiple versions of installed Python </a:t>
+            </a:r>
+          </a:p>
+          <a:p>
+            <a:pPr lvl="2"/>
+            <a:r>
+              <a:rPr lang="en-US" b="1" i="0" dirty="0"/>
+              <a:t> this creates confusion</a:t>
+            </a:r>
+            <a:r>
+              <a:rPr lang="en-US" dirty="0"/>
               <a:t> </a:t>
             </a:r>
           </a:p>
@@ -6394,7 +7785,7 @@
     </p:spTree>
     <p:extLst>
       <p:ext uri="{BB962C8B-B14F-4D97-AF65-F5344CB8AC3E}">
-        <p14:creationId xmlns:p14="http://schemas.microsoft.com/office/powerpoint/2010/main" val="1528542507"/>
+        <p14:creationId xmlns:p14="http://schemas.microsoft.com/office/powerpoint/2010/main" val="1924465485"/>
       </p:ext>
     </p:extLst>
   </p:cSld>
@@ -6433,8 +7824,8 @@
         </p:nvSpPr>
         <p:spPr>
           <a:xfrm>
-            <a:off x="975946" y="298936"/>
-            <a:ext cx="8015654" cy="589085"/>
+            <a:off x="0" y="140672"/>
+            <a:ext cx="9144000" cy="589085"/>
           </a:xfrm>
         </p:spPr>
         <p:txBody>
@@ -6445,14 +7836,20 @@
           <a:p>
             <a:r>
               <a:rPr lang="en-US" dirty="0"/>
-              <a:t>Version Management</a:t>
-            </a:r>
-          </a:p>
-        </p:txBody>
-      </p:sp>
-      <p:sp>
-        <p:nvSpPr>
-          <p:cNvPr id="3" name="Content Placeholder 2"/>
+              <a:t>Class discussion:</a:t>
+            </a:r>
+          </a:p>
+        </p:txBody>
+      </p:sp>
+      <p:sp>
+        <p:nvSpPr>
+          <p:cNvPr id="6" name="Content Placeholder 2">
+            <a:extLst>
+              <a:ext uri="{FF2B5EF4-FFF2-40B4-BE49-F238E27FC236}">
+                <a16:creationId xmlns:a16="http://schemas.microsoft.com/office/drawing/2014/main" id="{9081FF26-7AD5-4767-AF65-A27F1769E1FC}"/>
+              </a:ext>
+            </a:extLst>
+          </p:cNvPr>
           <p:cNvSpPr>
             <a:spLocks noGrp="1"/>
           </p:cNvSpPr>
@@ -6462,8 +7859,8 @@
         </p:nvSpPr>
         <p:spPr>
           <a:xfrm>
-            <a:off x="152400" y="1002323"/>
-            <a:ext cx="8839200" cy="5161086"/>
+            <a:off x="152400" y="827314"/>
+            <a:ext cx="8839200" cy="5146766"/>
           </a:xfrm>
         </p:spPr>
         <p:txBody>
@@ -6473,81 +7870,128 @@
           <a:lstStyle/>
           <a:p>
             <a:r>
+              <a:rPr lang="en-US" sz="1800" i="0" dirty="0"/>
+              <a:t>When you run a simulation how confident are you in the results?</a:t>
+            </a:r>
+          </a:p>
+          <a:p>
+            <a:r>
+              <a:rPr lang="en-US" dirty="0"/>
+              <a:t>Are you skeptical of results presented by others in talks or papers?</a:t>
+            </a:r>
+          </a:p>
+          <a:p>
+            <a:pPr lvl="1"/>
+            <a:r>
               <a:rPr lang="en-US" i="0" dirty="0"/>
-              <a:t>Images are identified by chronological version</a:t>
+              <a:t>have you ever wanted to rerun someone else’s simulation?</a:t>
+            </a:r>
+          </a:p>
+          <a:p>
+            <a:r>
+              <a:rPr lang="en-US" dirty="0"/>
+              <a:t>How do you validate your own results?</a:t>
             </a:r>
           </a:p>
           <a:p>
             <a:pPr lvl="1"/>
             <a:r>
               <a:rPr lang="en-US" i="0" dirty="0"/>
-              <a:t>does not interfere with systems used by the code developers</a:t>
+              <a:t>compar</a:t>
+            </a:r>
+            <a:r>
+              <a:rPr lang="en-US" dirty="0"/>
+              <a:t>e with your physical intuition?</a:t>
             </a:r>
           </a:p>
           <a:p>
             <a:pPr lvl="1"/>
             <a:r>
               <a:rPr lang="en-US" i="0" dirty="0"/>
-              <a:t>provides meaningful versioning, as necessary for reproducibility</a:t>
-            </a:r>
-          </a:p>
-          <a:p>
+              <a:t>compare with your previous work?</a:t>
+            </a:r>
+          </a:p>
+          <a:p>
+            <a:pPr lvl="1"/>
+            <a:r>
+              <a:rPr lang="en-US" dirty="0"/>
+              <a:t>compare with publicly available papers and presentations?</a:t>
+            </a:r>
+          </a:p>
+          <a:p>
+            <a:pPr lvl="1"/>
             <a:r>
               <a:rPr lang="en-US" i="0" dirty="0"/>
-              <a:t>Channels are declared for the main git branch:</a:t>
+              <a:t>rer</a:t>
+            </a:r>
+            <a:r>
+              <a:rPr lang="en-US" dirty="0"/>
+              <a:t>un the same case with a different code (or ask a colleague to do it…)?</a:t>
             </a:r>
           </a:p>
           <a:p>
             <a:pPr lvl="1"/>
             <a:r>
               <a:rPr lang="en-US" i="0" dirty="0"/>
-              <a:t>dev    (latest, specified by default)</a:t>
-            </a:r>
+              <a:t>discuss the plots with a colleague…?</a:t>
+            </a:r>
+          </a:p>
+          <a:p>
+            <a:pPr lvl="1"/>
+            <a:endParaRPr lang="en-US" i="0" dirty="0"/>
+          </a:p>
+          <a:p>
+            <a:r>
+              <a:rPr lang="en-US" dirty="0"/>
+              <a:t>Maybe revisit previous discussion points – </a:t>
+            </a:r>
+            <a:endParaRPr lang="en-US" i="0" dirty="0"/>
           </a:p>
           <a:p>
             <a:pPr lvl="1"/>
             <a:r>
               <a:rPr lang="en-US" i="0" dirty="0"/>
-              <a:t>alpha (internal testing)</a:t>
-            </a:r>
-          </a:p>
-          <a:p>
-            <a:pPr lvl="1"/>
+              <a:t>Have you successfully shared a simulation with a colleague?</a:t>
+            </a:r>
+          </a:p>
+          <a:p>
+            <a:pPr lvl="2"/>
             <a:r>
               <a:rPr lang="en-US" i="0" dirty="0"/>
-              <a:t>beta   (external testing)</a:t>
-            </a:r>
+              <a:t>How positive was the experience?</a:t>
+            </a:r>
+          </a:p>
+          <a:p>
+            <a:pPr lvl="2"/>
+            <a:r>
+              <a:rPr lang="en-US" dirty="0"/>
+              <a:t>Did you every try and fail?</a:t>
+            </a:r>
+            <a:endParaRPr lang="en-US" i="0" dirty="0"/>
           </a:p>
           <a:p>
             <a:pPr lvl="1"/>
             <a:r>
               <a:rPr lang="en-US" i="0" dirty="0"/>
-              <a:t>prod   (ready for production release)</a:t>
-            </a:r>
-          </a:p>
-          <a:p>
+              <a:t>Briefly describe a code benchmarking exercise.</a:t>
+            </a:r>
+          </a:p>
+          <a:p>
+            <a:pPr lvl="2"/>
             <a:r>
               <a:rPr lang="en-US" i="0" dirty="0"/>
-              <a:t>Each container image includes a ‘manifest’</a:t>
-            </a:r>
-          </a:p>
-          <a:p>
-            <a:pPr lvl="1"/>
+              <a:t>Which codes?  Were others involved?  </a:t>
+            </a:r>
+            <a:r>
+              <a:rPr lang="en-US" dirty="0"/>
+              <a:t>Did you have access to all codes?</a:t>
+            </a:r>
+          </a:p>
+          <a:p>
+            <a:pPr lvl="2"/>
             <a:r>
               <a:rPr lang="en-US" i="0" dirty="0"/>
-              <a:t>describes the image &amp; codes,   rsmanifest.json</a:t>
-            </a:r>
-          </a:p>
-          <a:p>
-            <a:r>
-              <a:rPr lang="en-US" i="0" dirty="0"/>
-              <a:t>Source code for each application is stored in the image</a:t>
-            </a:r>
-          </a:p>
-          <a:p>
-            <a:r>
-              <a:rPr lang="en-US" i="0" dirty="0"/>
-              <a:t>Code versions/commits can be queried by simulations</a:t>
+              <a:t>How positive was the experience?</a:t>
             </a:r>
           </a:p>
         </p:txBody>
@@ -6555,7 +7999,7 @@
     </p:spTree>
     <p:extLst>
       <p:ext uri="{BB962C8B-B14F-4D97-AF65-F5344CB8AC3E}">
-        <p14:creationId xmlns:p14="http://schemas.microsoft.com/office/powerpoint/2010/main" val="2525692851"/>
+        <p14:creationId xmlns:p14="http://schemas.microsoft.com/office/powerpoint/2010/main" val="2046148354"/>
       </p:ext>
     </p:extLst>
   </p:cSld>

--- a/computational_reproducibility/lecture/2018_ComputationalReproducibility_Bruhwiler_USPAS.pptx
+++ b/computational_reproducibility/lecture/2018_ComputationalReproducibility_Bruhwiler_USPAS.pptx
@@ -5,7 +5,7 @@
     <p:sldMasterId id="2147483696" r:id="rId1"/>
   </p:sldMasterIdLst>
   <p:notesMasterIdLst>
-    <p:notesMasterId r:id="rId18"/>
+    <p:notesMasterId r:id="rId20"/>
   </p:notesMasterIdLst>
   <p:sldIdLst>
     <p:sldId id="297" r:id="rId2"/>
@@ -17,13 +17,15 @@
     <p:sldId id="406" r:id="rId8"/>
     <p:sldId id="407" r:id="rId9"/>
     <p:sldId id="409" r:id="rId10"/>
-    <p:sldId id="402" r:id="rId11"/>
-    <p:sldId id="401" r:id="rId12"/>
-    <p:sldId id="394" r:id="rId13"/>
-    <p:sldId id="395" r:id="rId14"/>
-    <p:sldId id="396" r:id="rId15"/>
-    <p:sldId id="397" r:id="rId16"/>
-    <p:sldId id="400" r:id="rId17"/>
+    <p:sldId id="411" r:id="rId11"/>
+    <p:sldId id="402" r:id="rId12"/>
+    <p:sldId id="412" r:id="rId13"/>
+    <p:sldId id="401" r:id="rId14"/>
+    <p:sldId id="394" r:id="rId15"/>
+    <p:sldId id="395" r:id="rId16"/>
+    <p:sldId id="396" r:id="rId17"/>
+    <p:sldId id="397" r:id="rId18"/>
+    <p:sldId id="400" r:id="rId19"/>
   </p:sldIdLst>
   <p:sldSz cx="9144000" cy="6858000" type="screen4x3"/>
   <p:notesSz cx="6858000" cy="9144000"/>
@@ -664,7 +666,7 @@
     </p:spTree>
     <p:extLst>
       <p:ext uri="{BB962C8B-B14F-4D97-AF65-F5344CB8AC3E}">
-        <p14:creationId xmlns:p14="http://schemas.microsoft.com/office/powerpoint/2010/main" val="3070082035"/>
+        <p14:creationId xmlns:p14="http://schemas.microsoft.com/office/powerpoint/2010/main" val="2868141309"/>
       </p:ext>
     </p:extLst>
   </p:cSld>
@@ -748,7 +750,7 @@
     </p:spTree>
     <p:extLst>
       <p:ext uri="{BB962C8B-B14F-4D97-AF65-F5344CB8AC3E}">
-        <p14:creationId xmlns:p14="http://schemas.microsoft.com/office/powerpoint/2010/main" val="3002940322"/>
+        <p14:creationId xmlns:p14="http://schemas.microsoft.com/office/powerpoint/2010/main" val="3070082035"/>
       </p:ext>
     </p:extLst>
   </p:cSld>
@@ -832,7 +834,7 @@
     </p:spTree>
     <p:extLst>
       <p:ext uri="{BB962C8B-B14F-4D97-AF65-F5344CB8AC3E}">
-        <p14:creationId xmlns:p14="http://schemas.microsoft.com/office/powerpoint/2010/main" val="384814357"/>
+        <p14:creationId xmlns:p14="http://schemas.microsoft.com/office/powerpoint/2010/main" val="2401810620"/>
       </p:ext>
     </p:extLst>
   </p:cSld>
@@ -916,7 +918,7 @@
     </p:spTree>
     <p:extLst>
       <p:ext uri="{BB962C8B-B14F-4D97-AF65-F5344CB8AC3E}">
-        <p14:creationId xmlns:p14="http://schemas.microsoft.com/office/powerpoint/2010/main" val="2620879761"/>
+        <p14:creationId xmlns:p14="http://schemas.microsoft.com/office/powerpoint/2010/main" val="3002940322"/>
       </p:ext>
     </p:extLst>
   </p:cSld>
@@ -1000,7 +1002,7 @@
     </p:spTree>
     <p:extLst>
       <p:ext uri="{BB962C8B-B14F-4D97-AF65-F5344CB8AC3E}">
-        <p14:creationId xmlns:p14="http://schemas.microsoft.com/office/powerpoint/2010/main" val="2480711367"/>
+        <p14:creationId xmlns:p14="http://schemas.microsoft.com/office/powerpoint/2010/main" val="384814357"/>
       </p:ext>
     </p:extLst>
   </p:cSld>
@@ -1084,7 +1086,7 @@
     </p:spTree>
     <p:extLst>
       <p:ext uri="{BB962C8B-B14F-4D97-AF65-F5344CB8AC3E}">
-        <p14:creationId xmlns:p14="http://schemas.microsoft.com/office/powerpoint/2010/main" val="720764118"/>
+        <p14:creationId xmlns:p14="http://schemas.microsoft.com/office/powerpoint/2010/main" val="2620879761"/>
       </p:ext>
     </p:extLst>
   </p:cSld>
@@ -1160,6 +1162,174 @@
             <a:fld id="{4E0E9D85-81CD-44C8-8F15-3AA06C34AF8C}" type="slidenum">
               <a:rPr lang="en-US" smtClean="0"/>
               <a:t>16</a:t>
+            </a:fld>
+            <a:endParaRPr lang="en-US"/>
+          </a:p>
+        </p:txBody>
+      </p:sp>
+    </p:spTree>
+    <p:extLst>
+      <p:ext uri="{BB962C8B-B14F-4D97-AF65-F5344CB8AC3E}">
+        <p14:creationId xmlns:p14="http://schemas.microsoft.com/office/powerpoint/2010/main" val="2480711367"/>
+      </p:ext>
+    </p:extLst>
+  </p:cSld>
+  <p:clrMapOvr>
+    <a:masterClrMapping/>
+  </p:clrMapOvr>
+</p:notes>
+</file>
+
+<file path=ppt/notesSlides/notesSlide17.xml><?xml version="1.0" encoding="utf-8"?>
+<p:notes xmlns:a="http://schemas.openxmlformats.org/drawingml/2006/main" xmlns:r="http://schemas.openxmlformats.org/officeDocument/2006/relationships" xmlns:p="http://schemas.openxmlformats.org/presentationml/2006/main">
+  <p:cSld>
+    <p:spTree>
+      <p:nvGrpSpPr>
+        <p:cNvPr id="1" name=""/>
+        <p:cNvGrpSpPr/>
+        <p:nvPr/>
+      </p:nvGrpSpPr>
+      <p:grpSpPr>
+        <a:xfrm>
+          <a:off x="0" y="0"/>
+          <a:ext cx="0" cy="0"/>
+          <a:chOff x="0" y="0"/>
+          <a:chExt cx="0" cy="0"/>
+        </a:xfrm>
+      </p:grpSpPr>
+      <p:sp>
+        <p:nvSpPr>
+          <p:cNvPr id="2" name="Slide Image Placeholder 1"/>
+          <p:cNvSpPr>
+            <a:spLocks noGrp="1" noRot="1" noChangeAspect="1"/>
+          </p:cNvSpPr>
+          <p:nvPr>
+            <p:ph type="sldImg"/>
+          </p:nvPr>
+        </p:nvSpPr>
+        <p:spPr/>
+      </p:sp>
+      <p:sp>
+        <p:nvSpPr>
+          <p:cNvPr id="3" name="Notes Placeholder 2"/>
+          <p:cNvSpPr>
+            <a:spLocks noGrp="1"/>
+          </p:cNvSpPr>
+          <p:nvPr>
+            <p:ph type="body" idx="1"/>
+          </p:nvPr>
+        </p:nvSpPr>
+        <p:spPr/>
+        <p:txBody>
+          <a:bodyPr/>
+          <a:lstStyle/>
+          <a:p>
+            <a:endParaRPr lang="en-US"/>
+          </a:p>
+        </p:txBody>
+      </p:sp>
+      <p:sp>
+        <p:nvSpPr>
+          <p:cNvPr id="4" name="Slide Number Placeholder 3"/>
+          <p:cNvSpPr>
+            <a:spLocks noGrp="1"/>
+          </p:cNvSpPr>
+          <p:nvPr>
+            <p:ph type="sldNum" sz="quarter" idx="10"/>
+          </p:nvPr>
+        </p:nvSpPr>
+        <p:spPr/>
+        <p:txBody>
+          <a:bodyPr/>
+          <a:lstStyle/>
+          <a:p>
+            <a:fld id="{4E0E9D85-81CD-44C8-8F15-3AA06C34AF8C}" type="slidenum">
+              <a:rPr lang="en-US" smtClean="0"/>
+              <a:t>17</a:t>
+            </a:fld>
+            <a:endParaRPr lang="en-US"/>
+          </a:p>
+        </p:txBody>
+      </p:sp>
+    </p:spTree>
+    <p:extLst>
+      <p:ext uri="{BB962C8B-B14F-4D97-AF65-F5344CB8AC3E}">
+        <p14:creationId xmlns:p14="http://schemas.microsoft.com/office/powerpoint/2010/main" val="720764118"/>
+      </p:ext>
+    </p:extLst>
+  </p:cSld>
+  <p:clrMapOvr>
+    <a:masterClrMapping/>
+  </p:clrMapOvr>
+</p:notes>
+</file>
+
+<file path=ppt/notesSlides/notesSlide18.xml><?xml version="1.0" encoding="utf-8"?>
+<p:notes xmlns:a="http://schemas.openxmlformats.org/drawingml/2006/main" xmlns:r="http://schemas.openxmlformats.org/officeDocument/2006/relationships" xmlns:p="http://schemas.openxmlformats.org/presentationml/2006/main">
+  <p:cSld>
+    <p:spTree>
+      <p:nvGrpSpPr>
+        <p:cNvPr id="1" name=""/>
+        <p:cNvGrpSpPr/>
+        <p:nvPr/>
+      </p:nvGrpSpPr>
+      <p:grpSpPr>
+        <a:xfrm>
+          <a:off x="0" y="0"/>
+          <a:ext cx="0" cy="0"/>
+          <a:chOff x="0" y="0"/>
+          <a:chExt cx="0" cy="0"/>
+        </a:xfrm>
+      </p:grpSpPr>
+      <p:sp>
+        <p:nvSpPr>
+          <p:cNvPr id="2" name="Slide Image Placeholder 1"/>
+          <p:cNvSpPr>
+            <a:spLocks noGrp="1" noRot="1" noChangeAspect="1"/>
+          </p:cNvSpPr>
+          <p:nvPr>
+            <p:ph type="sldImg"/>
+          </p:nvPr>
+        </p:nvSpPr>
+        <p:spPr/>
+      </p:sp>
+      <p:sp>
+        <p:nvSpPr>
+          <p:cNvPr id="3" name="Notes Placeholder 2"/>
+          <p:cNvSpPr>
+            <a:spLocks noGrp="1"/>
+          </p:cNvSpPr>
+          <p:nvPr>
+            <p:ph type="body" idx="1"/>
+          </p:nvPr>
+        </p:nvSpPr>
+        <p:spPr/>
+        <p:txBody>
+          <a:bodyPr/>
+          <a:lstStyle/>
+          <a:p>
+            <a:endParaRPr lang="en-US"/>
+          </a:p>
+        </p:txBody>
+      </p:sp>
+      <p:sp>
+        <p:nvSpPr>
+          <p:cNvPr id="4" name="Slide Number Placeholder 3"/>
+          <p:cNvSpPr>
+            <a:spLocks noGrp="1"/>
+          </p:cNvSpPr>
+          <p:nvPr>
+            <p:ph type="sldNum" sz="quarter" idx="10"/>
+          </p:nvPr>
+        </p:nvSpPr>
+        <p:spPr/>
+        <p:txBody>
+          <a:bodyPr/>
+          <a:lstStyle/>
+          <a:p>
+            <a:fld id="{4E0E9D85-81CD-44C8-8F15-3AA06C34AF8C}" type="slidenum">
+              <a:rPr lang="en-US" smtClean="0"/>
+              <a:t>18</a:t>
             </a:fld>
             <a:endParaRPr lang="en-US"/>
           </a:p>
@@ -4041,8 +4211,8 @@
         </p:nvSpPr>
         <p:spPr>
           <a:xfrm>
-            <a:off x="800100" y="140672"/>
-            <a:ext cx="8191500" cy="589085"/>
+            <a:off x="0" y="6946"/>
+            <a:ext cx="9144000" cy="589085"/>
           </a:xfrm>
         </p:spPr>
         <p:txBody>
@@ -4052,10 +4222,9 @@
           <a:lstStyle/>
           <a:p>
             <a:r>
-              <a:rPr lang="en-US"/>
-              <a:t>Literature</a:t>
-            </a:r>
-            <a:endParaRPr lang="en-US" dirty="0"/>
+              <a:rPr lang="en-US" dirty="0"/>
+              <a:t>The reproducibility literature (pt. 1)</a:t>
+            </a:r>
           </a:p>
         </p:txBody>
       </p:sp>
@@ -4072,7 +4241,7 @@
         <p:spPr>
           <a:xfrm>
             <a:off x="276639" y="791301"/>
-            <a:ext cx="8608944" cy="520664"/>
+            <a:ext cx="8608944" cy="3597820"/>
           </a:xfrm>
         </p:spPr>
         <p:txBody>
@@ -4082,8 +4251,64 @@
           <a:lstStyle/>
           <a:p>
             <a:r>
-              <a:rPr lang="en-US" sz="2000" i="0"/>
-              <a:t>TBD…</a:t>
+              <a:rPr lang="en-US" i="0" dirty="0"/>
+              <a:t>The topic cannot be covered completely in a single lecture…</a:t>
+            </a:r>
+          </a:p>
+          <a:p>
+            <a:pPr lvl="1"/>
+            <a:r>
+              <a:rPr lang="en-US" i="0" dirty="0"/>
+              <a:t>so we provide some pointers for further study</a:t>
+            </a:r>
+          </a:p>
+          <a:p>
+            <a:pPr lvl="1"/>
+            <a:r>
+              <a:rPr lang="en-US" dirty="0"/>
+              <a:t>note that this is an active area of research</a:t>
+            </a:r>
+          </a:p>
+          <a:p>
+            <a:pPr lvl="2"/>
+            <a:endParaRPr lang="en-US" dirty="0"/>
+          </a:p>
+          <a:p>
+            <a:r>
+              <a:rPr lang="en-US" dirty="0"/>
+              <a:t>Best practices, tips, tools and techniques:</a:t>
+            </a:r>
+          </a:p>
+          <a:p>
+            <a:pPr lvl="3"/>
+            <a:endParaRPr lang="en-US" sz="1400" dirty="0"/>
+          </a:p>
+          <a:p>
+            <a:pPr lvl="3"/>
+            <a:endParaRPr lang="en-US" sz="1400" dirty="0"/>
+          </a:p>
+          <a:p>
+            <a:pPr lvl="2"/>
+            <a:endParaRPr lang="en-US" sz="1600" dirty="0"/>
+          </a:p>
+          <a:p>
+            <a:pPr lvl="2"/>
+            <a:endParaRPr lang="en-US" sz="1600" dirty="0"/>
+          </a:p>
+          <a:p>
+            <a:pPr lvl="2"/>
+            <a:endParaRPr lang="en-US" sz="1600" dirty="0"/>
+          </a:p>
+          <a:p>
+            <a:pPr marL="914400" lvl="2" indent="0">
+              <a:buNone/>
+            </a:pPr>
+            <a:endParaRPr lang="en-US" sz="1600" dirty="0"/>
+          </a:p>
+          <a:p>
+            <a:r>
+              <a:rPr lang="en-US" dirty="0"/>
+              <a:t>Reproducibility, reusability, etc. – what is it?  …why do it?</a:t>
             </a:r>
           </a:p>
         </p:txBody>
@@ -4096,8 +4321,8 @@
         </p:nvSpPr>
         <p:spPr>
           <a:xfrm>
-            <a:off x="230256" y="1391029"/>
-            <a:ext cx="8542683" cy="5016758"/>
+            <a:off x="601317" y="2243062"/>
+            <a:ext cx="8542683" cy="1538883"/>
           </a:xfrm>
           <a:prstGeom prst="rect">
             <a:avLst/>
@@ -4110,134 +4335,112 @@
           </a:bodyPr>
           <a:lstStyle/>
           <a:p>
-            <a:r>
-              <a:rPr lang="en-US" sz="1600" dirty="0" err="1">
+            <a:pPr marL="227013" indent="-227013">
+              <a:spcBef>
+                <a:spcPts val="300"/>
+              </a:spcBef>
+            </a:pPr>
+            <a:r>
+              <a:rPr lang="sv-SE" sz="1400" dirty="0">
                 <a:latin typeface="Times New Roman" panose="02020603050405020304" pitchFamily="18" charset="0"/>
                 <a:cs typeface="Times New Roman" panose="02020603050405020304" pitchFamily="18" charset="0"/>
               </a:rPr>
-              <a:t>Stodden</a:t>
-            </a:r>
-            <a:r>
-              <a:rPr lang="en-US" sz="1600" dirty="0">
-                <a:latin typeface="Times New Roman" panose="02020603050405020304" pitchFamily="18" charset="0"/>
-                <a:cs typeface="Times New Roman" panose="02020603050405020304" pitchFamily="18" charset="0"/>
-              </a:rPr>
-              <a:t> &amp; </a:t>
-            </a:r>
-            <a:r>
-              <a:rPr lang="en-US" sz="1600" dirty="0" err="1">
-                <a:latin typeface="Times New Roman" panose="02020603050405020304" pitchFamily="18" charset="0"/>
-                <a:cs typeface="Times New Roman" panose="02020603050405020304" pitchFamily="18" charset="0"/>
-              </a:rPr>
-              <a:t>Miguez</a:t>
-            </a:r>
-            <a:r>
-              <a:rPr lang="en-US" sz="1600" dirty="0">
-                <a:latin typeface="Times New Roman" panose="02020603050405020304" pitchFamily="18" charset="0"/>
-                <a:cs typeface="Times New Roman" panose="02020603050405020304" pitchFamily="18" charset="0"/>
-              </a:rPr>
-              <a:t>, </a:t>
-            </a:r>
-            <a:r>
-              <a:rPr lang="en-US" sz="1600" dirty="0">
+              <a:t>V. Stodden (2017), </a:t>
+            </a:r>
+            <a:r>
+              <a:rPr lang="sv-SE" sz="1400" dirty="0">
                 <a:latin typeface="Times New Roman" panose="02020603050405020304" pitchFamily="18" charset="0"/>
                 <a:cs typeface="Times New Roman" panose="02020603050405020304" pitchFamily="18" charset="0"/>
                 <a:hlinkClick r:id="rId3"/>
               </a:rPr>
+              <a:t>https://codeocean.com/workshops/computational-reproducibility</a:t>
+            </a:r>
+            <a:r>
+              <a:rPr lang="sv-SE" sz="1400" dirty="0">
+                <a:latin typeface="Times New Roman" panose="02020603050405020304" pitchFamily="18" charset="0"/>
+                <a:cs typeface="Times New Roman" panose="02020603050405020304" pitchFamily="18" charset="0"/>
+              </a:rPr>
+              <a:t> </a:t>
+            </a:r>
+          </a:p>
+          <a:p>
+            <a:pPr marL="227013" indent="-227013">
+              <a:spcBef>
+                <a:spcPts val="300"/>
+              </a:spcBef>
+            </a:pPr>
+            <a:r>
+              <a:rPr lang="en-US" sz="1400" dirty="0">
+                <a:latin typeface="Times New Roman" panose="02020603050405020304" pitchFamily="18" charset="0"/>
+                <a:cs typeface="Times New Roman" panose="02020603050405020304" pitchFamily="18" charset="0"/>
+              </a:rPr>
+              <a:t>V. Stodden &amp; S. Miguez (2014), </a:t>
+            </a:r>
+            <a:r>
+              <a:rPr lang="en-US" sz="1400" dirty="0">
+                <a:latin typeface="Times New Roman" panose="02020603050405020304" pitchFamily="18" charset="0"/>
+                <a:cs typeface="Times New Roman" panose="02020603050405020304" pitchFamily="18" charset="0"/>
+                <a:hlinkClick r:id="rId4"/>
+              </a:rPr>
               <a:t>https://openresearchsoftware.metajnl.com/articles/10.5334/jors.ay/</a:t>
             </a:r>
-            <a:endParaRPr lang="en-US" sz="1600" dirty="0">
+            <a:endParaRPr lang="en-US" sz="1400" dirty="0">
               <a:latin typeface="Times New Roman" panose="02020603050405020304" pitchFamily="18" charset="0"/>
               <a:cs typeface="Times New Roman" panose="02020603050405020304" pitchFamily="18" charset="0"/>
             </a:endParaRPr>
           </a:p>
           <a:p>
-            <a:r>
-              <a:rPr lang="en-US" sz="1600" dirty="0">
+            <a:pPr marL="227013" indent="-227013">
+              <a:spcBef>
+                <a:spcPts val="300"/>
+              </a:spcBef>
+            </a:pPr>
+            <a:r>
+              <a:rPr lang="it-IT" sz="1400" dirty="0">
                 <a:latin typeface="Times New Roman" panose="02020603050405020304" pitchFamily="18" charset="0"/>
                 <a:cs typeface="Times New Roman" panose="02020603050405020304" pitchFamily="18" charset="0"/>
               </a:rPr>
-              <a:t>Guest &amp; Rougier, </a:t>
-            </a:r>
-            <a:r>
-              <a:rPr lang="en-US" sz="1600" dirty="0">
-                <a:latin typeface="Times New Roman" panose="02020603050405020304" pitchFamily="18" charset="0"/>
-                <a:cs typeface="Times New Roman" panose="02020603050405020304" pitchFamily="18" charset="0"/>
-                <a:hlinkClick r:id="rId4"/>
-              </a:rPr>
-              <a:t>https://hal.inria.fr/hal-01358082/file/guest_rougier_2016.pdf</a:t>
-            </a:r>
-            <a:r>
-              <a:rPr lang="en-US" sz="1600" dirty="0">
-                <a:latin typeface="Times New Roman" panose="02020603050405020304" pitchFamily="18" charset="0"/>
-                <a:cs typeface="Times New Roman" panose="02020603050405020304" pitchFamily="18" charset="0"/>
-              </a:rPr>
-              <a:t> </a:t>
-            </a:r>
-          </a:p>
-          <a:p>
-            <a:r>
-              <a:rPr lang="en-US" sz="1600" dirty="0" err="1">
-                <a:latin typeface="Times New Roman" panose="02020603050405020304" pitchFamily="18" charset="0"/>
-                <a:cs typeface="Times New Roman" panose="02020603050405020304" pitchFamily="18" charset="0"/>
-              </a:rPr>
-              <a:t>Grüning</a:t>
-            </a:r>
-            <a:r>
-              <a:rPr lang="en-US" sz="1600" dirty="0">
-                <a:latin typeface="Times New Roman" panose="02020603050405020304" pitchFamily="18" charset="0"/>
-                <a:cs typeface="Times New Roman" panose="02020603050405020304" pitchFamily="18" charset="0"/>
-              </a:rPr>
-              <a:t> </a:t>
-            </a:r>
-            <a:r>
-              <a:rPr lang="en-US" sz="1600" i="1" dirty="0">
-                <a:latin typeface="Times New Roman" panose="02020603050405020304" pitchFamily="18" charset="0"/>
-                <a:cs typeface="Times New Roman" panose="02020603050405020304" pitchFamily="18" charset="0"/>
-              </a:rPr>
-              <a:t>et al</a:t>
-            </a:r>
-            <a:r>
-              <a:rPr lang="en-US" sz="1600" dirty="0">
-                <a:latin typeface="Times New Roman" panose="02020603050405020304" pitchFamily="18" charset="0"/>
-                <a:cs typeface="Times New Roman" panose="02020603050405020304" pitchFamily="18" charset="0"/>
-              </a:rPr>
-              <a:t>., </a:t>
-            </a:r>
-            <a:r>
-              <a:rPr lang="en-US" sz="1600" dirty="0">
+              <a:t>S.R. Piccolo &amp; M.B. Frampton (2016), </a:t>
+            </a:r>
+            <a:r>
+              <a:rPr lang="it-IT" sz="1400" dirty="0">
                 <a:latin typeface="Times New Roman" panose="02020603050405020304" pitchFamily="18" charset="0"/>
                 <a:cs typeface="Times New Roman" panose="02020603050405020304" pitchFamily="18" charset="0"/>
                 <a:hlinkClick r:id="rId5"/>
               </a:rPr>
-              <a:t>https://www.biorxiv.org/content/early/2017/10/10/200683</a:t>
-            </a:r>
-            <a:r>
-              <a:rPr lang="en-US" sz="1600" dirty="0">
+              <a:t>https://gigascience.biomedcentral.com/articles/10.1186/s13742-016-0135-4</a:t>
+            </a:r>
+            <a:r>
+              <a:rPr lang="it-IT" sz="1400" dirty="0">
                 <a:latin typeface="Times New Roman" panose="02020603050405020304" pitchFamily="18" charset="0"/>
                 <a:cs typeface="Times New Roman" panose="02020603050405020304" pitchFamily="18" charset="0"/>
               </a:rPr>
-              <a:t> </a:t>
-            </a:r>
-          </a:p>
-          <a:p>
-            <a:r>
-              <a:rPr lang="en-US" sz="1600" dirty="0">
+              <a:t>  </a:t>
+            </a:r>
+          </a:p>
+          <a:p>
+            <a:pPr marL="227013" indent="-227013">
+              <a:spcBef>
+                <a:spcPts val="300"/>
+              </a:spcBef>
+            </a:pPr>
+            <a:r>
+              <a:rPr lang="da-DK" sz="1400" dirty="0">
                 <a:latin typeface="Times New Roman" panose="02020603050405020304" pitchFamily="18" charset="0"/>
                 <a:cs typeface="Times New Roman" panose="02020603050405020304" pitchFamily="18" charset="0"/>
               </a:rPr>
-              <a:t>Piccolo &amp; Frampton, </a:t>
-            </a:r>
-            <a:r>
-              <a:rPr lang="en-US" sz="1600" dirty="0">
+              <a:t>G.K. Sandve et al. (2013), </a:t>
+            </a:r>
+            <a:r>
+              <a:rPr lang="da-DK" sz="1400" dirty="0">
                 <a:latin typeface="Times New Roman" panose="02020603050405020304" pitchFamily="18" charset="0"/>
                 <a:cs typeface="Times New Roman" panose="02020603050405020304" pitchFamily="18" charset="0"/>
                 <a:hlinkClick r:id="rId6"/>
               </a:rPr>
-              <a:t>https://gigascience.biomedcentral.com/articles/10.1186/s13742-016-0135-4</a:t>
-            </a:r>
-            <a:r>
-              <a:rPr lang="en-US" sz="1600" dirty="0">
+              <a:t>http://journals.plos.org/ploscompbiol/article?id=10.1371/journal.pcbi.1003285</a:t>
+            </a:r>
+            <a:r>
+              <a:rPr lang="da-DK" sz="1400" dirty="0">
                 <a:latin typeface="Times New Roman" panose="02020603050405020304" pitchFamily="18" charset="0"/>
                 <a:cs typeface="Times New Roman" panose="02020603050405020304" pitchFamily="18" charset="0"/>
               </a:rPr>
@@ -4245,75 +4448,86 @@
             </a:r>
           </a:p>
           <a:p>
-            <a:r>
-              <a:rPr lang="en-US" sz="1600" dirty="0">
+            <a:pPr marL="227013" indent="-227013">
+              <a:spcBef>
+                <a:spcPts val="300"/>
+              </a:spcBef>
+            </a:pPr>
+            <a:r>
+              <a:rPr lang="it-IT" sz="1400" dirty="0">
                 <a:latin typeface="Times New Roman" panose="02020603050405020304" pitchFamily="18" charset="0"/>
                 <a:cs typeface="Times New Roman" panose="02020603050405020304" pitchFamily="18" charset="0"/>
               </a:rPr>
-              <a:t>Cohen-</a:t>
-            </a:r>
-            <a:r>
-              <a:rPr lang="en-US" sz="1600" dirty="0" err="1">
-                <a:latin typeface="Times New Roman" panose="02020603050405020304" pitchFamily="18" charset="0"/>
-                <a:cs typeface="Times New Roman" panose="02020603050405020304" pitchFamily="18" charset="0"/>
-              </a:rPr>
-              <a:t>Boulakia</a:t>
-            </a:r>
-            <a:r>
-              <a:rPr lang="en-US" sz="1600" dirty="0">
-                <a:latin typeface="Times New Roman" panose="02020603050405020304" pitchFamily="18" charset="0"/>
-                <a:cs typeface="Times New Roman" panose="02020603050405020304" pitchFamily="18" charset="0"/>
-              </a:rPr>
-              <a:t> </a:t>
-            </a:r>
-            <a:r>
-              <a:rPr lang="en-US" sz="1600" i="1" dirty="0">
-                <a:latin typeface="Times New Roman" panose="02020603050405020304" pitchFamily="18" charset="0"/>
-                <a:cs typeface="Times New Roman" panose="02020603050405020304" pitchFamily="18" charset="0"/>
-              </a:rPr>
-              <a:t>et al</a:t>
-            </a:r>
-            <a:r>
-              <a:rPr lang="en-US" sz="1600" dirty="0">
-                <a:latin typeface="Times New Roman" panose="02020603050405020304" pitchFamily="18" charset="0"/>
-                <a:cs typeface="Times New Roman" panose="02020603050405020304" pitchFamily="18" charset="0"/>
-              </a:rPr>
-              <a:t>., </a:t>
-            </a:r>
-            <a:r>
-              <a:rPr lang="en-US" sz="1600" dirty="0">
+              <a:t>J. Freire, P. Bonnet &amp; D. Shasha (2012), </a:t>
+            </a:r>
+            <a:r>
+              <a:rPr lang="it-IT" sz="1400" dirty="0">
                 <a:latin typeface="Times New Roman" panose="02020603050405020304" pitchFamily="18" charset="0"/>
                 <a:cs typeface="Times New Roman" panose="02020603050405020304" pitchFamily="18" charset="0"/>
                 <a:hlinkClick r:id="rId7"/>
               </a:rPr>
-              <a:t>https://www.sciencedirect.com/science/article/pii/S0167739X17300316</a:t>
-            </a:r>
-            <a:r>
-              <a:rPr lang="en-US" sz="1600" dirty="0">
+              <a:t>https://pdfs.semanticscholar.org/57ee/c0917fc84716e5748c2e94139ab156db3ada.pdf</a:t>
+            </a:r>
+            <a:r>
+              <a:rPr lang="it-IT" sz="1400" dirty="0">
                 <a:latin typeface="Times New Roman" panose="02020603050405020304" pitchFamily="18" charset="0"/>
                 <a:cs typeface="Times New Roman" panose="02020603050405020304" pitchFamily="18" charset="0"/>
               </a:rPr>
               <a:t> </a:t>
             </a:r>
           </a:p>
-          <a:p>
-            <a:r>
-              <a:rPr lang="en-US" sz="1600" dirty="0">
+        </p:txBody>
+      </p:sp>
+      <p:sp>
+        <p:nvSpPr>
+          <p:cNvPr id="5" name="TextBox 4">
+            <a:extLst>
+              <a:ext uri="{FF2B5EF4-FFF2-40B4-BE49-F238E27FC236}">
+                <a16:creationId xmlns:a16="http://schemas.microsoft.com/office/drawing/2014/main" id="{019BFA61-21A0-4A72-801D-C7C00BAFA17D}"/>
+              </a:ext>
+            </a:extLst>
+          </p:cNvPr>
+          <p:cNvSpPr txBox="1"/>
+          <p:nvPr/>
+        </p:nvSpPr>
+        <p:spPr>
+          <a:xfrm>
+            <a:off x="601318" y="4356543"/>
+            <a:ext cx="8413474" cy="1754326"/>
+          </a:xfrm>
+          <a:prstGeom prst="rect">
+            <a:avLst/>
+          </a:prstGeom>
+          <a:noFill/>
+        </p:spPr>
+        <p:txBody>
+          <a:bodyPr wrap="square" rtlCol="0">
+            <a:spAutoFit/>
+          </a:bodyPr>
+          <a:lstStyle/>
+          <a:p>
+            <a:pPr marL="227013" indent="-227013">
+              <a:spcBef>
+                <a:spcPts val="300"/>
+              </a:spcBef>
+            </a:pPr>
+            <a:r>
+              <a:rPr lang="en-US" sz="1400" dirty="0">
                 <a:latin typeface="Times New Roman" panose="02020603050405020304" pitchFamily="18" charset="0"/>
                 <a:cs typeface="Times New Roman" panose="02020603050405020304" pitchFamily="18" charset="0"/>
               </a:rPr>
-              <a:t>Beaulieu-Jones &amp; Greene, </a:t>
-            </a:r>
-            <a:r>
-              <a:rPr lang="en-US" sz="1600" dirty="0">
+              <a:t>O. Guest &amp; N.P. Rougier (2016), </a:t>
+            </a:r>
+            <a:r>
+              <a:rPr lang="en-US" sz="1400" dirty="0">
                 <a:latin typeface="Times New Roman" panose="02020603050405020304" pitchFamily="18" charset="0"/>
                 <a:cs typeface="Times New Roman" panose="02020603050405020304" pitchFamily="18" charset="0"/>
                 <a:hlinkClick r:id="rId8"/>
               </a:rPr>
-              <a:t>https://www.nature.com/articles/nbt.3780</a:t>
-            </a:r>
-            <a:r>
-              <a:rPr lang="en-US" sz="1600" dirty="0">
+              <a:t>https://hal.inria.fr/hal-01358082/file/guest_rougier_2016.pdf</a:t>
+            </a:r>
+            <a:r>
+              <a:rPr lang="en-US" sz="1400" dirty="0">
                 <a:latin typeface="Times New Roman" panose="02020603050405020304" pitchFamily="18" charset="0"/>
                 <a:cs typeface="Times New Roman" panose="02020603050405020304" pitchFamily="18" charset="0"/>
               </a:rPr>
@@ -4321,37 +4535,42 @@
             </a:r>
           </a:p>
           <a:p>
-            <a:r>
-              <a:rPr lang="en-US" sz="1600" dirty="0">
+            <a:pPr marL="227013" indent="-227013">
+              <a:spcBef>
+                <a:spcPts val="300"/>
+              </a:spcBef>
+            </a:pPr>
+            <a:r>
+              <a:rPr lang="en-US" sz="1400" dirty="0">
                 <a:latin typeface="Times New Roman" panose="02020603050405020304" pitchFamily="18" charset="0"/>
                 <a:cs typeface="Times New Roman" panose="02020603050405020304" pitchFamily="18" charset="0"/>
               </a:rPr>
-              <a:t>Hatton &amp; </a:t>
-            </a:r>
-            <a:r>
-              <a:rPr lang="en-US" sz="1600" dirty="0" err="1">
+              <a:t>G. </a:t>
+            </a:r>
+            <a:r>
+              <a:rPr lang="en-US" sz="1400" dirty="0" err="1">
                 <a:latin typeface="Times New Roman" panose="02020603050405020304" pitchFamily="18" charset="0"/>
                 <a:cs typeface="Times New Roman" panose="02020603050405020304" pitchFamily="18" charset="0"/>
               </a:rPr>
-              <a:t>Warr</a:t>
-            </a:r>
-            <a:r>
-              <a:rPr lang="en-US" sz="1600" dirty="0">
+              <a:t>Varoquaux</a:t>
+            </a:r>
+            <a:r>
+              <a:rPr lang="en-US" sz="1400" dirty="0">
                 <a:latin typeface="Times New Roman" panose="02020603050405020304" pitchFamily="18" charset="0"/>
                 <a:cs typeface="Times New Roman" panose="02020603050405020304" pitchFamily="18" charset="0"/>
               </a:rPr>
-              <a:t>, </a:t>
-            </a:r>
-            <a:r>
-              <a:rPr lang="en-US" sz="1600" dirty="0">
+              <a:t> (2017), </a:t>
+            </a:r>
+            <a:r>
+              <a:rPr lang="en-US" sz="1400" dirty="0">
                 <a:latin typeface="Times New Roman" panose="02020603050405020304" pitchFamily="18" charset="0"/>
                 <a:cs typeface="Times New Roman" panose="02020603050405020304" pitchFamily="18" charset="0"/>
                 <a:hlinkClick r:id="rId9"/>
               </a:rPr>
-              <a:t>https://arxiv.org/abs/1608.06897</a:t>
-            </a:r>
-            <a:r>
-              <a:rPr lang="en-US" sz="1600" dirty="0">
+              <a:t>http://gael-varoquaux.info/programming/beyond-computational-reproducibility-let-us-aim-for-reusability.html</a:t>
+            </a:r>
+            <a:r>
+              <a:rPr lang="en-US" sz="1400" dirty="0">
                 <a:latin typeface="Times New Roman" panose="02020603050405020304" pitchFamily="18" charset="0"/>
                 <a:cs typeface="Times New Roman" panose="02020603050405020304" pitchFamily="18" charset="0"/>
               </a:rPr>
@@ -4359,22 +4578,27 @@
             </a:r>
           </a:p>
           <a:p>
-            <a:r>
-              <a:rPr lang="en-US" sz="1600" dirty="0" err="1">
+            <a:pPr marL="227013" indent="-227013">
+              <a:spcBef>
+                <a:spcPts val="300"/>
+              </a:spcBef>
+            </a:pPr>
+            <a:r>
+              <a:rPr lang="en-US" sz="1400" dirty="0" err="1">
                 <a:latin typeface="Times New Roman" panose="02020603050405020304" pitchFamily="18" charset="0"/>
                 <a:cs typeface="Times New Roman" panose="02020603050405020304" pitchFamily="18" charset="0"/>
               </a:rPr>
               <a:t>rOpenSci</a:t>
             </a:r>
             <a:r>
-              <a:rPr lang="en-US" sz="1600" dirty="0">
+              <a:rPr lang="en-US" sz="1400" dirty="0">
                 <a:latin typeface="Times New Roman" panose="02020603050405020304" pitchFamily="18" charset="0"/>
                 <a:cs typeface="Times New Roman" panose="02020603050405020304" pitchFamily="18" charset="0"/>
               </a:rPr>
               <a:t> Project, </a:t>
             </a:r>
             <a:r>
-              <a:rPr lang="en-US" sz="1600" dirty="0">
+              <a:rPr lang="en-US" sz="1400" dirty="0">
                 <a:latin typeface="Times New Roman" panose="02020603050405020304" pitchFamily="18" charset="0"/>
                 <a:cs typeface="Times New Roman" panose="02020603050405020304" pitchFamily="18" charset="0"/>
                 <a:hlinkClick r:id="rId10"/>
@@ -4382,7 +4606,7 @@
               <a:t>http://ropensci.github.io/reproducibility-guide/sections/introduction/</a:t>
             </a:r>
             <a:r>
-              <a:rPr lang="en-US" sz="1600" dirty="0">
+              <a:rPr lang="en-US" sz="1400" dirty="0">
                 <a:latin typeface="Times New Roman" panose="02020603050405020304" pitchFamily="18" charset="0"/>
                 <a:cs typeface="Times New Roman" panose="02020603050405020304" pitchFamily="18" charset="0"/>
               </a:rPr>
@@ -4390,224 +4614,26 @@
             </a:r>
           </a:p>
           <a:p>
-            <a:r>
-              <a:rPr lang="en-US" sz="1600" dirty="0">
+            <a:pPr marL="227013" indent="-227013">
+              <a:spcBef>
+                <a:spcPts val="300"/>
+              </a:spcBef>
+            </a:pPr>
+            <a:r>
+              <a:rPr lang="it-IT" sz="1400" dirty="0">
                 <a:latin typeface="Times New Roman" panose="02020603050405020304" pitchFamily="18" charset="0"/>
                 <a:cs typeface="Times New Roman" panose="02020603050405020304" pitchFamily="18" charset="0"/>
               </a:rPr>
-              <a:t>R.D. Peng, </a:t>
-            </a:r>
-            <a:r>
-              <a:rPr lang="en-US" sz="1600" dirty="0">
-                <a:latin typeface="Times New Roman" panose="02020603050405020304" pitchFamily="18" charset="0"/>
-                <a:cs typeface="Times New Roman" panose="02020603050405020304" pitchFamily="18" charset="0"/>
-                <a:hlinkClick r:id="rId11"/>
-              </a:rPr>
-              <a:t>http://science.sciencemag.org/content/334/6060/1226</a:t>
-            </a:r>
-            <a:r>
-              <a:rPr lang="en-US" sz="1600" dirty="0">
-                <a:latin typeface="Times New Roman" panose="02020603050405020304" pitchFamily="18" charset="0"/>
-                <a:cs typeface="Times New Roman" panose="02020603050405020304" pitchFamily="18" charset="0"/>
-              </a:rPr>
-              <a:t> </a:t>
-            </a:r>
-          </a:p>
-          <a:p>
-            <a:r>
-              <a:rPr lang="en-US" sz="1600" dirty="0" err="1">
-                <a:latin typeface="Times New Roman" panose="02020603050405020304" pitchFamily="18" charset="0"/>
-                <a:cs typeface="Times New Roman" panose="02020603050405020304" pitchFamily="18" charset="0"/>
-              </a:rPr>
-              <a:t>Varoquaux</a:t>
-            </a:r>
-            <a:r>
-              <a:rPr lang="en-US" sz="1600" dirty="0">
-                <a:latin typeface="Times New Roman" panose="02020603050405020304" pitchFamily="18" charset="0"/>
-                <a:cs typeface="Times New Roman" panose="02020603050405020304" pitchFamily="18" charset="0"/>
-              </a:rPr>
-              <a:t>, </a:t>
-            </a:r>
-            <a:r>
-              <a:rPr lang="en-US" sz="1600" dirty="0">
-                <a:latin typeface="Times New Roman" panose="02020603050405020304" pitchFamily="18" charset="0"/>
-                <a:cs typeface="Times New Roman" panose="02020603050405020304" pitchFamily="18" charset="0"/>
-                <a:hlinkClick r:id="rId12"/>
-              </a:rPr>
-              <a:t>http://gael-varoquaux.info/programming/beyond-computational-reproducibility-let-us-aim-for-reusability.html</a:t>
-            </a:r>
-            <a:r>
-              <a:rPr lang="en-US" sz="1600" dirty="0">
-                <a:latin typeface="Times New Roman" panose="02020603050405020304" pitchFamily="18" charset="0"/>
-                <a:cs typeface="Times New Roman" panose="02020603050405020304" pitchFamily="18" charset="0"/>
-              </a:rPr>
-              <a:t> </a:t>
-            </a:r>
-          </a:p>
-          <a:p>
-            <a:r>
-              <a:rPr lang="en-US" sz="1600" dirty="0">
-                <a:latin typeface="Times New Roman" panose="02020603050405020304" pitchFamily="18" charset="0"/>
-                <a:cs typeface="Times New Roman" panose="02020603050405020304" pitchFamily="18" charset="0"/>
-              </a:rPr>
-              <a:t>Freire, Bonnet &amp; </a:t>
-            </a:r>
-            <a:r>
-              <a:rPr lang="en-US" sz="1600" dirty="0" err="1">
-                <a:latin typeface="Times New Roman" panose="02020603050405020304" pitchFamily="18" charset="0"/>
-                <a:cs typeface="Times New Roman" panose="02020603050405020304" pitchFamily="18" charset="0"/>
-              </a:rPr>
-              <a:t>Shasha</a:t>
-            </a:r>
-            <a:r>
-              <a:rPr lang="en-US" sz="1600" dirty="0">
-                <a:latin typeface="Times New Roman" panose="02020603050405020304" pitchFamily="18" charset="0"/>
-                <a:cs typeface="Times New Roman" panose="02020603050405020304" pitchFamily="18" charset="0"/>
-              </a:rPr>
-              <a:t>, </a:t>
-            </a:r>
-            <a:r>
-              <a:rPr lang="en-US" sz="1600" dirty="0">
-                <a:latin typeface="Times New Roman" panose="02020603050405020304" pitchFamily="18" charset="0"/>
-                <a:cs typeface="Times New Roman" panose="02020603050405020304" pitchFamily="18" charset="0"/>
-                <a:hlinkClick r:id="rId13"/>
-              </a:rPr>
-              <a:t>https://pdfs.semanticscholar.org/57ee/c0917fc84716e5748c2e94139ab156db3ada.pdf</a:t>
-            </a:r>
-            <a:r>
-              <a:rPr lang="en-US" sz="1600" dirty="0">
-                <a:latin typeface="Times New Roman" panose="02020603050405020304" pitchFamily="18" charset="0"/>
-                <a:cs typeface="Times New Roman" panose="02020603050405020304" pitchFamily="18" charset="0"/>
-              </a:rPr>
-              <a:t> </a:t>
-            </a:r>
-          </a:p>
-          <a:p>
-            <a:r>
-              <a:rPr lang="en-US" sz="1600" dirty="0">
-                <a:latin typeface="Times New Roman" panose="02020603050405020304" pitchFamily="18" charset="0"/>
-                <a:cs typeface="Times New Roman" panose="02020603050405020304" pitchFamily="18" charset="0"/>
-              </a:rPr>
-              <a:t>Barba, </a:t>
-            </a:r>
-            <a:r>
-              <a:rPr lang="en-US" sz="1600" dirty="0">
-                <a:latin typeface="Times New Roman" panose="02020603050405020304" pitchFamily="18" charset="0"/>
-                <a:cs typeface="Times New Roman" panose="02020603050405020304" pitchFamily="18" charset="0"/>
-                <a:hlinkClick r:id="rId14"/>
-              </a:rPr>
-              <a:t>https://speakerdeck.com/labarba/introduction-to-computational-reproducibility-and-why-we-care</a:t>
-            </a:r>
-            <a:r>
-              <a:rPr lang="en-US" sz="1600" dirty="0">
-                <a:latin typeface="Times New Roman" panose="02020603050405020304" pitchFamily="18" charset="0"/>
-                <a:cs typeface="Times New Roman" panose="02020603050405020304" pitchFamily="18" charset="0"/>
-              </a:rPr>
-              <a:t> </a:t>
-            </a:r>
-          </a:p>
-          <a:p>
-            <a:r>
-              <a:rPr lang="en-US" sz="1600" dirty="0" err="1">
-                <a:latin typeface="Times New Roman" panose="02020603050405020304" pitchFamily="18" charset="0"/>
-                <a:cs typeface="Times New Roman" panose="02020603050405020304" pitchFamily="18" charset="0"/>
-              </a:rPr>
-              <a:t>Sandve</a:t>
-            </a:r>
-            <a:r>
-              <a:rPr lang="en-US" sz="1600" dirty="0">
-                <a:latin typeface="Times New Roman" panose="02020603050405020304" pitchFamily="18" charset="0"/>
-                <a:cs typeface="Times New Roman" panose="02020603050405020304" pitchFamily="18" charset="0"/>
-              </a:rPr>
-              <a:t> </a:t>
-            </a:r>
-            <a:r>
-              <a:rPr lang="en-US" sz="1600" i="1" dirty="0">
-                <a:latin typeface="Times New Roman" panose="02020603050405020304" pitchFamily="18" charset="0"/>
-                <a:cs typeface="Times New Roman" panose="02020603050405020304" pitchFamily="18" charset="0"/>
-              </a:rPr>
-              <a:t>et al</a:t>
-            </a:r>
-            <a:r>
-              <a:rPr lang="en-US" sz="1600" dirty="0">
-                <a:latin typeface="Times New Roman" panose="02020603050405020304" pitchFamily="18" charset="0"/>
-                <a:cs typeface="Times New Roman" panose="02020603050405020304" pitchFamily="18" charset="0"/>
-              </a:rPr>
-              <a:t>., </a:t>
-            </a:r>
-            <a:r>
-              <a:rPr lang="en-US" sz="1600" dirty="0">
-                <a:latin typeface="Times New Roman" panose="02020603050405020304" pitchFamily="18" charset="0"/>
-                <a:cs typeface="Times New Roman" panose="02020603050405020304" pitchFamily="18" charset="0"/>
-                <a:hlinkClick r:id="rId15"/>
-              </a:rPr>
-              <a:t>http://journals.plos.org/ploscompbiol/article?id=10.1371/journal.pcbi.1003285</a:t>
-            </a:r>
-            <a:r>
-              <a:rPr lang="en-US" sz="1600" dirty="0">
-                <a:latin typeface="Times New Roman" panose="02020603050405020304" pitchFamily="18" charset="0"/>
-                <a:cs typeface="Times New Roman" panose="02020603050405020304" pitchFamily="18" charset="0"/>
-              </a:rPr>
-              <a:t> </a:t>
-            </a:r>
-          </a:p>
-          <a:p>
-            <a:r>
-              <a:rPr lang="en-US" sz="1600" dirty="0">
-                <a:latin typeface="Times New Roman" panose="02020603050405020304" pitchFamily="18" charset="0"/>
-                <a:cs typeface="Times New Roman" panose="02020603050405020304" pitchFamily="18" charset="0"/>
-              </a:rPr>
-              <a:t>Computational Reproducibility Workshop, </a:t>
-            </a:r>
-            <a:r>
-              <a:rPr lang="en-US" sz="1600" dirty="0">
-                <a:latin typeface="Times New Roman" panose="02020603050405020304" pitchFamily="18" charset="0"/>
-                <a:cs typeface="Times New Roman" panose="02020603050405020304" pitchFamily="18" charset="0"/>
-                <a:hlinkClick r:id="rId16"/>
-              </a:rPr>
-              <a:t>https://codeocean.com/workshops/computational-reproducibility</a:t>
-            </a:r>
-            <a:r>
-              <a:rPr lang="en-US" sz="1600" dirty="0">
-                <a:latin typeface="Times New Roman" panose="02020603050405020304" pitchFamily="18" charset="0"/>
-                <a:cs typeface="Times New Roman" panose="02020603050405020304" pitchFamily="18" charset="0"/>
-              </a:rPr>
-              <a:t> </a:t>
-            </a:r>
-          </a:p>
-          <a:p>
-            <a:r>
-              <a:rPr lang="en-US" sz="1600" dirty="0" err="1">
-                <a:latin typeface="Times New Roman" panose="02020603050405020304" pitchFamily="18" charset="0"/>
-                <a:cs typeface="Times New Roman" panose="02020603050405020304" pitchFamily="18" charset="0"/>
-              </a:rPr>
-              <a:t>Montagano</a:t>
-            </a:r>
-            <a:r>
-              <a:rPr lang="en-US" sz="1600" dirty="0">
-                <a:latin typeface="Times New Roman" panose="02020603050405020304" pitchFamily="18" charset="0"/>
-                <a:cs typeface="Times New Roman" panose="02020603050405020304" pitchFamily="18" charset="0"/>
-              </a:rPr>
-              <a:t> &amp; Green, </a:t>
-            </a:r>
-            <a:r>
-              <a:rPr lang="en-US" sz="1600" dirty="0">
-                <a:latin typeface="Times New Roman" panose="02020603050405020304" pitchFamily="18" charset="0"/>
-                <a:cs typeface="Times New Roman" panose="02020603050405020304" pitchFamily="18" charset="0"/>
-                <a:hlinkClick r:id="rId17"/>
-              </a:rPr>
-              <a:t>https://codeocean.com/webinar/editor</a:t>
-            </a:r>
-            <a:r>
-              <a:rPr lang="en-US" sz="1600" dirty="0">
-                <a:latin typeface="Times New Roman" panose="02020603050405020304" pitchFamily="18" charset="0"/>
-                <a:cs typeface="Times New Roman" panose="02020603050405020304" pitchFamily="18" charset="0"/>
-              </a:rPr>
-              <a:t> </a:t>
-            </a:r>
-          </a:p>
-          <a:p>
-            <a:endParaRPr lang="en-US" sz="1600" dirty="0">
+              <a:t>L.A. Barba (2017), https://speakerdeck.com/labarba/introduction-to-computational-reproducibility-and-why-we-care </a:t>
+            </a:r>
+          </a:p>
+          <a:p>
+            <a:pPr marL="227013" indent="-227013">
+              <a:spcBef>
+                <a:spcPts val="300"/>
+              </a:spcBef>
+            </a:pPr>
+            <a:endParaRPr lang="en-US" sz="1400" dirty="0">
               <a:latin typeface="Times New Roman" panose="02020603050405020304" pitchFamily="18" charset="0"/>
               <a:cs typeface="Times New Roman" panose="02020603050405020304" pitchFamily="18" charset="0"/>
             </a:endParaRPr>
@@ -4617,7 +4643,7 @@
     </p:spTree>
     <p:extLst>
       <p:ext uri="{BB962C8B-B14F-4D97-AF65-F5344CB8AC3E}">
-        <p14:creationId xmlns:p14="http://schemas.microsoft.com/office/powerpoint/2010/main" val="1930757785"/>
+        <p14:creationId xmlns:p14="http://schemas.microsoft.com/office/powerpoint/2010/main" val="3799039280"/>
       </p:ext>
     </p:extLst>
   </p:cSld>
@@ -4656,8 +4682,8 @@
         </p:nvSpPr>
         <p:spPr>
           <a:xfrm>
-            <a:off x="800100" y="140672"/>
-            <a:ext cx="8191500" cy="589085"/>
+            <a:off x="0" y="6946"/>
+            <a:ext cx="9144000" cy="589085"/>
           </a:xfrm>
         </p:spPr>
         <p:txBody>
@@ -4668,7 +4694,7 @@
           <a:p>
             <a:r>
               <a:rPr lang="en-US" dirty="0"/>
-              <a:t>Goals</a:t>
+              <a:t>The reproducibility literature (pt. 2)</a:t>
             </a:r>
           </a:p>
         </p:txBody>
@@ -4685,8 +4711,8 @@
         </p:nvSpPr>
         <p:spPr>
           <a:xfrm>
-            <a:off x="800100" y="791301"/>
-            <a:ext cx="8191500" cy="1916723"/>
+            <a:off x="276639" y="791300"/>
+            <a:ext cx="8608944" cy="5417911"/>
           </a:xfrm>
         </p:spPr>
         <p:txBody>
@@ -4697,435 +4723,702 @@
           <a:p>
             <a:r>
               <a:rPr lang="en-US" i="0" dirty="0"/>
-              <a:t>Reproducible simulations</a:t>
-            </a:r>
-          </a:p>
-          <a:p>
+              <a:t>The topic cannot be covered completely in a single lecture…</a:t>
+            </a:r>
+          </a:p>
+          <a:p>
+            <a:pPr lvl="1"/>
             <a:r>
               <a:rPr lang="en-US" i="0" dirty="0"/>
-              <a:t>Simple sharing across users and systems</a:t>
-            </a:r>
-          </a:p>
-          <a:p>
-            <a:r>
-              <a:rPr lang="en-US" i="0" dirty="0"/>
-              <a:t>Portable, easy-to-install legacy codes</a:t>
-            </a:r>
-          </a:p>
-          <a:p>
-            <a:r>
-              <a:rPr lang="en-US" i="0" dirty="0"/>
-              <a:t>Accessible, browser-compatible UI</a:t>
-            </a:r>
-          </a:p>
-        </p:txBody>
-      </p:sp>
-      <p:sp>
-        <p:nvSpPr>
-          <p:cNvPr id="5" name="Title 1"/>
-          <p:cNvSpPr txBox="1">
-            <a:spLocks/>
-          </p:cNvSpPr>
+              <a:t>so we provide some pointers for further study</a:t>
+            </a:r>
+          </a:p>
+          <a:p>
+            <a:pPr lvl="1"/>
+            <a:r>
+              <a:rPr lang="en-US" dirty="0"/>
+              <a:t>note that this is an active area of research</a:t>
+            </a:r>
+          </a:p>
+          <a:p>
+            <a:pPr lvl="2"/>
+            <a:endParaRPr lang="en-US" dirty="0"/>
+          </a:p>
+          <a:p>
+            <a:r>
+              <a:rPr lang="en-US" dirty="0"/>
+              <a:t>Biology and health sciences:</a:t>
+            </a:r>
+          </a:p>
+          <a:p>
+            <a:pPr lvl="2"/>
+            <a:endParaRPr lang="en-US" dirty="0"/>
+          </a:p>
+          <a:p>
+            <a:pPr lvl="2"/>
+            <a:endParaRPr lang="en-US" dirty="0"/>
+          </a:p>
+          <a:p>
+            <a:pPr lvl="2"/>
+            <a:endParaRPr lang="en-US" dirty="0"/>
+          </a:p>
+          <a:p>
+            <a:pPr marL="914400" lvl="2" indent="0">
+              <a:buNone/>
+            </a:pPr>
+            <a:endParaRPr lang="en-US" dirty="0"/>
+          </a:p>
+          <a:p>
+            <a:r>
+              <a:rPr lang="en-US" dirty="0"/>
+              <a:t>How can journals (or funding agencies) incentivize scientists…?</a:t>
+            </a:r>
+          </a:p>
+        </p:txBody>
+      </p:sp>
+      <p:sp>
+        <p:nvSpPr>
+          <p:cNvPr id="7" name="TextBox 6">
+            <a:extLst>
+              <a:ext uri="{FF2B5EF4-FFF2-40B4-BE49-F238E27FC236}">
+                <a16:creationId xmlns:a16="http://schemas.microsoft.com/office/drawing/2014/main" id="{F35A1A89-FB8A-4F5B-8BD2-9EE4EA8B8583}"/>
+              </a:ext>
+            </a:extLst>
+          </p:cNvPr>
+          <p:cNvSpPr txBox="1"/>
           <p:nvPr/>
         </p:nvSpPr>
-        <p:spPr bwMode="auto">
+        <p:spPr>
           <a:xfrm>
-            <a:off x="800100" y="2878008"/>
-            <a:ext cx="8185644" cy="589085"/>
+            <a:off x="583096" y="2346910"/>
+            <a:ext cx="8284265" cy="954107"/>
           </a:xfrm>
           <a:prstGeom prst="rect">
             <a:avLst/>
           </a:prstGeom>
           <a:noFill/>
-          <a:ln w="9525">
-            <a:noFill/>
-            <a:miter lim="800000"/>
-            <a:headEnd/>
-            <a:tailEnd/>
-          </a:ln>
         </p:spPr>
         <p:txBody>
-          <a:bodyPr vert="horz" wrap="square" lIns="91440" tIns="45720" rIns="91440" bIns="45720" numCol="1" anchor="ctr" anchorCtr="0" compatLnSpc="1">
-            <a:prstTxWarp prst="textNoShape">
-              <a:avLst/>
-            </a:prstTxWarp>
-            <a:normAutofit/>
+          <a:bodyPr wrap="square" rtlCol="0">
+            <a:spAutoFit/>
           </a:bodyPr>
-          <a:lstStyle>
-            <a:lvl1pPr algn="ctr" rtl="0" eaLnBrk="0" fontAlgn="base" hangingPunct="0">
-              <a:spcBef>
-                <a:spcPct val="0"/>
-              </a:spcBef>
-              <a:spcAft>
-                <a:spcPct val="0"/>
-              </a:spcAft>
-              <a:defRPr sz="2800" b="1" i="1" kern="1200">
-                <a:solidFill>
-                  <a:schemeClr val="tx1"/>
-                </a:solidFill>
-                <a:latin typeface="Century Gothic" panose="020B0502020202020204" pitchFamily="34" charset="0"/>
-                <a:ea typeface="+mj-ea"/>
-                <a:cs typeface="Times New Roman" pitchFamily="18" charset="0"/>
-              </a:defRPr>
-            </a:lvl1pPr>
-            <a:lvl2pPr algn="ctr" rtl="0" eaLnBrk="0" fontAlgn="base" hangingPunct="0">
-              <a:spcBef>
-                <a:spcPct val="0"/>
-              </a:spcBef>
-              <a:spcAft>
-                <a:spcPct val="0"/>
-              </a:spcAft>
-              <a:defRPr sz="4400">
-                <a:solidFill>
-                  <a:schemeClr val="tx1"/>
-                </a:solidFill>
-                <a:latin typeface="Calibri" pitchFamily="34" charset="0"/>
-              </a:defRPr>
-            </a:lvl2pPr>
-            <a:lvl3pPr algn="ctr" rtl="0" eaLnBrk="0" fontAlgn="base" hangingPunct="0">
-              <a:spcBef>
-                <a:spcPct val="0"/>
-              </a:spcBef>
-              <a:spcAft>
-                <a:spcPct val="0"/>
-              </a:spcAft>
-              <a:defRPr sz="4400">
-                <a:solidFill>
-                  <a:schemeClr val="tx1"/>
-                </a:solidFill>
-                <a:latin typeface="Calibri" pitchFamily="34" charset="0"/>
-              </a:defRPr>
-            </a:lvl3pPr>
-            <a:lvl4pPr algn="ctr" rtl="0" eaLnBrk="0" fontAlgn="base" hangingPunct="0">
-              <a:spcBef>
-                <a:spcPct val="0"/>
-              </a:spcBef>
-              <a:spcAft>
-                <a:spcPct val="0"/>
-              </a:spcAft>
-              <a:defRPr sz="4400">
-                <a:solidFill>
-                  <a:schemeClr val="tx1"/>
-                </a:solidFill>
-                <a:latin typeface="Calibri" pitchFamily="34" charset="0"/>
-              </a:defRPr>
-            </a:lvl4pPr>
-            <a:lvl5pPr algn="ctr" rtl="0" eaLnBrk="0" fontAlgn="base" hangingPunct="0">
-              <a:spcBef>
-                <a:spcPct val="0"/>
-              </a:spcBef>
-              <a:spcAft>
-                <a:spcPct val="0"/>
-              </a:spcAft>
-              <a:defRPr sz="4400">
-                <a:solidFill>
-                  <a:schemeClr val="tx1"/>
-                </a:solidFill>
-                <a:latin typeface="Calibri" pitchFamily="34" charset="0"/>
-              </a:defRPr>
-            </a:lvl5pPr>
-            <a:lvl6pPr marL="457200" algn="ctr" rtl="0" fontAlgn="base">
-              <a:spcBef>
-                <a:spcPct val="0"/>
-              </a:spcBef>
-              <a:spcAft>
-                <a:spcPct val="0"/>
-              </a:spcAft>
-              <a:defRPr sz="4400">
-                <a:solidFill>
-                  <a:schemeClr val="tx1"/>
-                </a:solidFill>
-                <a:latin typeface="Calibri" pitchFamily="34" charset="0"/>
-              </a:defRPr>
-            </a:lvl6pPr>
-            <a:lvl7pPr marL="914400" algn="ctr" rtl="0" fontAlgn="base">
-              <a:spcBef>
-                <a:spcPct val="0"/>
-              </a:spcBef>
-              <a:spcAft>
-                <a:spcPct val="0"/>
-              </a:spcAft>
-              <a:defRPr sz="4400">
-                <a:solidFill>
-                  <a:schemeClr val="tx1"/>
-                </a:solidFill>
-                <a:latin typeface="Calibri" pitchFamily="34" charset="0"/>
-              </a:defRPr>
-            </a:lvl7pPr>
-            <a:lvl8pPr marL="1371600" algn="ctr" rtl="0" fontAlgn="base">
-              <a:spcBef>
-                <a:spcPct val="0"/>
-              </a:spcBef>
-              <a:spcAft>
-                <a:spcPct val="0"/>
-              </a:spcAft>
-              <a:defRPr sz="4400">
-                <a:solidFill>
-                  <a:schemeClr val="tx1"/>
-                </a:solidFill>
-                <a:latin typeface="Calibri" pitchFamily="34" charset="0"/>
-              </a:defRPr>
-            </a:lvl8pPr>
-            <a:lvl9pPr marL="1828800" algn="ctr" rtl="0" fontAlgn="base">
-              <a:spcBef>
-                <a:spcPct val="0"/>
-              </a:spcBef>
-              <a:spcAft>
-                <a:spcPct val="0"/>
-              </a:spcAft>
-              <a:defRPr sz="4400">
-                <a:solidFill>
-                  <a:schemeClr val="tx1"/>
-                </a:solidFill>
-                <a:latin typeface="Calibri" pitchFamily="34" charset="0"/>
-              </a:defRPr>
-            </a:lvl9pPr>
-          </a:lstStyle>
-          <a:p>
-            <a:pPr defTabSz="914400"/>
-            <a:r>
-              <a:rPr lang="en-US" dirty="0"/>
-              <a:t>Outcome</a:t>
-            </a:r>
-          </a:p>
-        </p:txBody>
-      </p:sp>
-      <p:sp>
-        <p:nvSpPr>
-          <p:cNvPr id="6" name="Content Placeholder 2"/>
-          <p:cNvSpPr txBox="1">
-            <a:spLocks/>
-          </p:cNvSpPr>
+          <a:lstStyle/>
+          <a:p>
+            <a:r>
+              <a:rPr lang="en-US" sz="1400" dirty="0">
+                <a:latin typeface="Times New Roman" panose="02020603050405020304" pitchFamily="18" charset="0"/>
+                <a:cs typeface="Times New Roman" panose="02020603050405020304" pitchFamily="18" charset="0"/>
+              </a:rPr>
+              <a:t>L. Hatton &amp; G. </a:t>
+            </a:r>
+            <a:r>
+              <a:rPr lang="en-US" sz="1400" dirty="0" err="1">
+                <a:latin typeface="Times New Roman" panose="02020603050405020304" pitchFamily="18" charset="0"/>
+                <a:cs typeface="Times New Roman" panose="02020603050405020304" pitchFamily="18" charset="0"/>
+              </a:rPr>
+              <a:t>Warr</a:t>
+            </a:r>
+            <a:r>
+              <a:rPr lang="en-US" sz="1400" dirty="0">
+                <a:latin typeface="Times New Roman" panose="02020603050405020304" pitchFamily="18" charset="0"/>
+                <a:cs typeface="Times New Roman" panose="02020603050405020304" pitchFamily="18" charset="0"/>
+              </a:rPr>
+              <a:t> (2016), </a:t>
+            </a:r>
+            <a:r>
+              <a:rPr lang="en-US" sz="1400" dirty="0">
+                <a:latin typeface="Times New Roman" panose="02020603050405020304" pitchFamily="18" charset="0"/>
+                <a:cs typeface="Times New Roman" panose="02020603050405020304" pitchFamily="18" charset="0"/>
+                <a:hlinkClick r:id="rId3"/>
+              </a:rPr>
+              <a:t>https://arxiv.org/abs/1608.06897</a:t>
+            </a:r>
+            <a:r>
+              <a:rPr lang="en-US" sz="1400" dirty="0">
+                <a:latin typeface="Times New Roman" panose="02020603050405020304" pitchFamily="18" charset="0"/>
+                <a:cs typeface="Times New Roman" panose="02020603050405020304" pitchFamily="18" charset="0"/>
+              </a:rPr>
+              <a:t> </a:t>
+            </a:r>
+          </a:p>
+          <a:p>
+            <a:r>
+              <a:rPr lang="en-US" sz="1400" dirty="0">
+                <a:latin typeface="Times New Roman" panose="02020603050405020304" pitchFamily="18" charset="0"/>
+                <a:cs typeface="Times New Roman" panose="02020603050405020304" pitchFamily="18" charset="0"/>
+              </a:rPr>
+              <a:t>B. </a:t>
+            </a:r>
+            <a:r>
+              <a:rPr lang="en-US" sz="1400" dirty="0" err="1">
+                <a:latin typeface="Times New Roman" panose="02020603050405020304" pitchFamily="18" charset="0"/>
+                <a:cs typeface="Times New Roman" panose="02020603050405020304" pitchFamily="18" charset="0"/>
+              </a:rPr>
+              <a:t>Grüning</a:t>
+            </a:r>
+            <a:r>
+              <a:rPr lang="en-US" sz="1400" dirty="0">
+                <a:latin typeface="Times New Roman" panose="02020603050405020304" pitchFamily="18" charset="0"/>
+                <a:cs typeface="Times New Roman" panose="02020603050405020304" pitchFamily="18" charset="0"/>
+              </a:rPr>
+              <a:t> et al. (2017), </a:t>
+            </a:r>
+            <a:r>
+              <a:rPr lang="en-US" sz="1400" dirty="0">
+                <a:latin typeface="Times New Roman" panose="02020603050405020304" pitchFamily="18" charset="0"/>
+                <a:cs typeface="Times New Roman" panose="02020603050405020304" pitchFamily="18" charset="0"/>
+                <a:hlinkClick r:id="rId4"/>
+              </a:rPr>
+              <a:t>https://www.biorxiv.org/content/early/2017/10/10/200683</a:t>
+            </a:r>
+            <a:r>
+              <a:rPr lang="en-US" sz="1400" dirty="0">
+                <a:latin typeface="Times New Roman" panose="02020603050405020304" pitchFamily="18" charset="0"/>
+                <a:cs typeface="Times New Roman" panose="02020603050405020304" pitchFamily="18" charset="0"/>
+              </a:rPr>
+              <a:t> </a:t>
+            </a:r>
+          </a:p>
+          <a:p>
+            <a:r>
+              <a:rPr lang="fr-FR" sz="1400" dirty="0">
+                <a:latin typeface="Times New Roman" panose="02020603050405020304" pitchFamily="18" charset="0"/>
+                <a:cs typeface="Times New Roman" panose="02020603050405020304" pitchFamily="18" charset="0"/>
+              </a:rPr>
+              <a:t>S. Cohen-</a:t>
+            </a:r>
+            <a:r>
+              <a:rPr lang="fr-FR" sz="1400" dirty="0" err="1">
+                <a:latin typeface="Times New Roman" panose="02020603050405020304" pitchFamily="18" charset="0"/>
+                <a:cs typeface="Times New Roman" panose="02020603050405020304" pitchFamily="18" charset="0"/>
+              </a:rPr>
+              <a:t>Boulakia</a:t>
+            </a:r>
+            <a:r>
+              <a:rPr lang="fr-FR" sz="1400" dirty="0">
+                <a:latin typeface="Times New Roman" panose="02020603050405020304" pitchFamily="18" charset="0"/>
+                <a:cs typeface="Times New Roman" panose="02020603050405020304" pitchFamily="18" charset="0"/>
+              </a:rPr>
+              <a:t> et al. (2017), </a:t>
+            </a:r>
+            <a:r>
+              <a:rPr lang="fr-FR" sz="1400" dirty="0">
+                <a:latin typeface="Times New Roman" panose="02020603050405020304" pitchFamily="18" charset="0"/>
+                <a:cs typeface="Times New Roman" panose="02020603050405020304" pitchFamily="18" charset="0"/>
+                <a:hlinkClick r:id="rId5"/>
+              </a:rPr>
+              <a:t>https://www.sciencedirect.com/science/article/pii/S0167739X17300316</a:t>
+            </a:r>
+            <a:r>
+              <a:rPr lang="fr-FR" sz="1400" dirty="0">
+                <a:latin typeface="Times New Roman" panose="02020603050405020304" pitchFamily="18" charset="0"/>
+                <a:cs typeface="Times New Roman" panose="02020603050405020304" pitchFamily="18" charset="0"/>
+              </a:rPr>
+              <a:t> </a:t>
+            </a:r>
+          </a:p>
+          <a:p>
+            <a:r>
+              <a:rPr lang="fr-FR" sz="1400" dirty="0">
+                <a:latin typeface="Times New Roman" panose="02020603050405020304" pitchFamily="18" charset="0"/>
+                <a:cs typeface="Times New Roman" panose="02020603050405020304" pitchFamily="18" charset="0"/>
+              </a:rPr>
+              <a:t>B.K. Beaulieu-Jones &amp; C.S. Greene (2017), </a:t>
+            </a:r>
+            <a:r>
+              <a:rPr lang="fr-FR" sz="1400" dirty="0">
+                <a:latin typeface="Times New Roman" panose="02020603050405020304" pitchFamily="18" charset="0"/>
+                <a:cs typeface="Times New Roman" panose="02020603050405020304" pitchFamily="18" charset="0"/>
+                <a:hlinkClick r:id="rId6"/>
+              </a:rPr>
+              <a:t>https://www.nature.com/articles/nbt.3780</a:t>
+            </a:r>
+            <a:r>
+              <a:rPr lang="fr-FR" sz="1400" dirty="0">
+                <a:latin typeface="Times New Roman" panose="02020603050405020304" pitchFamily="18" charset="0"/>
+                <a:cs typeface="Times New Roman" panose="02020603050405020304" pitchFamily="18" charset="0"/>
+              </a:rPr>
+              <a:t> </a:t>
+            </a:r>
+          </a:p>
+        </p:txBody>
+      </p:sp>
+      <p:sp>
+        <p:nvSpPr>
+          <p:cNvPr id="8" name="TextBox 7">
+            <a:extLst>
+              <a:ext uri="{FF2B5EF4-FFF2-40B4-BE49-F238E27FC236}">
+                <a16:creationId xmlns:a16="http://schemas.microsoft.com/office/drawing/2014/main" id="{B8371A57-1138-419D-832A-1FE059D9EF9A}"/>
+              </a:ext>
+            </a:extLst>
+          </p:cNvPr>
+          <p:cNvSpPr txBox="1"/>
           <p:nvPr/>
         </p:nvSpPr>
-        <p:spPr bwMode="auto">
+        <p:spPr>
           <a:xfrm>
-            <a:off x="800100" y="3511053"/>
-            <a:ext cx="8185644" cy="2476501"/>
+            <a:off x="583095" y="3744567"/>
+            <a:ext cx="8284265" cy="523220"/>
           </a:xfrm>
           <a:prstGeom prst="rect">
             <a:avLst/>
           </a:prstGeom>
           <a:noFill/>
-          <a:ln w="9525">
-            <a:noFill/>
-            <a:miter lim="800000"/>
-            <a:headEnd/>
-            <a:tailEnd/>
-          </a:ln>
         </p:spPr>
         <p:txBody>
-          <a:bodyPr vert="horz" wrap="square" lIns="91440" tIns="45720" rIns="91440" bIns="45720" numCol="1" anchor="t" anchorCtr="0" compatLnSpc="1">
-            <a:prstTxWarp prst="textNoShape">
-              <a:avLst/>
-            </a:prstTxWarp>
+          <a:bodyPr wrap="square" rtlCol="0">
+            <a:spAutoFit/>
+          </a:bodyPr>
+          <a:lstStyle/>
+          <a:p>
+            <a:r>
+              <a:rPr lang="it-IT" sz="1400" dirty="0">
+                <a:latin typeface="Times New Roman" panose="02020603050405020304" pitchFamily="18" charset="0"/>
+                <a:cs typeface="Times New Roman" panose="02020603050405020304" pitchFamily="18" charset="0"/>
+              </a:rPr>
+              <a:t>P. Montagano &amp; S. Green (2018), </a:t>
+            </a:r>
+            <a:r>
+              <a:rPr lang="it-IT" sz="1400" dirty="0">
+                <a:latin typeface="Times New Roman" panose="02020603050405020304" pitchFamily="18" charset="0"/>
+                <a:cs typeface="Times New Roman" panose="02020603050405020304" pitchFamily="18" charset="0"/>
+                <a:hlinkClick r:id="rId7"/>
+              </a:rPr>
+              <a:t>https://codeocean.com/webinar/editor</a:t>
+            </a:r>
+            <a:r>
+              <a:rPr lang="it-IT" sz="1400" dirty="0">
+                <a:latin typeface="Times New Roman" panose="02020603050405020304" pitchFamily="18" charset="0"/>
+                <a:cs typeface="Times New Roman" panose="02020603050405020304" pitchFamily="18" charset="0"/>
+              </a:rPr>
+              <a:t>  </a:t>
+            </a:r>
+          </a:p>
+          <a:p>
+            <a:r>
+              <a:rPr lang="en-US" sz="1400" dirty="0">
+                <a:latin typeface="Times New Roman" panose="02020603050405020304" pitchFamily="18" charset="0"/>
+                <a:cs typeface="Times New Roman" panose="02020603050405020304" pitchFamily="18" charset="0"/>
+              </a:rPr>
+              <a:t>R. Nagler &amp; D.L. Bruhwiler (2018), submitted to arXiv… </a:t>
+            </a:r>
+          </a:p>
+        </p:txBody>
+      </p:sp>
+    </p:spTree>
+    <p:extLst>
+      <p:ext uri="{BB962C8B-B14F-4D97-AF65-F5344CB8AC3E}">
+        <p14:creationId xmlns:p14="http://schemas.microsoft.com/office/powerpoint/2010/main" val="1930757785"/>
+      </p:ext>
+    </p:extLst>
+  </p:cSld>
+  <p:clrMapOvr>
+    <a:masterClrMapping/>
+  </p:clrMapOvr>
+</p:sld>
+</file>
+
+<file path=ppt/slides/slide12.xml><?xml version="1.0" encoding="utf-8"?>
+<p:sld xmlns:a="http://schemas.openxmlformats.org/drawingml/2006/main" xmlns:r="http://schemas.openxmlformats.org/officeDocument/2006/relationships" xmlns:p="http://schemas.openxmlformats.org/presentationml/2006/main">
+  <p:cSld>
+    <p:spTree>
+      <p:nvGrpSpPr>
+        <p:cNvPr id="1" name=""/>
+        <p:cNvGrpSpPr/>
+        <p:nvPr/>
+      </p:nvGrpSpPr>
+      <p:grpSpPr>
+        <a:xfrm>
+          <a:off x="0" y="0"/>
+          <a:ext cx="0" cy="0"/>
+          <a:chOff x="0" y="0"/>
+          <a:chExt cx="0" cy="0"/>
+        </a:xfrm>
+      </p:grpSpPr>
+      <p:sp>
+        <p:nvSpPr>
+          <p:cNvPr id="2" name="Title 1"/>
+          <p:cNvSpPr>
+            <a:spLocks noGrp="1"/>
+          </p:cNvSpPr>
+          <p:nvPr>
+            <p:ph type="title"/>
+          </p:nvPr>
+        </p:nvSpPr>
+        <p:spPr>
+          <a:xfrm>
+            <a:off x="0" y="140672"/>
+            <a:ext cx="9144000" cy="589085"/>
+          </a:xfrm>
+        </p:spPr>
+        <p:txBody>
+          <a:bodyPr>
             <a:normAutofit/>
           </a:bodyPr>
-          <a:lstStyle>
-            <a:lvl1pPr marL="342900" indent="-342900" algn="l" rtl="0" eaLnBrk="0" fontAlgn="base" hangingPunct="0">
-              <a:spcBef>
-                <a:spcPct val="20000"/>
-              </a:spcBef>
-              <a:spcAft>
-                <a:spcPct val="0"/>
-              </a:spcAft>
-              <a:buFont typeface="Arial" pitchFamily="34" charset="0"/>
-              <a:buChar char="•"/>
-              <a:defRPr sz="2400" b="0" i="1" kern="1200">
-                <a:solidFill>
-                  <a:schemeClr val="tx1"/>
-                </a:solidFill>
-                <a:latin typeface="Century Gothic" panose="020B0502020202020204" pitchFamily="34" charset="0"/>
-                <a:ea typeface="+mn-ea"/>
-                <a:cs typeface="Times New Roman" pitchFamily="18" charset="0"/>
-              </a:defRPr>
-            </a:lvl1pPr>
-            <a:lvl2pPr marL="742950" indent="-285750" algn="l" rtl="0" eaLnBrk="0" fontAlgn="base" hangingPunct="0">
-              <a:spcBef>
-                <a:spcPct val="20000"/>
-              </a:spcBef>
-              <a:spcAft>
-                <a:spcPct val="0"/>
-              </a:spcAft>
-              <a:buFont typeface="Arial" pitchFamily="34" charset="0"/>
-              <a:buChar char="–"/>
-              <a:defRPr sz="2000" i="1" kern="1200">
-                <a:solidFill>
-                  <a:srgbClr val="005CA5"/>
-                </a:solidFill>
-                <a:latin typeface="Century Gothic" panose="020B0502020202020204" pitchFamily="34" charset="0"/>
-                <a:ea typeface="+mn-ea"/>
-                <a:cs typeface="Times New Roman" pitchFamily="18" charset="0"/>
-              </a:defRPr>
-            </a:lvl2pPr>
-            <a:lvl3pPr marL="1143000" indent="-228600" algn="l" rtl="0" eaLnBrk="0" fontAlgn="base" hangingPunct="0">
-              <a:spcBef>
-                <a:spcPct val="20000"/>
-              </a:spcBef>
-              <a:spcAft>
-                <a:spcPct val="0"/>
-              </a:spcAft>
-              <a:buFont typeface="Arial" pitchFamily="34" charset="0"/>
-              <a:buChar char="•"/>
-              <a:defRPr sz="1800" i="1" kern="1200">
-                <a:solidFill>
-                  <a:srgbClr val="5FBB46"/>
-                </a:solidFill>
-                <a:latin typeface="Century Gothic" panose="020B0502020202020204" pitchFamily="34" charset="0"/>
-                <a:ea typeface="+mn-ea"/>
-                <a:cs typeface="Times New Roman" pitchFamily="18" charset="0"/>
-              </a:defRPr>
-            </a:lvl3pPr>
-            <a:lvl4pPr marL="1600200" indent="-228600" algn="l" rtl="0" eaLnBrk="0" fontAlgn="base" hangingPunct="0">
-              <a:spcBef>
-                <a:spcPct val="20000"/>
-              </a:spcBef>
-              <a:spcAft>
-                <a:spcPct val="0"/>
-              </a:spcAft>
-              <a:buFont typeface="Arial" pitchFamily="34" charset="0"/>
-              <a:buChar char="–"/>
-              <a:defRPr sz="1600" i="1" kern="1200">
-                <a:solidFill>
-                  <a:schemeClr val="tx1"/>
-                </a:solidFill>
-                <a:latin typeface="Century Gothic" panose="020B0502020202020204" pitchFamily="34" charset="0"/>
-                <a:ea typeface="+mn-ea"/>
-                <a:cs typeface="Times New Roman" pitchFamily="18" charset="0"/>
-              </a:defRPr>
-            </a:lvl4pPr>
-            <a:lvl5pPr marL="2057400" indent="-228600" algn="l" rtl="0" eaLnBrk="0" fontAlgn="base" hangingPunct="0">
-              <a:spcBef>
-                <a:spcPct val="20000"/>
-              </a:spcBef>
-              <a:spcAft>
-                <a:spcPct val="0"/>
-              </a:spcAft>
-              <a:buFont typeface="Arial" pitchFamily="34" charset="0"/>
-              <a:buChar char="»"/>
-              <a:defRPr sz="1400" b="1" i="1" kern="1200">
-                <a:solidFill>
-                  <a:srgbClr val="B9D532"/>
-                </a:solidFill>
-                <a:latin typeface="Century Gothic" panose="020B0502020202020204" pitchFamily="34" charset="0"/>
-                <a:ea typeface="+mn-ea"/>
-                <a:cs typeface="Times New Roman" pitchFamily="18" charset="0"/>
-              </a:defRPr>
-            </a:lvl5pPr>
-            <a:lvl6pPr marL="2514600" indent="-228600" algn="l" defTabSz="914400" rtl="0" eaLnBrk="1" latinLnBrk="0" hangingPunct="1">
-              <a:spcBef>
-                <a:spcPct val="20000"/>
-              </a:spcBef>
-              <a:buFont typeface="Arial" pitchFamily="34" charset="0"/>
-              <a:buChar char="•"/>
-              <a:defRPr sz="2000" kern="1200">
-                <a:solidFill>
-                  <a:schemeClr val="tx1"/>
-                </a:solidFill>
-                <a:latin typeface="+mn-lt"/>
-                <a:ea typeface="+mn-ea"/>
-                <a:cs typeface="+mn-cs"/>
-              </a:defRPr>
-            </a:lvl6pPr>
-            <a:lvl7pPr marL="2971800" indent="-228600" algn="l" defTabSz="914400" rtl="0" eaLnBrk="1" latinLnBrk="0" hangingPunct="1">
-              <a:spcBef>
-                <a:spcPct val="20000"/>
-              </a:spcBef>
-              <a:buFont typeface="Arial" pitchFamily="34" charset="0"/>
-              <a:buChar char="•"/>
-              <a:defRPr sz="2000" kern="1200">
-                <a:solidFill>
-                  <a:schemeClr val="tx1"/>
-                </a:solidFill>
-                <a:latin typeface="+mn-lt"/>
-                <a:ea typeface="+mn-ea"/>
-                <a:cs typeface="+mn-cs"/>
-              </a:defRPr>
-            </a:lvl7pPr>
-            <a:lvl8pPr marL="3429000" indent="-228600" algn="l" defTabSz="914400" rtl="0" eaLnBrk="1" latinLnBrk="0" hangingPunct="1">
-              <a:spcBef>
-                <a:spcPct val="20000"/>
-              </a:spcBef>
-              <a:buFont typeface="Arial" pitchFamily="34" charset="0"/>
-              <a:buChar char="•"/>
-              <a:defRPr sz="2000" kern="1200">
-                <a:solidFill>
-                  <a:schemeClr val="tx1"/>
-                </a:solidFill>
-                <a:latin typeface="+mn-lt"/>
-                <a:ea typeface="+mn-ea"/>
-                <a:cs typeface="+mn-cs"/>
-              </a:defRPr>
-            </a:lvl8pPr>
-            <a:lvl9pPr marL="3886200" indent="-228600" algn="l" defTabSz="914400" rtl="0" eaLnBrk="1" latinLnBrk="0" hangingPunct="1">
-              <a:spcBef>
-                <a:spcPct val="20000"/>
-              </a:spcBef>
-              <a:buFont typeface="Arial" pitchFamily="34" charset="0"/>
-              <a:buChar char="•"/>
-              <a:defRPr sz="2000" kern="1200">
-                <a:solidFill>
-                  <a:schemeClr val="tx1"/>
-                </a:solidFill>
-                <a:latin typeface="+mn-lt"/>
-                <a:ea typeface="+mn-ea"/>
-                <a:cs typeface="+mn-cs"/>
-              </a:defRPr>
-            </a:lvl9pPr>
-          </a:lstStyle>
-          <a:p>
-            <a:pPr defTabSz="914400"/>
+          <a:lstStyle/>
+          <a:p>
+            <a:r>
+              <a:rPr lang="en-US" dirty="0"/>
+              <a:t>Heads up – today’s homework</a:t>
+            </a:r>
+          </a:p>
+        </p:txBody>
+      </p:sp>
+      <p:sp>
+        <p:nvSpPr>
+          <p:cNvPr id="6" name="Content Placeholder 2">
+            <a:extLst>
+              <a:ext uri="{FF2B5EF4-FFF2-40B4-BE49-F238E27FC236}">
+                <a16:creationId xmlns:a16="http://schemas.microsoft.com/office/drawing/2014/main" id="{9081FF26-7AD5-4767-AF65-A27F1769E1FC}"/>
+              </a:ext>
+            </a:extLst>
+          </p:cNvPr>
+          <p:cNvSpPr>
+            <a:spLocks noGrp="1"/>
+          </p:cNvSpPr>
+          <p:nvPr>
+            <p:ph idx="1"/>
+          </p:nvPr>
+        </p:nvSpPr>
+        <p:spPr>
+          <a:xfrm>
+            <a:off x="152400" y="1053736"/>
+            <a:ext cx="8839200" cy="4920343"/>
+          </a:xfrm>
+        </p:spPr>
+        <p:txBody>
+          <a:bodyPr>
+            <a:normAutofit/>
+          </a:bodyPr>
+          <a:lstStyle/>
+          <a:p>
+            <a:r>
+              <a:rPr lang="en-US" dirty="0"/>
+              <a:t>Read </a:t>
+            </a:r>
+            <a:r>
+              <a:rPr lang="en-US" b="1" i="1" dirty="0"/>
+              <a:t>at least one </a:t>
+            </a:r>
+            <a:r>
+              <a:rPr lang="en-US" dirty="0"/>
+              <a:t>of the above references, and…</a:t>
+            </a:r>
+          </a:p>
+          <a:p>
+            <a:pPr lvl="1"/>
             <a:r>
               <a:rPr lang="en-US" i="0" dirty="0"/>
-              <a:t>Many particle and X-ray codes in the cloud:</a:t>
-            </a:r>
-          </a:p>
-          <a:p>
-            <a:pPr lvl="1" defTabSz="914400"/>
-            <a:r>
-              <a:rPr lang="en-US" i="0" dirty="0">
-                <a:latin typeface="Courier New" panose="02070309020205020404" pitchFamily="49" charset="0"/>
-                <a:cs typeface="Courier New" panose="02070309020205020404" pitchFamily="49" charset="0"/>
+              <a:t>Write 3 paragraphs on computational reproducibility:</a:t>
+            </a:r>
+          </a:p>
+          <a:p>
+            <a:pPr lvl="2"/>
+            <a:r>
+              <a:rPr lang="en-US" dirty="0"/>
+              <a:t>e.g. How could improved computational reproducibility benefit your science?</a:t>
+            </a:r>
+          </a:p>
+          <a:p>
+            <a:pPr lvl="2"/>
+            <a:r>
+              <a:rPr lang="en-US" dirty="0"/>
+              <a:t>e.g. How could it improve your institution?</a:t>
+            </a:r>
+          </a:p>
+          <a:p>
+            <a:pPr lvl="2"/>
+            <a:r>
+              <a:rPr lang="en-US" i="0" dirty="0"/>
+              <a:t>e.g. Describe an experience with computational reproducibility (or the opposite).</a:t>
+            </a:r>
+          </a:p>
+          <a:p>
+            <a:pPr lvl="2"/>
+            <a:r>
+              <a:rPr lang="en-US" dirty="0"/>
+              <a:t>e.g. Discuss what you think would be most effective for improving reproducibility.</a:t>
+            </a:r>
+          </a:p>
+          <a:p>
+            <a:pPr lvl="2"/>
+            <a:r>
+              <a:rPr lang="en-US" i="0" dirty="0"/>
+              <a:t>e.g. Discuss pros/cons, trade-offs or how to address cost-benefit concerns.</a:t>
+            </a:r>
+          </a:p>
+          <a:p>
+            <a:pPr lvl="2"/>
+            <a:r>
+              <a:rPr lang="en-US" dirty="0"/>
+              <a:t>…or choose your own theme</a:t>
+            </a:r>
+          </a:p>
+          <a:p>
+            <a:pPr lvl="1"/>
+            <a:r>
+              <a:rPr lang="en-US" i="0" dirty="0"/>
+              <a:t>Be sure to </a:t>
+            </a:r>
+            <a:r>
+              <a:rPr lang="en-US" dirty="0"/>
+              <a:t>make a connection with at least one of the above references</a:t>
+            </a:r>
+          </a:p>
+          <a:p>
+            <a:pPr lvl="1"/>
+            <a:endParaRPr lang="en-US" i="0" dirty="0"/>
+          </a:p>
+          <a:p>
+            <a:r>
+              <a:rPr lang="en-US" dirty="0"/>
+              <a:t>The rest of the lecture </a:t>
+            </a:r>
+            <a:r>
+              <a:rPr lang="en-US" b="1" i="1" dirty="0"/>
+              <a:t>is</a:t>
+            </a:r>
+            <a:r>
+              <a:rPr lang="en-US" dirty="0"/>
+              <a:t> relevant to this assignment</a:t>
+            </a:r>
+          </a:p>
+          <a:p>
+            <a:pPr lvl="1"/>
+            <a:r>
+              <a:rPr lang="en-US" i="0" dirty="0"/>
+              <a:t>Just giving you a heads up</a:t>
+            </a:r>
+            <a:r>
+              <a:rPr lang="en-US" dirty="0"/>
+              <a:t>…</a:t>
+            </a:r>
+            <a:endParaRPr lang="en-US" i="0" dirty="0"/>
+          </a:p>
+        </p:txBody>
+      </p:sp>
+    </p:spTree>
+    <p:extLst>
+      <p:ext uri="{BB962C8B-B14F-4D97-AF65-F5344CB8AC3E}">
+        <p14:creationId xmlns:p14="http://schemas.microsoft.com/office/powerpoint/2010/main" val="1403281951"/>
+      </p:ext>
+    </p:extLst>
+  </p:cSld>
+  <p:clrMapOvr>
+    <a:masterClrMapping/>
+  </p:clrMapOvr>
+</p:sld>
+</file>
+
+<file path=ppt/slides/slide13.xml><?xml version="1.0" encoding="utf-8"?>
+<p:sld xmlns:a="http://schemas.openxmlformats.org/drawingml/2006/main" xmlns:r="http://schemas.openxmlformats.org/officeDocument/2006/relationships" xmlns:p="http://schemas.openxmlformats.org/presentationml/2006/main">
+  <p:cSld>
+    <p:spTree>
+      <p:nvGrpSpPr>
+        <p:cNvPr id="1" name=""/>
+        <p:cNvGrpSpPr/>
+        <p:nvPr/>
+      </p:nvGrpSpPr>
+      <p:grpSpPr>
+        <a:xfrm>
+          <a:off x="0" y="0"/>
+          <a:ext cx="0" cy="0"/>
+          <a:chOff x="0" y="0"/>
+          <a:chExt cx="0" cy="0"/>
+        </a:xfrm>
+      </p:grpSpPr>
+      <p:sp>
+        <p:nvSpPr>
+          <p:cNvPr id="2" name="Title 1"/>
+          <p:cNvSpPr>
+            <a:spLocks noGrp="1"/>
+          </p:cNvSpPr>
+          <p:nvPr>
+            <p:ph type="title"/>
+          </p:nvPr>
+        </p:nvSpPr>
+        <p:spPr>
+          <a:xfrm>
+            <a:off x="0" y="6946"/>
+            <a:ext cx="9144000" cy="589085"/>
+          </a:xfrm>
+        </p:spPr>
+        <p:txBody>
+          <a:bodyPr>
+            <a:normAutofit/>
+          </a:bodyPr>
+          <a:lstStyle/>
+          <a:p>
+            <a:r>
+              <a:rPr lang="en-US" dirty="0"/>
+              <a:t>Near-term goals – </a:t>
+            </a:r>
+            <a:r>
+              <a:rPr lang="en-US" sz="1800" b="0" dirty="0"/>
+              <a:t>let’s walk before trying to run…</a:t>
+            </a:r>
+            <a:endParaRPr lang="en-US" b="0" dirty="0"/>
+          </a:p>
+        </p:txBody>
+      </p:sp>
+      <p:sp>
+        <p:nvSpPr>
+          <p:cNvPr id="3" name="Content Placeholder 2"/>
+          <p:cNvSpPr>
+            <a:spLocks noGrp="1"/>
+          </p:cNvSpPr>
+          <p:nvPr>
+            <p:ph idx="1"/>
+          </p:nvPr>
+        </p:nvSpPr>
+        <p:spPr>
+          <a:xfrm>
+            <a:off x="476250" y="816248"/>
+            <a:ext cx="8191500" cy="5227501"/>
+          </a:xfrm>
+        </p:spPr>
+        <p:txBody>
+          <a:bodyPr>
+            <a:normAutofit/>
+          </a:bodyPr>
+          <a:lstStyle/>
+          <a:p>
+            <a:r>
+              <a:rPr lang="en-US" i="0" dirty="0"/>
+              <a:t>Enable reproducible simulations with a single code (i.e. replicability)</a:t>
+            </a:r>
+          </a:p>
+          <a:p>
+            <a:pPr lvl="1"/>
+            <a:r>
+              <a:rPr lang="en-US" dirty="0"/>
+              <a:t>two scientists </a:t>
+            </a:r>
+            <a:r>
+              <a:rPr lang="en-US" b="1" i="1" dirty="0"/>
+              <a:t>will </a:t>
+            </a:r>
+            <a:r>
+              <a:rPr lang="en-US" dirty="0"/>
+              <a:t>get identical results from the same code</a:t>
+            </a:r>
+          </a:p>
+          <a:p>
+            <a:pPr lvl="1"/>
+            <a:r>
+              <a:rPr lang="en-US" dirty="0"/>
+              <a:t>more than two – as many scientists as are interested</a:t>
+            </a:r>
+          </a:p>
+          <a:p>
+            <a:pPr lvl="1"/>
+            <a:r>
+              <a:rPr lang="en-US" dirty="0"/>
+              <a:t>and it can be easy</a:t>
+            </a:r>
+          </a:p>
+          <a:p>
+            <a:pPr lvl="1"/>
+            <a:endParaRPr lang="en-US" dirty="0"/>
+          </a:p>
+          <a:p>
+            <a:r>
+              <a:rPr lang="en-US" i="0" dirty="0"/>
+              <a:t>What is required?</a:t>
+            </a:r>
+          </a:p>
+          <a:p>
+            <a:pPr lvl="1"/>
+            <a:r>
+              <a:rPr lang="en-US" i="0" dirty="0"/>
+              <a:t>make community codes portable, easy to install, publicly available</a:t>
+            </a:r>
+          </a:p>
+          <a:p>
+            <a:pPr lvl="1"/>
+            <a:r>
+              <a:rPr lang="en-US" i="0" dirty="0"/>
+              <a:t>simple, easy sharing of code &amp; full environment across users and systems</a:t>
+            </a:r>
+          </a:p>
+          <a:p>
+            <a:r>
+              <a:rPr lang="en-US" dirty="0"/>
+              <a:t>And how is that done?</a:t>
+            </a:r>
+          </a:p>
+          <a:p>
+            <a:pPr lvl="1"/>
+            <a:r>
+              <a:rPr lang="en-US" dirty="0"/>
+              <a:t>with application containers</a:t>
+            </a:r>
+          </a:p>
+          <a:p>
+            <a:pPr lvl="2"/>
+            <a:r>
+              <a:rPr lang="en-US" dirty="0"/>
+              <a:t>Docker, </a:t>
+            </a:r>
+            <a:r>
+              <a:rPr lang="en-US" sz="1200" b="0" dirty="0">
                 <a:hlinkClick r:id="rId3"/>
               </a:rPr>
-              <a:t>https://beta.sirepo.com</a:t>
-            </a:r>
-            <a:endParaRPr lang="en-US" i="0" dirty="0">
-              <a:latin typeface="Courier New" panose="02070309020205020404" pitchFamily="49" charset="0"/>
-              <a:cs typeface="Courier New" panose="02070309020205020404" pitchFamily="49" charset="0"/>
-            </a:endParaRPr>
-          </a:p>
-          <a:p>
-            <a:pPr lvl="1" defTabSz="914400"/>
+              <a:t>https://www.docker.com/what-docker</a:t>
+            </a:r>
+            <a:r>
+              <a:rPr lang="en-US" sz="1200" b="0" dirty="0"/>
+              <a:t> </a:t>
+            </a:r>
+          </a:p>
+          <a:p>
+            <a:pPr lvl="2"/>
+            <a:r>
+              <a:rPr lang="en-US" dirty="0"/>
+              <a:t>Shifter, </a:t>
+            </a:r>
+            <a:r>
+              <a:rPr lang="en-US" sz="1200" b="0" dirty="0">
+                <a:hlinkClick r:id="rId4"/>
+              </a:rPr>
+              <a:t>http://www.nersc.gov/users/software/using-shifter-and-docker/using-shifter-at-nersc</a:t>
+            </a:r>
+            <a:r>
+              <a:rPr lang="en-US" sz="1200" b="0" dirty="0"/>
+              <a:t>  </a:t>
+            </a:r>
+            <a:endParaRPr lang="en-US" b="0" dirty="0"/>
+          </a:p>
+          <a:p>
+            <a:pPr lvl="2"/>
+            <a:endParaRPr lang="en-US" i="0" dirty="0"/>
+          </a:p>
+          <a:p>
+            <a:r>
+              <a:rPr lang="en-US" dirty="0"/>
+              <a:t>What about usability?</a:t>
+            </a:r>
+          </a:p>
+          <a:p>
+            <a:pPr lvl="1"/>
             <a:r>
               <a:rPr lang="en-US" i="0" dirty="0"/>
-              <a:t>SRW, Shadow3</a:t>
-            </a:r>
-          </a:p>
-          <a:p>
-            <a:pPr lvl="1" defTabSz="914400"/>
+              <a:t>IPython notebooks (on a Jupyter server) can get you part of the way</a:t>
+            </a:r>
+          </a:p>
+          <a:p>
+            <a:pPr lvl="1"/>
             <a:r>
               <a:rPr lang="en-US" i="0" dirty="0"/>
-              <a:t>Elegant, Hellweg, Warp</a:t>
-            </a:r>
-          </a:p>
-          <a:p>
-            <a:pPr defTabSz="914400"/>
-            <a:r>
-              <a:rPr lang="en-US" i="0" dirty="0">
-                <a:solidFill>
-                  <a:srgbClr val="FF0000"/>
-                </a:solidFill>
-              </a:rPr>
-              <a:t>Instantaneous collaboration</a:t>
-            </a:r>
-          </a:p>
-          <a:p>
-            <a:pPr defTabSz="914400"/>
-            <a:r>
-              <a:rPr lang="en-US" i="0" dirty="0"/>
-              <a:t>Computational reproducibility is now possible</a:t>
-            </a:r>
+              <a:t>Intuitive, browser-based GUIs show greater promise</a:t>
+            </a:r>
+          </a:p>
+          <a:p>
+            <a:r>
+              <a:rPr lang="en-US" dirty="0"/>
+              <a:t>Cloud-based approach minimizes the cost of reproducibility</a:t>
+            </a:r>
+            <a:endParaRPr lang="en-US" i="0" dirty="0"/>
           </a:p>
         </p:txBody>
       </p:sp>
@@ -5142,7 +5435,7 @@
 </p:sld>
 </file>
 
-<file path=ppt/slides/slide12.xml><?xml version="1.0" encoding="utf-8"?>
+<file path=ppt/slides/slide14.xml><?xml version="1.0" encoding="utf-8"?>
 <p:sld xmlns:a="http://schemas.openxmlformats.org/drawingml/2006/main" xmlns:r="http://schemas.openxmlformats.org/officeDocument/2006/relationships" xmlns:p="http://schemas.openxmlformats.org/presentationml/2006/main">
   <p:cSld>
     <p:spTree>
@@ -5181,8 +5474,8 @@
         </p:blipFill>
         <p:spPr>
           <a:xfrm>
-            <a:off x="152400" y="609820"/>
-            <a:ext cx="8576135" cy="2947886"/>
+            <a:off x="4926787" y="283417"/>
+            <a:ext cx="4217213" cy="1449588"/>
           </a:xfrm>
           <a:prstGeom prst="rect">
             <a:avLst/>
@@ -5201,8 +5494,8 @@
         </p:nvSpPr>
         <p:spPr>
           <a:xfrm>
-            <a:off x="1099038" y="413224"/>
-            <a:ext cx="7892562" cy="589085"/>
+            <a:off x="0" y="112344"/>
+            <a:ext cx="9144000" cy="589085"/>
           </a:xfrm>
         </p:spPr>
         <p:txBody>
@@ -5211,9 +5504,10 @@
           </a:bodyPr>
           <a:lstStyle/>
           <a:p>
+            <a:pPr algn="l"/>
             <a:r>
               <a:rPr lang="en-US" dirty="0"/>
-              <a:t>HPC Application Containers</a:t>
+              <a:t>          HPC Application Containers</a:t>
             </a:r>
           </a:p>
         </p:txBody>
@@ -5230,80 +5524,103 @@
         </p:nvSpPr>
         <p:spPr>
           <a:xfrm>
-            <a:off x="152400" y="3015763"/>
-            <a:ext cx="8839200" cy="3147646"/>
+            <a:off x="152400" y="1558834"/>
+            <a:ext cx="8839200" cy="4604575"/>
           </a:xfrm>
         </p:spPr>
         <p:txBody>
           <a:bodyPr>
-            <a:normAutofit fontScale="92500" lnSpcReduction="10000"/>
+            <a:normAutofit/>
           </a:bodyPr>
           <a:lstStyle/>
           <a:p>
             <a:r>
-              <a:rPr lang="en-US" sz="2000" i="0" dirty="0"/>
+              <a:rPr lang="en-US" i="0" dirty="0"/>
               <a:t>Executable, portable archive of code and all dependencies</a:t>
             </a:r>
           </a:p>
           <a:p>
             <a:pPr lvl="1"/>
             <a:r>
-              <a:rPr lang="en-US" sz="1800" i="0" dirty="0"/>
+              <a:rPr lang="en-US" i="0" dirty="0"/>
               <a:t>except the OS kernel</a:t>
             </a:r>
           </a:p>
           <a:p>
             <a:pPr lvl="1"/>
             <a:r>
-              <a:rPr lang="en-US" sz="1800" i="0" dirty="0"/>
+              <a:rPr lang="en-US" i="0" dirty="0"/>
               <a:t>most popular container platform for Linux, Windows, and Mac</a:t>
             </a:r>
           </a:p>
           <a:p>
             <a:r>
-              <a:rPr lang="en-US" sz="2000" i="0" dirty="0"/>
+              <a:rPr lang="en-US" i="0" dirty="0"/>
               <a:t>Linux – containers run at native speeds</a:t>
             </a:r>
           </a:p>
           <a:p>
             <a:r>
-              <a:rPr lang="en-US" sz="2000" i="0" dirty="0"/>
+              <a:rPr lang="en-US" i="0" dirty="0"/>
               <a:t>Mac OS X and Windows:</a:t>
             </a:r>
           </a:p>
           <a:p>
             <a:pPr lvl="1"/>
             <a:r>
-              <a:rPr lang="en-US" sz="1800" i="0" dirty="0"/>
+              <a:rPr lang="en-US" i="0" dirty="0"/>
               <a:t>containers can run at near-native speed for CPU-intensive codes</a:t>
             </a:r>
           </a:p>
           <a:p>
             <a:pPr lvl="2"/>
             <a:r>
-              <a:rPr lang="en-US" sz="1600" b="1" i="0" dirty="0"/>
+              <a:rPr lang="en-US" b="1" i="0" dirty="0"/>
               <a:t>a couple of good examples on Mac;  more testing required on Windows</a:t>
             </a:r>
           </a:p>
           <a:p>
             <a:pPr lvl="1"/>
             <a:r>
-              <a:rPr lang="en-US" sz="1800" i="0" dirty="0"/>
-              <a:t>I/O can be slow (similar to NFS)</a:t>
-            </a:r>
-          </a:p>
-          <a:p>
-            <a:pPr lvl="1"/>
-            <a:r>
-              <a:rPr lang="en-US" sz="1800" i="0" dirty="0"/>
-              <a:t>MPI works</a:t>
+              <a:rPr lang="en-US" i="0" dirty="0"/>
+              <a:t>large-scale I/O can be slow (similar to NFS, more testing required)</a:t>
+            </a:r>
+          </a:p>
+          <a:p>
+            <a:pPr lvl="1"/>
+            <a:r>
+              <a:rPr lang="en-US" i="0" dirty="0"/>
+              <a:t>MPI works well</a:t>
             </a:r>
           </a:p>
           <a:p>
             <a:pPr lvl="2"/>
             <a:r>
-              <a:rPr lang="en-US" sz="1600" b="1" i="0" dirty="0"/>
+              <a:rPr lang="en-US" b="1" i="0" dirty="0"/>
               <a:t>seems to work well on Mac;  more testing required on Windows</a:t>
+            </a:r>
+          </a:p>
+          <a:p>
+            <a:endParaRPr lang="en-US" sz="2000" b="1" dirty="0"/>
+          </a:p>
+          <a:p>
+            <a:r>
+              <a:rPr lang="en-US" i="0" dirty="0"/>
+              <a:t>Shifter – a recent initiative at the NERSC supercomputing center</a:t>
+            </a:r>
+          </a:p>
+          <a:p>
+            <a:pPr lvl="1"/>
+            <a:r>
+              <a:rPr lang="en-US" dirty="0"/>
+              <a:t>optimized for Linux on the compute nodes</a:t>
+            </a:r>
+          </a:p>
+          <a:p>
+            <a:pPr lvl="1"/>
+            <a:r>
+              <a:rPr lang="en-US" sz="1400" dirty="0"/>
+              <a:t>compatible with Docker</a:t>
             </a:r>
           </a:p>
         </p:txBody>
@@ -5321,7 +5638,7 @@
 </p:sld>
 </file>
 
-<file path=ppt/slides/slide13.xml><?xml version="1.0" encoding="utf-8"?>
+<file path=ppt/slides/slide15.xml><?xml version="1.0" encoding="utf-8"?>
 <p:sld xmlns:a="http://schemas.openxmlformats.org/drawingml/2006/main" xmlns:r="http://schemas.openxmlformats.org/officeDocument/2006/relationships" xmlns:p="http://schemas.openxmlformats.org/presentationml/2006/main">
   <p:cSld>
     <p:spTree>
@@ -5350,8 +5667,8 @@
         </p:nvSpPr>
         <p:spPr>
           <a:xfrm>
-            <a:off x="1230922" y="290136"/>
-            <a:ext cx="7760677" cy="589085"/>
+            <a:off x="0" y="70385"/>
+            <a:ext cx="9144000" cy="589085"/>
           </a:xfrm>
         </p:spPr>
         <p:txBody>
@@ -5656,7 +5973,7 @@
 </p:sld>
 </file>
 
-<file path=ppt/slides/slide14.xml><?xml version="1.0" encoding="utf-8"?>
+<file path=ppt/slides/slide16.xml><?xml version="1.0" encoding="utf-8"?>
 <p:sld xmlns:a="http://schemas.openxmlformats.org/drawingml/2006/main" xmlns:r="http://schemas.openxmlformats.org/officeDocument/2006/relationships" xmlns:p="http://schemas.openxmlformats.org/presentationml/2006/main">
   <p:cSld>
     <p:spTree>
@@ -5817,7 +6134,7 @@
 </p:sld>
 </file>
 
-<file path=ppt/slides/slide15.xml><?xml version="1.0" encoding="utf-8"?>
+<file path=ppt/slides/slide17.xml><?xml version="1.0" encoding="utf-8"?>
 <p:sld xmlns:a="http://schemas.openxmlformats.org/drawingml/2006/main" xmlns:r="http://schemas.openxmlformats.org/officeDocument/2006/relationships" xmlns:p="http://schemas.openxmlformats.org/presentationml/2006/main">
   <p:cSld>
     <p:spTree>
@@ -6046,7 +6363,7 @@
 </p:sld>
 </file>
 
-<file path=ppt/slides/slide16.xml><?xml version="1.0" encoding="utf-8"?>
+<file path=ppt/slides/slide18.xml><?xml version="1.0" encoding="utf-8"?>
 <p:sld xmlns:a="http://schemas.openxmlformats.org/drawingml/2006/main" xmlns:r="http://schemas.openxmlformats.org/officeDocument/2006/relationships" xmlns:p="http://schemas.openxmlformats.org/presentationml/2006/main">
   <p:cSld>
     <p:spTree>

--- a/computational_reproducibility/lecture/2018_ComputationalReproducibility_Bruhwiler_USPAS.pptx
+++ b/computational_reproducibility/lecture/2018_ComputationalReproducibility_Bruhwiler_USPAS.pptx
@@ -5,7 +5,7 @@
     <p:sldMasterId id="2147483696" r:id="rId1"/>
   </p:sldMasterIdLst>
   <p:notesMasterIdLst>
-    <p:notesMasterId r:id="rId20"/>
+    <p:notesMasterId r:id="rId25"/>
   </p:notesMasterIdLst>
   <p:sldIdLst>
     <p:sldId id="297" r:id="rId2"/>
@@ -21,11 +21,16 @@
     <p:sldId id="402" r:id="rId12"/>
     <p:sldId id="412" r:id="rId13"/>
     <p:sldId id="401" r:id="rId14"/>
-    <p:sldId id="394" r:id="rId15"/>
-    <p:sldId id="395" r:id="rId16"/>
-    <p:sldId id="396" r:id="rId17"/>
-    <p:sldId id="397" r:id="rId18"/>
-    <p:sldId id="400" r:id="rId19"/>
+    <p:sldId id="420" r:id="rId15"/>
+    <p:sldId id="421" r:id="rId16"/>
+    <p:sldId id="413" r:id="rId17"/>
+    <p:sldId id="423" r:id="rId18"/>
+    <p:sldId id="422" r:id="rId19"/>
+    <p:sldId id="394" r:id="rId20"/>
+    <p:sldId id="395" r:id="rId21"/>
+    <p:sldId id="414" r:id="rId22"/>
+    <p:sldId id="396" r:id="rId23"/>
+    <p:sldId id="416" r:id="rId24"/>
   </p:sldIdLst>
   <p:sldSz cx="9144000" cy="6858000" type="screen4x3"/>
   <p:notesSz cx="6858000" cy="9144000"/>
@@ -1002,7 +1007,7 @@
     </p:spTree>
     <p:extLst>
       <p:ext uri="{BB962C8B-B14F-4D97-AF65-F5344CB8AC3E}">
-        <p14:creationId xmlns:p14="http://schemas.microsoft.com/office/powerpoint/2010/main" val="384814357"/>
+        <p14:creationId xmlns:p14="http://schemas.microsoft.com/office/powerpoint/2010/main" val="1320116291"/>
       </p:ext>
     </p:extLst>
   </p:cSld>
@@ -1086,7 +1091,7 @@
     </p:spTree>
     <p:extLst>
       <p:ext uri="{BB962C8B-B14F-4D97-AF65-F5344CB8AC3E}">
-        <p14:creationId xmlns:p14="http://schemas.microsoft.com/office/powerpoint/2010/main" val="2620879761"/>
+        <p14:creationId xmlns:p14="http://schemas.microsoft.com/office/powerpoint/2010/main" val="3758923356"/>
       </p:ext>
     </p:extLst>
   </p:cSld>
@@ -1170,7 +1175,7 @@
     </p:spTree>
     <p:extLst>
       <p:ext uri="{BB962C8B-B14F-4D97-AF65-F5344CB8AC3E}">
-        <p14:creationId xmlns:p14="http://schemas.microsoft.com/office/powerpoint/2010/main" val="2480711367"/>
+        <p14:creationId xmlns:p14="http://schemas.microsoft.com/office/powerpoint/2010/main" val="1265170844"/>
       </p:ext>
     </p:extLst>
   </p:cSld>
@@ -1254,7 +1259,7 @@
     </p:spTree>
     <p:extLst>
       <p:ext uri="{BB962C8B-B14F-4D97-AF65-F5344CB8AC3E}">
-        <p14:creationId xmlns:p14="http://schemas.microsoft.com/office/powerpoint/2010/main" val="720764118"/>
+        <p14:creationId xmlns:p14="http://schemas.microsoft.com/office/powerpoint/2010/main" val="1361812418"/>
       </p:ext>
     </p:extLst>
   </p:cSld>
@@ -1338,7 +1343,91 @@
     </p:spTree>
     <p:extLst>
       <p:ext uri="{BB962C8B-B14F-4D97-AF65-F5344CB8AC3E}">
-        <p14:creationId xmlns:p14="http://schemas.microsoft.com/office/powerpoint/2010/main" val="2789813802"/>
+        <p14:creationId xmlns:p14="http://schemas.microsoft.com/office/powerpoint/2010/main" val="3182110801"/>
+      </p:ext>
+    </p:extLst>
+  </p:cSld>
+  <p:clrMapOvr>
+    <a:masterClrMapping/>
+  </p:clrMapOvr>
+</p:notes>
+</file>
+
+<file path=ppt/notesSlides/notesSlide19.xml><?xml version="1.0" encoding="utf-8"?>
+<p:notes xmlns:a="http://schemas.openxmlformats.org/drawingml/2006/main" xmlns:r="http://schemas.openxmlformats.org/officeDocument/2006/relationships" xmlns:p="http://schemas.openxmlformats.org/presentationml/2006/main">
+  <p:cSld>
+    <p:spTree>
+      <p:nvGrpSpPr>
+        <p:cNvPr id="1" name=""/>
+        <p:cNvGrpSpPr/>
+        <p:nvPr/>
+      </p:nvGrpSpPr>
+      <p:grpSpPr>
+        <a:xfrm>
+          <a:off x="0" y="0"/>
+          <a:ext cx="0" cy="0"/>
+          <a:chOff x="0" y="0"/>
+          <a:chExt cx="0" cy="0"/>
+        </a:xfrm>
+      </p:grpSpPr>
+      <p:sp>
+        <p:nvSpPr>
+          <p:cNvPr id="2" name="Slide Image Placeholder 1"/>
+          <p:cNvSpPr>
+            <a:spLocks noGrp="1" noRot="1" noChangeAspect="1"/>
+          </p:cNvSpPr>
+          <p:nvPr>
+            <p:ph type="sldImg"/>
+          </p:nvPr>
+        </p:nvSpPr>
+        <p:spPr/>
+      </p:sp>
+      <p:sp>
+        <p:nvSpPr>
+          <p:cNvPr id="3" name="Notes Placeholder 2"/>
+          <p:cNvSpPr>
+            <a:spLocks noGrp="1"/>
+          </p:cNvSpPr>
+          <p:nvPr>
+            <p:ph type="body" idx="1"/>
+          </p:nvPr>
+        </p:nvSpPr>
+        <p:spPr/>
+        <p:txBody>
+          <a:bodyPr/>
+          <a:lstStyle/>
+          <a:p>
+            <a:endParaRPr lang="en-US"/>
+          </a:p>
+        </p:txBody>
+      </p:sp>
+      <p:sp>
+        <p:nvSpPr>
+          <p:cNvPr id="4" name="Slide Number Placeholder 3"/>
+          <p:cNvSpPr>
+            <a:spLocks noGrp="1"/>
+          </p:cNvSpPr>
+          <p:nvPr>
+            <p:ph type="sldNum" sz="quarter" idx="10"/>
+          </p:nvPr>
+        </p:nvSpPr>
+        <p:spPr/>
+        <p:txBody>
+          <a:bodyPr/>
+          <a:lstStyle/>
+          <a:p>
+            <a:fld id="{4E0E9D85-81CD-44C8-8F15-3AA06C34AF8C}" type="slidenum">
+              <a:rPr lang="en-US" smtClean="0"/>
+              <a:t>19</a:t>
+            </a:fld>
+            <a:endParaRPr lang="en-US"/>
+          </a:p>
+        </p:txBody>
+      </p:sp>
+    </p:spTree>
+    <p:extLst>
+      <p:ext uri="{BB962C8B-B14F-4D97-AF65-F5344CB8AC3E}">
+        <p14:creationId xmlns:p14="http://schemas.microsoft.com/office/powerpoint/2010/main" val="384814357"/>
       </p:ext>
     </p:extLst>
   </p:cSld>
@@ -1423,6 +1512,342 @@
     <p:extLst>
       <p:ext uri="{BB962C8B-B14F-4D97-AF65-F5344CB8AC3E}">
         <p14:creationId xmlns:p14="http://schemas.microsoft.com/office/powerpoint/2010/main" val="4195196041"/>
+      </p:ext>
+    </p:extLst>
+  </p:cSld>
+  <p:clrMapOvr>
+    <a:masterClrMapping/>
+  </p:clrMapOvr>
+</p:notes>
+</file>
+
+<file path=ppt/notesSlides/notesSlide20.xml><?xml version="1.0" encoding="utf-8"?>
+<p:notes xmlns:a="http://schemas.openxmlformats.org/drawingml/2006/main" xmlns:r="http://schemas.openxmlformats.org/officeDocument/2006/relationships" xmlns:p="http://schemas.openxmlformats.org/presentationml/2006/main">
+  <p:cSld>
+    <p:spTree>
+      <p:nvGrpSpPr>
+        <p:cNvPr id="1" name=""/>
+        <p:cNvGrpSpPr/>
+        <p:nvPr/>
+      </p:nvGrpSpPr>
+      <p:grpSpPr>
+        <a:xfrm>
+          <a:off x="0" y="0"/>
+          <a:ext cx="0" cy="0"/>
+          <a:chOff x="0" y="0"/>
+          <a:chExt cx="0" cy="0"/>
+        </a:xfrm>
+      </p:grpSpPr>
+      <p:sp>
+        <p:nvSpPr>
+          <p:cNvPr id="2" name="Slide Image Placeholder 1"/>
+          <p:cNvSpPr>
+            <a:spLocks noGrp="1" noRot="1" noChangeAspect="1"/>
+          </p:cNvSpPr>
+          <p:nvPr>
+            <p:ph type="sldImg"/>
+          </p:nvPr>
+        </p:nvSpPr>
+        <p:spPr/>
+      </p:sp>
+      <p:sp>
+        <p:nvSpPr>
+          <p:cNvPr id="3" name="Notes Placeholder 2"/>
+          <p:cNvSpPr>
+            <a:spLocks noGrp="1"/>
+          </p:cNvSpPr>
+          <p:nvPr>
+            <p:ph type="body" idx="1"/>
+          </p:nvPr>
+        </p:nvSpPr>
+        <p:spPr/>
+        <p:txBody>
+          <a:bodyPr/>
+          <a:lstStyle/>
+          <a:p>
+            <a:endParaRPr lang="en-US"/>
+          </a:p>
+        </p:txBody>
+      </p:sp>
+      <p:sp>
+        <p:nvSpPr>
+          <p:cNvPr id="4" name="Slide Number Placeholder 3"/>
+          <p:cNvSpPr>
+            <a:spLocks noGrp="1"/>
+          </p:cNvSpPr>
+          <p:nvPr>
+            <p:ph type="sldNum" sz="quarter" idx="10"/>
+          </p:nvPr>
+        </p:nvSpPr>
+        <p:spPr/>
+        <p:txBody>
+          <a:bodyPr/>
+          <a:lstStyle/>
+          <a:p>
+            <a:fld id="{4E0E9D85-81CD-44C8-8F15-3AA06C34AF8C}" type="slidenum">
+              <a:rPr lang="en-US" smtClean="0"/>
+              <a:t>20</a:t>
+            </a:fld>
+            <a:endParaRPr lang="en-US"/>
+          </a:p>
+        </p:txBody>
+      </p:sp>
+    </p:spTree>
+    <p:extLst>
+      <p:ext uri="{BB962C8B-B14F-4D97-AF65-F5344CB8AC3E}">
+        <p14:creationId xmlns:p14="http://schemas.microsoft.com/office/powerpoint/2010/main" val="2620879761"/>
+      </p:ext>
+    </p:extLst>
+  </p:cSld>
+  <p:clrMapOvr>
+    <a:masterClrMapping/>
+  </p:clrMapOvr>
+</p:notes>
+</file>
+
+<file path=ppt/notesSlides/notesSlide21.xml><?xml version="1.0" encoding="utf-8"?>
+<p:notes xmlns:a="http://schemas.openxmlformats.org/drawingml/2006/main" xmlns:r="http://schemas.openxmlformats.org/officeDocument/2006/relationships" xmlns:p="http://schemas.openxmlformats.org/presentationml/2006/main">
+  <p:cSld>
+    <p:spTree>
+      <p:nvGrpSpPr>
+        <p:cNvPr id="1" name=""/>
+        <p:cNvGrpSpPr/>
+        <p:nvPr/>
+      </p:nvGrpSpPr>
+      <p:grpSpPr>
+        <a:xfrm>
+          <a:off x="0" y="0"/>
+          <a:ext cx="0" cy="0"/>
+          <a:chOff x="0" y="0"/>
+          <a:chExt cx="0" cy="0"/>
+        </a:xfrm>
+      </p:grpSpPr>
+      <p:sp>
+        <p:nvSpPr>
+          <p:cNvPr id="2" name="Slide Image Placeholder 1"/>
+          <p:cNvSpPr>
+            <a:spLocks noGrp="1" noRot="1" noChangeAspect="1"/>
+          </p:cNvSpPr>
+          <p:nvPr>
+            <p:ph type="sldImg"/>
+          </p:nvPr>
+        </p:nvSpPr>
+        <p:spPr/>
+      </p:sp>
+      <p:sp>
+        <p:nvSpPr>
+          <p:cNvPr id="3" name="Notes Placeholder 2"/>
+          <p:cNvSpPr>
+            <a:spLocks noGrp="1"/>
+          </p:cNvSpPr>
+          <p:nvPr>
+            <p:ph type="body" idx="1"/>
+          </p:nvPr>
+        </p:nvSpPr>
+        <p:spPr/>
+        <p:txBody>
+          <a:bodyPr/>
+          <a:lstStyle/>
+          <a:p>
+            <a:endParaRPr lang="en-US"/>
+          </a:p>
+        </p:txBody>
+      </p:sp>
+      <p:sp>
+        <p:nvSpPr>
+          <p:cNvPr id="4" name="Slide Number Placeholder 3"/>
+          <p:cNvSpPr>
+            <a:spLocks noGrp="1"/>
+          </p:cNvSpPr>
+          <p:nvPr>
+            <p:ph type="sldNum" sz="quarter" idx="10"/>
+          </p:nvPr>
+        </p:nvSpPr>
+        <p:spPr/>
+        <p:txBody>
+          <a:bodyPr/>
+          <a:lstStyle/>
+          <a:p>
+            <a:fld id="{4E0E9D85-81CD-44C8-8F15-3AA06C34AF8C}" type="slidenum">
+              <a:rPr lang="en-US" smtClean="0"/>
+              <a:t>21</a:t>
+            </a:fld>
+            <a:endParaRPr lang="en-US"/>
+          </a:p>
+        </p:txBody>
+      </p:sp>
+    </p:spTree>
+    <p:extLst>
+      <p:ext uri="{BB962C8B-B14F-4D97-AF65-F5344CB8AC3E}">
+        <p14:creationId xmlns:p14="http://schemas.microsoft.com/office/powerpoint/2010/main" val="2375859216"/>
+      </p:ext>
+    </p:extLst>
+  </p:cSld>
+  <p:clrMapOvr>
+    <a:masterClrMapping/>
+  </p:clrMapOvr>
+</p:notes>
+</file>
+
+<file path=ppt/notesSlides/notesSlide22.xml><?xml version="1.0" encoding="utf-8"?>
+<p:notes xmlns:a="http://schemas.openxmlformats.org/drawingml/2006/main" xmlns:r="http://schemas.openxmlformats.org/officeDocument/2006/relationships" xmlns:p="http://schemas.openxmlformats.org/presentationml/2006/main">
+  <p:cSld>
+    <p:spTree>
+      <p:nvGrpSpPr>
+        <p:cNvPr id="1" name=""/>
+        <p:cNvGrpSpPr/>
+        <p:nvPr/>
+      </p:nvGrpSpPr>
+      <p:grpSpPr>
+        <a:xfrm>
+          <a:off x="0" y="0"/>
+          <a:ext cx="0" cy="0"/>
+          <a:chOff x="0" y="0"/>
+          <a:chExt cx="0" cy="0"/>
+        </a:xfrm>
+      </p:grpSpPr>
+      <p:sp>
+        <p:nvSpPr>
+          <p:cNvPr id="2" name="Slide Image Placeholder 1"/>
+          <p:cNvSpPr>
+            <a:spLocks noGrp="1" noRot="1" noChangeAspect="1"/>
+          </p:cNvSpPr>
+          <p:nvPr>
+            <p:ph type="sldImg"/>
+          </p:nvPr>
+        </p:nvSpPr>
+        <p:spPr/>
+      </p:sp>
+      <p:sp>
+        <p:nvSpPr>
+          <p:cNvPr id="3" name="Notes Placeholder 2"/>
+          <p:cNvSpPr>
+            <a:spLocks noGrp="1"/>
+          </p:cNvSpPr>
+          <p:nvPr>
+            <p:ph type="body" idx="1"/>
+          </p:nvPr>
+        </p:nvSpPr>
+        <p:spPr/>
+        <p:txBody>
+          <a:bodyPr/>
+          <a:lstStyle/>
+          <a:p>
+            <a:endParaRPr lang="en-US"/>
+          </a:p>
+        </p:txBody>
+      </p:sp>
+      <p:sp>
+        <p:nvSpPr>
+          <p:cNvPr id="4" name="Slide Number Placeholder 3"/>
+          <p:cNvSpPr>
+            <a:spLocks noGrp="1"/>
+          </p:cNvSpPr>
+          <p:nvPr>
+            <p:ph type="sldNum" sz="quarter" idx="10"/>
+          </p:nvPr>
+        </p:nvSpPr>
+        <p:spPr/>
+        <p:txBody>
+          <a:bodyPr/>
+          <a:lstStyle/>
+          <a:p>
+            <a:fld id="{4E0E9D85-81CD-44C8-8F15-3AA06C34AF8C}" type="slidenum">
+              <a:rPr lang="en-US" smtClean="0"/>
+              <a:t>22</a:t>
+            </a:fld>
+            <a:endParaRPr lang="en-US"/>
+          </a:p>
+        </p:txBody>
+      </p:sp>
+    </p:spTree>
+    <p:extLst>
+      <p:ext uri="{BB962C8B-B14F-4D97-AF65-F5344CB8AC3E}">
+        <p14:creationId xmlns:p14="http://schemas.microsoft.com/office/powerpoint/2010/main" val="2480711367"/>
+      </p:ext>
+    </p:extLst>
+  </p:cSld>
+  <p:clrMapOvr>
+    <a:masterClrMapping/>
+  </p:clrMapOvr>
+</p:notes>
+</file>
+
+<file path=ppt/notesSlides/notesSlide23.xml><?xml version="1.0" encoding="utf-8"?>
+<p:notes xmlns:a="http://schemas.openxmlformats.org/drawingml/2006/main" xmlns:r="http://schemas.openxmlformats.org/officeDocument/2006/relationships" xmlns:p="http://schemas.openxmlformats.org/presentationml/2006/main">
+  <p:cSld>
+    <p:spTree>
+      <p:nvGrpSpPr>
+        <p:cNvPr id="1" name=""/>
+        <p:cNvGrpSpPr/>
+        <p:nvPr/>
+      </p:nvGrpSpPr>
+      <p:grpSpPr>
+        <a:xfrm>
+          <a:off x="0" y="0"/>
+          <a:ext cx="0" cy="0"/>
+          <a:chOff x="0" y="0"/>
+          <a:chExt cx="0" cy="0"/>
+        </a:xfrm>
+      </p:grpSpPr>
+      <p:sp>
+        <p:nvSpPr>
+          <p:cNvPr id="2" name="Slide Image Placeholder 1"/>
+          <p:cNvSpPr>
+            <a:spLocks noGrp="1" noRot="1" noChangeAspect="1"/>
+          </p:cNvSpPr>
+          <p:nvPr>
+            <p:ph type="sldImg"/>
+          </p:nvPr>
+        </p:nvSpPr>
+        <p:spPr/>
+      </p:sp>
+      <p:sp>
+        <p:nvSpPr>
+          <p:cNvPr id="3" name="Notes Placeholder 2"/>
+          <p:cNvSpPr>
+            <a:spLocks noGrp="1"/>
+          </p:cNvSpPr>
+          <p:nvPr>
+            <p:ph type="body" idx="1"/>
+          </p:nvPr>
+        </p:nvSpPr>
+        <p:spPr/>
+        <p:txBody>
+          <a:bodyPr/>
+          <a:lstStyle/>
+          <a:p>
+            <a:endParaRPr lang="en-US"/>
+          </a:p>
+        </p:txBody>
+      </p:sp>
+      <p:sp>
+        <p:nvSpPr>
+          <p:cNvPr id="4" name="Slide Number Placeholder 3"/>
+          <p:cNvSpPr>
+            <a:spLocks noGrp="1"/>
+          </p:cNvSpPr>
+          <p:nvPr>
+            <p:ph type="sldNum" sz="quarter" idx="10"/>
+          </p:nvPr>
+        </p:nvSpPr>
+        <p:spPr/>
+        <p:txBody>
+          <a:bodyPr/>
+          <a:lstStyle/>
+          <a:p>
+            <a:fld id="{4E0E9D85-81CD-44C8-8F15-3AA06C34AF8C}" type="slidenum">
+              <a:rPr lang="en-US" smtClean="0"/>
+              <a:t>23</a:t>
+            </a:fld>
+            <a:endParaRPr lang="en-US"/>
+          </a:p>
+        </p:txBody>
+      </p:sp>
+    </p:spTree>
+    <p:extLst>
+      <p:ext uri="{BB962C8B-B14F-4D97-AF65-F5344CB8AC3E}">
+        <p14:creationId xmlns:p14="http://schemas.microsoft.com/office/powerpoint/2010/main" val="1943231743"/>
       </p:ext>
     </p:extLst>
   </p:cSld>
@@ -5452,6 +5877,1351 @@
           <a:chExt cx="0" cy="0"/>
         </a:xfrm>
       </p:grpSpPr>
+      <p:sp>
+        <p:nvSpPr>
+          <p:cNvPr id="2" name="Title 1"/>
+          <p:cNvSpPr>
+            <a:spLocks noGrp="1"/>
+          </p:cNvSpPr>
+          <p:nvPr>
+            <p:ph type="title"/>
+          </p:nvPr>
+        </p:nvSpPr>
+        <p:spPr>
+          <a:xfrm>
+            <a:off x="0" y="6946"/>
+            <a:ext cx="9144000" cy="589085"/>
+          </a:xfrm>
+        </p:spPr>
+        <p:txBody>
+          <a:bodyPr>
+            <a:normAutofit/>
+          </a:bodyPr>
+          <a:lstStyle/>
+          <a:p>
+            <a:r>
+              <a:rPr lang="en-US" dirty="0"/>
+              <a:t>What do containers do?    How are they used?</a:t>
+            </a:r>
+            <a:endParaRPr lang="en-US" b="0" dirty="0"/>
+          </a:p>
+        </p:txBody>
+      </p:sp>
+      <p:sp>
+        <p:nvSpPr>
+          <p:cNvPr id="3" name="Content Placeholder 2"/>
+          <p:cNvSpPr>
+            <a:spLocks noGrp="1"/>
+          </p:cNvSpPr>
+          <p:nvPr>
+            <p:ph idx="1"/>
+          </p:nvPr>
+        </p:nvSpPr>
+        <p:spPr>
+          <a:xfrm>
+            <a:off x="476250" y="596032"/>
+            <a:ext cx="8191500" cy="5447718"/>
+          </a:xfrm>
+        </p:spPr>
+        <p:txBody>
+          <a:bodyPr>
+            <a:normAutofit/>
+          </a:bodyPr>
+          <a:lstStyle/>
+          <a:p>
+            <a:r>
+              <a:rPr lang="en-US" dirty="0"/>
+              <a:t>Application containers provide OS-level virtualization</a:t>
+            </a:r>
+          </a:p>
+          <a:p>
+            <a:pPr lvl="1"/>
+            <a:r>
+              <a:rPr lang="en-US" dirty="0"/>
+              <a:t>deploy and run distributed applications</a:t>
+            </a:r>
+          </a:p>
+          <a:p>
+            <a:pPr lvl="2"/>
+            <a:r>
+              <a:rPr lang="en-US" dirty="0"/>
+              <a:t>most use cases involve small, serial apps and very short run-times</a:t>
+            </a:r>
+          </a:p>
+          <a:p>
+            <a:pPr lvl="2"/>
+            <a:r>
+              <a:rPr lang="en-US" dirty="0"/>
+              <a:t>no need for an entire virtual machine (VM) for each app</a:t>
+            </a:r>
+          </a:p>
+          <a:p>
+            <a:r>
+              <a:rPr lang="en-US" dirty="0"/>
+              <a:t>Multiple isolated applications or services run on a single host</a:t>
+            </a:r>
+          </a:p>
+          <a:p>
+            <a:pPr lvl="1"/>
+            <a:r>
+              <a:rPr lang="en-US" dirty="0"/>
+              <a:t>each accesses the same OS kernel</a:t>
+            </a:r>
+          </a:p>
+          <a:p>
+            <a:pPr lvl="1"/>
+            <a:r>
+              <a:rPr lang="en-US" dirty="0"/>
+              <a:t>multiple containers compete for available resources</a:t>
+            </a:r>
+          </a:p>
+          <a:p>
+            <a:r>
+              <a:rPr lang="en-US" dirty="0"/>
+              <a:t>Containers can be deployed on any computer system</a:t>
+            </a:r>
+          </a:p>
+          <a:p>
+            <a:pPr lvl="1"/>
+            <a:r>
+              <a:rPr lang="en-US" dirty="0"/>
+              <a:t>bare-metal;  cloud instances;  virtual machines</a:t>
+            </a:r>
+          </a:p>
+          <a:p>
+            <a:r>
+              <a:rPr lang="en-US" dirty="0"/>
+              <a:t>Containers are available on every OS</a:t>
+            </a:r>
+          </a:p>
+          <a:p>
+            <a:pPr lvl="1"/>
+            <a:r>
+              <a:rPr lang="en-US" dirty="0"/>
+              <a:t>multiple flavors of Linux, with essentially no run-time overhead</a:t>
+            </a:r>
+          </a:p>
+          <a:p>
+            <a:pPr lvl="1"/>
+            <a:r>
+              <a:rPr lang="en-US" dirty="0"/>
+              <a:t>MacOS and Windows (limited, with some computational overhead)</a:t>
+            </a:r>
+          </a:p>
+          <a:p>
+            <a:pPr lvl="2"/>
+            <a:endParaRPr lang="en-US" dirty="0"/>
+          </a:p>
+          <a:p>
+            <a:r>
+              <a:rPr lang="en-US" dirty="0"/>
+              <a:t>HPC presents a fundamentally different use case</a:t>
+            </a:r>
+          </a:p>
+          <a:p>
+            <a:pPr lvl="1"/>
+            <a:r>
+              <a:rPr lang="en-US" dirty="0"/>
+              <a:t>large apps:  physics code, dependencies, viz &amp; post-processing tools...</a:t>
+            </a:r>
+          </a:p>
+          <a:p>
+            <a:pPr lvl="1"/>
+            <a:r>
+              <a:rPr lang="en-US" dirty="0"/>
+              <a:t>highly variable run-times (seconds to days) on multiple processors</a:t>
+            </a:r>
+          </a:p>
+          <a:p>
+            <a:pPr lvl="1"/>
+            <a:r>
+              <a:rPr lang="en-US" dirty="0"/>
+              <a:t>data generation</a:t>
+            </a:r>
+          </a:p>
+          <a:p>
+            <a:pPr lvl="2"/>
+            <a:r>
+              <a:rPr lang="en-US" dirty="0"/>
+              <a:t>subdirs can be mounted to write files outside of the container</a:t>
+            </a:r>
+          </a:p>
+          <a:p>
+            <a:pPr lvl="1"/>
+            <a:endParaRPr lang="en-US" dirty="0"/>
+          </a:p>
+        </p:txBody>
+      </p:sp>
+    </p:spTree>
+    <p:extLst>
+      <p:ext uri="{BB962C8B-B14F-4D97-AF65-F5344CB8AC3E}">
+        <p14:creationId xmlns:p14="http://schemas.microsoft.com/office/powerpoint/2010/main" val="1140441989"/>
+      </p:ext>
+    </p:extLst>
+  </p:cSld>
+  <p:clrMapOvr>
+    <a:masterClrMapping/>
+  </p:clrMapOvr>
+</p:sld>
+</file>
+
+<file path=ppt/slides/slide15.xml><?xml version="1.0" encoding="utf-8"?>
+<p:sld xmlns:a="http://schemas.openxmlformats.org/drawingml/2006/main" xmlns:r="http://schemas.openxmlformats.org/officeDocument/2006/relationships" xmlns:p="http://schemas.openxmlformats.org/presentationml/2006/main">
+  <p:cSld>
+    <p:spTree>
+      <p:nvGrpSpPr>
+        <p:cNvPr id="1" name=""/>
+        <p:cNvGrpSpPr/>
+        <p:nvPr/>
+      </p:nvGrpSpPr>
+      <p:grpSpPr>
+        <a:xfrm>
+          <a:off x="0" y="0"/>
+          <a:ext cx="0" cy="0"/>
+          <a:chOff x="0" y="0"/>
+          <a:chExt cx="0" cy="0"/>
+        </a:xfrm>
+      </p:grpSpPr>
+      <p:sp>
+        <p:nvSpPr>
+          <p:cNvPr id="2" name="Title 1"/>
+          <p:cNvSpPr>
+            <a:spLocks noGrp="1"/>
+          </p:cNvSpPr>
+          <p:nvPr>
+            <p:ph type="title"/>
+          </p:nvPr>
+        </p:nvSpPr>
+        <p:spPr>
+          <a:xfrm>
+            <a:off x="0" y="6946"/>
+            <a:ext cx="9144000" cy="589085"/>
+          </a:xfrm>
+        </p:spPr>
+        <p:txBody>
+          <a:bodyPr>
+            <a:normAutofit/>
+          </a:bodyPr>
+          <a:lstStyle/>
+          <a:p>
+            <a:r>
+              <a:rPr lang="en-US" dirty="0"/>
+              <a:t>Partial History of Containerization</a:t>
+            </a:r>
+            <a:endParaRPr lang="en-US" b="0" dirty="0"/>
+          </a:p>
+        </p:txBody>
+      </p:sp>
+      <p:sp>
+        <p:nvSpPr>
+          <p:cNvPr id="3" name="Content Placeholder 2"/>
+          <p:cNvSpPr>
+            <a:spLocks noGrp="1"/>
+          </p:cNvSpPr>
+          <p:nvPr>
+            <p:ph idx="1"/>
+          </p:nvPr>
+        </p:nvSpPr>
+        <p:spPr>
+          <a:xfrm>
+            <a:off x="476250" y="596032"/>
+            <a:ext cx="8191500" cy="5447718"/>
+          </a:xfrm>
+        </p:spPr>
+        <p:txBody>
+          <a:bodyPr>
+            <a:normAutofit lnSpcReduction="10000"/>
+          </a:bodyPr>
+          <a:lstStyle/>
+          <a:p>
+            <a:r>
+              <a:rPr lang="en-US" dirty="0"/>
+              <a:t>1979:  the </a:t>
+            </a:r>
+            <a:r>
+              <a:rPr lang="en-US" dirty="0">
+                <a:latin typeface="Courier New" panose="02070309020205020404" pitchFamily="49" charset="0"/>
+                <a:cs typeface="Courier New" panose="02070309020205020404" pitchFamily="49" charset="0"/>
+              </a:rPr>
+              <a:t>chroot</a:t>
+            </a:r>
+            <a:r>
+              <a:rPr lang="en-US" dirty="0"/>
+              <a:t> system call is added to Unix V7     </a:t>
+            </a:r>
+          </a:p>
+          <a:p>
+            <a:pPr lvl="1"/>
+            <a:r>
+              <a:rPr lang="en-US" dirty="0"/>
+              <a:t>changes root directory of a process and its children</a:t>
+            </a:r>
+          </a:p>
+          <a:p>
+            <a:pPr lvl="1"/>
+            <a:r>
+              <a:rPr lang="en-US" dirty="0"/>
+              <a:t>the beginning of process isolation:</a:t>
+            </a:r>
+          </a:p>
+          <a:p>
+            <a:pPr lvl="2"/>
+            <a:r>
+              <a:rPr lang="en-US" dirty="0"/>
+              <a:t>segregating file access for each process</a:t>
+            </a:r>
+          </a:p>
+          <a:p>
+            <a:pPr lvl="1"/>
+            <a:r>
+              <a:rPr lang="en-US" dirty="0">
+                <a:solidFill>
+                  <a:schemeClr val="tx1"/>
+                </a:solidFill>
+                <a:latin typeface="Courier New" panose="02070309020205020404" pitchFamily="49" charset="0"/>
+                <a:cs typeface="Courier New" panose="02070309020205020404" pitchFamily="49" charset="0"/>
+              </a:rPr>
+              <a:t>chroot</a:t>
+            </a:r>
+            <a:r>
+              <a:rPr lang="en-US" dirty="0"/>
+              <a:t> was added to BSD in 1982</a:t>
+            </a:r>
+          </a:p>
+          <a:p>
+            <a:r>
+              <a:rPr lang="en-US" dirty="0"/>
+              <a:t>2006:  process containers (Google)</a:t>
+            </a:r>
+          </a:p>
+          <a:p>
+            <a:pPr lvl="1"/>
+            <a:r>
+              <a:rPr lang="en-US" dirty="0"/>
+              <a:t>limits and isolates resource usage of a collection of processes</a:t>
+            </a:r>
+          </a:p>
+          <a:p>
+            <a:pPr lvl="1"/>
+            <a:r>
+              <a:rPr lang="en-US" dirty="0"/>
+              <a:t>renamed “Control Groups” or </a:t>
+            </a:r>
+            <a:r>
+              <a:rPr lang="en-US" dirty="0">
+                <a:solidFill>
+                  <a:schemeClr val="tx1"/>
+                </a:solidFill>
+                <a:latin typeface="Courier New" panose="02070309020205020404" pitchFamily="49" charset="0"/>
+                <a:cs typeface="Courier New" panose="02070309020205020404" pitchFamily="49" charset="0"/>
+              </a:rPr>
+              <a:t>cgroups</a:t>
+            </a:r>
+            <a:r>
+              <a:rPr lang="en-US" dirty="0"/>
+              <a:t> in 2007</a:t>
+            </a:r>
+          </a:p>
+          <a:p>
+            <a:pPr lvl="1"/>
+            <a:r>
+              <a:rPr lang="en-US" dirty="0"/>
+              <a:t>merged into Linux kernel 2.6.24</a:t>
+            </a:r>
+          </a:p>
+          <a:p>
+            <a:r>
+              <a:rPr lang="en-US" dirty="0"/>
+              <a:t>2008:  LXC (LinuX Containers) </a:t>
+            </a:r>
+          </a:p>
+          <a:p>
+            <a:pPr lvl="1"/>
+            <a:r>
+              <a:rPr lang="en-US" dirty="0"/>
+              <a:t>first, most complete implementation of a Linux container manager</a:t>
+            </a:r>
+          </a:p>
+          <a:p>
+            <a:pPr lvl="1"/>
+            <a:r>
+              <a:rPr lang="en-US" dirty="0"/>
+              <a:t>uses </a:t>
+            </a:r>
+            <a:r>
+              <a:rPr lang="en-US" dirty="0">
+                <a:solidFill>
+                  <a:schemeClr val="tx1"/>
+                </a:solidFill>
+                <a:latin typeface="Courier New" panose="02070309020205020404" pitchFamily="49" charset="0"/>
+                <a:cs typeface="Courier New" panose="02070309020205020404" pitchFamily="49" charset="0"/>
+              </a:rPr>
+              <a:t>cgroups</a:t>
+            </a:r>
+            <a:r>
+              <a:rPr lang="en-US" dirty="0"/>
+              <a:t> and Linux namespaces</a:t>
+            </a:r>
+          </a:p>
+          <a:p>
+            <a:pPr lvl="1"/>
+            <a:r>
+              <a:rPr lang="en-US" dirty="0"/>
+              <a:t>works on a single Linux kernel with no patches</a:t>
+            </a:r>
+          </a:p>
+          <a:p>
+            <a:r>
+              <a:rPr lang="en-US" dirty="0"/>
+              <a:t>2013:  Docker</a:t>
+            </a:r>
+          </a:p>
+          <a:p>
+            <a:pPr lvl="1"/>
+            <a:r>
+              <a:rPr lang="en-US" dirty="0"/>
+              <a:t>used LXC originally, but now uses its own </a:t>
+            </a:r>
+            <a:r>
+              <a:rPr lang="en-US" dirty="0">
+                <a:solidFill>
+                  <a:schemeClr val="tx1"/>
+                </a:solidFill>
+                <a:latin typeface="Courier New" panose="02070309020205020404" pitchFamily="49" charset="0"/>
+                <a:cs typeface="Courier New" panose="02070309020205020404" pitchFamily="49" charset="0"/>
+              </a:rPr>
+              <a:t>libcontainer</a:t>
+            </a:r>
+            <a:endParaRPr lang="en-US" dirty="0"/>
+          </a:p>
+          <a:p>
+            <a:pPr lvl="1"/>
+            <a:r>
+              <a:rPr lang="en-US" dirty="0"/>
+              <a:t>offers an entire ecosystem for container management</a:t>
+            </a:r>
+          </a:p>
+          <a:p>
+            <a:pPr lvl="2"/>
+            <a:r>
+              <a:rPr lang="en-US" dirty="0"/>
+              <a:t>resulted in widespread adoption of containerization</a:t>
+            </a:r>
+          </a:p>
+          <a:p>
+            <a:pPr lvl="2"/>
+            <a:r>
+              <a:rPr lang="en-US" dirty="0"/>
+              <a:t>developers can create and run application containers quickly</a:t>
+            </a:r>
+          </a:p>
+          <a:p>
+            <a:pPr lvl="1"/>
+            <a:r>
+              <a:rPr lang="en-US" dirty="0"/>
+              <a:t>DockerHub enables rapid distribution of containers</a:t>
+            </a:r>
+          </a:p>
+        </p:txBody>
+      </p:sp>
+      <p:sp>
+        <p:nvSpPr>
+          <p:cNvPr id="4" name="TextBox 3">
+            <a:extLst>
+              <a:ext uri="{FF2B5EF4-FFF2-40B4-BE49-F238E27FC236}">
+                <a16:creationId xmlns:a16="http://schemas.microsoft.com/office/drawing/2014/main" id="{FE4820D9-EBD7-4753-BD2A-404C67F2A4D8}"/>
+              </a:ext>
+            </a:extLst>
+          </p:cNvPr>
+          <p:cNvSpPr txBox="1"/>
+          <p:nvPr/>
+        </p:nvSpPr>
+        <p:spPr>
+          <a:xfrm>
+            <a:off x="3980125" y="5861254"/>
+            <a:ext cx="5163875" cy="523220"/>
+          </a:xfrm>
+          <a:prstGeom prst="rect">
+            <a:avLst/>
+          </a:prstGeom>
+          <a:noFill/>
+        </p:spPr>
+        <p:txBody>
+          <a:bodyPr wrap="square" rtlCol="0">
+            <a:spAutoFit/>
+          </a:bodyPr>
+          <a:lstStyle/>
+          <a:p>
+            <a:pPr marL="227013" indent="-227013"/>
+            <a:r>
+              <a:rPr lang="en-US" sz="1400" dirty="0">
+                <a:latin typeface="Times New Roman" panose="02020603050405020304" pitchFamily="18" charset="0"/>
+                <a:cs typeface="Times New Roman" panose="02020603050405020304" pitchFamily="18" charset="0"/>
+              </a:rPr>
+              <a:t>Material taken from R. Osnat (2016), </a:t>
+            </a:r>
+            <a:r>
+              <a:rPr lang="en-US" sz="1400" dirty="0">
+                <a:latin typeface="Times New Roman" panose="02020603050405020304" pitchFamily="18" charset="0"/>
+                <a:cs typeface="Times New Roman" panose="02020603050405020304" pitchFamily="18" charset="0"/>
+                <a:hlinkClick r:id="rId3"/>
+              </a:rPr>
+              <a:t>https://blog.aquasec.com/a-brief-history-of-containers-from-1970s-chroot-to-docker-2016</a:t>
+            </a:r>
+            <a:r>
+              <a:rPr lang="en-US" sz="1400" dirty="0">
+                <a:latin typeface="Times New Roman" panose="02020603050405020304" pitchFamily="18" charset="0"/>
+                <a:cs typeface="Times New Roman" panose="02020603050405020304" pitchFamily="18" charset="0"/>
+              </a:rPr>
+              <a:t> </a:t>
+            </a:r>
+          </a:p>
+        </p:txBody>
+      </p:sp>
+    </p:spTree>
+    <p:extLst>
+      <p:ext uri="{BB962C8B-B14F-4D97-AF65-F5344CB8AC3E}">
+        <p14:creationId xmlns:p14="http://schemas.microsoft.com/office/powerpoint/2010/main" val="3112759213"/>
+      </p:ext>
+    </p:extLst>
+  </p:cSld>
+  <p:clrMapOvr>
+    <a:masterClrMapping/>
+  </p:clrMapOvr>
+</p:sld>
+</file>
+
+<file path=ppt/slides/slide16.xml><?xml version="1.0" encoding="utf-8"?>
+<p:sld xmlns:a="http://schemas.openxmlformats.org/drawingml/2006/main" xmlns:r="http://schemas.openxmlformats.org/officeDocument/2006/relationships" xmlns:p="http://schemas.openxmlformats.org/presentationml/2006/main">
+  <p:cSld>
+    <p:spTree>
+      <p:nvGrpSpPr>
+        <p:cNvPr id="1" name=""/>
+        <p:cNvGrpSpPr/>
+        <p:nvPr/>
+      </p:nvGrpSpPr>
+      <p:grpSpPr>
+        <a:xfrm>
+          <a:off x="0" y="0"/>
+          <a:ext cx="0" cy="0"/>
+          <a:chOff x="0" y="0"/>
+          <a:chExt cx="0" cy="0"/>
+        </a:xfrm>
+      </p:grpSpPr>
+      <p:sp>
+        <p:nvSpPr>
+          <p:cNvPr id="2" name="Title 1"/>
+          <p:cNvSpPr>
+            <a:spLocks noGrp="1"/>
+          </p:cNvSpPr>
+          <p:nvPr>
+            <p:ph type="title"/>
+          </p:nvPr>
+        </p:nvSpPr>
+        <p:spPr>
+          <a:xfrm>
+            <a:off x="0" y="6946"/>
+            <a:ext cx="9144000" cy="589085"/>
+          </a:xfrm>
+        </p:spPr>
+        <p:txBody>
+          <a:bodyPr>
+            <a:normAutofit/>
+          </a:bodyPr>
+          <a:lstStyle/>
+          <a:p>
+            <a:r>
+              <a:rPr lang="en-US" dirty="0"/>
+              <a:t>Container vs. Virtual Machine (VM)</a:t>
+            </a:r>
+            <a:endParaRPr lang="en-US" b="0" i="0" dirty="0"/>
+          </a:p>
+        </p:txBody>
+      </p:sp>
+      <p:sp>
+        <p:nvSpPr>
+          <p:cNvPr id="3" name="Content Placeholder 2"/>
+          <p:cNvSpPr>
+            <a:spLocks noGrp="1"/>
+          </p:cNvSpPr>
+          <p:nvPr>
+            <p:ph idx="1"/>
+          </p:nvPr>
+        </p:nvSpPr>
+        <p:spPr>
+          <a:xfrm>
+            <a:off x="352185" y="745677"/>
+            <a:ext cx="8191500" cy="2072012"/>
+          </a:xfrm>
+        </p:spPr>
+        <p:txBody>
+          <a:bodyPr>
+            <a:normAutofit/>
+          </a:bodyPr>
+          <a:lstStyle/>
+          <a:p>
+            <a:r>
+              <a:rPr lang="en-US" dirty="0"/>
+              <a:t>Containers and VMs are similar in their goal: </a:t>
+            </a:r>
+          </a:p>
+          <a:p>
+            <a:pPr lvl="1"/>
+            <a:r>
+              <a:rPr lang="en-US" dirty="0"/>
+              <a:t>to isolate an application and its dependencies</a:t>
+            </a:r>
+          </a:p>
+          <a:p>
+            <a:pPr lvl="1"/>
+            <a:r>
+              <a:rPr lang="en-US" dirty="0"/>
+              <a:t>in a self-contained unit that can run anywhere</a:t>
+            </a:r>
+          </a:p>
+          <a:p>
+            <a:pPr lvl="1"/>
+            <a:endParaRPr lang="en-US" dirty="0"/>
+          </a:p>
+          <a:p>
+            <a:r>
+              <a:rPr lang="en-US" dirty="0"/>
+              <a:t>The differences are important</a:t>
+            </a:r>
+          </a:p>
+        </p:txBody>
+      </p:sp>
+      <p:pic>
+        <p:nvPicPr>
+          <p:cNvPr id="4" name="Picture 3">
+            <a:extLst>
+              <a:ext uri="{FF2B5EF4-FFF2-40B4-BE49-F238E27FC236}">
+                <a16:creationId xmlns:a16="http://schemas.microsoft.com/office/drawing/2014/main" id="{6A8E0E4A-675D-4335-B1B6-0B78D0B7ADC8}"/>
+              </a:ext>
+            </a:extLst>
+          </p:cNvPr>
+          <p:cNvPicPr>
+            <a:picLocks noChangeAspect="1"/>
+          </p:cNvPicPr>
+          <p:nvPr/>
+        </p:nvPicPr>
+        <p:blipFill>
+          <a:blip r:embed="rId3"/>
+          <a:stretch>
+            <a:fillRect/>
+          </a:stretch>
+        </p:blipFill>
+        <p:spPr>
+          <a:xfrm>
+            <a:off x="4650397" y="2071407"/>
+            <a:ext cx="4440934" cy="4736102"/>
+          </a:xfrm>
+          <a:prstGeom prst="rect">
+            <a:avLst/>
+          </a:prstGeom>
+        </p:spPr>
+      </p:pic>
+      <p:pic>
+        <p:nvPicPr>
+          <p:cNvPr id="5" name="Picture 4">
+            <a:extLst>
+              <a:ext uri="{FF2B5EF4-FFF2-40B4-BE49-F238E27FC236}">
+                <a16:creationId xmlns:a16="http://schemas.microsoft.com/office/drawing/2014/main" id="{94974CB9-5BFD-42F0-8E4B-A8ECDFDFF4D2}"/>
+              </a:ext>
+            </a:extLst>
+          </p:cNvPr>
+          <p:cNvPicPr>
+            <a:picLocks noChangeAspect="1"/>
+          </p:cNvPicPr>
+          <p:nvPr/>
+        </p:nvPicPr>
+        <p:blipFill>
+          <a:blip r:embed="rId4"/>
+          <a:stretch>
+            <a:fillRect/>
+          </a:stretch>
+        </p:blipFill>
+        <p:spPr>
+          <a:xfrm>
+            <a:off x="41382" y="3429000"/>
+            <a:ext cx="4696065" cy="3422054"/>
+          </a:xfrm>
+          <a:prstGeom prst="rect">
+            <a:avLst/>
+          </a:prstGeom>
+        </p:spPr>
+      </p:pic>
+      <p:sp>
+        <p:nvSpPr>
+          <p:cNvPr id="6" name="TextBox 5">
+            <a:extLst>
+              <a:ext uri="{FF2B5EF4-FFF2-40B4-BE49-F238E27FC236}">
+                <a16:creationId xmlns:a16="http://schemas.microsoft.com/office/drawing/2014/main" id="{61328A6C-5F57-4BFC-984C-4E43AA9106BF}"/>
+              </a:ext>
+            </a:extLst>
+          </p:cNvPr>
+          <p:cNvSpPr txBox="1"/>
+          <p:nvPr/>
+        </p:nvSpPr>
+        <p:spPr>
+          <a:xfrm>
+            <a:off x="41383" y="2817689"/>
+            <a:ext cx="4696065" cy="461665"/>
+          </a:xfrm>
+          <a:prstGeom prst="rect">
+            <a:avLst/>
+          </a:prstGeom>
+          <a:noFill/>
+        </p:spPr>
+        <p:txBody>
+          <a:bodyPr wrap="square" rtlCol="0">
+            <a:spAutoFit/>
+          </a:bodyPr>
+          <a:lstStyle/>
+          <a:p>
+            <a:r>
+              <a:rPr lang="en-US" sz="1200" dirty="0">
+                <a:latin typeface="Times New Roman" panose="02020603050405020304" pitchFamily="18" charset="0"/>
+                <a:cs typeface="Times New Roman" panose="02020603050405020304" pitchFamily="18" charset="0"/>
+              </a:rPr>
+              <a:t>Schematics taken from  </a:t>
+            </a:r>
+            <a:r>
+              <a:rPr lang="en-US" sz="1200" dirty="0">
+                <a:latin typeface="Times New Roman" panose="02020603050405020304" pitchFamily="18" charset="0"/>
+                <a:cs typeface="Times New Roman" panose="02020603050405020304" pitchFamily="18" charset="0"/>
+                <a:hlinkClick r:id="rId5"/>
+              </a:rPr>
+              <a:t>https://medium.freecodecamp.org/a-beginner-friendly-introduction-to-containers-vms-and-docker-79a9e3e119b</a:t>
+            </a:r>
+            <a:r>
+              <a:rPr lang="en-US" sz="1200" dirty="0">
+                <a:latin typeface="Times New Roman" panose="02020603050405020304" pitchFamily="18" charset="0"/>
+                <a:cs typeface="Times New Roman" panose="02020603050405020304" pitchFamily="18" charset="0"/>
+              </a:rPr>
+              <a:t> </a:t>
+            </a:r>
+          </a:p>
+        </p:txBody>
+      </p:sp>
+    </p:spTree>
+    <p:extLst>
+      <p:ext uri="{BB962C8B-B14F-4D97-AF65-F5344CB8AC3E}">
+        <p14:creationId xmlns:p14="http://schemas.microsoft.com/office/powerpoint/2010/main" val="3108475844"/>
+      </p:ext>
+    </p:extLst>
+  </p:cSld>
+  <p:clrMapOvr>
+    <a:masterClrMapping/>
+  </p:clrMapOvr>
+</p:sld>
+</file>
+
+<file path=ppt/slides/slide17.xml><?xml version="1.0" encoding="utf-8"?>
+<p:sld xmlns:a="http://schemas.openxmlformats.org/drawingml/2006/main" xmlns:r="http://schemas.openxmlformats.org/officeDocument/2006/relationships" xmlns:p="http://schemas.openxmlformats.org/presentationml/2006/main">
+  <p:cSld>
+    <p:spTree>
+      <p:nvGrpSpPr>
+        <p:cNvPr id="1" name=""/>
+        <p:cNvGrpSpPr/>
+        <p:nvPr/>
+      </p:nvGrpSpPr>
+      <p:grpSpPr>
+        <a:xfrm>
+          <a:off x="0" y="0"/>
+          <a:ext cx="0" cy="0"/>
+          <a:chOff x="0" y="0"/>
+          <a:chExt cx="0" cy="0"/>
+        </a:xfrm>
+      </p:grpSpPr>
+      <p:sp>
+        <p:nvSpPr>
+          <p:cNvPr id="2" name="Title 1"/>
+          <p:cNvSpPr>
+            <a:spLocks noGrp="1"/>
+          </p:cNvSpPr>
+          <p:nvPr>
+            <p:ph type="title"/>
+          </p:nvPr>
+        </p:nvSpPr>
+        <p:spPr>
+          <a:xfrm>
+            <a:off x="0" y="6946"/>
+            <a:ext cx="9144000" cy="589085"/>
+          </a:xfrm>
+        </p:spPr>
+        <p:txBody>
+          <a:bodyPr>
+            <a:normAutofit/>
+          </a:bodyPr>
+          <a:lstStyle/>
+          <a:p>
+            <a:r>
+              <a:rPr lang="en-US" dirty="0"/>
+              <a:t>Application Containers for Reproducibility</a:t>
+            </a:r>
+          </a:p>
+        </p:txBody>
+      </p:sp>
+      <p:sp>
+        <p:nvSpPr>
+          <p:cNvPr id="3" name="Content Placeholder 2"/>
+          <p:cNvSpPr>
+            <a:spLocks noGrp="1"/>
+          </p:cNvSpPr>
+          <p:nvPr>
+            <p:ph idx="1"/>
+          </p:nvPr>
+        </p:nvSpPr>
+        <p:spPr>
+          <a:xfrm>
+            <a:off x="276639" y="791301"/>
+            <a:ext cx="8608944" cy="2396036"/>
+          </a:xfrm>
+        </p:spPr>
+        <p:txBody>
+          <a:bodyPr>
+            <a:normAutofit/>
+          </a:bodyPr>
+          <a:lstStyle/>
+          <a:p>
+            <a:r>
+              <a:rPr lang="en-US" i="0" dirty="0"/>
+              <a:t>Containerization has become a key technology for reproducibility</a:t>
+            </a:r>
+          </a:p>
+          <a:p>
+            <a:pPr lvl="1"/>
+            <a:r>
+              <a:rPr lang="en-US" i="0" dirty="0"/>
+              <a:t>it is the only practical approach for replicating a simulation result in the future</a:t>
+            </a:r>
+          </a:p>
+          <a:p>
+            <a:pPr lvl="1"/>
+            <a:r>
+              <a:rPr lang="en-US" dirty="0"/>
+              <a:t>the colleague you are sharing with could by yourself in 6 months or 6 years</a:t>
+            </a:r>
+          </a:p>
+          <a:p>
+            <a:pPr lvl="2"/>
+            <a:r>
+              <a:rPr lang="en-US" dirty="0"/>
+              <a:t>an application container can be archived indefinitely and then reused</a:t>
+            </a:r>
+          </a:p>
+          <a:p>
+            <a:pPr lvl="2"/>
+            <a:r>
+              <a:rPr lang="en-US" dirty="0"/>
+              <a:t>assuming Docker or a compatible technology is still supported</a:t>
+            </a:r>
+          </a:p>
+          <a:p>
+            <a:r>
+              <a:rPr lang="en-US" dirty="0"/>
+              <a:t>The topic cannot be covered completely in a single lecture…</a:t>
+            </a:r>
+          </a:p>
+          <a:p>
+            <a:pPr lvl="1"/>
+            <a:r>
+              <a:rPr lang="en-US" dirty="0"/>
+              <a:t>so we provide some pointers for further study</a:t>
+            </a:r>
+          </a:p>
+        </p:txBody>
+      </p:sp>
+      <p:sp>
+        <p:nvSpPr>
+          <p:cNvPr id="5" name="TextBox 4">
+            <a:extLst>
+              <a:ext uri="{FF2B5EF4-FFF2-40B4-BE49-F238E27FC236}">
+                <a16:creationId xmlns:a16="http://schemas.microsoft.com/office/drawing/2014/main" id="{019BFA61-21A0-4A72-801D-C7C00BAFA17D}"/>
+              </a:ext>
+            </a:extLst>
+          </p:cNvPr>
+          <p:cNvSpPr txBox="1"/>
+          <p:nvPr/>
+        </p:nvSpPr>
+        <p:spPr>
+          <a:xfrm>
+            <a:off x="601318" y="3058966"/>
+            <a:ext cx="8413474" cy="1577355"/>
+          </a:xfrm>
+          <a:prstGeom prst="rect">
+            <a:avLst/>
+          </a:prstGeom>
+          <a:noFill/>
+        </p:spPr>
+        <p:txBody>
+          <a:bodyPr wrap="square" rtlCol="0">
+            <a:spAutoFit/>
+          </a:bodyPr>
+          <a:lstStyle/>
+          <a:p>
+            <a:pPr marL="227013" indent="-227013">
+              <a:spcBef>
+                <a:spcPts val="300"/>
+              </a:spcBef>
+            </a:pPr>
+            <a:r>
+              <a:rPr lang="en-US" sz="1400" dirty="0">
+                <a:latin typeface="Times New Roman" panose="02020603050405020304" pitchFamily="18" charset="0"/>
+                <a:cs typeface="Times New Roman" panose="02020603050405020304" pitchFamily="18" charset="0"/>
+              </a:rPr>
+              <a:t>Docker Containers for Reproducible Research Workshop (2017), </a:t>
+            </a:r>
+            <a:r>
+              <a:rPr lang="en-US" sz="1400" dirty="0">
+                <a:latin typeface="Times New Roman" panose="02020603050405020304" pitchFamily="18" charset="0"/>
+                <a:cs typeface="Times New Roman" panose="02020603050405020304" pitchFamily="18" charset="0"/>
+                <a:hlinkClick r:id="rId3"/>
+              </a:rPr>
+              <a:t>https://www.software.ac.uk/c4rr</a:t>
+            </a:r>
+            <a:r>
+              <a:rPr lang="en-US" sz="1400" dirty="0">
+                <a:latin typeface="Times New Roman" panose="02020603050405020304" pitchFamily="18" charset="0"/>
+                <a:cs typeface="Times New Roman" panose="02020603050405020304" pitchFamily="18" charset="0"/>
+              </a:rPr>
+              <a:t> </a:t>
+            </a:r>
+          </a:p>
+          <a:p>
+            <a:pPr marL="227013" indent="-227013">
+              <a:spcBef>
+                <a:spcPts val="300"/>
+              </a:spcBef>
+            </a:pPr>
+            <a:r>
+              <a:rPr lang="en-US" sz="1400" dirty="0">
+                <a:latin typeface="Times New Roman" panose="02020603050405020304" pitchFamily="18" charset="0"/>
+                <a:cs typeface="Times New Roman" panose="02020603050405020304" pitchFamily="18" charset="0"/>
+              </a:rPr>
+              <a:t>D. Nüst &amp; M. Hinz (2017), </a:t>
+            </a:r>
+            <a:r>
+              <a:rPr lang="en-US" sz="1400" dirty="0">
+                <a:latin typeface="Times New Roman" panose="02020603050405020304" pitchFamily="18" charset="0"/>
+                <a:cs typeface="Times New Roman" panose="02020603050405020304" pitchFamily="18" charset="0"/>
+                <a:hlinkClick r:id="rId4"/>
+              </a:rPr>
+              <a:t>http://o2r.info/2017/05/30/containerit-package/</a:t>
+            </a:r>
+            <a:r>
+              <a:rPr lang="en-US" sz="1400" dirty="0">
+                <a:latin typeface="Times New Roman" panose="02020603050405020304" pitchFamily="18" charset="0"/>
+                <a:cs typeface="Times New Roman" panose="02020603050405020304" pitchFamily="18" charset="0"/>
+              </a:rPr>
+              <a:t> </a:t>
+            </a:r>
+          </a:p>
+          <a:p>
+            <a:pPr marL="227013" indent="-227013">
+              <a:spcBef>
+                <a:spcPts val="300"/>
+              </a:spcBef>
+            </a:pPr>
+            <a:r>
+              <a:rPr lang="en-US" sz="1400" dirty="0">
+                <a:latin typeface="Times New Roman" panose="02020603050405020304" pitchFamily="18" charset="0"/>
+                <a:cs typeface="Times New Roman" panose="02020603050405020304" pitchFamily="18" charset="0"/>
+              </a:rPr>
+              <a:t>J. </a:t>
+            </a:r>
+            <a:r>
+              <a:rPr lang="en-US" sz="1400" dirty="0" err="1">
+                <a:latin typeface="Times New Roman" panose="02020603050405020304" pitchFamily="18" charset="0"/>
+                <a:cs typeface="Times New Roman" panose="02020603050405020304" pitchFamily="18" charset="0"/>
+              </a:rPr>
+              <a:t>Cito</a:t>
+            </a:r>
+            <a:r>
+              <a:rPr lang="en-US" sz="1400" dirty="0">
+                <a:latin typeface="Times New Roman" panose="02020603050405020304" pitchFamily="18" charset="0"/>
+                <a:cs typeface="Times New Roman" panose="02020603050405020304" pitchFamily="18" charset="0"/>
+              </a:rPr>
+              <a:t>, V. </a:t>
+            </a:r>
+            <a:r>
+              <a:rPr lang="en-US" sz="1400" dirty="0" err="1">
+                <a:latin typeface="Times New Roman" panose="02020603050405020304" pitchFamily="18" charset="0"/>
+                <a:cs typeface="Times New Roman" panose="02020603050405020304" pitchFamily="18" charset="0"/>
+              </a:rPr>
+              <a:t>Ferme</a:t>
+            </a:r>
+            <a:r>
+              <a:rPr lang="en-US" sz="1400" dirty="0">
+                <a:latin typeface="Times New Roman" panose="02020603050405020304" pitchFamily="18" charset="0"/>
+                <a:cs typeface="Times New Roman" panose="02020603050405020304" pitchFamily="18" charset="0"/>
+              </a:rPr>
+              <a:t> and H.C. Gall (2016), </a:t>
+            </a:r>
+            <a:r>
+              <a:rPr lang="en-US" sz="1400" dirty="0">
+                <a:latin typeface="Times New Roman" panose="02020603050405020304" pitchFamily="18" charset="0"/>
+                <a:cs typeface="Times New Roman" panose="02020603050405020304" pitchFamily="18" charset="0"/>
+                <a:hlinkClick r:id="rId5"/>
+              </a:rPr>
+              <a:t>https://link.springer.com/chapter/10.1007/978-3-319-38791-8_58</a:t>
+            </a:r>
+            <a:r>
+              <a:rPr lang="en-US" sz="1400" dirty="0">
+                <a:latin typeface="Times New Roman" panose="02020603050405020304" pitchFamily="18" charset="0"/>
+                <a:cs typeface="Times New Roman" panose="02020603050405020304" pitchFamily="18" charset="0"/>
+              </a:rPr>
+              <a:t> </a:t>
+            </a:r>
+          </a:p>
+          <a:p>
+            <a:pPr marL="227013" indent="-227013">
+              <a:spcBef>
+                <a:spcPts val="300"/>
+              </a:spcBef>
+            </a:pPr>
+            <a:r>
+              <a:rPr lang="en-US" sz="1400" dirty="0">
+                <a:latin typeface="Times New Roman" panose="02020603050405020304" pitchFamily="18" charset="0"/>
+                <a:cs typeface="Times New Roman" panose="02020603050405020304" pitchFamily="18" charset="0"/>
+              </a:rPr>
+              <a:t>D.L. Bruhwiler, R. Nagler </a:t>
+            </a:r>
+            <a:r>
+              <a:rPr lang="en-US" sz="1400" i="1" dirty="0">
+                <a:latin typeface="Times New Roman" panose="02020603050405020304" pitchFamily="18" charset="0"/>
+                <a:cs typeface="Times New Roman" panose="02020603050405020304" pitchFamily="18" charset="0"/>
+              </a:rPr>
+              <a:t>et al</a:t>
+            </a:r>
+            <a:r>
+              <a:rPr lang="en-US" sz="1400" dirty="0">
+                <a:latin typeface="Times New Roman" panose="02020603050405020304" pitchFamily="18" charset="0"/>
+                <a:cs typeface="Times New Roman" panose="02020603050405020304" pitchFamily="18" charset="0"/>
+              </a:rPr>
+              <a:t>. (2015), </a:t>
+            </a:r>
+            <a:r>
+              <a:rPr lang="en-US" sz="1400" dirty="0">
+                <a:latin typeface="Times New Roman" panose="02020603050405020304" pitchFamily="18" charset="0"/>
+                <a:cs typeface="Times New Roman" panose="02020603050405020304" pitchFamily="18" charset="0"/>
+                <a:hlinkClick r:id="rId6"/>
+              </a:rPr>
+              <a:t>http://accelconf.web.cern.ch/AccelConf/IPAC2015/papers/mopmn009.pdf</a:t>
+            </a:r>
+            <a:r>
+              <a:rPr lang="en-US" sz="1400" dirty="0">
+                <a:latin typeface="Times New Roman" panose="02020603050405020304" pitchFamily="18" charset="0"/>
+                <a:cs typeface="Times New Roman" panose="02020603050405020304" pitchFamily="18" charset="0"/>
+              </a:rPr>
+              <a:t> </a:t>
+            </a:r>
+          </a:p>
+          <a:p>
+            <a:pPr marL="227013" indent="-227013">
+              <a:spcBef>
+                <a:spcPts val="300"/>
+              </a:spcBef>
+            </a:pPr>
+            <a:r>
+              <a:rPr lang="en-US" sz="1400" dirty="0">
+                <a:latin typeface="Times New Roman" panose="02020603050405020304" pitchFamily="18" charset="0"/>
+                <a:cs typeface="Times New Roman" panose="02020603050405020304" pitchFamily="18" charset="0"/>
+              </a:rPr>
+              <a:t>R. Nagler, D.L. Bruhwiler </a:t>
+            </a:r>
+            <a:r>
+              <a:rPr lang="en-US" sz="1400" i="1" dirty="0">
+                <a:latin typeface="Times New Roman" panose="02020603050405020304" pitchFamily="18" charset="0"/>
+                <a:cs typeface="Times New Roman" panose="02020603050405020304" pitchFamily="18" charset="0"/>
+              </a:rPr>
+              <a:t>et al</a:t>
+            </a:r>
+            <a:r>
+              <a:rPr lang="en-US" sz="1400" dirty="0">
+                <a:latin typeface="Times New Roman" panose="02020603050405020304" pitchFamily="18" charset="0"/>
+                <a:cs typeface="Times New Roman" panose="02020603050405020304" pitchFamily="18" charset="0"/>
+              </a:rPr>
+              <a:t>. (2015), </a:t>
+            </a:r>
+            <a:r>
+              <a:rPr lang="en-US" sz="1400" dirty="0">
+                <a:latin typeface="Times New Roman" panose="02020603050405020304" pitchFamily="18" charset="0"/>
+                <a:cs typeface="Times New Roman" panose="02020603050405020304" pitchFamily="18" charset="0"/>
+                <a:hlinkClick r:id="rId7"/>
+              </a:rPr>
+              <a:t>https://arxiv.org/abs/1509.08789</a:t>
+            </a:r>
+            <a:endParaRPr lang="en-US" sz="1400" dirty="0">
+              <a:latin typeface="Times New Roman" panose="02020603050405020304" pitchFamily="18" charset="0"/>
+              <a:cs typeface="Times New Roman" panose="02020603050405020304" pitchFamily="18" charset="0"/>
+            </a:endParaRPr>
+          </a:p>
+          <a:p>
+            <a:pPr marL="227013" indent="-227013">
+              <a:spcBef>
+                <a:spcPts val="300"/>
+              </a:spcBef>
+            </a:pPr>
+            <a:r>
+              <a:rPr lang="en-US" sz="1400" dirty="0">
+                <a:latin typeface="Times New Roman" panose="02020603050405020304" pitchFamily="18" charset="0"/>
+                <a:cs typeface="Times New Roman" panose="02020603050405020304" pitchFamily="18" charset="0"/>
+              </a:rPr>
+              <a:t>C. Boettiger (2014), </a:t>
+            </a:r>
+            <a:r>
+              <a:rPr lang="en-US" sz="1400" dirty="0">
+                <a:latin typeface="Times New Roman" panose="02020603050405020304" pitchFamily="18" charset="0"/>
+                <a:cs typeface="Times New Roman" panose="02020603050405020304" pitchFamily="18" charset="0"/>
+                <a:hlinkClick r:id="rId8"/>
+              </a:rPr>
+              <a:t>https://arxiv.org/abs/1410.0846</a:t>
+            </a:r>
+            <a:r>
+              <a:rPr lang="en-US" sz="1400" dirty="0">
+                <a:latin typeface="Times New Roman" panose="02020603050405020304" pitchFamily="18" charset="0"/>
+                <a:cs typeface="Times New Roman" panose="02020603050405020304" pitchFamily="18" charset="0"/>
+              </a:rPr>
+              <a:t> </a:t>
+            </a:r>
+          </a:p>
+        </p:txBody>
+      </p:sp>
+    </p:spTree>
+    <p:extLst>
+      <p:ext uri="{BB962C8B-B14F-4D97-AF65-F5344CB8AC3E}">
+        <p14:creationId xmlns:p14="http://schemas.microsoft.com/office/powerpoint/2010/main" val="4169432088"/>
+      </p:ext>
+    </p:extLst>
+  </p:cSld>
+  <p:clrMapOvr>
+    <a:masterClrMapping/>
+  </p:clrMapOvr>
+</p:sld>
+</file>
+
+<file path=ppt/slides/slide18.xml><?xml version="1.0" encoding="utf-8"?>
+<p:sld xmlns:a="http://schemas.openxmlformats.org/drawingml/2006/main" xmlns:r="http://schemas.openxmlformats.org/officeDocument/2006/relationships" xmlns:p="http://schemas.openxmlformats.org/presentationml/2006/main">
+  <p:cSld>
+    <p:spTree>
+      <p:nvGrpSpPr>
+        <p:cNvPr id="1" name=""/>
+        <p:cNvGrpSpPr/>
+        <p:nvPr/>
+      </p:nvGrpSpPr>
+      <p:grpSpPr>
+        <a:xfrm>
+          <a:off x="0" y="0"/>
+          <a:ext cx="0" cy="0"/>
+          <a:chOff x="0" y="0"/>
+          <a:chExt cx="0" cy="0"/>
+        </a:xfrm>
+      </p:grpSpPr>
+      <p:sp>
+        <p:nvSpPr>
+          <p:cNvPr id="2" name="Title 1"/>
+          <p:cNvSpPr>
+            <a:spLocks noGrp="1"/>
+          </p:cNvSpPr>
+          <p:nvPr>
+            <p:ph type="title"/>
+          </p:nvPr>
+        </p:nvSpPr>
+        <p:spPr>
+          <a:xfrm>
+            <a:off x="0" y="140672"/>
+            <a:ext cx="9144000" cy="589085"/>
+          </a:xfrm>
+        </p:spPr>
+        <p:txBody>
+          <a:bodyPr>
+            <a:normAutofit/>
+          </a:bodyPr>
+          <a:lstStyle/>
+          <a:p>
+            <a:r>
+              <a:rPr lang="en-US" dirty="0"/>
+              <a:t>Class discussion:</a:t>
+            </a:r>
+          </a:p>
+        </p:txBody>
+      </p:sp>
+      <p:sp>
+        <p:nvSpPr>
+          <p:cNvPr id="6" name="Content Placeholder 2">
+            <a:extLst>
+              <a:ext uri="{FF2B5EF4-FFF2-40B4-BE49-F238E27FC236}">
+                <a16:creationId xmlns:a16="http://schemas.microsoft.com/office/drawing/2014/main" id="{9081FF26-7AD5-4767-AF65-A27F1769E1FC}"/>
+              </a:ext>
+            </a:extLst>
+          </p:cNvPr>
+          <p:cNvSpPr>
+            <a:spLocks noGrp="1"/>
+          </p:cNvSpPr>
+          <p:nvPr>
+            <p:ph idx="1"/>
+          </p:nvPr>
+        </p:nvSpPr>
+        <p:spPr>
+          <a:xfrm>
+            <a:off x="152400" y="827314"/>
+            <a:ext cx="8839200" cy="5146766"/>
+          </a:xfrm>
+        </p:spPr>
+        <p:txBody>
+          <a:bodyPr>
+            <a:normAutofit/>
+          </a:bodyPr>
+          <a:lstStyle/>
+          <a:p>
+            <a:r>
+              <a:rPr lang="en-US" sz="1800" i="0" dirty="0"/>
+              <a:t>Do you have experience working with VMs?</a:t>
+            </a:r>
+          </a:p>
+          <a:p>
+            <a:pPr lvl="1"/>
+            <a:r>
+              <a:rPr lang="en-US" dirty="0"/>
+              <a:t>If so, what are the advantages and disadvantages?</a:t>
+            </a:r>
+          </a:p>
+          <a:p>
+            <a:r>
+              <a:rPr lang="en-US" i="0" dirty="0"/>
+              <a:t>Explain at least one difference between VMs and containers</a:t>
+            </a:r>
+          </a:p>
+          <a:p>
+            <a:r>
+              <a:rPr lang="en-US" i="0" dirty="0"/>
+              <a:t>A VM is to a house as a container is to an apartment:  explain the analogy</a:t>
+            </a:r>
+          </a:p>
+          <a:p>
+            <a:r>
+              <a:rPr lang="en-US" dirty="0"/>
+              <a:t>Reproducibility vs Replication:  which is more difficult?   …more important?</a:t>
+            </a:r>
+          </a:p>
+          <a:p>
+            <a:r>
+              <a:rPr lang="en-US" dirty="0"/>
+              <a:t>How does Docker help with replicating a physics simulation?</a:t>
+            </a:r>
+            <a:r>
+              <a:rPr lang="en-US" i="0" dirty="0"/>
+              <a:t> </a:t>
+            </a:r>
+          </a:p>
+          <a:p>
+            <a:pPr lvl="1"/>
+            <a:endParaRPr lang="en-US" i="0" dirty="0"/>
+          </a:p>
+          <a:p>
+            <a:r>
+              <a:rPr lang="en-US" dirty="0"/>
+              <a:t>Maybe revisit previous discussion points – </a:t>
+            </a:r>
+            <a:endParaRPr lang="en-US" i="0" dirty="0"/>
+          </a:p>
+          <a:p>
+            <a:pPr lvl="1"/>
+            <a:r>
+              <a:rPr lang="en-US" dirty="0"/>
+              <a:t>When you run a simulation how confident are you in the results?</a:t>
+            </a:r>
+          </a:p>
+          <a:p>
+            <a:pPr lvl="1"/>
+            <a:r>
+              <a:rPr lang="en-US" dirty="0"/>
+              <a:t>Are you skeptical of results presented by others in talks or papers?</a:t>
+            </a:r>
+          </a:p>
+          <a:p>
+            <a:pPr lvl="2"/>
+            <a:r>
+              <a:rPr lang="en-US" dirty="0"/>
+              <a:t>have you ever wanted to rerun someone else’s simulation?</a:t>
+            </a:r>
+          </a:p>
+          <a:p>
+            <a:pPr lvl="1"/>
+            <a:r>
+              <a:rPr lang="en-US" dirty="0"/>
+              <a:t>How do you validate your own results?</a:t>
+            </a:r>
+          </a:p>
+          <a:p>
+            <a:pPr lvl="2"/>
+            <a:r>
+              <a:rPr lang="en-US" dirty="0"/>
+              <a:t>compare with your physical intuition?</a:t>
+            </a:r>
+          </a:p>
+          <a:p>
+            <a:pPr lvl="2"/>
+            <a:r>
+              <a:rPr lang="en-US" dirty="0"/>
+              <a:t>compare with your previous work?</a:t>
+            </a:r>
+          </a:p>
+          <a:p>
+            <a:pPr lvl="2"/>
+            <a:r>
+              <a:rPr lang="en-US" dirty="0"/>
+              <a:t>compare with publicly available papers and presentations?</a:t>
+            </a:r>
+          </a:p>
+          <a:p>
+            <a:pPr lvl="2"/>
+            <a:r>
+              <a:rPr lang="en-US" dirty="0"/>
+              <a:t>rerun the same case with a different code (or ask a colleague to do it…)?</a:t>
+            </a:r>
+          </a:p>
+          <a:p>
+            <a:pPr lvl="2"/>
+            <a:r>
+              <a:rPr lang="en-US" dirty="0"/>
+              <a:t>discuss the plots with a colleague…?</a:t>
+            </a:r>
+          </a:p>
+        </p:txBody>
+      </p:sp>
+    </p:spTree>
+    <p:extLst>
+      <p:ext uri="{BB962C8B-B14F-4D97-AF65-F5344CB8AC3E}">
+        <p14:creationId xmlns:p14="http://schemas.microsoft.com/office/powerpoint/2010/main" val="163359359"/>
+      </p:ext>
+    </p:extLst>
+  </p:cSld>
+  <p:clrMapOvr>
+    <a:masterClrMapping/>
+  </p:clrMapOvr>
+</p:sld>
+</file>
+
+<file path=ppt/slides/slide19.xml><?xml version="1.0" encoding="utf-8"?>
+<p:sld xmlns:a="http://schemas.openxmlformats.org/drawingml/2006/main" xmlns:r="http://schemas.openxmlformats.org/officeDocument/2006/relationships" xmlns:p="http://schemas.openxmlformats.org/presentationml/2006/main">
+  <p:cSld>
+    <p:spTree>
+      <p:nvGrpSpPr>
+        <p:cNvPr id="1" name=""/>
+        <p:cNvGrpSpPr/>
+        <p:nvPr/>
+      </p:nvGrpSpPr>
+      <p:grpSpPr>
+        <a:xfrm>
+          <a:off x="0" y="0"/>
+          <a:ext cx="0" cy="0"/>
+          <a:chOff x="0" y="0"/>
+          <a:chExt cx="0" cy="0"/>
+        </a:xfrm>
+      </p:grpSpPr>
       <p:pic>
         <p:nvPicPr>
           <p:cNvPr id="7" name="Picture 6" descr="docker.png"/>
@@ -5638,895 +7408,6 @@
 </p:sld>
 </file>
 
-<file path=ppt/slides/slide15.xml><?xml version="1.0" encoding="utf-8"?>
-<p:sld xmlns:a="http://schemas.openxmlformats.org/drawingml/2006/main" xmlns:r="http://schemas.openxmlformats.org/officeDocument/2006/relationships" xmlns:p="http://schemas.openxmlformats.org/presentationml/2006/main">
-  <p:cSld>
-    <p:spTree>
-      <p:nvGrpSpPr>
-        <p:cNvPr id="1" name=""/>
-        <p:cNvGrpSpPr/>
-        <p:nvPr/>
-      </p:nvGrpSpPr>
-      <p:grpSpPr>
-        <a:xfrm>
-          <a:off x="0" y="0"/>
-          <a:ext cx="0" cy="0"/>
-          <a:chOff x="0" y="0"/>
-          <a:chExt cx="0" cy="0"/>
-        </a:xfrm>
-      </p:grpSpPr>
-      <p:sp>
-        <p:nvSpPr>
-          <p:cNvPr id="2" name="Title 1"/>
-          <p:cNvSpPr>
-            <a:spLocks noGrp="1"/>
-          </p:cNvSpPr>
-          <p:nvPr>
-            <p:ph type="title"/>
-          </p:nvPr>
-        </p:nvSpPr>
-        <p:spPr>
-          <a:xfrm>
-            <a:off x="0" y="70385"/>
-            <a:ext cx="9144000" cy="589085"/>
-          </a:xfrm>
-        </p:spPr>
-        <p:txBody>
-          <a:bodyPr>
-            <a:normAutofit/>
-          </a:bodyPr>
-          <a:lstStyle/>
-          <a:p>
-            <a:r>
-              <a:rPr lang="en-US" dirty="0"/>
-              <a:t>Delivering Codes via Docker Images</a:t>
-            </a:r>
-          </a:p>
-        </p:txBody>
-      </p:sp>
-      <p:sp>
-        <p:nvSpPr>
-          <p:cNvPr id="3" name="Content Placeholder 2"/>
-          <p:cNvSpPr>
-            <a:spLocks noGrp="1"/>
-          </p:cNvSpPr>
-          <p:nvPr>
-            <p:ph idx="1"/>
-          </p:nvPr>
-        </p:nvSpPr>
-        <p:spPr>
-          <a:xfrm>
-            <a:off x="152400" y="1292464"/>
-            <a:ext cx="8839200" cy="5011617"/>
-          </a:xfrm>
-        </p:spPr>
-        <p:txBody>
-          <a:bodyPr>
-            <a:normAutofit lnSpcReduction="10000"/>
-          </a:bodyPr>
-          <a:lstStyle/>
-          <a:p>
-            <a:r>
-              <a:rPr lang="en-US" sz="2000" i="0" dirty="0"/>
-              <a:t>Seven particle accelerator codes are available </a:t>
-            </a:r>
-            <a:r>
-              <a:rPr lang="en-US" sz="2000" i="0" dirty="0">
-                <a:solidFill>
-                  <a:srgbClr val="FF0000"/>
-                </a:solidFill>
-              </a:rPr>
-              <a:t>(more on the way)</a:t>
-            </a:r>
-          </a:p>
-          <a:p>
-            <a:pPr lvl="1"/>
-            <a:r>
-              <a:rPr lang="en-US" sz="1800" i="0" dirty="0"/>
-              <a:t>X-ray:      SRW, Shadow3</a:t>
-            </a:r>
-          </a:p>
-          <a:p>
-            <a:pPr lvl="1"/>
-            <a:r>
-              <a:rPr lang="en-US" sz="1800" i="0" dirty="0"/>
-              <a:t>Beams:   Synergia, Warp, Elegant/SDDS, Hellweg</a:t>
-            </a:r>
-          </a:p>
-          <a:p>
-            <a:pPr lvl="2"/>
-            <a:r>
-              <a:rPr lang="en-US" sz="1600" b="1" i="0" dirty="0"/>
-              <a:t>coming soon:  MAD-X, PTC</a:t>
-            </a:r>
-          </a:p>
-          <a:p>
-            <a:pPr lvl="1"/>
-            <a:r>
-              <a:rPr lang="en-US" sz="1800" i="0" dirty="0"/>
-              <a:t>FELs:        Genesis v.2</a:t>
-            </a:r>
-          </a:p>
-          <a:p>
-            <a:r>
-              <a:rPr lang="en-US" sz="2000" i="0" dirty="0"/>
-              <a:t>Three user interface (UI) modes are supported: </a:t>
-            </a:r>
-          </a:p>
-          <a:p>
-            <a:pPr lvl="1"/>
-            <a:r>
-              <a:rPr lang="en-US" sz="1800" i="0" dirty="0"/>
-              <a:t>Sirepo (GUI);  Jupyter (IPython notebooks);  command-line (CLI)</a:t>
-            </a:r>
-          </a:p>
-          <a:p>
-            <a:r>
-              <a:rPr lang="en-US" sz="2000" i="0" dirty="0"/>
-              <a:t>Automated build/test/release to Docker Hub and to PyPI</a:t>
-            </a:r>
-          </a:p>
-          <a:p>
-            <a:r>
-              <a:rPr lang="en-US" sz="2000" i="0" dirty="0"/>
-              <a:t>One command to download/install/run:</a:t>
-            </a:r>
-            <a:endParaRPr lang="en-US" i="0" dirty="0"/>
-          </a:p>
-          <a:p>
-            <a:pPr marL="0" indent="0">
-              <a:spcBef>
-                <a:spcPts val="600"/>
-              </a:spcBef>
-              <a:buNone/>
-            </a:pPr>
-            <a:r>
-              <a:rPr lang="en-US" sz="2000" i="0" dirty="0">
-                <a:latin typeface="Courier New" panose="02070309020205020404" pitchFamily="49" charset="0"/>
-                <a:cs typeface="Courier New" panose="02070309020205020404" pitchFamily="49" charset="0"/>
-              </a:rPr>
-              <a:t>         &gt;  docker run –p 8000:8000 radiasoft/sirepo</a:t>
-            </a:r>
-            <a:endParaRPr lang="en-US" i="0" dirty="0">
-              <a:latin typeface="Courier New" panose="02070309020205020404" pitchFamily="49" charset="0"/>
-              <a:cs typeface="Courier New" panose="02070309020205020404" pitchFamily="49" charset="0"/>
-            </a:endParaRPr>
-          </a:p>
-          <a:p>
-            <a:pPr lvl="2"/>
-            <a:endParaRPr lang="en-US" sz="1400" i="0" dirty="0"/>
-          </a:p>
-          <a:p>
-            <a:r>
-              <a:rPr lang="en-US" sz="2000" i="0" dirty="0"/>
-              <a:t>RadiaSoft code on GitHub:    </a:t>
-            </a:r>
-            <a:r>
-              <a:rPr lang="en-US" sz="1600" i="0" u="sng" dirty="0">
-                <a:solidFill>
-                  <a:srgbClr val="000000"/>
-                </a:solidFill>
-                <a:latin typeface="Courier New" panose="02070309020205020404" pitchFamily="49" charset="0"/>
-                <a:hlinkClick r:id="rId3"/>
-              </a:rPr>
-              <a:t>http://sirepo.com</a:t>
-            </a:r>
-            <a:r>
-              <a:rPr lang="en-US" sz="1600" i="0" dirty="0">
-                <a:solidFill>
-                  <a:srgbClr val="000000"/>
-                </a:solidFill>
-              </a:rPr>
-              <a:t>          </a:t>
-            </a:r>
-            <a:r>
-              <a:rPr lang="en-US" sz="1600" i="0" dirty="0">
-                <a:solidFill>
-                  <a:srgbClr val="0070C0"/>
-                </a:solidFill>
-              </a:rPr>
-              <a:t>(primary repo)</a:t>
-            </a:r>
-            <a:endParaRPr lang="en-US" sz="2000" i="0" dirty="0">
-              <a:solidFill>
-                <a:srgbClr val="0070C0"/>
-              </a:solidFill>
-            </a:endParaRPr>
-          </a:p>
-          <a:p>
-            <a:pPr marL="457200" lvl="1" indent="0">
-              <a:buNone/>
-            </a:pPr>
-            <a:r>
-              <a:rPr lang="en-US" sz="1600" i="0" dirty="0">
-                <a:cs typeface="Courier New" panose="02070309020205020404" pitchFamily="49" charset="0"/>
-              </a:rPr>
-              <a:t>                                                               </a:t>
-            </a:r>
-            <a:r>
-              <a:rPr lang="en-US" sz="1600" i="0" dirty="0">
-                <a:latin typeface="Courier New" panose="02070309020205020404" pitchFamily="49" charset="0"/>
-                <a:cs typeface="Courier New" panose="02070309020205020404" pitchFamily="49" charset="0"/>
-                <a:hlinkClick r:id="rId4"/>
-              </a:rPr>
-              <a:t>https://github.com/radiasoft</a:t>
-            </a:r>
-            <a:r>
-              <a:rPr lang="en-US" sz="1600" i="0" dirty="0">
-                <a:latin typeface="Courier New" panose="02070309020205020404" pitchFamily="49" charset="0"/>
-                <a:cs typeface="Courier New" panose="02070309020205020404" pitchFamily="49" charset="0"/>
-              </a:rPr>
-              <a:t>  </a:t>
-            </a:r>
-            <a:r>
-              <a:rPr lang="en-US" sz="1600" i="0" dirty="0">
-                <a:cs typeface="Courier New" panose="02070309020205020404" pitchFamily="49" charset="0"/>
-              </a:rPr>
-              <a:t>(all)</a:t>
-            </a:r>
-          </a:p>
-          <a:p>
-            <a:pPr lvl="3"/>
-            <a:endParaRPr lang="en-US" sz="1400" i="0" dirty="0">
-              <a:cs typeface="Courier New" panose="02070309020205020404" pitchFamily="49" charset="0"/>
-            </a:endParaRPr>
-          </a:p>
-          <a:p>
-            <a:r>
-              <a:rPr lang="en-US" sz="2000" i="0" dirty="0"/>
-              <a:t>Try it yourself on RadiaSoft servers:  </a:t>
-            </a:r>
-            <a:r>
-              <a:rPr lang="en-US" sz="1600" i="0" dirty="0">
-                <a:latin typeface="Courier New" panose="02070309020205020404" pitchFamily="49" charset="0"/>
-                <a:cs typeface="Courier New" panose="02070309020205020404" pitchFamily="49" charset="0"/>
-                <a:hlinkClick r:id="rId5"/>
-              </a:rPr>
-              <a:t>https://beta.sirepo.com</a:t>
-            </a:r>
-            <a:r>
-              <a:rPr lang="en-US" sz="1800" i="0" dirty="0">
-                <a:latin typeface="Courier New" panose="02070309020205020404" pitchFamily="49" charset="0"/>
-                <a:cs typeface="Courier New" panose="02070309020205020404" pitchFamily="49" charset="0"/>
-              </a:rPr>
-              <a:t> </a:t>
-            </a:r>
-            <a:endParaRPr lang="en-US" sz="2000" i="0" dirty="0"/>
-          </a:p>
-          <a:p>
-            <a:pPr marL="457200" lvl="1" indent="0">
-              <a:buNone/>
-            </a:pPr>
-            <a:r>
-              <a:rPr lang="en-US" sz="1600" i="0" dirty="0"/>
-              <a:t>                                                                           </a:t>
-            </a:r>
-            <a:r>
-              <a:rPr lang="en-US" sz="1600" i="0" dirty="0">
-                <a:latin typeface="Courier New" panose="02070309020205020404" pitchFamily="49" charset="0"/>
-                <a:cs typeface="Courier New" panose="02070309020205020404" pitchFamily="49" charset="0"/>
-                <a:hlinkClick r:id="rId6"/>
-              </a:rPr>
-              <a:t>https://jupyter.radiasoft.org</a:t>
-            </a:r>
-            <a:r>
-              <a:rPr lang="en-US" sz="1600" i="0" dirty="0"/>
-              <a:t> </a:t>
-            </a:r>
-            <a:endParaRPr lang="en-US" sz="1400" i="0" dirty="0">
-              <a:latin typeface="Courier New" panose="02070309020205020404" pitchFamily="49" charset="0"/>
-              <a:cs typeface="Courier New" panose="02070309020205020404" pitchFamily="49" charset="0"/>
-            </a:endParaRPr>
-          </a:p>
-        </p:txBody>
-      </p:sp>
-      <p:sp>
-        <p:nvSpPr>
-          <p:cNvPr id="4" name="TextBox 3"/>
-          <p:cNvSpPr txBox="1"/>
-          <p:nvPr/>
-        </p:nvSpPr>
-        <p:spPr>
-          <a:xfrm>
-            <a:off x="2822331" y="791301"/>
-            <a:ext cx="5284177" cy="369332"/>
-          </a:xfrm>
-          <a:prstGeom prst="rect">
-            <a:avLst/>
-          </a:prstGeom>
-          <a:noFill/>
-        </p:spPr>
-        <p:txBody>
-          <a:bodyPr wrap="square" rtlCol="0">
-            <a:spAutoFit/>
-          </a:bodyPr>
-          <a:lstStyle/>
-          <a:p>
-            <a:r>
-              <a:rPr lang="en-US" dirty="0">
-                <a:latin typeface="Courier New" panose="02070309020205020404" pitchFamily="49" charset="0"/>
-                <a:cs typeface="Courier New" panose="02070309020205020404" pitchFamily="49" charset="0"/>
-                <a:hlinkClick r:id="rId7"/>
-              </a:rPr>
-              <a:t>https://hub.docker.com/r/radiasoft/</a:t>
-            </a:r>
-            <a:r>
-              <a:rPr lang="en-US" dirty="0">
-                <a:latin typeface="Courier New" panose="02070309020205020404" pitchFamily="49" charset="0"/>
-                <a:cs typeface="Courier New" panose="02070309020205020404" pitchFamily="49" charset="0"/>
-              </a:rPr>
-              <a:t> </a:t>
-            </a:r>
-          </a:p>
-        </p:txBody>
-      </p:sp>
-    </p:spTree>
-    <p:extLst>
-      <p:ext uri="{BB962C8B-B14F-4D97-AF65-F5344CB8AC3E}">
-        <p14:creationId xmlns:p14="http://schemas.microsoft.com/office/powerpoint/2010/main" val="1528542507"/>
-      </p:ext>
-    </p:extLst>
-  </p:cSld>
-  <p:clrMapOvr>
-    <a:masterClrMapping/>
-  </p:clrMapOvr>
-</p:sld>
-</file>
-
-<file path=ppt/slides/slide16.xml><?xml version="1.0" encoding="utf-8"?>
-<p:sld xmlns:a="http://schemas.openxmlformats.org/drawingml/2006/main" xmlns:r="http://schemas.openxmlformats.org/officeDocument/2006/relationships" xmlns:p="http://schemas.openxmlformats.org/presentationml/2006/main">
-  <p:cSld>
-    <p:spTree>
-      <p:nvGrpSpPr>
-        <p:cNvPr id="1" name=""/>
-        <p:cNvGrpSpPr/>
-        <p:nvPr/>
-      </p:nvGrpSpPr>
-      <p:grpSpPr>
-        <a:xfrm>
-          <a:off x="0" y="0"/>
-          <a:ext cx="0" cy="0"/>
-          <a:chOff x="0" y="0"/>
-          <a:chExt cx="0" cy="0"/>
-        </a:xfrm>
-      </p:grpSpPr>
-      <p:sp>
-        <p:nvSpPr>
-          <p:cNvPr id="2" name="Title 1"/>
-          <p:cNvSpPr>
-            <a:spLocks noGrp="1"/>
-          </p:cNvSpPr>
-          <p:nvPr>
-            <p:ph type="title"/>
-          </p:nvPr>
-        </p:nvSpPr>
-        <p:spPr>
-          <a:xfrm>
-            <a:off x="975946" y="298936"/>
-            <a:ext cx="8015654" cy="589085"/>
-          </a:xfrm>
-        </p:spPr>
-        <p:txBody>
-          <a:bodyPr>
-            <a:normAutofit/>
-          </a:bodyPr>
-          <a:lstStyle/>
-          <a:p>
-            <a:r>
-              <a:rPr lang="en-US" dirty="0"/>
-              <a:t>Version Management</a:t>
-            </a:r>
-          </a:p>
-        </p:txBody>
-      </p:sp>
-      <p:sp>
-        <p:nvSpPr>
-          <p:cNvPr id="3" name="Content Placeholder 2"/>
-          <p:cNvSpPr>
-            <a:spLocks noGrp="1"/>
-          </p:cNvSpPr>
-          <p:nvPr>
-            <p:ph idx="1"/>
-          </p:nvPr>
-        </p:nvSpPr>
-        <p:spPr>
-          <a:xfrm>
-            <a:off x="152400" y="1002323"/>
-            <a:ext cx="8839200" cy="5161086"/>
-          </a:xfrm>
-        </p:spPr>
-        <p:txBody>
-          <a:bodyPr>
-            <a:normAutofit/>
-          </a:bodyPr>
-          <a:lstStyle/>
-          <a:p>
-            <a:r>
-              <a:rPr lang="en-US" i="0" dirty="0"/>
-              <a:t>Images are identified by chronological version</a:t>
-            </a:r>
-          </a:p>
-          <a:p>
-            <a:pPr lvl="1"/>
-            <a:r>
-              <a:rPr lang="en-US" i="0" dirty="0"/>
-              <a:t>does not interfere with systems used by the code developers</a:t>
-            </a:r>
-          </a:p>
-          <a:p>
-            <a:pPr lvl="1"/>
-            <a:r>
-              <a:rPr lang="en-US" i="0" dirty="0"/>
-              <a:t>provides meaningful versioning, as necessary for reproducibility</a:t>
-            </a:r>
-          </a:p>
-          <a:p>
-            <a:r>
-              <a:rPr lang="en-US" i="0" dirty="0"/>
-              <a:t>Channels are declared for the main git branch:</a:t>
-            </a:r>
-          </a:p>
-          <a:p>
-            <a:pPr lvl="1"/>
-            <a:r>
-              <a:rPr lang="en-US" i="0" dirty="0"/>
-              <a:t>dev    (latest, specified by default)</a:t>
-            </a:r>
-          </a:p>
-          <a:p>
-            <a:pPr lvl="1"/>
-            <a:r>
-              <a:rPr lang="en-US" i="0" dirty="0"/>
-              <a:t>alpha (internal testing)</a:t>
-            </a:r>
-          </a:p>
-          <a:p>
-            <a:pPr lvl="1"/>
-            <a:r>
-              <a:rPr lang="en-US" i="0" dirty="0"/>
-              <a:t>beta   (external testing)</a:t>
-            </a:r>
-          </a:p>
-          <a:p>
-            <a:pPr lvl="1"/>
-            <a:r>
-              <a:rPr lang="en-US" i="0" dirty="0"/>
-              <a:t>prod   (ready for production release)</a:t>
-            </a:r>
-          </a:p>
-          <a:p>
-            <a:r>
-              <a:rPr lang="en-US" i="0" dirty="0"/>
-              <a:t>Each container image includes a ‘manifest’</a:t>
-            </a:r>
-          </a:p>
-          <a:p>
-            <a:pPr lvl="1"/>
-            <a:r>
-              <a:rPr lang="en-US" i="0" dirty="0"/>
-              <a:t>describes the image &amp; codes,   rsmanifest.json</a:t>
-            </a:r>
-          </a:p>
-          <a:p>
-            <a:r>
-              <a:rPr lang="en-US" i="0" dirty="0"/>
-              <a:t>Source code for each application is stored in the image</a:t>
-            </a:r>
-          </a:p>
-          <a:p>
-            <a:r>
-              <a:rPr lang="en-US" i="0" dirty="0"/>
-              <a:t>Code versions/commits can be queried by simulations</a:t>
-            </a:r>
-          </a:p>
-        </p:txBody>
-      </p:sp>
-    </p:spTree>
-    <p:extLst>
-      <p:ext uri="{BB962C8B-B14F-4D97-AF65-F5344CB8AC3E}">
-        <p14:creationId xmlns:p14="http://schemas.microsoft.com/office/powerpoint/2010/main" val="2525692851"/>
-      </p:ext>
-    </p:extLst>
-  </p:cSld>
-  <p:clrMapOvr>
-    <a:masterClrMapping/>
-  </p:clrMapOvr>
-</p:sld>
-</file>
-
-<file path=ppt/slides/slide17.xml><?xml version="1.0" encoding="utf-8"?>
-<p:sld xmlns:a="http://schemas.openxmlformats.org/drawingml/2006/main" xmlns:r="http://schemas.openxmlformats.org/officeDocument/2006/relationships" xmlns:p="http://schemas.openxmlformats.org/presentationml/2006/main">
-  <p:cSld>
-    <p:spTree>
-      <p:nvGrpSpPr>
-        <p:cNvPr id="1" name=""/>
-        <p:cNvGrpSpPr/>
-        <p:nvPr/>
-      </p:nvGrpSpPr>
-      <p:grpSpPr>
-        <a:xfrm>
-          <a:off x="0" y="0"/>
-          <a:ext cx="0" cy="0"/>
-          <a:chOff x="0" y="0"/>
-          <a:chExt cx="0" cy="0"/>
-        </a:xfrm>
-      </p:grpSpPr>
-      <p:sp>
-        <p:nvSpPr>
-          <p:cNvPr id="2" name="Title 1"/>
-          <p:cNvSpPr>
-            <a:spLocks noGrp="1"/>
-          </p:cNvSpPr>
-          <p:nvPr>
-            <p:ph type="title"/>
-          </p:nvPr>
-        </p:nvSpPr>
-        <p:spPr>
-          <a:xfrm>
-            <a:off x="975946" y="172117"/>
-            <a:ext cx="8015654" cy="589085"/>
-          </a:xfrm>
-        </p:spPr>
-        <p:txBody>
-          <a:bodyPr>
-            <a:normAutofit/>
-          </a:bodyPr>
-          <a:lstStyle/>
-          <a:p>
-            <a:r>
-              <a:rPr lang="en-US" dirty="0"/>
-              <a:t>The Browser is the Scientific UI</a:t>
-            </a:r>
-          </a:p>
-        </p:txBody>
-      </p:sp>
-      <p:sp>
-        <p:nvSpPr>
-          <p:cNvPr id="3" name="Content Placeholder 2"/>
-          <p:cNvSpPr>
-            <a:spLocks noGrp="1"/>
-          </p:cNvSpPr>
-          <p:nvPr>
-            <p:ph idx="1"/>
-          </p:nvPr>
-        </p:nvSpPr>
-        <p:spPr>
-          <a:xfrm>
-            <a:off x="698242" y="2857500"/>
-            <a:ext cx="8120444" cy="3209184"/>
-          </a:xfrm>
-        </p:spPr>
-        <p:txBody>
-          <a:bodyPr>
-            <a:normAutofit/>
-          </a:bodyPr>
-          <a:lstStyle/>
-          <a:p>
-            <a:r>
-              <a:rPr lang="en-US" sz="2800" i="0" dirty="0"/>
-              <a:t>Easy sharing via links  (&amp; many other ways)</a:t>
-            </a:r>
-          </a:p>
-          <a:p>
-            <a:r>
-              <a:rPr lang="en-US" sz="2800" i="0" dirty="0"/>
-              <a:t>Nothing to </a:t>
-            </a:r>
-            <a:r>
-              <a:rPr lang="en-US" sz="2800" dirty="0"/>
-              <a:t>compile</a:t>
-            </a:r>
-            <a:r>
-              <a:rPr lang="en-US" sz="2800" i="0" dirty="0"/>
-              <a:t> or </a:t>
-            </a:r>
-            <a:r>
-              <a:rPr lang="en-US" sz="2800" dirty="0"/>
-              <a:t>build</a:t>
-            </a:r>
-            <a:r>
-              <a:rPr lang="en-US" sz="2800" i="0" dirty="0"/>
-              <a:t> or </a:t>
-            </a:r>
-            <a:r>
-              <a:rPr lang="en-US" sz="2800" dirty="0"/>
-              <a:t>install</a:t>
-            </a:r>
-          </a:p>
-          <a:p>
-            <a:r>
-              <a:rPr lang="en-US" sz="2800" i="0" dirty="0"/>
-              <a:t>Work from either your tablet &amp; desktop</a:t>
-            </a:r>
-          </a:p>
-          <a:p>
-            <a:r>
-              <a:rPr lang="en-US" sz="2800" i="0" dirty="0"/>
-              <a:t>Fast, interactive scientific plotting</a:t>
-            </a:r>
-          </a:p>
-          <a:p>
-            <a:r>
-              <a:rPr lang="en-US" sz="2800" i="0" dirty="0"/>
-              <a:t>Modern JavaScript:</a:t>
-            </a:r>
-          </a:p>
-          <a:p>
-            <a:pPr lvl="1"/>
-            <a:r>
-              <a:rPr lang="en-US" sz="2400" i="0" dirty="0"/>
-              <a:t>Angular, Bootstrap, D3.js</a:t>
-            </a:r>
-          </a:p>
-        </p:txBody>
-      </p:sp>
-      <p:pic>
-        <p:nvPicPr>
-          <p:cNvPr id="4" name="Picture 3" descr="bootstrap.png"/>
-          <p:cNvPicPr>
-            <a:picLocks noChangeAspect="1"/>
-          </p:cNvPicPr>
-          <p:nvPr/>
-        </p:nvPicPr>
-        <p:blipFill>
-          <a:blip r:embed="rId3" cstate="print">
-            <a:extLst>
-              <a:ext uri="{28A0092B-C50C-407E-A947-70E740481C1C}">
-                <a14:useLocalDpi xmlns:a14="http://schemas.microsoft.com/office/drawing/2010/main" val="0"/>
-              </a:ext>
-            </a:extLst>
-          </a:blip>
-          <a:stretch>
-            <a:fillRect/>
-          </a:stretch>
-        </p:blipFill>
-        <p:spPr>
-          <a:xfrm>
-            <a:off x="3692771" y="1028417"/>
-            <a:ext cx="1426862" cy="1426862"/>
-          </a:xfrm>
-          <a:prstGeom prst="rect">
-            <a:avLst/>
-          </a:prstGeom>
-        </p:spPr>
-      </p:pic>
-      <p:pic>
-        <p:nvPicPr>
-          <p:cNvPr id="5" name="Picture 4" descr="angular.png"/>
-          <p:cNvPicPr>
-            <a:picLocks noChangeAspect="1"/>
-          </p:cNvPicPr>
-          <p:nvPr/>
-        </p:nvPicPr>
-        <p:blipFill>
-          <a:blip r:embed="rId4">
-            <a:extLst>
-              <a:ext uri="{28A0092B-C50C-407E-A947-70E740481C1C}">
-                <a14:useLocalDpi xmlns:a14="http://schemas.microsoft.com/office/drawing/2010/main" val="0"/>
-              </a:ext>
-            </a:extLst>
-          </a:blip>
-          <a:stretch>
-            <a:fillRect/>
-          </a:stretch>
-        </p:blipFill>
-        <p:spPr>
-          <a:xfrm>
-            <a:off x="698241" y="805700"/>
-            <a:ext cx="1860321" cy="1860321"/>
-          </a:xfrm>
-          <a:prstGeom prst="rect">
-            <a:avLst/>
-          </a:prstGeom>
-        </p:spPr>
-      </p:pic>
-      <p:pic>
-        <p:nvPicPr>
-          <p:cNvPr id="6" name="Picture 5" descr="d3.png"/>
-          <p:cNvPicPr>
-            <a:picLocks noChangeAspect="1"/>
-          </p:cNvPicPr>
-          <p:nvPr/>
-        </p:nvPicPr>
-        <p:blipFill>
-          <a:blip r:embed="rId5" cstate="print">
-            <a:extLst>
-              <a:ext uri="{28A0092B-C50C-407E-A947-70E740481C1C}">
-                <a14:useLocalDpi xmlns:a14="http://schemas.microsoft.com/office/drawing/2010/main" val="0"/>
-              </a:ext>
-            </a:extLst>
-          </a:blip>
-          <a:stretch>
-            <a:fillRect/>
-          </a:stretch>
-        </p:blipFill>
-        <p:spPr>
-          <a:xfrm>
-            <a:off x="6418386" y="1028417"/>
-            <a:ext cx="1489358" cy="1414889"/>
-          </a:xfrm>
-          <a:prstGeom prst="rect">
-            <a:avLst/>
-          </a:prstGeom>
-        </p:spPr>
-      </p:pic>
-    </p:spTree>
-    <p:extLst>
-      <p:ext uri="{BB962C8B-B14F-4D97-AF65-F5344CB8AC3E}">
-        <p14:creationId xmlns:p14="http://schemas.microsoft.com/office/powerpoint/2010/main" val="205565935"/>
-      </p:ext>
-    </p:extLst>
-  </p:cSld>
-  <p:clrMapOvr>
-    <a:masterClrMapping/>
-  </p:clrMapOvr>
-</p:sld>
-</file>
-
-<file path=ppt/slides/slide18.xml><?xml version="1.0" encoding="utf-8"?>
-<p:sld xmlns:a="http://schemas.openxmlformats.org/drawingml/2006/main" xmlns:r="http://schemas.openxmlformats.org/officeDocument/2006/relationships" xmlns:p="http://schemas.openxmlformats.org/presentationml/2006/main">
-  <p:cSld>
-    <p:spTree>
-      <p:nvGrpSpPr>
-        <p:cNvPr id="1" name=""/>
-        <p:cNvGrpSpPr/>
-        <p:nvPr/>
-      </p:nvGrpSpPr>
-      <p:grpSpPr>
-        <a:xfrm>
-          <a:off x="0" y="0"/>
-          <a:ext cx="0" cy="0"/>
-          <a:chOff x="0" y="0"/>
-          <a:chExt cx="0" cy="0"/>
-        </a:xfrm>
-      </p:grpSpPr>
-      <p:sp>
-        <p:nvSpPr>
-          <p:cNvPr id="2" name="Title 1"/>
-          <p:cNvSpPr>
-            <a:spLocks noGrp="1"/>
-          </p:cNvSpPr>
-          <p:nvPr>
-            <p:ph type="title"/>
-          </p:nvPr>
-        </p:nvSpPr>
-        <p:spPr>
-          <a:xfrm>
-            <a:off x="975945" y="430821"/>
-            <a:ext cx="8015654" cy="589085"/>
-          </a:xfrm>
-        </p:spPr>
-        <p:txBody>
-          <a:bodyPr>
-            <a:normAutofit/>
-          </a:bodyPr>
-          <a:lstStyle/>
-          <a:p>
-            <a:r>
-              <a:rPr lang="en-US" dirty="0"/>
-              <a:t>Conclusion:  many ways to share</a:t>
-            </a:r>
-          </a:p>
-        </p:txBody>
-      </p:sp>
-      <p:sp>
-        <p:nvSpPr>
-          <p:cNvPr id="3" name="Content Placeholder 2"/>
-          <p:cNvSpPr>
-            <a:spLocks noGrp="1"/>
-          </p:cNvSpPr>
-          <p:nvPr>
-            <p:ph idx="1"/>
-          </p:nvPr>
-        </p:nvSpPr>
-        <p:spPr>
-          <a:xfrm>
-            <a:off x="773722" y="1213337"/>
-            <a:ext cx="8217877" cy="4950071"/>
-          </a:xfrm>
-        </p:spPr>
-        <p:txBody>
-          <a:bodyPr>
-            <a:normAutofit/>
-          </a:bodyPr>
-          <a:lstStyle/>
-          <a:p>
-            <a:r>
-              <a:rPr lang="en-US" i="0" dirty="0"/>
-              <a:t>Simple web link to run on the same server</a:t>
-            </a:r>
-          </a:p>
-          <a:p>
-            <a:pPr lvl="1"/>
-            <a:r>
-              <a:rPr lang="en-US" i="0" dirty="0"/>
-              <a:t>email or IM a URL to your colleague</a:t>
-            </a:r>
-          </a:p>
-          <a:p>
-            <a:r>
-              <a:rPr lang="en-US" i="0" dirty="0"/>
-              <a:t>Self-extracting simulations</a:t>
-            </a:r>
-          </a:p>
-          <a:p>
-            <a:pPr lvl="1"/>
-            <a:r>
-              <a:rPr lang="en-US" i="0" dirty="0"/>
-              <a:t>alternative to URL when colleague uses different server</a:t>
-            </a:r>
-          </a:p>
-          <a:p>
-            <a:pPr lvl="1"/>
-            <a:r>
-              <a:rPr lang="en-US" i="0" dirty="0"/>
-              <a:t>put (potentially large) HTML file on Dropbox (for example)</a:t>
-            </a:r>
-          </a:p>
-          <a:p>
-            <a:pPr lvl="1"/>
-            <a:r>
-              <a:rPr lang="en-US" i="0" dirty="0"/>
-              <a:t>colleague double-clicks and specifies Sirepo server to use</a:t>
-            </a:r>
-          </a:p>
-          <a:p>
-            <a:r>
-              <a:rPr lang="en-US" i="0" dirty="0"/>
-              <a:t>Zipped archive (used for self-extracting feature)</a:t>
-            </a:r>
-          </a:p>
-          <a:p>
-            <a:r>
-              <a:rPr lang="en-US" i="0" dirty="0"/>
-              <a:t>Python source for CLI</a:t>
-            </a:r>
-          </a:p>
-          <a:p>
-            <a:pPr lvl="1"/>
-            <a:r>
-              <a:rPr lang="en-US" i="0" dirty="0"/>
-              <a:t>the Sirepo GUI never constrains power users</a:t>
-            </a:r>
-          </a:p>
-          <a:p>
-            <a:pPr lvl="1"/>
-            <a:r>
-              <a:rPr lang="en-US" i="0" dirty="0"/>
-              <a:t>easy interaction between new users and expert</a:t>
-            </a:r>
-          </a:p>
-          <a:p>
-            <a:r>
-              <a:rPr lang="en-US" i="0" dirty="0"/>
-              <a:t>IPython/Jupyter compatible</a:t>
-            </a:r>
-          </a:p>
-          <a:p>
-            <a:pPr lvl="1"/>
-            <a:r>
-              <a:rPr lang="en-US" i="0" dirty="0"/>
-              <a:t>manual now, but will be automated in the future</a:t>
-            </a:r>
-          </a:p>
-          <a:p>
-            <a:endParaRPr lang="en-US" i="0" dirty="0"/>
-          </a:p>
-        </p:txBody>
-      </p:sp>
-    </p:spTree>
-    <p:extLst>
-      <p:ext uri="{BB962C8B-B14F-4D97-AF65-F5344CB8AC3E}">
-        <p14:creationId xmlns:p14="http://schemas.microsoft.com/office/powerpoint/2010/main" val="1656982388"/>
-      </p:ext>
-    </p:extLst>
-  </p:cSld>
-  <p:clrMapOvr>
-    <a:masterClrMapping/>
-  </p:clrMapOvr>
-</p:sld>
-</file>
-
 <file path=ppt/slides/slide2.xml><?xml version="1.0" encoding="utf-8"?>
 <p:sld xmlns:a="http://schemas.openxmlformats.org/drawingml/2006/main" xmlns:r="http://schemas.openxmlformats.org/officeDocument/2006/relationships" xmlns:p="http://schemas.openxmlformats.org/presentationml/2006/main">
   <p:cSld>
@@ -6740,6 +7621,738 @@
     <p:extLst>
       <p:ext uri="{BB962C8B-B14F-4D97-AF65-F5344CB8AC3E}">
         <p14:creationId xmlns:p14="http://schemas.microsoft.com/office/powerpoint/2010/main" val="1148129030"/>
+      </p:ext>
+    </p:extLst>
+  </p:cSld>
+  <p:clrMapOvr>
+    <a:masterClrMapping/>
+  </p:clrMapOvr>
+</p:sld>
+</file>
+
+<file path=ppt/slides/slide20.xml><?xml version="1.0" encoding="utf-8"?>
+<p:sld xmlns:a="http://schemas.openxmlformats.org/drawingml/2006/main" xmlns:r="http://schemas.openxmlformats.org/officeDocument/2006/relationships" xmlns:p="http://schemas.openxmlformats.org/presentationml/2006/main">
+  <p:cSld>
+    <p:spTree>
+      <p:nvGrpSpPr>
+        <p:cNvPr id="1" name=""/>
+        <p:cNvGrpSpPr/>
+        <p:nvPr/>
+      </p:nvGrpSpPr>
+      <p:grpSpPr>
+        <a:xfrm>
+          <a:off x="0" y="0"/>
+          <a:ext cx="0" cy="0"/>
+          <a:chOff x="0" y="0"/>
+          <a:chExt cx="0" cy="0"/>
+        </a:xfrm>
+      </p:grpSpPr>
+      <p:sp>
+        <p:nvSpPr>
+          <p:cNvPr id="2" name="Title 1"/>
+          <p:cNvSpPr>
+            <a:spLocks noGrp="1"/>
+          </p:cNvSpPr>
+          <p:nvPr>
+            <p:ph type="title"/>
+          </p:nvPr>
+        </p:nvSpPr>
+        <p:spPr>
+          <a:xfrm>
+            <a:off x="0" y="70385"/>
+            <a:ext cx="9144000" cy="589085"/>
+          </a:xfrm>
+        </p:spPr>
+        <p:txBody>
+          <a:bodyPr>
+            <a:normAutofit/>
+          </a:bodyPr>
+          <a:lstStyle/>
+          <a:p>
+            <a:r>
+              <a:rPr lang="en-US" dirty="0"/>
+              <a:t>Delivering Codes via Docker Images</a:t>
+            </a:r>
+          </a:p>
+        </p:txBody>
+      </p:sp>
+      <p:sp>
+        <p:nvSpPr>
+          <p:cNvPr id="3" name="Content Placeholder 2"/>
+          <p:cNvSpPr>
+            <a:spLocks noGrp="1"/>
+          </p:cNvSpPr>
+          <p:nvPr>
+            <p:ph idx="1"/>
+          </p:nvPr>
+        </p:nvSpPr>
+        <p:spPr>
+          <a:xfrm>
+            <a:off x="152400" y="1292464"/>
+            <a:ext cx="8839200" cy="5011617"/>
+          </a:xfrm>
+        </p:spPr>
+        <p:txBody>
+          <a:bodyPr>
+            <a:normAutofit lnSpcReduction="10000"/>
+          </a:bodyPr>
+          <a:lstStyle/>
+          <a:p>
+            <a:r>
+              <a:rPr lang="en-US" sz="2000" i="0" dirty="0"/>
+              <a:t>Seven particle accelerator codes are available </a:t>
+            </a:r>
+            <a:r>
+              <a:rPr lang="en-US" sz="2000" i="0" dirty="0">
+                <a:solidFill>
+                  <a:srgbClr val="FF0000"/>
+                </a:solidFill>
+              </a:rPr>
+              <a:t>(more on the way)</a:t>
+            </a:r>
+          </a:p>
+          <a:p>
+            <a:pPr lvl="1"/>
+            <a:r>
+              <a:rPr lang="en-US" sz="1800" i="0" dirty="0"/>
+              <a:t>X-ray:      SRW, Shadow3</a:t>
+            </a:r>
+          </a:p>
+          <a:p>
+            <a:pPr lvl="1"/>
+            <a:r>
+              <a:rPr lang="en-US" sz="1800" i="0" dirty="0"/>
+              <a:t>Beams:   Synergia, Warp, Elegant/SDDS, Hellweg</a:t>
+            </a:r>
+          </a:p>
+          <a:p>
+            <a:pPr lvl="2"/>
+            <a:r>
+              <a:rPr lang="en-US" sz="1600" b="1" i="0" dirty="0"/>
+              <a:t>coming soon:  MAD-X, PTC</a:t>
+            </a:r>
+          </a:p>
+          <a:p>
+            <a:pPr lvl="1"/>
+            <a:r>
+              <a:rPr lang="en-US" sz="1800" i="0" dirty="0"/>
+              <a:t>FELs:        Genesis v.2</a:t>
+            </a:r>
+          </a:p>
+          <a:p>
+            <a:r>
+              <a:rPr lang="en-US" sz="2000" i="0" dirty="0"/>
+              <a:t>Three user interface (UI) modes are supported: </a:t>
+            </a:r>
+          </a:p>
+          <a:p>
+            <a:pPr lvl="1"/>
+            <a:r>
+              <a:rPr lang="en-US" sz="1800" i="0" dirty="0"/>
+              <a:t>Sirepo (GUI);  Jupyter (IPython notebooks);  command-line (CLI)</a:t>
+            </a:r>
+          </a:p>
+          <a:p>
+            <a:r>
+              <a:rPr lang="en-US" sz="2000" i="0" dirty="0"/>
+              <a:t>Automated build/test/release to Docker Hub and to PyPI</a:t>
+            </a:r>
+          </a:p>
+          <a:p>
+            <a:r>
+              <a:rPr lang="en-US" sz="2000" i="0" dirty="0"/>
+              <a:t>One command to download/install/run:</a:t>
+            </a:r>
+            <a:endParaRPr lang="en-US" i="0" dirty="0"/>
+          </a:p>
+          <a:p>
+            <a:pPr marL="0" indent="0">
+              <a:spcBef>
+                <a:spcPts val="600"/>
+              </a:spcBef>
+              <a:buNone/>
+            </a:pPr>
+            <a:r>
+              <a:rPr lang="en-US" sz="2000" i="0" dirty="0">
+                <a:latin typeface="Courier New" panose="02070309020205020404" pitchFamily="49" charset="0"/>
+                <a:cs typeface="Courier New" panose="02070309020205020404" pitchFamily="49" charset="0"/>
+              </a:rPr>
+              <a:t>         &gt;  docker run –p 8000:8000 radiasoft/sirepo</a:t>
+            </a:r>
+            <a:endParaRPr lang="en-US" i="0" dirty="0">
+              <a:latin typeface="Courier New" panose="02070309020205020404" pitchFamily="49" charset="0"/>
+              <a:cs typeface="Courier New" panose="02070309020205020404" pitchFamily="49" charset="0"/>
+            </a:endParaRPr>
+          </a:p>
+          <a:p>
+            <a:pPr lvl="2"/>
+            <a:endParaRPr lang="en-US" sz="1400" i="0" dirty="0"/>
+          </a:p>
+          <a:p>
+            <a:r>
+              <a:rPr lang="en-US" sz="2000" i="0" dirty="0"/>
+              <a:t>RadiaSoft code on GitHub:    </a:t>
+            </a:r>
+            <a:r>
+              <a:rPr lang="en-US" sz="1600" i="0" u="sng" dirty="0">
+                <a:solidFill>
+                  <a:srgbClr val="000000"/>
+                </a:solidFill>
+                <a:latin typeface="Courier New" panose="02070309020205020404" pitchFamily="49" charset="0"/>
+                <a:hlinkClick r:id="rId3"/>
+              </a:rPr>
+              <a:t>http://sirepo.com</a:t>
+            </a:r>
+            <a:r>
+              <a:rPr lang="en-US" sz="1600" i="0" dirty="0">
+                <a:solidFill>
+                  <a:srgbClr val="000000"/>
+                </a:solidFill>
+              </a:rPr>
+              <a:t>          </a:t>
+            </a:r>
+            <a:r>
+              <a:rPr lang="en-US" sz="1600" i="0" dirty="0">
+                <a:solidFill>
+                  <a:srgbClr val="0070C0"/>
+                </a:solidFill>
+              </a:rPr>
+              <a:t>(primary repo)</a:t>
+            </a:r>
+            <a:endParaRPr lang="en-US" sz="2000" i="0" dirty="0">
+              <a:solidFill>
+                <a:srgbClr val="0070C0"/>
+              </a:solidFill>
+            </a:endParaRPr>
+          </a:p>
+          <a:p>
+            <a:pPr marL="457200" lvl="1" indent="0">
+              <a:buNone/>
+            </a:pPr>
+            <a:r>
+              <a:rPr lang="en-US" sz="1600" i="0" dirty="0">
+                <a:cs typeface="Courier New" panose="02070309020205020404" pitchFamily="49" charset="0"/>
+              </a:rPr>
+              <a:t>                                                               </a:t>
+            </a:r>
+            <a:r>
+              <a:rPr lang="en-US" sz="1600" i="0" dirty="0">
+                <a:latin typeface="Courier New" panose="02070309020205020404" pitchFamily="49" charset="0"/>
+                <a:cs typeface="Courier New" panose="02070309020205020404" pitchFamily="49" charset="0"/>
+                <a:hlinkClick r:id="rId4"/>
+              </a:rPr>
+              <a:t>https://github.com/radiasoft</a:t>
+            </a:r>
+            <a:r>
+              <a:rPr lang="en-US" sz="1600" i="0" dirty="0">
+                <a:latin typeface="Courier New" panose="02070309020205020404" pitchFamily="49" charset="0"/>
+                <a:cs typeface="Courier New" panose="02070309020205020404" pitchFamily="49" charset="0"/>
+              </a:rPr>
+              <a:t>  </a:t>
+            </a:r>
+            <a:r>
+              <a:rPr lang="en-US" sz="1600" i="0" dirty="0">
+                <a:cs typeface="Courier New" panose="02070309020205020404" pitchFamily="49" charset="0"/>
+              </a:rPr>
+              <a:t>(all)</a:t>
+            </a:r>
+          </a:p>
+          <a:p>
+            <a:pPr lvl="3"/>
+            <a:endParaRPr lang="en-US" sz="1400" i="0" dirty="0">
+              <a:cs typeface="Courier New" panose="02070309020205020404" pitchFamily="49" charset="0"/>
+            </a:endParaRPr>
+          </a:p>
+          <a:p>
+            <a:r>
+              <a:rPr lang="en-US" sz="2000" i="0" dirty="0"/>
+              <a:t>Try it yourself on RadiaSoft servers:  </a:t>
+            </a:r>
+            <a:r>
+              <a:rPr lang="en-US" sz="1600" i="0" dirty="0">
+                <a:latin typeface="Courier New" panose="02070309020205020404" pitchFamily="49" charset="0"/>
+                <a:cs typeface="Courier New" panose="02070309020205020404" pitchFamily="49" charset="0"/>
+                <a:hlinkClick r:id="rId5"/>
+              </a:rPr>
+              <a:t>https://beta.sirepo.com</a:t>
+            </a:r>
+            <a:r>
+              <a:rPr lang="en-US" sz="1800" i="0" dirty="0">
+                <a:latin typeface="Courier New" panose="02070309020205020404" pitchFamily="49" charset="0"/>
+                <a:cs typeface="Courier New" panose="02070309020205020404" pitchFamily="49" charset="0"/>
+              </a:rPr>
+              <a:t> </a:t>
+            </a:r>
+            <a:endParaRPr lang="en-US" sz="2000" i="0" dirty="0"/>
+          </a:p>
+          <a:p>
+            <a:pPr marL="457200" lvl="1" indent="0">
+              <a:buNone/>
+            </a:pPr>
+            <a:r>
+              <a:rPr lang="en-US" sz="1600" i="0" dirty="0"/>
+              <a:t>                                                                           </a:t>
+            </a:r>
+            <a:r>
+              <a:rPr lang="en-US" sz="1600" i="0" dirty="0">
+                <a:latin typeface="Courier New" panose="02070309020205020404" pitchFamily="49" charset="0"/>
+                <a:cs typeface="Courier New" panose="02070309020205020404" pitchFamily="49" charset="0"/>
+                <a:hlinkClick r:id="rId6"/>
+              </a:rPr>
+              <a:t>https://jupyter.radiasoft.org</a:t>
+            </a:r>
+            <a:r>
+              <a:rPr lang="en-US" sz="1600" i="0" dirty="0"/>
+              <a:t> </a:t>
+            </a:r>
+            <a:endParaRPr lang="en-US" sz="1400" i="0" dirty="0">
+              <a:latin typeface="Courier New" panose="02070309020205020404" pitchFamily="49" charset="0"/>
+              <a:cs typeface="Courier New" panose="02070309020205020404" pitchFamily="49" charset="0"/>
+            </a:endParaRPr>
+          </a:p>
+        </p:txBody>
+      </p:sp>
+      <p:sp>
+        <p:nvSpPr>
+          <p:cNvPr id="4" name="TextBox 3"/>
+          <p:cNvSpPr txBox="1"/>
+          <p:nvPr/>
+        </p:nvSpPr>
+        <p:spPr>
+          <a:xfrm>
+            <a:off x="2822331" y="791301"/>
+            <a:ext cx="5284177" cy="369332"/>
+          </a:xfrm>
+          <a:prstGeom prst="rect">
+            <a:avLst/>
+          </a:prstGeom>
+          <a:noFill/>
+        </p:spPr>
+        <p:txBody>
+          <a:bodyPr wrap="square" rtlCol="0">
+            <a:spAutoFit/>
+          </a:bodyPr>
+          <a:lstStyle/>
+          <a:p>
+            <a:r>
+              <a:rPr lang="en-US" dirty="0">
+                <a:latin typeface="Courier New" panose="02070309020205020404" pitchFamily="49" charset="0"/>
+                <a:cs typeface="Courier New" panose="02070309020205020404" pitchFamily="49" charset="0"/>
+                <a:hlinkClick r:id="rId7"/>
+              </a:rPr>
+              <a:t>https://hub.docker.com/r/radiasoft/</a:t>
+            </a:r>
+            <a:r>
+              <a:rPr lang="en-US" dirty="0">
+                <a:latin typeface="Courier New" panose="02070309020205020404" pitchFamily="49" charset="0"/>
+                <a:cs typeface="Courier New" panose="02070309020205020404" pitchFamily="49" charset="0"/>
+              </a:rPr>
+              <a:t> </a:t>
+            </a:r>
+          </a:p>
+        </p:txBody>
+      </p:sp>
+    </p:spTree>
+    <p:extLst>
+      <p:ext uri="{BB962C8B-B14F-4D97-AF65-F5344CB8AC3E}">
+        <p14:creationId xmlns:p14="http://schemas.microsoft.com/office/powerpoint/2010/main" val="1528542507"/>
+      </p:ext>
+    </p:extLst>
+  </p:cSld>
+  <p:clrMapOvr>
+    <a:masterClrMapping/>
+  </p:clrMapOvr>
+</p:sld>
+</file>
+
+<file path=ppt/slides/slide21.xml><?xml version="1.0" encoding="utf-8"?>
+<p:sld xmlns:a="http://schemas.openxmlformats.org/drawingml/2006/main" xmlns:r="http://schemas.openxmlformats.org/officeDocument/2006/relationships" xmlns:p="http://schemas.openxmlformats.org/presentationml/2006/main">
+  <p:cSld>
+    <p:spTree>
+      <p:nvGrpSpPr>
+        <p:cNvPr id="1" name=""/>
+        <p:cNvGrpSpPr/>
+        <p:nvPr/>
+      </p:nvGrpSpPr>
+      <p:grpSpPr>
+        <a:xfrm>
+          <a:off x="0" y="0"/>
+          <a:ext cx="0" cy="0"/>
+          <a:chOff x="0" y="0"/>
+          <a:chExt cx="0" cy="0"/>
+        </a:xfrm>
+      </p:grpSpPr>
+      <p:sp>
+        <p:nvSpPr>
+          <p:cNvPr id="2" name="Title 1"/>
+          <p:cNvSpPr>
+            <a:spLocks noGrp="1"/>
+          </p:cNvSpPr>
+          <p:nvPr>
+            <p:ph type="title"/>
+          </p:nvPr>
+        </p:nvSpPr>
+        <p:spPr>
+          <a:xfrm>
+            <a:off x="0" y="6946"/>
+            <a:ext cx="9144000" cy="589085"/>
+          </a:xfrm>
+        </p:spPr>
+        <p:txBody>
+          <a:bodyPr>
+            <a:normAutofit/>
+          </a:bodyPr>
+          <a:lstStyle/>
+          <a:p>
+            <a:r>
+              <a:rPr lang="en-US" dirty="0"/>
+              <a:t>…more on version management</a:t>
+            </a:r>
+            <a:endParaRPr lang="en-US" b="0" dirty="0"/>
+          </a:p>
+        </p:txBody>
+      </p:sp>
+      <p:sp>
+        <p:nvSpPr>
+          <p:cNvPr id="3" name="Content Placeholder 2"/>
+          <p:cNvSpPr>
+            <a:spLocks noGrp="1"/>
+          </p:cNvSpPr>
+          <p:nvPr>
+            <p:ph idx="1"/>
+          </p:nvPr>
+        </p:nvSpPr>
+        <p:spPr>
+          <a:xfrm>
+            <a:off x="476250" y="816248"/>
+            <a:ext cx="8191500" cy="5227501"/>
+          </a:xfrm>
+        </p:spPr>
+        <p:txBody>
+          <a:bodyPr>
+            <a:normAutofit/>
+          </a:bodyPr>
+          <a:lstStyle/>
+          <a:p>
+            <a:r>
+              <a:rPr lang="en-US" dirty="0"/>
+              <a:t>We also implemented automatic and uniform version management through a channel update mechanism similar to CoreOS[ ]. Instead of the usual system of having major version numbers, we deliver the entire application atomically on a channel. Each software release (embedded in a Docker image) is given a chronological version, and enters the staging pipeline. Only those releases which pass the development and alpha channels reach public beta, and those that pass beta become available generally.</a:t>
+            </a:r>
+          </a:p>
+          <a:p>
+            <a:r>
+              <a:rPr lang="en-US" dirty="0"/>
+              <a:t>The Sirepo platform implements three containers running separate services to provide web-based access to Warp. On Linux, the container components are run as independent services. This enables scaling the web service over multiple computers, thus allowing multiple jobs to run simultaneously on independent compute nodes. Within a single instance of one container, Warp runs in parallel using MPI. The job queue is managed by a different container running RabbitMQ [ ].</a:t>
+            </a:r>
+          </a:p>
+        </p:txBody>
+      </p:sp>
+    </p:spTree>
+    <p:extLst>
+      <p:ext uri="{BB962C8B-B14F-4D97-AF65-F5344CB8AC3E}">
+        <p14:creationId xmlns:p14="http://schemas.microsoft.com/office/powerpoint/2010/main" val="440473678"/>
+      </p:ext>
+    </p:extLst>
+  </p:cSld>
+  <p:clrMapOvr>
+    <a:masterClrMapping/>
+  </p:clrMapOvr>
+</p:sld>
+</file>
+
+<file path=ppt/slides/slide22.xml><?xml version="1.0" encoding="utf-8"?>
+<p:sld xmlns:a="http://schemas.openxmlformats.org/drawingml/2006/main" xmlns:r="http://schemas.openxmlformats.org/officeDocument/2006/relationships" xmlns:p="http://schemas.openxmlformats.org/presentationml/2006/main">
+  <p:cSld>
+    <p:spTree>
+      <p:nvGrpSpPr>
+        <p:cNvPr id="1" name=""/>
+        <p:cNvGrpSpPr/>
+        <p:nvPr/>
+      </p:nvGrpSpPr>
+      <p:grpSpPr>
+        <a:xfrm>
+          <a:off x="0" y="0"/>
+          <a:ext cx="0" cy="0"/>
+          <a:chOff x="0" y="0"/>
+          <a:chExt cx="0" cy="0"/>
+        </a:xfrm>
+      </p:grpSpPr>
+      <p:sp>
+        <p:nvSpPr>
+          <p:cNvPr id="2" name="Title 1"/>
+          <p:cNvSpPr>
+            <a:spLocks noGrp="1"/>
+          </p:cNvSpPr>
+          <p:nvPr>
+            <p:ph type="title"/>
+          </p:nvPr>
+        </p:nvSpPr>
+        <p:spPr>
+          <a:xfrm>
+            <a:off x="975946" y="298936"/>
+            <a:ext cx="8015654" cy="589085"/>
+          </a:xfrm>
+        </p:spPr>
+        <p:txBody>
+          <a:bodyPr>
+            <a:normAutofit/>
+          </a:bodyPr>
+          <a:lstStyle/>
+          <a:p>
+            <a:r>
+              <a:rPr lang="en-US" dirty="0"/>
+              <a:t>Version Management</a:t>
+            </a:r>
+          </a:p>
+        </p:txBody>
+      </p:sp>
+      <p:sp>
+        <p:nvSpPr>
+          <p:cNvPr id="3" name="Content Placeholder 2"/>
+          <p:cNvSpPr>
+            <a:spLocks noGrp="1"/>
+          </p:cNvSpPr>
+          <p:nvPr>
+            <p:ph idx="1"/>
+          </p:nvPr>
+        </p:nvSpPr>
+        <p:spPr>
+          <a:xfrm>
+            <a:off x="152400" y="1002323"/>
+            <a:ext cx="8839200" cy="5161086"/>
+          </a:xfrm>
+        </p:spPr>
+        <p:txBody>
+          <a:bodyPr>
+            <a:normAutofit/>
+          </a:bodyPr>
+          <a:lstStyle/>
+          <a:p>
+            <a:r>
+              <a:rPr lang="en-US" i="0" dirty="0"/>
+              <a:t>Images are identified by chronological version</a:t>
+            </a:r>
+          </a:p>
+          <a:p>
+            <a:pPr lvl="1"/>
+            <a:r>
+              <a:rPr lang="en-US" i="0" dirty="0"/>
+              <a:t>does not interfere with systems used by the code developers</a:t>
+            </a:r>
+          </a:p>
+          <a:p>
+            <a:pPr lvl="1"/>
+            <a:r>
+              <a:rPr lang="en-US" i="0" dirty="0"/>
+              <a:t>provides meaningful versioning, as necessary for reproducibility</a:t>
+            </a:r>
+          </a:p>
+          <a:p>
+            <a:r>
+              <a:rPr lang="en-US" i="0" dirty="0"/>
+              <a:t>Channels are declared for the main git branch:</a:t>
+            </a:r>
+          </a:p>
+          <a:p>
+            <a:pPr lvl="1"/>
+            <a:r>
+              <a:rPr lang="en-US" i="0" dirty="0"/>
+              <a:t>dev    (latest, specified by default)</a:t>
+            </a:r>
+          </a:p>
+          <a:p>
+            <a:pPr lvl="1"/>
+            <a:r>
+              <a:rPr lang="en-US" i="0" dirty="0"/>
+              <a:t>alpha (internal testing)</a:t>
+            </a:r>
+          </a:p>
+          <a:p>
+            <a:pPr lvl="1"/>
+            <a:r>
+              <a:rPr lang="en-US" i="0" dirty="0"/>
+              <a:t>beta   (external testing)</a:t>
+            </a:r>
+          </a:p>
+          <a:p>
+            <a:pPr lvl="1"/>
+            <a:r>
+              <a:rPr lang="en-US" i="0" dirty="0"/>
+              <a:t>prod   (ready for production release)</a:t>
+            </a:r>
+          </a:p>
+          <a:p>
+            <a:r>
+              <a:rPr lang="en-US" i="0" dirty="0"/>
+              <a:t>Each container image includes a ‘manifest’</a:t>
+            </a:r>
+          </a:p>
+          <a:p>
+            <a:pPr lvl="1"/>
+            <a:r>
+              <a:rPr lang="en-US" i="0" dirty="0"/>
+              <a:t>describes the image &amp; codes,   rsmanifest.json</a:t>
+            </a:r>
+          </a:p>
+          <a:p>
+            <a:r>
+              <a:rPr lang="en-US" i="0" dirty="0"/>
+              <a:t>Source code for each application is stored in the image</a:t>
+            </a:r>
+          </a:p>
+          <a:p>
+            <a:r>
+              <a:rPr lang="en-US" i="0" dirty="0"/>
+              <a:t>Code versions/commits can be queried by simulations</a:t>
+            </a:r>
+          </a:p>
+        </p:txBody>
+      </p:sp>
+    </p:spTree>
+    <p:extLst>
+      <p:ext uri="{BB962C8B-B14F-4D97-AF65-F5344CB8AC3E}">
+        <p14:creationId xmlns:p14="http://schemas.microsoft.com/office/powerpoint/2010/main" val="2525692851"/>
+      </p:ext>
+    </p:extLst>
+  </p:cSld>
+  <p:clrMapOvr>
+    <a:masterClrMapping/>
+  </p:clrMapOvr>
+</p:sld>
+</file>
+
+<file path=ppt/slides/slide23.xml><?xml version="1.0" encoding="utf-8"?>
+<p:sld xmlns:a="http://schemas.openxmlformats.org/drawingml/2006/main" xmlns:r="http://schemas.openxmlformats.org/officeDocument/2006/relationships" xmlns:p="http://schemas.openxmlformats.org/presentationml/2006/main">
+  <p:cSld>
+    <p:spTree>
+      <p:nvGrpSpPr>
+        <p:cNvPr id="1" name=""/>
+        <p:cNvGrpSpPr/>
+        <p:nvPr/>
+      </p:nvGrpSpPr>
+      <p:grpSpPr>
+        <a:xfrm>
+          <a:off x="0" y="0"/>
+          <a:ext cx="0" cy="0"/>
+          <a:chOff x="0" y="0"/>
+          <a:chExt cx="0" cy="0"/>
+        </a:xfrm>
+      </p:grpSpPr>
+      <p:sp>
+        <p:nvSpPr>
+          <p:cNvPr id="2" name="Title 1"/>
+          <p:cNvSpPr>
+            <a:spLocks noGrp="1"/>
+          </p:cNvSpPr>
+          <p:nvPr>
+            <p:ph type="title"/>
+          </p:nvPr>
+        </p:nvSpPr>
+        <p:spPr>
+          <a:xfrm>
+            <a:off x="0" y="6946"/>
+            <a:ext cx="9144000" cy="589085"/>
+          </a:xfrm>
+        </p:spPr>
+        <p:txBody>
+          <a:bodyPr>
+            <a:normAutofit/>
+          </a:bodyPr>
+          <a:lstStyle/>
+          <a:p>
+            <a:r>
+              <a:rPr lang="en-US" dirty="0"/>
+              <a:t>What is an application container?</a:t>
+            </a:r>
+            <a:endParaRPr lang="en-US" b="0" dirty="0"/>
+          </a:p>
+        </p:txBody>
+      </p:sp>
+      <p:sp>
+        <p:nvSpPr>
+          <p:cNvPr id="3" name="Content Placeholder 2"/>
+          <p:cNvSpPr>
+            <a:spLocks noGrp="1"/>
+          </p:cNvSpPr>
+          <p:nvPr>
+            <p:ph idx="1"/>
+          </p:nvPr>
+        </p:nvSpPr>
+        <p:spPr>
+          <a:xfrm>
+            <a:off x="476250" y="816248"/>
+            <a:ext cx="8191500" cy="5227501"/>
+          </a:xfrm>
+        </p:spPr>
+        <p:txBody>
+          <a:bodyPr>
+            <a:normAutofit/>
+          </a:bodyPr>
+          <a:lstStyle/>
+          <a:p>
+            <a:r>
+              <a:rPr lang="en-US" dirty="0"/>
+              <a:t>Essential technology for cloud computing</a:t>
+            </a:r>
+          </a:p>
+          <a:p>
+            <a:pPr lvl="1"/>
+            <a:r>
+              <a:rPr lang="en-US" dirty="0"/>
+              <a:t>enables automated distribution of applications to remote servers</a:t>
+            </a:r>
+          </a:p>
+          <a:p>
+            <a:r>
+              <a:rPr lang="en-US" dirty="0"/>
+              <a:t>An abstraction of relevant resources used by a code </a:t>
+            </a:r>
+          </a:p>
+          <a:p>
+            <a:r>
+              <a:rPr lang="en-US" dirty="0"/>
+              <a:t>LXC (LinuX Container) [ ] isolates kernel resources for a collection of processes</a:t>
+            </a:r>
+          </a:p>
+          <a:p>
+            <a:pPr lvl="1"/>
+            <a:r>
+              <a:rPr lang="en-US" dirty="0"/>
+              <a:t>it is a lightweight, hosted hypervisor without the need for emulation</a:t>
+            </a:r>
+          </a:p>
+          <a:p>
+            <a:r>
+              <a:rPr lang="en-US" dirty="0"/>
+              <a:t>Vagrant [ ] is a program for configuring headless VMs and containers.</a:t>
+            </a:r>
+          </a:p>
+          <a:p>
+            <a:r>
+              <a:rPr lang="en-US" dirty="0"/>
+              <a:t>Like Vagrant, Docker [ ] is a productivity enhancer for LXC. </a:t>
+            </a:r>
+          </a:p>
+          <a:p>
+            <a:pPr lvl="1"/>
+            <a:r>
+              <a:rPr lang="en-US" dirty="0"/>
+              <a:t>It’s native on Linux</a:t>
+            </a:r>
+          </a:p>
+          <a:p>
+            <a:pPr lvl="1"/>
+            <a:r>
+              <a:rPr lang="en-US" dirty="0"/>
+              <a:t>It provides a lightweight VM on Mac and Windows</a:t>
+            </a:r>
+          </a:p>
+        </p:txBody>
+      </p:sp>
+    </p:spTree>
+    <p:extLst>
+      <p:ext uri="{BB962C8B-B14F-4D97-AF65-F5344CB8AC3E}">
+        <p14:creationId xmlns:p14="http://schemas.microsoft.com/office/powerpoint/2010/main" val="302440063"/>
       </p:ext>
     </p:extLst>
   </p:cSld>

--- a/computational_reproducibility/lecture/2018_ComputationalReproducibility_Bruhwiler_USPAS.pptx
+++ b/computational_reproducibility/lecture/2018_ComputationalReproducibility_Bruhwiler_USPAS.pptx
@@ -5,7 +5,7 @@
     <p:sldMasterId id="2147483696" r:id="rId1"/>
   </p:sldMasterIdLst>
   <p:notesMasterIdLst>
-    <p:notesMasterId r:id="rId25"/>
+    <p:notesMasterId r:id="rId22"/>
   </p:notesMasterIdLst>
   <p:sldIdLst>
     <p:sldId id="297" r:id="rId2"/>
@@ -28,9 +28,6 @@
     <p:sldId id="422" r:id="rId19"/>
     <p:sldId id="394" r:id="rId20"/>
     <p:sldId id="395" r:id="rId21"/>
-    <p:sldId id="414" r:id="rId22"/>
-    <p:sldId id="396" r:id="rId23"/>
-    <p:sldId id="416" r:id="rId24"/>
   </p:sldIdLst>
   <p:sldSz cx="9144000" cy="6858000" type="screen4x3"/>
   <p:notesSz cx="6858000" cy="9144000"/>
@@ -237,7 +234,7 @@
           <a:p>
             <a:fld id="{C5D37280-896D-453C-A8B2-790CBDCE44E5}" type="datetimeFigureOut">
               <a:rPr lang="en-US" smtClean="0"/>
-              <a:t>1/7/2018</a:t>
+              <a:t>1/8/2018</a:t>
             </a:fld>
             <a:endParaRPr lang="en-US"/>
           </a:p>
@@ -1596,258 +1593,6 @@
     <p:extLst>
       <p:ext uri="{BB962C8B-B14F-4D97-AF65-F5344CB8AC3E}">
         <p14:creationId xmlns:p14="http://schemas.microsoft.com/office/powerpoint/2010/main" val="2620879761"/>
-      </p:ext>
-    </p:extLst>
-  </p:cSld>
-  <p:clrMapOvr>
-    <a:masterClrMapping/>
-  </p:clrMapOvr>
-</p:notes>
-</file>
-
-<file path=ppt/notesSlides/notesSlide21.xml><?xml version="1.0" encoding="utf-8"?>
-<p:notes xmlns:a="http://schemas.openxmlformats.org/drawingml/2006/main" xmlns:r="http://schemas.openxmlformats.org/officeDocument/2006/relationships" xmlns:p="http://schemas.openxmlformats.org/presentationml/2006/main">
-  <p:cSld>
-    <p:spTree>
-      <p:nvGrpSpPr>
-        <p:cNvPr id="1" name=""/>
-        <p:cNvGrpSpPr/>
-        <p:nvPr/>
-      </p:nvGrpSpPr>
-      <p:grpSpPr>
-        <a:xfrm>
-          <a:off x="0" y="0"/>
-          <a:ext cx="0" cy="0"/>
-          <a:chOff x="0" y="0"/>
-          <a:chExt cx="0" cy="0"/>
-        </a:xfrm>
-      </p:grpSpPr>
-      <p:sp>
-        <p:nvSpPr>
-          <p:cNvPr id="2" name="Slide Image Placeholder 1"/>
-          <p:cNvSpPr>
-            <a:spLocks noGrp="1" noRot="1" noChangeAspect="1"/>
-          </p:cNvSpPr>
-          <p:nvPr>
-            <p:ph type="sldImg"/>
-          </p:nvPr>
-        </p:nvSpPr>
-        <p:spPr/>
-      </p:sp>
-      <p:sp>
-        <p:nvSpPr>
-          <p:cNvPr id="3" name="Notes Placeholder 2"/>
-          <p:cNvSpPr>
-            <a:spLocks noGrp="1"/>
-          </p:cNvSpPr>
-          <p:nvPr>
-            <p:ph type="body" idx="1"/>
-          </p:nvPr>
-        </p:nvSpPr>
-        <p:spPr/>
-        <p:txBody>
-          <a:bodyPr/>
-          <a:lstStyle/>
-          <a:p>
-            <a:endParaRPr lang="en-US"/>
-          </a:p>
-        </p:txBody>
-      </p:sp>
-      <p:sp>
-        <p:nvSpPr>
-          <p:cNvPr id="4" name="Slide Number Placeholder 3"/>
-          <p:cNvSpPr>
-            <a:spLocks noGrp="1"/>
-          </p:cNvSpPr>
-          <p:nvPr>
-            <p:ph type="sldNum" sz="quarter" idx="10"/>
-          </p:nvPr>
-        </p:nvSpPr>
-        <p:spPr/>
-        <p:txBody>
-          <a:bodyPr/>
-          <a:lstStyle/>
-          <a:p>
-            <a:fld id="{4E0E9D85-81CD-44C8-8F15-3AA06C34AF8C}" type="slidenum">
-              <a:rPr lang="en-US" smtClean="0"/>
-              <a:t>21</a:t>
-            </a:fld>
-            <a:endParaRPr lang="en-US"/>
-          </a:p>
-        </p:txBody>
-      </p:sp>
-    </p:spTree>
-    <p:extLst>
-      <p:ext uri="{BB962C8B-B14F-4D97-AF65-F5344CB8AC3E}">
-        <p14:creationId xmlns:p14="http://schemas.microsoft.com/office/powerpoint/2010/main" val="2375859216"/>
-      </p:ext>
-    </p:extLst>
-  </p:cSld>
-  <p:clrMapOvr>
-    <a:masterClrMapping/>
-  </p:clrMapOvr>
-</p:notes>
-</file>
-
-<file path=ppt/notesSlides/notesSlide22.xml><?xml version="1.0" encoding="utf-8"?>
-<p:notes xmlns:a="http://schemas.openxmlformats.org/drawingml/2006/main" xmlns:r="http://schemas.openxmlformats.org/officeDocument/2006/relationships" xmlns:p="http://schemas.openxmlformats.org/presentationml/2006/main">
-  <p:cSld>
-    <p:spTree>
-      <p:nvGrpSpPr>
-        <p:cNvPr id="1" name=""/>
-        <p:cNvGrpSpPr/>
-        <p:nvPr/>
-      </p:nvGrpSpPr>
-      <p:grpSpPr>
-        <a:xfrm>
-          <a:off x="0" y="0"/>
-          <a:ext cx="0" cy="0"/>
-          <a:chOff x="0" y="0"/>
-          <a:chExt cx="0" cy="0"/>
-        </a:xfrm>
-      </p:grpSpPr>
-      <p:sp>
-        <p:nvSpPr>
-          <p:cNvPr id="2" name="Slide Image Placeholder 1"/>
-          <p:cNvSpPr>
-            <a:spLocks noGrp="1" noRot="1" noChangeAspect="1"/>
-          </p:cNvSpPr>
-          <p:nvPr>
-            <p:ph type="sldImg"/>
-          </p:nvPr>
-        </p:nvSpPr>
-        <p:spPr/>
-      </p:sp>
-      <p:sp>
-        <p:nvSpPr>
-          <p:cNvPr id="3" name="Notes Placeholder 2"/>
-          <p:cNvSpPr>
-            <a:spLocks noGrp="1"/>
-          </p:cNvSpPr>
-          <p:nvPr>
-            <p:ph type="body" idx="1"/>
-          </p:nvPr>
-        </p:nvSpPr>
-        <p:spPr/>
-        <p:txBody>
-          <a:bodyPr/>
-          <a:lstStyle/>
-          <a:p>
-            <a:endParaRPr lang="en-US"/>
-          </a:p>
-        </p:txBody>
-      </p:sp>
-      <p:sp>
-        <p:nvSpPr>
-          <p:cNvPr id="4" name="Slide Number Placeholder 3"/>
-          <p:cNvSpPr>
-            <a:spLocks noGrp="1"/>
-          </p:cNvSpPr>
-          <p:nvPr>
-            <p:ph type="sldNum" sz="quarter" idx="10"/>
-          </p:nvPr>
-        </p:nvSpPr>
-        <p:spPr/>
-        <p:txBody>
-          <a:bodyPr/>
-          <a:lstStyle/>
-          <a:p>
-            <a:fld id="{4E0E9D85-81CD-44C8-8F15-3AA06C34AF8C}" type="slidenum">
-              <a:rPr lang="en-US" smtClean="0"/>
-              <a:t>22</a:t>
-            </a:fld>
-            <a:endParaRPr lang="en-US"/>
-          </a:p>
-        </p:txBody>
-      </p:sp>
-    </p:spTree>
-    <p:extLst>
-      <p:ext uri="{BB962C8B-B14F-4D97-AF65-F5344CB8AC3E}">
-        <p14:creationId xmlns:p14="http://schemas.microsoft.com/office/powerpoint/2010/main" val="2480711367"/>
-      </p:ext>
-    </p:extLst>
-  </p:cSld>
-  <p:clrMapOvr>
-    <a:masterClrMapping/>
-  </p:clrMapOvr>
-</p:notes>
-</file>
-
-<file path=ppt/notesSlides/notesSlide23.xml><?xml version="1.0" encoding="utf-8"?>
-<p:notes xmlns:a="http://schemas.openxmlformats.org/drawingml/2006/main" xmlns:r="http://schemas.openxmlformats.org/officeDocument/2006/relationships" xmlns:p="http://schemas.openxmlformats.org/presentationml/2006/main">
-  <p:cSld>
-    <p:spTree>
-      <p:nvGrpSpPr>
-        <p:cNvPr id="1" name=""/>
-        <p:cNvGrpSpPr/>
-        <p:nvPr/>
-      </p:nvGrpSpPr>
-      <p:grpSpPr>
-        <a:xfrm>
-          <a:off x="0" y="0"/>
-          <a:ext cx="0" cy="0"/>
-          <a:chOff x="0" y="0"/>
-          <a:chExt cx="0" cy="0"/>
-        </a:xfrm>
-      </p:grpSpPr>
-      <p:sp>
-        <p:nvSpPr>
-          <p:cNvPr id="2" name="Slide Image Placeholder 1"/>
-          <p:cNvSpPr>
-            <a:spLocks noGrp="1" noRot="1" noChangeAspect="1"/>
-          </p:cNvSpPr>
-          <p:nvPr>
-            <p:ph type="sldImg"/>
-          </p:nvPr>
-        </p:nvSpPr>
-        <p:spPr/>
-      </p:sp>
-      <p:sp>
-        <p:nvSpPr>
-          <p:cNvPr id="3" name="Notes Placeholder 2"/>
-          <p:cNvSpPr>
-            <a:spLocks noGrp="1"/>
-          </p:cNvSpPr>
-          <p:nvPr>
-            <p:ph type="body" idx="1"/>
-          </p:nvPr>
-        </p:nvSpPr>
-        <p:spPr/>
-        <p:txBody>
-          <a:bodyPr/>
-          <a:lstStyle/>
-          <a:p>
-            <a:endParaRPr lang="en-US"/>
-          </a:p>
-        </p:txBody>
-      </p:sp>
-      <p:sp>
-        <p:nvSpPr>
-          <p:cNvPr id="4" name="Slide Number Placeholder 3"/>
-          <p:cNvSpPr>
-            <a:spLocks noGrp="1"/>
-          </p:cNvSpPr>
-          <p:nvPr>
-            <p:ph type="sldNum" sz="quarter" idx="10"/>
-          </p:nvPr>
-        </p:nvSpPr>
-        <p:spPr/>
-        <p:txBody>
-          <a:bodyPr/>
-          <a:lstStyle/>
-          <a:p>
-            <a:fld id="{4E0E9D85-81CD-44C8-8F15-3AA06C34AF8C}" type="slidenum">
-              <a:rPr lang="en-US" smtClean="0"/>
-              <a:t>23</a:t>
-            </a:fld>
-            <a:endParaRPr lang="en-US"/>
-          </a:p>
-        </p:txBody>
-      </p:sp>
-    </p:spTree>
-    <p:extLst>
-      <p:ext uri="{BB962C8B-B14F-4D97-AF65-F5344CB8AC3E}">
-        <p14:creationId xmlns:p14="http://schemas.microsoft.com/office/powerpoint/2010/main" val="1943231743"/>
       </p:ext>
     </p:extLst>
   </p:cSld>
@@ -2984,7 +2729,7 @@
               <a:pPr>
                 <a:defRPr/>
               </a:pPr>
-              <a:t>1/7/2018</a:t>
+              <a:t>1/8/2018</a:t>
             </a:fld>
             <a:endParaRPr lang="en-US"/>
           </a:p>
@@ -3169,7 +2914,7 @@
           <a:p>
             <a:fld id="{DFF43710-F8AB-6840-B03A-23D4C2B2884A}" type="datetimeFigureOut">
               <a:rPr lang="en-US" smtClean="0"/>
-              <a:t>1/7/2018</a:t>
+              <a:t>1/8/2018</a:t>
             </a:fld>
             <a:endParaRPr lang="en-US"/>
           </a:p>
@@ -3414,7 +3159,7 @@
               <a:pPr defTabSz="914400">
                 <a:defRPr/>
               </a:pPr>
-              <a:t>1/7/2018</a:t>
+              <a:t>1/8/2018</a:t>
             </a:fld>
             <a:endParaRPr lang="en-US"/>
           </a:p>
@@ -6319,7 +6064,7 @@
             <a:pPr lvl="1"/>
             <a:r>
               <a:rPr lang="en-US" dirty="0"/>
-              <a:t>DockerHub enables rapid distribution of containers</a:t>
+              <a:t>Docker Hub enables rapid distribution of containers</a:t>
             </a:r>
           </a:p>
         </p:txBody>
@@ -7222,6 +6967,150 @@
           <a:chExt cx="0" cy="0"/>
         </a:xfrm>
       </p:grpSpPr>
+      <p:sp>
+        <p:nvSpPr>
+          <p:cNvPr id="2" name="Title 1"/>
+          <p:cNvSpPr>
+            <a:spLocks noGrp="1"/>
+          </p:cNvSpPr>
+          <p:nvPr>
+            <p:ph type="title"/>
+          </p:nvPr>
+        </p:nvSpPr>
+        <p:spPr>
+          <a:xfrm>
+            <a:off x="0" y="112344"/>
+            <a:ext cx="9144000" cy="589085"/>
+          </a:xfrm>
+        </p:spPr>
+        <p:txBody>
+          <a:bodyPr>
+            <a:normAutofit/>
+          </a:bodyPr>
+          <a:lstStyle/>
+          <a:p>
+            <a:r>
+              <a:rPr lang="en-US" dirty="0"/>
+              <a:t>Running Particle Accelerator Codes inside Docker</a:t>
+            </a:r>
+          </a:p>
+        </p:txBody>
+      </p:sp>
+      <p:sp>
+        <p:nvSpPr>
+          <p:cNvPr id="3" name="Content Placeholder 2"/>
+          <p:cNvSpPr>
+            <a:spLocks noGrp="1"/>
+          </p:cNvSpPr>
+          <p:nvPr>
+            <p:ph idx="1"/>
+          </p:nvPr>
+        </p:nvSpPr>
+        <p:spPr>
+          <a:xfrm>
+            <a:off x="152400" y="879566"/>
+            <a:ext cx="8839200" cy="5283843"/>
+          </a:xfrm>
+        </p:spPr>
+        <p:txBody>
+          <a:bodyPr>
+            <a:normAutofit/>
+          </a:bodyPr>
+          <a:lstStyle/>
+          <a:p>
+            <a:r>
+              <a:rPr lang="en-US" i="0" dirty="0"/>
+              <a:t>RadiaSoft has been running HPC codes via Docker since 2015</a:t>
+            </a:r>
+          </a:p>
+          <a:p>
+            <a:pPr lvl="1"/>
+            <a:r>
+              <a:rPr lang="en-US" sz="1800" dirty="0"/>
+              <a:t>beam physics:   elegant/SDDS,  Warp,  Synergia</a:t>
+            </a:r>
+          </a:p>
+          <a:p>
+            <a:pPr lvl="1"/>
+            <a:r>
+              <a:rPr lang="en-US" sz="1800" dirty="0"/>
+              <a:t>X-ray optics &amp; synchrotron radiation:  SRW,  Shadow</a:t>
+            </a:r>
+          </a:p>
+          <a:p>
+            <a:pPr lvl="1"/>
+            <a:r>
+              <a:rPr lang="en-US" sz="1800" dirty="0"/>
+              <a:t>FELs:  Genesis</a:t>
+            </a:r>
+          </a:p>
+          <a:p>
+            <a:r>
+              <a:rPr lang="en-US" i="0" dirty="0"/>
+              <a:t>Linux</a:t>
+            </a:r>
+          </a:p>
+          <a:p>
+            <a:pPr lvl="1"/>
+            <a:r>
+              <a:rPr lang="en-US" dirty="0"/>
+              <a:t>containers run at native speeds;  MPI works well</a:t>
+            </a:r>
+            <a:endParaRPr lang="en-US" i="0" dirty="0"/>
+          </a:p>
+          <a:p>
+            <a:pPr lvl="1"/>
+            <a:r>
+              <a:rPr lang="en-US" i="0" dirty="0"/>
+              <a:t>large-scale I/O can be slow (similar to NFS; more testing required)</a:t>
+            </a:r>
+          </a:p>
+          <a:p>
+            <a:r>
+              <a:rPr lang="en-US" i="0" dirty="0"/>
+              <a:t>MacOS</a:t>
+            </a:r>
+          </a:p>
+          <a:p>
+            <a:pPr lvl="1"/>
+            <a:r>
+              <a:rPr lang="en-US" i="0" dirty="0"/>
+              <a:t>similar to Linux (we have less experience)</a:t>
+            </a:r>
+          </a:p>
+          <a:p>
+            <a:pPr lvl="1"/>
+            <a:endParaRPr lang="en-US" i="0" dirty="0"/>
+          </a:p>
+          <a:p>
+            <a:r>
+              <a:rPr lang="en-US" dirty="0"/>
+              <a:t>What about supercomputing?</a:t>
+            </a:r>
+          </a:p>
+          <a:p>
+            <a:pPr lvl="1"/>
+            <a:r>
+              <a:rPr lang="en-US" i="0" dirty="0"/>
+              <a:t>Shifter – at the NERSC supercomputing center</a:t>
+            </a:r>
+          </a:p>
+          <a:p>
+            <a:pPr lvl="2"/>
+            <a:r>
+              <a:rPr lang="en-US" dirty="0"/>
+              <a:t>optimized for Linux on the compute nodes</a:t>
+            </a:r>
+          </a:p>
+          <a:p>
+            <a:pPr lvl="2"/>
+            <a:r>
+              <a:rPr lang="en-US" dirty="0"/>
+              <a:t>compatible with Docker</a:t>
+            </a:r>
+          </a:p>
+        </p:txBody>
+      </p:sp>
       <p:pic>
         <p:nvPicPr>
           <p:cNvPr id="7" name="Picture 6" descr="docker.png"/>
@@ -7244,153 +7133,115 @@
         </p:blipFill>
         <p:spPr>
           <a:xfrm>
-            <a:off x="4926787" y="283417"/>
-            <a:ext cx="4217213" cy="1449588"/>
+            <a:off x="6430320" y="1827189"/>
+            <a:ext cx="2464526" cy="847135"/>
           </a:xfrm>
           <a:prstGeom prst="rect">
             <a:avLst/>
           </a:prstGeom>
         </p:spPr>
       </p:pic>
-      <p:sp>
-        <p:nvSpPr>
-          <p:cNvPr id="2" name="Title 1"/>
-          <p:cNvSpPr>
-            <a:spLocks noGrp="1"/>
-          </p:cNvSpPr>
-          <p:nvPr>
-            <p:ph type="title"/>
-          </p:nvPr>
+      <p:pic>
+        <p:nvPicPr>
+          <p:cNvPr id="1026" name="Picture 2" descr="Shifter logo">
+            <a:extLst>
+              <a:ext uri="{FF2B5EF4-FFF2-40B4-BE49-F238E27FC236}">
+                <a16:creationId xmlns:a16="http://schemas.microsoft.com/office/drawing/2014/main" id="{66DA49E9-6E33-4D38-9858-6ADEBD4307E3}"/>
+              </a:ext>
+            </a:extLst>
+          </p:cNvPr>
+          <p:cNvPicPr>
+            <a:picLocks noChangeAspect="1" noChangeArrowheads="1"/>
+          </p:cNvPicPr>
+          <p:nvPr/>
+        </p:nvPicPr>
+        <p:blipFill>
+          <a:blip r:embed="rId4">
+            <a:extLst>
+              <a:ext uri="{28A0092B-C50C-407E-A947-70E740481C1C}">
+                <a14:useLocalDpi xmlns:a14="http://schemas.microsoft.com/office/drawing/2010/main" val="0"/>
+              </a:ext>
+            </a:extLst>
+          </a:blip>
+          <a:srcRect/>
+          <a:stretch>
+            <a:fillRect/>
+          </a:stretch>
+        </p:blipFill>
+        <p:spPr bwMode="auto">
+          <a:xfrm>
+            <a:off x="6435628" y="4458404"/>
+            <a:ext cx="1095375" cy="1400175"/>
+          </a:xfrm>
+          <a:prstGeom prst="rect">
+            <a:avLst/>
+          </a:prstGeom>
+          <a:noFill/>
+          <a:extLst>
+            <a:ext uri="{909E8E84-426E-40DD-AFC4-6F175D3DCCD1}">
+              <a14:hiddenFill xmlns:a14="http://schemas.microsoft.com/office/drawing/2010/main">
+                <a:solidFill>
+                  <a:srgbClr val="FFFFFF"/>
+                </a:solidFill>
+              </a14:hiddenFill>
+            </a:ext>
+          </a:extLst>
+        </p:spPr>
+      </p:pic>
+      <p:sp>
+        <p:nvSpPr>
+          <p:cNvPr id="6" name="TextBox 5">
+            <a:extLst>
+              <a:ext uri="{FF2B5EF4-FFF2-40B4-BE49-F238E27FC236}">
+                <a16:creationId xmlns:a16="http://schemas.microsoft.com/office/drawing/2014/main" id="{1DE7DDFE-E229-4C3B-87E8-E52E3770DC0C}"/>
+              </a:ext>
+            </a:extLst>
+          </p:cNvPr>
+          <p:cNvSpPr txBox="1"/>
+          <p:nvPr/>
         </p:nvSpPr>
         <p:spPr>
           <a:xfrm>
-            <a:off x="0" y="112344"/>
-            <a:ext cx="9144000" cy="589085"/>
+            <a:off x="574759" y="5294862"/>
+            <a:ext cx="5975501" cy="523220"/>
           </a:xfrm>
+          <a:prstGeom prst="rect">
+            <a:avLst/>
+          </a:prstGeom>
+          <a:noFill/>
         </p:spPr>
         <p:txBody>
-          <a:bodyPr>
-            <a:normAutofit/>
+          <a:bodyPr wrap="square" rtlCol="0">
+            <a:spAutoFit/>
           </a:bodyPr>
           <a:lstStyle/>
           <a:p>
-            <a:pPr algn="l"/>
-            <a:r>
-              <a:rPr lang="en-US" dirty="0"/>
-              <a:t>          HPC Application Containers</a:t>
-            </a:r>
-          </a:p>
-        </p:txBody>
-      </p:sp>
-      <p:sp>
-        <p:nvSpPr>
-          <p:cNvPr id="3" name="Content Placeholder 2"/>
-          <p:cNvSpPr>
-            <a:spLocks noGrp="1"/>
-          </p:cNvSpPr>
-          <p:nvPr>
-            <p:ph idx="1"/>
-          </p:nvPr>
-        </p:nvSpPr>
-        <p:spPr>
-          <a:xfrm>
-            <a:off x="152400" y="1558834"/>
-            <a:ext cx="8839200" cy="4604575"/>
-          </a:xfrm>
-        </p:spPr>
-        <p:txBody>
-          <a:bodyPr>
-            <a:normAutofit/>
-          </a:bodyPr>
-          <a:lstStyle/>
-          <a:p>
-            <a:r>
-              <a:rPr lang="en-US" i="0" dirty="0"/>
-              <a:t>Executable, portable archive of code and all dependencies</a:t>
-            </a:r>
-          </a:p>
-          <a:p>
-            <a:pPr lvl="1"/>
-            <a:r>
-              <a:rPr lang="en-US" i="0" dirty="0"/>
-              <a:t>except the OS kernel</a:t>
-            </a:r>
-          </a:p>
-          <a:p>
-            <a:pPr lvl="1"/>
-            <a:r>
-              <a:rPr lang="en-US" i="0" dirty="0"/>
-              <a:t>most popular container platform for Linux, Windows, and Mac</a:t>
-            </a:r>
-          </a:p>
-          <a:p>
-            <a:r>
-              <a:rPr lang="en-US" i="0" dirty="0"/>
-              <a:t>Linux – containers run at native speeds</a:t>
-            </a:r>
-          </a:p>
-          <a:p>
-            <a:r>
-              <a:rPr lang="en-US" i="0" dirty="0"/>
-              <a:t>Mac OS X and Windows:</a:t>
-            </a:r>
-          </a:p>
-          <a:p>
-            <a:pPr lvl="1"/>
-            <a:r>
-              <a:rPr lang="en-US" i="0" dirty="0"/>
-              <a:t>containers can run at near-native speed for CPU-intensive codes</a:t>
-            </a:r>
-          </a:p>
-          <a:p>
-            <a:pPr lvl="2"/>
-            <a:r>
-              <a:rPr lang="en-US" b="1" i="0" dirty="0"/>
-              <a:t>a couple of good examples on Mac;  more testing required on Windows</a:t>
-            </a:r>
-          </a:p>
-          <a:p>
-            <a:pPr lvl="1"/>
-            <a:r>
-              <a:rPr lang="en-US" i="0" dirty="0"/>
-              <a:t>large-scale I/O can be slow (similar to NFS, more testing required)</a:t>
-            </a:r>
-          </a:p>
-          <a:p>
-            <a:pPr lvl="1"/>
-            <a:r>
-              <a:rPr lang="en-US" i="0" dirty="0"/>
-              <a:t>MPI works well</a:t>
-            </a:r>
-          </a:p>
-          <a:p>
-            <a:pPr lvl="2"/>
-            <a:r>
-              <a:rPr lang="en-US" b="1" i="0" dirty="0"/>
-              <a:t>seems to work well on Mac;  more testing required on Windows</a:t>
-            </a:r>
-          </a:p>
-          <a:p>
-            <a:endParaRPr lang="en-US" sz="2000" b="1" dirty="0"/>
-          </a:p>
-          <a:p>
-            <a:r>
-              <a:rPr lang="en-US" i="0" dirty="0"/>
-              <a:t>Shifter – a recent initiative at the NERSC supercomputing center</a:t>
-            </a:r>
-          </a:p>
-          <a:p>
-            <a:pPr lvl="1"/>
-            <a:r>
-              <a:rPr lang="en-US" dirty="0"/>
-              <a:t>optimized for Linux on the compute nodes</a:t>
-            </a:r>
-          </a:p>
-          <a:p>
-            <a:pPr lvl="1"/>
-            <a:r>
-              <a:rPr lang="en-US" sz="1400" dirty="0"/>
-              <a:t>compatible with Docker</a:t>
+            <a:pPr marL="227013" indent="-227013">
+              <a:spcBef>
+                <a:spcPts val="300"/>
+              </a:spcBef>
+            </a:pPr>
+            <a:r>
+              <a:rPr lang="en-US" sz="1400" dirty="0">
+                <a:latin typeface="Times New Roman" panose="02020603050405020304" pitchFamily="18" charset="0"/>
+                <a:cs typeface="Times New Roman" panose="02020603050405020304" pitchFamily="18" charset="0"/>
+              </a:rPr>
+              <a:t>K. Kincade (2015), </a:t>
+            </a:r>
+            <a:r>
+              <a:rPr lang="en-US" sz="1400" dirty="0">
+                <a:latin typeface="Times New Roman" panose="02020603050405020304" pitchFamily="18" charset="0"/>
+                <a:cs typeface="Times New Roman" panose="02020603050405020304" pitchFamily="18" charset="0"/>
+                <a:hlinkClick r:id="rId5"/>
+              </a:rPr>
+              <a:t>http://www.nersc.gov/news-publications/nersc-news/nersc-center-news/2015/shifter-makes-container-based-hpc-a-breeze/</a:t>
+            </a:r>
+            <a:r>
+              <a:rPr lang="en-US" sz="1400" dirty="0">
+                <a:latin typeface="Times New Roman" panose="02020603050405020304" pitchFamily="18" charset="0"/>
+                <a:cs typeface="Times New Roman" panose="02020603050405020304" pitchFamily="18" charset="0"/>
+              </a:rPr>
+              <a:t> </a:t>
             </a:r>
           </a:p>
         </p:txBody>
@@ -7688,266 +7539,184 @@
         </p:nvSpPr>
         <p:spPr>
           <a:xfrm>
-            <a:off x="152400" y="1292464"/>
-            <a:ext cx="8839200" cy="5011617"/>
+            <a:off x="152400" y="862150"/>
+            <a:ext cx="8839200" cy="5441932"/>
           </a:xfrm>
         </p:spPr>
         <p:txBody>
           <a:bodyPr>
-            <a:normAutofit lnSpcReduction="10000"/>
+            <a:normAutofit/>
           </a:bodyPr>
           <a:lstStyle/>
           <a:p>
             <a:r>
-              <a:rPr lang="en-US" sz="2000" i="0" dirty="0"/>
-              <a:t>Seven particle accelerator codes are available </a:t>
-            </a:r>
-            <a:r>
-              <a:rPr lang="en-US" sz="2000" i="0" dirty="0">
-                <a:solidFill>
-                  <a:srgbClr val="FF0000"/>
-                </a:solidFill>
-              </a:rPr>
-              <a:t>(more on the way)</a:t>
-            </a:r>
-          </a:p>
-          <a:p>
-            <a:pPr lvl="1"/>
-            <a:r>
-              <a:rPr lang="en-US" sz="1800" i="0" dirty="0"/>
-              <a:t>X-ray:      SRW, Shadow3</a:t>
-            </a:r>
-          </a:p>
-          <a:p>
-            <a:pPr lvl="1"/>
-            <a:r>
-              <a:rPr lang="en-US" sz="1800" i="0" dirty="0"/>
-              <a:t>Beams:   Synergia, Warp, Elegant/SDDS, Hellweg</a:t>
-            </a:r>
-          </a:p>
-          <a:p>
-            <a:pPr lvl="2"/>
-            <a:r>
-              <a:rPr lang="en-US" sz="1600" b="1" i="0" dirty="0"/>
-              <a:t>coming soon:  MAD-X, PTC</a:t>
-            </a:r>
-          </a:p>
-          <a:p>
-            <a:pPr lvl="1"/>
-            <a:r>
-              <a:rPr lang="en-US" sz="1800" i="0" dirty="0"/>
-              <a:t>FELs:        Genesis v.2</a:t>
-            </a:r>
-          </a:p>
-          <a:p>
-            <a:r>
-              <a:rPr lang="en-US" sz="2000" i="0" dirty="0"/>
-              <a:t>Three user interface (UI) modes are supported: </a:t>
-            </a:r>
-          </a:p>
-          <a:p>
-            <a:pPr lvl="1"/>
-            <a:r>
-              <a:rPr lang="en-US" sz="1800" i="0" dirty="0"/>
-              <a:t>Sirepo (GUI);  Jupyter (IPython notebooks);  command-line (CLI)</a:t>
-            </a:r>
-          </a:p>
-          <a:p>
-            <a:r>
-              <a:rPr lang="en-US" sz="2000" i="0" dirty="0"/>
-              <a:t>Automated build/test/release to Docker Hub and to PyPI</a:t>
-            </a:r>
-          </a:p>
-          <a:p>
-            <a:r>
-              <a:rPr lang="en-US" sz="2000" i="0" dirty="0"/>
+              <a:rPr lang="en-US" i="0" dirty="0"/>
+              <a:t>Docker images can be uploaded to a public repository</a:t>
+            </a:r>
+          </a:p>
+          <a:p>
+            <a:pPr lvl="1"/>
+            <a:r>
+              <a:rPr lang="en-US" dirty="0">
+                <a:hlinkClick r:id="rId3"/>
+              </a:rPr>
+              <a:t>https://hub.docker.com</a:t>
+            </a:r>
+            <a:r>
+              <a:rPr lang="en-US" dirty="0"/>
+              <a:t> </a:t>
+            </a:r>
+          </a:p>
+          <a:p>
+            <a:r>
+              <a:rPr lang="en-US" i="0" dirty="0"/>
+              <a:t>RadiaSoft distributes our containers from Docker Hub</a:t>
+            </a:r>
+          </a:p>
+          <a:p>
+            <a:pPr lvl="1"/>
+            <a:r>
+              <a:rPr lang="en-US" dirty="0">
+                <a:hlinkClick r:id="rId4"/>
+              </a:rPr>
+              <a:t>https://hub.docker.com/r/radiasoft</a:t>
+            </a:r>
+            <a:r>
+              <a:rPr lang="en-US" dirty="0"/>
+              <a:t> </a:t>
+            </a:r>
+            <a:endParaRPr lang="en-US" i="0" dirty="0"/>
+          </a:p>
+          <a:p>
+            <a:pPr lvl="1"/>
+            <a:r>
+              <a:rPr lang="en-US" i="0" dirty="0"/>
+              <a:t>automated build/test/release</a:t>
+            </a:r>
+          </a:p>
+          <a:p>
+            <a:r>
+              <a:rPr lang="en-US" i="0" dirty="0"/>
               <a:t>One command to download/install/run:</a:t>
             </a:r>
-            <a:endParaRPr lang="en-US" i="0" dirty="0"/>
-          </a:p>
-          <a:p>
-            <a:pPr marL="0" indent="0">
+          </a:p>
+          <a:p>
+            <a:pPr marL="0" lvl="1" indent="0">
               <a:spcBef>
                 <a:spcPts val="600"/>
               </a:spcBef>
+              <a:spcAft>
+                <a:spcPts val="600"/>
+              </a:spcAft>
               <a:buNone/>
             </a:pPr>
             <a:r>
-              <a:rPr lang="en-US" sz="2000" i="0" dirty="0">
+              <a:rPr lang="en-US" sz="1800" i="0" dirty="0">
+                <a:solidFill>
+                  <a:schemeClr val="tx1"/>
+                </a:solidFill>
                 <a:latin typeface="Courier New" panose="02070309020205020404" pitchFamily="49" charset="0"/>
                 <a:cs typeface="Courier New" panose="02070309020205020404" pitchFamily="49" charset="0"/>
               </a:rPr>
-              <a:t>         &gt;  docker run –p 8000:8000 radiasoft/sirepo</a:t>
-            </a:r>
-            <a:endParaRPr lang="en-US" i="0" dirty="0">
-              <a:latin typeface="Courier New" panose="02070309020205020404" pitchFamily="49" charset="0"/>
-              <a:cs typeface="Courier New" panose="02070309020205020404" pitchFamily="49" charset="0"/>
+              <a:t>    &gt; docker run –p 8000:8000 radiasoft/beamsim</a:t>
+            </a:r>
+            <a:endParaRPr lang="en-US" sz="1400" dirty="0">
+              <a:solidFill>
+                <a:schemeClr val="tx1"/>
+              </a:solidFill>
             </a:endParaRPr>
           </a:p>
           <a:p>
-            <a:pPr lvl="2"/>
-            <a:endParaRPr lang="en-US" sz="1400" i="0" dirty="0"/>
-          </a:p>
-          <a:p>
-            <a:r>
-              <a:rPr lang="en-US" sz="2000" i="0" dirty="0"/>
-              <a:t>RadiaSoft code on GitHub:    </a:t>
-            </a:r>
-            <a:r>
-              <a:rPr lang="en-US" sz="1600" i="0" u="sng" dirty="0">
+            <a:pPr lvl="1"/>
+            <a:r>
+              <a:rPr lang="en-US" dirty="0"/>
+              <a:t>assumes Docker is already installed and you know how to use it</a:t>
+            </a:r>
+          </a:p>
+          <a:p>
+            <a:pPr lvl="1"/>
+            <a:endParaRPr lang="en-US" dirty="0"/>
+          </a:p>
+          <a:p>
+            <a:r>
+              <a:rPr lang="en-US" dirty="0"/>
+              <a:t>JupyterHub servers provide cloud-based access to containerized codes</a:t>
+            </a:r>
+          </a:p>
+          <a:p>
+            <a:pPr lvl="1"/>
+            <a:r>
+              <a:rPr lang="en-US" dirty="0"/>
+              <a:t>GitHub repository &amp; docs,  </a:t>
+            </a:r>
+            <a:r>
+              <a:rPr lang="en-US" dirty="0">
+                <a:hlinkClick r:id="rId5"/>
+              </a:rPr>
+              <a:t>https://github.com/jupyterhub/jupyterhub</a:t>
+            </a:r>
+            <a:r>
+              <a:rPr lang="en-US" dirty="0"/>
+              <a:t> </a:t>
+            </a:r>
+          </a:p>
+          <a:p>
+            <a:r>
+              <a:rPr lang="en-US" dirty="0"/>
+              <a:t>RadiaSoft provides a public server,  </a:t>
+            </a:r>
+            <a:r>
+              <a:rPr lang="en-US" sz="1600" dirty="0">
+                <a:hlinkClick r:id="rId6"/>
+              </a:rPr>
+              <a:t>https://jupyter.radiasoft.org</a:t>
+            </a:r>
+            <a:r>
+              <a:rPr lang="en-US" sz="1600" dirty="0"/>
+              <a:t> </a:t>
+            </a:r>
+            <a:endParaRPr lang="en-US" dirty="0"/>
+          </a:p>
+          <a:p>
+            <a:pPr lvl="1"/>
+            <a:r>
+              <a:rPr lang="en-US" dirty="0"/>
+              <a:t>many accelerator physics codes are pre-installed</a:t>
+            </a:r>
+          </a:p>
+          <a:p>
+            <a:pPr lvl="1"/>
+            <a:r>
+              <a:rPr lang="en-US" dirty="0"/>
+              <a:t>made available via the  </a:t>
+            </a:r>
+            <a:r>
+              <a:rPr lang="en-US" dirty="0">
                 <a:solidFill>
-                  <a:srgbClr val="000000"/>
+                  <a:schemeClr val="tx1"/>
                 </a:solidFill>
                 <a:latin typeface="Courier New" panose="02070309020205020404" pitchFamily="49" charset="0"/>
-                <a:hlinkClick r:id="rId3"/>
-              </a:rPr>
-              <a:t>http://sirepo.com</a:t>
-            </a:r>
-            <a:r>
-              <a:rPr lang="en-US" sz="1600" i="0" dirty="0">
-                <a:solidFill>
-                  <a:srgbClr val="000000"/>
-                </a:solidFill>
-              </a:rPr>
-              <a:t>          </a:t>
-            </a:r>
-            <a:r>
-              <a:rPr lang="en-US" sz="1600" i="0" dirty="0">
-                <a:solidFill>
-                  <a:srgbClr val="0070C0"/>
-                </a:solidFill>
-              </a:rPr>
-              <a:t>(primary repo)</a:t>
-            </a:r>
-            <a:endParaRPr lang="en-US" sz="2000" i="0" dirty="0">
-              <a:solidFill>
-                <a:srgbClr val="0070C0"/>
-              </a:solidFill>
-            </a:endParaRPr>
-          </a:p>
-          <a:p>
-            <a:pPr marL="457200" lvl="1" indent="0">
-              <a:buNone/>
-            </a:pPr>
-            <a:r>
-              <a:rPr lang="en-US" sz="1600" i="0" dirty="0">
                 <a:cs typeface="Courier New" panose="02070309020205020404" pitchFamily="49" charset="0"/>
               </a:rPr>
-              <a:t>                                                               </a:t>
-            </a:r>
-            <a:r>
-              <a:rPr lang="en-US" sz="1600" i="0" dirty="0">
-                <a:latin typeface="Courier New" panose="02070309020205020404" pitchFamily="49" charset="0"/>
-                <a:cs typeface="Courier New" panose="02070309020205020404" pitchFamily="49" charset="0"/>
-                <a:hlinkClick r:id="rId4"/>
-              </a:rPr>
-              <a:t>https://github.com/radiasoft</a:t>
-            </a:r>
-            <a:r>
-              <a:rPr lang="en-US" sz="1600" i="0" dirty="0">
-                <a:latin typeface="Courier New" panose="02070309020205020404" pitchFamily="49" charset="0"/>
-                <a:cs typeface="Courier New" panose="02070309020205020404" pitchFamily="49" charset="0"/>
-              </a:rPr>
-              <a:t>  </a:t>
-            </a:r>
-            <a:r>
-              <a:rPr lang="en-US" sz="1600" i="0" dirty="0">
-                <a:cs typeface="Courier New" panose="02070309020205020404" pitchFamily="49" charset="0"/>
-              </a:rPr>
-              <a:t>(all)</a:t>
-            </a:r>
-          </a:p>
-          <a:p>
-            <a:pPr lvl="3"/>
-            <a:endParaRPr lang="en-US" sz="1400" i="0" dirty="0">
-              <a:cs typeface="Courier New" panose="02070309020205020404" pitchFamily="49" charset="0"/>
-            </a:endParaRPr>
-          </a:p>
-          <a:p>
-            <a:r>
-              <a:rPr lang="en-US" sz="2000" i="0" dirty="0"/>
-              <a:t>Try it yourself on RadiaSoft servers:  </a:t>
-            </a:r>
-            <a:r>
-              <a:rPr lang="en-US" sz="1600" i="0" dirty="0">
-                <a:latin typeface="Courier New" panose="02070309020205020404" pitchFamily="49" charset="0"/>
-                <a:cs typeface="Courier New" panose="02070309020205020404" pitchFamily="49" charset="0"/>
-                <a:hlinkClick r:id="rId5"/>
-              </a:rPr>
-              <a:t>https://beta.sirepo.com</a:t>
-            </a:r>
-            <a:r>
-              <a:rPr lang="en-US" sz="1800" i="0" dirty="0">
-                <a:latin typeface="Courier New" panose="02070309020205020404" pitchFamily="49" charset="0"/>
-                <a:cs typeface="Courier New" panose="02070309020205020404" pitchFamily="49" charset="0"/>
-              </a:rPr>
-              <a:t> </a:t>
-            </a:r>
-            <a:endParaRPr lang="en-US" sz="2000" i="0" dirty="0"/>
-          </a:p>
-          <a:p>
-            <a:pPr marL="457200" lvl="1" indent="0">
-              <a:buNone/>
-            </a:pPr>
-            <a:r>
-              <a:rPr lang="en-US" sz="1600" i="0" dirty="0"/>
-              <a:t>                                                                           </a:t>
-            </a:r>
-            <a:r>
-              <a:rPr lang="en-US" sz="1600" i="0" dirty="0">
-                <a:latin typeface="Courier New" panose="02070309020205020404" pitchFamily="49" charset="0"/>
-                <a:cs typeface="Courier New" panose="02070309020205020404" pitchFamily="49" charset="0"/>
-                <a:hlinkClick r:id="rId6"/>
-              </a:rPr>
-              <a:t>https://jupyter.radiasoft.org</a:t>
-            </a:r>
-            <a:r>
-              <a:rPr lang="en-US" sz="1600" i="0" dirty="0"/>
-              <a:t> </a:t>
-            </a:r>
-            <a:endParaRPr lang="en-US" sz="1400" i="0" dirty="0">
-              <a:latin typeface="Courier New" panose="02070309020205020404" pitchFamily="49" charset="0"/>
-              <a:cs typeface="Courier New" panose="02070309020205020404" pitchFamily="49" charset="0"/>
-            </a:endParaRPr>
-          </a:p>
-        </p:txBody>
-      </p:sp>
-      <p:sp>
-        <p:nvSpPr>
-          <p:cNvPr id="4" name="TextBox 3"/>
-          <p:cNvSpPr txBox="1"/>
-          <p:nvPr/>
-        </p:nvSpPr>
-        <p:spPr>
-          <a:xfrm>
-            <a:off x="2822331" y="791301"/>
-            <a:ext cx="5284177" cy="369332"/>
-          </a:xfrm>
-          <a:prstGeom prst="rect">
-            <a:avLst/>
-          </a:prstGeom>
-          <a:noFill/>
-        </p:spPr>
-        <p:txBody>
-          <a:bodyPr wrap="square" rtlCol="0">
-            <a:spAutoFit/>
-          </a:bodyPr>
-          <a:lstStyle/>
-          <a:p>
-            <a:r>
-              <a:rPr lang="en-US" dirty="0">
-                <a:latin typeface="Courier New" panose="02070309020205020404" pitchFamily="49" charset="0"/>
-                <a:cs typeface="Courier New" panose="02070309020205020404" pitchFamily="49" charset="0"/>
-                <a:hlinkClick r:id="rId7"/>
-              </a:rPr>
-              <a:t>https://hub.docker.com/r/radiasoft/</a:t>
-            </a:r>
-            <a:r>
-              <a:rPr lang="en-US" dirty="0">
-                <a:latin typeface="Courier New" panose="02070309020205020404" pitchFamily="49" charset="0"/>
-                <a:cs typeface="Courier New" panose="02070309020205020404" pitchFamily="49" charset="0"/>
-              </a:rPr>
-              <a:t> </a:t>
+              <a:t>radiasoft/beamsim-jupyter</a:t>
+            </a:r>
+            <a:r>
+              <a:rPr lang="en-US" dirty="0"/>
+              <a:t> container</a:t>
+            </a:r>
+          </a:p>
+          <a:p>
+            <a:pPr lvl="1"/>
+            <a:r>
+              <a:rPr lang="en-US" dirty="0"/>
+              <a:t>supports Jupyter/IPython notebooks</a:t>
+            </a:r>
+          </a:p>
+          <a:p>
+            <a:pPr lvl="1"/>
+            <a:r>
+              <a:rPr lang="en-US" dirty="0"/>
+              <a:t>also supports browser-based terminal window (bash, without X11)</a:t>
             </a:r>
           </a:p>
         </p:txBody>
@@ -7956,403 +7725,6 @@
     <p:extLst>
       <p:ext uri="{BB962C8B-B14F-4D97-AF65-F5344CB8AC3E}">
         <p14:creationId xmlns:p14="http://schemas.microsoft.com/office/powerpoint/2010/main" val="1528542507"/>
-      </p:ext>
-    </p:extLst>
-  </p:cSld>
-  <p:clrMapOvr>
-    <a:masterClrMapping/>
-  </p:clrMapOvr>
-</p:sld>
-</file>
-
-<file path=ppt/slides/slide21.xml><?xml version="1.0" encoding="utf-8"?>
-<p:sld xmlns:a="http://schemas.openxmlformats.org/drawingml/2006/main" xmlns:r="http://schemas.openxmlformats.org/officeDocument/2006/relationships" xmlns:p="http://schemas.openxmlformats.org/presentationml/2006/main">
-  <p:cSld>
-    <p:spTree>
-      <p:nvGrpSpPr>
-        <p:cNvPr id="1" name=""/>
-        <p:cNvGrpSpPr/>
-        <p:nvPr/>
-      </p:nvGrpSpPr>
-      <p:grpSpPr>
-        <a:xfrm>
-          <a:off x="0" y="0"/>
-          <a:ext cx="0" cy="0"/>
-          <a:chOff x="0" y="0"/>
-          <a:chExt cx="0" cy="0"/>
-        </a:xfrm>
-      </p:grpSpPr>
-      <p:sp>
-        <p:nvSpPr>
-          <p:cNvPr id="2" name="Title 1"/>
-          <p:cNvSpPr>
-            <a:spLocks noGrp="1"/>
-          </p:cNvSpPr>
-          <p:nvPr>
-            <p:ph type="title"/>
-          </p:nvPr>
-        </p:nvSpPr>
-        <p:spPr>
-          <a:xfrm>
-            <a:off x="0" y="6946"/>
-            <a:ext cx="9144000" cy="589085"/>
-          </a:xfrm>
-        </p:spPr>
-        <p:txBody>
-          <a:bodyPr>
-            <a:normAutofit/>
-          </a:bodyPr>
-          <a:lstStyle/>
-          <a:p>
-            <a:r>
-              <a:rPr lang="en-US" dirty="0"/>
-              <a:t>…more on version management</a:t>
-            </a:r>
-            <a:endParaRPr lang="en-US" b="0" dirty="0"/>
-          </a:p>
-        </p:txBody>
-      </p:sp>
-      <p:sp>
-        <p:nvSpPr>
-          <p:cNvPr id="3" name="Content Placeholder 2"/>
-          <p:cNvSpPr>
-            <a:spLocks noGrp="1"/>
-          </p:cNvSpPr>
-          <p:nvPr>
-            <p:ph idx="1"/>
-          </p:nvPr>
-        </p:nvSpPr>
-        <p:spPr>
-          <a:xfrm>
-            <a:off x="476250" y="816248"/>
-            <a:ext cx="8191500" cy="5227501"/>
-          </a:xfrm>
-        </p:spPr>
-        <p:txBody>
-          <a:bodyPr>
-            <a:normAutofit/>
-          </a:bodyPr>
-          <a:lstStyle/>
-          <a:p>
-            <a:r>
-              <a:rPr lang="en-US" dirty="0"/>
-              <a:t>We also implemented automatic and uniform version management through a channel update mechanism similar to CoreOS[ ]. Instead of the usual system of having major version numbers, we deliver the entire application atomically on a channel. Each software release (embedded in a Docker image) is given a chronological version, and enters the staging pipeline. Only those releases which pass the development and alpha channels reach public beta, and those that pass beta become available generally.</a:t>
-            </a:r>
-          </a:p>
-          <a:p>
-            <a:r>
-              <a:rPr lang="en-US" dirty="0"/>
-              <a:t>The Sirepo platform implements three containers running separate services to provide web-based access to Warp. On Linux, the container components are run as independent services. This enables scaling the web service over multiple computers, thus allowing multiple jobs to run simultaneously on independent compute nodes. Within a single instance of one container, Warp runs in parallel using MPI. The job queue is managed by a different container running RabbitMQ [ ].</a:t>
-            </a:r>
-          </a:p>
-        </p:txBody>
-      </p:sp>
-    </p:spTree>
-    <p:extLst>
-      <p:ext uri="{BB962C8B-B14F-4D97-AF65-F5344CB8AC3E}">
-        <p14:creationId xmlns:p14="http://schemas.microsoft.com/office/powerpoint/2010/main" val="440473678"/>
-      </p:ext>
-    </p:extLst>
-  </p:cSld>
-  <p:clrMapOvr>
-    <a:masterClrMapping/>
-  </p:clrMapOvr>
-</p:sld>
-</file>
-
-<file path=ppt/slides/slide22.xml><?xml version="1.0" encoding="utf-8"?>
-<p:sld xmlns:a="http://schemas.openxmlformats.org/drawingml/2006/main" xmlns:r="http://schemas.openxmlformats.org/officeDocument/2006/relationships" xmlns:p="http://schemas.openxmlformats.org/presentationml/2006/main">
-  <p:cSld>
-    <p:spTree>
-      <p:nvGrpSpPr>
-        <p:cNvPr id="1" name=""/>
-        <p:cNvGrpSpPr/>
-        <p:nvPr/>
-      </p:nvGrpSpPr>
-      <p:grpSpPr>
-        <a:xfrm>
-          <a:off x="0" y="0"/>
-          <a:ext cx="0" cy="0"/>
-          <a:chOff x="0" y="0"/>
-          <a:chExt cx="0" cy="0"/>
-        </a:xfrm>
-      </p:grpSpPr>
-      <p:sp>
-        <p:nvSpPr>
-          <p:cNvPr id="2" name="Title 1"/>
-          <p:cNvSpPr>
-            <a:spLocks noGrp="1"/>
-          </p:cNvSpPr>
-          <p:nvPr>
-            <p:ph type="title"/>
-          </p:nvPr>
-        </p:nvSpPr>
-        <p:spPr>
-          <a:xfrm>
-            <a:off x="975946" y="298936"/>
-            <a:ext cx="8015654" cy="589085"/>
-          </a:xfrm>
-        </p:spPr>
-        <p:txBody>
-          <a:bodyPr>
-            <a:normAutofit/>
-          </a:bodyPr>
-          <a:lstStyle/>
-          <a:p>
-            <a:r>
-              <a:rPr lang="en-US" dirty="0"/>
-              <a:t>Version Management</a:t>
-            </a:r>
-          </a:p>
-        </p:txBody>
-      </p:sp>
-      <p:sp>
-        <p:nvSpPr>
-          <p:cNvPr id="3" name="Content Placeholder 2"/>
-          <p:cNvSpPr>
-            <a:spLocks noGrp="1"/>
-          </p:cNvSpPr>
-          <p:nvPr>
-            <p:ph idx="1"/>
-          </p:nvPr>
-        </p:nvSpPr>
-        <p:spPr>
-          <a:xfrm>
-            <a:off x="152400" y="1002323"/>
-            <a:ext cx="8839200" cy="5161086"/>
-          </a:xfrm>
-        </p:spPr>
-        <p:txBody>
-          <a:bodyPr>
-            <a:normAutofit/>
-          </a:bodyPr>
-          <a:lstStyle/>
-          <a:p>
-            <a:r>
-              <a:rPr lang="en-US" i="0" dirty="0"/>
-              <a:t>Images are identified by chronological version</a:t>
-            </a:r>
-          </a:p>
-          <a:p>
-            <a:pPr lvl="1"/>
-            <a:r>
-              <a:rPr lang="en-US" i="0" dirty="0"/>
-              <a:t>does not interfere with systems used by the code developers</a:t>
-            </a:r>
-          </a:p>
-          <a:p>
-            <a:pPr lvl="1"/>
-            <a:r>
-              <a:rPr lang="en-US" i="0" dirty="0"/>
-              <a:t>provides meaningful versioning, as necessary for reproducibility</a:t>
-            </a:r>
-          </a:p>
-          <a:p>
-            <a:r>
-              <a:rPr lang="en-US" i="0" dirty="0"/>
-              <a:t>Channels are declared for the main git branch:</a:t>
-            </a:r>
-          </a:p>
-          <a:p>
-            <a:pPr lvl="1"/>
-            <a:r>
-              <a:rPr lang="en-US" i="0" dirty="0"/>
-              <a:t>dev    (latest, specified by default)</a:t>
-            </a:r>
-          </a:p>
-          <a:p>
-            <a:pPr lvl="1"/>
-            <a:r>
-              <a:rPr lang="en-US" i="0" dirty="0"/>
-              <a:t>alpha (internal testing)</a:t>
-            </a:r>
-          </a:p>
-          <a:p>
-            <a:pPr lvl="1"/>
-            <a:r>
-              <a:rPr lang="en-US" i="0" dirty="0"/>
-              <a:t>beta   (external testing)</a:t>
-            </a:r>
-          </a:p>
-          <a:p>
-            <a:pPr lvl="1"/>
-            <a:r>
-              <a:rPr lang="en-US" i="0" dirty="0"/>
-              <a:t>prod   (ready for production release)</a:t>
-            </a:r>
-          </a:p>
-          <a:p>
-            <a:r>
-              <a:rPr lang="en-US" i="0" dirty="0"/>
-              <a:t>Each container image includes a ‘manifest’</a:t>
-            </a:r>
-          </a:p>
-          <a:p>
-            <a:pPr lvl="1"/>
-            <a:r>
-              <a:rPr lang="en-US" i="0" dirty="0"/>
-              <a:t>describes the image &amp; codes,   rsmanifest.json</a:t>
-            </a:r>
-          </a:p>
-          <a:p>
-            <a:r>
-              <a:rPr lang="en-US" i="0" dirty="0"/>
-              <a:t>Source code for each application is stored in the image</a:t>
-            </a:r>
-          </a:p>
-          <a:p>
-            <a:r>
-              <a:rPr lang="en-US" i="0" dirty="0"/>
-              <a:t>Code versions/commits can be queried by simulations</a:t>
-            </a:r>
-          </a:p>
-        </p:txBody>
-      </p:sp>
-    </p:spTree>
-    <p:extLst>
-      <p:ext uri="{BB962C8B-B14F-4D97-AF65-F5344CB8AC3E}">
-        <p14:creationId xmlns:p14="http://schemas.microsoft.com/office/powerpoint/2010/main" val="2525692851"/>
-      </p:ext>
-    </p:extLst>
-  </p:cSld>
-  <p:clrMapOvr>
-    <a:masterClrMapping/>
-  </p:clrMapOvr>
-</p:sld>
-</file>
-
-<file path=ppt/slides/slide23.xml><?xml version="1.0" encoding="utf-8"?>
-<p:sld xmlns:a="http://schemas.openxmlformats.org/drawingml/2006/main" xmlns:r="http://schemas.openxmlformats.org/officeDocument/2006/relationships" xmlns:p="http://schemas.openxmlformats.org/presentationml/2006/main">
-  <p:cSld>
-    <p:spTree>
-      <p:nvGrpSpPr>
-        <p:cNvPr id="1" name=""/>
-        <p:cNvGrpSpPr/>
-        <p:nvPr/>
-      </p:nvGrpSpPr>
-      <p:grpSpPr>
-        <a:xfrm>
-          <a:off x="0" y="0"/>
-          <a:ext cx="0" cy="0"/>
-          <a:chOff x="0" y="0"/>
-          <a:chExt cx="0" cy="0"/>
-        </a:xfrm>
-      </p:grpSpPr>
-      <p:sp>
-        <p:nvSpPr>
-          <p:cNvPr id="2" name="Title 1"/>
-          <p:cNvSpPr>
-            <a:spLocks noGrp="1"/>
-          </p:cNvSpPr>
-          <p:nvPr>
-            <p:ph type="title"/>
-          </p:nvPr>
-        </p:nvSpPr>
-        <p:spPr>
-          <a:xfrm>
-            <a:off x="0" y="6946"/>
-            <a:ext cx="9144000" cy="589085"/>
-          </a:xfrm>
-        </p:spPr>
-        <p:txBody>
-          <a:bodyPr>
-            <a:normAutofit/>
-          </a:bodyPr>
-          <a:lstStyle/>
-          <a:p>
-            <a:r>
-              <a:rPr lang="en-US" dirty="0"/>
-              <a:t>What is an application container?</a:t>
-            </a:r>
-            <a:endParaRPr lang="en-US" b="0" dirty="0"/>
-          </a:p>
-        </p:txBody>
-      </p:sp>
-      <p:sp>
-        <p:nvSpPr>
-          <p:cNvPr id="3" name="Content Placeholder 2"/>
-          <p:cNvSpPr>
-            <a:spLocks noGrp="1"/>
-          </p:cNvSpPr>
-          <p:nvPr>
-            <p:ph idx="1"/>
-          </p:nvPr>
-        </p:nvSpPr>
-        <p:spPr>
-          <a:xfrm>
-            <a:off x="476250" y="816248"/>
-            <a:ext cx="8191500" cy="5227501"/>
-          </a:xfrm>
-        </p:spPr>
-        <p:txBody>
-          <a:bodyPr>
-            <a:normAutofit/>
-          </a:bodyPr>
-          <a:lstStyle/>
-          <a:p>
-            <a:r>
-              <a:rPr lang="en-US" dirty="0"/>
-              <a:t>Essential technology for cloud computing</a:t>
-            </a:r>
-          </a:p>
-          <a:p>
-            <a:pPr lvl="1"/>
-            <a:r>
-              <a:rPr lang="en-US" dirty="0"/>
-              <a:t>enables automated distribution of applications to remote servers</a:t>
-            </a:r>
-          </a:p>
-          <a:p>
-            <a:r>
-              <a:rPr lang="en-US" dirty="0"/>
-              <a:t>An abstraction of relevant resources used by a code </a:t>
-            </a:r>
-          </a:p>
-          <a:p>
-            <a:r>
-              <a:rPr lang="en-US" dirty="0"/>
-              <a:t>LXC (LinuX Container) [ ] isolates kernel resources for a collection of processes</a:t>
-            </a:r>
-          </a:p>
-          <a:p>
-            <a:pPr lvl="1"/>
-            <a:r>
-              <a:rPr lang="en-US" dirty="0"/>
-              <a:t>it is a lightweight, hosted hypervisor without the need for emulation</a:t>
-            </a:r>
-          </a:p>
-          <a:p>
-            <a:r>
-              <a:rPr lang="en-US" dirty="0"/>
-              <a:t>Vagrant [ ] is a program for configuring headless VMs and containers.</a:t>
-            </a:r>
-          </a:p>
-          <a:p>
-            <a:r>
-              <a:rPr lang="en-US" dirty="0"/>
-              <a:t>Like Vagrant, Docker [ ] is a productivity enhancer for LXC. </a:t>
-            </a:r>
-          </a:p>
-          <a:p>
-            <a:pPr lvl="1"/>
-            <a:r>
-              <a:rPr lang="en-US" dirty="0"/>
-              <a:t>It’s native on Linux</a:t>
-            </a:r>
-          </a:p>
-          <a:p>
-            <a:pPr lvl="1"/>
-            <a:r>
-              <a:rPr lang="en-US" dirty="0"/>
-              <a:t>It provides a lightweight VM on Mac and Windows</a:t>
-            </a:r>
-          </a:p>
-        </p:txBody>
-      </p:sp>
-    </p:spTree>
-    <p:extLst>
-      <p:ext uri="{BB962C8B-B14F-4D97-AF65-F5344CB8AC3E}">
-        <p14:creationId xmlns:p14="http://schemas.microsoft.com/office/powerpoint/2010/main" val="302440063"/>
       </p:ext>
     </p:extLst>
   </p:cSld>

--- a/computational_reproducibility/lecture/2018_ComputationalReproducibility_Bruhwiler_USPAS.pptx
+++ b/computational_reproducibility/lecture/2018_ComputationalReproducibility_Bruhwiler_USPAS.pptx
@@ -5,7 +5,7 @@
     <p:sldMasterId id="2147483696" r:id="rId1"/>
   </p:sldMasterIdLst>
   <p:notesMasterIdLst>
-    <p:notesMasterId r:id="rId22"/>
+    <p:notesMasterId r:id="rId23"/>
   </p:notesMasterIdLst>
   <p:sldIdLst>
     <p:sldId id="297" r:id="rId2"/>
@@ -28,6 +28,7 @@
     <p:sldId id="422" r:id="rId19"/>
     <p:sldId id="394" r:id="rId20"/>
     <p:sldId id="395" r:id="rId21"/>
+    <p:sldId id="424" r:id="rId22"/>
   </p:sldIdLst>
   <p:sldSz cx="9144000" cy="6858000" type="screen4x3"/>
   <p:notesSz cx="6858000" cy="9144000"/>
@@ -1593,6 +1594,90 @@
     <p:extLst>
       <p:ext uri="{BB962C8B-B14F-4D97-AF65-F5344CB8AC3E}">
         <p14:creationId xmlns:p14="http://schemas.microsoft.com/office/powerpoint/2010/main" val="2620879761"/>
+      </p:ext>
+    </p:extLst>
+  </p:cSld>
+  <p:clrMapOvr>
+    <a:masterClrMapping/>
+  </p:clrMapOvr>
+</p:notes>
+</file>
+
+<file path=ppt/notesSlides/notesSlide21.xml><?xml version="1.0" encoding="utf-8"?>
+<p:notes xmlns:a="http://schemas.openxmlformats.org/drawingml/2006/main" xmlns:r="http://schemas.openxmlformats.org/officeDocument/2006/relationships" xmlns:p="http://schemas.openxmlformats.org/presentationml/2006/main">
+  <p:cSld>
+    <p:spTree>
+      <p:nvGrpSpPr>
+        <p:cNvPr id="1" name=""/>
+        <p:cNvGrpSpPr/>
+        <p:nvPr/>
+      </p:nvGrpSpPr>
+      <p:grpSpPr>
+        <a:xfrm>
+          <a:off x="0" y="0"/>
+          <a:ext cx="0" cy="0"/>
+          <a:chOff x="0" y="0"/>
+          <a:chExt cx="0" cy="0"/>
+        </a:xfrm>
+      </p:grpSpPr>
+      <p:sp>
+        <p:nvSpPr>
+          <p:cNvPr id="2" name="Slide Image Placeholder 1"/>
+          <p:cNvSpPr>
+            <a:spLocks noGrp="1" noRot="1" noChangeAspect="1"/>
+          </p:cNvSpPr>
+          <p:nvPr>
+            <p:ph type="sldImg"/>
+          </p:nvPr>
+        </p:nvSpPr>
+        <p:spPr/>
+      </p:sp>
+      <p:sp>
+        <p:nvSpPr>
+          <p:cNvPr id="3" name="Notes Placeholder 2"/>
+          <p:cNvSpPr>
+            <a:spLocks noGrp="1"/>
+          </p:cNvSpPr>
+          <p:nvPr>
+            <p:ph type="body" idx="1"/>
+          </p:nvPr>
+        </p:nvSpPr>
+        <p:spPr/>
+        <p:txBody>
+          <a:bodyPr/>
+          <a:lstStyle/>
+          <a:p>
+            <a:endParaRPr lang="en-US"/>
+          </a:p>
+        </p:txBody>
+      </p:sp>
+      <p:sp>
+        <p:nvSpPr>
+          <p:cNvPr id="4" name="Slide Number Placeholder 3"/>
+          <p:cNvSpPr>
+            <a:spLocks noGrp="1"/>
+          </p:cNvSpPr>
+          <p:nvPr>
+            <p:ph type="sldNum" sz="quarter" idx="10"/>
+          </p:nvPr>
+        </p:nvSpPr>
+        <p:spPr/>
+        <p:txBody>
+          <a:bodyPr/>
+          <a:lstStyle/>
+          <a:p>
+            <a:fld id="{4E0E9D85-81CD-44C8-8F15-3AA06C34AF8C}" type="slidenum">
+              <a:rPr lang="en-US" smtClean="0"/>
+              <a:t>21</a:t>
+            </a:fld>
+            <a:endParaRPr lang="en-US"/>
+          </a:p>
+        </p:txBody>
+      </p:sp>
+    </p:spTree>
+    <p:extLst>
+      <p:ext uri="{BB962C8B-B14F-4D97-AF65-F5344CB8AC3E}">
+        <p14:creationId xmlns:p14="http://schemas.microsoft.com/office/powerpoint/2010/main" val="3157502160"/>
       </p:ext>
     </p:extLst>
   </p:cSld>
@@ -7522,7 +7607,7 @@
           <a:p>
             <a:r>
               <a:rPr lang="en-US" dirty="0"/>
-              <a:t>Delivering Codes via Docker Images</a:t>
+              <a:t>Delivering codes via the Docker Hub repository</a:t>
             </a:r>
           </a:p>
         </p:txBody>
@@ -7591,13 +7676,13 @@
             <a:pPr lvl="1"/>
             <a:r>
               <a:rPr lang="en-US" i="0" dirty="0"/>
-              <a:t>automated build/test/release</a:t>
+              <a:t>automated build/test/release is used to ensure working containers</a:t>
             </a:r>
           </a:p>
           <a:p>
             <a:r>
               <a:rPr lang="en-US" i="0" dirty="0"/>
-              <a:t>One command to download/install/run:</a:t>
+              <a:t>One command can be used to download/install/run:</a:t>
             </a:r>
           </a:p>
           <a:p>
@@ -7725,6 +7810,179 @@
     <p:extLst>
       <p:ext uri="{BB962C8B-B14F-4D97-AF65-F5344CB8AC3E}">
         <p14:creationId xmlns:p14="http://schemas.microsoft.com/office/powerpoint/2010/main" val="1528542507"/>
+      </p:ext>
+    </p:extLst>
+  </p:cSld>
+  <p:clrMapOvr>
+    <a:masterClrMapping/>
+  </p:clrMapOvr>
+</p:sld>
+</file>
+
+<file path=ppt/slides/slide21.xml><?xml version="1.0" encoding="utf-8"?>
+<p:sld xmlns:a="http://schemas.openxmlformats.org/drawingml/2006/main" xmlns:r="http://schemas.openxmlformats.org/officeDocument/2006/relationships" xmlns:p="http://schemas.openxmlformats.org/presentationml/2006/main">
+  <p:cSld>
+    <p:spTree>
+      <p:nvGrpSpPr>
+        <p:cNvPr id="1" name=""/>
+        <p:cNvGrpSpPr/>
+        <p:nvPr/>
+      </p:nvGrpSpPr>
+      <p:grpSpPr>
+        <a:xfrm>
+          <a:off x="0" y="0"/>
+          <a:ext cx="0" cy="0"/>
+          <a:chOff x="0" y="0"/>
+          <a:chExt cx="0" cy="0"/>
+        </a:xfrm>
+      </p:grpSpPr>
+      <p:sp>
+        <p:nvSpPr>
+          <p:cNvPr id="2" name="Title 1"/>
+          <p:cNvSpPr>
+            <a:spLocks noGrp="1"/>
+          </p:cNvSpPr>
+          <p:nvPr>
+            <p:ph type="title"/>
+          </p:nvPr>
+        </p:nvSpPr>
+        <p:spPr>
+          <a:xfrm>
+            <a:off x="0" y="70385"/>
+            <a:ext cx="9144000" cy="589085"/>
+          </a:xfrm>
+        </p:spPr>
+        <p:txBody>
+          <a:bodyPr>
+            <a:normAutofit/>
+          </a:bodyPr>
+          <a:lstStyle/>
+          <a:p>
+            <a:r>
+              <a:rPr lang="en-US" dirty="0"/>
+              <a:t>Wrap up</a:t>
+            </a:r>
+          </a:p>
+        </p:txBody>
+      </p:sp>
+      <p:sp>
+        <p:nvSpPr>
+          <p:cNvPr id="3" name="Content Placeholder 2"/>
+          <p:cNvSpPr>
+            <a:spLocks noGrp="1"/>
+          </p:cNvSpPr>
+          <p:nvPr>
+            <p:ph idx="1"/>
+          </p:nvPr>
+        </p:nvSpPr>
+        <p:spPr>
+          <a:xfrm>
+            <a:off x="152400" y="862150"/>
+            <a:ext cx="8839200" cy="5441932"/>
+          </a:xfrm>
+        </p:spPr>
+        <p:txBody>
+          <a:bodyPr>
+            <a:normAutofit/>
+          </a:bodyPr>
+          <a:lstStyle/>
+          <a:p>
+            <a:r>
+              <a:rPr lang="en-US" dirty="0"/>
+              <a:t>Some aspects of computational reproducibility have been discussed</a:t>
+            </a:r>
+          </a:p>
+          <a:p>
+            <a:pPr lvl="1"/>
+            <a:r>
+              <a:rPr lang="en-US" dirty="0"/>
+              <a:t>you have not been provided with a recipe to follow</a:t>
+            </a:r>
+          </a:p>
+          <a:p>
+            <a:pPr lvl="1"/>
+            <a:r>
+              <a:rPr lang="en-US" dirty="0"/>
+              <a:t>it’s not yet clear how to meet the near-term goals of slide #13 above</a:t>
+            </a:r>
+          </a:p>
+          <a:p>
+            <a:pPr lvl="1"/>
+            <a:r>
+              <a:rPr lang="en-US" dirty="0"/>
+              <a:t>we haven’t yet introduced all the necessary tools</a:t>
+            </a:r>
+          </a:p>
+          <a:p>
+            <a:pPr lvl="1"/>
+            <a:r>
+              <a:rPr lang="en-US" dirty="0"/>
+              <a:t>reproducibility will be a recurring theme in upcoming lectures</a:t>
+            </a:r>
+          </a:p>
+          <a:p>
+            <a:pPr lvl="1"/>
+            <a:r>
+              <a:rPr lang="en-US" dirty="0"/>
+              <a:t>by the end of the class, you should have your own ideas on how to achieve it</a:t>
+            </a:r>
+          </a:p>
+          <a:p>
+            <a:pPr lvl="1"/>
+            <a:endParaRPr lang="en-US" dirty="0"/>
+          </a:p>
+          <a:p>
+            <a:r>
+              <a:rPr lang="en-US" dirty="0"/>
+              <a:t>Any final questions regarding the material in this lecture?</a:t>
+            </a:r>
+          </a:p>
+          <a:p>
+            <a:endParaRPr lang="en-US" dirty="0"/>
+          </a:p>
+          <a:p>
+            <a:r>
+              <a:rPr lang="en-US" dirty="0"/>
+              <a:t>Computer Lab this afternoon – </a:t>
+            </a:r>
+          </a:p>
+          <a:p>
+            <a:pPr lvl="1"/>
+            <a:r>
+              <a:rPr lang="en-US" dirty="0"/>
+              <a:t>you will run the elegant code from Argonne National Lab (M. Borland)</a:t>
+            </a:r>
+          </a:p>
+          <a:p>
+            <a:pPr lvl="2"/>
+            <a:r>
+              <a:rPr lang="en-US" dirty="0"/>
+              <a:t>using a public JupyterHub server,  </a:t>
+            </a:r>
+            <a:r>
+              <a:rPr lang="en-US" b="0" dirty="0">
+                <a:hlinkClick r:id="rId3"/>
+              </a:rPr>
+              <a:t>https://jupyter.radiasoft.org</a:t>
+            </a:r>
+            <a:r>
+              <a:rPr lang="en-US" b="0" dirty="0"/>
+              <a:t> </a:t>
+            </a:r>
+          </a:p>
+          <a:p>
+            <a:pPr lvl="2"/>
+            <a:r>
+              <a:rPr lang="en-US" dirty="0"/>
+              <a:t>running from the command line</a:t>
+            </a:r>
+          </a:p>
+        </p:txBody>
+      </p:sp>
+    </p:spTree>
+    <p:extLst>
+      <p:ext uri="{BB962C8B-B14F-4D97-AF65-F5344CB8AC3E}">
+        <p14:creationId xmlns:p14="http://schemas.microsoft.com/office/powerpoint/2010/main" val="12542219"/>
       </p:ext>
     </p:extLst>
   </p:cSld>

--- a/computational_reproducibility/lecture/2018_ComputationalReproducibility_Bruhwiler_USPAS.pptx
+++ b/computational_reproducibility/lecture/2018_ComputationalReproducibility_Bruhwiler_USPAS.pptx
@@ -3779,8 +3779,8 @@
         </p:nvSpPr>
         <p:spPr>
           <a:xfrm>
-            <a:off x="0" y="134430"/>
-            <a:ext cx="9135531" cy="592114"/>
+            <a:off x="1258957" y="139146"/>
+            <a:ext cx="7876574" cy="1000539"/>
           </a:xfrm>
         </p:spPr>
         <p:txBody>
@@ -3790,18 +3790,83 @@
           <a:lstStyle/>
           <a:p>
             <a:pPr>
+              <a:lnSpc>
+                <a:spcPct val="150000"/>
+              </a:lnSpc>
               <a:spcBef>
                 <a:spcPts val="0"/>
               </a:spcBef>
             </a:pPr>
             <a:r>
+              <a:rPr lang="en-US" sz="2800" dirty="0">
+                <a:latin typeface="Times New Roman" panose="02020603050405020304" pitchFamily="18" charset="0"/>
+                <a:cs typeface="Times New Roman" panose="02020603050405020304" pitchFamily="18" charset="0"/>
+              </a:rPr>
+              <a:t>USPAS</a:t>
+            </a:r>
+            <a:r>
               <a:rPr lang="en-US" sz="2800" i="1" dirty="0">
                 <a:latin typeface="Times New Roman" panose="02020603050405020304" pitchFamily="18" charset="0"/>
                 <a:cs typeface="Times New Roman" panose="02020603050405020304" pitchFamily="18" charset="0"/>
               </a:rPr>
-              <a:t>USPAS – Simulation of Beam and Plasma Systems</a:t>
-            </a:r>
-            <a:endParaRPr lang="en-US" sz="2800" dirty="0">
+              <a:t> – Simulation of Beam and </a:t>
+            </a:r>
+            <a:r>
+              <a:rPr lang="en-US" sz="2800" i="1">
+                <a:latin typeface="Times New Roman" panose="02020603050405020304" pitchFamily="18" charset="0"/>
+                <a:cs typeface="Times New Roman" panose="02020603050405020304" pitchFamily="18" charset="0"/>
+              </a:rPr>
+              <a:t>Plasma </a:t>
+            </a:r>
+            <a:r>
+              <a:rPr lang="en-US" sz="2800" i="1" smtClean="0">
+                <a:latin typeface="Times New Roman" panose="02020603050405020304" pitchFamily="18" charset="0"/>
+                <a:cs typeface="Times New Roman" panose="02020603050405020304" pitchFamily="18" charset="0"/>
+              </a:rPr>
+              <a:t>Systems</a:t>
+            </a:r>
+            <a:br>
+              <a:rPr lang="en-US" sz="2800" i="1" smtClean="0">
+                <a:latin typeface="Times New Roman" panose="02020603050405020304" pitchFamily="18" charset="0"/>
+                <a:cs typeface="Times New Roman" panose="02020603050405020304" pitchFamily="18" charset="0"/>
+              </a:rPr>
+            </a:br>
+            <a:r>
+              <a:rPr lang="en-US" sz="1600">
+                <a:latin typeface="Times New Roman" panose="02020603050405020304" pitchFamily="18" charset="0"/>
+                <a:cs typeface="Times New Roman" panose="02020603050405020304" pitchFamily="18" charset="0"/>
+              </a:rPr>
+              <a:t>Steven M. Lund, Jean-Luc Vay, Remi </a:t>
+            </a:r>
+            <a:r>
+              <a:rPr lang="en-US" sz="1600">
+                <a:latin typeface="Times New Roman" panose="02020603050405020304" pitchFamily="18" charset="0"/>
+                <a:cs typeface="Times New Roman" panose="02020603050405020304" pitchFamily="18" charset="0"/>
+              </a:rPr>
+              <a:t>Lehe</a:t>
+            </a:r>
+            <a:r>
+              <a:rPr lang="en-US" sz="1600" smtClean="0">
+                <a:latin typeface="Times New Roman" panose="02020603050405020304" pitchFamily="18" charset="0"/>
+                <a:cs typeface="Times New Roman" panose="02020603050405020304" pitchFamily="18" charset="0"/>
+              </a:rPr>
+              <a:t>, </a:t>
+            </a:r>
+            <a:r>
+              <a:rPr lang="en-US" sz="1600">
+                <a:latin typeface="Times New Roman" panose="02020603050405020304" pitchFamily="18" charset="0"/>
+                <a:cs typeface="Times New Roman" panose="02020603050405020304" pitchFamily="18" charset="0"/>
+              </a:rPr>
+              <a:t>Daniel </a:t>
+            </a:r>
+            <a:r>
+              <a:rPr lang="en-US" sz="1600" smtClean="0">
+                <a:latin typeface="Times New Roman" panose="02020603050405020304" pitchFamily="18" charset="0"/>
+                <a:cs typeface="Times New Roman" panose="02020603050405020304" pitchFamily="18" charset="0"/>
+              </a:rPr>
+              <a:t>Winklehner and David L. Bruhwiler</a:t>
+            </a:r>
+            <a:endParaRPr lang="en-US" sz="2400" dirty="0">
               <a:solidFill>
                 <a:srgbClr val="0070C0"/>
               </a:solidFill>
@@ -3821,7 +3886,7 @@
         </p:nvSpPr>
         <p:spPr>
           <a:xfrm>
-            <a:off x="342670" y="3419064"/>
+            <a:off x="342670" y="3544958"/>
             <a:ext cx="8542914" cy="1715133"/>
           </a:xfrm>
           <a:prstGeom prst="rect">
@@ -4054,7 +4119,7 @@
         </p:nvSpPr>
         <p:spPr bwMode="auto">
           <a:xfrm>
-            <a:off x="342670" y="1843267"/>
+            <a:off x="342670" y="2134811"/>
             <a:ext cx="8809053" cy="859183"/>
           </a:xfrm>
           <a:prstGeom prst="rect">
@@ -4229,7 +4294,7 @@
         </p:blipFill>
         <p:spPr>
           <a:xfrm>
-            <a:off x="6018080" y="1796498"/>
+            <a:off x="5945193" y="2246221"/>
             <a:ext cx="2754553" cy="535992"/>
           </a:xfrm>
           <a:prstGeom prst="rect">
@@ -4247,7 +4312,7 @@
         </p:nvSpPr>
         <p:spPr bwMode="auto">
           <a:xfrm>
-            <a:off x="342669" y="775503"/>
+            <a:off x="342669" y="1558064"/>
             <a:ext cx="8542915" cy="527924"/>
           </a:xfrm>
           <a:prstGeom prst="rect">
@@ -4424,6 +4489,36 @@
           </a:p>
         </p:txBody>
       </p:sp>
+      <p:pic>
+        <p:nvPicPr>
+          <p:cNvPr id="3" name="Picture 2"/>
+          <p:cNvPicPr>
+            <a:picLocks noChangeAspect="1"/>
+          </p:cNvPicPr>
+          <p:nvPr/>
+        </p:nvPicPr>
+        <p:blipFill>
+          <a:blip r:embed="rId6">
+            <a:extLst>
+              <a:ext uri="{28A0092B-C50C-407E-A947-70E740481C1C}">
+                <a14:useLocalDpi xmlns:a14="http://schemas.microsoft.com/office/drawing/2010/main" val="0"/>
+              </a:ext>
+            </a:extLst>
+          </a:blip>
+          <a:stretch>
+            <a:fillRect/>
+          </a:stretch>
+        </p:blipFill>
+        <p:spPr>
+          <a:xfrm>
+            <a:off x="92765" y="65245"/>
+            <a:ext cx="1310754" cy="1310754"/>
+          </a:xfrm>
+          <a:prstGeom prst="rect">
+            <a:avLst/>
+          </a:prstGeom>
+        </p:spPr>
+      </p:pic>
     </p:spTree>
     <p:extLst>
       <p:ext uri="{BB962C8B-B14F-4D97-AF65-F5344CB8AC3E}">
@@ -4495,13 +4590,13 @@
         </p:nvSpPr>
         <p:spPr>
           <a:xfrm>
-            <a:off x="276639" y="791301"/>
-            <a:ext cx="8608944" cy="3597820"/>
+            <a:off x="276639" y="791300"/>
+            <a:ext cx="8608944" cy="3952977"/>
           </a:xfrm>
         </p:spPr>
         <p:txBody>
           <a:bodyPr>
-            <a:normAutofit/>
+            <a:normAutofit lnSpcReduction="10000"/>
           </a:bodyPr>
           <a:lstStyle/>
           <a:p>
@@ -4561,9 +4656,21 @@
             <a:endParaRPr lang="en-US" sz="1600" dirty="0"/>
           </a:p>
           <a:p>
-            <a:r>
-              <a:rPr lang="en-US" dirty="0"/>
-              <a:t>Reproducibility, reusability, etc. – what is it?  …why do it?</a:t>
+            <a:pPr lvl="2"/>
+            <a:endParaRPr lang="en-US" smtClean="0"/>
+          </a:p>
+          <a:p>
+            <a:pPr lvl="2"/>
+            <a:endParaRPr lang="en-US" smtClean="0"/>
+          </a:p>
+          <a:p>
+            <a:r>
+              <a:rPr lang="en-US" smtClean="0"/>
+              <a:t>Reproducibility</a:t>
+            </a:r>
+            <a:r>
+              <a:rPr lang="en-US" dirty="0"/>
+              <a:t>, reusability, etc. – what is it?  …why do it?</a:t>
             </a:r>
           </a:p>
         </p:txBody>
@@ -4577,7 +4684,7 @@
         <p:spPr>
           <a:xfrm>
             <a:off x="601317" y="2243062"/>
-            <a:ext cx="8542683" cy="1538883"/>
+            <a:ext cx="8542683" cy="1792798"/>
           </a:xfrm>
           <a:prstGeom prst="rect">
             <a:avLst/>
@@ -4596,27 +4703,47 @@
               </a:spcBef>
             </a:pPr>
             <a:r>
-              <a:rPr lang="sv-SE" sz="1400" dirty="0">
-                <a:latin typeface="Times New Roman" panose="02020603050405020304" pitchFamily="18" charset="0"/>
-                <a:cs typeface="Times New Roman" panose="02020603050405020304" pitchFamily="18" charset="0"/>
-              </a:rPr>
-              <a:t>V. Stodden (2017), </a:t>
-            </a:r>
-            <a:r>
-              <a:rPr lang="sv-SE" sz="1400" dirty="0">
+              <a:rPr lang="sv-SE" sz="1400">
+                <a:latin typeface="Times New Roman" panose="02020603050405020304" pitchFamily="18" charset="0"/>
+                <a:cs typeface="Times New Roman" panose="02020603050405020304" pitchFamily="18" charset="0"/>
+              </a:rPr>
+              <a:t>The Software Sustainability Institute, </a:t>
+            </a:r>
+            <a:r>
+              <a:rPr lang="sv-SE" sz="1400">
                 <a:latin typeface="Times New Roman" panose="02020603050405020304" pitchFamily="18" charset="0"/>
                 <a:cs typeface="Times New Roman" panose="02020603050405020304" pitchFamily="18" charset="0"/>
                 <a:hlinkClick r:id="rId3"/>
               </a:rPr>
-              <a:t>https://codeocean.com/workshops/computational-reproducibility</a:t>
-            </a:r>
-            <a:r>
-              <a:rPr lang="sv-SE" sz="1400" dirty="0">
+              <a:t>https</a:t>
+            </a:r>
+            <a:r>
+              <a:rPr lang="sv-SE" sz="1400">
+                <a:latin typeface="Times New Roman" panose="02020603050405020304" pitchFamily="18" charset="0"/>
+                <a:cs typeface="Times New Roman" panose="02020603050405020304" pitchFamily="18" charset="0"/>
+                <a:hlinkClick r:id="rId3"/>
+              </a:rPr>
+              <a:t>://</a:t>
+            </a:r>
+            <a:r>
+              <a:rPr lang="sv-SE" sz="1400" smtClean="0">
+                <a:latin typeface="Times New Roman" panose="02020603050405020304" pitchFamily="18" charset="0"/>
+                <a:cs typeface="Times New Roman" panose="02020603050405020304" pitchFamily="18" charset="0"/>
+                <a:hlinkClick r:id="rId3"/>
+              </a:rPr>
+              <a:t>www.software.ac.uk/ssisearch?search_api_fulltext_1=reproducible</a:t>
+            </a:r>
+            <a:r>
+              <a:rPr lang="sv-SE" sz="1400" smtClean="0">
                 <a:latin typeface="Times New Roman" panose="02020603050405020304" pitchFamily="18" charset="0"/>
                 <a:cs typeface="Times New Roman" panose="02020603050405020304" pitchFamily="18" charset="0"/>
               </a:rPr>
               <a:t> </a:t>
             </a:r>
+            <a:endParaRPr lang="sv-SE" sz="1400">
+              <a:latin typeface="Times New Roman" panose="02020603050405020304" pitchFamily="18" charset="0"/>
+              <a:cs typeface="Times New Roman" panose="02020603050405020304" pitchFamily="18" charset="0"/>
+            </a:endParaRPr>
           </a:p>
           <a:p>
             <a:pPr marL="227013" indent="-227013">
@@ -4625,24 +4752,34 @@
               </a:spcBef>
             </a:pPr>
             <a:r>
-              <a:rPr lang="en-US" sz="1400" dirty="0">
-                <a:latin typeface="Times New Roman" panose="02020603050405020304" pitchFamily="18" charset="0"/>
-                <a:cs typeface="Times New Roman" panose="02020603050405020304" pitchFamily="18" charset="0"/>
-              </a:rPr>
-              <a:t>V. Stodden &amp; S. Miguez (2014), </a:t>
-            </a:r>
-            <a:r>
-              <a:rPr lang="en-US" sz="1400" dirty="0">
+              <a:rPr lang="sv-SE" sz="1400" smtClean="0">
+                <a:latin typeface="Times New Roman" panose="02020603050405020304" pitchFamily="18" charset="0"/>
+                <a:cs typeface="Times New Roman" panose="02020603050405020304" pitchFamily="18" charset="0"/>
+              </a:rPr>
+              <a:t>V</a:t>
+            </a:r>
+            <a:r>
+              <a:rPr lang="sv-SE" sz="1400" dirty="0">
+                <a:latin typeface="Times New Roman" panose="02020603050405020304" pitchFamily="18" charset="0"/>
+                <a:cs typeface="Times New Roman" panose="02020603050405020304" pitchFamily="18" charset="0"/>
+              </a:rPr>
+              <a:t>. Stodden (2017), </a:t>
+            </a:r>
+            <a:r>
+              <a:rPr lang="sv-SE" sz="1400" dirty="0">
                 <a:latin typeface="Times New Roman" panose="02020603050405020304" pitchFamily="18" charset="0"/>
                 <a:cs typeface="Times New Roman" panose="02020603050405020304" pitchFamily="18" charset="0"/>
                 <a:hlinkClick r:id="rId4"/>
               </a:rPr>
-              <a:t>https://openresearchsoftware.metajnl.com/articles/10.5334/jors.ay/</a:t>
-            </a:r>
-            <a:endParaRPr lang="en-US" sz="1400" dirty="0">
-              <a:latin typeface="Times New Roman" panose="02020603050405020304" pitchFamily="18" charset="0"/>
-              <a:cs typeface="Times New Roman" panose="02020603050405020304" pitchFamily="18" charset="0"/>
-            </a:endParaRPr>
+              <a:t>https://codeocean.com/workshops/computational-reproducibility</a:t>
+            </a:r>
+            <a:r>
+              <a:rPr lang="sv-SE" sz="1400" dirty="0">
+                <a:latin typeface="Times New Roman" panose="02020603050405020304" pitchFamily="18" charset="0"/>
+                <a:cs typeface="Times New Roman" panose="02020603050405020304" pitchFamily="18" charset="0"/>
+              </a:rPr>
+              <a:t> </a:t>
+            </a:r>
           </a:p>
           <a:p>
             <a:pPr marL="227013" indent="-227013">
@@ -4651,27 +4788,24 @@
               </a:spcBef>
             </a:pPr>
             <a:r>
-              <a:rPr lang="it-IT" sz="1400" dirty="0">
-                <a:latin typeface="Times New Roman" panose="02020603050405020304" pitchFamily="18" charset="0"/>
-                <a:cs typeface="Times New Roman" panose="02020603050405020304" pitchFamily="18" charset="0"/>
-              </a:rPr>
-              <a:t>S.R. Piccolo &amp; M.B. Frampton (2016), </a:t>
-            </a:r>
-            <a:r>
-              <a:rPr lang="it-IT" sz="1400" dirty="0">
+              <a:rPr lang="en-US" sz="1400" dirty="0">
+                <a:latin typeface="Times New Roman" panose="02020603050405020304" pitchFamily="18" charset="0"/>
+                <a:cs typeface="Times New Roman" panose="02020603050405020304" pitchFamily="18" charset="0"/>
+              </a:rPr>
+              <a:t>V. Stodden &amp; S. Miguez (2014), </a:t>
+            </a:r>
+            <a:r>
+              <a:rPr lang="en-US" sz="1400" dirty="0">
                 <a:latin typeface="Times New Roman" panose="02020603050405020304" pitchFamily="18" charset="0"/>
                 <a:cs typeface="Times New Roman" panose="02020603050405020304" pitchFamily="18" charset="0"/>
                 <a:hlinkClick r:id="rId5"/>
               </a:rPr>
-              <a:t>https://gigascience.biomedcentral.com/articles/10.1186/s13742-016-0135-4</a:t>
-            </a:r>
-            <a:r>
-              <a:rPr lang="it-IT" sz="1400" dirty="0">
-                <a:latin typeface="Times New Roman" panose="02020603050405020304" pitchFamily="18" charset="0"/>
-                <a:cs typeface="Times New Roman" panose="02020603050405020304" pitchFamily="18" charset="0"/>
-              </a:rPr>
-              <a:t>  </a:t>
-            </a:r>
+              <a:t>https://openresearchsoftware.metajnl.com/articles/10.5334/jors.ay/</a:t>
+            </a:r>
+            <a:endParaRPr lang="en-US" sz="1400" dirty="0">
+              <a:latin typeface="Times New Roman" panose="02020603050405020304" pitchFamily="18" charset="0"/>
+              <a:cs typeface="Times New Roman" panose="02020603050405020304" pitchFamily="18" charset="0"/>
+            </a:endParaRPr>
           </a:p>
           <a:p>
             <a:pPr marL="227013" indent="-227013">
@@ -4680,26 +4814,26 @@
               </a:spcBef>
             </a:pPr>
             <a:r>
-              <a:rPr lang="da-DK" sz="1400" dirty="0">
-                <a:latin typeface="Times New Roman" panose="02020603050405020304" pitchFamily="18" charset="0"/>
-                <a:cs typeface="Times New Roman" panose="02020603050405020304" pitchFamily="18" charset="0"/>
-              </a:rPr>
-              <a:t>G.K. Sandve et al. (2013), </a:t>
-            </a:r>
-            <a:r>
-              <a:rPr lang="da-DK" sz="1400" dirty="0">
+              <a:rPr lang="it-IT" sz="1400" dirty="0">
+                <a:latin typeface="Times New Roman" panose="02020603050405020304" pitchFamily="18" charset="0"/>
+                <a:cs typeface="Times New Roman" panose="02020603050405020304" pitchFamily="18" charset="0"/>
+              </a:rPr>
+              <a:t>S.R. Piccolo &amp; M.B. Frampton (2016), </a:t>
+            </a:r>
+            <a:r>
+              <a:rPr lang="it-IT" sz="1400" dirty="0">
                 <a:latin typeface="Times New Roman" panose="02020603050405020304" pitchFamily="18" charset="0"/>
                 <a:cs typeface="Times New Roman" panose="02020603050405020304" pitchFamily="18" charset="0"/>
                 <a:hlinkClick r:id="rId6"/>
               </a:rPr>
-              <a:t>http://journals.plos.org/ploscompbiol/article?id=10.1371/journal.pcbi.1003285</a:t>
-            </a:r>
-            <a:r>
-              <a:rPr lang="da-DK" sz="1400" dirty="0">
-                <a:latin typeface="Times New Roman" panose="02020603050405020304" pitchFamily="18" charset="0"/>
-                <a:cs typeface="Times New Roman" panose="02020603050405020304" pitchFamily="18" charset="0"/>
-              </a:rPr>
-              <a:t> </a:t>
+              <a:t>https://gigascience.biomedcentral.com/articles/10.1186/s13742-016-0135-4</a:t>
+            </a:r>
+            <a:r>
+              <a:rPr lang="it-IT" sz="1400" dirty="0">
+                <a:latin typeface="Times New Roman" panose="02020603050405020304" pitchFamily="18" charset="0"/>
+                <a:cs typeface="Times New Roman" panose="02020603050405020304" pitchFamily="18" charset="0"/>
+              </a:rPr>
+              <a:t>  </a:t>
             </a:r>
           </a:p>
           <a:p>
@@ -4709,6 +4843,35 @@
               </a:spcBef>
             </a:pPr>
             <a:r>
+              <a:rPr lang="da-DK" sz="1400" dirty="0">
+                <a:latin typeface="Times New Roman" panose="02020603050405020304" pitchFamily="18" charset="0"/>
+                <a:cs typeface="Times New Roman" panose="02020603050405020304" pitchFamily="18" charset="0"/>
+              </a:rPr>
+              <a:t>G.K. Sandve et al. (2013), </a:t>
+            </a:r>
+            <a:r>
+              <a:rPr lang="da-DK" sz="1400" dirty="0">
+                <a:latin typeface="Times New Roman" panose="02020603050405020304" pitchFamily="18" charset="0"/>
+                <a:cs typeface="Times New Roman" panose="02020603050405020304" pitchFamily="18" charset="0"/>
+                <a:hlinkClick r:id="rId7"/>
+              </a:rPr>
+              <a:t>http://journals.plos.org/ploscompbiol/article?id=10.1371/journal.pcbi.1003285</a:t>
+            </a:r>
+            <a:r>
+              <a:rPr lang="da-DK" sz="1400" dirty="0">
+                <a:latin typeface="Times New Roman" panose="02020603050405020304" pitchFamily="18" charset="0"/>
+                <a:cs typeface="Times New Roman" panose="02020603050405020304" pitchFamily="18" charset="0"/>
+              </a:rPr>
+              <a:t> </a:t>
+            </a:r>
+          </a:p>
+          <a:p>
+            <a:pPr marL="227013" indent="-227013">
+              <a:spcBef>
+                <a:spcPts val="300"/>
+              </a:spcBef>
+            </a:pPr>
+            <a:r>
               <a:rPr lang="it-IT" sz="1400" dirty="0">
                 <a:latin typeface="Times New Roman" panose="02020603050405020304" pitchFamily="18" charset="0"/>
                 <a:cs typeface="Times New Roman" panose="02020603050405020304" pitchFamily="18" charset="0"/>
@@ -4719,7 +4882,7 @@
               <a:rPr lang="it-IT" sz="1400" dirty="0">
                 <a:latin typeface="Times New Roman" panose="02020603050405020304" pitchFamily="18" charset="0"/>
                 <a:cs typeface="Times New Roman" panose="02020603050405020304" pitchFamily="18" charset="0"/>
-                <a:hlinkClick r:id="rId7"/>
+                <a:hlinkClick r:id="rId8"/>
               </a:rPr>
               <a:t>https://pdfs.semanticscholar.org/57ee/c0917fc84716e5748c2e94139ab156db3ada.pdf</a:t>
             </a:r>
@@ -4738,7 +4901,7 @@
           <p:cNvPr id="5" name="TextBox 4">
             <a:extLst>
               <a:ext uri="{FF2B5EF4-FFF2-40B4-BE49-F238E27FC236}">
-                <a16:creationId xmlns:a16="http://schemas.microsoft.com/office/drawing/2014/main" id="{019BFA61-21A0-4A72-801D-C7C00BAFA17D}"/>
+                <a16:creationId xmlns:a16="http://schemas.microsoft.com/office/drawing/2014/main" xmlns="" id="{019BFA61-21A0-4A72-801D-C7C00BAFA17D}"/>
               </a:ext>
             </a:extLst>
           </p:cNvPr>
@@ -4747,8 +4910,8 @@
         </p:nvSpPr>
         <p:spPr>
           <a:xfrm>
-            <a:off x="601318" y="4356543"/>
-            <a:ext cx="8413474" cy="1754326"/>
+            <a:off x="601318" y="4601709"/>
+            <a:ext cx="8413474" cy="1500411"/>
           </a:xfrm>
           <a:prstGeom prst="rect">
             <a:avLst/>
@@ -4777,7 +4940,7 @@
               <a:rPr lang="en-US" sz="1400" dirty="0">
                 <a:latin typeface="Times New Roman" panose="02020603050405020304" pitchFamily="18" charset="0"/>
                 <a:cs typeface="Times New Roman" panose="02020603050405020304" pitchFamily="18" charset="0"/>
-                <a:hlinkClick r:id="rId8"/>
+                <a:hlinkClick r:id="rId9"/>
               </a:rPr>
               <a:t>https://hal.inria.fr/hal-01358082/file/guest_rougier_2016.pdf</a:t>
             </a:r>
@@ -4820,7 +4983,7 @@
               <a:rPr lang="en-US" sz="1400" dirty="0">
                 <a:latin typeface="Times New Roman" panose="02020603050405020304" pitchFamily="18" charset="0"/>
                 <a:cs typeface="Times New Roman" panose="02020603050405020304" pitchFamily="18" charset="0"/>
-                <a:hlinkClick r:id="rId9"/>
+                <a:hlinkClick r:id="rId10"/>
               </a:rPr>
               <a:t>http://gael-varoquaux.info/programming/beyond-computational-reproducibility-let-us-aim-for-reusability.html</a:t>
             </a:r>
@@ -4856,7 +5019,7 @@
               <a:rPr lang="en-US" sz="1400" dirty="0">
                 <a:latin typeface="Times New Roman" panose="02020603050405020304" pitchFamily="18" charset="0"/>
                 <a:cs typeface="Times New Roman" panose="02020603050405020304" pitchFamily="18" charset="0"/>
-                <a:hlinkClick r:id="rId10"/>
+                <a:hlinkClick r:id="rId11"/>
               </a:rPr>
               <a:t>http://ropensci.github.io/reproducibility-guide/sections/introduction/</a:t>
             </a:r>
@@ -4879,16 +5042,16 @@
                 <a:latin typeface="Times New Roman" panose="02020603050405020304" pitchFamily="18" charset="0"/>
                 <a:cs typeface="Times New Roman" panose="02020603050405020304" pitchFamily="18" charset="0"/>
               </a:rPr>
-              <a:t>L.A. Barba (2017), https://speakerdeck.com/labarba/introduction-to-computational-reproducibility-and-why-we-care </a:t>
-            </a:r>
-          </a:p>
-          <a:p>
-            <a:pPr marL="227013" indent="-227013">
-              <a:spcBef>
-                <a:spcPts val="300"/>
-              </a:spcBef>
-            </a:pPr>
-            <a:endParaRPr lang="en-US" sz="1400" dirty="0">
+              <a:t>L.A. Barba (2017), https://</a:t>
+            </a:r>
+            <a:r>
+              <a:rPr lang="it-IT" sz="1400">
+                <a:latin typeface="Times New Roman" panose="02020603050405020304" pitchFamily="18" charset="0"/>
+                <a:cs typeface="Times New Roman" panose="02020603050405020304" pitchFamily="18" charset="0"/>
+              </a:rPr>
+              <a:t>speakerdeck.com/labarba/introduction-to-computational-reproducibility-and-why-we-care </a:t>
+            </a:r>
+            <a:endParaRPr lang="it-IT" sz="1400" dirty="0">
               <a:latin typeface="Times New Roman" panose="02020603050405020304" pitchFamily="18" charset="0"/>
               <a:cs typeface="Times New Roman" panose="02020603050405020304" pitchFamily="18" charset="0"/>
             </a:endParaRPr>
@@ -4977,23 +5140,24 @@
           <a:lstStyle/>
           <a:p>
             <a:r>
-              <a:rPr lang="en-US" i="0" dirty="0"/>
-              <a:t>The topic cannot be covered completely in a single lecture…</a:t>
-            </a:r>
-          </a:p>
-          <a:p>
-            <a:pPr lvl="1"/>
-            <a:r>
-              <a:rPr lang="en-US" i="0" dirty="0"/>
-              <a:t>so we provide some pointers for further study</a:t>
-            </a:r>
-          </a:p>
-          <a:p>
-            <a:pPr lvl="1"/>
-            <a:r>
-              <a:rPr lang="en-US" dirty="0"/>
-              <a:t>note that this is an active area of research</a:t>
-            </a:r>
+              <a:rPr lang="en-US" smtClean="0"/>
+              <a:t>A few more links</a:t>
+            </a:r>
+          </a:p>
+          <a:p>
+            <a:pPr lvl="1"/>
+            <a:r>
+              <a:rPr lang="en-US" smtClean="0"/>
+              <a:t>these are just a sampling of resources;  not comprehensive</a:t>
+            </a:r>
+          </a:p>
+          <a:p>
+            <a:pPr lvl="1"/>
+            <a:r>
+              <a:rPr lang="en-US" smtClean="0"/>
+              <a:t>don’t read them all;  skim to find ones that interest you</a:t>
+            </a:r>
+            <a:endParaRPr lang="en-US" dirty="0"/>
           </a:p>
           <a:p>
             <a:pPr lvl="2"/>
@@ -5002,8 +5166,19 @@
           <a:p>
             <a:r>
               <a:rPr lang="en-US" dirty="0"/>
-              <a:t>Biology and health sciences:</a:t>
-            </a:r>
+              <a:t>Biology and health </a:t>
+            </a:r>
+            <a:r>
+              <a:rPr lang="en-US"/>
+              <a:t>sciences</a:t>
+            </a:r>
+            <a:r>
+              <a:rPr lang="en-US" smtClean="0"/>
+              <a:t>:</a:t>
+            </a:r>
+          </a:p>
+          <a:p>
+            <a:endParaRPr lang="en-US" dirty="0"/>
           </a:p>
           <a:p>
             <a:pPr lvl="2"/>
@@ -5036,7 +5211,7 @@
           <p:cNvPr id="7" name="TextBox 6">
             <a:extLst>
               <a:ext uri="{FF2B5EF4-FFF2-40B4-BE49-F238E27FC236}">
-                <a16:creationId xmlns:a16="http://schemas.microsoft.com/office/drawing/2014/main" id="{F35A1A89-FB8A-4F5B-8BD2-9EE4EA8B8583}"/>
+                <a16:creationId xmlns:a16="http://schemas.microsoft.com/office/drawing/2014/main" xmlns="" id="{F35A1A89-FB8A-4F5B-8BD2-9EE4EA8B8583}"/>
               </a:ext>
             </a:extLst>
           </p:cNvPr>
@@ -5046,7 +5221,7 @@
         <p:spPr>
           <a:xfrm>
             <a:off x="583096" y="2346910"/>
-            <a:ext cx="8284265" cy="954107"/>
+            <a:ext cx="8284265" cy="1069524"/>
           </a:xfrm>
           <a:prstGeom prst="rect">
             <a:avLst/>
@@ -5059,6 +5234,11 @@
           </a:bodyPr>
           <a:lstStyle/>
           <a:p>
+            <a:pPr>
+              <a:spcBef>
+                <a:spcPts val="300"/>
+              </a:spcBef>
+            </a:pPr>
             <a:r>
               <a:rPr lang="en-US" sz="1400" dirty="0">
                 <a:latin typeface="Times New Roman" panose="02020603050405020304" pitchFamily="18" charset="0"/>
@@ -5097,6 +5277,11 @@
             </a:r>
           </a:p>
           <a:p>
+            <a:pPr>
+              <a:spcBef>
+                <a:spcPts val="300"/>
+              </a:spcBef>
+            </a:pPr>
             <a:r>
               <a:rPr lang="en-US" sz="1400" dirty="0">
                 <a:latin typeface="Times New Roman" panose="02020603050405020304" pitchFamily="18" charset="0"/>
@@ -5135,6 +5320,11 @@
             </a:r>
           </a:p>
           <a:p>
+            <a:pPr>
+              <a:spcBef>
+                <a:spcPts val="300"/>
+              </a:spcBef>
+            </a:pPr>
             <a:r>
               <a:rPr lang="fr-FR" sz="1400" dirty="0">
                 <a:latin typeface="Times New Roman" panose="02020603050405020304" pitchFamily="18" charset="0"/>
@@ -5173,6 +5363,11 @@
             </a:r>
           </a:p>
           <a:p>
+            <a:pPr>
+              <a:spcBef>
+                <a:spcPts val="300"/>
+              </a:spcBef>
+            </a:pPr>
             <a:r>
               <a:rPr lang="fr-FR" sz="1400" dirty="0">
                 <a:latin typeface="Times New Roman" panose="02020603050405020304" pitchFamily="18" charset="0"/>
@@ -5203,7 +5398,7 @@
           <p:cNvPr id="8" name="TextBox 7">
             <a:extLst>
               <a:ext uri="{FF2B5EF4-FFF2-40B4-BE49-F238E27FC236}">
-                <a16:creationId xmlns:a16="http://schemas.microsoft.com/office/drawing/2014/main" id="{B8371A57-1138-419D-832A-1FE059D9EF9A}"/>
+                <a16:creationId xmlns:a16="http://schemas.microsoft.com/office/drawing/2014/main" xmlns="" id="{B8371A57-1138-419D-832A-1FE059D9EF9A}"/>
               </a:ext>
             </a:extLst>
           </p:cNvPr>
@@ -5212,8 +5407,8 @@
         </p:nvSpPr>
         <p:spPr>
           <a:xfrm>
-            <a:off x="583095" y="3744567"/>
-            <a:ext cx="8284265" cy="523220"/>
+            <a:off x="601318" y="4075872"/>
+            <a:ext cx="8284265" cy="561692"/>
           </a:xfrm>
           <a:prstGeom prst="rect">
             <a:avLst/>
@@ -5226,6 +5421,11 @@
           </a:bodyPr>
           <a:lstStyle/>
           <a:p>
+            <a:pPr>
+              <a:spcBef>
+                <a:spcPts val="300"/>
+              </a:spcBef>
+            </a:pPr>
             <a:r>
               <a:rPr lang="it-IT" sz="1400" dirty="0">
                 <a:latin typeface="Times New Roman" panose="02020603050405020304" pitchFamily="18" charset="0"/>
@@ -5250,6 +5450,11 @@
             </a:r>
           </a:p>
           <a:p>
+            <a:pPr>
+              <a:spcBef>
+                <a:spcPts val="300"/>
+              </a:spcBef>
+            </a:pPr>
             <a:r>
               <a:rPr lang="en-US" sz="1400" dirty="0">
                 <a:latin typeface="Times New Roman" panose="02020603050405020304" pitchFamily="18" charset="0"/>
@@ -5324,7 +5529,7 @@
           <p:cNvPr id="6" name="Content Placeholder 2">
             <a:extLst>
               <a:ext uri="{FF2B5EF4-FFF2-40B4-BE49-F238E27FC236}">
-                <a16:creationId xmlns:a16="http://schemas.microsoft.com/office/drawing/2014/main" id="{9081FF26-7AD5-4767-AF65-A27F1769E1FC}"/>
+                <a16:creationId xmlns:a16="http://schemas.microsoft.com/office/drawing/2014/main" xmlns="" id="{9081FF26-7AD5-4767-AF65-A27F1769E1FC}"/>
               </a:ext>
             </a:extLst>
           </p:cNvPr>
@@ -6159,7 +6364,7 @@
           <p:cNvPr id="4" name="TextBox 3">
             <a:extLst>
               <a:ext uri="{FF2B5EF4-FFF2-40B4-BE49-F238E27FC236}">
-                <a16:creationId xmlns:a16="http://schemas.microsoft.com/office/drawing/2014/main" id="{FE4820D9-EBD7-4753-BD2A-404C67F2A4D8}"/>
+                <a16:creationId xmlns:a16="http://schemas.microsoft.com/office/drawing/2014/main" xmlns="" id="{FE4820D9-EBD7-4753-BD2A-404C67F2A4D8}"/>
               </a:ext>
             </a:extLst>
           </p:cNvPr>
@@ -6326,7 +6531,7 @@
           <p:cNvPr id="4" name="Picture 3">
             <a:extLst>
               <a:ext uri="{FF2B5EF4-FFF2-40B4-BE49-F238E27FC236}">
-                <a16:creationId xmlns:a16="http://schemas.microsoft.com/office/drawing/2014/main" id="{6A8E0E4A-675D-4335-B1B6-0B78D0B7ADC8}"/>
+                <a16:creationId xmlns:a16="http://schemas.microsoft.com/office/drawing/2014/main" xmlns="" id="{6A8E0E4A-675D-4335-B1B6-0B78D0B7ADC8}"/>
               </a:ext>
             </a:extLst>
           </p:cNvPr>
@@ -6356,7 +6561,7 @@
           <p:cNvPr id="5" name="Picture 4">
             <a:extLst>
               <a:ext uri="{FF2B5EF4-FFF2-40B4-BE49-F238E27FC236}">
-                <a16:creationId xmlns:a16="http://schemas.microsoft.com/office/drawing/2014/main" id="{94974CB9-5BFD-42F0-8E4B-A8ECDFDFF4D2}"/>
+                <a16:creationId xmlns:a16="http://schemas.microsoft.com/office/drawing/2014/main" xmlns="" id="{94974CB9-5BFD-42F0-8E4B-A8ECDFDFF4D2}"/>
               </a:ext>
             </a:extLst>
           </p:cNvPr>
@@ -6386,7 +6591,7 @@
           <p:cNvPr id="6" name="TextBox 5">
             <a:extLst>
               <a:ext uri="{FF2B5EF4-FFF2-40B4-BE49-F238E27FC236}">
-                <a16:creationId xmlns:a16="http://schemas.microsoft.com/office/drawing/2014/main" id="{61328A6C-5F57-4BFC-984C-4E43AA9106BF}"/>
+                <a16:creationId xmlns:a16="http://schemas.microsoft.com/office/drawing/2014/main" xmlns="" id="{61328A6C-5F57-4BFC-984C-4E43AA9106BF}"/>
               </a:ext>
             </a:extLst>
           </p:cNvPr>
@@ -6568,7 +6773,7 @@
           <p:cNvPr id="5" name="TextBox 4">
             <a:extLst>
               <a:ext uri="{FF2B5EF4-FFF2-40B4-BE49-F238E27FC236}">
-                <a16:creationId xmlns:a16="http://schemas.microsoft.com/office/drawing/2014/main" id="{019BFA61-21A0-4A72-801D-C7C00BAFA17D}"/>
+                <a16:creationId xmlns:a16="http://schemas.microsoft.com/office/drawing/2014/main" xmlns="" id="{019BFA61-21A0-4A72-801D-C7C00BAFA17D}"/>
               </a:ext>
             </a:extLst>
           </p:cNvPr>
@@ -6883,7 +7088,7 @@
           <p:cNvPr id="6" name="Content Placeholder 2">
             <a:extLst>
               <a:ext uri="{FF2B5EF4-FFF2-40B4-BE49-F238E27FC236}">
-                <a16:creationId xmlns:a16="http://schemas.microsoft.com/office/drawing/2014/main" id="{9081FF26-7AD5-4767-AF65-A27F1769E1FC}"/>
+                <a16:creationId xmlns:a16="http://schemas.microsoft.com/office/drawing/2014/main" xmlns="" id="{9081FF26-7AD5-4767-AF65-A27F1769E1FC}"/>
               </a:ext>
             </a:extLst>
           </p:cNvPr>
@@ -7231,7 +7436,7 @@
           <p:cNvPr id="1026" name="Picture 2" descr="Shifter logo">
             <a:extLst>
               <a:ext uri="{FF2B5EF4-FFF2-40B4-BE49-F238E27FC236}">
-                <a16:creationId xmlns:a16="http://schemas.microsoft.com/office/drawing/2014/main" id="{66DA49E9-6E33-4D38-9858-6ADEBD4307E3}"/>
+                <a16:creationId xmlns:a16="http://schemas.microsoft.com/office/drawing/2014/main" xmlns="" id="{66DA49E9-6E33-4D38-9858-6ADEBD4307E3}"/>
               </a:ext>
             </a:extLst>
           </p:cNvPr>
@@ -7278,7 +7483,7 @@
           <p:cNvPr id="6" name="TextBox 5">
             <a:extLst>
               <a:ext uri="{FF2B5EF4-FFF2-40B4-BE49-F238E27FC236}">
-                <a16:creationId xmlns:a16="http://schemas.microsoft.com/office/drawing/2014/main" id="{1DE7DDFE-E229-4C3B-87E8-E52E3770DC0C}"/>
+                <a16:creationId xmlns:a16="http://schemas.microsoft.com/office/drawing/2014/main" xmlns="" id="{1DE7DDFE-E229-4C3B-87E8-E52E3770DC0C}"/>
               </a:ext>
             </a:extLst>
           </p:cNvPr>
@@ -7496,7 +7701,19 @@
             <a:pPr lvl="1"/>
             <a:r>
               <a:rPr lang="en-US" sz="1600" i="0" dirty="0"/>
-              <a:t>US Department of Energy requires a Digital Management Plan</a:t>
+              <a:t>US Department of Energy requires </a:t>
+            </a:r>
+            <a:r>
+              <a:rPr lang="en-US" sz="1600" i="0"/>
+              <a:t>a </a:t>
+            </a:r>
+            <a:r>
+              <a:rPr lang="en-US" sz="1600" i="0" smtClean="0"/>
+              <a:t>Data </a:t>
+            </a:r>
+            <a:r>
+              <a:rPr lang="en-US" sz="1600" i="0" dirty="0"/>
+              <a:t>Management Plan</a:t>
             </a:r>
           </a:p>
           <a:p>
@@ -7516,7 +7733,7 @@
           <p:cNvPr id="4" name="TextBox 3">
             <a:extLst>
               <a:ext uri="{FF2B5EF4-FFF2-40B4-BE49-F238E27FC236}">
-                <a16:creationId xmlns:a16="http://schemas.microsoft.com/office/drawing/2014/main" id="{7513C421-393B-4FF0-932C-5CBCC33C43BF}"/>
+                <a16:creationId xmlns:a16="http://schemas.microsoft.com/office/drawing/2014/main" xmlns="" id="{7513C421-393B-4FF0-932C-5CBCC33C43BF}"/>
               </a:ext>
             </a:extLst>
           </p:cNvPr>
@@ -8043,7 +8260,7 @@
           <p:cNvPr id="6" name="Content Placeholder 2">
             <a:extLst>
               <a:ext uri="{FF2B5EF4-FFF2-40B4-BE49-F238E27FC236}">
-                <a16:creationId xmlns:a16="http://schemas.microsoft.com/office/drawing/2014/main" id="{9081FF26-7AD5-4767-AF65-A27F1769E1FC}"/>
+                <a16:creationId xmlns:a16="http://schemas.microsoft.com/office/drawing/2014/main" xmlns="" id="{9081FF26-7AD5-4767-AF65-A27F1769E1FC}"/>
               </a:ext>
             </a:extLst>
           </p:cNvPr>
@@ -8151,7 +8368,15 @@
             <a:pPr lvl="1"/>
             <a:r>
               <a:rPr lang="en-US" dirty="0"/>
-              <a:t>replicability is the essential first step (but more difficult to say…)</a:t>
+              <a:t>replicability is the essential </a:t>
+            </a:r>
+            <a:r>
+              <a:rPr lang="en-US"/>
+              <a:t>first </a:t>
+            </a:r>
+            <a:r>
+              <a:rPr lang="en-US" smtClean="0"/>
+              <a:t>step</a:t>
             </a:r>
             <a:endParaRPr lang="en-US" sz="1600" i="0" dirty="0"/>
           </a:p>
@@ -8168,7 +8393,7 @@
           <p:cNvPr id="7" name="TextBox 6">
             <a:extLst>
               <a:ext uri="{FF2B5EF4-FFF2-40B4-BE49-F238E27FC236}">
-                <a16:creationId xmlns:a16="http://schemas.microsoft.com/office/drawing/2014/main" id="{FD17F330-126A-4302-ABDD-998D38C067B6}"/>
+                <a16:creationId xmlns:a16="http://schemas.microsoft.com/office/drawing/2014/main" xmlns="" id="{FD17F330-126A-4302-ABDD-998D38C067B6}"/>
               </a:ext>
             </a:extLst>
           </p:cNvPr>
@@ -8401,7 +8626,7 @@
           <p:cNvPr id="6" name="Content Placeholder 2">
             <a:extLst>
               <a:ext uri="{FF2B5EF4-FFF2-40B4-BE49-F238E27FC236}">
-                <a16:creationId xmlns:a16="http://schemas.microsoft.com/office/drawing/2014/main" id="{9081FF26-7AD5-4767-AF65-A27F1769E1FC}"/>
+                <a16:creationId xmlns:a16="http://schemas.microsoft.com/office/drawing/2014/main" xmlns="" id="{9081FF26-7AD5-4767-AF65-A27F1769E1FC}"/>
               </a:ext>
             </a:extLst>
           </p:cNvPr>
@@ -8466,15 +8691,40 @@
           <a:p>
             <a:r>
               <a:rPr lang="en-US" sz="1800" i="0" dirty="0"/>
-              <a:t>Political and social reasons</a:t>
-            </a:r>
+              <a:t>Political and </a:t>
+            </a:r>
+            <a:r>
+              <a:rPr lang="en-US" sz="1800" i="0"/>
+              <a:t>social </a:t>
+            </a:r>
+            <a:r>
+              <a:rPr lang="en-US" sz="1800" i="0" smtClean="0"/>
+              <a:t>reasons (incomplete list)</a:t>
+            </a:r>
+            <a:endParaRPr lang="en-US" sz="1800" i="0" dirty="0"/>
           </a:p>
           <a:p>
             <a:pPr lvl="1"/>
             <a:r>
               <a:rPr lang="en-US" sz="1600" i="0" dirty="0"/>
-              <a:t>don’t want to share years of effort with others, who would directly benefit</a:t>
-            </a:r>
+              <a:t>don’t want to share years of effort with others, who would </a:t>
+            </a:r>
+            <a:r>
+              <a:rPr lang="en-US" sz="1600" i="0"/>
+              <a:t>directly </a:t>
+            </a:r>
+            <a:r>
+              <a:rPr lang="en-US" sz="1600" i="0" smtClean="0"/>
+              <a:t>benefit</a:t>
+            </a:r>
+          </a:p>
+          <a:p>
+            <a:pPr lvl="1"/>
+            <a:r>
+              <a:rPr lang="en-US" smtClean="0"/>
+              <a:t>software license may forbid sharing</a:t>
+            </a:r>
+            <a:endParaRPr lang="en-US" sz="1600" i="0" dirty="0"/>
           </a:p>
           <a:p>
             <a:pPr lvl="1"/>
@@ -8510,23 +8760,57 @@
           <a:p>
             <a:pPr lvl="1"/>
             <a:r>
+              <a:rPr lang="en-US" sz="1600" i="0" smtClean="0"/>
+              <a:t>the software may be </a:t>
+            </a:r>
+            <a:r>
               <a:rPr lang="en-US" sz="1600" i="0" dirty="0"/>
-              <a:t>it can be very difficult to build/install the software</a:t>
-            </a:r>
+              <a:t>difficult </a:t>
+            </a:r>
+            <a:r>
+              <a:rPr lang="en-US" sz="1600" i="0"/>
+              <a:t>to </a:t>
+            </a:r>
+            <a:r>
+              <a:rPr lang="en-US" sz="1600" i="0" smtClean="0"/>
+              <a:t>build/install</a:t>
+            </a:r>
+            <a:endParaRPr lang="en-US" sz="1600" i="0" dirty="0"/>
           </a:p>
           <a:p>
             <a:pPr lvl="1"/>
             <a:r>
               <a:rPr lang="en-US" sz="1600" i="0" dirty="0"/>
-              <a:t>the software may be very difficult to use</a:t>
-            </a:r>
-          </a:p>
-          <a:p>
-            <a:pPr lvl="1"/>
+              <a:t>the software may </a:t>
+            </a:r>
+            <a:r>
+              <a:rPr lang="en-US" sz="1600" i="0"/>
+              <a:t>be </a:t>
+            </a:r>
+            <a:r>
+              <a:rPr lang="en-US" sz="1600" i="0" smtClean="0"/>
+              <a:t>difficult </a:t>
+            </a:r>
             <a:r>
               <a:rPr lang="en-US" sz="1600" i="0" dirty="0"/>
-              <a:t>the simulations may require many processors</a:t>
-            </a:r>
+              <a:t>to use</a:t>
+            </a:r>
+          </a:p>
+          <a:p>
+            <a:pPr lvl="1"/>
+            <a:r>
+              <a:rPr lang="en-US" sz="1600" i="0" dirty="0"/>
+              <a:t>the simulations may require </a:t>
+            </a:r>
+            <a:r>
+              <a:rPr lang="en-US" sz="1600" i="0"/>
+              <a:t>many </a:t>
+            </a:r>
+            <a:r>
+              <a:rPr lang="en-US" sz="1600" i="0" smtClean="0"/>
+              <a:t>processors, generate large data sets, etc.</a:t>
+            </a:r>
+            <a:endParaRPr lang="en-US" sz="1600" i="0" dirty="0"/>
           </a:p>
           <a:p>
             <a:pPr lvl="1"/>
@@ -8579,7 +8863,7 @@
         </p:nvSpPr>
         <p:spPr>
           <a:xfrm>
-            <a:off x="0" y="140672"/>
+            <a:off x="0" y="887"/>
             <a:ext cx="9144000" cy="589085"/>
           </a:xfrm>
         </p:spPr>
@@ -8601,7 +8885,7 @@
           <p:cNvPr id="6" name="Content Placeholder 2">
             <a:extLst>
               <a:ext uri="{FF2B5EF4-FFF2-40B4-BE49-F238E27FC236}">
-                <a16:creationId xmlns:a16="http://schemas.microsoft.com/office/drawing/2014/main" id="{9081FF26-7AD5-4767-AF65-A27F1769E1FC}"/>
+                <a16:creationId xmlns:a16="http://schemas.microsoft.com/office/drawing/2014/main" xmlns="" id="{9081FF26-7AD5-4767-AF65-A27F1769E1FC}"/>
               </a:ext>
             </a:extLst>
           </p:cNvPr>
@@ -8614,8 +8898,8 @@
         </p:nvSpPr>
         <p:spPr>
           <a:xfrm>
-            <a:off x="152400" y="827314"/>
-            <a:ext cx="8839200" cy="5146766"/>
+            <a:off x="152400" y="649357"/>
+            <a:ext cx="8839200" cy="5592417"/>
           </a:xfrm>
         </p:spPr>
         <p:txBody>
@@ -8700,8 +8984,75 @@
             <a:pPr lvl="1"/>
             <a:r>
               <a:rPr lang="en-US" sz="1600" i="0" dirty="0"/>
-              <a:t>Is it appropriate for funding agencies to require reproducibility?</a:t>
-            </a:r>
+              <a:t>Is it appropriate for funding agencies to require </a:t>
+            </a:r>
+            <a:r>
+              <a:rPr lang="en-US" sz="1600" i="0"/>
+              <a:t>reproducibility</a:t>
+            </a:r>
+            <a:r>
+              <a:rPr lang="en-US" sz="1600" i="0" smtClean="0"/>
+              <a:t>?</a:t>
+            </a:r>
+          </a:p>
+          <a:p>
+            <a:pPr lvl="1"/>
+            <a:r>
+              <a:rPr lang="en-US"/>
+              <a:t>Should journals require access to source code</a:t>
+            </a:r>
+            <a:r>
+              <a:rPr lang="en-US"/>
+              <a:t>? </a:t>
+            </a:r>
+            <a:endParaRPr lang="en-US" smtClean="0"/>
+          </a:p>
+          <a:p>
+            <a:pPr lvl="1"/>
+            <a:r>
+              <a:rPr lang="en-US" smtClean="0"/>
+              <a:t>Should </a:t>
+            </a:r>
+            <a:r>
+              <a:rPr lang="en-US"/>
+              <a:t>all code be open </a:t>
+            </a:r>
+            <a:r>
+              <a:rPr lang="en-US"/>
+              <a:t>source</a:t>
+            </a:r>
+            <a:r>
+              <a:rPr lang="en-US" smtClean="0"/>
+              <a:t>?</a:t>
+            </a:r>
+          </a:p>
+          <a:p>
+            <a:pPr lvl="1"/>
+            <a:endParaRPr lang="en-US"/>
+          </a:p>
+          <a:p>
+            <a:r>
+              <a:rPr lang="en-US"/>
+              <a:t>Who should bear the cost of reproducibility?</a:t>
+            </a:r>
+          </a:p>
+          <a:p>
+            <a:pPr lvl="1"/>
+            <a:r>
+              <a:rPr lang="en-US"/>
+              <a:t>Should the journal have an editor dedicated to reproducibility?</a:t>
+            </a:r>
+          </a:p>
+          <a:p>
+            <a:pPr lvl="1"/>
+            <a:r>
+              <a:rPr lang="en-US"/>
+              <a:t>Should the research project have to demonstrate reproducibility?</a:t>
+            </a:r>
+          </a:p>
+          <a:p>
+            <a:pPr lvl="1"/>
+            <a:endParaRPr lang="en-US" sz="1600" i="0" dirty="0"/>
           </a:p>
         </p:txBody>
       </p:sp>
@@ -8774,7 +9125,7 @@
           <p:cNvPr id="7" name="Content Placeholder 2">
             <a:extLst>
               <a:ext uri="{FF2B5EF4-FFF2-40B4-BE49-F238E27FC236}">
-                <a16:creationId xmlns:a16="http://schemas.microsoft.com/office/drawing/2014/main" id="{496BB089-B99F-4F8D-ABB1-4F20546276A3}"/>
+                <a16:creationId xmlns:a16="http://schemas.microsoft.com/office/drawing/2014/main" xmlns="" id="{496BB089-B99F-4F8D-ABB1-4F20546276A3}"/>
               </a:ext>
             </a:extLst>
           </p:cNvPr>
@@ -8812,8 +9163,24 @@
           <a:p>
             <a:pPr lvl="1"/>
             <a:r>
+              <a:rPr lang="en-US" i="0" smtClean="0"/>
+              <a:t>need </a:t>
+            </a:r>
+            <a:r>
               <a:rPr lang="en-US" i="0" dirty="0"/>
-              <a:t>we want confidence that published/presented results are correct</a:t>
+              <a:t>confidence </a:t>
+            </a:r>
+            <a:r>
+              <a:rPr lang="en-US" i="0"/>
+              <a:t>that </a:t>
+            </a:r>
+            <a:r>
+              <a:rPr lang="en-US" i="0" smtClean="0"/>
+              <a:t>other published/presented </a:t>
+            </a:r>
+            <a:r>
+              <a:rPr lang="en-US" i="0" dirty="0"/>
+              <a:t>results are correct</a:t>
             </a:r>
           </a:p>
           <a:p>
@@ -8979,7 +9346,15 @@
             </a:r>
             <a:r>
               <a:rPr lang="en-US" sz="2000" b="0" dirty="0"/>
-              <a:t>without it, reproducibility loses a lot of its value</a:t>
+              <a:t>without it, reproducibility loses a lot </a:t>
+            </a:r>
+            <a:r>
+              <a:rPr lang="en-US" sz="2000" b="0"/>
+              <a:t>of </a:t>
+            </a:r>
+            <a:r>
+              <a:rPr lang="en-US" sz="2000" b="0" smtClean="0"/>
+              <a:t>value</a:t>
             </a:r>
             <a:endParaRPr lang="en-US" b="0" dirty="0"/>
           </a:p>
@@ -8990,7 +9365,7 @@
           <p:cNvPr id="7" name="Content Placeholder 2">
             <a:extLst>
               <a:ext uri="{FF2B5EF4-FFF2-40B4-BE49-F238E27FC236}">
-                <a16:creationId xmlns:a16="http://schemas.microsoft.com/office/drawing/2014/main" id="{496BB089-B99F-4F8D-ABB1-4F20546276A3}"/>
+                <a16:creationId xmlns:a16="http://schemas.microsoft.com/office/drawing/2014/main" xmlns="" id="{496BB089-B99F-4F8D-ABB1-4F20546276A3}"/>
               </a:ext>
             </a:extLst>
           </p:cNvPr>
@@ -9097,14 +9472,42 @@
           <a:p>
             <a:r>
               <a:rPr lang="en-US" i="0" dirty="0"/>
-              <a:t>If a code is very difficult to use, what does reproducibility really mean?</a:t>
-            </a:r>
-          </a:p>
-          <a:p>
-            <a:pPr lvl="1"/>
-            <a:r>
-              <a:rPr lang="en-US" dirty="0"/>
-              <a:t>if you are given a replicated environment to work in, what do you do next?</a:t>
+              <a:t>If a </a:t>
+            </a:r>
+            <a:r>
+              <a:rPr lang="en-US" i="0"/>
+              <a:t>code </a:t>
+            </a:r>
+            <a:r>
+              <a:rPr lang="en-US" i="0" smtClean="0"/>
+              <a:t>is </a:t>
+            </a:r>
+            <a:r>
+              <a:rPr lang="en-US" i="0" dirty="0"/>
+              <a:t>difficult to use, what </a:t>
+            </a:r>
+            <a:r>
+              <a:rPr lang="en-US" i="0"/>
+              <a:t>does </a:t>
+            </a:r>
+            <a:r>
+              <a:rPr lang="en-US" i="0" smtClean="0"/>
+              <a:t>reproducibility </a:t>
+            </a:r>
+            <a:r>
+              <a:rPr lang="en-US" i="0" dirty="0"/>
+              <a:t>mean?</a:t>
+            </a:r>
+          </a:p>
+          <a:p>
+            <a:pPr lvl="1"/>
+            <a:r>
+              <a:rPr lang="en-US" smtClean="0"/>
+              <a:t>given </a:t>
+            </a:r>
+            <a:r>
+              <a:rPr lang="en-US" dirty="0"/>
+              <a:t>a replicated environment to work in, what do you do next?</a:t>
             </a:r>
           </a:p>
           <a:p>
@@ -9212,7 +9615,7 @@
           <p:cNvPr id="8" name="Content Placeholder 2">
             <a:extLst>
               <a:ext uri="{FF2B5EF4-FFF2-40B4-BE49-F238E27FC236}">
-                <a16:creationId xmlns:a16="http://schemas.microsoft.com/office/drawing/2014/main" id="{B23837A6-5E62-48BD-8241-836D8AC802E1}"/>
+                <a16:creationId xmlns:a16="http://schemas.microsoft.com/office/drawing/2014/main" xmlns="" id="{B23837A6-5E62-48BD-8241-836D8AC802E1}"/>
               </a:ext>
             </a:extLst>
           </p:cNvPr>
@@ -9243,7 +9646,19 @@
           <a:p>
             <a:r>
               <a:rPr lang="en-US" i="0" dirty="0"/>
-              <a:t>This approach can be very powerful:</a:t>
+              <a:t>This approach </a:t>
+            </a:r>
+            <a:r>
+              <a:rPr lang="en-US" i="0"/>
+              <a:t>can </a:t>
+            </a:r>
+            <a:r>
+              <a:rPr lang="en-US" i="0" smtClean="0"/>
+              <a:t>be </a:t>
+            </a:r>
+            <a:r>
+              <a:rPr lang="en-US" i="0" dirty="0"/>
+              <a:t>powerful:</a:t>
             </a:r>
           </a:p>
           <a:p>
@@ -9277,8 +9692,37 @@
             <a:pPr lvl="1"/>
             <a:r>
               <a:rPr lang="en-US" i="0" dirty="0"/>
-              <a:t>Python 2.7.x is not compatible with Python 3.x</a:t>
-            </a:r>
+              <a:t>Python </a:t>
+            </a:r>
+            <a:r>
+              <a:rPr lang="en-US" i="0"/>
+              <a:t>2.7.x </a:t>
+            </a:r>
+            <a:r>
+              <a:rPr lang="en-US" i="0" smtClean="0"/>
+              <a:t>code is </a:t>
+            </a:r>
+            <a:r>
+              <a:rPr lang="en-US" i="0"/>
+              <a:t>not </a:t>
+            </a:r>
+            <a:r>
+              <a:rPr lang="en-US" i="0" smtClean="0"/>
+              <a:t>always compatible </a:t>
+            </a:r>
+            <a:r>
+              <a:rPr lang="en-US" i="0" dirty="0"/>
+              <a:t>with </a:t>
+            </a:r>
+            <a:r>
+              <a:rPr lang="en-US" i="0"/>
+              <a:t>Python </a:t>
+            </a:r>
+            <a:r>
+              <a:rPr lang="en-US" i="0" smtClean="0"/>
+              <a:t>3.x code</a:t>
+            </a:r>
+            <a:endParaRPr lang="en-US" i="0" dirty="0"/>
           </a:p>
           <a:p>
             <a:pPr lvl="1"/>
@@ -9319,26 +9763,48 @@
             <a:pPr lvl="2"/>
             <a:r>
               <a:rPr lang="en-US" b="1" i="0" dirty="0"/>
-              <a:t> C/C++ and Fortran libraries and compilers are not</a:t>
-            </a:r>
-          </a:p>
-          <a:p>
-            <a:pPr lvl="1"/>
+              <a:t> C/C++ and Fortran libraries and </a:t>
+            </a:r>
+            <a:r>
+              <a:rPr lang="en-US" b="1" i="0"/>
+              <a:t>compilers </a:t>
+            </a:r>
+            <a:r>
+              <a:rPr lang="en-US" smtClean="0"/>
+              <a:t>less so</a:t>
+            </a:r>
+            <a:endParaRPr lang="en-US" b="1" i="0" dirty="0"/>
+          </a:p>
+          <a:p>
+            <a:pPr lvl="1"/>
+            <a:r>
+              <a:rPr lang="en-US" i="0" smtClean="0"/>
+              <a:t>a computer may have </a:t>
+            </a:r>
             <a:r>
               <a:rPr lang="en-US" i="0" dirty="0"/>
-              <a:t>one frequently has multiple versions of installed Python </a:t>
+              <a:t>multiple versions of installed Python </a:t>
             </a:r>
           </a:p>
           <a:p>
             <a:pPr lvl="2"/>
             <a:r>
               <a:rPr lang="en-US" b="1" i="0" dirty="0"/>
-              <a:t> this creates confusion</a:t>
-            </a:r>
-            <a:r>
-              <a:rPr lang="en-US" dirty="0"/>
+              <a:t> this </a:t>
+            </a:r>
+            <a:r>
+              <a:rPr lang="en-US" b="1" i="0"/>
+              <a:t>creates </a:t>
+            </a:r>
+            <a:r>
+              <a:rPr lang="en-US" b="1" i="0" smtClean="0"/>
+              <a:t>additional complexity</a:t>
+            </a:r>
+            <a:r>
+              <a:rPr lang="en-US" smtClean="0"/>
               <a:t> </a:t>
             </a:r>
+            <a:endParaRPr lang="en-US" dirty="0"/>
           </a:p>
         </p:txBody>
       </p:sp>
@@ -9406,7 +9872,7 @@
           <p:cNvPr id="6" name="Content Placeholder 2">
             <a:extLst>
               <a:ext uri="{FF2B5EF4-FFF2-40B4-BE49-F238E27FC236}">
-                <a16:creationId xmlns:a16="http://schemas.microsoft.com/office/drawing/2014/main" id="{9081FF26-7AD5-4767-AF65-A27F1769E1FC}"/>
+                <a16:creationId xmlns:a16="http://schemas.microsoft.com/office/drawing/2014/main" xmlns="" id="{9081FF26-7AD5-4767-AF65-A27F1769E1FC}"/>
               </a:ext>
             </a:extLst>
           </p:cNvPr>

--- a/computational_reproducibility/lecture/2018_ComputationalReproducibility_Bruhwiler_USPAS.pptx
+++ b/computational_reproducibility/lecture/2018_ComputationalReproducibility_Bruhwiler_USPAS.pptx
@@ -5,7 +5,7 @@
     <p:sldMasterId id="2147483696" r:id="rId1"/>
   </p:sldMasterIdLst>
   <p:notesMasterIdLst>
-    <p:notesMasterId r:id="rId23"/>
+    <p:notesMasterId r:id="rId22"/>
   </p:notesMasterIdLst>
   <p:sldIdLst>
     <p:sldId id="297" r:id="rId2"/>
@@ -22,13 +22,12 @@
     <p:sldId id="412" r:id="rId13"/>
     <p:sldId id="401" r:id="rId14"/>
     <p:sldId id="420" r:id="rId15"/>
-    <p:sldId id="421" r:id="rId16"/>
-    <p:sldId id="413" r:id="rId17"/>
-    <p:sldId id="423" r:id="rId18"/>
-    <p:sldId id="422" r:id="rId19"/>
-    <p:sldId id="394" r:id="rId20"/>
-    <p:sldId id="395" r:id="rId21"/>
-    <p:sldId id="424" r:id="rId22"/>
+    <p:sldId id="413" r:id="rId16"/>
+    <p:sldId id="423" r:id="rId17"/>
+    <p:sldId id="422" r:id="rId18"/>
+    <p:sldId id="394" r:id="rId19"/>
+    <p:sldId id="395" r:id="rId20"/>
+    <p:sldId id="424" r:id="rId21"/>
   </p:sldIdLst>
   <p:sldSz cx="9144000" cy="6858000" type="screen4x3"/>
   <p:notesSz cx="6858000" cy="9144000"/>
@@ -235,7 +234,7 @@
           <a:p>
             <a:fld id="{C5D37280-896D-453C-A8B2-790CBDCE44E5}" type="datetimeFigureOut">
               <a:rPr lang="en-US" smtClean="0"/>
-              <a:t>1/8/2018</a:t>
+              <a:t>1/9/2018</a:t>
             </a:fld>
             <a:endParaRPr lang="en-US"/>
           </a:p>
@@ -1089,7 +1088,7 @@
     </p:spTree>
     <p:extLst>
       <p:ext uri="{BB962C8B-B14F-4D97-AF65-F5344CB8AC3E}">
-        <p14:creationId xmlns:p14="http://schemas.microsoft.com/office/powerpoint/2010/main" val="3758923356"/>
+        <p14:creationId xmlns:p14="http://schemas.microsoft.com/office/powerpoint/2010/main" val="1265170844"/>
       </p:ext>
     </p:extLst>
   </p:cSld>
@@ -1173,7 +1172,7 @@
     </p:spTree>
     <p:extLst>
       <p:ext uri="{BB962C8B-B14F-4D97-AF65-F5344CB8AC3E}">
-        <p14:creationId xmlns:p14="http://schemas.microsoft.com/office/powerpoint/2010/main" val="1265170844"/>
+        <p14:creationId xmlns:p14="http://schemas.microsoft.com/office/powerpoint/2010/main" val="1361812418"/>
       </p:ext>
     </p:extLst>
   </p:cSld>
@@ -1257,7 +1256,7 @@
     </p:spTree>
     <p:extLst>
       <p:ext uri="{BB962C8B-B14F-4D97-AF65-F5344CB8AC3E}">
-        <p14:creationId xmlns:p14="http://schemas.microsoft.com/office/powerpoint/2010/main" val="1361812418"/>
+        <p14:creationId xmlns:p14="http://schemas.microsoft.com/office/powerpoint/2010/main" val="3182110801"/>
       </p:ext>
     </p:extLst>
   </p:cSld>
@@ -1341,7 +1340,7 @@
     </p:spTree>
     <p:extLst>
       <p:ext uri="{BB962C8B-B14F-4D97-AF65-F5344CB8AC3E}">
-        <p14:creationId xmlns:p14="http://schemas.microsoft.com/office/powerpoint/2010/main" val="3182110801"/>
+        <p14:creationId xmlns:p14="http://schemas.microsoft.com/office/powerpoint/2010/main" val="384814357"/>
       </p:ext>
     </p:extLst>
   </p:cSld>
@@ -1425,7 +1424,7 @@
     </p:spTree>
     <p:extLst>
       <p:ext uri="{BB962C8B-B14F-4D97-AF65-F5344CB8AC3E}">
-        <p14:creationId xmlns:p14="http://schemas.microsoft.com/office/powerpoint/2010/main" val="384814357"/>
+        <p14:creationId xmlns:p14="http://schemas.microsoft.com/office/powerpoint/2010/main" val="2620879761"/>
       </p:ext>
     </p:extLst>
   </p:cSld>
@@ -1585,90 +1584,6 @@
             <a:fld id="{4E0E9D85-81CD-44C8-8F15-3AA06C34AF8C}" type="slidenum">
               <a:rPr lang="en-US" smtClean="0"/>
               <a:t>20</a:t>
-            </a:fld>
-            <a:endParaRPr lang="en-US"/>
-          </a:p>
-        </p:txBody>
-      </p:sp>
-    </p:spTree>
-    <p:extLst>
-      <p:ext uri="{BB962C8B-B14F-4D97-AF65-F5344CB8AC3E}">
-        <p14:creationId xmlns:p14="http://schemas.microsoft.com/office/powerpoint/2010/main" val="2620879761"/>
-      </p:ext>
-    </p:extLst>
-  </p:cSld>
-  <p:clrMapOvr>
-    <a:masterClrMapping/>
-  </p:clrMapOvr>
-</p:notes>
-</file>
-
-<file path=ppt/notesSlides/notesSlide21.xml><?xml version="1.0" encoding="utf-8"?>
-<p:notes xmlns:a="http://schemas.openxmlformats.org/drawingml/2006/main" xmlns:r="http://schemas.openxmlformats.org/officeDocument/2006/relationships" xmlns:p="http://schemas.openxmlformats.org/presentationml/2006/main">
-  <p:cSld>
-    <p:spTree>
-      <p:nvGrpSpPr>
-        <p:cNvPr id="1" name=""/>
-        <p:cNvGrpSpPr/>
-        <p:nvPr/>
-      </p:nvGrpSpPr>
-      <p:grpSpPr>
-        <a:xfrm>
-          <a:off x="0" y="0"/>
-          <a:ext cx="0" cy="0"/>
-          <a:chOff x="0" y="0"/>
-          <a:chExt cx="0" cy="0"/>
-        </a:xfrm>
-      </p:grpSpPr>
-      <p:sp>
-        <p:nvSpPr>
-          <p:cNvPr id="2" name="Slide Image Placeholder 1"/>
-          <p:cNvSpPr>
-            <a:spLocks noGrp="1" noRot="1" noChangeAspect="1"/>
-          </p:cNvSpPr>
-          <p:nvPr>
-            <p:ph type="sldImg"/>
-          </p:nvPr>
-        </p:nvSpPr>
-        <p:spPr/>
-      </p:sp>
-      <p:sp>
-        <p:nvSpPr>
-          <p:cNvPr id="3" name="Notes Placeholder 2"/>
-          <p:cNvSpPr>
-            <a:spLocks noGrp="1"/>
-          </p:cNvSpPr>
-          <p:nvPr>
-            <p:ph type="body" idx="1"/>
-          </p:nvPr>
-        </p:nvSpPr>
-        <p:spPr/>
-        <p:txBody>
-          <a:bodyPr/>
-          <a:lstStyle/>
-          <a:p>
-            <a:endParaRPr lang="en-US"/>
-          </a:p>
-        </p:txBody>
-      </p:sp>
-      <p:sp>
-        <p:nvSpPr>
-          <p:cNvPr id="4" name="Slide Number Placeholder 3"/>
-          <p:cNvSpPr>
-            <a:spLocks noGrp="1"/>
-          </p:cNvSpPr>
-          <p:nvPr>
-            <p:ph type="sldNum" sz="quarter" idx="10"/>
-          </p:nvPr>
-        </p:nvSpPr>
-        <p:spPr/>
-        <p:txBody>
-          <a:bodyPr/>
-          <a:lstStyle/>
-          <a:p>
-            <a:fld id="{4E0E9D85-81CD-44C8-8F15-3AA06C34AF8C}" type="slidenum">
-              <a:rPr lang="en-US" smtClean="0"/>
-              <a:t>21</a:t>
             </a:fld>
             <a:endParaRPr lang="en-US"/>
           </a:p>
@@ -2814,7 +2729,7 @@
               <a:pPr>
                 <a:defRPr/>
               </a:pPr>
-              <a:t>1/8/2018</a:t>
+              <a:t>1/9/2018</a:t>
             </a:fld>
             <a:endParaRPr lang="en-US"/>
           </a:p>
@@ -2999,7 +2914,7 @@
           <a:p>
             <a:fld id="{DFF43710-F8AB-6840-B03A-23D4C2B2884A}" type="datetimeFigureOut">
               <a:rPr lang="en-US" smtClean="0"/>
-              <a:t>1/8/2018</a:t>
+              <a:t>1/9/2018</a:t>
             </a:fld>
             <a:endParaRPr lang="en-US"/>
           </a:p>
@@ -3244,7 +3159,7 @@
               <a:pPr defTabSz="914400">
                 <a:defRPr/>
               </a:pPr>
-              <a:t>1/8/2018</a:t>
+              <a:t>1/9/2018</a:t>
             </a:fld>
             <a:endParaRPr lang="en-US"/>
           </a:p>
@@ -3816,17 +3731,10 @@
                 <a:latin typeface="Times New Roman" panose="02020603050405020304" pitchFamily="18" charset="0"/>
                 <a:cs typeface="Times New Roman" panose="02020603050405020304" pitchFamily="18" charset="0"/>
               </a:rPr>
-              <a:t>Plasma </a:t>
-            </a:r>
-            <a:r>
-              <a:rPr lang="en-US" sz="2800" i="1" smtClean="0">
-                <a:latin typeface="Times New Roman" panose="02020603050405020304" pitchFamily="18" charset="0"/>
-                <a:cs typeface="Times New Roman" panose="02020603050405020304" pitchFamily="18" charset="0"/>
-              </a:rPr>
-              <a:t>Systems</a:t>
+              <a:t>Plasma Systems</a:t>
             </a:r>
             <a:br>
-              <a:rPr lang="en-US" sz="2800" i="1" smtClean="0">
+              <a:rPr lang="en-US" sz="2800" i="1">
                 <a:latin typeface="Times New Roman" panose="02020603050405020304" pitchFamily="18" charset="0"/>
                 <a:cs typeface="Times New Roman" panose="02020603050405020304" pitchFamily="18" charset="0"/>
               </a:rPr>
@@ -3836,35 +3744,7 @@
                 <a:latin typeface="Times New Roman" panose="02020603050405020304" pitchFamily="18" charset="0"/>
                 <a:cs typeface="Times New Roman" panose="02020603050405020304" pitchFamily="18" charset="0"/>
               </a:rPr>
-              <a:t>Steven M. Lund, Jean-Luc Vay, Remi </a:t>
-            </a:r>
-            <a:r>
-              <a:rPr lang="en-US" sz="1600">
-                <a:latin typeface="Times New Roman" panose="02020603050405020304" pitchFamily="18" charset="0"/>
-                <a:cs typeface="Times New Roman" panose="02020603050405020304" pitchFamily="18" charset="0"/>
-              </a:rPr>
-              <a:t>Lehe</a:t>
-            </a:r>
-            <a:r>
-              <a:rPr lang="en-US" sz="1600" smtClean="0">
-                <a:latin typeface="Times New Roman" panose="02020603050405020304" pitchFamily="18" charset="0"/>
-                <a:cs typeface="Times New Roman" panose="02020603050405020304" pitchFamily="18" charset="0"/>
-              </a:rPr>
-              <a:t>, </a:t>
-            </a:r>
-            <a:r>
-              <a:rPr lang="en-US" sz="1600">
-                <a:latin typeface="Times New Roman" panose="02020603050405020304" pitchFamily="18" charset="0"/>
-                <a:cs typeface="Times New Roman" panose="02020603050405020304" pitchFamily="18" charset="0"/>
-              </a:rPr>
-              <a:t>Daniel </a:t>
-            </a:r>
-            <a:r>
-              <a:rPr lang="en-US" sz="1600" smtClean="0">
-                <a:latin typeface="Times New Roman" panose="02020603050405020304" pitchFamily="18" charset="0"/>
-                <a:cs typeface="Times New Roman" panose="02020603050405020304" pitchFamily="18" charset="0"/>
-              </a:rPr>
-              <a:t>Winklehner and David L. Bruhwiler</a:t>
+              <a:t>Steven M. Lund, Jean-Luc Vay, Remi Lehe, Daniel Winklehner and David L. Bruhwiler</a:t>
             </a:r>
             <a:endParaRPr lang="en-US" sz="2400" dirty="0">
               <a:solidFill>
@@ -4657,15 +4537,15 @@
           </a:p>
           <a:p>
             <a:pPr lvl="2"/>
-            <a:endParaRPr lang="en-US" smtClean="0"/>
+            <a:endParaRPr lang="en-US"/>
           </a:p>
           <a:p>
             <a:pPr lvl="2"/>
-            <a:endParaRPr lang="en-US" smtClean="0"/>
-          </a:p>
-          <a:p>
-            <a:r>
-              <a:rPr lang="en-US" smtClean="0"/>
+            <a:endParaRPr lang="en-US"/>
+          </a:p>
+          <a:p>
+            <a:r>
+              <a:rPr lang="en-US"/>
               <a:t>Reproducibility</a:t>
             </a:r>
             <a:r>
@@ -4715,35 +4595,15 @@
                 <a:cs typeface="Times New Roman" panose="02020603050405020304" pitchFamily="18" charset="0"/>
                 <a:hlinkClick r:id="rId3"/>
               </a:rPr>
-              <a:t>https</a:t>
+              <a:t>https://www.software.ac.uk/ssisearch?search_api_fulltext_1=reproducible</a:t>
             </a:r>
             <a:r>
               <a:rPr lang="sv-SE" sz="1400">
                 <a:latin typeface="Times New Roman" panose="02020603050405020304" pitchFamily="18" charset="0"/>
                 <a:cs typeface="Times New Roman" panose="02020603050405020304" pitchFamily="18" charset="0"/>
-                <a:hlinkClick r:id="rId3"/>
-              </a:rPr>
-              <a:t>://</a:t>
-            </a:r>
-            <a:r>
-              <a:rPr lang="sv-SE" sz="1400" smtClean="0">
-                <a:latin typeface="Times New Roman" panose="02020603050405020304" pitchFamily="18" charset="0"/>
-                <a:cs typeface="Times New Roman" panose="02020603050405020304" pitchFamily="18" charset="0"/>
-                <a:hlinkClick r:id="rId3"/>
-              </a:rPr>
-              <a:t>www.software.ac.uk/ssisearch?search_api_fulltext_1=reproducible</a:t>
-            </a:r>
-            <a:r>
-              <a:rPr lang="sv-SE" sz="1400" smtClean="0">
-                <a:latin typeface="Times New Roman" panose="02020603050405020304" pitchFamily="18" charset="0"/>
-                <a:cs typeface="Times New Roman" panose="02020603050405020304" pitchFamily="18" charset="0"/>
               </a:rPr>
               <a:t> </a:t>
             </a:r>
-            <a:endParaRPr lang="sv-SE" sz="1400">
-              <a:latin typeface="Times New Roman" panose="02020603050405020304" pitchFamily="18" charset="0"/>
-              <a:cs typeface="Times New Roman" panose="02020603050405020304" pitchFamily="18" charset="0"/>
-            </a:endParaRPr>
           </a:p>
           <a:p>
             <a:pPr marL="227013" indent="-227013">
@@ -4752,7 +4612,7 @@
               </a:spcBef>
             </a:pPr>
             <a:r>
-              <a:rPr lang="sv-SE" sz="1400" smtClean="0">
+              <a:rPr lang="sv-SE" sz="1400">
                 <a:latin typeface="Times New Roman" panose="02020603050405020304" pitchFamily="18" charset="0"/>
                 <a:cs typeface="Times New Roman" panose="02020603050405020304" pitchFamily="18" charset="0"/>
               </a:rPr>
@@ -4901,7 +4761,7 @@
           <p:cNvPr id="5" name="TextBox 4">
             <a:extLst>
               <a:ext uri="{FF2B5EF4-FFF2-40B4-BE49-F238E27FC236}">
-                <a16:creationId xmlns:a16="http://schemas.microsoft.com/office/drawing/2014/main" xmlns="" id="{019BFA61-21A0-4A72-801D-C7C00BAFA17D}"/>
+                <a16:creationId xmlns:a16="http://schemas.microsoft.com/office/drawing/2014/main" id="{019BFA61-21A0-4A72-801D-C7C00BAFA17D}"/>
               </a:ext>
             </a:extLst>
           </p:cNvPr>
@@ -5140,21 +5000,21 @@
           <a:lstStyle/>
           <a:p>
             <a:r>
-              <a:rPr lang="en-US" smtClean="0"/>
+              <a:rPr lang="en-US"/>
               <a:t>A few more links</a:t>
             </a:r>
           </a:p>
           <a:p>
             <a:pPr lvl="1"/>
             <a:r>
-              <a:rPr lang="en-US" smtClean="0"/>
+              <a:rPr lang="en-US"/>
               <a:t>these are just a sampling of resources;  not comprehensive</a:t>
             </a:r>
           </a:p>
           <a:p>
             <a:pPr lvl="1"/>
             <a:r>
-              <a:rPr lang="en-US" smtClean="0"/>
+              <a:rPr lang="en-US"/>
               <a:t>don’t read them all;  skim to find ones that interest you</a:t>
             </a:r>
             <a:endParaRPr lang="en-US" dirty="0"/>
@@ -5170,11 +5030,7 @@
             </a:r>
             <a:r>
               <a:rPr lang="en-US"/>
-              <a:t>sciences</a:t>
-            </a:r>
-            <a:r>
-              <a:rPr lang="en-US" smtClean="0"/>
-              <a:t>:</a:t>
+              <a:t>sciences:</a:t>
             </a:r>
           </a:p>
           <a:p>
@@ -5211,7 +5067,7 @@
           <p:cNvPr id="7" name="TextBox 6">
             <a:extLst>
               <a:ext uri="{FF2B5EF4-FFF2-40B4-BE49-F238E27FC236}">
-                <a16:creationId xmlns:a16="http://schemas.microsoft.com/office/drawing/2014/main" xmlns="" id="{F35A1A89-FB8A-4F5B-8BD2-9EE4EA8B8583}"/>
+                <a16:creationId xmlns:a16="http://schemas.microsoft.com/office/drawing/2014/main" id="{F35A1A89-FB8A-4F5B-8BD2-9EE4EA8B8583}"/>
               </a:ext>
             </a:extLst>
           </p:cNvPr>
@@ -5398,7 +5254,7 @@
           <p:cNvPr id="8" name="TextBox 7">
             <a:extLst>
               <a:ext uri="{FF2B5EF4-FFF2-40B4-BE49-F238E27FC236}">
-                <a16:creationId xmlns:a16="http://schemas.microsoft.com/office/drawing/2014/main" xmlns="" id="{B8371A57-1138-419D-832A-1FE059D9EF9A}"/>
+                <a16:creationId xmlns:a16="http://schemas.microsoft.com/office/drawing/2014/main" id="{B8371A57-1138-419D-832A-1FE059D9EF9A}"/>
               </a:ext>
             </a:extLst>
           </p:cNvPr>
@@ -5529,7 +5385,7 @@
           <p:cNvPr id="6" name="Content Placeholder 2">
             <a:extLst>
               <a:ext uri="{FF2B5EF4-FFF2-40B4-BE49-F238E27FC236}">
-                <a16:creationId xmlns:a16="http://schemas.microsoft.com/office/drawing/2014/main" xmlns="" id="{9081FF26-7AD5-4767-AF65-A27F1769E1FC}"/>
+                <a16:creationId xmlns:a16="http://schemas.microsoft.com/office/drawing/2014/main" id="{9081FF26-7AD5-4767-AF65-A27F1769E1FC}"/>
               </a:ext>
             </a:extLst>
           </p:cNvPr>
@@ -5733,13 +5589,13 @@
         </p:nvSpPr>
         <p:spPr>
           <a:xfrm>
-            <a:off x="476250" y="816248"/>
-            <a:ext cx="8191500" cy="5227501"/>
+            <a:off x="476250" y="687977"/>
+            <a:ext cx="8191500" cy="5643153"/>
           </a:xfrm>
         </p:spPr>
         <p:txBody>
           <a:bodyPr>
-            <a:normAutofit/>
+            <a:normAutofit lnSpcReduction="10000"/>
           </a:bodyPr>
           <a:lstStyle/>
           <a:p>
@@ -5771,17 +5627,6 @@
             </a:r>
           </a:p>
           <a:p>
-            <a:pPr lvl="1"/>
-            <a:r>
-              <a:rPr lang="en-US" dirty="0"/>
-              <a:t>and it can be easy</a:t>
-            </a:r>
-          </a:p>
-          <a:p>
-            <a:pPr lvl="1"/>
-            <a:endParaRPr lang="en-US" dirty="0"/>
-          </a:p>
-          <a:p>
             <a:r>
               <a:rPr lang="en-US" i="0" dirty="0"/>
               <a:t>What is required?</a:t>
@@ -5818,16 +5663,16 @@
             <a:pPr lvl="2"/>
             <a:r>
               <a:rPr lang="en-US" dirty="0"/>
-              <a:t>Docker, </a:t>
-            </a:r>
-            <a:r>
-              <a:rPr lang="en-US" sz="1200" b="0" dirty="0">
+              <a:t>Docker (commercial, most widely used), </a:t>
+            </a:r>
+            <a:r>
+              <a:rPr lang="en-US" sz="1100" b="0" dirty="0">
                 <a:hlinkClick r:id="rId3"/>
               </a:rPr>
               <a:t>https://www.docker.com/what-docker</a:t>
             </a:r>
             <a:r>
-              <a:rPr lang="en-US" sz="1200" b="0" dirty="0"/>
+              <a:rPr lang="en-US" sz="1100" b="0" dirty="0"/>
               <a:t> </a:t>
             </a:r>
           </a:p>
@@ -5835,23 +5680,66 @@
             <a:pPr lvl="2"/>
             <a:r>
               <a:rPr lang="en-US" dirty="0"/>
-              <a:t>Shifter, </a:t>
-            </a:r>
-            <a:r>
-              <a:rPr lang="en-US" sz="1200" b="0" dirty="0">
+              <a:t>Singularity, Shifter (newer, HPC), </a:t>
+            </a:r>
+            <a:r>
+              <a:rPr lang="en-US" sz="1100" b="0" dirty="0">
+                <a:solidFill>
+                  <a:schemeClr val="tx1"/>
+                </a:solidFill>
                 <a:hlinkClick r:id="rId4"/>
               </a:rPr>
-              <a:t>http://www.nersc.gov/users/software/using-shifter-and-docker/using-shifter-at-nersc</a:t>
-            </a:r>
-            <a:r>
-              <a:rPr lang="en-US" sz="1200" b="0" dirty="0"/>
-              <a:t>  </a:t>
-            </a:r>
-            <a:endParaRPr lang="en-US" b="0" dirty="0"/>
+              <a:t>https://tin6150.github.io/psg/blogger_container_hpc.html</a:t>
+            </a:r>
+            <a:r>
+              <a:rPr lang="en-US" sz="1100" b="0" dirty="0">
+                <a:solidFill>
+                  <a:schemeClr val="tx1"/>
+                </a:solidFill>
+              </a:rPr>
+              <a:t> </a:t>
+            </a:r>
+          </a:p>
+          <a:p>
+            <a:r>
+              <a:rPr lang="en-US" i="0" dirty="0"/>
+              <a:t>Caveat</a:t>
+            </a:r>
+          </a:p>
+          <a:p>
+            <a:pPr lvl="1"/>
+            <a:r>
+              <a:rPr lang="en-US" dirty="0"/>
+              <a:t>there are other approaches to reproducibility; not just containers</a:t>
+            </a:r>
           </a:p>
           <a:p>
             <a:pPr lvl="2"/>
-            <a:endParaRPr lang="en-US" i="0" dirty="0"/>
+            <a:r>
+              <a:rPr lang="en-US" dirty="0"/>
+              <a:t>these can require significant infrastructure and constrained workflows</a:t>
+            </a:r>
+          </a:p>
+          <a:p>
+            <a:pPr lvl="1"/>
+            <a:r>
+              <a:rPr lang="en-US" i="0" dirty="0"/>
+              <a:t>we are focusing on community codes and individual scientists</a:t>
+            </a:r>
+          </a:p>
+          <a:p>
+            <a:pPr lvl="2"/>
+            <a:r>
+              <a:rPr lang="en-US" i="0" dirty="0"/>
+              <a:t>developers are independent &amp; busy</a:t>
+            </a:r>
+          </a:p>
+          <a:p>
+            <a:pPr lvl="2"/>
+            <a:r>
+              <a:rPr lang="en-US" i="0" dirty="0"/>
+              <a:t>there are many codes with diverse applications</a:t>
+            </a:r>
           </a:p>
           <a:p>
             <a:r>
@@ -6141,332 +6029,6 @@
           <a:p>
             <a:r>
               <a:rPr lang="en-US" dirty="0"/>
-              <a:t>Partial History of Containerization</a:t>
-            </a:r>
-            <a:endParaRPr lang="en-US" b="0" dirty="0"/>
-          </a:p>
-        </p:txBody>
-      </p:sp>
-      <p:sp>
-        <p:nvSpPr>
-          <p:cNvPr id="3" name="Content Placeholder 2"/>
-          <p:cNvSpPr>
-            <a:spLocks noGrp="1"/>
-          </p:cNvSpPr>
-          <p:nvPr>
-            <p:ph idx="1"/>
-          </p:nvPr>
-        </p:nvSpPr>
-        <p:spPr>
-          <a:xfrm>
-            <a:off x="476250" y="596032"/>
-            <a:ext cx="8191500" cy="5447718"/>
-          </a:xfrm>
-        </p:spPr>
-        <p:txBody>
-          <a:bodyPr>
-            <a:normAutofit lnSpcReduction="10000"/>
-          </a:bodyPr>
-          <a:lstStyle/>
-          <a:p>
-            <a:r>
-              <a:rPr lang="en-US" dirty="0"/>
-              <a:t>1979:  the </a:t>
-            </a:r>
-            <a:r>
-              <a:rPr lang="en-US" dirty="0">
-                <a:latin typeface="Courier New" panose="02070309020205020404" pitchFamily="49" charset="0"/>
-                <a:cs typeface="Courier New" panose="02070309020205020404" pitchFamily="49" charset="0"/>
-              </a:rPr>
-              <a:t>chroot</a:t>
-            </a:r>
-            <a:r>
-              <a:rPr lang="en-US" dirty="0"/>
-              <a:t> system call is added to Unix V7     </a:t>
-            </a:r>
-          </a:p>
-          <a:p>
-            <a:pPr lvl="1"/>
-            <a:r>
-              <a:rPr lang="en-US" dirty="0"/>
-              <a:t>changes root directory of a process and its children</a:t>
-            </a:r>
-          </a:p>
-          <a:p>
-            <a:pPr lvl="1"/>
-            <a:r>
-              <a:rPr lang="en-US" dirty="0"/>
-              <a:t>the beginning of process isolation:</a:t>
-            </a:r>
-          </a:p>
-          <a:p>
-            <a:pPr lvl="2"/>
-            <a:r>
-              <a:rPr lang="en-US" dirty="0"/>
-              <a:t>segregating file access for each process</a:t>
-            </a:r>
-          </a:p>
-          <a:p>
-            <a:pPr lvl="1"/>
-            <a:r>
-              <a:rPr lang="en-US" dirty="0">
-                <a:solidFill>
-                  <a:schemeClr val="tx1"/>
-                </a:solidFill>
-                <a:latin typeface="Courier New" panose="02070309020205020404" pitchFamily="49" charset="0"/>
-                <a:cs typeface="Courier New" panose="02070309020205020404" pitchFamily="49" charset="0"/>
-              </a:rPr>
-              <a:t>chroot</a:t>
-            </a:r>
-            <a:r>
-              <a:rPr lang="en-US" dirty="0"/>
-              <a:t> was added to BSD in 1982</a:t>
-            </a:r>
-          </a:p>
-          <a:p>
-            <a:r>
-              <a:rPr lang="en-US" dirty="0"/>
-              <a:t>2006:  process containers (Google)</a:t>
-            </a:r>
-          </a:p>
-          <a:p>
-            <a:pPr lvl="1"/>
-            <a:r>
-              <a:rPr lang="en-US" dirty="0"/>
-              <a:t>limits and isolates resource usage of a collection of processes</a:t>
-            </a:r>
-          </a:p>
-          <a:p>
-            <a:pPr lvl="1"/>
-            <a:r>
-              <a:rPr lang="en-US" dirty="0"/>
-              <a:t>renamed “Control Groups” or </a:t>
-            </a:r>
-            <a:r>
-              <a:rPr lang="en-US" dirty="0">
-                <a:solidFill>
-                  <a:schemeClr val="tx1"/>
-                </a:solidFill>
-                <a:latin typeface="Courier New" panose="02070309020205020404" pitchFamily="49" charset="0"/>
-                <a:cs typeface="Courier New" panose="02070309020205020404" pitchFamily="49" charset="0"/>
-              </a:rPr>
-              <a:t>cgroups</a:t>
-            </a:r>
-            <a:r>
-              <a:rPr lang="en-US" dirty="0"/>
-              <a:t> in 2007</a:t>
-            </a:r>
-          </a:p>
-          <a:p>
-            <a:pPr lvl="1"/>
-            <a:r>
-              <a:rPr lang="en-US" dirty="0"/>
-              <a:t>merged into Linux kernel 2.6.24</a:t>
-            </a:r>
-          </a:p>
-          <a:p>
-            <a:r>
-              <a:rPr lang="en-US" dirty="0"/>
-              <a:t>2008:  LXC (LinuX Containers) </a:t>
-            </a:r>
-          </a:p>
-          <a:p>
-            <a:pPr lvl="1"/>
-            <a:r>
-              <a:rPr lang="en-US" dirty="0"/>
-              <a:t>first, most complete implementation of a Linux container manager</a:t>
-            </a:r>
-          </a:p>
-          <a:p>
-            <a:pPr lvl="1"/>
-            <a:r>
-              <a:rPr lang="en-US" dirty="0"/>
-              <a:t>uses </a:t>
-            </a:r>
-            <a:r>
-              <a:rPr lang="en-US" dirty="0">
-                <a:solidFill>
-                  <a:schemeClr val="tx1"/>
-                </a:solidFill>
-                <a:latin typeface="Courier New" panose="02070309020205020404" pitchFamily="49" charset="0"/>
-                <a:cs typeface="Courier New" panose="02070309020205020404" pitchFamily="49" charset="0"/>
-              </a:rPr>
-              <a:t>cgroups</a:t>
-            </a:r>
-            <a:r>
-              <a:rPr lang="en-US" dirty="0"/>
-              <a:t> and Linux namespaces</a:t>
-            </a:r>
-          </a:p>
-          <a:p>
-            <a:pPr lvl="1"/>
-            <a:r>
-              <a:rPr lang="en-US" dirty="0"/>
-              <a:t>works on a single Linux kernel with no patches</a:t>
-            </a:r>
-          </a:p>
-          <a:p>
-            <a:r>
-              <a:rPr lang="en-US" dirty="0"/>
-              <a:t>2013:  Docker</a:t>
-            </a:r>
-          </a:p>
-          <a:p>
-            <a:pPr lvl="1"/>
-            <a:r>
-              <a:rPr lang="en-US" dirty="0"/>
-              <a:t>used LXC originally, but now uses its own </a:t>
-            </a:r>
-            <a:r>
-              <a:rPr lang="en-US" dirty="0">
-                <a:solidFill>
-                  <a:schemeClr val="tx1"/>
-                </a:solidFill>
-                <a:latin typeface="Courier New" panose="02070309020205020404" pitchFamily="49" charset="0"/>
-                <a:cs typeface="Courier New" panose="02070309020205020404" pitchFamily="49" charset="0"/>
-              </a:rPr>
-              <a:t>libcontainer</a:t>
-            </a:r>
-            <a:endParaRPr lang="en-US" dirty="0"/>
-          </a:p>
-          <a:p>
-            <a:pPr lvl="1"/>
-            <a:r>
-              <a:rPr lang="en-US" dirty="0"/>
-              <a:t>offers an entire ecosystem for container management</a:t>
-            </a:r>
-          </a:p>
-          <a:p>
-            <a:pPr lvl="2"/>
-            <a:r>
-              <a:rPr lang="en-US" dirty="0"/>
-              <a:t>resulted in widespread adoption of containerization</a:t>
-            </a:r>
-          </a:p>
-          <a:p>
-            <a:pPr lvl="2"/>
-            <a:r>
-              <a:rPr lang="en-US" dirty="0"/>
-              <a:t>developers can create and run application containers quickly</a:t>
-            </a:r>
-          </a:p>
-          <a:p>
-            <a:pPr lvl="1"/>
-            <a:r>
-              <a:rPr lang="en-US" dirty="0"/>
-              <a:t>Docker Hub enables rapid distribution of containers</a:t>
-            </a:r>
-          </a:p>
-        </p:txBody>
-      </p:sp>
-      <p:sp>
-        <p:nvSpPr>
-          <p:cNvPr id="4" name="TextBox 3">
-            <a:extLst>
-              <a:ext uri="{FF2B5EF4-FFF2-40B4-BE49-F238E27FC236}">
-                <a16:creationId xmlns:a16="http://schemas.microsoft.com/office/drawing/2014/main" xmlns="" id="{FE4820D9-EBD7-4753-BD2A-404C67F2A4D8}"/>
-              </a:ext>
-            </a:extLst>
-          </p:cNvPr>
-          <p:cNvSpPr txBox="1"/>
-          <p:nvPr/>
-        </p:nvSpPr>
-        <p:spPr>
-          <a:xfrm>
-            <a:off x="3980125" y="5861254"/>
-            <a:ext cx="5163875" cy="523220"/>
-          </a:xfrm>
-          <a:prstGeom prst="rect">
-            <a:avLst/>
-          </a:prstGeom>
-          <a:noFill/>
-        </p:spPr>
-        <p:txBody>
-          <a:bodyPr wrap="square" rtlCol="0">
-            <a:spAutoFit/>
-          </a:bodyPr>
-          <a:lstStyle/>
-          <a:p>
-            <a:pPr marL="227013" indent="-227013"/>
-            <a:r>
-              <a:rPr lang="en-US" sz="1400" dirty="0">
-                <a:latin typeface="Times New Roman" panose="02020603050405020304" pitchFamily="18" charset="0"/>
-                <a:cs typeface="Times New Roman" panose="02020603050405020304" pitchFamily="18" charset="0"/>
-              </a:rPr>
-              <a:t>Material taken from R. Osnat (2016), </a:t>
-            </a:r>
-            <a:r>
-              <a:rPr lang="en-US" sz="1400" dirty="0">
-                <a:latin typeface="Times New Roman" panose="02020603050405020304" pitchFamily="18" charset="0"/>
-                <a:cs typeface="Times New Roman" panose="02020603050405020304" pitchFamily="18" charset="0"/>
-                <a:hlinkClick r:id="rId3"/>
-              </a:rPr>
-              <a:t>https://blog.aquasec.com/a-brief-history-of-containers-from-1970s-chroot-to-docker-2016</a:t>
-            </a:r>
-            <a:r>
-              <a:rPr lang="en-US" sz="1400" dirty="0">
-                <a:latin typeface="Times New Roman" panose="02020603050405020304" pitchFamily="18" charset="0"/>
-                <a:cs typeface="Times New Roman" panose="02020603050405020304" pitchFamily="18" charset="0"/>
-              </a:rPr>
-              <a:t> </a:t>
-            </a:r>
-          </a:p>
-        </p:txBody>
-      </p:sp>
-    </p:spTree>
-    <p:extLst>
-      <p:ext uri="{BB962C8B-B14F-4D97-AF65-F5344CB8AC3E}">
-        <p14:creationId xmlns:p14="http://schemas.microsoft.com/office/powerpoint/2010/main" val="3112759213"/>
-      </p:ext>
-    </p:extLst>
-  </p:cSld>
-  <p:clrMapOvr>
-    <a:masterClrMapping/>
-  </p:clrMapOvr>
-</p:sld>
-</file>
-
-<file path=ppt/slides/slide16.xml><?xml version="1.0" encoding="utf-8"?>
-<p:sld xmlns:a="http://schemas.openxmlformats.org/drawingml/2006/main" xmlns:r="http://schemas.openxmlformats.org/officeDocument/2006/relationships" xmlns:p="http://schemas.openxmlformats.org/presentationml/2006/main">
-  <p:cSld>
-    <p:spTree>
-      <p:nvGrpSpPr>
-        <p:cNvPr id="1" name=""/>
-        <p:cNvGrpSpPr/>
-        <p:nvPr/>
-      </p:nvGrpSpPr>
-      <p:grpSpPr>
-        <a:xfrm>
-          <a:off x="0" y="0"/>
-          <a:ext cx="0" cy="0"/>
-          <a:chOff x="0" y="0"/>
-          <a:chExt cx="0" cy="0"/>
-        </a:xfrm>
-      </p:grpSpPr>
-      <p:sp>
-        <p:nvSpPr>
-          <p:cNvPr id="2" name="Title 1"/>
-          <p:cNvSpPr>
-            <a:spLocks noGrp="1"/>
-          </p:cNvSpPr>
-          <p:nvPr>
-            <p:ph type="title"/>
-          </p:nvPr>
-        </p:nvSpPr>
-        <p:spPr>
-          <a:xfrm>
-            <a:off x="0" y="6946"/>
-            <a:ext cx="9144000" cy="589085"/>
-          </a:xfrm>
-        </p:spPr>
-        <p:txBody>
-          <a:bodyPr>
-            <a:normAutofit/>
-          </a:bodyPr>
-          <a:lstStyle/>
-          <a:p>
-            <a:r>
-              <a:rPr lang="en-US" dirty="0"/>
               <a:t>Container vs. Virtual Machine (VM)</a:t>
             </a:r>
             <a:endParaRPr lang="en-US" b="0" i="0" dirty="0"/>
@@ -6531,7 +6093,7 @@
           <p:cNvPr id="4" name="Picture 3">
             <a:extLst>
               <a:ext uri="{FF2B5EF4-FFF2-40B4-BE49-F238E27FC236}">
-                <a16:creationId xmlns:a16="http://schemas.microsoft.com/office/drawing/2014/main" xmlns="" id="{6A8E0E4A-675D-4335-B1B6-0B78D0B7ADC8}"/>
+                <a16:creationId xmlns:a16="http://schemas.microsoft.com/office/drawing/2014/main" id="{6A8E0E4A-675D-4335-B1B6-0B78D0B7ADC8}"/>
               </a:ext>
             </a:extLst>
           </p:cNvPr>
@@ -6561,7 +6123,7 @@
           <p:cNvPr id="5" name="Picture 4">
             <a:extLst>
               <a:ext uri="{FF2B5EF4-FFF2-40B4-BE49-F238E27FC236}">
-                <a16:creationId xmlns:a16="http://schemas.microsoft.com/office/drawing/2014/main" xmlns="" id="{94974CB9-5BFD-42F0-8E4B-A8ECDFDFF4D2}"/>
+                <a16:creationId xmlns:a16="http://schemas.microsoft.com/office/drawing/2014/main" id="{94974CB9-5BFD-42F0-8E4B-A8ECDFDFF4D2}"/>
               </a:ext>
             </a:extLst>
           </p:cNvPr>
@@ -6591,7 +6153,7 @@
           <p:cNvPr id="6" name="TextBox 5">
             <a:extLst>
               <a:ext uri="{FF2B5EF4-FFF2-40B4-BE49-F238E27FC236}">
-                <a16:creationId xmlns:a16="http://schemas.microsoft.com/office/drawing/2014/main" xmlns="" id="{61328A6C-5F57-4BFC-984C-4E43AA9106BF}"/>
+                <a16:creationId xmlns:a16="http://schemas.microsoft.com/office/drawing/2014/main" id="{61328A6C-5F57-4BFC-984C-4E43AA9106BF}"/>
               </a:ext>
             </a:extLst>
           </p:cNvPr>
@@ -6643,6 +6205,490 @@
     <p:extLst>
       <p:ext uri="{BB962C8B-B14F-4D97-AF65-F5344CB8AC3E}">
         <p14:creationId xmlns:p14="http://schemas.microsoft.com/office/powerpoint/2010/main" val="3108475844"/>
+      </p:ext>
+    </p:extLst>
+  </p:cSld>
+  <p:clrMapOvr>
+    <a:masterClrMapping/>
+  </p:clrMapOvr>
+</p:sld>
+</file>
+
+<file path=ppt/slides/slide16.xml><?xml version="1.0" encoding="utf-8"?>
+<p:sld xmlns:a="http://schemas.openxmlformats.org/drawingml/2006/main" xmlns:r="http://schemas.openxmlformats.org/officeDocument/2006/relationships" xmlns:p="http://schemas.openxmlformats.org/presentationml/2006/main">
+  <p:cSld>
+    <p:spTree>
+      <p:nvGrpSpPr>
+        <p:cNvPr id="1" name=""/>
+        <p:cNvGrpSpPr/>
+        <p:nvPr/>
+      </p:nvGrpSpPr>
+      <p:grpSpPr>
+        <a:xfrm>
+          <a:off x="0" y="0"/>
+          <a:ext cx="0" cy="0"/>
+          <a:chOff x="0" y="0"/>
+          <a:chExt cx="0" cy="0"/>
+        </a:xfrm>
+      </p:grpSpPr>
+      <p:sp>
+        <p:nvSpPr>
+          <p:cNvPr id="2" name="Title 1"/>
+          <p:cNvSpPr>
+            <a:spLocks noGrp="1"/>
+          </p:cNvSpPr>
+          <p:nvPr>
+            <p:ph type="title"/>
+          </p:nvPr>
+        </p:nvSpPr>
+        <p:spPr>
+          <a:xfrm>
+            <a:off x="0" y="6946"/>
+            <a:ext cx="9144000" cy="589085"/>
+          </a:xfrm>
+        </p:spPr>
+        <p:txBody>
+          <a:bodyPr>
+            <a:normAutofit/>
+          </a:bodyPr>
+          <a:lstStyle/>
+          <a:p>
+            <a:r>
+              <a:rPr lang="en-US" dirty="0"/>
+              <a:t>Application Containers for Reproducibility</a:t>
+            </a:r>
+          </a:p>
+        </p:txBody>
+      </p:sp>
+      <p:sp>
+        <p:nvSpPr>
+          <p:cNvPr id="3" name="Content Placeholder 2"/>
+          <p:cNvSpPr>
+            <a:spLocks noGrp="1"/>
+          </p:cNvSpPr>
+          <p:nvPr>
+            <p:ph idx="1"/>
+          </p:nvPr>
+        </p:nvSpPr>
+        <p:spPr>
+          <a:xfrm>
+            <a:off x="276639" y="791301"/>
+            <a:ext cx="8608944" cy="2396036"/>
+          </a:xfrm>
+        </p:spPr>
+        <p:txBody>
+          <a:bodyPr>
+            <a:normAutofit lnSpcReduction="10000"/>
+          </a:bodyPr>
+          <a:lstStyle/>
+          <a:p>
+            <a:r>
+              <a:rPr lang="en-US" i="0" dirty="0"/>
+              <a:t>Containerization has become a key technology for reproducibility</a:t>
+            </a:r>
+          </a:p>
+          <a:p>
+            <a:pPr lvl="1"/>
+            <a:r>
+              <a:rPr lang="en-US" dirty="0"/>
+              <a:t>not the only approach (see ‘caveat’ on slide #13 above)</a:t>
+            </a:r>
+          </a:p>
+          <a:p>
+            <a:pPr lvl="1"/>
+            <a:r>
+              <a:rPr lang="en-US" i="0" dirty="0"/>
+              <a:t>it is a practical approach for replicating a simulation result in the future</a:t>
+            </a:r>
+          </a:p>
+          <a:p>
+            <a:r>
+              <a:rPr lang="en-US" dirty="0"/>
+              <a:t>The colleague you are sharing with could by yourself in 6 months or 6 years</a:t>
+            </a:r>
+          </a:p>
+          <a:p>
+            <a:pPr lvl="1"/>
+            <a:r>
+              <a:rPr lang="en-US" dirty="0"/>
+              <a:t>an application container can be archived indefinitely and then reused</a:t>
+            </a:r>
+          </a:p>
+          <a:p>
+            <a:pPr lvl="1"/>
+            <a:r>
+              <a:rPr lang="en-US" dirty="0"/>
+              <a:t>assuming Docker or a compatible technology is still supported</a:t>
+            </a:r>
+          </a:p>
+          <a:p>
+            <a:r>
+              <a:rPr lang="en-US" dirty="0"/>
+              <a:t>Some pointers for further study:</a:t>
+            </a:r>
+          </a:p>
+        </p:txBody>
+      </p:sp>
+      <p:sp>
+        <p:nvSpPr>
+          <p:cNvPr id="5" name="TextBox 4">
+            <a:extLst>
+              <a:ext uri="{FF2B5EF4-FFF2-40B4-BE49-F238E27FC236}">
+                <a16:creationId xmlns:a16="http://schemas.microsoft.com/office/drawing/2014/main" id="{019BFA61-21A0-4A72-801D-C7C00BAFA17D}"/>
+              </a:ext>
+            </a:extLst>
+          </p:cNvPr>
+          <p:cNvSpPr txBox="1"/>
+          <p:nvPr/>
+        </p:nvSpPr>
+        <p:spPr>
+          <a:xfrm>
+            <a:off x="601318" y="3187337"/>
+            <a:ext cx="8413474" cy="2085186"/>
+          </a:xfrm>
+          <a:prstGeom prst="rect">
+            <a:avLst/>
+          </a:prstGeom>
+          <a:noFill/>
+        </p:spPr>
+        <p:txBody>
+          <a:bodyPr wrap="square" rtlCol="0">
+            <a:spAutoFit/>
+          </a:bodyPr>
+          <a:lstStyle/>
+          <a:p>
+            <a:pPr marL="227013" indent="-227013">
+              <a:spcBef>
+                <a:spcPts val="300"/>
+              </a:spcBef>
+            </a:pPr>
+            <a:r>
+              <a:rPr lang="en-US" sz="1400" dirty="0">
+                <a:latin typeface="Times New Roman" panose="02020603050405020304" pitchFamily="18" charset="0"/>
+                <a:cs typeface="Times New Roman" panose="02020603050405020304" pitchFamily="18" charset="0"/>
+              </a:rPr>
+              <a:t>Docker Containers for Reproducible Research Workshop (2017), </a:t>
+            </a:r>
+            <a:r>
+              <a:rPr lang="en-US" sz="1400" dirty="0">
+                <a:latin typeface="Times New Roman" panose="02020603050405020304" pitchFamily="18" charset="0"/>
+                <a:cs typeface="Times New Roman" panose="02020603050405020304" pitchFamily="18" charset="0"/>
+                <a:hlinkClick r:id="rId3"/>
+              </a:rPr>
+              <a:t>https://www.software.ac.uk/c4rr</a:t>
+            </a:r>
+            <a:r>
+              <a:rPr lang="en-US" sz="1400" dirty="0">
+                <a:latin typeface="Times New Roman" panose="02020603050405020304" pitchFamily="18" charset="0"/>
+                <a:cs typeface="Times New Roman" panose="02020603050405020304" pitchFamily="18" charset="0"/>
+              </a:rPr>
+              <a:t> </a:t>
+            </a:r>
+          </a:p>
+          <a:p>
+            <a:pPr marL="227013" indent="-227013">
+              <a:spcBef>
+                <a:spcPts val="300"/>
+              </a:spcBef>
+            </a:pPr>
+            <a:r>
+              <a:rPr lang="en-US" sz="1400" dirty="0">
+                <a:latin typeface="Times New Roman" panose="02020603050405020304" pitchFamily="18" charset="0"/>
+                <a:cs typeface="Times New Roman" panose="02020603050405020304" pitchFamily="18" charset="0"/>
+              </a:rPr>
+              <a:t>G.M. </a:t>
+            </a:r>
+            <a:r>
+              <a:rPr lang="en-US" sz="1400" dirty="0" err="1">
+                <a:latin typeface="Times New Roman" panose="02020603050405020304" pitchFamily="18" charset="0"/>
+                <a:cs typeface="Times New Roman" panose="02020603050405020304" pitchFamily="18" charset="0"/>
+              </a:rPr>
+              <a:t>Kurtzer</a:t>
+            </a:r>
+            <a:r>
+              <a:rPr lang="en-US" sz="1400" dirty="0">
+                <a:latin typeface="Times New Roman" panose="02020603050405020304" pitchFamily="18" charset="0"/>
+                <a:cs typeface="Times New Roman" panose="02020603050405020304" pitchFamily="18" charset="0"/>
+              </a:rPr>
+              <a:t>, V. </a:t>
+            </a:r>
+            <a:r>
+              <a:rPr lang="en-US" sz="1400" dirty="0" err="1">
+                <a:latin typeface="Times New Roman" panose="02020603050405020304" pitchFamily="18" charset="0"/>
+                <a:cs typeface="Times New Roman" panose="02020603050405020304" pitchFamily="18" charset="0"/>
+              </a:rPr>
+              <a:t>Sochat</a:t>
+            </a:r>
+            <a:r>
+              <a:rPr lang="en-US" sz="1400" dirty="0">
+                <a:latin typeface="Times New Roman" panose="02020603050405020304" pitchFamily="18" charset="0"/>
+                <a:cs typeface="Times New Roman" panose="02020603050405020304" pitchFamily="18" charset="0"/>
+              </a:rPr>
+              <a:t> and M.W. Bauer (2017), </a:t>
+            </a:r>
+            <a:r>
+              <a:rPr lang="en-US" sz="1400" dirty="0">
+                <a:latin typeface="Times New Roman" panose="02020603050405020304" pitchFamily="18" charset="0"/>
+                <a:cs typeface="Times New Roman" panose="02020603050405020304" pitchFamily="18" charset="0"/>
+                <a:hlinkClick r:id="rId4"/>
+              </a:rPr>
+              <a:t>https://www.ncbi.nlm.nih.gov/pmc/articles/PMC5426675/</a:t>
+            </a:r>
+            <a:r>
+              <a:rPr lang="en-US" sz="1400" dirty="0">
+                <a:latin typeface="Times New Roman" panose="02020603050405020304" pitchFamily="18" charset="0"/>
+                <a:cs typeface="Times New Roman" panose="02020603050405020304" pitchFamily="18" charset="0"/>
+              </a:rPr>
+              <a:t> </a:t>
+            </a:r>
+          </a:p>
+          <a:p>
+            <a:pPr marL="227013" indent="-227013">
+              <a:spcBef>
+                <a:spcPts val="300"/>
+              </a:spcBef>
+            </a:pPr>
+            <a:r>
+              <a:rPr lang="en-US" sz="1400" dirty="0">
+                <a:latin typeface="Times New Roman" panose="02020603050405020304" pitchFamily="18" charset="0"/>
+                <a:cs typeface="Times New Roman" panose="02020603050405020304" pitchFamily="18" charset="0"/>
+              </a:rPr>
+              <a:t>D. Nüst &amp; M. Hinz (2017), </a:t>
+            </a:r>
+            <a:r>
+              <a:rPr lang="en-US" sz="1400" dirty="0">
+                <a:latin typeface="Times New Roman" panose="02020603050405020304" pitchFamily="18" charset="0"/>
+                <a:cs typeface="Times New Roman" panose="02020603050405020304" pitchFamily="18" charset="0"/>
+                <a:hlinkClick r:id="rId5"/>
+              </a:rPr>
+              <a:t>http://o2r.info/2017/05/30/containerit-package/</a:t>
+            </a:r>
+            <a:r>
+              <a:rPr lang="en-US" sz="1400" dirty="0">
+                <a:latin typeface="Times New Roman" panose="02020603050405020304" pitchFamily="18" charset="0"/>
+                <a:cs typeface="Times New Roman" panose="02020603050405020304" pitchFamily="18" charset="0"/>
+              </a:rPr>
+              <a:t> </a:t>
+            </a:r>
+          </a:p>
+          <a:p>
+            <a:pPr marL="227013" indent="-227013">
+              <a:spcBef>
+                <a:spcPts val="300"/>
+              </a:spcBef>
+            </a:pPr>
+            <a:r>
+              <a:rPr lang="en-US" sz="1400" dirty="0">
+                <a:latin typeface="Times New Roman" panose="02020603050405020304" pitchFamily="18" charset="0"/>
+                <a:cs typeface="Times New Roman" panose="02020603050405020304" pitchFamily="18" charset="0"/>
+              </a:rPr>
+              <a:t>J. </a:t>
+            </a:r>
+            <a:r>
+              <a:rPr lang="en-US" sz="1400" dirty="0" err="1">
+                <a:latin typeface="Times New Roman" panose="02020603050405020304" pitchFamily="18" charset="0"/>
+                <a:cs typeface="Times New Roman" panose="02020603050405020304" pitchFamily="18" charset="0"/>
+              </a:rPr>
+              <a:t>Cito</a:t>
+            </a:r>
+            <a:r>
+              <a:rPr lang="en-US" sz="1400" dirty="0">
+                <a:latin typeface="Times New Roman" panose="02020603050405020304" pitchFamily="18" charset="0"/>
+                <a:cs typeface="Times New Roman" panose="02020603050405020304" pitchFamily="18" charset="0"/>
+              </a:rPr>
+              <a:t>, V. </a:t>
+            </a:r>
+            <a:r>
+              <a:rPr lang="en-US" sz="1400" dirty="0" err="1">
+                <a:latin typeface="Times New Roman" panose="02020603050405020304" pitchFamily="18" charset="0"/>
+                <a:cs typeface="Times New Roman" panose="02020603050405020304" pitchFamily="18" charset="0"/>
+              </a:rPr>
+              <a:t>Ferme</a:t>
+            </a:r>
+            <a:r>
+              <a:rPr lang="en-US" sz="1400" dirty="0">
+                <a:latin typeface="Times New Roman" panose="02020603050405020304" pitchFamily="18" charset="0"/>
+                <a:cs typeface="Times New Roman" panose="02020603050405020304" pitchFamily="18" charset="0"/>
+              </a:rPr>
+              <a:t> and H.C. Gall (2016), </a:t>
+            </a:r>
+            <a:r>
+              <a:rPr lang="en-US" sz="1400" dirty="0">
+                <a:latin typeface="Times New Roman" panose="02020603050405020304" pitchFamily="18" charset="0"/>
+                <a:cs typeface="Times New Roman" panose="02020603050405020304" pitchFamily="18" charset="0"/>
+                <a:hlinkClick r:id="rId6"/>
+              </a:rPr>
+              <a:t>https://link.springer.com/chapter/10.1007/978-3-319-38791-8_58</a:t>
+            </a:r>
+            <a:r>
+              <a:rPr lang="en-US" sz="1400" dirty="0">
+                <a:latin typeface="Times New Roman" panose="02020603050405020304" pitchFamily="18" charset="0"/>
+                <a:cs typeface="Times New Roman" panose="02020603050405020304" pitchFamily="18" charset="0"/>
+              </a:rPr>
+              <a:t> </a:t>
+            </a:r>
+          </a:p>
+          <a:p>
+            <a:pPr marL="227013" indent="-227013">
+              <a:spcBef>
+                <a:spcPts val="300"/>
+              </a:spcBef>
+            </a:pPr>
+            <a:r>
+              <a:rPr lang="en-US" sz="1400" dirty="0">
+                <a:latin typeface="Times New Roman" panose="02020603050405020304" pitchFamily="18" charset="0"/>
+                <a:cs typeface="Times New Roman" panose="02020603050405020304" pitchFamily="18" charset="0"/>
+              </a:rPr>
+              <a:t>N. </a:t>
+            </a:r>
+            <a:r>
+              <a:rPr lang="en-US" sz="1400" dirty="0" err="1">
+                <a:latin typeface="Times New Roman" panose="02020603050405020304" pitchFamily="18" charset="0"/>
+                <a:cs typeface="Times New Roman" panose="02020603050405020304" pitchFamily="18" charset="0"/>
+              </a:rPr>
+              <a:t>Hemsoth</a:t>
+            </a:r>
+            <a:r>
+              <a:rPr lang="en-US" sz="1400" dirty="0">
+                <a:latin typeface="Times New Roman" panose="02020603050405020304" pitchFamily="18" charset="0"/>
+                <a:cs typeface="Times New Roman" panose="02020603050405020304" pitchFamily="18" charset="0"/>
+              </a:rPr>
+              <a:t> (2016), </a:t>
+            </a:r>
+            <a:r>
+              <a:rPr lang="en-US" sz="1400" dirty="0">
+                <a:latin typeface="Times New Roman" panose="02020603050405020304" pitchFamily="18" charset="0"/>
+                <a:cs typeface="Times New Roman" panose="02020603050405020304" pitchFamily="18" charset="0"/>
+                <a:hlinkClick r:id="rId7"/>
+              </a:rPr>
+              <a:t>https://www.nextplatform.com/2016/09/13/will-containers-total-package-hpc/</a:t>
+            </a:r>
+            <a:r>
+              <a:rPr lang="en-US" sz="1400" dirty="0">
+                <a:latin typeface="Times New Roman" panose="02020603050405020304" pitchFamily="18" charset="0"/>
+                <a:cs typeface="Times New Roman" panose="02020603050405020304" pitchFamily="18" charset="0"/>
+              </a:rPr>
+              <a:t> </a:t>
+            </a:r>
+          </a:p>
+          <a:p>
+            <a:pPr marL="227013" indent="-227013">
+              <a:spcBef>
+                <a:spcPts val="300"/>
+              </a:spcBef>
+            </a:pPr>
+            <a:r>
+              <a:rPr lang="en-US" sz="1400" dirty="0">
+                <a:latin typeface="Times New Roman" panose="02020603050405020304" pitchFamily="18" charset="0"/>
+                <a:cs typeface="Times New Roman" panose="02020603050405020304" pitchFamily="18" charset="0"/>
+              </a:rPr>
+              <a:t>D.L. Bruhwiler, R. Nagler </a:t>
+            </a:r>
+            <a:r>
+              <a:rPr lang="en-US" sz="1400" i="1" dirty="0">
+                <a:latin typeface="Times New Roman" panose="02020603050405020304" pitchFamily="18" charset="0"/>
+                <a:cs typeface="Times New Roman" panose="02020603050405020304" pitchFamily="18" charset="0"/>
+              </a:rPr>
+              <a:t>et al</a:t>
+            </a:r>
+            <a:r>
+              <a:rPr lang="en-US" sz="1400" dirty="0">
+                <a:latin typeface="Times New Roman" panose="02020603050405020304" pitchFamily="18" charset="0"/>
+                <a:cs typeface="Times New Roman" panose="02020603050405020304" pitchFamily="18" charset="0"/>
+              </a:rPr>
+              <a:t>. (2015), </a:t>
+            </a:r>
+            <a:r>
+              <a:rPr lang="en-US" sz="1400" dirty="0">
+                <a:latin typeface="Times New Roman" panose="02020603050405020304" pitchFamily="18" charset="0"/>
+                <a:cs typeface="Times New Roman" panose="02020603050405020304" pitchFamily="18" charset="0"/>
+                <a:hlinkClick r:id="rId8"/>
+              </a:rPr>
+              <a:t>http://accelconf.web.cern.ch/AccelConf/IPAC2015/papers/mopmn009.pdf</a:t>
+            </a:r>
+            <a:r>
+              <a:rPr lang="en-US" sz="1400" dirty="0">
+                <a:latin typeface="Times New Roman" panose="02020603050405020304" pitchFamily="18" charset="0"/>
+                <a:cs typeface="Times New Roman" panose="02020603050405020304" pitchFamily="18" charset="0"/>
+              </a:rPr>
+              <a:t> </a:t>
+            </a:r>
+          </a:p>
+          <a:p>
+            <a:pPr marL="227013" indent="-227013">
+              <a:spcBef>
+                <a:spcPts val="300"/>
+              </a:spcBef>
+            </a:pPr>
+            <a:r>
+              <a:rPr lang="en-US" sz="1400" dirty="0">
+                <a:latin typeface="Times New Roman" panose="02020603050405020304" pitchFamily="18" charset="0"/>
+                <a:cs typeface="Times New Roman" panose="02020603050405020304" pitchFamily="18" charset="0"/>
+              </a:rPr>
+              <a:t>R. Nagler, D.L. Bruhwiler </a:t>
+            </a:r>
+            <a:r>
+              <a:rPr lang="en-US" sz="1400" i="1" dirty="0">
+                <a:latin typeface="Times New Roman" panose="02020603050405020304" pitchFamily="18" charset="0"/>
+                <a:cs typeface="Times New Roman" panose="02020603050405020304" pitchFamily="18" charset="0"/>
+              </a:rPr>
+              <a:t>et al</a:t>
+            </a:r>
+            <a:r>
+              <a:rPr lang="en-US" sz="1400" dirty="0">
+                <a:latin typeface="Times New Roman" panose="02020603050405020304" pitchFamily="18" charset="0"/>
+                <a:cs typeface="Times New Roman" panose="02020603050405020304" pitchFamily="18" charset="0"/>
+              </a:rPr>
+              <a:t>. (2015), </a:t>
+            </a:r>
+            <a:r>
+              <a:rPr lang="en-US" sz="1400" dirty="0">
+                <a:latin typeface="Times New Roman" panose="02020603050405020304" pitchFamily="18" charset="0"/>
+                <a:cs typeface="Times New Roman" panose="02020603050405020304" pitchFamily="18" charset="0"/>
+                <a:hlinkClick r:id="rId9"/>
+              </a:rPr>
+              <a:t>https://arxiv.org/abs/1509.08789</a:t>
+            </a:r>
+            <a:endParaRPr lang="en-US" sz="1400" dirty="0">
+              <a:latin typeface="Times New Roman" panose="02020603050405020304" pitchFamily="18" charset="0"/>
+              <a:cs typeface="Times New Roman" panose="02020603050405020304" pitchFamily="18" charset="0"/>
+            </a:endParaRPr>
+          </a:p>
+          <a:p>
+            <a:pPr marL="227013" indent="-227013">
+              <a:spcBef>
+                <a:spcPts val="300"/>
+              </a:spcBef>
+            </a:pPr>
+            <a:r>
+              <a:rPr lang="en-US" sz="1400" dirty="0">
+                <a:latin typeface="Times New Roman" panose="02020603050405020304" pitchFamily="18" charset="0"/>
+                <a:cs typeface="Times New Roman" panose="02020603050405020304" pitchFamily="18" charset="0"/>
+              </a:rPr>
+              <a:t>C. Boettiger (2014), </a:t>
+            </a:r>
+            <a:r>
+              <a:rPr lang="en-US" sz="1400" dirty="0">
+                <a:latin typeface="Times New Roman" panose="02020603050405020304" pitchFamily="18" charset="0"/>
+                <a:cs typeface="Times New Roman" panose="02020603050405020304" pitchFamily="18" charset="0"/>
+                <a:hlinkClick r:id="rId10"/>
+              </a:rPr>
+              <a:t>https://arxiv.org/abs/1410.0846</a:t>
+            </a:r>
+            <a:r>
+              <a:rPr lang="en-US" sz="1400" dirty="0">
+                <a:latin typeface="Times New Roman" panose="02020603050405020304" pitchFamily="18" charset="0"/>
+                <a:cs typeface="Times New Roman" panose="02020603050405020304" pitchFamily="18" charset="0"/>
+              </a:rPr>
+              <a:t> </a:t>
+            </a:r>
+          </a:p>
+        </p:txBody>
+      </p:sp>
+    </p:spTree>
+    <p:extLst>
+      <p:ext uri="{BB962C8B-B14F-4D97-AF65-F5344CB8AC3E}">
+        <p14:creationId xmlns:p14="http://schemas.microsoft.com/office/powerpoint/2010/main" val="4169432088"/>
       </p:ext>
     </p:extLst>
   </p:cSld>
@@ -6681,7 +6727,7 @@
         </p:nvSpPr>
         <p:spPr>
           <a:xfrm>
-            <a:off x="0" y="6946"/>
+            <a:off x="0" y="140672"/>
             <a:ext cx="9144000" cy="589085"/>
           </a:xfrm>
         </p:spPr>
@@ -6693,14 +6739,20 @@
           <a:p>
             <a:r>
               <a:rPr lang="en-US" dirty="0"/>
-              <a:t>Application Containers for Reproducibility</a:t>
-            </a:r>
-          </a:p>
-        </p:txBody>
-      </p:sp>
-      <p:sp>
-        <p:nvSpPr>
-          <p:cNvPr id="3" name="Content Placeholder 2"/>
+              <a:t>Class discussion:</a:t>
+            </a:r>
+          </a:p>
+        </p:txBody>
+      </p:sp>
+      <p:sp>
+        <p:nvSpPr>
+          <p:cNvPr id="6" name="Content Placeholder 2">
+            <a:extLst>
+              <a:ext uri="{FF2B5EF4-FFF2-40B4-BE49-F238E27FC236}">
+                <a16:creationId xmlns:a16="http://schemas.microsoft.com/office/drawing/2014/main" id="{9081FF26-7AD5-4767-AF65-A27F1769E1FC}"/>
+              </a:ext>
+            </a:extLst>
+          </p:cNvPr>
           <p:cNvSpPr>
             <a:spLocks noGrp="1"/>
           </p:cNvSpPr>
@@ -6710,8 +6762,8 @@
         </p:nvSpPr>
         <p:spPr>
           <a:xfrm>
-            <a:off x="276639" y="791301"/>
-            <a:ext cx="8608944" cy="2396036"/>
+            <a:off x="152400" y="827314"/>
+            <a:ext cx="8839200" cy="5146766"/>
           </a:xfrm>
         </p:spPr>
         <p:txBody>
@@ -6721,305 +6773,117 @@
           <a:lstStyle/>
           <a:p>
             <a:r>
+              <a:rPr lang="en-US" sz="1800" i="0" dirty="0"/>
+              <a:t>Do you have experience working with VMs?</a:t>
+            </a:r>
+          </a:p>
+          <a:p>
+            <a:pPr lvl="1"/>
+            <a:r>
+              <a:rPr lang="en-US" dirty="0"/>
+              <a:t>If so, what are the advantages and disadvantages?</a:t>
+            </a:r>
+          </a:p>
+          <a:p>
+            <a:r>
               <a:rPr lang="en-US" i="0" dirty="0"/>
-              <a:t>Containerization has become a key technology for reproducibility</a:t>
-            </a:r>
-          </a:p>
-          <a:p>
-            <a:pPr lvl="1"/>
+              <a:t>Explain at least one difference between VMs and containers</a:t>
+            </a:r>
+          </a:p>
+          <a:p>
             <a:r>
               <a:rPr lang="en-US" i="0" dirty="0"/>
-              <a:t>it is the only practical approach for replicating a simulation result in the future</a:t>
-            </a:r>
-          </a:p>
-          <a:p>
-            <a:pPr lvl="1"/>
-            <a:r>
-              <a:rPr lang="en-US" dirty="0"/>
-              <a:t>the colleague you are sharing with could by yourself in 6 months or 6 years</a:t>
+              <a:t>A VM is to a house as a container is to an apartment:  explain the analogy</a:t>
+            </a:r>
+          </a:p>
+          <a:p>
+            <a:r>
+              <a:rPr lang="en-US" dirty="0"/>
+              <a:t>Reproducibility vs Replication:  which is more difficult?   …more important?</a:t>
+            </a:r>
+          </a:p>
+          <a:p>
+            <a:r>
+              <a:rPr lang="en-US" dirty="0"/>
+              <a:t>How does Docker help with replicating a physics simulation?</a:t>
+            </a:r>
+            <a:r>
+              <a:rPr lang="en-US" i="0" dirty="0"/>
+              <a:t> </a:t>
+            </a:r>
+          </a:p>
+          <a:p>
+            <a:pPr lvl="1"/>
+            <a:endParaRPr lang="en-US" i="0" dirty="0"/>
+          </a:p>
+          <a:p>
+            <a:r>
+              <a:rPr lang="en-US" dirty="0"/>
+              <a:t>Maybe revisit previous discussion points – </a:t>
+            </a:r>
+            <a:endParaRPr lang="en-US" i="0" dirty="0"/>
+          </a:p>
+          <a:p>
+            <a:pPr lvl="1"/>
+            <a:r>
+              <a:rPr lang="en-US" dirty="0"/>
+              <a:t>When you run a simulation how confident are you in the results?</a:t>
+            </a:r>
+          </a:p>
+          <a:p>
+            <a:pPr lvl="1"/>
+            <a:r>
+              <a:rPr lang="en-US" dirty="0"/>
+              <a:t>Are you skeptical of results presented by others in talks or papers?</a:t>
             </a:r>
           </a:p>
           <a:p>
             <a:pPr lvl="2"/>
             <a:r>
               <a:rPr lang="en-US" dirty="0"/>
-              <a:t>an application container can be archived indefinitely and then reused</a:t>
+              <a:t>have you ever wanted to rerun someone else’s simulation?</a:t>
+            </a:r>
+          </a:p>
+          <a:p>
+            <a:pPr lvl="1"/>
+            <a:r>
+              <a:rPr lang="en-US" dirty="0"/>
+              <a:t>How do you validate your own results?</a:t>
             </a:r>
           </a:p>
           <a:p>
             <a:pPr lvl="2"/>
             <a:r>
               <a:rPr lang="en-US" dirty="0"/>
-              <a:t>assuming Docker or a compatible technology is still supported</a:t>
-            </a:r>
-          </a:p>
-          <a:p>
-            <a:r>
-              <a:rPr lang="en-US" dirty="0"/>
-              <a:t>The topic cannot be covered completely in a single lecture…</a:t>
-            </a:r>
-          </a:p>
-          <a:p>
-            <a:pPr lvl="1"/>
-            <a:r>
-              <a:rPr lang="en-US" dirty="0"/>
-              <a:t>so we provide some pointers for further study</a:t>
-            </a:r>
-          </a:p>
-        </p:txBody>
-      </p:sp>
-      <p:sp>
-        <p:nvSpPr>
-          <p:cNvPr id="5" name="TextBox 4">
-            <a:extLst>
-              <a:ext uri="{FF2B5EF4-FFF2-40B4-BE49-F238E27FC236}">
-                <a16:creationId xmlns:a16="http://schemas.microsoft.com/office/drawing/2014/main" xmlns="" id="{019BFA61-21A0-4A72-801D-C7C00BAFA17D}"/>
-              </a:ext>
-            </a:extLst>
-          </p:cNvPr>
-          <p:cNvSpPr txBox="1"/>
-          <p:nvPr/>
-        </p:nvSpPr>
-        <p:spPr>
-          <a:xfrm>
-            <a:off x="601318" y="3058966"/>
-            <a:ext cx="8413474" cy="1577355"/>
-          </a:xfrm>
-          <a:prstGeom prst="rect">
-            <a:avLst/>
-          </a:prstGeom>
-          <a:noFill/>
-        </p:spPr>
-        <p:txBody>
-          <a:bodyPr wrap="square" rtlCol="0">
-            <a:spAutoFit/>
-          </a:bodyPr>
-          <a:lstStyle/>
-          <a:p>
-            <a:pPr marL="227013" indent="-227013">
-              <a:spcBef>
-                <a:spcPts val="300"/>
-              </a:spcBef>
-            </a:pPr>
-            <a:r>
-              <a:rPr lang="en-US" sz="1400" dirty="0">
-                <a:latin typeface="Times New Roman" panose="02020603050405020304" pitchFamily="18" charset="0"/>
-                <a:cs typeface="Times New Roman" panose="02020603050405020304" pitchFamily="18" charset="0"/>
-              </a:rPr>
-              <a:t>Docker Containers for Reproducible Research Workshop (2017), </a:t>
-            </a:r>
-            <a:r>
-              <a:rPr lang="en-US" sz="1400" dirty="0">
-                <a:latin typeface="Times New Roman" panose="02020603050405020304" pitchFamily="18" charset="0"/>
-                <a:cs typeface="Times New Roman" panose="02020603050405020304" pitchFamily="18" charset="0"/>
-                <a:hlinkClick r:id="rId3"/>
-              </a:rPr>
-              <a:t>https://www.software.ac.uk/c4rr</a:t>
-            </a:r>
-            <a:r>
-              <a:rPr lang="en-US" sz="1400" dirty="0">
-                <a:latin typeface="Times New Roman" panose="02020603050405020304" pitchFamily="18" charset="0"/>
-                <a:cs typeface="Times New Roman" panose="02020603050405020304" pitchFamily="18" charset="0"/>
-              </a:rPr>
-              <a:t> </a:t>
-            </a:r>
-          </a:p>
-          <a:p>
-            <a:pPr marL="227013" indent="-227013">
-              <a:spcBef>
-                <a:spcPts val="300"/>
-              </a:spcBef>
-            </a:pPr>
-            <a:r>
-              <a:rPr lang="en-US" sz="1400" dirty="0">
-                <a:latin typeface="Times New Roman" panose="02020603050405020304" pitchFamily="18" charset="0"/>
-                <a:cs typeface="Times New Roman" panose="02020603050405020304" pitchFamily="18" charset="0"/>
-              </a:rPr>
-              <a:t>D. Nüst &amp; M. Hinz (2017), </a:t>
-            </a:r>
-            <a:r>
-              <a:rPr lang="en-US" sz="1400" dirty="0">
-                <a:latin typeface="Times New Roman" panose="02020603050405020304" pitchFamily="18" charset="0"/>
-                <a:cs typeface="Times New Roman" panose="02020603050405020304" pitchFamily="18" charset="0"/>
-                <a:hlinkClick r:id="rId4"/>
-              </a:rPr>
-              <a:t>http://o2r.info/2017/05/30/containerit-package/</a:t>
-            </a:r>
-            <a:r>
-              <a:rPr lang="en-US" sz="1400" dirty="0">
-                <a:latin typeface="Times New Roman" panose="02020603050405020304" pitchFamily="18" charset="0"/>
-                <a:cs typeface="Times New Roman" panose="02020603050405020304" pitchFamily="18" charset="0"/>
-              </a:rPr>
-              <a:t> </a:t>
-            </a:r>
-          </a:p>
-          <a:p>
-            <a:pPr marL="227013" indent="-227013">
-              <a:spcBef>
-                <a:spcPts val="300"/>
-              </a:spcBef>
-            </a:pPr>
-            <a:r>
-              <a:rPr lang="en-US" sz="1400" dirty="0">
-                <a:latin typeface="Times New Roman" panose="02020603050405020304" pitchFamily="18" charset="0"/>
-                <a:cs typeface="Times New Roman" panose="02020603050405020304" pitchFamily="18" charset="0"/>
-              </a:rPr>
-              <a:t>J. </a:t>
-            </a:r>
-            <a:r>
-              <a:rPr lang="en-US" sz="1400" dirty="0" err="1">
-                <a:latin typeface="Times New Roman" panose="02020603050405020304" pitchFamily="18" charset="0"/>
-                <a:cs typeface="Times New Roman" panose="02020603050405020304" pitchFamily="18" charset="0"/>
-              </a:rPr>
-              <a:t>Cito</a:t>
-            </a:r>
-            <a:r>
-              <a:rPr lang="en-US" sz="1400" dirty="0">
-                <a:latin typeface="Times New Roman" panose="02020603050405020304" pitchFamily="18" charset="0"/>
-                <a:cs typeface="Times New Roman" panose="02020603050405020304" pitchFamily="18" charset="0"/>
-              </a:rPr>
-              <a:t>, V. </a:t>
-            </a:r>
-            <a:r>
-              <a:rPr lang="en-US" sz="1400" dirty="0" err="1">
-                <a:latin typeface="Times New Roman" panose="02020603050405020304" pitchFamily="18" charset="0"/>
-                <a:cs typeface="Times New Roman" panose="02020603050405020304" pitchFamily="18" charset="0"/>
-              </a:rPr>
-              <a:t>Ferme</a:t>
-            </a:r>
-            <a:r>
-              <a:rPr lang="en-US" sz="1400" dirty="0">
-                <a:latin typeface="Times New Roman" panose="02020603050405020304" pitchFamily="18" charset="0"/>
-                <a:cs typeface="Times New Roman" panose="02020603050405020304" pitchFamily="18" charset="0"/>
-              </a:rPr>
-              <a:t> and H.C. Gall (2016), </a:t>
-            </a:r>
-            <a:r>
-              <a:rPr lang="en-US" sz="1400" dirty="0">
-                <a:latin typeface="Times New Roman" panose="02020603050405020304" pitchFamily="18" charset="0"/>
-                <a:cs typeface="Times New Roman" panose="02020603050405020304" pitchFamily="18" charset="0"/>
-                <a:hlinkClick r:id="rId5"/>
-              </a:rPr>
-              <a:t>https://link.springer.com/chapter/10.1007/978-3-319-38791-8_58</a:t>
-            </a:r>
-            <a:r>
-              <a:rPr lang="en-US" sz="1400" dirty="0">
-                <a:latin typeface="Times New Roman" panose="02020603050405020304" pitchFamily="18" charset="0"/>
-                <a:cs typeface="Times New Roman" panose="02020603050405020304" pitchFamily="18" charset="0"/>
-              </a:rPr>
-              <a:t> </a:t>
-            </a:r>
-          </a:p>
-          <a:p>
-            <a:pPr marL="227013" indent="-227013">
-              <a:spcBef>
-                <a:spcPts val="300"/>
-              </a:spcBef>
-            </a:pPr>
-            <a:r>
-              <a:rPr lang="en-US" sz="1400" dirty="0">
-                <a:latin typeface="Times New Roman" panose="02020603050405020304" pitchFamily="18" charset="0"/>
-                <a:cs typeface="Times New Roman" panose="02020603050405020304" pitchFamily="18" charset="0"/>
-              </a:rPr>
-              <a:t>D.L. Bruhwiler, R. Nagler </a:t>
-            </a:r>
-            <a:r>
-              <a:rPr lang="en-US" sz="1400" i="1" dirty="0">
-                <a:latin typeface="Times New Roman" panose="02020603050405020304" pitchFamily="18" charset="0"/>
-                <a:cs typeface="Times New Roman" panose="02020603050405020304" pitchFamily="18" charset="0"/>
-              </a:rPr>
-              <a:t>et al</a:t>
-            </a:r>
-            <a:r>
-              <a:rPr lang="en-US" sz="1400" dirty="0">
-                <a:latin typeface="Times New Roman" panose="02020603050405020304" pitchFamily="18" charset="0"/>
-                <a:cs typeface="Times New Roman" panose="02020603050405020304" pitchFamily="18" charset="0"/>
-              </a:rPr>
-              <a:t>. (2015), </a:t>
-            </a:r>
-            <a:r>
-              <a:rPr lang="en-US" sz="1400" dirty="0">
-                <a:latin typeface="Times New Roman" panose="02020603050405020304" pitchFamily="18" charset="0"/>
-                <a:cs typeface="Times New Roman" panose="02020603050405020304" pitchFamily="18" charset="0"/>
-                <a:hlinkClick r:id="rId6"/>
-              </a:rPr>
-              <a:t>http://accelconf.web.cern.ch/AccelConf/IPAC2015/papers/mopmn009.pdf</a:t>
-            </a:r>
-            <a:r>
-              <a:rPr lang="en-US" sz="1400" dirty="0">
-                <a:latin typeface="Times New Roman" panose="02020603050405020304" pitchFamily="18" charset="0"/>
-                <a:cs typeface="Times New Roman" panose="02020603050405020304" pitchFamily="18" charset="0"/>
-              </a:rPr>
-              <a:t> </a:t>
-            </a:r>
-          </a:p>
-          <a:p>
-            <a:pPr marL="227013" indent="-227013">
-              <a:spcBef>
-                <a:spcPts val="300"/>
-              </a:spcBef>
-            </a:pPr>
-            <a:r>
-              <a:rPr lang="en-US" sz="1400" dirty="0">
-                <a:latin typeface="Times New Roman" panose="02020603050405020304" pitchFamily="18" charset="0"/>
-                <a:cs typeface="Times New Roman" panose="02020603050405020304" pitchFamily="18" charset="0"/>
-              </a:rPr>
-              <a:t>R. Nagler, D.L. Bruhwiler </a:t>
-            </a:r>
-            <a:r>
-              <a:rPr lang="en-US" sz="1400" i="1" dirty="0">
-                <a:latin typeface="Times New Roman" panose="02020603050405020304" pitchFamily="18" charset="0"/>
-                <a:cs typeface="Times New Roman" panose="02020603050405020304" pitchFamily="18" charset="0"/>
-              </a:rPr>
-              <a:t>et al</a:t>
-            </a:r>
-            <a:r>
-              <a:rPr lang="en-US" sz="1400" dirty="0">
-                <a:latin typeface="Times New Roman" panose="02020603050405020304" pitchFamily="18" charset="0"/>
-                <a:cs typeface="Times New Roman" panose="02020603050405020304" pitchFamily="18" charset="0"/>
-              </a:rPr>
-              <a:t>. (2015), </a:t>
-            </a:r>
-            <a:r>
-              <a:rPr lang="en-US" sz="1400" dirty="0">
-                <a:latin typeface="Times New Roman" panose="02020603050405020304" pitchFamily="18" charset="0"/>
-                <a:cs typeface="Times New Roman" panose="02020603050405020304" pitchFamily="18" charset="0"/>
-                <a:hlinkClick r:id="rId7"/>
-              </a:rPr>
-              <a:t>https://arxiv.org/abs/1509.08789</a:t>
-            </a:r>
-            <a:endParaRPr lang="en-US" sz="1400" dirty="0">
-              <a:latin typeface="Times New Roman" panose="02020603050405020304" pitchFamily="18" charset="0"/>
-              <a:cs typeface="Times New Roman" panose="02020603050405020304" pitchFamily="18" charset="0"/>
-            </a:endParaRPr>
-          </a:p>
-          <a:p>
-            <a:pPr marL="227013" indent="-227013">
-              <a:spcBef>
-                <a:spcPts val="300"/>
-              </a:spcBef>
-            </a:pPr>
-            <a:r>
-              <a:rPr lang="en-US" sz="1400" dirty="0">
-                <a:latin typeface="Times New Roman" panose="02020603050405020304" pitchFamily="18" charset="0"/>
-                <a:cs typeface="Times New Roman" panose="02020603050405020304" pitchFamily="18" charset="0"/>
-              </a:rPr>
-              <a:t>C. Boettiger (2014), </a:t>
-            </a:r>
-            <a:r>
-              <a:rPr lang="en-US" sz="1400" dirty="0">
-                <a:latin typeface="Times New Roman" panose="02020603050405020304" pitchFamily="18" charset="0"/>
-                <a:cs typeface="Times New Roman" panose="02020603050405020304" pitchFamily="18" charset="0"/>
-                <a:hlinkClick r:id="rId8"/>
-              </a:rPr>
-              <a:t>https://arxiv.org/abs/1410.0846</a:t>
-            </a:r>
-            <a:r>
-              <a:rPr lang="en-US" sz="1400" dirty="0">
-                <a:latin typeface="Times New Roman" panose="02020603050405020304" pitchFamily="18" charset="0"/>
-                <a:cs typeface="Times New Roman" panose="02020603050405020304" pitchFamily="18" charset="0"/>
-              </a:rPr>
-              <a:t> </a:t>
+              <a:t>compare with your physical intuition?</a:t>
+            </a:r>
+          </a:p>
+          <a:p>
+            <a:pPr lvl="2"/>
+            <a:r>
+              <a:rPr lang="en-US" dirty="0"/>
+              <a:t>compare with your previous work?</a:t>
+            </a:r>
+          </a:p>
+          <a:p>
+            <a:pPr lvl="2"/>
+            <a:r>
+              <a:rPr lang="en-US" dirty="0"/>
+              <a:t>compare with publicly available papers and presentations?</a:t>
+            </a:r>
+          </a:p>
+          <a:p>
+            <a:pPr lvl="2"/>
+            <a:r>
+              <a:rPr lang="en-US" dirty="0"/>
+              <a:t>rerun the same case with a different code (or ask a colleague to do it…)?</a:t>
+            </a:r>
+          </a:p>
+          <a:p>
+            <a:pPr lvl="2"/>
+            <a:r>
+              <a:rPr lang="en-US" dirty="0"/>
+              <a:t>discuss the plots with a colleague…?</a:t>
             </a:r>
           </a:p>
         </p:txBody>
@@ -7027,7 +6891,7 @@
     </p:spTree>
     <p:extLst>
       <p:ext uri="{BB962C8B-B14F-4D97-AF65-F5344CB8AC3E}">
-        <p14:creationId xmlns:p14="http://schemas.microsoft.com/office/powerpoint/2010/main" val="4169432088"/>
+        <p14:creationId xmlns:p14="http://schemas.microsoft.com/office/powerpoint/2010/main" val="163359359"/>
       </p:ext>
     </p:extLst>
   </p:cSld>
@@ -7066,7 +6930,7 @@
         </p:nvSpPr>
         <p:spPr>
           <a:xfrm>
-            <a:off x="0" y="140672"/>
+            <a:off x="0" y="112344"/>
             <a:ext cx="9144000" cy="589085"/>
           </a:xfrm>
         </p:spPr>
@@ -7078,20 +6942,14 @@
           <a:p>
             <a:r>
               <a:rPr lang="en-US" dirty="0"/>
-              <a:t>Class discussion:</a:t>
-            </a:r>
-          </a:p>
-        </p:txBody>
-      </p:sp>
-      <p:sp>
-        <p:nvSpPr>
-          <p:cNvPr id="6" name="Content Placeholder 2">
-            <a:extLst>
-              <a:ext uri="{FF2B5EF4-FFF2-40B4-BE49-F238E27FC236}">
-                <a16:creationId xmlns:a16="http://schemas.microsoft.com/office/drawing/2014/main" xmlns="" id="{9081FF26-7AD5-4767-AF65-A27F1769E1FC}"/>
-              </a:ext>
-            </a:extLst>
-          </p:cNvPr>
+              <a:t>Running Particle Accelerator Codes inside Docker</a:t>
+            </a:r>
+          </a:p>
+        </p:txBody>
+      </p:sp>
+      <p:sp>
+        <p:nvSpPr>
+          <p:cNvPr id="3" name="Content Placeholder 2"/>
           <p:cNvSpPr>
             <a:spLocks noGrp="1"/>
           </p:cNvSpPr>
@@ -7101,8 +6959,8 @@
         </p:nvSpPr>
         <p:spPr>
           <a:xfrm>
-            <a:off x="152400" y="827314"/>
-            <a:ext cx="8839200" cy="5146766"/>
+            <a:off x="152400" y="879566"/>
+            <a:ext cx="8839200" cy="5364480"/>
           </a:xfrm>
         </p:spPr>
         <p:txBody>
@@ -7112,117 +6970,328 @@
           <a:lstStyle/>
           <a:p>
             <a:r>
-              <a:rPr lang="en-US" sz="1800" i="0" dirty="0"/>
-              <a:t>Do you have experience working with VMs?</a:t>
-            </a:r>
-          </a:p>
-          <a:p>
-            <a:pPr lvl="1"/>
-            <a:r>
-              <a:rPr lang="en-US" dirty="0"/>
-              <a:t>If so, what are the advantages and disadvantages?</a:t>
-            </a:r>
-          </a:p>
-          <a:p>
-            <a:r>
               <a:rPr lang="en-US" i="0" dirty="0"/>
-              <a:t>Explain at least one difference between VMs and containers</a:t>
+              <a:t>RadiaSoft has been running HPC codes via Docker since 2015</a:t>
+            </a:r>
+          </a:p>
+          <a:p>
+            <a:pPr lvl="1"/>
+            <a:r>
+              <a:rPr lang="en-US" dirty="0"/>
+              <a:t>beam physics:   elegant/SDDS,  Warp,  Synergia</a:t>
+            </a:r>
+          </a:p>
+          <a:p>
+            <a:pPr lvl="1"/>
+            <a:r>
+              <a:rPr lang="en-US" dirty="0"/>
+              <a:t>X-ray optics &amp; synch. radiation:  SRW,  Shadow</a:t>
+            </a:r>
+          </a:p>
+          <a:p>
+            <a:pPr lvl="1"/>
+            <a:r>
+              <a:rPr lang="en-US" dirty="0"/>
+              <a:t>FELs:  Genesis</a:t>
             </a:r>
           </a:p>
           <a:p>
             <a:r>
               <a:rPr lang="en-US" i="0" dirty="0"/>
-              <a:t>A VM is to a house as a container is to an apartment:  explain the analogy</a:t>
-            </a:r>
-          </a:p>
-          <a:p>
-            <a:r>
-              <a:rPr lang="en-US" dirty="0"/>
-              <a:t>Reproducibility vs Replication:  which is more difficult?   …more important?</a:t>
-            </a:r>
-          </a:p>
-          <a:p>
-            <a:r>
-              <a:rPr lang="en-US" dirty="0"/>
-              <a:t>How does Docker help with replicating a physics simulation?</a:t>
-            </a:r>
+              <a:t>Linux</a:t>
+            </a:r>
+          </a:p>
+          <a:p>
+            <a:pPr lvl="1"/>
+            <a:r>
+              <a:rPr lang="en-US" dirty="0"/>
+              <a:t>containers run at native speeds;  MPI works well</a:t>
+            </a:r>
+            <a:endParaRPr lang="en-US" i="0" dirty="0"/>
+          </a:p>
+          <a:p>
+            <a:pPr lvl="1"/>
             <a:r>
               <a:rPr lang="en-US" i="0" dirty="0"/>
+              <a:t>large-scale I/O can be slow (similar to NFS; more testing required)</a:t>
+            </a:r>
+          </a:p>
+          <a:p>
+            <a:r>
+              <a:rPr lang="en-US" i="0" dirty="0"/>
+              <a:t>MacOS</a:t>
+            </a:r>
+          </a:p>
+          <a:p>
+            <a:pPr lvl="1"/>
+            <a:r>
+              <a:rPr lang="en-US" i="0" dirty="0"/>
+              <a:t>similar to Linux (we have less experience)</a:t>
+            </a:r>
+          </a:p>
+          <a:p>
+            <a:r>
+              <a:rPr lang="en-US" dirty="0"/>
+              <a:t>What about supercomputing? </a:t>
+            </a:r>
+            <a:r>
+              <a:rPr lang="en-US" i="1" dirty="0"/>
               <a:t> </a:t>
             </a:r>
-          </a:p>
-          <a:p>
-            <a:pPr lvl="1"/>
+            <a:r>
+              <a:rPr lang="en-US" sz="1400" i="1" dirty="0"/>
+              <a:t>(don’t know of any experience w/ accelerator codes)</a:t>
+            </a:r>
+            <a:endParaRPr lang="en-US" i="1" dirty="0"/>
+          </a:p>
+          <a:p>
+            <a:pPr lvl="2"/>
             <a:endParaRPr lang="en-US" i="0" dirty="0"/>
           </a:p>
           <a:p>
-            <a:r>
-              <a:rPr lang="en-US" dirty="0"/>
-              <a:t>Maybe revisit previous discussion points – </a:t>
-            </a:r>
+            <a:pPr lvl="1"/>
+            <a:r>
+              <a:rPr lang="en-US" i="0" dirty="0"/>
+              <a:t>Singularity, (LBL)</a:t>
+            </a:r>
+            <a:endParaRPr lang="en-US" dirty="0"/>
+          </a:p>
+          <a:p>
+            <a:pPr lvl="2"/>
             <a:endParaRPr lang="en-US" i="0" dirty="0"/>
           </a:p>
           <a:p>
             <a:pPr lvl="1"/>
             <a:r>
-              <a:rPr lang="en-US" dirty="0"/>
-              <a:t>When you run a simulation how confident are you in the results?</a:t>
-            </a:r>
-          </a:p>
-          <a:p>
-            <a:pPr lvl="1"/>
-            <a:r>
-              <a:rPr lang="en-US" dirty="0"/>
-              <a:t>Are you skeptical of results presented by others in talks or papers?</a:t>
+              <a:rPr lang="en-US" i="0" dirty="0"/>
+              <a:t>Shifter (NERSC)</a:t>
             </a:r>
           </a:p>
           <a:p>
             <a:pPr lvl="2"/>
-            <a:r>
-              <a:rPr lang="en-US" dirty="0"/>
-              <a:t>have you ever wanted to rerun someone else’s simulation?</a:t>
-            </a:r>
-          </a:p>
-          <a:p>
-            <a:pPr lvl="1"/>
-            <a:r>
-              <a:rPr lang="en-US" dirty="0"/>
-              <a:t>How do you validate your own results?</a:t>
+            <a:endParaRPr lang="en-US" i="0" dirty="0"/>
+          </a:p>
+          <a:p>
+            <a:pPr lvl="1"/>
+            <a:r>
+              <a:rPr lang="en-US" dirty="0"/>
+              <a:t>Charliecloud (LANL)</a:t>
             </a:r>
           </a:p>
           <a:p>
             <a:pPr lvl="2"/>
-            <a:r>
-              <a:rPr lang="en-US" dirty="0"/>
-              <a:t>compare with your physical intuition?</a:t>
-            </a:r>
-          </a:p>
-          <a:p>
-            <a:pPr lvl="2"/>
-            <a:r>
-              <a:rPr lang="en-US" dirty="0"/>
-              <a:t>compare with your previous work?</a:t>
-            </a:r>
-          </a:p>
-          <a:p>
-            <a:pPr lvl="2"/>
-            <a:r>
-              <a:rPr lang="en-US" dirty="0"/>
-              <a:t>compare with publicly available papers and presentations?</a:t>
-            </a:r>
-          </a:p>
-          <a:p>
-            <a:pPr lvl="2"/>
-            <a:r>
-              <a:rPr lang="en-US" dirty="0"/>
-              <a:t>rerun the same case with a different code (or ask a colleague to do it…)?</a:t>
-            </a:r>
-          </a:p>
-          <a:p>
-            <a:pPr lvl="2"/>
-            <a:r>
-              <a:rPr lang="en-US" dirty="0"/>
-              <a:t>discuss the plots with a colleague…?</a:t>
+            <a:endParaRPr lang="en-US" i="0" dirty="0"/>
+          </a:p>
+          <a:p>
+            <a:pPr lvl="1"/>
+            <a:r>
+              <a:rPr lang="en-US" dirty="0"/>
+              <a:t>others...?</a:t>
+            </a:r>
+            <a:endParaRPr lang="en-US" i="0" dirty="0"/>
+          </a:p>
+        </p:txBody>
+      </p:sp>
+      <p:pic>
+        <p:nvPicPr>
+          <p:cNvPr id="7" name="Picture 6" descr="docker.png"/>
+          <p:cNvPicPr>
+            <a:picLocks noChangeAspect="1"/>
+          </p:cNvPicPr>
+          <p:nvPr/>
+        </p:nvPicPr>
+        <p:blipFill>
+          <a:blip r:embed="rId3">
+            <a:extLst>
+              <a:ext uri="{28A0092B-C50C-407E-A947-70E740481C1C}">
+                <a14:useLocalDpi xmlns:a14="http://schemas.microsoft.com/office/drawing/2010/main" val="0"/>
+              </a:ext>
+            </a:extLst>
+          </a:blip>
+          <a:stretch>
+            <a:fillRect/>
+          </a:stretch>
+        </p:blipFill>
+        <p:spPr>
+          <a:xfrm>
+            <a:off x="6430320" y="1130504"/>
+            <a:ext cx="2464526" cy="847135"/>
+          </a:xfrm>
+          <a:prstGeom prst="rect">
+            <a:avLst/>
+          </a:prstGeom>
+        </p:spPr>
+      </p:pic>
+      <p:sp>
+        <p:nvSpPr>
+          <p:cNvPr id="6" name="TextBox 5">
+            <a:extLst>
+              <a:ext uri="{FF2B5EF4-FFF2-40B4-BE49-F238E27FC236}">
+                <a16:creationId xmlns:a16="http://schemas.microsoft.com/office/drawing/2014/main" id="{1DE7DDFE-E229-4C3B-87E8-E52E3770DC0C}"/>
+              </a:ext>
+            </a:extLst>
+          </p:cNvPr>
+          <p:cNvSpPr txBox="1"/>
+          <p:nvPr/>
+        </p:nvSpPr>
+        <p:spPr>
+          <a:xfrm>
+            <a:off x="3016099" y="4655137"/>
+            <a:ext cx="5975501" cy="523220"/>
+          </a:xfrm>
+          <a:prstGeom prst="rect">
+            <a:avLst/>
+          </a:prstGeom>
+          <a:noFill/>
+        </p:spPr>
+        <p:txBody>
+          <a:bodyPr wrap="square" rtlCol="0">
+            <a:spAutoFit/>
+          </a:bodyPr>
+          <a:lstStyle/>
+          <a:p>
+            <a:pPr marL="227013" indent="-227013">
+              <a:spcBef>
+                <a:spcPts val="300"/>
+              </a:spcBef>
+            </a:pPr>
+            <a:r>
+              <a:rPr lang="en-US" sz="1400" dirty="0">
+                <a:latin typeface="Times New Roman" panose="02020603050405020304" pitchFamily="18" charset="0"/>
+                <a:cs typeface="Times New Roman" panose="02020603050405020304" pitchFamily="18" charset="0"/>
+              </a:rPr>
+              <a:t>K. Kincade (2015), </a:t>
+            </a:r>
+            <a:r>
+              <a:rPr lang="en-US" sz="1400" dirty="0">
+                <a:latin typeface="Times New Roman" panose="02020603050405020304" pitchFamily="18" charset="0"/>
+                <a:cs typeface="Times New Roman" panose="02020603050405020304" pitchFamily="18" charset="0"/>
+                <a:hlinkClick r:id="rId4"/>
+              </a:rPr>
+              <a:t>http://www.nersc.gov/news-publications/nersc-news/nersc-center-news/2015/shifter-makes-container-based-hpc-a-breeze/</a:t>
+            </a:r>
+            <a:r>
+              <a:rPr lang="en-US" sz="1400" dirty="0">
+                <a:latin typeface="Times New Roman" panose="02020603050405020304" pitchFamily="18" charset="0"/>
+                <a:cs typeface="Times New Roman" panose="02020603050405020304" pitchFamily="18" charset="0"/>
+              </a:rPr>
+              <a:t> </a:t>
+            </a:r>
+          </a:p>
+        </p:txBody>
+      </p:sp>
+      <p:sp>
+        <p:nvSpPr>
+          <p:cNvPr id="9" name="TextBox 8">
+            <a:extLst>
+              <a:ext uri="{FF2B5EF4-FFF2-40B4-BE49-F238E27FC236}">
+                <a16:creationId xmlns:a16="http://schemas.microsoft.com/office/drawing/2014/main" id="{858AF180-993D-4138-8FC7-4811282CA649}"/>
+              </a:ext>
+            </a:extLst>
+          </p:cNvPr>
+          <p:cNvSpPr txBox="1"/>
+          <p:nvPr/>
+        </p:nvSpPr>
+        <p:spPr>
+          <a:xfrm>
+            <a:off x="2993617" y="4176677"/>
+            <a:ext cx="5975501" cy="307777"/>
+          </a:xfrm>
+          <a:prstGeom prst="rect">
+            <a:avLst/>
+          </a:prstGeom>
+          <a:noFill/>
+        </p:spPr>
+        <p:txBody>
+          <a:bodyPr wrap="square" rtlCol="0">
+            <a:spAutoFit/>
+          </a:bodyPr>
+          <a:lstStyle/>
+          <a:p>
+            <a:pPr marL="227013" indent="-227013">
+              <a:spcBef>
+                <a:spcPts val="300"/>
+              </a:spcBef>
+            </a:pPr>
+            <a:r>
+              <a:rPr lang="en-US" sz="1400" dirty="0">
+                <a:latin typeface="Times New Roman" panose="02020603050405020304" pitchFamily="18" charset="0"/>
+                <a:cs typeface="Times New Roman" panose="02020603050405020304" pitchFamily="18" charset="0"/>
+              </a:rPr>
+              <a:t>Singularity, </a:t>
+            </a:r>
+            <a:r>
+              <a:rPr lang="en-US" sz="1400" dirty="0">
+                <a:latin typeface="Times New Roman" panose="02020603050405020304" pitchFamily="18" charset="0"/>
+                <a:cs typeface="Times New Roman" panose="02020603050405020304" pitchFamily="18" charset="0"/>
+                <a:hlinkClick r:id="rId5"/>
+              </a:rPr>
+              <a:t>http://singularity.lbl.gov</a:t>
+            </a:r>
+            <a:r>
+              <a:rPr lang="en-US" sz="1400" dirty="0">
+                <a:latin typeface="Times New Roman" panose="02020603050405020304" pitchFamily="18" charset="0"/>
+                <a:cs typeface="Times New Roman" panose="02020603050405020304" pitchFamily="18" charset="0"/>
+              </a:rPr>
+              <a:t> </a:t>
+            </a:r>
+          </a:p>
+        </p:txBody>
+      </p:sp>
+      <p:sp>
+        <p:nvSpPr>
+          <p:cNvPr id="10" name="TextBox 9">
+            <a:extLst>
+              <a:ext uri="{FF2B5EF4-FFF2-40B4-BE49-F238E27FC236}">
+                <a16:creationId xmlns:a16="http://schemas.microsoft.com/office/drawing/2014/main" id="{F0F78B4D-7974-4AB7-A8FB-839FBD153B46}"/>
+              </a:ext>
+            </a:extLst>
+          </p:cNvPr>
+          <p:cNvSpPr txBox="1"/>
+          <p:nvPr/>
+        </p:nvSpPr>
+        <p:spPr>
+          <a:xfrm>
+            <a:off x="3027188" y="5257538"/>
+            <a:ext cx="6116812" cy="523220"/>
+          </a:xfrm>
+          <a:prstGeom prst="rect">
+            <a:avLst/>
+          </a:prstGeom>
+          <a:noFill/>
+        </p:spPr>
+        <p:txBody>
+          <a:bodyPr wrap="square" rtlCol="0">
+            <a:spAutoFit/>
+          </a:bodyPr>
+          <a:lstStyle/>
+          <a:p>
+            <a:pPr>
+              <a:spcBef>
+                <a:spcPts val="300"/>
+              </a:spcBef>
+            </a:pPr>
+            <a:r>
+              <a:rPr lang="en-US" sz="1400" dirty="0">
+                <a:latin typeface="Times New Roman" panose="02020603050405020304" pitchFamily="18" charset="0"/>
+                <a:cs typeface="Times New Roman" panose="02020603050405020304" pitchFamily="18" charset="0"/>
+              </a:rPr>
+              <a:t>R. Priedhorsky &amp; T.C. Randles (2017), </a:t>
+            </a:r>
+            <a:r>
+              <a:rPr lang="en-US" sz="1400" dirty="0">
+                <a:latin typeface="Times New Roman" panose="02020603050405020304" pitchFamily="18" charset="0"/>
+                <a:cs typeface="Times New Roman" panose="02020603050405020304" pitchFamily="18" charset="0"/>
+                <a:hlinkClick r:id="rId6"/>
+              </a:rPr>
+              <a:t>http://permalink.lanl.gov/object/tr?what=info:lanl-repo/lareport/LA-UR-16-22370</a:t>
+            </a:r>
+            <a:r>
+              <a:rPr lang="en-US" sz="1400" dirty="0">
+                <a:latin typeface="Times New Roman" panose="02020603050405020304" pitchFamily="18" charset="0"/>
+                <a:cs typeface="Times New Roman" panose="02020603050405020304" pitchFamily="18" charset="0"/>
+              </a:rPr>
+              <a:t> </a:t>
             </a:r>
           </a:p>
         </p:txBody>
@@ -7230,7 +7299,7 @@
     </p:spTree>
     <p:extLst>
       <p:ext uri="{BB962C8B-B14F-4D97-AF65-F5344CB8AC3E}">
-        <p14:creationId xmlns:p14="http://schemas.microsoft.com/office/powerpoint/2010/main" val="163359359"/>
+        <p14:creationId xmlns:p14="http://schemas.microsoft.com/office/powerpoint/2010/main" val="3503096055"/>
       </p:ext>
     </p:extLst>
   </p:cSld>
@@ -7269,7 +7338,7 @@
         </p:nvSpPr>
         <p:spPr>
           <a:xfrm>
-            <a:off x="0" y="112344"/>
+            <a:off x="0" y="70385"/>
             <a:ext cx="9144000" cy="589085"/>
           </a:xfrm>
         </p:spPr>
@@ -7281,7 +7350,7 @@
           <a:p>
             <a:r>
               <a:rPr lang="en-US" dirty="0"/>
-              <a:t>Running Particle Accelerator Codes inside Docker</a:t>
+              <a:t>Delivering codes via the Docker Hub repository</a:t>
             </a:r>
           </a:p>
         </p:txBody>
@@ -7298,8 +7367,8 @@
         </p:nvSpPr>
         <p:spPr>
           <a:xfrm>
-            <a:off x="152400" y="879566"/>
-            <a:ext cx="8839200" cy="5283843"/>
+            <a:off x="152400" y="862150"/>
+            <a:ext cx="8839200" cy="5441932"/>
           </a:xfrm>
         </p:spPr>
         <p:txBody>
@@ -7310,41 +7379,39 @@
           <a:p>
             <a:r>
               <a:rPr lang="en-US" i="0" dirty="0"/>
-              <a:t>RadiaSoft has been running HPC codes via Docker since 2015</a:t>
-            </a:r>
-          </a:p>
-          <a:p>
-            <a:pPr lvl="1"/>
-            <a:r>
-              <a:rPr lang="en-US" sz="1800" dirty="0"/>
-              <a:t>beam physics:   elegant/SDDS,  Warp,  Synergia</a:t>
-            </a:r>
-          </a:p>
-          <a:p>
-            <a:pPr lvl="1"/>
-            <a:r>
-              <a:rPr lang="en-US" sz="1800" dirty="0"/>
-              <a:t>X-ray optics &amp; synchrotron radiation:  SRW,  Shadow</a:t>
-            </a:r>
-          </a:p>
-          <a:p>
-            <a:pPr lvl="1"/>
-            <a:r>
-              <a:rPr lang="en-US" sz="1800" dirty="0"/>
-              <a:t>FELs:  Genesis</a:t>
+              <a:t>Docker images can be uploaded to a public repository</a:t>
+            </a:r>
+          </a:p>
+          <a:p>
+            <a:pPr lvl="1"/>
+            <a:r>
+              <a:rPr lang="en-US" dirty="0">
+                <a:hlinkClick r:id="rId3"/>
+              </a:rPr>
+              <a:t>https://hub.docker.com</a:t>
+            </a:r>
+            <a:r>
+              <a:rPr lang="en-US" dirty="0"/>
+              <a:t> </a:t>
             </a:r>
           </a:p>
           <a:p>
             <a:r>
               <a:rPr lang="en-US" i="0" dirty="0"/>
-              <a:t>Linux</a:t>
-            </a:r>
-          </a:p>
-          <a:p>
-            <a:pPr lvl="1"/>
-            <a:r>
-              <a:rPr lang="en-US" dirty="0"/>
-              <a:t>containers run at native speeds;  MPI works well</a:t>
+              <a:t>RadiaSoft distributes our containers from Docker Hub</a:t>
+            </a:r>
+          </a:p>
+          <a:p>
+            <a:pPr lvl="1"/>
+            <a:r>
+              <a:rPr lang="en-US" dirty="0">
+                <a:hlinkClick r:id="rId4"/>
+              </a:rPr>
+              <a:t>https://hub.docker.com/r/radiasoft</a:t>
+            </a:r>
+            <a:r>
+              <a:rPr lang="en-US" dirty="0"/>
+              <a:t> </a:t>
             </a:r>
             <a:endParaRPr lang="en-US" i="0" dirty="0"/>
           </a:p>
@@ -7352,186 +7419,137 @@
             <a:pPr lvl="1"/>
             <a:r>
               <a:rPr lang="en-US" i="0" dirty="0"/>
-              <a:t>large-scale I/O can be slow (similar to NFS; more testing required)</a:t>
+              <a:t>automated build/test/release is used to ensure working containers</a:t>
             </a:r>
           </a:p>
           <a:p>
             <a:r>
               <a:rPr lang="en-US" i="0" dirty="0"/>
-              <a:t>MacOS</a:t>
-            </a:r>
-          </a:p>
-          <a:p>
-            <a:pPr lvl="1"/>
-            <a:r>
-              <a:rPr lang="en-US" i="0" dirty="0"/>
-              <a:t>similar to Linux (we have less experience)</a:t>
-            </a:r>
-          </a:p>
-          <a:p>
-            <a:pPr lvl="1"/>
-            <a:endParaRPr lang="en-US" i="0" dirty="0"/>
-          </a:p>
-          <a:p>
-            <a:r>
-              <a:rPr lang="en-US" dirty="0"/>
-              <a:t>What about supercomputing?</a:t>
-            </a:r>
-          </a:p>
-          <a:p>
-            <a:pPr lvl="1"/>
-            <a:r>
-              <a:rPr lang="en-US" i="0" dirty="0"/>
-              <a:t>Shifter – at the NERSC supercomputing center</a:t>
-            </a:r>
-          </a:p>
-          <a:p>
-            <a:pPr lvl="2"/>
-            <a:r>
-              <a:rPr lang="en-US" dirty="0"/>
-              <a:t>optimized for Linux on the compute nodes</a:t>
-            </a:r>
-          </a:p>
-          <a:p>
-            <a:pPr lvl="2"/>
-            <a:r>
-              <a:rPr lang="en-US" dirty="0"/>
-              <a:t>compatible with Docker</a:t>
-            </a:r>
-          </a:p>
-        </p:txBody>
-      </p:sp>
-      <p:pic>
-        <p:nvPicPr>
-          <p:cNvPr id="7" name="Picture 6" descr="docker.png"/>
-          <p:cNvPicPr>
-            <a:picLocks noChangeAspect="1"/>
-          </p:cNvPicPr>
-          <p:nvPr/>
-        </p:nvPicPr>
-        <p:blipFill>
-          <a:blip r:embed="rId3">
-            <a:extLst>
-              <a:ext uri="{28A0092B-C50C-407E-A947-70E740481C1C}">
-                <a14:useLocalDpi xmlns:a14="http://schemas.microsoft.com/office/drawing/2010/main" val="0"/>
-              </a:ext>
-            </a:extLst>
-          </a:blip>
-          <a:stretch>
-            <a:fillRect/>
-          </a:stretch>
-        </p:blipFill>
-        <p:spPr>
-          <a:xfrm>
-            <a:off x="6430320" y="1827189"/>
-            <a:ext cx="2464526" cy="847135"/>
-          </a:xfrm>
-          <a:prstGeom prst="rect">
-            <a:avLst/>
-          </a:prstGeom>
-        </p:spPr>
-      </p:pic>
-      <p:pic>
-        <p:nvPicPr>
-          <p:cNvPr id="1026" name="Picture 2" descr="Shifter logo">
-            <a:extLst>
-              <a:ext uri="{FF2B5EF4-FFF2-40B4-BE49-F238E27FC236}">
-                <a16:creationId xmlns:a16="http://schemas.microsoft.com/office/drawing/2014/main" xmlns="" id="{66DA49E9-6E33-4D38-9858-6ADEBD4307E3}"/>
-              </a:ext>
-            </a:extLst>
-          </p:cNvPr>
-          <p:cNvPicPr>
-            <a:picLocks noChangeAspect="1" noChangeArrowheads="1"/>
-          </p:cNvPicPr>
-          <p:nvPr/>
-        </p:nvPicPr>
-        <p:blipFill>
-          <a:blip r:embed="rId4">
-            <a:extLst>
-              <a:ext uri="{28A0092B-C50C-407E-A947-70E740481C1C}">
-                <a14:useLocalDpi xmlns:a14="http://schemas.microsoft.com/office/drawing/2010/main" val="0"/>
-              </a:ext>
-            </a:extLst>
-          </a:blip>
-          <a:srcRect/>
-          <a:stretch>
-            <a:fillRect/>
-          </a:stretch>
-        </p:blipFill>
-        <p:spPr bwMode="auto">
-          <a:xfrm>
-            <a:off x="6435628" y="4458404"/>
-            <a:ext cx="1095375" cy="1400175"/>
-          </a:xfrm>
-          <a:prstGeom prst="rect">
-            <a:avLst/>
-          </a:prstGeom>
-          <a:noFill/>
-          <a:extLst>
-            <a:ext uri="{909E8E84-426E-40DD-AFC4-6F175D3DCCD1}">
-              <a14:hiddenFill xmlns:a14="http://schemas.microsoft.com/office/drawing/2010/main">
+              <a:t>One command can be used to download/install/run:</a:t>
+            </a:r>
+          </a:p>
+          <a:p>
+            <a:pPr marL="0" lvl="1" indent="0">
+              <a:spcBef>
+                <a:spcPts val="600"/>
+              </a:spcBef>
+              <a:spcAft>
+                <a:spcPts val="600"/>
+              </a:spcAft>
+              <a:buNone/>
+            </a:pPr>
+            <a:r>
+              <a:rPr lang="en-US" sz="1800" i="0" dirty="0">
                 <a:solidFill>
-                  <a:srgbClr val="FFFFFF"/>
+                  <a:schemeClr val="tx1"/>
                 </a:solidFill>
-              </a14:hiddenFill>
-            </a:ext>
-          </a:extLst>
-        </p:spPr>
-      </p:pic>
-      <p:sp>
-        <p:nvSpPr>
-          <p:cNvPr id="6" name="TextBox 5">
-            <a:extLst>
-              <a:ext uri="{FF2B5EF4-FFF2-40B4-BE49-F238E27FC236}">
-                <a16:creationId xmlns:a16="http://schemas.microsoft.com/office/drawing/2014/main" xmlns="" id="{1DE7DDFE-E229-4C3B-87E8-E52E3770DC0C}"/>
-              </a:ext>
-            </a:extLst>
-          </p:cNvPr>
-          <p:cNvSpPr txBox="1"/>
-          <p:nvPr/>
-        </p:nvSpPr>
-        <p:spPr>
-          <a:xfrm>
-            <a:off x="574759" y="5294862"/>
-            <a:ext cx="5975501" cy="523220"/>
-          </a:xfrm>
-          <a:prstGeom prst="rect">
-            <a:avLst/>
-          </a:prstGeom>
-          <a:noFill/>
-        </p:spPr>
-        <p:txBody>
-          <a:bodyPr wrap="square" rtlCol="0">
-            <a:spAutoFit/>
-          </a:bodyPr>
-          <a:lstStyle/>
-          <a:p>
-            <a:pPr marL="227013" indent="-227013">
-              <a:spcBef>
-                <a:spcPts val="300"/>
-              </a:spcBef>
-            </a:pPr>
-            <a:r>
-              <a:rPr lang="en-US" sz="1400" dirty="0">
-                <a:latin typeface="Times New Roman" panose="02020603050405020304" pitchFamily="18" charset="0"/>
-                <a:cs typeface="Times New Roman" panose="02020603050405020304" pitchFamily="18" charset="0"/>
-              </a:rPr>
-              <a:t>K. Kincade (2015), </a:t>
-            </a:r>
-            <a:r>
-              <a:rPr lang="en-US" sz="1400" dirty="0">
-                <a:latin typeface="Times New Roman" panose="02020603050405020304" pitchFamily="18" charset="0"/>
-                <a:cs typeface="Times New Roman" panose="02020603050405020304" pitchFamily="18" charset="0"/>
+                <a:latin typeface="Courier New" panose="02070309020205020404" pitchFamily="49" charset="0"/>
+                <a:cs typeface="Courier New" panose="02070309020205020404" pitchFamily="49" charset="0"/>
+              </a:rPr>
+              <a:t>    &gt; </a:t>
+            </a:r>
+            <a:r>
+              <a:rPr lang="en-US" sz="1800" dirty="0">
+                <a:solidFill>
+                  <a:schemeClr val="tx1"/>
+                </a:solidFill>
+                <a:latin typeface="Courier New" panose="02070309020205020404" pitchFamily="49" charset="0"/>
+                <a:cs typeface="Courier New" panose="02070309020205020404" pitchFamily="49" charset="0"/>
+              </a:rPr>
+              <a:t>curl radia.run | bash –s beamsim</a:t>
+            </a:r>
+            <a:endParaRPr lang="en-US" sz="1400" dirty="0">
+              <a:solidFill>
+                <a:schemeClr val="tx1"/>
+              </a:solidFill>
+            </a:endParaRPr>
+          </a:p>
+          <a:p>
+            <a:pPr lvl="1"/>
+            <a:r>
+              <a:rPr lang="en-US" dirty="0"/>
+              <a:t>assumes Docker is already installed and you know how to use it</a:t>
+            </a:r>
+          </a:p>
+          <a:p>
+            <a:r>
+              <a:rPr lang="en-US" dirty="0"/>
+              <a:t>JupyterHub servers provide cloud-based access to containerized codes</a:t>
+            </a:r>
+          </a:p>
+          <a:p>
+            <a:pPr lvl="1"/>
+            <a:r>
+              <a:rPr lang="en-US" dirty="0"/>
+              <a:t>GitHub repository &amp; docs,  </a:t>
+            </a:r>
+            <a:r>
+              <a:rPr lang="en-US" dirty="0">
                 <a:hlinkClick r:id="rId5"/>
               </a:rPr>
-              <a:t>http://www.nersc.gov/news-publications/nersc-news/nersc-center-news/2015/shifter-makes-container-based-hpc-a-breeze/</a:t>
-            </a:r>
-            <a:r>
-              <a:rPr lang="en-US" sz="1400" dirty="0">
-                <a:latin typeface="Times New Roman" panose="02020603050405020304" pitchFamily="18" charset="0"/>
-                <a:cs typeface="Times New Roman" panose="02020603050405020304" pitchFamily="18" charset="0"/>
-              </a:rPr>
+              <a:t>https://github.com/jupyterhub/jupyterhub</a:t>
+            </a:r>
+            <a:r>
+              <a:rPr lang="en-US" dirty="0"/>
               <a:t> </a:t>
+            </a:r>
+          </a:p>
+          <a:p>
+            <a:r>
+              <a:rPr lang="en-US" dirty="0"/>
+              <a:t>RadiaSoft provides a public server,  </a:t>
+            </a:r>
+            <a:r>
+              <a:rPr lang="en-US" sz="1600" dirty="0">
+                <a:hlinkClick r:id="rId6"/>
+              </a:rPr>
+              <a:t>https://jupyter.radiasoft.org</a:t>
+            </a:r>
+            <a:r>
+              <a:rPr lang="en-US" sz="1600" dirty="0"/>
+              <a:t> </a:t>
+            </a:r>
+          </a:p>
+          <a:p>
+            <a:pPr lvl="1"/>
+            <a:r>
+              <a:rPr lang="en-US" dirty="0"/>
+              <a:t>many accelerator physics codes are pre-installed</a:t>
+            </a:r>
+          </a:p>
+          <a:p>
+            <a:pPr lvl="1"/>
+            <a:r>
+              <a:rPr lang="en-US" dirty="0"/>
+              <a:t>made available via the  </a:t>
+            </a:r>
+            <a:r>
+              <a:rPr lang="en-US" dirty="0">
+                <a:solidFill>
+                  <a:schemeClr val="tx1"/>
+                </a:solidFill>
+                <a:latin typeface="Courier New" panose="02070309020205020404" pitchFamily="49" charset="0"/>
+                <a:cs typeface="Courier New" panose="02070309020205020404" pitchFamily="49" charset="0"/>
+              </a:rPr>
+              <a:t>radiasoft/beamsim-jupyter</a:t>
+            </a:r>
+            <a:r>
+              <a:rPr lang="en-US" dirty="0"/>
+              <a:t> container</a:t>
+            </a:r>
+          </a:p>
+          <a:p>
+            <a:pPr lvl="1"/>
+            <a:r>
+              <a:rPr lang="en-US" dirty="0"/>
+              <a:t>supports Jupyter/IPython notebooks</a:t>
+            </a:r>
+          </a:p>
+          <a:p>
+            <a:pPr lvl="1"/>
+            <a:r>
+              <a:rPr lang="en-US" dirty="0"/>
+              <a:t>also supports browser-based terminal window (bash, without X11)</a:t>
             </a:r>
           </a:p>
         </p:txBody>
@@ -7539,7 +7557,7 @@
     </p:spTree>
     <p:extLst>
       <p:ext uri="{BB962C8B-B14F-4D97-AF65-F5344CB8AC3E}">
-        <p14:creationId xmlns:p14="http://schemas.microsoft.com/office/powerpoint/2010/main" val="3503096055"/>
+        <p14:creationId xmlns:p14="http://schemas.microsoft.com/office/powerpoint/2010/main" val="1528542507"/>
       </p:ext>
     </p:extLst>
   </p:cSld>
@@ -7705,11 +7723,7 @@
             </a:r>
             <a:r>
               <a:rPr lang="en-US" sz="1600" i="0"/>
-              <a:t>a </a:t>
-            </a:r>
-            <a:r>
-              <a:rPr lang="en-US" sz="1600" i="0" smtClean="0"/>
-              <a:t>Data </a:t>
+              <a:t>a Data </a:t>
             </a:r>
             <a:r>
               <a:rPr lang="en-US" sz="1600" i="0" dirty="0"/>
@@ -7733,7 +7747,7 @@
           <p:cNvPr id="4" name="TextBox 3">
             <a:extLst>
               <a:ext uri="{FF2B5EF4-FFF2-40B4-BE49-F238E27FC236}">
-                <a16:creationId xmlns:a16="http://schemas.microsoft.com/office/drawing/2014/main" xmlns="" id="{7513C421-393B-4FF0-932C-5CBCC33C43BF}"/>
+                <a16:creationId xmlns:a16="http://schemas.microsoft.com/office/drawing/2014/main" id="{7513C421-393B-4FF0-932C-5CBCC33C43BF}"/>
               </a:ext>
             </a:extLst>
           </p:cNvPr>
@@ -7824,259 +7838,6 @@
           <a:p>
             <a:r>
               <a:rPr lang="en-US" dirty="0"/>
-              <a:t>Delivering codes via the Docker Hub repository</a:t>
-            </a:r>
-          </a:p>
-        </p:txBody>
-      </p:sp>
-      <p:sp>
-        <p:nvSpPr>
-          <p:cNvPr id="3" name="Content Placeholder 2"/>
-          <p:cNvSpPr>
-            <a:spLocks noGrp="1"/>
-          </p:cNvSpPr>
-          <p:nvPr>
-            <p:ph idx="1"/>
-          </p:nvPr>
-        </p:nvSpPr>
-        <p:spPr>
-          <a:xfrm>
-            <a:off x="152400" y="862150"/>
-            <a:ext cx="8839200" cy="5441932"/>
-          </a:xfrm>
-        </p:spPr>
-        <p:txBody>
-          <a:bodyPr>
-            <a:normAutofit/>
-          </a:bodyPr>
-          <a:lstStyle/>
-          <a:p>
-            <a:r>
-              <a:rPr lang="en-US" i="0" dirty="0"/>
-              <a:t>Docker images can be uploaded to a public repository</a:t>
-            </a:r>
-          </a:p>
-          <a:p>
-            <a:pPr lvl="1"/>
-            <a:r>
-              <a:rPr lang="en-US" dirty="0">
-                <a:hlinkClick r:id="rId3"/>
-              </a:rPr>
-              <a:t>https://hub.docker.com</a:t>
-            </a:r>
-            <a:r>
-              <a:rPr lang="en-US" dirty="0"/>
-              <a:t> </a:t>
-            </a:r>
-          </a:p>
-          <a:p>
-            <a:r>
-              <a:rPr lang="en-US" i="0" dirty="0"/>
-              <a:t>RadiaSoft distributes our containers from Docker Hub</a:t>
-            </a:r>
-          </a:p>
-          <a:p>
-            <a:pPr lvl="1"/>
-            <a:r>
-              <a:rPr lang="en-US" dirty="0">
-                <a:hlinkClick r:id="rId4"/>
-              </a:rPr>
-              <a:t>https://hub.docker.com/r/radiasoft</a:t>
-            </a:r>
-            <a:r>
-              <a:rPr lang="en-US" dirty="0"/>
-              <a:t> </a:t>
-            </a:r>
-            <a:endParaRPr lang="en-US" i="0" dirty="0"/>
-          </a:p>
-          <a:p>
-            <a:pPr lvl="1"/>
-            <a:r>
-              <a:rPr lang="en-US" i="0" dirty="0"/>
-              <a:t>automated build/test/release is used to ensure working containers</a:t>
-            </a:r>
-          </a:p>
-          <a:p>
-            <a:r>
-              <a:rPr lang="en-US" i="0" dirty="0"/>
-              <a:t>One command can be used to download/install/run:</a:t>
-            </a:r>
-          </a:p>
-          <a:p>
-            <a:pPr marL="0" lvl="1" indent="0">
-              <a:spcBef>
-                <a:spcPts val="600"/>
-              </a:spcBef>
-              <a:spcAft>
-                <a:spcPts val="600"/>
-              </a:spcAft>
-              <a:buNone/>
-            </a:pPr>
-            <a:r>
-              <a:rPr lang="en-US" sz="1800" i="0" dirty="0">
-                <a:solidFill>
-                  <a:schemeClr val="tx1"/>
-                </a:solidFill>
-                <a:latin typeface="Courier New" panose="02070309020205020404" pitchFamily="49" charset="0"/>
-                <a:cs typeface="Courier New" panose="02070309020205020404" pitchFamily="49" charset="0"/>
-              </a:rPr>
-              <a:t>    &gt; docker run –p 8000:8000 radiasoft/beamsim</a:t>
-            </a:r>
-            <a:endParaRPr lang="en-US" sz="1400" dirty="0">
-              <a:solidFill>
-                <a:schemeClr val="tx1"/>
-              </a:solidFill>
-            </a:endParaRPr>
-          </a:p>
-          <a:p>
-            <a:pPr lvl="1"/>
-            <a:r>
-              <a:rPr lang="en-US" dirty="0"/>
-              <a:t>assumes Docker is already installed and you know how to use it</a:t>
-            </a:r>
-          </a:p>
-          <a:p>
-            <a:pPr lvl="1"/>
-            <a:endParaRPr lang="en-US" dirty="0"/>
-          </a:p>
-          <a:p>
-            <a:r>
-              <a:rPr lang="en-US" dirty="0"/>
-              <a:t>JupyterHub servers provide cloud-based access to containerized codes</a:t>
-            </a:r>
-          </a:p>
-          <a:p>
-            <a:pPr lvl="1"/>
-            <a:r>
-              <a:rPr lang="en-US" dirty="0"/>
-              <a:t>GitHub repository &amp; docs,  </a:t>
-            </a:r>
-            <a:r>
-              <a:rPr lang="en-US" dirty="0">
-                <a:hlinkClick r:id="rId5"/>
-              </a:rPr>
-              <a:t>https://github.com/jupyterhub/jupyterhub</a:t>
-            </a:r>
-            <a:r>
-              <a:rPr lang="en-US" dirty="0"/>
-              <a:t> </a:t>
-            </a:r>
-          </a:p>
-          <a:p>
-            <a:r>
-              <a:rPr lang="en-US" dirty="0"/>
-              <a:t>RadiaSoft provides a public server,  </a:t>
-            </a:r>
-            <a:r>
-              <a:rPr lang="en-US" sz="1600" dirty="0">
-                <a:hlinkClick r:id="rId6"/>
-              </a:rPr>
-              <a:t>https://jupyter.radiasoft.org</a:t>
-            </a:r>
-            <a:r>
-              <a:rPr lang="en-US" sz="1600" dirty="0"/>
-              <a:t> </a:t>
-            </a:r>
-            <a:endParaRPr lang="en-US" dirty="0"/>
-          </a:p>
-          <a:p>
-            <a:pPr lvl="1"/>
-            <a:r>
-              <a:rPr lang="en-US" dirty="0"/>
-              <a:t>many accelerator physics codes are pre-installed</a:t>
-            </a:r>
-          </a:p>
-          <a:p>
-            <a:pPr lvl="1"/>
-            <a:r>
-              <a:rPr lang="en-US" dirty="0"/>
-              <a:t>made available via the  </a:t>
-            </a:r>
-            <a:r>
-              <a:rPr lang="en-US" dirty="0">
-                <a:solidFill>
-                  <a:schemeClr val="tx1"/>
-                </a:solidFill>
-                <a:latin typeface="Courier New" panose="02070309020205020404" pitchFamily="49" charset="0"/>
-                <a:cs typeface="Courier New" panose="02070309020205020404" pitchFamily="49" charset="0"/>
-              </a:rPr>
-              <a:t>radiasoft/beamsim-jupyter</a:t>
-            </a:r>
-            <a:r>
-              <a:rPr lang="en-US" dirty="0"/>
-              <a:t> container</a:t>
-            </a:r>
-          </a:p>
-          <a:p>
-            <a:pPr lvl="1"/>
-            <a:r>
-              <a:rPr lang="en-US" dirty="0"/>
-              <a:t>supports Jupyter/IPython notebooks</a:t>
-            </a:r>
-          </a:p>
-          <a:p>
-            <a:pPr lvl="1"/>
-            <a:r>
-              <a:rPr lang="en-US" dirty="0"/>
-              <a:t>also supports browser-based terminal window (bash, without X11)</a:t>
-            </a:r>
-          </a:p>
-        </p:txBody>
-      </p:sp>
-    </p:spTree>
-    <p:extLst>
-      <p:ext uri="{BB962C8B-B14F-4D97-AF65-F5344CB8AC3E}">
-        <p14:creationId xmlns:p14="http://schemas.microsoft.com/office/powerpoint/2010/main" val="1528542507"/>
-      </p:ext>
-    </p:extLst>
-  </p:cSld>
-  <p:clrMapOvr>
-    <a:masterClrMapping/>
-  </p:clrMapOvr>
-</p:sld>
-</file>
-
-<file path=ppt/slides/slide21.xml><?xml version="1.0" encoding="utf-8"?>
-<p:sld xmlns:a="http://schemas.openxmlformats.org/drawingml/2006/main" xmlns:r="http://schemas.openxmlformats.org/officeDocument/2006/relationships" xmlns:p="http://schemas.openxmlformats.org/presentationml/2006/main">
-  <p:cSld>
-    <p:spTree>
-      <p:nvGrpSpPr>
-        <p:cNvPr id="1" name=""/>
-        <p:cNvGrpSpPr/>
-        <p:nvPr/>
-      </p:nvGrpSpPr>
-      <p:grpSpPr>
-        <a:xfrm>
-          <a:off x="0" y="0"/>
-          <a:ext cx="0" cy="0"/>
-          <a:chOff x="0" y="0"/>
-          <a:chExt cx="0" cy="0"/>
-        </a:xfrm>
-      </p:grpSpPr>
-      <p:sp>
-        <p:nvSpPr>
-          <p:cNvPr id="2" name="Title 1"/>
-          <p:cNvSpPr>
-            <a:spLocks noGrp="1"/>
-          </p:cNvSpPr>
-          <p:nvPr>
-            <p:ph type="title"/>
-          </p:nvPr>
-        </p:nvSpPr>
-        <p:spPr>
-          <a:xfrm>
-            <a:off x="0" y="70385"/>
-            <a:ext cx="9144000" cy="589085"/>
-          </a:xfrm>
-        </p:spPr>
-        <p:txBody>
-          <a:bodyPr>
-            <a:normAutofit/>
-          </a:bodyPr>
-          <a:lstStyle/>
-          <a:p>
-            <a:r>
-              <a:rPr lang="en-US" dirty="0"/>
               <a:t>Wrap up</a:t>
             </a:r>
           </a:p>
@@ -8260,7 +8021,7 @@
           <p:cNvPr id="6" name="Content Placeholder 2">
             <a:extLst>
               <a:ext uri="{FF2B5EF4-FFF2-40B4-BE49-F238E27FC236}">
-                <a16:creationId xmlns:a16="http://schemas.microsoft.com/office/drawing/2014/main" xmlns="" id="{9081FF26-7AD5-4767-AF65-A27F1769E1FC}"/>
+                <a16:creationId xmlns:a16="http://schemas.microsoft.com/office/drawing/2014/main" id="{9081FF26-7AD5-4767-AF65-A27F1769E1FC}"/>
               </a:ext>
             </a:extLst>
           </p:cNvPr>
@@ -8372,11 +8133,7 @@
             </a:r>
             <a:r>
               <a:rPr lang="en-US"/>
-              <a:t>first </a:t>
-            </a:r>
-            <a:r>
-              <a:rPr lang="en-US" smtClean="0"/>
-              <a:t>step</a:t>
+              <a:t>first step</a:t>
             </a:r>
             <a:endParaRPr lang="en-US" sz="1600" i="0" dirty="0"/>
           </a:p>
@@ -8393,7 +8150,7 @@
           <p:cNvPr id="7" name="TextBox 6">
             <a:extLst>
               <a:ext uri="{FF2B5EF4-FFF2-40B4-BE49-F238E27FC236}">
-                <a16:creationId xmlns:a16="http://schemas.microsoft.com/office/drawing/2014/main" xmlns="" id="{FD17F330-126A-4302-ABDD-998D38C067B6}"/>
+                <a16:creationId xmlns:a16="http://schemas.microsoft.com/office/drawing/2014/main" id="{FD17F330-126A-4302-ABDD-998D38C067B6}"/>
               </a:ext>
             </a:extLst>
           </p:cNvPr>
@@ -8626,7 +8383,7 @@
           <p:cNvPr id="6" name="Content Placeholder 2">
             <a:extLst>
               <a:ext uri="{FF2B5EF4-FFF2-40B4-BE49-F238E27FC236}">
-                <a16:creationId xmlns:a16="http://schemas.microsoft.com/office/drawing/2014/main" xmlns="" id="{9081FF26-7AD5-4767-AF65-A27F1769E1FC}"/>
+                <a16:creationId xmlns:a16="http://schemas.microsoft.com/office/drawing/2014/main" id="{9081FF26-7AD5-4767-AF65-A27F1769E1FC}"/>
               </a:ext>
             </a:extLst>
           </p:cNvPr>
@@ -8695,11 +8452,7 @@
             </a:r>
             <a:r>
               <a:rPr lang="en-US" sz="1800" i="0"/>
-              <a:t>social </a:t>
-            </a:r>
-            <a:r>
-              <a:rPr lang="en-US" sz="1800" i="0" smtClean="0"/>
-              <a:t>reasons (incomplete list)</a:t>
+              <a:t>social reasons (incomplete list)</a:t>
             </a:r>
             <a:endParaRPr lang="en-US" sz="1800" i="0" dirty="0"/>
           </a:p>
@@ -8711,17 +8464,13 @@
             </a:r>
             <a:r>
               <a:rPr lang="en-US" sz="1600" i="0"/>
-              <a:t>directly </a:t>
-            </a:r>
-            <a:r>
-              <a:rPr lang="en-US" sz="1600" i="0" smtClean="0"/>
-              <a:t>benefit</a:t>
-            </a:r>
-          </a:p>
-          <a:p>
-            <a:pPr lvl="1"/>
-            <a:r>
-              <a:rPr lang="en-US" smtClean="0"/>
+              <a:t>directly benefit</a:t>
+            </a:r>
+          </a:p>
+          <a:p>
+            <a:pPr lvl="1"/>
+            <a:r>
+              <a:rPr lang="en-US"/>
               <a:t>software license may forbid sharing</a:t>
             </a:r>
             <a:endParaRPr lang="en-US" sz="1600" i="0" dirty="0"/>
@@ -8760,7 +8509,7 @@
           <a:p>
             <a:pPr lvl="1"/>
             <a:r>
-              <a:rPr lang="en-US" sz="1600" i="0" smtClean="0"/>
+              <a:rPr lang="en-US" sz="1600" i="0"/>
               <a:t>the software may be </a:t>
             </a:r>
             <a:r>
@@ -8769,11 +8518,7 @@
             </a:r>
             <a:r>
               <a:rPr lang="en-US" sz="1600" i="0"/>
-              <a:t>to </a:t>
-            </a:r>
-            <a:r>
-              <a:rPr lang="en-US" sz="1600" i="0" smtClean="0"/>
-              <a:t>build/install</a:t>
+              <a:t>to build/install</a:t>
             </a:r>
             <a:endParaRPr lang="en-US" sz="1600" i="0" dirty="0"/>
           </a:p>
@@ -8785,11 +8530,7 @@
             </a:r>
             <a:r>
               <a:rPr lang="en-US" sz="1600" i="0"/>
-              <a:t>be </a:t>
-            </a:r>
-            <a:r>
-              <a:rPr lang="en-US" sz="1600" i="0" smtClean="0"/>
-              <a:t>difficult </a:t>
+              <a:t>be difficult </a:t>
             </a:r>
             <a:r>
               <a:rPr lang="en-US" sz="1600" i="0" dirty="0"/>
@@ -8804,11 +8545,7 @@
             </a:r>
             <a:r>
               <a:rPr lang="en-US" sz="1600" i="0"/>
-              <a:t>many </a:t>
-            </a:r>
-            <a:r>
-              <a:rPr lang="en-US" sz="1600" i="0" smtClean="0"/>
-              <a:t>processors, generate large data sets, etc.</a:t>
+              <a:t>many processors, generate large data sets, etc.</a:t>
             </a:r>
             <a:endParaRPr lang="en-US" sz="1600" i="0" dirty="0"/>
           </a:p>
@@ -8885,7 +8622,7 @@
           <p:cNvPr id="6" name="Content Placeholder 2">
             <a:extLst>
               <a:ext uri="{FF2B5EF4-FFF2-40B4-BE49-F238E27FC236}">
-                <a16:creationId xmlns:a16="http://schemas.microsoft.com/office/drawing/2014/main" xmlns="" id="{9081FF26-7AD5-4767-AF65-A27F1769E1FC}"/>
+                <a16:creationId xmlns:a16="http://schemas.microsoft.com/office/drawing/2014/main" id="{9081FF26-7AD5-4767-AF65-A27F1769E1FC}"/>
               </a:ext>
             </a:extLst>
           </p:cNvPr>
@@ -8988,42 +8725,21 @@
             </a:r>
             <a:r>
               <a:rPr lang="en-US" sz="1600" i="0"/>
-              <a:t>reproducibility</a:t>
-            </a:r>
-            <a:r>
-              <a:rPr lang="en-US" sz="1600" i="0" smtClean="0"/>
-              <a:t>?</a:t>
+              <a:t>reproducibility?</a:t>
             </a:r>
           </a:p>
           <a:p>
             <a:pPr lvl="1"/>
             <a:r>
               <a:rPr lang="en-US"/>
-              <a:t>Should journals require access to source code</a:t>
-            </a:r>
+              <a:t>Should journals require access to source code? </a:t>
+            </a:r>
+          </a:p>
+          <a:p>
+            <a:pPr lvl="1"/>
             <a:r>
               <a:rPr lang="en-US"/>
-              <a:t>? </a:t>
-            </a:r>
-            <a:endParaRPr lang="en-US" smtClean="0"/>
-          </a:p>
-          <a:p>
-            <a:pPr lvl="1"/>
-            <a:r>
-              <a:rPr lang="en-US" smtClean="0"/>
-              <a:t>Should </a:t>
-            </a:r>
-            <a:r>
-              <a:rPr lang="en-US"/>
-              <a:t>all code be open </a:t>
-            </a:r>
-            <a:r>
-              <a:rPr lang="en-US"/>
-              <a:t>source</a:t>
-            </a:r>
-            <a:r>
-              <a:rPr lang="en-US" smtClean="0"/>
-              <a:t>?</a:t>
+              <a:t>Should all code be open source?</a:t>
             </a:r>
           </a:p>
           <a:p>
@@ -9125,7 +8841,7 @@
           <p:cNvPr id="7" name="Content Placeholder 2">
             <a:extLst>
               <a:ext uri="{FF2B5EF4-FFF2-40B4-BE49-F238E27FC236}">
-                <a16:creationId xmlns:a16="http://schemas.microsoft.com/office/drawing/2014/main" xmlns="" id="{496BB089-B99F-4F8D-ABB1-4F20546276A3}"/>
+                <a16:creationId xmlns:a16="http://schemas.microsoft.com/office/drawing/2014/main" id="{496BB089-B99F-4F8D-ABB1-4F20546276A3}"/>
               </a:ext>
             </a:extLst>
           </p:cNvPr>
@@ -9163,7 +8879,7 @@
           <a:p>
             <a:pPr lvl="1"/>
             <a:r>
-              <a:rPr lang="en-US" i="0" smtClean="0"/>
+              <a:rPr lang="en-US" i="0"/>
               <a:t>need </a:t>
             </a:r>
             <a:r>
@@ -9172,11 +8888,7 @@
             </a:r>
             <a:r>
               <a:rPr lang="en-US" i="0"/>
-              <a:t>that </a:t>
-            </a:r>
-            <a:r>
-              <a:rPr lang="en-US" i="0" smtClean="0"/>
-              <a:t>other published/presented </a:t>
+              <a:t>that other published/presented </a:t>
             </a:r>
             <a:r>
               <a:rPr lang="en-US" i="0" dirty="0"/>
@@ -9350,11 +9062,7 @@
             </a:r>
             <a:r>
               <a:rPr lang="en-US" sz="2000" b="0"/>
-              <a:t>of </a:t>
-            </a:r>
-            <a:r>
-              <a:rPr lang="en-US" sz="2000" b="0" smtClean="0"/>
-              <a:t>value</a:t>
+              <a:t>of value</a:t>
             </a:r>
             <a:endParaRPr lang="en-US" b="0" dirty="0"/>
           </a:p>
@@ -9365,7 +9073,7 @@
           <p:cNvPr id="7" name="Content Placeholder 2">
             <a:extLst>
               <a:ext uri="{FF2B5EF4-FFF2-40B4-BE49-F238E27FC236}">
-                <a16:creationId xmlns:a16="http://schemas.microsoft.com/office/drawing/2014/main" xmlns="" id="{496BB089-B99F-4F8D-ABB1-4F20546276A3}"/>
+                <a16:creationId xmlns:a16="http://schemas.microsoft.com/office/drawing/2014/main" id="{496BB089-B99F-4F8D-ABB1-4F20546276A3}"/>
               </a:ext>
             </a:extLst>
           </p:cNvPr>
@@ -9476,11 +9184,7 @@
             </a:r>
             <a:r>
               <a:rPr lang="en-US" i="0"/>
-              <a:t>code </a:t>
-            </a:r>
-            <a:r>
-              <a:rPr lang="en-US" i="0" smtClean="0"/>
-              <a:t>is </a:t>
+              <a:t>code is </a:t>
             </a:r>
             <a:r>
               <a:rPr lang="en-US" i="0" dirty="0"/>
@@ -9488,11 +9192,7 @@
             </a:r>
             <a:r>
               <a:rPr lang="en-US" i="0"/>
-              <a:t>does </a:t>
-            </a:r>
-            <a:r>
-              <a:rPr lang="en-US" i="0" smtClean="0"/>
-              <a:t>reproducibility </a:t>
+              <a:t>does reproducibility </a:t>
             </a:r>
             <a:r>
               <a:rPr lang="en-US" i="0" dirty="0"/>
@@ -9502,7 +9202,7 @@
           <a:p>
             <a:pPr lvl="1"/>
             <a:r>
-              <a:rPr lang="en-US" smtClean="0"/>
+              <a:rPr lang="en-US"/>
               <a:t>given </a:t>
             </a:r>
             <a:r>
@@ -9615,7 +9315,7 @@
           <p:cNvPr id="8" name="Content Placeholder 2">
             <a:extLst>
               <a:ext uri="{FF2B5EF4-FFF2-40B4-BE49-F238E27FC236}">
-                <a16:creationId xmlns:a16="http://schemas.microsoft.com/office/drawing/2014/main" xmlns="" id="{B23837A6-5E62-48BD-8241-836D8AC802E1}"/>
+                <a16:creationId xmlns:a16="http://schemas.microsoft.com/office/drawing/2014/main" id="{B23837A6-5E62-48BD-8241-836D8AC802E1}"/>
               </a:ext>
             </a:extLst>
           </p:cNvPr>
@@ -9650,11 +9350,7 @@
             </a:r>
             <a:r>
               <a:rPr lang="en-US" i="0"/>
-              <a:t>can </a:t>
-            </a:r>
-            <a:r>
-              <a:rPr lang="en-US" i="0" smtClean="0"/>
-              <a:t>be </a:t>
+              <a:t>can be </a:t>
             </a:r>
             <a:r>
               <a:rPr lang="en-US" i="0" dirty="0"/>
@@ -9696,19 +9392,7 @@
             </a:r>
             <a:r>
               <a:rPr lang="en-US" i="0"/>
-              <a:t>2.7.x </a:t>
-            </a:r>
-            <a:r>
-              <a:rPr lang="en-US" i="0" smtClean="0"/>
-              <a:t>code is </a:t>
-            </a:r>
-            <a:r>
-              <a:rPr lang="en-US" i="0"/>
-              <a:t>not </a:t>
-            </a:r>
-            <a:r>
-              <a:rPr lang="en-US" i="0" smtClean="0"/>
-              <a:t>always compatible </a:t>
+              <a:t>2.7.x code is not always compatible </a:t>
             </a:r>
             <a:r>
               <a:rPr lang="en-US" i="0" dirty="0"/>
@@ -9716,11 +9400,7 @@
             </a:r>
             <a:r>
               <a:rPr lang="en-US" i="0"/>
-              <a:t>Python </a:t>
-            </a:r>
-            <a:r>
-              <a:rPr lang="en-US" i="0" smtClean="0"/>
-              <a:t>3.x code</a:t>
+              <a:t>Python 3.x code</a:t>
             </a:r>
             <a:endParaRPr lang="en-US" i="0" dirty="0"/>
           </a:p>
@@ -9770,7 +9450,7 @@
               <a:t>compilers </a:t>
             </a:r>
             <a:r>
-              <a:rPr lang="en-US" smtClean="0"/>
+              <a:rPr lang="en-US"/>
               <a:t>less so</a:t>
             </a:r>
             <a:endParaRPr lang="en-US" b="1" i="0" dirty="0"/>
@@ -9778,7 +9458,7 @@
           <a:p>
             <a:pPr lvl="1"/>
             <a:r>
-              <a:rPr lang="en-US" i="0" smtClean="0"/>
+              <a:rPr lang="en-US" i="0"/>
               <a:t>a computer may have </a:t>
             </a:r>
             <a:r>
@@ -9794,14 +9474,10 @@
             </a:r>
             <a:r>
               <a:rPr lang="en-US" b="1" i="0"/>
-              <a:t>creates </a:t>
-            </a:r>
-            <a:r>
-              <a:rPr lang="en-US" b="1" i="0" smtClean="0"/>
-              <a:t>additional complexity</a:t>
-            </a:r>
-            <a:r>
-              <a:rPr lang="en-US" smtClean="0"/>
+              <a:t>creates additional complexity</a:t>
+            </a:r>
+            <a:r>
+              <a:rPr lang="en-US"/>
               <a:t> </a:t>
             </a:r>
             <a:endParaRPr lang="en-US" dirty="0"/>
@@ -9872,7 +9548,7 @@
           <p:cNvPr id="6" name="Content Placeholder 2">
             <a:extLst>
               <a:ext uri="{FF2B5EF4-FFF2-40B4-BE49-F238E27FC236}">
-                <a16:creationId xmlns:a16="http://schemas.microsoft.com/office/drawing/2014/main" xmlns="" id="{9081FF26-7AD5-4767-AF65-A27F1769E1FC}"/>
+                <a16:creationId xmlns:a16="http://schemas.microsoft.com/office/drawing/2014/main" id="{9081FF26-7AD5-4767-AF65-A27F1769E1FC}"/>
               </a:ext>
             </a:extLst>
           </p:cNvPr>

--- a/computational_reproducibility/lecture/2018_ComputationalReproducibility_Bruhwiler_USPAS.pptx
+++ b/computational_reproducibility/lecture/2018_ComputationalReproducibility_Bruhwiler_USPAS.pptx
@@ -234,7 +234,7 @@
           <a:p>
             <a:fld id="{C5D37280-896D-453C-A8B2-790CBDCE44E5}" type="datetimeFigureOut">
               <a:rPr lang="en-US" smtClean="0"/>
-              <a:t>1/9/2018</a:t>
+              <a:t>1/14/2018</a:t>
             </a:fld>
             <a:endParaRPr lang="en-US"/>
           </a:p>
@@ -2729,7 +2729,7 @@
               <a:pPr>
                 <a:defRPr/>
               </a:pPr>
-              <a:t>1/9/2018</a:t>
+              <a:t>1/14/2018</a:t>
             </a:fld>
             <a:endParaRPr lang="en-US"/>
           </a:p>
@@ -2914,7 +2914,7 @@
           <a:p>
             <a:fld id="{DFF43710-F8AB-6840-B03A-23D4C2B2884A}" type="datetimeFigureOut">
               <a:rPr lang="en-US" smtClean="0"/>
-              <a:t>1/9/2018</a:t>
+              <a:t>1/14/2018</a:t>
             </a:fld>
             <a:endParaRPr lang="en-US"/>
           </a:p>
@@ -3159,7 +3159,7 @@
               <a:pPr defTabSz="914400">
                 <a:defRPr/>
               </a:pPr>
-              <a:t>1/9/2018</a:t>
+              <a:t>1/14/2018</a:t>
             </a:fld>
             <a:endParaRPr lang="en-US"/>
           </a:p>
@@ -4823,21 +4823,7 @@
                 <a:latin typeface="Times New Roman" panose="02020603050405020304" pitchFamily="18" charset="0"/>
                 <a:cs typeface="Times New Roman" panose="02020603050405020304" pitchFamily="18" charset="0"/>
               </a:rPr>
-              <a:t>G. </a:t>
-            </a:r>
-            <a:r>
-              <a:rPr lang="en-US" sz="1400" dirty="0" err="1">
-                <a:latin typeface="Times New Roman" panose="02020603050405020304" pitchFamily="18" charset="0"/>
-                <a:cs typeface="Times New Roman" panose="02020603050405020304" pitchFamily="18" charset="0"/>
-              </a:rPr>
-              <a:t>Varoquaux</a:t>
-            </a:r>
-            <a:r>
-              <a:rPr lang="en-US" sz="1400" dirty="0">
-                <a:latin typeface="Times New Roman" panose="02020603050405020304" pitchFamily="18" charset="0"/>
-                <a:cs typeface="Times New Roman" panose="02020603050405020304" pitchFamily="18" charset="0"/>
-              </a:rPr>
-              <a:t> (2017), </a:t>
+              <a:t>G. Varoquaux (2017), </a:t>
             </a:r>
             <a:r>
               <a:rPr lang="en-US" sz="1400" dirty="0">
@@ -4862,18 +4848,11 @@
               </a:spcBef>
             </a:pPr>
             <a:r>
-              <a:rPr lang="en-US" sz="1400" dirty="0" err="1">
-                <a:latin typeface="Times New Roman" panose="02020603050405020304" pitchFamily="18" charset="0"/>
-                <a:cs typeface="Times New Roman" panose="02020603050405020304" pitchFamily="18" charset="0"/>
-              </a:rPr>
-              <a:t>rOpenSci</a:t>
-            </a:r>
-            <a:r>
               <a:rPr lang="en-US" sz="1400" dirty="0">
                 <a:latin typeface="Times New Roman" panose="02020603050405020304" pitchFamily="18" charset="0"/>
                 <a:cs typeface="Times New Roman" panose="02020603050405020304" pitchFamily="18" charset="0"/>
               </a:rPr>
-              <a:t> Project, </a:t>
+              <a:t>rOpenSci Project, </a:t>
             </a:r>
             <a:r>
               <a:rPr lang="en-US" sz="1400" dirty="0">
@@ -4902,19 +4881,8 @@
                 <a:latin typeface="Times New Roman" panose="02020603050405020304" pitchFamily="18" charset="0"/>
                 <a:cs typeface="Times New Roman" panose="02020603050405020304" pitchFamily="18" charset="0"/>
               </a:rPr>
-              <a:t>L.A. Barba (2017), https://</a:t>
-            </a:r>
-            <a:r>
-              <a:rPr lang="it-IT" sz="1400">
-                <a:latin typeface="Times New Roman" panose="02020603050405020304" pitchFamily="18" charset="0"/>
-                <a:cs typeface="Times New Roman" panose="02020603050405020304" pitchFamily="18" charset="0"/>
-              </a:rPr>
-              <a:t>speakerdeck.com/labarba/introduction-to-computational-reproducibility-and-why-we-care </a:t>
-            </a:r>
-            <a:endParaRPr lang="it-IT" sz="1400" dirty="0">
-              <a:latin typeface="Times New Roman" panose="02020603050405020304" pitchFamily="18" charset="0"/>
-              <a:cs typeface="Times New Roman" panose="02020603050405020304" pitchFamily="18" charset="0"/>
-            </a:endParaRPr>
+              <a:t>L.A. Barba (2017), https://speakerdeck.com/labarba/introduction-to-computational-reproducibility-and-why-we-care </a:t>
+            </a:r>
           </a:p>
         </p:txBody>
       </p:sp>
@@ -5100,21 +5068,7 @@
                 <a:latin typeface="Times New Roman" panose="02020603050405020304" pitchFamily="18" charset="0"/>
                 <a:cs typeface="Times New Roman" panose="02020603050405020304" pitchFamily="18" charset="0"/>
               </a:rPr>
-              <a:t>L. Hatton &amp; G. </a:t>
-            </a:r>
-            <a:r>
-              <a:rPr lang="en-US" sz="1400" dirty="0" err="1">
-                <a:latin typeface="Times New Roman" panose="02020603050405020304" pitchFamily="18" charset="0"/>
-                <a:cs typeface="Times New Roman" panose="02020603050405020304" pitchFamily="18" charset="0"/>
-              </a:rPr>
-              <a:t>Warr</a:t>
-            </a:r>
-            <a:r>
-              <a:rPr lang="en-US" sz="1400" dirty="0">
-                <a:latin typeface="Times New Roman" panose="02020603050405020304" pitchFamily="18" charset="0"/>
-                <a:cs typeface="Times New Roman" panose="02020603050405020304" pitchFamily="18" charset="0"/>
-              </a:rPr>
-              <a:t> (2016), </a:t>
+              <a:t>L. Hatton &amp; G. Warr (2016), </a:t>
             </a:r>
             <a:r>
               <a:rPr lang="en-US" sz="1400" dirty="0">
@@ -5143,21 +5097,21 @@
                 <a:latin typeface="Times New Roman" panose="02020603050405020304" pitchFamily="18" charset="0"/>
                 <a:cs typeface="Times New Roman" panose="02020603050405020304" pitchFamily="18" charset="0"/>
               </a:rPr>
-              <a:t>B. </a:t>
-            </a:r>
-            <a:r>
-              <a:rPr lang="en-US" sz="1400" dirty="0" err="1">
-                <a:latin typeface="Times New Roman" panose="02020603050405020304" pitchFamily="18" charset="0"/>
-                <a:cs typeface="Times New Roman" panose="02020603050405020304" pitchFamily="18" charset="0"/>
-              </a:rPr>
-              <a:t>Grüning</a:t>
+              <a:t>B. Grüning </a:t>
+            </a:r>
+            <a:r>
+              <a:rPr lang="en-US" sz="1400" i="1" dirty="0">
+                <a:latin typeface="Times New Roman" panose="02020603050405020304" pitchFamily="18" charset="0"/>
+                <a:cs typeface="Times New Roman" panose="02020603050405020304" pitchFamily="18" charset="0"/>
+              </a:rPr>
+              <a:t>et al</a:t>
             </a:r>
             <a:r>
               <a:rPr lang="en-US" sz="1400" dirty="0">
                 <a:latin typeface="Times New Roman" panose="02020603050405020304" pitchFamily="18" charset="0"/>
                 <a:cs typeface="Times New Roman" panose="02020603050405020304" pitchFamily="18" charset="0"/>
               </a:rPr>
-              <a:t> et al. (2017), </a:t>
+              <a:t>. (2017), </a:t>
             </a:r>
             <a:r>
               <a:rPr lang="en-US" sz="1400" dirty="0">
@@ -5186,21 +5140,21 @@
                 <a:latin typeface="Times New Roman" panose="02020603050405020304" pitchFamily="18" charset="0"/>
                 <a:cs typeface="Times New Roman" panose="02020603050405020304" pitchFamily="18" charset="0"/>
               </a:rPr>
-              <a:t>S. Cohen-</a:t>
-            </a:r>
-            <a:r>
-              <a:rPr lang="fr-FR" sz="1400" dirty="0" err="1">
-                <a:latin typeface="Times New Roman" panose="02020603050405020304" pitchFamily="18" charset="0"/>
-                <a:cs typeface="Times New Roman" panose="02020603050405020304" pitchFamily="18" charset="0"/>
-              </a:rPr>
-              <a:t>Boulakia</a:t>
+              <a:t>S. Cohen-Boulakia </a:t>
+            </a:r>
+            <a:r>
+              <a:rPr lang="fr-FR" sz="1400" i="1" dirty="0">
+                <a:latin typeface="Times New Roman" panose="02020603050405020304" pitchFamily="18" charset="0"/>
+                <a:cs typeface="Times New Roman" panose="02020603050405020304" pitchFamily="18" charset="0"/>
+              </a:rPr>
+              <a:t>et al</a:t>
             </a:r>
             <a:r>
               <a:rPr lang="fr-FR" sz="1400" dirty="0">
                 <a:latin typeface="Times New Roman" panose="02020603050405020304" pitchFamily="18" charset="0"/>
                 <a:cs typeface="Times New Roman" panose="02020603050405020304" pitchFamily="18" charset="0"/>
               </a:rPr>
-              <a:t> et al. (2017), </a:t>
+              <a:t>. (2017), </a:t>
             </a:r>
             <a:r>
               <a:rPr lang="fr-FR" sz="1400" dirty="0">
@@ -5264,7 +5218,7 @@
         <p:spPr>
           <a:xfrm>
             <a:off x="601318" y="4075872"/>
-            <a:ext cx="8284265" cy="561692"/>
+            <a:ext cx="8284265" cy="992579"/>
           </a:xfrm>
           <a:prstGeom prst="rect">
             <a:avLst/>
@@ -5316,7 +5270,22 @@
                 <a:latin typeface="Times New Roman" panose="02020603050405020304" pitchFamily="18" charset="0"/>
                 <a:cs typeface="Times New Roman" panose="02020603050405020304" pitchFamily="18" charset="0"/>
               </a:rPr>
-              <a:t>R. Nagler &amp; D.L. Bruhwiler (2018), submitted to arXiv… </a:t>
+              <a:t>R. Nagler &amp; D.L. Bruhwiler (2018), </a:t>
+            </a:r>
+            <a:r>
+              <a:rPr lang="en-US" sz="1400" dirty="0">
+                <a:latin typeface="Times New Roman" panose="02020603050405020304" pitchFamily="18" charset="0"/>
+                <a:cs typeface="Times New Roman" panose="02020603050405020304" pitchFamily="18" charset="0"/>
+                <a:hlinkClick r:id="rId8"/>
+              </a:rPr>
+              <a:t>https://www.researchgate.net/publication/322438060_The_Replication_Tax_Shifting_the_Financial_Burden_to_Incentivize_Reproducibility_in_Computational_Research</a:t>
+            </a:r>
+            <a:r>
+              <a:rPr lang="en-US" sz="1400" dirty="0">
+                <a:latin typeface="Times New Roman" panose="02020603050405020304" pitchFamily="18" charset="0"/>
+                <a:cs typeface="Times New Roman" panose="02020603050405020304" pitchFamily="18" charset="0"/>
+              </a:rPr>
+              <a:t> </a:t>
             </a:r>
           </a:p>
         </p:txBody>

--- a/computational_reproducibility/lecture/2018_ComputationalReproducibility_Bruhwiler_USPAS.pptx
+++ b/computational_reproducibility/lecture/2018_ComputationalReproducibility_Bruhwiler_USPAS.pptx
@@ -1,12 +1,15 @@
 
 <file path=ppt/presentation.xml><?xml version="1.0" encoding="utf-8"?>
-<p:presentation xmlns:a="http://schemas.openxmlformats.org/drawingml/2006/main" xmlns:r="http://schemas.openxmlformats.org/officeDocument/2006/relationships" xmlns:p="http://schemas.openxmlformats.org/presentationml/2006/main" saveSubsetFonts="1" autoCompressPictures="0">
+<p:presentation xmlns:a="http://schemas.openxmlformats.org/drawingml/2006/main" xmlns:r="http://schemas.openxmlformats.org/officeDocument/2006/relationships" xmlns:p="http://schemas.openxmlformats.org/presentationml/2006/main" removePersonalInfoOnSave="1" saveSubsetFonts="1" autoCompressPictures="0">
   <p:sldMasterIdLst>
     <p:sldMasterId id="2147483696" r:id="rId1"/>
   </p:sldMasterIdLst>
   <p:notesMasterIdLst>
     <p:notesMasterId r:id="rId22"/>
   </p:notesMasterIdLst>
+  <p:handoutMasterIdLst>
+    <p:handoutMasterId r:id="rId23"/>
+  </p:handoutMasterIdLst>
   <p:sldIdLst>
     <p:sldId id="297" r:id="rId2"/>
     <p:sldId id="393" r:id="rId3"/>
@@ -30,7 +33,7 @@
     <p:sldId id="424" r:id="rId21"/>
   </p:sldIdLst>
   <p:sldSz cx="9144000" cy="6858000" type="screen4x3"/>
-  <p:notesSz cx="6858000" cy="9144000"/>
+  <p:notesSz cx="9313863" cy="6858000"/>
   <p:defaultTextStyle>
     <a:defPPr>
       <a:defRPr lang="en-US"/>
@@ -152,6 +155,195 @@
 <p1510:revInfo xmlns:a="http://schemas.openxmlformats.org/drawingml/2006/main" xmlns:r="http://schemas.openxmlformats.org/officeDocument/2006/relationships" xmlns:p1510="http://schemas.microsoft.com/office/powerpoint/2015/10/main"/>
 </file>
 
+<file path=ppt/handoutMasters/handoutMaster1.xml><?xml version="1.0" encoding="utf-8"?>
+<p:handoutMaster xmlns:a="http://schemas.openxmlformats.org/drawingml/2006/main" xmlns:r="http://schemas.openxmlformats.org/officeDocument/2006/relationships" xmlns:p="http://schemas.openxmlformats.org/presentationml/2006/main">
+  <p:cSld>
+    <p:bg>
+      <p:bgRef idx="1001">
+        <a:schemeClr val="bg1"/>
+      </p:bgRef>
+    </p:bg>
+    <p:spTree>
+      <p:nvGrpSpPr>
+        <p:cNvPr id="1" name=""/>
+        <p:cNvGrpSpPr/>
+        <p:nvPr/>
+      </p:nvGrpSpPr>
+      <p:grpSpPr>
+        <a:xfrm>
+          <a:off x="0" y="0"/>
+          <a:ext cx="0" cy="0"/>
+          <a:chOff x="0" y="0"/>
+          <a:chExt cx="0" cy="0"/>
+        </a:xfrm>
+      </p:grpSpPr>
+      <p:sp>
+        <p:nvSpPr>
+          <p:cNvPr id="2" name="Header Placeholder 1">
+            <a:extLst>
+              <a:ext uri="{FF2B5EF4-FFF2-40B4-BE49-F238E27FC236}">
+                <a16:creationId xmlns:a16="http://schemas.microsoft.com/office/drawing/2014/main" id="{9E9647D2-3F31-4C7A-A3D6-BDCFBA1C3064}"/>
+              </a:ext>
+            </a:extLst>
+          </p:cNvPr>
+          <p:cNvSpPr>
+            <a:spLocks noGrp="1"/>
+          </p:cNvSpPr>
+          <p:nvPr>
+            <p:ph type="hdr" sz="quarter"/>
+          </p:nvPr>
+        </p:nvSpPr>
+        <p:spPr>
+          <a:xfrm>
+            <a:off x="0" y="0"/>
+            <a:ext cx="4036007" cy="343660"/>
+          </a:xfrm>
+          <a:prstGeom prst="rect">
+            <a:avLst/>
+          </a:prstGeom>
+        </p:spPr>
+        <p:txBody>
+          <a:bodyPr vert="horz" lIns="91440" tIns="45720" rIns="91440" bIns="45720" rtlCol="0"/>
+          <a:lstStyle>
+            <a:lvl1pPr algn="l">
+              <a:defRPr sz="1200"/>
+            </a:lvl1pPr>
+          </a:lstStyle>
+          <a:p>
+            <a:endParaRPr lang="en-US"/>
+          </a:p>
+        </p:txBody>
+      </p:sp>
+      <p:sp>
+        <p:nvSpPr>
+          <p:cNvPr id="3" name="Date Placeholder 2">
+            <a:extLst>
+              <a:ext uri="{FF2B5EF4-FFF2-40B4-BE49-F238E27FC236}">
+                <a16:creationId xmlns:a16="http://schemas.microsoft.com/office/drawing/2014/main" id="{E05D9ACD-A067-4A47-AE74-1DC2A4E4323A}"/>
+              </a:ext>
+            </a:extLst>
+          </p:cNvPr>
+          <p:cNvSpPr>
+            <a:spLocks noGrp="1"/>
+          </p:cNvSpPr>
+          <p:nvPr>
+            <p:ph type="dt" sz="quarter" idx="1"/>
+          </p:nvPr>
+        </p:nvSpPr>
+        <p:spPr>
+          <a:xfrm>
+            <a:off x="5275701" y="0"/>
+            <a:ext cx="4036007" cy="343660"/>
+          </a:xfrm>
+          <a:prstGeom prst="rect">
+            <a:avLst/>
+          </a:prstGeom>
+        </p:spPr>
+        <p:txBody>
+          <a:bodyPr vert="horz" lIns="91440" tIns="45720" rIns="91440" bIns="45720" rtlCol="0"/>
+          <a:lstStyle>
+            <a:lvl1pPr algn="r">
+              <a:defRPr sz="1200"/>
+            </a:lvl1pPr>
+          </a:lstStyle>
+          <a:p>
+            <a:fld id="{B7D4BF13-B076-47C4-A811-5ACDD69C3816}" type="datetimeFigureOut">
+              <a:rPr lang="en-US" smtClean="0"/>
+              <a:t>1/14/2018</a:t>
+            </a:fld>
+            <a:endParaRPr lang="en-US"/>
+          </a:p>
+        </p:txBody>
+      </p:sp>
+      <p:sp>
+        <p:nvSpPr>
+          <p:cNvPr id="4" name="Footer Placeholder 3">
+            <a:extLst>
+              <a:ext uri="{FF2B5EF4-FFF2-40B4-BE49-F238E27FC236}">
+                <a16:creationId xmlns:a16="http://schemas.microsoft.com/office/drawing/2014/main" id="{D08685FE-8B43-4866-BF54-A725BFB439D6}"/>
+              </a:ext>
+            </a:extLst>
+          </p:cNvPr>
+          <p:cNvSpPr>
+            <a:spLocks noGrp="1"/>
+          </p:cNvSpPr>
+          <p:nvPr>
+            <p:ph type="ftr" sz="quarter" idx="2"/>
+          </p:nvPr>
+        </p:nvSpPr>
+        <p:spPr>
+          <a:xfrm>
+            <a:off x="0" y="6514340"/>
+            <a:ext cx="4036007" cy="343660"/>
+          </a:xfrm>
+          <a:prstGeom prst="rect">
+            <a:avLst/>
+          </a:prstGeom>
+        </p:spPr>
+        <p:txBody>
+          <a:bodyPr vert="horz" lIns="91440" tIns="45720" rIns="91440" bIns="45720" rtlCol="0" anchor="b"/>
+          <a:lstStyle>
+            <a:lvl1pPr algn="l">
+              <a:defRPr sz="1200"/>
+            </a:lvl1pPr>
+          </a:lstStyle>
+          <a:p>
+            <a:endParaRPr lang="en-US"/>
+          </a:p>
+        </p:txBody>
+      </p:sp>
+      <p:sp>
+        <p:nvSpPr>
+          <p:cNvPr id="5" name="Slide Number Placeholder 4">
+            <a:extLst>
+              <a:ext uri="{FF2B5EF4-FFF2-40B4-BE49-F238E27FC236}">
+                <a16:creationId xmlns:a16="http://schemas.microsoft.com/office/drawing/2014/main" id="{18A76C3A-D555-4B2B-AB53-E9BE474EE1A2}"/>
+              </a:ext>
+            </a:extLst>
+          </p:cNvPr>
+          <p:cNvSpPr>
+            <a:spLocks noGrp="1"/>
+          </p:cNvSpPr>
+          <p:nvPr>
+            <p:ph type="sldNum" sz="quarter" idx="3"/>
+          </p:nvPr>
+        </p:nvSpPr>
+        <p:spPr>
+          <a:xfrm>
+            <a:off x="5275701" y="6514340"/>
+            <a:ext cx="4036007" cy="343660"/>
+          </a:xfrm>
+          <a:prstGeom prst="rect">
+            <a:avLst/>
+          </a:prstGeom>
+        </p:spPr>
+        <p:txBody>
+          <a:bodyPr vert="horz" lIns="91440" tIns="45720" rIns="91440" bIns="45720" rtlCol="0" anchor="b"/>
+          <a:lstStyle>
+            <a:lvl1pPr algn="r">
+              <a:defRPr sz="1200"/>
+            </a:lvl1pPr>
+          </a:lstStyle>
+          <a:p>
+            <a:fld id="{05281277-9F19-46D4-ADCA-8DF63E84DDA5}" type="slidenum">
+              <a:rPr lang="en-US" smtClean="0"/>
+              <a:t>‹#›</a:t>
+            </a:fld>
+            <a:endParaRPr lang="en-US"/>
+          </a:p>
+        </p:txBody>
+      </p:sp>
+    </p:spTree>
+    <p:extLst>
+      <p:ext uri="{BB962C8B-B14F-4D97-AF65-F5344CB8AC3E}">
+        <p14:creationId xmlns:p14="http://schemas.microsoft.com/office/powerpoint/2010/main" val="1136005561"/>
+      </p:ext>
+    </p:extLst>
+  </p:cSld>
+  <p:clrMap bg1="lt1" tx1="dk1" bg2="lt2" tx2="dk2" accent1="accent1" accent2="accent2" accent3="accent3" accent4="accent4" accent5="accent5" accent6="accent6" hlink="hlink" folHlink="folHlink"/>
+</p:handoutMaster>
+</file>
+
 <file path=ppt/notesMasters/notesMaster1.xml><?xml version="1.0" encoding="utf-8"?>
 <p:notesMaster xmlns:a="http://schemas.openxmlformats.org/drawingml/2006/main" xmlns:r="http://schemas.openxmlformats.org/officeDocument/2006/relationships" xmlns:p="http://schemas.openxmlformats.org/presentationml/2006/main">
   <p:cSld>
@@ -187,7 +379,7 @@
         <p:spPr>
           <a:xfrm>
             <a:off x="0" y="0"/>
-            <a:ext cx="2971800" cy="458788"/>
+            <a:ext cx="4036007" cy="344091"/>
           </a:xfrm>
           <a:prstGeom prst="rect">
             <a:avLst/>
@@ -217,8 +409,8 @@
         </p:nvSpPr>
         <p:spPr>
           <a:xfrm>
-            <a:off x="3884613" y="0"/>
-            <a:ext cx="2971800" cy="458788"/>
+            <a:off x="5275701" y="0"/>
+            <a:ext cx="4036007" cy="344091"/>
           </a:xfrm>
           <a:prstGeom prst="rect">
             <a:avLst/>
@@ -252,8 +444,8 @@
         </p:nvSpPr>
         <p:spPr>
           <a:xfrm>
-            <a:off x="1371600" y="1143000"/>
-            <a:ext cx="4114800" cy="3086100"/>
+            <a:off x="3113088" y="857250"/>
+            <a:ext cx="3087687" cy="2314575"/>
           </a:xfrm>
           <a:prstGeom prst="rect">
             <a:avLst/>
@@ -285,8 +477,8 @@
         </p:nvSpPr>
         <p:spPr>
           <a:xfrm>
-            <a:off x="685800" y="4400550"/>
-            <a:ext cx="5486400" cy="3600450"/>
+            <a:off x="931387" y="3300412"/>
+            <a:ext cx="7451090" cy="2700338"/>
           </a:xfrm>
           <a:prstGeom prst="rect">
             <a:avLst/>
@@ -344,8 +536,8 @@
         </p:nvSpPr>
         <p:spPr>
           <a:xfrm>
-            <a:off x="0" y="8685213"/>
-            <a:ext cx="2971800" cy="458787"/>
+            <a:off x="0" y="6513910"/>
+            <a:ext cx="4036007" cy="344091"/>
           </a:xfrm>
           <a:prstGeom prst="rect">
             <a:avLst/>
@@ -375,8 +567,8 @@
         </p:nvSpPr>
         <p:spPr>
           <a:xfrm>
-            <a:off x="3884613" y="8685213"/>
-            <a:ext cx="2971800" cy="458787"/>
+            <a:off x="5275701" y="6513910"/>
+            <a:ext cx="4036007" cy="344091"/>
           </a:xfrm>
           <a:prstGeom prst="rect">
             <a:avLst/>
@@ -10222,4 +10414,299 @@
     </a:ext>
   </a:extLst>
 </a:theme>
+</file>
+
+<file path=ppt/theme/theme3.xml><?xml version="1.0" encoding="utf-8"?>
+<a:theme xmlns:a="http://schemas.openxmlformats.org/drawingml/2006/main" name="Office Theme">
+  <a:themeElements>
+    <a:clrScheme name="Office">
+      <a:dk1>
+        <a:sysClr val="windowText" lastClr="000000"/>
+      </a:dk1>
+      <a:lt1>
+        <a:sysClr val="window" lastClr="FFFFFF"/>
+      </a:lt1>
+      <a:dk2>
+        <a:srgbClr val="44546A"/>
+      </a:dk2>
+      <a:lt2>
+        <a:srgbClr val="E7E6E6"/>
+      </a:lt2>
+      <a:accent1>
+        <a:srgbClr val="4472C4"/>
+      </a:accent1>
+      <a:accent2>
+        <a:srgbClr val="ED7D31"/>
+      </a:accent2>
+      <a:accent3>
+        <a:srgbClr val="A5A5A5"/>
+      </a:accent3>
+      <a:accent4>
+        <a:srgbClr val="FFC000"/>
+      </a:accent4>
+      <a:accent5>
+        <a:srgbClr val="5B9BD5"/>
+      </a:accent5>
+      <a:accent6>
+        <a:srgbClr val="70AD47"/>
+      </a:accent6>
+      <a:hlink>
+        <a:srgbClr val="0563C1"/>
+      </a:hlink>
+      <a:folHlink>
+        <a:srgbClr val="954F72"/>
+      </a:folHlink>
+    </a:clrScheme>
+    <a:fontScheme name="Office">
+      <a:majorFont>
+        <a:latin typeface="Calibri Light" panose="020F0302020204030204"/>
+        <a:ea typeface=""/>
+        <a:cs typeface=""/>
+        <a:font script="Jpan" typeface="游ゴシック Light"/>
+        <a:font script="Hang" typeface="맑은 고딕"/>
+        <a:font script="Hans" typeface="等线 Light"/>
+        <a:font script="Hant" typeface="新細明體"/>
+        <a:font script="Arab" typeface="Times New Roman"/>
+        <a:font script="Hebr" typeface="Times New Roman"/>
+        <a:font script="Thai" typeface="Angsana New"/>
+        <a:font script="Ethi" typeface="Nyala"/>
+        <a:font script="Beng" typeface="Vrinda"/>
+        <a:font script="Gujr" typeface="Shruti"/>
+        <a:font script="Khmr" typeface="MoolBoran"/>
+        <a:font script="Knda" typeface="Tunga"/>
+        <a:font script="Guru" typeface="Raavi"/>
+        <a:font script="Cans" typeface="Euphemia"/>
+        <a:font script="Cher" typeface="Plantagenet Cherokee"/>
+        <a:font script="Yiii" typeface="Microsoft Yi Baiti"/>
+        <a:font script="Tibt" typeface="Microsoft Himalaya"/>
+        <a:font script="Thaa" typeface="MV Boli"/>
+        <a:font script="Deva" typeface="Mangal"/>
+        <a:font script="Telu" typeface="Gautami"/>
+        <a:font script="Taml" typeface="Latha"/>
+        <a:font script="Syrc" typeface="Estrangelo Edessa"/>
+        <a:font script="Orya" typeface="Kalinga"/>
+        <a:font script="Mlym" typeface="Kartika"/>
+        <a:font script="Laoo" typeface="DokChampa"/>
+        <a:font script="Sinh" typeface="Iskoola Pota"/>
+        <a:font script="Mong" typeface="Mongolian Baiti"/>
+        <a:font script="Viet" typeface="Times New Roman"/>
+        <a:font script="Uigh" typeface="Microsoft Uighur"/>
+        <a:font script="Geor" typeface="Sylfaen"/>
+        <a:font script="Armn" typeface="Arial"/>
+        <a:font script="Bugi" typeface="Leelawadee UI"/>
+        <a:font script="Bopo" typeface="Microsoft JhengHei"/>
+        <a:font script="Java" typeface="Javanese Text"/>
+        <a:font script="Lisu" typeface="Segoe UI"/>
+        <a:font script="Mymr" typeface="Myanmar Text"/>
+        <a:font script="Nkoo" typeface="Ebrima"/>
+        <a:font script="Olck" typeface="Nirmala UI"/>
+        <a:font script="Osma" typeface="Ebrima"/>
+        <a:font script="Phag" typeface="Phagspa"/>
+        <a:font script="Syrn" typeface="Estrangelo Edessa"/>
+        <a:font script="Syrj" typeface="Estrangelo Edessa"/>
+        <a:font script="Syre" typeface="Estrangelo Edessa"/>
+        <a:font script="Sora" typeface="Nirmala UI"/>
+        <a:font script="Tale" typeface="Microsoft Tai Le"/>
+        <a:font script="Talu" typeface="Microsoft New Tai Lue"/>
+        <a:font script="Tfng" typeface="Ebrima"/>
+      </a:majorFont>
+      <a:minorFont>
+        <a:latin typeface="Calibri" panose="020F0502020204030204"/>
+        <a:ea typeface=""/>
+        <a:cs typeface=""/>
+        <a:font script="Jpan" typeface="游ゴシック"/>
+        <a:font script="Hang" typeface="맑은 고딕"/>
+        <a:font script="Hans" typeface="等线"/>
+        <a:font script="Hant" typeface="新細明體"/>
+        <a:font script="Arab" typeface="Arial"/>
+        <a:font script="Hebr" typeface="Arial"/>
+        <a:font script="Thai" typeface="Cordia New"/>
+        <a:font script="Ethi" typeface="Nyala"/>
+        <a:font script="Beng" typeface="Vrinda"/>
+        <a:font script="Gujr" typeface="Shruti"/>
+        <a:font script="Khmr" typeface="DaunPenh"/>
+        <a:font script="Knda" typeface="Tunga"/>
+        <a:font script="Guru" typeface="Raavi"/>
+        <a:font script="Cans" typeface="Euphemia"/>
+        <a:font script="Cher" typeface="Plantagenet Cherokee"/>
+        <a:font script="Yiii" typeface="Microsoft Yi Baiti"/>
+        <a:font script="Tibt" typeface="Microsoft Himalaya"/>
+        <a:font script="Thaa" typeface="MV Boli"/>
+        <a:font script="Deva" typeface="Mangal"/>
+        <a:font script="Telu" typeface="Gautami"/>
+        <a:font script="Taml" typeface="Latha"/>
+        <a:font script="Syrc" typeface="Estrangelo Edessa"/>
+        <a:font script="Orya" typeface="Kalinga"/>
+        <a:font script="Mlym" typeface="Kartika"/>
+        <a:font script="Laoo" typeface="DokChampa"/>
+        <a:font script="Sinh" typeface="Iskoola Pota"/>
+        <a:font script="Mong" typeface="Mongolian Baiti"/>
+        <a:font script="Viet" typeface="Arial"/>
+        <a:font script="Uigh" typeface="Microsoft Uighur"/>
+        <a:font script="Geor" typeface="Sylfaen"/>
+        <a:font script="Armn" typeface="Arial"/>
+        <a:font script="Bugi" typeface="Leelawadee UI"/>
+        <a:font script="Bopo" typeface="Microsoft JhengHei"/>
+        <a:font script="Java" typeface="Javanese Text"/>
+        <a:font script="Lisu" typeface="Segoe UI"/>
+        <a:font script="Mymr" typeface="Myanmar Text"/>
+        <a:font script="Nkoo" typeface="Ebrima"/>
+        <a:font script="Olck" typeface="Nirmala UI"/>
+        <a:font script="Osma" typeface="Ebrima"/>
+        <a:font script="Phag" typeface="Phagspa"/>
+        <a:font script="Syrn" typeface="Estrangelo Edessa"/>
+        <a:font script="Syrj" typeface="Estrangelo Edessa"/>
+        <a:font script="Syre" typeface="Estrangelo Edessa"/>
+        <a:font script="Sora" typeface="Nirmala UI"/>
+        <a:font script="Tale" typeface="Microsoft Tai Le"/>
+        <a:font script="Talu" typeface="Microsoft New Tai Lue"/>
+        <a:font script="Tfng" typeface="Ebrima"/>
+      </a:minorFont>
+    </a:fontScheme>
+    <a:fmtScheme name="Office">
+      <a:fillStyleLst>
+        <a:solidFill>
+          <a:schemeClr val="phClr"/>
+        </a:solidFill>
+        <a:gradFill rotWithShape="1">
+          <a:gsLst>
+            <a:gs pos="0">
+              <a:schemeClr val="phClr">
+                <a:lumMod val="110000"/>
+                <a:satMod val="105000"/>
+                <a:tint val="67000"/>
+              </a:schemeClr>
+            </a:gs>
+            <a:gs pos="50000">
+              <a:schemeClr val="phClr">
+                <a:lumMod val="105000"/>
+                <a:satMod val="103000"/>
+                <a:tint val="73000"/>
+              </a:schemeClr>
+            </a:gs>
+            <a:gs pos="100000">
+              <a:schemeClr val="phClr">
+                <a:lumMod val="105000"/>
+                <a:satMod val="109000"/>
+                <a:tint val="81000"/>
+              </a:schemeClr>
+            </a:gs>
+          </a:gsLst>
+          <a:lin ang="5400000" scaled="0"/>
+        </a:gradFill>
+        <a:gradFill rotWithShape="1">
+          <a:gsLst>
+            <a:gs pos="0">
+              <a:schemeClr val="phClr">
+                <a:satMod val="103000"/>
+                <a:lumMod val="102000"/>
+                <a:tint val="94000"/>
+              </a:schemeClr>
+            </a:gs>
+            <a:gs pos="50000">
+              <a:schemeClr val="phClr">
+                <a:satMod val="110000"/>
+                <a:lumMod val="100000"/>
+                <a:shade val="100000"/>
+              </a:schemeClr>
+            </a:gs>
+            <a:gs pos="100000">
+              <a:schemeClr val="phClr">
+                <a:lumMod val="99000"/>
+                <a:satMod val="120000"/>
+                <a:shade val="78000"/>
+              </a:schemeClr>
+            </a:gs>
+          </a:gsLst>
+          <a:lin ang="5400000" scaled="0"/>
+        </a:gradFill>
+      </a:fillStyleLst>
+      <a:lnStyleLst>
+        <a:ln w="6350" cap="flat" cmpd="sng" algn="ctr">
+          <a:solidFill>
+            <a:schemeClr val="phClr"/>
+          </a:solidFill>
+          <a:prstDash val="solid"/>
+          <a:miter lim="800000"/>
+        </a:ln>
+        <a:ln w="12700" cap="flat" cmpd="sng" algn="ctr">
+          <a:solidFill>
+            <a:schemeClr val="phClr"/>
+          </a:solidFill>
+          <a:prstDash val="solid"/>
+          <a:miter lim="800000"/>
+        </a:ln>
+        <a:ln w="19050" cap="flat" cmpd="sng" algn="ctr">
+          <a:solidFill>
+            <a:schemeClr val="phClr"/>
+          </a:solidFill>
+          <a:prstDash val="solid"/>
+          <a:miter lim="800000"/>
+        </a:ln>
+      </a:lnStyleLst>
+      <a:effectStyleLst>
+        <a:effectStyle>
+          <a:effectLst/>
+        </a:effectStyle>
+        <a:effectStyle>
+          <a:effectLst/>
+        </a:effectStyle>
+        <a:effectStyle>
+          <a:effectLst>
+            <a:outerShdw blurRad="57150" dist="19050" dir="5400000" algn="ctr" rotWithShape="0">
+              <a:srgbClr val="000000">
+                <a:alpha val="63000"/>
+              </a:srgbClr>
+            </a:outerShdw>
+          </a:effectLst>
+        </a:effectStyle>
+      </a:effectStyleLst>
+      <a:bgFillStyleLst>
+        <a:solidFill>
+          <a:schemeClr val="phClr"/>
+        </a:solidFill>
+        <a:solidFill>
+          <a:schemeClr val="phClr">
+            <a:tint val="95000"/>
+            <a:satMod val="170000"/>
+          </a:schemeClr>
+        </a:solidFill>
+        <a:gradFill rotWithShape="1">
+          <a:gsLst>
+            <a:gs pos="0">
+              <a:schemeClr val="phClr">
+                <a:tint val="93000"/>
+                <a:satMod val="150000"/>
+                <a:shade val="98000"/>
+                <a:lumMod val="102000"/>
+              </a:schemeClr>
+            </a:gs>
+            <a:gs pos="50000">
+              <a:schemeClr val="phClr">
+                <a:tint val="98000"/>
+                <a:satMod val="130000"/>
+                <a:shade val="90000"/>
+                <a:lumMod val="103000"/>
+              </a:schemeClr>
+            </a:gs>
+            <a:gs pos="100000">
+              <a:schemeClr val="phClr">
+                <a:shade val="63000"/>
+                <a:satMod val="120000"/>
+              </a:schemeClr>
+            </a:gs>
+          </a:gsLst>
+          <a:lin ang="5400000" scaled="0"/>
+        </a:gradFill>
+      </a:bgFillStyleLst>
+    </a:fmtScheme>
+  </a:themeElements>
+  <a:objectDefaults/>
+  <a:extraClrSchemeLst/>
+  <a:extLst>
+    <a:ext uri="{05A4C25C-085E-4340-85A3-A5531E510DB2}">
+      <thm15:themeFamily xmlns:thm15="http://schemas.microsoft.com/office/thememl/2012/main" name="Office Theme" id="{62F939B6-93AF-4DB8-9C6B-D6C7DFDC589F}" vid="{4A3C46E8-61CC-4603-A589-7422A47A8E4A}"/>
+    </a:ext>
+  </a:extLst>
+</a:theme>
 </file>
--- a/computational_reproducibility/lecture/2018_ComputationalReproducibility_Bruhwiler_USPAS.pptx
+++ b/computational_reproducibility/lecture/2018_ComputationalReproducibility_Bruhwiler_USPAS.pptx
@@ -8100,12 +8100,23 @@
             </a:r>
             <a:r>
               <a:rPr lang="en-US" b="0" dirty="0">
+                <a:solidFill>
+                  <a:schemeClr val="tx1"/>
+                </a:solidFill>
+                <a:latin typeface="Courier New" panose="02070309020205020404" pitchFamily="49" charset="0"/>
+                <a:cs typeface="Courier New" panose="02070309020205020404" pitchFamily="49" charset="0"/>
                 <a:hlinkClick r:id="rId3"/>
               </a:rPr>
-              <a:t>https://jupyter.radiasoft.org</a:t>
-            </a:r>
-            <a:r>
-              <a:rPr lang="en-US" b="0" dirty="0"/>
+              <a:t>https://uspas-jupyter.radiasoft.org</a:t>
+            </a:r>
+            <a:r>
+              <a:rPr lang="en-US" b="0" dirty="0">
+                <a:solidFill>
+                  <a:schemeClr val="tx1"/>
+                </a:solidFill>
+                <a:latin typeface="Courier New" panose="02070309020205020404" pitchFamily="49" charset="0"/>
+                <a:cs typeface="Courier New" panose="02070309020205020404" pitchFamily="49" charset="0"/>
+              </a:rPr>
               <a:t> </a:t>
             </a:r>
           </a:p>
